--- a/GAME SIMULASI KERJA PRAKTEK MAHASISWA FAKULTAS TEKNOLOGI INFORMASI.pptx
+++ b/GAME SIMULASI KERJA PRAKTEK MAHASISWA FAKULTAS TEKNOLOGI INFORMASI.pptx
@@ -5,10 +5,10 @@
     <p:sldMasterId id="2147483648" r:id="rId4"/>
   </p:sldMasterIdLst>
   <p:notesMasterIdLst>
-    <p:notesMasterId r:id="rId29"/>
+    <p:notesMasterId r:id="rId37"/>
   </p:notesMasterIdLst>
   <p:handoutMasterIdLst>
-    <p:handoutMasterId r:id="rId30"/>
+    <p:handoutMasterId r:id="rId38"/>
   </p:handoutMasterIdLst>
   <p:sldIdLst>
     <p:sldId id="256" r:id="rId5"/>
@@ -23,18 +23,26 @@
     <p:sldId id="292" r:id="rId14"/>
     <p:sldId id="295" r:id="rId15"/>
     <p:sldId id="293" r:id="rId16"/>
-    <p:sldId id="294" r:id="rId17"/>
-    <p:sldId id="258" r:id="rId18"/>
-    <p:sldId id="261" r:id="rId19"/>
-    <p:sldId id="262" r:id="rId20"/>
-    <p:sldId id="283" r:id="rId21"/>
-    <p:sldId id="264" r:id="rId22"/>
-    <p:sldId id="266" r:id="rId23"/>
-    <p:sldId id="284" r:id="rId24"/>
-    <p:sldId id="267" r:id="rId25"/>
-    <p:sldId id="269" r:id="rId26"/>
-    <p:sldId id="268" r:id="rId27"/>
-    <p:sldId id="285" r:id="rId28"/>
+    <p:sldId id="296" r:id="rId17"/>
+    <p:sldId id="297" r:id="rId18"/>
+    <p:sldId id="294" r:id="rId19"/>
+    <p:sldId id="298" r:id="rId20"/>
+    <p:sldId id="299" r:id="rId21"/>
+    <p:sldId id="300" r:id="rId22"/>
+    <p:sldId id="301" r:id="rId23"/>
+    <p:sldId id="302" r:id="rId24"/>
+    <p:sldId id="303" r:id="rId25"/>
+    <p:sldId id="258" r:id="rId26"/>
+    <p:sldId id="261" r:id="rId27"/>
+    <p:sldId id="262" r:id="rId28"/>
+    <p:sldId id="283" r:id="rId29"/>
+    <p:sldId id="264" r:id="rId30"/>
+    <p:sldId id="266" r:id="rId31"/>
+    <p:sldId id="284" r:id="rId32"/>
+    <p:sldId id="267" r:id="rId33"/>
+    <p:sldId id="269" r:id="rId34"/>
+    <p:sldId id="268" r:id="rId35"/>
+    <p:sldId id="285" r:id="rId36"/>
   </p:sldIdLst>
   <p:sldSz cx="12192000" cy="6858000"/>
   <p:notesSz cx="6858000" cy="9144000"/>
@@ -389,11 +397,11 @@
           <c:showBubbleSize val="0"/>
         </c:dLbls>
         <c:gapWidth val="24"/>
-        <c:axId val="152647584"/>
-        <c:axId val="106333344"/>
+        <c:axId val="193992752"/>
+        <c:axId val="193996112"/>
       </c:barChart>
       <c:catAx>
-        <c:axId val="152647584"/>
+        <c:axId val="193992752"/>
         <c:scaling>
           <c:orientation val="minMax"/>
         </c:scaling>
@@ -433,7 +441,7 @@
             <a:endParaRPr lang="en-US"/>
           </a:p>
         </c:txPr>
-        <c:crossAx val="106333344"/>
+        <c:crossAx val="193996112"/>
         <c:crosses val="autoZero"/>
         <c:auto val="1"/>
         <c:lblAlgn val="ctr"/>
@@ -441,7 +449,7 @@
         <c:noMultiLvlLbl val="0"/>
       </c:catAx>
       <c:valAx>
-        <c:axId val="106333344"/>
+        <c:axId val="193996112"/>
         <c:scaling>
           <c:orientation val="minMax"/>
         </c:scaling>
@@ -475,7 +483,7 @@
             <a:endParaRPr lang="en-US"/>
           </a:p>
         </c:txPr>
-        <c:crossAx val="152647584"/>
+        <c:crossAx val="193992752"/>
         <c:crosses val="autoZero"/>
         <c:crossBetween val="between"/>
       </c:valAx>
@@ -1160,7 +1168,7 @@
           <a:p>
             <a:fld id="{1CA5457B-CDAE-4DEB-AEC8-C82DE2312E37}" type="datetimeFigureOut">
               <a:rPr lang="en-GB" smtClean="0"/>
-              <a:t>19/03/2019</a:t>
+              <a:t>21/03/2019</a:t>
             </a:fld>
             <a:endParaRPr lang="en-GB" dirty="0"/>
           </a:p>
@@ -1337,7 +1345,7 @@
           <a:p>
             <a:fld id="{090B78EA-28CE-41D8-9043-90E391E5F567}" type="datetimeFigureOut">
               <a:rPr lang="en-GB" smtClean="0"/>
-              <a:t>19/03/2019</a:t>
+              <a:t>21/03/2019</a:t>
             </a:fld>
             <a:endParaRPr lang="en-GB" dirty="0"/>
           </a:p>
@@ -1649,92 +1657,7 @@
           <a:bodyPr/>
           <a:lstStyle/>
           <a:p>
-            <a:pPr marL="0" marR="0" indent="0" algn="l" defTabSz="914400" rtl="0" eaLnBrk="1" fontAlgn="auto" latinLnBrk="0" hangingPunct="1">
-              <a:lnSpc>
-                <a:spcPct val="100000"/>
-              </a:lnSpc>
-              <a:spcBef>
-                <a:spcPts val="0"/>
-              </a:spcBef>
-              <a:spcAft>
-                <a:spcPts val="0"/>
-              </a:spcAft>
-              <a:buClrTx/>
-              <a:buSzTx/>
-              <a:buFontTx/>
-              <a:buNone/>
-              <a:tabLst/>
-              <a:defRPr/>
-            </a:pPr>
-            <a:r>
-              <a:rPr lang="id-ID" sz="1200" kern="1200" dirty="0" smtClean="0">
-                <a:solidFill>
-                  <a:schemeClr val="tx1"/>
-                </a:solidFill>
-                <a:effectLst/>
-                <a:latin typeface="+mn-lt"/>
-                <a:ea typeface="+mn-ea"/>
-                <a:cs typeface="+mn-cs"/>
-              </a:rPr>
-              <a:t>Hampir semua aplikasi permainan</a:t>
-            </a:r>
-            <a:r>
-              <a:rPr lang="id-ID" sz="1200" i="1" kern="1200" dirty="0" smtClean="0">
-                <a:solidFill>
-                  <a:schemeClr val="tx1"/>
-                </a:solidFill>
-                <a:effectLst/>
-                <a:latin typeface="+mn-lt"/>
-                <a:ea typeface="+mn-ea"/>
-                <a:cs typeface="+mn-cs"/>
-              </a:rPr>
-              <a:t> </a:t>
-            </a:r>
-            <a:r>
-              <a:rPr lang="id-ID" sz="1200" kern="1200" dirty="0" smtClean="0">
-                <a:solidFill>
-                  <a:schemeClr val="tx1"/>
-                </a:solidFill>
-                <a:effectLst/>
-                <a:latin typeface="+mn-lt"/>
-                <a:ea typeface="+mn-ea"/>
-                <a:cs typeface="+mn-cs"/>
-              </a:rPr>
-              <a:t>yang dibuat saat ini, baik untuk perangkat komputer, konsol, maupun </a:t>
-            </a:r>
-            <a:r>
-              <a:rPr lang="id-ID" sz="1200" i="1" kern="1200" dirty="0" smtClean="0">
-                <a:solidFill>
-                  <a:schemeClr val="tx1"/>
-                </a:solidFill>
-                <a:effectLst/>
-                <a:latin typeface="+mn-lt"/>
-                <a:ea typeface="+mn-ea"/>
-                <a:cs typeface="+mn-cs"/>
-              </a:rPr>
-              <a:t>smartphone</a:t>
-            </a:r>
-            <a:r>
-              <a:rPr lang="id-ID" sz="1200" kern="1200" dirty="0" smtClean="0">
-                <a:solidFill>
-                  <a:schemeClr val="tx1"/>
-                </a:solidFill>
-                <a:effectLst/>
-                <a:latin typeface="+mn-lt"/>
-                <a:ea typeface="+mn-ea"/>
-                <a:cs typeface="+mn-cs"/>
-              </a:rPr>
-              <a:t>, berbentuk simulasi, seperti permainan yang terkenal saat ini yaitu PlayerUnknown's Battlegrounds (PUBG), Fortnite, Harvestmoon, Mobile Legends: Bang Bang, Rules of Survival. Simulasi ini juga tidak hanya dibuat dalam permaianan, banyak peneliti, programmer, maupun ilmuan yang mengembangkannya untuk keperluan di bidang lain seperti medis, elektronik, penerbangan, dan lain sebagainya, dengan memanfaatkan algoritma pemograman dan perkembangan teknologi yang semakin maju.</a:t>
-            </a:r>
-            <a:endParaRPr lang="en-US" sz="1200" kern="1200" dirty="0" smtClean="0">
-              <a:solidFill>
-                <a:schemeClr val="tx1"/>
-              </a:solidFill>
-              <a:effectLst/>
-              <a:latin typeface="+mn-lt"/>
-              <a:ea typeface="+mn-ea"/>
-              <a:cs typeface="+mn-cs"/>
-            </a:endParaRPr>
+            <a:endParaRPr lang="en-US" dirty="0"/>
           </a:p>
         </p:txBody>
       </p:sp>
@@ -1755,7 +1678,7 @@
           <a:p>
             <a:fld id="{1734D747-9380-41EE-9946-EC9EC0CA5D1E}" type="slidenum">
               <a:rPr lang="en-GB" smtClean="0"/>
-              <a:t>3</a:t>
+              <a:t>1</a:t>
             </a:fld>
             <a:endParaRPr lang="en-GB" dirty="0"/>
           </a:p>
@@ -1764,7 +1687,7 @@
     </p:spTree>
     <p:extLst>
       <p:ext uri="{BB962C8B-B14F-4D97-AF65-F5344CB8AC3E}">
-        <p14:creationId xmlns:p14="http://schemas.microsoft.com/office/powerpoint/2010/main" val="3671002949"/>
+        <p14:creationId xmlns:p14="http://schemas.microsoft.com/office/powerpoint/2010/main" val="3102401295"/>
       </p:ext>
     </p:extLst>
   </p:cSld>
@@ -1835,6 +1758,577 @@
               <a:tabLst/>
               <a:defRPr/>
             </a:pPr>
+            <a:r>
+              <a:rPr lang="id-ID" sz="1200" dirty="0" smtClean="0"/>
+              <a:t>Bentuknya dapat berupa model fisik seperti maket, patung, bentuk prototipe, model citra gambar rancangan, citra komputer, atau rumusan matematis.</a:t>
+            </a:r>
+            <a:endParaRPr lang="en-US" sz="1200" dirty="0" smtClean="0"/>
+          </a:p>
+          <a:p>
+            <a:pPr marL="0" marR="0" indent="0" algn="l" defTabSz="914400" rtl="0" eaLnBrk="1" fontAlgn="auto" latinLnBrk="0" hangingPunct="1">
+              <a:lnSpc>
+                <a:spcPct val="100000"/>
+              </a:lnSpc>
+              <a:spcBef>
+                <a:spcPts val="0"/>
+              </a:spcBef>
+              <a:spcAft>
+                <a:spcPts val="0"/>
+              </a:spcAft>
+              <a:buClrTx/>
+              <a:buSzTx/>
+              <a:buFontTx/>
+              <a:buNone/>
+              <a:tabLst/>
+              <a:defRPr/>
+            </a:pPr>
+            <a:endParaRPr lang="en-US" dirty="0" smtClean="0">
+              <a:effectLst/>
+            </a:endParaRPr>
+          </a:p>
+          <a:p>
+            <a:pPr marL="0" marR="0" indent="0" algn="l" defTabSz="914400" rtl="0" eaLnBrk="1" fontAlgn="auto" latinLnBrk="0" hangingPunct="1">
+              <a:lnSpc>
+                <a:spcPct val="100000"/>
+              </a:lnSpc>
+              <a:spcBef>
+                <a:spcPts val="0"/>
+              </a:spcBef>
+              <a:spcAft>
+                <a:spcPts val="0"/>
+              </a:spcAft>
+              <a:buClrTx/>
+              <a:buSzTx/>
+              <a:buFontTx/>
+              <a:buNone/>
+              <a:tabLst/>
+              <a:defRPr/>
+            </a:pPr>
+            <a:r>
+              <a:rPr lang="en-US" dirty="0" smtClean="0">
+                <a:effectLst/>
+              </a:rPr>
+              <a:t>Model </a:t>
+            </a:r>
+            <a:r>
+              <a:rPr lang="en-US" dirty="0" err="1" smtClean="0">
+                <a:effectLst/>
+              </a:rPr>
+              <a:t>warna</a:t>
+            </a:r>
+            <a:r>
+              <a:rPr lang="en-US" dirty="0" smtClean="0">
+                <a:effectLst/>
+              </a:rPr>
+              <a:t> </a:t>
+            </a:r>
+            <a:r>
+              <a:rPr lang="en-US" dirty="0" err="1" smtClean="0">
+                <a:effectLst/>
+              </a:rPr>
+              <a:t>merupakan</a:t>
+            </a:r>
+            <a:r>
+              <a:rPr lang="en-US" dirty="0" smtClean="0">
+                <a:effectLst/>
+              </a:rPr>
+              <a:t> </a:t>
+            </a:r>
+            <a:r>
+              <a:rPr lang="en-US" dirty="0" err="1" smtClean="0">
+                <a:effectLst/>
+              </a:rPr>
+              <a:t>cara</a:t>
+            </a:r>
+            <a:r>
+              <a:rPr lang="en-US" dirty="0" smtClean="0">
+                <a:effectLst/>
+              </a:rPr>
+              <a:t> </a:t>
+            </a:r>
+            <a:r>
+              <a:rPr lang="en-US" dirty="0" err="1" smtClean="0">
+                <a:effectLst/>
+              </a:rPr>
+              <a:t>standar</a:t>
+            </a:r>
+            <a:r>
+              <a:rPr lang="en-US" dirty="0" smtClean="0">
+                <a:effectLst/>
+              </a:rPr>
+              <a:t> </a:t>
+            </a:r>
+            <a:r>
+              <a:rPr lang="en-US" dirty="0" err="1" smtClean="0">
+                <a:effectLst/>
+              </a:rPr>
+              <a:t>untuk</a:t>
+            </a:r>
+            <a:r>
+              <a:rPr lang="en-US" dirty="0" smtClean="0">
+                <a:effectLst/>
+              </a:rPr>
+              <a:t> </a:t>
+            </a:r>
+            <a:r>
+              <a:rPr lang="en-US" dirty="0" err="1" smtClean="0">
+                <a:effectLst/>
+              </a:rPr>
+              <a:t>menspesifikasikan</a:t>
+            </a:r>
+            <a:r>
+              <a:rPr lang="en-US" dirty="0" smtClean="0">
+                <a:effectLst/>
+              </a:rPr>
+              <a:t> </a:t>
+            </a:r>
+            <a:r>
+              <a:rPr lang="en-US" dirty="0" err="1" smtClean="0">
+                <a:effectLst/>
+              </a:rPr>
+              <a:t>suatu</a:t>
+            </a:r>
+            <a:r>
+              <a:rPr lang="en-US" dirty="0" smtClean="0">
+                <a:effectLst/>
+              </a:rPr>
+              <a:t> </a:t>
+            </a:r>
+            <a:r>
+              <a:rPr lang="en-US" dirty="0" err="1" smtClean="0">
+                <a:effectLst/>
+              </a:rPr>
+              <a:t>warna</a:t>
+            </a:r>
+            <a:r>
+              <a:rPr lang="en-US" dirty="0" smtClean="0">
+                <a:effectLst/>
+              </a:rPr>
+              <a:t> </a:t>
+            </a:r>
+            <a:r>
+              <a:rPr lang="en-US" dirty="0" err="1" smtClean="0">
+                <a:effectLst/>
+              </a:rPr>
+              <a:t>tertentu</a:t>
+            </a:r>
+            <a:r>
+              <a:rPr lang="en-US" dirty="0" smtClean="0">
+                <a:effectLst/>
+              </a:rPr>
+              <a:t>, </a:t>
+            </a:r>
+            <a:r>
+              <a:rPr lang="en-US" dirty="0" err="1" smtClean="0">
+                <a:effectLst/>
+              </a:rPr>
+              <a:t>dengan</a:t>
+            </a:r>
+            <a:r>
+              <a:rPr lang="en-US" dirty="0" smtClean="0">
+                <a:effectLst/>
+              </a:rPr>
+              <a:t> </a:t>
+            </a:r>
+            <a:r>
+              <a:rPr lang="en-US" dirty="0" err="1" smtClean="0">
+                <a:effectLst/>
+              </a:rPr>
+              <a:t>mendefinisikan</a:t>
+            </a:r>
+            <a:r>
+              <a:rPr lang="en-US" dirty="0" smtClean="0">
+                <a:effectLst/>
+              </a:rPr>
+              <a:t> </a:t>
+            </a:r>
+            <a:r>
+              <a:rPr lang="en-US" dirty="0" err="1" smtClean="0">
+                <a:effectLst/>
+              </a:rPr>
+              <a:t>suatu</a:t>
+            </a:r>
+            <a:r>
+              <a:rPr lang="en-US" dirty="0" smtClean="0">
+                <a:effectLst/>
+              </a:rPr>
+              <a:t> </a:t>
+            </a:r>
+            <a:r>
+              <a:rPr lang="en-US" dirty="0" err="1" smtClean="0">
+                <a:effectLst/>
+              </a:rPr>
+              <a:t>sistem</a:t>
+            </a:r>
+            <a:r>
+              <a:rPr lang="en-US" dirty="0" smtClean="0">
+                <a:effectLst/>
+              </a:rPr>
+              <a:t> </a:t>
+            </a:r>
+            <a:r>
+              <a:rPr lang="en-US" dirty="0" err="1" smtClean="0">
+                <a:effectLst/>
+              </a:rPr>
+              <a:t>koordinat</a:t>
+            </a:r>
+            <a:r>
+              <a:rPr lang="en-US" dirty="0" smtClean="0">
+                <a:effectLst/>
+              </a:rPr>
+              <a:t> 3D, </a:t>
+            </a:r>
+            <a:r>
+              <a:rPr lang="en-US" dirty="0" err="1" smtClean="0">
+                <a:effectLst/>
+              </a:rPr>
+              <a:t>dan</a:t>
+            </a:r>
+            <a:r>
+              <a:rPr lang="en-US" dirty="0" smtClean="0">
+                <a:effectLst/>
+              </a:rPr>
+              <a:t> </a:t>
+            </a:r>
+            <a:r>
+              <a:rPr lang="en-US" dirty="0" err="1" smtClean="0">
+                <a:effectLst/>
+              </a:rPr>
+              <a:t>suatu</a:t>
+            </a:r>
+            <a:r>
+              <a:rPr lang="en-US" dirty="0" smtClean="0">
+                <a:effectLst/>
+              </a:rPr>
+              <a:t> </a:t>
+            </a:r>
+            <a:r>
+              <a:rPr lang="en-US" dirty="0" err="1" smtClean="0">
+                <a:effectLst/>
+              </a:rPr>
+              <a:t>ruang</a:t>
+            </a:r>
+            <a:r>
+              <a:rPr lang="en-US" dirty="0" smtClean="0">
+                <a:effectLst/>
+              </a:rPr>
+              <a:t> </a:t>
+            </a:r>
+            <a:r>
+              <a:rPr lang="en-US" dirty="0" err="1" smtClean="0">
+                <a:effectLst/>
+              </a:rPr>
+              <a:t>bagian</a:t>
+            </a:r>
+            <a:r>
+              <a:rPr lang="en-US" dirty="0" smtClean="0">
+                <a:effectLst/>
+              </a:rPr>
+              <a:t> yang </a:t>
+            </a:r>
+            <a:r>
+              <a:rPr lang="en-US" dirty="0" err="1" smtClean="0">
+                <a:effectLst/>
+              </a:rPr>
+              <a:t>mengandung</a:t>
+            </a:r>
+            <a:r>
+              <a:rPr lang="en-US" dirty="0" smtClean="0">
+                <a:effectLst/>
+              </a:rPr>
+              <a:t> </a:t>
+            </a:r>
+            <a:r>
+              <a:rPr lang="en-US" dirty="0" err="1" smtClean="0">
+                <a:effectLst/>
+              </a:rPr>
+              <a:t>semua</a:t>
+            </a:r>
+            <a:r>
+              <a:rPr lang="en-US" dirty="0" smtClean="0">
+                <a:effectLst/>
+              </a:rPr>
+              <a:t> </a:t>
+            </a:r>
+            <a:r>
+              <a:rPr lang="en-US" dirty="0" err="1" smtClean="0">
+                <a:effectLst/>
+              </a:rPr>
+              <a:t>warna</a:t>
+            </a:r>
+            <a:r>
+              <a:rPr lang="en-US" dirty="0" smtClean="0">
+                <a:effectLst/>
+              </a:rPr>
+              <a:t> yang </a:t>
+            </a:r>
+            <a:r>
+              <a:rPr lang="en-US" dirty="0" err="1" smtClean="0">
+                <a:effectLst/>
+              </a:rPr>
+              <a:t>dapat</a:t>
+            </a:r>
+            <a:r>
+              <a:rPr lang="en-US" dirty="0" smtClean="0">
+                <a:effectLst/>
+              </a:rPr>
+              <a:t> </a:t>
+            </a:r>
+            <a:r>
+              <a:rPr lang="en-US" dirty="0" err="1" smtClean="0">
+                <a:effectLst/>
+              </a:rPr>
+              <a:t>dibentuk</a:t>
+            </a:r>
+            <a:r>
+              <a:rPr lang="en-US" dirty="0" smtClean="0">
+                <a:effectLst/>
+              </a:rPr>
+              <a:t> </a:t>
+            </a:r>
+            <a:r>
+              <a:rPr lang="en-US" dirty="0" err="1" smtClean="0">
+                <a:effectLst/>
+              </a:rPr>
+              <a:t>ke</a:t>
+            </a:r>
+            <a:r>
+              <a:rPr lang="en-US" dirty="0" smtClean="0">
+                <a:effectLst/>
+              </a:rPr>
+              <a:t> </a:t>
+            </a:r>
+            <a:r>
+              <a:rPr lang="en-US" dirty="0" err="1" smtClean="0">
+                <a:effectLst/>
+              </a:rPr>
+              <a:t>dalam</a:t>
+            </a:r>
+            <a:r>
+              <a:rPr lang="en-US" dirty="0" smtClean="0">
+                <a:effectLst/>
+              </a:rPr>
+              <a:t> </a:t>
+            </a:r>
+            <a:r>
+              <a:rPr lang="en-US" dirty="0" err="1" smtClean="0">
+                <a:effectLst/>
+              </a:rPr>
+              <a:t>suatu</a:t>
+            </a:r>
+            <a:r>
+              <a:rPr lang="en-US" dirty="0" smtClean="0">
+                <a:effectLst/>
+              </a:rPr>
+              <a:t> model </a:t>
+            </a:r>
+            <a:r>
+              <a:rPr lang="en-US" dirty="0" err="1" smtClean="0">
+                <a:effectLst/>
+              </a:rPr>
+              <a:t>tertentu</a:t>
+            </a:r>
+            <a:r>
+              <a:rPr lang="en-US" dirty="0" smtClean="0">
+                <a:effectLst/>
+              </a:rPr>
+              <a:t>.</a:t>
+            </a:r>
+          </a:p>
+          <a:p>
+            <a:pPr marL="0" marR="0" indent="0" algn="l" defTabSz="914400" rtl="0" eaLnBrk="1" fontAlgn="auto" latinLnBrk="0" hangingPunct="1">
+              <a:lnSpc>
+                <a:spcPct val="100000"/>
+              </a:lnSpc>
+              <a:spcBef>
+                <a:spcPts val="0"/>
+              </a:spcBef>
+              <a:spcAft>
+                <a:spcPts val="0"/>
+              </a:spcAft>
+              <a:buClrTx/>
+              <a:buSzTx/>
+              <a:buFontTx/>
+              <a:buNone/>
+              <a:tabLst/>
+              <a:defRPr/>
+            </a:pPr>
+            <a:endParaRPr lang="en-US" sz="1200" kern="1200" dirty="0" smtClean="0">
+              <a:solidFill>
+                <a:schemeClr val="tx1"/>
+              </a:solidFill>
+              <a:effectLst/>
+              <a:latin typeface="+mn-lt"/>
+              <a:ea typeface="+mn-ea"/>
+              <a:cs typeface="+mn-cs"/>
+            </a:endParaRPr>
+          </a:p>
+          <a:p>
+            <a:pPr marL="0" marR="0" indent="0" algn="l" defTabSz="914400" rtl="0" eaLnBrk="1" fontAlgn="auto" latinLnBrk="0" hangingPunct="1">
+              <a:lnSpc>
+                <a:spcPct val="100000"/>
+              </a:lnSpc>
+              <a:spcBef>
+                <a:spcPts val="0"/>
+              </a:spcBef>
+              <a:spcAft>
+                <a:spcPts val="0"/>
+              </a:spcAft>
+              <a:buClrTx/>
+              <a:buSzTx/>
+              <a:buFontTx/>
+              <a:buNone/>
+              <a:tabLst/>
+              <a:defRPr/>
+            </a:pPr>
+            <a:r>
+              <a:rPr lang="en-US" dirty="0" err="1" smtClean="0">
+                <a:effectLst/>
+              </a:rPr>
+              <a:t>Masing-masing</a:t>
+            </a:r>
+            <a:r>
+              <a:rPr lang="en-US" dirty="0" smtClean="0">
+                <a:effectLst/>
+              </a:rPr>
+              <a:t> </a:t>
+            </a:r>
+            <a:r>
+              <a:rPr lang="en-US" dirty="0" err="1" smtClean="0">
+                <a:effectLst/>
+              </a:rPr>
+              <a:t>warna</a:t>
+            </a:r>
+            <a:r>
+              <a:rPr lang="en-US" dirty="0" smtClean="0">
+                <a:effectLst/>
+              </a:rPr>
+              <a:t> </a:t>
+            </a:r>
+            <a:r>
+              <a:rPr lang="en-US" dirty="0" err="1" smtClean="0">
+                <a:effectLst/>
+              </a:rPr>
+              <a:t>diarahkan</a:t>
+            </a:r>
+            <a:r>
+              <a:rPr lang="en-US" dirty="0" smtClean="0">
+                <a:effectLst/>
+              </a:rPr>
+              <a:t> </a:t>
+            </a:r>
+            <a:r>
+              <a:rPr lang="en-US" dirty="0" err="1" smtClean="0">
+                <a:effectLst/>
+              </a:rPr>
+              <a:t>ke</a:t>
+            </a:r>
+            <a:r>
+              <a:rPr lang="en-US" dirty="0" smtClean="0">
+                <a:effectLst/>
+              </a:rPr>
+              <a:t> </a:t>
+            </a:r>
+            <a:r>
+              <a:rPr lang="en-US" dirty="0" err="1" smtClean="0">
+                <a:effectLst/>
+              </a:rPr>
+              <a:t>salah</a:t>
+            </a:r>
+            <a:r>
+              <a:rPr lang="en-US" dirty="0" smtClean="0">
+                <a:effectLst/>
+              </a:rPr>
+              <a:t> </a:t>
+            </a:r>
+            <a:r>
+              <a:rPr lang="en-US" dirty="0" err="1" smtClean="0">
+                <a:effectLst/>
+              </a:rPr>
+              <a:t>satu</a:t>
+            </a:r>
+            <a:r>
+              <a:rPr lang="en-US" dirty="0" smtClean="0">
+                <a:effectLst/>
+              </a:rPr>
+              <a:t> standard hardware </a:t>
+            </a:r>
+            <a:r>
+              <a:rPr lang="en-US" dirty="0" err="1" smtClean="0">
+                <a:effectLst/>
+              </a:rPr>
+              <a:t>tertentu</a:t>
+            </a:r>
+            <a:r>
+              <a:rPr lang="en-US" dirty="0" smtClean="0">
+                <a:effectLst/>
+              </a:rPr>
+              <a:t> (RGB, CMY,YIQ), </a:t>
+            </a:r>
+            <a:r>
+              <a:rPr lang="en-US" dirty="0" err="1" smtClean="0">
+                <a:effectLst/>
+              </a:rPr>
+              <a:t>atau</a:t>
+            </a:r>
+            <a:r>
+              <a:rPr lang="en-US" dirty="0" smtClean="0">
+                <a:effectLst/>
+              </a:rPr>
+              <a:t> </a:t>
+            </a:r>
+            <a:r>
+              <a:rPr lang="en-US" dirty="0" err="1" smtClean="0">
+                <a:effectLst/>
+              </a:rPr>
+              <a:t>aplikasi</a:t>
+            </a:r>
+            <a:r>
+              <a:rPr lang="en-US" dirty="0" smtClean="0">
+                <a:effectLst/>
+              </a:rPr>
+              <a:t> </a:t>
+            </a:r>
+            <a:r>
+              <a:rPr lang="en-US" dirty="0" err="1" smtClean="0">
+                <a:effectLst/>
+              </a:rPr>
+              <a:t>pengolahan</a:t>
+            </a:r>
+            <a:r>
+              <a:rPr lang="en-US" dirty="0" smtClean="0">
+                <a:effectLst/>
+              </a:rPr>
+              <a:t> </a:t>
+            </a:r>
+            <a:r>
+              <a:rPr lang="en-US" dirty="0" err="1" smtClean="0">
+                <a:effectLst/>
+              </a:rPr>
+              <a:t>citra</a:t>
+            </a:r>
+            <a:r>
+              <a:rPr lang="en-US" dirty="0" smtClean="0">
+                <a:effectLst/>
+              </a:rPr>
+              <a:t> (HSI).</a:t>
+            </a:r>
+            <a:br>
+              <a:rPr lang="en-US" dirty="0" smtClean="0">
+                <a:effectLst/>
+              </a:rPr>
+            </a:br>
+            <a:r>
+              <a:rPr lang="en-US" dirty="0" smtClean="0">
+                <a:effectLst/>
+              </a:rPr>
+              <a:t/>
+            </a:r>
+            <a:br>
+              <a:rPr lang="en-US" dirty="0" smtClean="0">
+                <a:effectLst/>
+              </a:rPr>
+            </a:br>
             <a:endParaRPr lang="en-US" sz="1200" kern="1200" dirty="0" smtClean="0">
               <a:solidFill>
                 <a:schemeClr val="tx1"/>
@@ -1864,7 +2358,7 @@
           <a:p>
             <a:fld id="{1734D747-9380-41EE-9946-EC9EC0CA5D1E}" type="slidenum">
               <a:rPr lang="en-GB" smtClean="0"/>
-              <a:t>12</a:t>
+              <a:t>11</a:t>
             </a:fld>
             <a:endParaRPr lang="en-GB" dirty="0"/>
           </a:p>
@@ -1873,7 +2367,7 @@
     </p:spTree>
     <p:extLst>
       <p:ext uri="{BB962C8B-B14F-4D97-AF65-F5344CB8AC3E}">
-        <p14:creationId xmlns:p14="http://schemas.microsoft.com/office/powerpoint/2010/main" val="3802618680"/>
+        <p14:creationId xmlns:p14="http://schemas.microsoft.com/office/powerpoint/2010/main" val="1027779583"/>
       </p:ext>
     </p:extLst>
   </p:cSld>
@@ -1944,42 +2438,6 @@
               <a:tabLst/>
               <a:defRPr/>
             </a:pPr>
-            <a:r>
-              <a:rPr lang="en-US" sz="1200" kern="1200" dirty="0" err="1" smtClean="0">
-                <a:solidFill>
-                  <a:schemeClr val="tx1"/>
-                </a:solidFill>
-                <a:effectLst/>
-                <a:latin typeface="+mn-lt"/>
-                <a:ea typeface="+mn-ea"/>
-                <a:cs typeface="+mn-cs"/>
-              </a:rPr>
-              <a:t>Ketiga</a:t>
-            </a:r>
-            <a:r>
-              <a:rPr lang="en-US" sz="1200" kern="1200" baseline="0" dirty="0" smtClean="0">
-                <a:solidFill>
-                  <a:schemeClr val="tx1"/>
-                </a:solidFill>
-                <a:effectLst/>
-                <a:latin typeface="+mn-lt"/>
-                <a:ea typeface="+mn-ea"/>
-                <a:cs typeface="+mn-cs"/>
-              </a:rPr>
-              <a:t> </a:t>
-            </a:r>
-            <a:r>
-              <a:rPr lang="en-US" sz="1200" kern="1200" baseline="0" dirty="0" err="1" smtClean="0">
-                <a:solidFill>
-                  <a:schemeClr val="tx1"/>
-                </a:solidFill>
-                <a:effectLst/>
-                <a:latin typeface="+mn-lt"/>
-                <a:ea typeface="+mn-ea"/>
-                <a:cs typeface="+mn-cs"/>
-              </a:rPr>
-              <a:t>terakhir</a:t>
-            </a:r>
             <a:endParaRPr lang="en-US" sz="1200" kern="1200" dirty="0" smtClean="0">
               <a:solidFill>
                 <a:schemeClr val="tx1"/>
@@ -2009,7 +2467,1182 @@
           <a:p>
             <a:fld id="{1734D747-9380-41EE-9946-EC9EC0CA5D1E}" type="slidenum">
               <a:rPr lang="en-GB" smtClean="0"/>
+              <a:t>12</a:t>
+            </a:fld>
+            <a:endParaRPr lang="en-GB" dirty="0"/>
+          </a:p>
+        </p:txBody>
+      </p:sp>
+    </p:spTree>
+    <p:extLst>
+      <p:ext uri="{BB962C8B-B14F-4D97-AF65-F5344CB8AC3E}">
+        <p14:creationId xmlns:p14="http://schemas.microsoft.com/office/powerpoint/2010/main" val="3802618680"/>
+      </p:ext>
+    </p:extLst>
+  </p:cSld>
+  <p:clrMapOvr>
+    <a:masterClrMapping/>
+  </p:clrMapOvr>
+</p:notes>
+</file>
+
+<file path=ppt/notesSlides/notesSlide12.xml><?xml version="1.0" encoding="utf-8"?>
+<p:notes xmlns:a="http://schemas.openxmlformats.org/drawingml/2006/main" xmlns:r="http://schemas.openxmlformats.org/officeDocument/2006/relationships" xmlns:p="http://schemas.openxmlformats.org/presentationml/2006/main">
+  <p:cSld>
+    <p:spTree>
+      <p:nvGrpSpPr>
+        <p:cNvPr id="1" name=""/>
+        <p:cNvGrpSpPr/>
+        <p:nvPr/>
+      </p:nvGrpSpPr>
+      <p:grpSpPr>
+        <a:xfrm>
+          <a:off x="0" y="0"/>
+          <a:ext cx="0" cy="0"/>
+          <a:chOff x="0" y="0"/>
+          <a:chExt cx="0" cy="0"/>
+        </a:xfrm>
+      </p:grpSpPr>
+      <p:sp>
+        <p:nvSpPr>
+          <p:cNvPr id="2" name="Slide Image Placeholder 1"/>
+          <p:cNvSpPr>
+            <a:spLocks noGrp="1" noRot="1" noChangeAspect="1"/>
+          </p:cNvSpPr>
+          <p:nvPr>
+            <p:ph type="sldImg"/>
+          </p:nvPr>
+        </p:nvSpPr>
+        <p:spPr/>
+      </p:sp>
+      <p:sp>
+        <p:nvSpPr>
+          <p:cNvPr id="3" name="Notes Placeholder 2"/>
+          <p:cNvSpPr>
+            <a:spLocks noGrp="1"/>
+          </p:cNvSpPr>
+          <p:nvPr>
+            <p:ph type="body" idx="1"/>
+          </p:nvPr>
+        </p:nvSpPr>
+        <p:spPr/>
+        <p:txBody>
+          <a:bodyPr/>
+          <a:lstStyle/>
+          <a:p>
+            <a:pPr marL="0" marR="0" indent="0" algn="l" defTabSz="914400" rtl="0" eaLnBrk="1" fontAlgn="auto" latinLnBrk="0" hangingPunct="1">
+              <a:lnSpc>
+                <a:spcPct val="100000"/>
+              </a:lnSpc>
+              <a:spcBef>
+                <a:spcPts val="0"/>
+              </a:spcBef>
+              <a:spcAft>
+                <a:spcPts val="0"/>
+              </a:spcAft>
+              <a:buClrTx/>
+              <a:buSzTx/>
+              <a:buFontTx/>
+              <a:buNone/>
+              <a:tabLst/>
+              <a:defRPr/>
+            </a:pPr>
+            <a:r>
+              <a:rPr lang="en-US" dirty="0" err="1" smtClean="0"/>
+              <a:t>penggunaan</a:t>
+            </a:r>
+            <a:r>
+              <a:rPr lang="en-US" dirty="0" smtClean="0"/>
+              <a:t> </a:t>
+            </a:r>
+            <a:r>
+              <a:rPr lang="en-US" dirty="0" err="1" smtClean="0"/>
+              <a:t>komputer</a:t>
+            </a:r>
+            <a:r>
+              <a:rPr lang="en-US" dirty="0" smtClean="0"/>
+              <a:t> </a:t>
+            </a:r>
+            <a:r>
+              <a:rPr lang="en-US" dirty="0" err="1" smtClean="0"/>
+              <a:t>untuk</a:t>
+            </a:r>
+            <a:r>
+              <a:rPr lang="en-US" dirty="0" smtClean="0"/>
+              <a:t> </a:t>
+            </a:r>
+            <a:r>
+              <a:rPr lang="en-US" dirty="0" err="1" smtClean="0"/>
+              <a:t>menyajikan</a:t>
+            </a:r>
+            <a:r>
+              <a:rPr lang="en-US" dirty="0" smtClean="0"/>
+              <a:t> </a:t>
+            </a:r>
+            <a:r>
+              <a:rPr lang="en-US" dirty="0" err="1" smtClean="0"/>
+              <a:t>dan</a:t>
+            </a:r>
+            <a:r>
+              <a:rPr lang="en-US" dirty="0" smtClean="0"/>
+              <a:t> </a:t>
+            </a:r>
+            <a:r>
+              <a:rPr lang="en-US" dirty="0" err="1" smtClean="0"/>
+              <a:t>menggabungkan</a:t>
+            </a:r>
+            <a:r>
+              <a:rPr lang="en-US" dirty="0" smtClean="0"/>
+              <a:t> </a:t>
+            </a:r>
+            <a:r>
+              <a:rPr lang="en-US" dirty="0" err="1" smtClean="0"/>
+              <a:t>teks</a:t>
+            </a:r>
+            <a:r>
+              <a:rPr lang="en-US" dirty="0" smtClean="0"/>
+              <a:t>, </a:t>
+            </a:r>
+            <a:r>
+              <a:rPr lang="en-US" dirty="0" err="1" smtClean="0"/>
+              <a:t>suara</a:t>
+            </a:r>
+            <a:r>
+              <a:rPr lang="en-US" dirty="0" smtClean="0"/>
+              <a:t>, </a:t>
+            </a:r>
+            <a:r>
+              <a:rPr lang="en-US" dirty="0" err="1" smtClean="0"/>
+              <a:t>gambar</a:t>
+            </a:r>
+            <a:r>
+              <a:rPr lang="en-US" dirty="0" smtClean="0"/>
+              <a:t>, </a:t>
+            </a:r>
+            <a:r>
+              <a:rPr lang="en-US" dirty="0" err="1" smtClean="0"/>
+              <a:t>animasi</a:t>
+            </a:r>
+            <a:r>
+              <a:rPr lang="en-US" dirty="0" smtClean="0"/>
+              <a:t>, audio </a:t>
+            </a:r>
+            <a:r>
+              <a:rPr lang="en-US" dirty="0" err="1" smtClean="0"/>
+              <a:t>dan</a:t>
+            </a:r>
+            <a:r>
+              <a:rPr lang="en-US" dirty="0" smtClean="0"/>
+              <a:t> video </a:t>
+            </a:r>
+            <a:r>
+              <a:rPr lang="en-US" dirty="0" err="1" smtClean="0"/>
+              <a:t>dengan</a:t>
+            </a:r>
+            <a:r>
+              <a:rPr lang="en-US" dirty="0" smtClean="0"/>
+              <a:t> </a:t>
+            </a:r>
+            <a:r>
+              <a:rPr lang="en-US" dirty="0" err="1" smtClean="0"/>
+              <a:t>alat</a:t>
+            </a:r>
+            <a:r>
+              <a:rPr lang="en-US" dirty="0" smtClean="0"/>
+              <a:t> bantu (tool) </a:t>
+            </a:r>
+            <a:r>
+              <a:rPr lang="en-US" dirty="0" err="1" smtClean="0"/>
+              <a:t>dan</a:t>
+            </a:r>
+            <a:r>
+              <a:rPr lang="en-US" dirty="0" smtClean="0"/>
+              <a:t> </a:t>
+            </a:r>
+            <a:r>
+              <a:rPr lang="en-US" dirty="0" err="1" smtClean="0"/>
+              <a:t>koneksi</a:t>
+            </a:r>
+            <a:r>
+              <a:rPr lang="en-US" dirty="0" smtClean="0"/>
+              <a:t> (link) </a:t>
+            </a:r>
+            <a:r>
+              <a:rPr lang="en-US" dirty="0" err="1" smtClean="0"/>
+              <a:t>sehingga</a:t>
+            </a:r>
+            <a:r>
+              <a:rPr lang="en-US" dirty="0" smtClean="0"/>
+              <a:t> </a:t>
+            </a:r>
+            <a:r>
+              <a:rPr lang="en-US" dirty="0" err="1" smtClean="0"/>
+              <a:t>pengguna</a:t>
+            </a:r>
+            <a:r>
+              <a:rPr lang="en-US" dirty="0" smtClean="0"/>
+              <a:t> </a:t>
+            </a:r>
+            <a:r>
+              <a:rPr lang="en-US" dirty="0" err="1" smtClean="0"/>
+              <a:t>dapat</a:t>
+            </a:r>
+            <a:r>
+              <a:rPr lang="en-US" dirty="0" smtClean="0"/>
+              <a:t> </a:t>
+            </a:r>
+            <a:r>
+              <a:rPr lang="en-US" dirty="0" err="1" smtClean="0"/>
+              <a:t>melakukan</a:t>
+            </a:r>
+            <a:r>
+              <a:rPr lang="en-US" dirty="0" smtClean="0"/>
+              <a:t> </a:t>
+            </a:r>
+            <a:r>
+              <a:rPr lang="en-US" dirty="0" err="1" smtClean="0"/>
+              <a:t>navigasi</a:t>
+            </a:r>
+            <a:r>
+              <a:rPr lang="en-US" dirty="0" smtClean="0"/>
+              <a:t>, </a:t>
+            </a:r>
+            <a:r>
+              <a:rPr lang="en-US" dirty="0" err="1" smtClean="0"/>
+              <a:t>berinteraksi</a:t>
+            </a:r>
+            <a:r>
+              <a:rPr lang="en-US" dirty="0" smtClean="0"/>
+              <a:t>, </a:t>
+            </a:r>
+            <a:r>
+              <a:rPr lang="en-US" dirty="0" err="1" smtClean="0"/>
+              <a:t>berkarya</a:t>
+            </a:r>
+            <a:r>
+              <a:rPr lang="en-US" dirty="0" smtClean="0"/>
+              <a:t> </a:t>
+            </a:r>
+            <a:r>
+              <a:rPr lang="en-US" dirty="0" err="1" smtClean="0"/>
+              <a:t>dan</a:t>
+            </a:r>
+            <a:r>
+              <a:rPr lang="en-US" dirty="0" smtClean="0"/>
+              <a:t> </a:t>
+            </a:r>
+            <a:r>
+              <a:rPr lang="en-US" dirty="0" err="1" smtClean="0"/>
+              <a:t>berkomunikasi</a:t>
+            </a:r>
+            <a:r>
+              <a:rPr lang="en-US" dirty="0" smtClean="0"/>
+              <a:t>.</a:t>
+            </a:r>
+            <a:endParaRPr lang="en-US" sz="1200" kern="1200" dirty="0" smtClean="0">
+              <a:solidFill>
+                <a:schemeClr val="tx1"/>
+              </a:solidFill>
+              <a:effectLst/>
+              <a:latin typeface="+mn-lt"/>
+              <a:ea typeface="+mn-ea"/>
+              <a:cs typeface="+mn-cs"/>
+            </a:endParaRPr>
+          </a:p>
+        </p:txBody>
+      </p:sp>
+      <p:sp>
+        <p:nvSpPr>
+          <p:cNvPr id="4" name="Slide Number Placeholder 3"/>
+          <p:cNvSpPr>
+            <a:spLocks noGrp="1"/>
+          </p:cNvSpPr>
+          <p:nvPr>
+            <p:ph type="sldNum" sz="quarter" idx="10"/>
+          </p:nvPr>
+        </p:nvSpPr>
+        <p:spPr/>
+        <p:txBody>
+          <a:bodyPr/>
+          <a:lstStyle/>
+          <a:p>
+            <a:fld id="{1734D747-9380-41EE-9946-EC9EC0CA5D1E}" type="slidenum">
+              <a:rPr lang="en-GB" smtClean="0"/>
               <a:t>13</a:t>
+            </a:fld>
+            <a:endParaRPr lang="en-GB" dirty="0"/>
+          </a:p>
+        </p:txBody>
+      </p:sp>
+    </p:spTree>
+    <p:extLst>
+      <p:ext uri="{BB962C8B-B14F-4D97-AF65-F5344CB8AC3E}">
+        <p14:creationId xmlns:p14="http://schemas.microsoft.com/office/powerpoint/2010/main" val="2738945584"/>
+      </p:ext>
+    </p:extLst>
+  </p:cSld>
+  <p:clrMapOvr>
+    <a:masterClrMapping/>
+  </p:clrMapOvr>
+</p:notes>
+</file>
+
+<file path=ppt/notesSlides/notesSlide13.xml><?xml version="1.0" encoding="utf-8"?>
+<p:notes xmlns:a="http://schemas.openxmlformats.org/drawingml/2006/main" xmlns:r="http://schemas.openxmlformats.org/officeDocument/2006/relationships" xmlns:p="http://schemas.openxmlformats.org/presentationml/2006/main">
+  <p:cSld>
+    <p:spTree>
+      <p:nvGrpSpPr>
+        <p:cNvPr id="1" name=""/>
+        <p:cNvGrpSpPr/>
+        <p:nvPr/>
+      </p:nvGrpSpPr>
+      <p:grpSpPr>
+        <a:xfrm>
+          <a:off x="0" y="0"/>
+          <a:ext cx="0" cy="0"/>
+          <a:chOff x="0" y="0"/>
+          <a:chExt cx="0" cy="0"/>
+        </a:xfrm>
+      </p:grpSpPr>
+      <p:sp>
+        <p:nvSpPr>
+          <p:cNvPr id="2" name="Slide Image Placeholder 1"/>
+          <p:cNvSpPr>
+            <a:spLocks noGrp="1" noRot="1" noChangeAspect="1"/>
+          </p:cNvSpPr>
+          <p:nvPr>
+            <p:ph type="sldImg"/>
+          </p:nvPr>
+        </p:nvSpPr>
+        <p:spPr/>
+      </p:sp>
+      <p:sp>
+        <p:nvSpPr>
+          <p:cNvPr id="3" name="Notes Placeholder 2"/>
+          <p:cNvSpPr>
+            <a:spLocks noGrp="1"/>
+          </p:cNvSpPr>
+          <p:nvPr>
+            <p:ph type="body" idx="1"/>
+          </p:nvPr>
+        </p:nvSpPr>
+        <p:spPr/>
+        <p:txBody>
+          <a:bodyPr/>
+          <a:lstStyle/>
+          <a:p>
+            <a:r>
+              <a:rPr lang="en-US" sz="1200" kern="1200" dirty="0" smtClean="0">
+                <a:solidFill>
+                  <a:schemeClr val="tx1"/>
+                </a:solidFill>
+                <a:effectLst/>
+                <a:latin typeface="+mn-lt"/>
+                <a:ea typeface="+mn-ea"/>
+                <a:cs typeface="+mn-cs"/>
+              </a:rPr>
+              <a:t>Linier </a:t>
+            </a:r>
+            <a:r>
+              <a:rPr lang="id-ID" sz="1200" kern="1200" dirty="0" smtClean="0">
+                <a:solidFill>
+                  <a:schemeClr val="tx1"/>
+                </a:solidFill>
+                <a:effectLst/>
+                <a:latin typeface="+mn-lt"/>
+                <a:ea typeface="+mn-ea"/>
+                <a:cs typeface="+mn-cs"/>
+              </a:rPr>
+              <a:t>Multimedia ini berjalan sekuensial (berurutan / lurus), contohnya : TV dan film.</a:t>
+            </a:r>
+            <a:endParaRPr lang="en-US" sz="1200" kern="1200" dirty="0" smtClean="0">
+              <a:solidFill>
+                <a:schemeClr val="tx1"/>
+              </a:solidFill>
+              <a:effectLst/>
+              <a:latin typeface="+mn-lt"/>
+              <a:ea typeface="+mn-ea"/>
+              <a:cs typeface="+mn-cs"/>
+            </a:endParaRPr>
+          </a:p>
+          <a:p>
+            <a:endParaRPr lang="en-US" sz="1200" kern="1200" dirty="0" smtClean="0">
+              <a:solidFill>
+                <a:schemeClr val="tx1"/>
+              </a:solidFill>
+              <a:effectLst/>
+              <a:latin typeface="+mn-lt"/>
+              <a:ea typeface="+mn-ea"/>
+              <a:cs typeface="+mn-cs"/>
+            </a:endParaRPr>
+          </a:p>
+          <a:p>
+            <a:r>
+              <a:rPr lang="en-US" sz="1200" kern="1200" dirty="0" smtClean="0">
+                <a:solidFill>
+                  <a:schemeClr val="tx1"/>
+                </a:solidFill>
+                <a:effectLst/>
+                <a:latin typeface="+mn-lt"/>
+                <a:ea typeface="+mn-ea"/>
+                <a:cs typeface="+mn-cs"/>
+              </a:rPr>
+              <a:t> </a:t>
+            </a:r>
+            <a:r>
+              <a:rPr lang="en-US" sz="1200" kern="1200" dirty="0" err="1" smtClean="0">
+                <a:solidFill>
+                  <a:schemeClr val="tx1"/>
+                </a:solidFill>
+                <a:effectLst/>
+                <a:latin typeface="+mn-lt"/>
+                <a:ea typeface="+mn-ea"/>
+                <a:cs typeface="+mn-cs"/>
+              </a:rPr>
+              <a:t>Interkatif</a:t>
+            </a:r>
+            <a:r>
+              <a:rPr lang="en-US" sz="1200" kern="1200" dirty="0" smtClean="0">
+                <a:solidFill>
+                  <a:schemeClr val="tx1"/>
+                </a:solidFill>
+                <a:effectLst/>
+                <a:latin typeface="+mn-lt"/>
+                <a:ea typeface="+mn-ea"/>
+                <a:cs typeface="+mn-cs"/>
+              </a:rPr>
+              <a:t> </a:t>
+            </a:r>
+            <a:r>
+              <a:rPr lang="id-ID" sz="1200" kern="1200" dirty="0" smtClean="0">
+                <a:solidFill>
+                  <a:schemeClr val="tx1"/>
+                </a:solidFill>
+                <a:effectLst/>
+                <a:latin typeface="+mn-lt"/>
+                <a:ea typeface="+mn-ea"/>
+                <a:cs typeface="+mn-cs"/>
+              </a:rPr>
+              <a:t>Contohnya seperti aplikasi </a:t>
+            </a:r>
+            <a:r>
+              <a:rPr lang="id-ID" sz="1200" i="1" kern="1200" dirty="0" smtClean="0">
+                <a:solidFill>
+                  <a:schemeClr val="tx1"/>
+                </a:solidFill>
+                <a:effectLst/>
+                <a:latin typeface="+mn-lt"/>
+                <a:ea typeface="+mn-ea"/>
+                <a:cs typeface="+mn-cs"/>
+              </a:rPr>
+              <a:t>game</a:t>
+            </a:r>
+            <a:r>
+              <a:rPr lang="id-ID" sz="1200" kern="1200" dirty="0" smtClean="0">
+                <a:solidFill>
+                  <a:schemeClr val="tx1"/>
+                </a:solidFill>
+                <a:effectLst/>
+                <a:latin typeface="+mn-lt"/>
+                <a:ea typeface="+mn-ea"/>
+                <a:cs typeface="+mn-cs"/>
+              </a:rPr>
+              <a:t>. </a:t>
+            </a:r>
+            <a:endParaRPr lang="en-US" sz="1200" kern="1200" dirty="0">
+              <a:solidFill>
+                <a:schemeClr val="tx1"/>
+              </a:solidFill>
+              <a:effectLst/>
+              <a:latin typeface="+mn-lt"/>
+              <a:ea typeface="+mn-ea"/>
+              <a:cs typeface="+mn-cs"/>
+            </a:endParaRPr>
+          </a:p>
+        </p:txBody>
+      </p:sp>
+      <p:sp>
+        <p:nvSpPr>
+          <p:cNvPr id="4" name="Slide Number Placeholder 3"/>
+          <p:cNvSpPr>
+            <a:spLocks noGrp="1"/>
+          </p:cNvSpPr>
+          <p:nvPr>
+            <p:ph type="sldNum" sz="quarter" idx="10"/>
+          </p:nvPr>
+        </p:nvSpPr>
+        <p:spPr/>
+        <p:txBody>
+          <a:bodyPr/>
+          <a:lstStyle/>
+          <a:p>
+            <a:fld id="{1734D747-9380-41EE-9946-EC9EC0CA5D1E}" type="slidenum">
+              <a:rPr lang="en-GB" smtClean="0"/>
+              <a:t>14</a:t>
+            </a:fld>
+            <a:endParaRPr lang="en-GB" dirty="0"/>
+          </a:p>
+        </p:txBody>
+      </p:sp>
+    </p:spTree>
+    <p:extLst>
+      <p:ext uri="{BB962C8B-B14F-4D97-AF65-F5344CB8AC3E}">
+        <p14:creationId xmlns:p14="http://schemas.microsoft.com/office/powerpoint/2010/main" val="23469617"/>
+      </p:ext>
+    </p:extLst>
+  </p:cSld>
+  <p:clrMapOvr>
+    <a:masterClrMapping/>
+  </p:clrMapOvr>
+</p:notes>
+</file>
+
+<file path=ppt/notesSlides/notesSlide14.xml><?xml version="1.0" encoding="utf-8"?>
+<p:notes xmlns:a="http://schemas.openxmlformats.org/drawingml/2006/main" xmlns:r="http://schemas.openxmlformats.org/officeDocument/2006/relationships" xmlns:p="http://schemas.openxmlformats.org/presentationml/2006/main">
+  <p:cSld>
+    <p:spTree>
+      <p:nvGrpSpPr>
+        <p:cNvPr id="1" name=""/>
+        <p:cNvGrpSpPr/>
+        <p:nvPr/>
+      </p:nvGrpSpPr>
+      <p:grpSpPr>
+        <a:xfrm>
+          <a:off x="0" y="0"/>
+          <a:ext cx="0" cy="0"/>
+          <a:chOff x="0" y="0"/>
+          <a:chExt cx="0" cy="0"/>
+        </a:xfrm>
+      </p:grpSpPr>
+      <p:sp>
+        <p:nvSpPr>
+          <p:cNvPr id="2" name="Slide Image Placeholder 1"/>
+          <p:cNvSpPr>
+            <a:spLocks noGrp="1" noRot="1" noChangeAspect="1"/>
+          </p:cNvSpPr>
+          <p:nvPr>
+            <p:ph type="sldImg"/>
+          </p:nvPr>
+        </p:nvSpPr>
+        <p:spPr/>
+      </p:sp>
+      <p:sp>
+        <p:nvSpPr>
+          <p:cNvPr id="3" name="Notes Placeholder 2"/>
+          <p:cNvSpPr>
+            <a:spLocks noGrp="1"/>
+          </p:cNvSpPr>
+          <p:nvPr>
+            <p:ph type="body" idx="1"/>
+          </p:nvPr>
+        </p:nvSpPr>
+        <p:spPr/>
+        <p:txBody>
+          <a:bodyPr/>
+          <a:lstStyle/>
+          <a:p>
+            <a:pPr marL="0" marR="0" indent="0" algn="l" defTabSz="914400" rtl="0" eaLnBrk="1" fontAlgn="auto" latinLnBrk="0" hangingPunct="1">
+              <a:lnSpc>
+                <a:spcPct val="100000"/>
+              </a:lnSpc>
+              <a:spcBef>
+                <a:spcPts val="0"/>
+              </a:spcBef>
+              <a:spcAft>
+                <a:spcPts val="0"/>
+              </a:spcAft>
+              <a:buClrTx/>
+              <a:buSzTx/>
+              <a:buFontTx/>
+              <a:buNone/>
+              <a:tabLst/>
+              <a:defRPr/>
+            </a:pPr>
+            <a:r>
+              <a:rPr lang="en-US" sz="1200" kern="1200" dirty="0" err="1" smtClean="0">
+                <a:solidFill>
+                  <a:schemeClr val="tx1"/>
+                </a:solidFill>
+                <a:effectLst/>
+                <a:latin typeface="+mn-lt"/>
+                <a:ea typeface="+mn-ea"/>
+                <a:cs typeface="+mn-cs"/>
+              </a:rPr>
+              <a:t>Ketiga</a:t>
+            </a:r>
+            <a:r>
+              <a:rPr lang="en-US" sz="1200" kern="1200" baseline="0" dirty="0" smtClean="0">
+                <a:solidFill>
+                  <a:schemeClr val="tx1"/>
+                </a:solidFill>
+                <a:effectLst/>
+                <a:latin typeface="+mn-lt"/>
+                <a:ea typeface="+mn-ea"/>
+                <a:cs typeface="+mn-cs"/>
+              </a:rPr>
+              <a:t> </a:t>
+            </a:r>
+            <a:r>
+              <a:rPr lang="en-US" sz="1200" kern="1200" baseline="0" dirty="0" err="1" smtClean="0">
+                <a:solidFill>
+                  <a:schemeClr val="tx1"/>
+                </a:solidFill>
+                <a:effectLst/>
+                <a:latin typeface="+mn-lt"/>
+                <a:ea typeface="+mn-ea"/>
+                <a:cs typeface="+mn-cs"/>
+              </a:rPr>
+              <a:t>terakhir</a:t>
+            </a:r>
+            <a:endParaRPr lang="en-US" sz="1200" kern="1200" baseline="0" dirty="0" smtClean="0">
+              <a:solidFill>
+                <a:schemeClr val="tx1"/>
+              </a:solidFill>
+              <a:effectLst/>
+              <a:latin typeface="+mn-lt"/>
+              <a:ea typeface="+mn-ea"/>
+              <a:cs typeface="+mn-cs"/>
+            </a:endParaRPr>
+          </a:p>
+          <a:p>
+            <a:pPr marL="0" marR="0" indent="0" algn="l" defTabSz="914400" rtl="0" eaLnBrk="1" fontAlgn="auto" latinLnBrk="0" hangingPunct="1">
+              <a:lnSpc>
+                <a:spcPct val="100000"/>
+              </a:lnSpc>
+              <a:spcBef>
+                <a:spcPts val="0"/>
+              </a:spcBef>
+              <a:spcAft>
+                <a:spcPts val="0"/>
+              </a:spcAft>
+              <a:buClrTx/>
+              <a:buSzTx/>
+              <a:buFontTx/>
+              <a:buNone/>
+              <a:tabLst/>
+              <a:defRPr/>
+            </a:pPr>
+            <a:r>
+              <a:rPr lang="en-US" sz="1200" kern="1200" dirty="0" smtClean="0">
+                <a:solidFill>
+                  <a:schemeClr val="tx1"/>
+                </a:solidFill>
+                <a:effectLst/>
+                <a:latin typeface="+mn-lt"/>
+                <a:ea typeface="+mn-ea"/>
+                <a:cs typeface="+mn-cs"/>
+              </a:rPr>
+              <a:t>OOP/PBO </a:t>
+            </a:r>
+            <a:r>
+              <a:rPr lang="en-US" sz="1200" kern="1200" dirty="0" err="1" smtClean="0">
+                <a:solidFill>
+                  <a:schemeClr val="tx1"/>
+                </a:solidFill>
+                <a:effectLst/>
+                <a:latin typeface="+mn-lt"/>
+                <a:ea typeface="+mn-ea"/>
+                <a:cs typeface="+mn-cs"/>
+              </a:rPr>
+              <a:t>merupakan</a:t>
+            </a:r>
+            <a:r>
+              <a:rPr lang="en-US" sz="1200" kern="1200" dirty="0" smtClean="0">
+                <a:solidFill>
+                  <a:schemeClr val="tx1"/>
+                </a:solidFill>
+                <a:effectLst/>
+                <a:latin typeface="+mn-lt"/>
+                <a:ea typeface="+mn-ea"/>
+                <a:cs typeface="+mn-cs"/>
+              </a:rPr>
+              <a:t> </a:t>
+            </a:r>
+            <a:r>
+              <a:rPr lang="en-US" sz="1200" kern="1200" dirty="0" err="1" smtClean="0">
+                <a:solidFill>
+                  <a:schemeClr val="tx1"/>
+                </a:solidFill>
+                <a:effectLst/>
+                <a:latin typeface="+mn-lt"/>
+                <a:ea typeface="+mn-ea"/>
+                <a:cs typeface="+mn-cs"/>
+              </a:rPr>
+              <a:t>paradigma</a:t>
+            </a:r>
+            <a:r>
+              <a:rPr lang="en-US" sz="1200" kern="1200" dirty="0" smtClean="0">
+                <a:solidFill>
+                  <a:schemeClr val="tx1"/>
+                </a:solidFill>
+                <a:effectLst/>
+                <a:latin typeface="+mn-lt"/>
+                <a:ea typeface="+mn-ea"/>
+                <a:cs typeface="+mn-cs"/>
+              </a:rPr>
+              <a:t> </a:t>
+            </a:r>
+            <a:r>
+              <a:rPr lang="en-US" sz="1200" kern="1200" dirty="0" err="1" smtClean="0">
+                <a:solidFill>
+                  <a:schemeClr val="tx1"/>
+                </a:solidFill>
+                <a:effectLst/>
+                <a:latin typeface="+mn-lt"/>
+                <a:ea typeface="+mn-ea"/>
+                <a:cs typeface="+mn-cs"/>
+              </a:rPr>
+              <a:t>pemrograman</a:t>
+            </a:r>
+            <a:r>
+              <a:rPr lang="en-US" sz="1200" kern="1200" dirty="0" smtClean="0">
+                <a:solidFill>
+                  <a:schemeClr val="tx1"/>
+                </a:solidFill>
+                <a:effectLst/>
+                <a:latin typeface="+mn-lt"/>
+                <a:ea typeface="+mn-ea"/>
+                <a:cs typeface="+mn-cs"/>
+              </a:rPr>
+              <a:t> yang popular </a:t>
+            </a:r>
+            <a:r>
+              <a:rPr lang="en-US" sz="1200" kern="1200" dirty="0" err="1" smtClean="0">
+                <a:solidFill>
+                  <a:schemeClr val="tx1"/>
+                </a:solidFill>
+                <a:effectLst/>
+                <a:latin typeface="+mn-lt"/>
+                <a:ea typeface="+mn-ea"/>
+                <a:cs typeface="+mn-cs"/>
+              </a:rPr>
+              <a:t>saat</a:t>
+            </a:r>
+            <a:r>
+              <a:rPr lang="en-US" sz="1200" kern="1200" dirty="0" smtClean="0">
+                <a:solidFill>
+                  <a:schemeClr val="tx1"/>
+                </a:solidFill>
+                <a:effectLst/>
+                <a:latin typeface="+mn-lt"/>
+                <a:ea typeface="+mn-ea"/>
+                <a:cs typeface="+mn-cs"/>
+              </a:rPr>
+              <a:t> </a:t>
+            </a:r>
+            <a:r>
+              <a:rPr lang="en-US" sz="1200" kern="1200" dirty="0" err="1" smtClean="0">
+                <a:solidFill>
+                  <a:schemeClr val="tx1"/>
+                </a:solidFill>
+                <a:effectLst/>
+                <a:latin typeface="+mn-lt"/>
+                <a:ea typeface="+mn-ea"/>
+                <a:cs typeface="+mn-cs"/>
+              </a:rPr>
+              <a:t>ini</a:t>
+            </a:r>
+            <a:r>
+              <a:rPr lang="en-US" sz="1200" kern="1200" dirty="0" smtClean="0">
+                <a:solidFill>
+                  <a:schemeClr val="tx1"/>
+                </a:solidFill>
+                <a:effectLst/>
+                <a:latin typeface="+mn-lt"/>
+                <a:ea typeface="+mn-ea"/>
+                <a:cs typeface="+mn-cs"/>
+              </a:rPr>
+              <a:t> yang </a:t>
+            </a:r>
+            <a:r>
+              <a:rPr lang="en-US" sz="1200" kern="1200" dirty="0" err="1" smtClean="0">
+                <a:solidFill>
+                  <a:schemeClr val="tx1"/>
+                </a:solidFill>
+                <a:effectLst/>
+                <a:latin typeface="+mn-lt"/>
+                <a:ea typeface="+mn-ea"/>
+                <a:cs typeface="+mn-cs"/>
+              </a:rPr>
+              <a:t>telah</a:t>
+            </a:r>
+            <a:r>
+              <a:rPr lang="en-US" sz="1200" kern="1200" dirty="0" smtClean="0">
+                <a:solidFill>
+                  <a:schemeClr val="tx1"/>
+                </a:solidFill>
+                <a:effectLst/>
+                <a:latin typeface="+mn-lt"/>
+                <a:ea typeface="+mn-ea"/>
+                <a:cs typeface="+mn-cs"/>
+              </a:rPr>
+              <a:t> </a:t>
+            </a:r>
+            <a:r>
+              <a:rPr lang="en-US" sz="1200" kern="1200" dirty="0" err="1" smtClean="0">
+                <a:solidFill>
+                  <a:schemeClr val="tx1"/>
+                </a:solidFill>
+                <a:effectLst/>
+                <a:latin typeface="+mn-lt"/>
+                <a:ea typeface="+mn-ea"/>
+                <a:cs typeface="+mn-cs"/>
+              </a:rPr>
+              <a:t>menggantikan</a:t>
+            </a:r>
+            <a:r>
+              <a:rPr lang="en-US" sz="1200" kern="1200" dirty="0" smtClean="0">
+                <a:solidFill>
+                  <a:schemeClr val="tx1"/>
+                </a:solidFill>
+                <a:effectLst/>
+                <a:latin typeface="+mn-lt"/>
+                <a:ea typeface="+mn-ea"/>
+                <a:cs typeface="+mn-cs"/>
+              </a:rPr>
+              <a:t> </a:t>
+            </a:r>
+            <a:r>
+              <a:rPr lang="en-US" sz="1200" kern="1200" dirty="0" err="1" smtClean="0">
+                <a:solidFill>
+                  <a:schemeClr val="tx1"/>
+                </a:solidFill>
+                <a:effectLst/>
+                <a:latin typeface="+mn-lt"/>
+                <a:ea typeface="+mn-ea"/>
+                <a:cs typeface="+mn-cs"/>
+              </a:rPr>
+              <a:t>teknik</a:t>
+            </a:r>
+            <a:r>
+              <a:rPr lang="en-US" sz="1200" kern="1200" dirty="0" smtClean="0">
+                <a:solidFill>
+                  <a:schemeClr val="tx1"/>
+                </a:solidFill>
+                <a:effectLst/>
+                <a:latin typeface="+mn-lt"/>
+                <a:ea typeface="+mn-ea"/>
+                <a:cs typeface="+mn-cs"/>
+              </a:rPr>
+              <a:t> </a:t>
+            </a:r>
+            <a:r>
+              <a:rPr lang="en-US" sz="1200" kern="1200" dirty="0" err="1" smtClean="0">
+                <a:solidFill>
+                  <a:schemeClr val="tx1"/>
+                </a:solidFill>
+                <a:effectLst/>
+                <a:latin typeface="+mn-lt"/>
+                <a:ea typeface="+mn-ea"/>
+                <a:cs typeface="+mn-cs"/>
+              </a:rPr>
+              <a:t>pemrograman</a:t>
+            </a:r>
+            <a:r>
+              <a:rPr lang="en-US" sz="1200" kern="1200" dirty="0" smtClean="0">
+                <a:solidFill>
+                  <a:schemeClr val="tx1"/>
+                </a:solidFill>
+                <a:effectLst/>
+                <a:latin typeface="+mn-lt"/>
+                <a:ea typeface="+mn-ea"/>
+                <a:cs typeface="+mn-cs"/>
+              </a:rPr>
+              <a:t> </a:t>
+            </a:r>
+            <a:r>
+              <a:rPr lang="en-US" sz="1200" kern="1200" dirty="0" err="1" smtClean="0">
+                <a:solidFill>
+                  <a:schemeClr val="tx1"/>
+                </a:solidFill>
+                <a:effectLst/>
+                <a:latin typeface="+mn-lt"/>
+                <a:ea typeface="+mn-ea"/>
+                <a:cs typeface="+mn-cs"/>
+              </a:rPr>
+              <a:t>berbasis</a:t>
+            </a:r>
+            <a:r>
+              <a:rPr lang="en-US" sz="1200" kern="1200" dirty="0" smtClean="0">
+                <a:solidFill>
+                  <a:schemeClr val="tx1"/>
+                </a:solidFill>
+                <a:effectLst/>
+                <a:latin typeface="+mn-lt"/>
+                <a:ea typeface="+mn-ea"/>
+                <a:cs typeface="+mn-cs"/>
+              </a:rPr>
+              <a:t> </a:t>
+            </a:r>
+            <a:r>
+              <a:rPr lang="en-US" sz="1200" kern="1200" dirty="0" err="1" smtClean="0">
+                <a:solidFill>
+                  <a:schemeClr val="tx1"/>
+                </a:solidFill>
+                <a:effectLst/>
+                <a:latin typeface="+mn-lt"/>
+                <a:ea typeface="+mn-ea"/>
+                <a:cs typeface="+mn-cs"/>
+              </a:rPr>
+              <a:t>prosedur</a:t>
+            </a:r>
+            <a:r>
+              <a:rPr lang="en-US" sz="1200" kern="1200" dirty="0" smtClean="0">
+                <a:solidFill>
+                  <a:schemeClr val="tx1"/>
+                </a:solidFill>
+                <a:effectLst/>
+                <a:latin typeface="+mn-lt"/>
+                <a:ea typeface="+mn-ea"/>
+                <a:cs typeface="+mn-cs"/>
+              </a:rPr>
+              <a:t>.</a:t>
+            </a:r>
+          </a:p>
+          <a:p>
+            <a:pPr marL="0" marR="0" indent="0" algn="l" defTabSz="914400" rtl="0" eaLnBrk="1" fontAlgn="auto" latinLnBrk="0" hangingPunct="1">
+              <a:lnSpc>
+                <a:spcPct val="100000"/>
+              </a:lnSpc>
+              <a:spcBef>
+                <a:spcPts val="0"/>
+              </a:spcBef>
+              <a:spcAft>
+                <a:spcPts val="0"/>
+              </a:spcAft>
+              <a:buClrTx/>
+              <a:buSzTx/>
+              <a:buFontTx/>
+              <a:buNone/>
+              <a:tabLst/>
+              <a:defRPr/>
+            </a:pPr>
+            <a:endParaRPr lang="en-US" sz="1200" kern="1200" baseline="0" dirty="0" smtClean="0">
+              <a:solidFill>
+                <a:schemeClr val="tx1"/>
+              </a:solidFill>
+              <a:effectLst/>
+              <a:latin typeface="+mn-lt"/>
+              <a:ea typeface="+mn-ea"/>
+              <a:cs typeface="+mn-cs"/>
+            </a:endParaRPr>
+          </a:p>
+          <a:p>
+            <a:pPr marL="0" marR="0" indent="0" algn="l" defTabSz="914400" rtl="0" eaLnBrk="1" fontAlgn="auto" latinLnBrk="0" hangingPunct="1">
+              <a:lnSpc>
+                <a:spcPct val="100000"/>
+              </a:lnSpc>
+              <a:spcBef>
+                <a:spcPts val="0"/>
+              </a:spcBef>
+              <a:spcAft>
+                <a:spcPts val="0"/>
+              </a:spcAft>
+              <a:buClrTx/>
+              <a:buSzTx/>
+              <a:buFontTx/>
+              <a:buNone/>
+              <a:tabLst/>
+              <a:defRPr/>
+            </a:pPr>
+            <a:r>
+              <a:rPr lang="en-US" dirty="0" err="1" smtClean="0"/>
+              <a:t>Paradigma</a:t>
+            </a:r>
+            <a:r>
+              <a:rPr lang="en-US" dirty="0" smtClean="0"/>
+              <a:t> </a:t>
+            </a:r>
+            <a:r>
+              <a:rPr lang="en-US" dirty="0" err="1" smtClean="0"/>
+              <a:t>pemrograman</a:t>
+            </a:r>
+            <a:r>
+              <a:rPr lang="en-US" dirty="0" smtClean="0"/>
+              <a:t> </a:t>
+            </a:r>
+            <a:r>
+              <a:rPr lang="en-US" dirty="0" err="1" smtClean="0"/>
+              <a:t>adalah</a:t>
+            </a:r>
+            <a:r>
+              <a:rPr lang="en-US" dirty="0" smtClean="0"/>
+              <a:t> </a:t>
+            </a:r>
+            <a:r>
+              <a:rPr lang="en-US" dirty="0" err="1" smtClean="0"/>
+              <a:t>bagaimana</a:t>
+            </a:r>
+            <a:r>
+              <a:rPr lang="en-US" dirty="0" smtClean="0"/>
+              <a:t> </a:t>
+            </a:r>
+            <a:r>
+              <a:rPr lang="en-US" dirty="0" err="1" smtClean="0"/>
+              <a:t>cara</a:t>
+            </a:r>
+            <a:r>
+              <a:rPr lang="en-US" dirty="0" smtClean="0"/>
+              <a:t> </a:t>
+            </a:r>
+            <a:r>
+              <a:rPr lang="en-US" dirty="0" err="1" smtClean="0"/>
+              <a:t>pandang</a:t>
+            </a:r>
+            <a:r>
+              <a:rPr lang="en-US" dirty="0" smtClean="0"/>
+              <a:t> </a:t>
+            </a:r>
+            <a:r>
+              <a:rPr lang="en-US" dirty="0" err="1" smtClean="0"/>
+              <a:t>kita</a:t>
+            </a:r>
+            <a:r>
+              <a:rPr lang="en-US" dirty="0" smtClean="0"/>
+              <a:t> </a:t>
+            </a:r>
+            <a:r>
+              <a:rPr lang="en-US" dirty="0" err="1" smtClean="0"/>
+              <a:t>terhadap</a:t>
+            </a:r>
+            <a:r>
+              <a:rPr lang="en-US" dirty="0" smtClean="0"/>
+              <a:t> </a:t>
+            </a:r>
+            <a:r>
+              <a:rPr lang="en-US" dirty="0" err="1" smtClean="0"/>
+              <a:t>penyelesaian</a:t>
+            </a:r>
+            <a:r>
+              <a:rPr lang="en-US" dirty="0" smtClean="0"/>
+              <a:t> </a:t>
+            </a:r>
+            <a:r>
+              <a:rPr lang="en-US" dirty="0" err="1" smtClean="0"/>
+              <a:t>masalah</a:t>
+            </a:r>
+            <a:r>
+              <a:rPr lang="en-US" dirty="0" smtClean="0"/>
+              <a:t> </a:t>
+            </a:r>
+            <a:r>
+              <a:rPr lang="en-US" dirty="0" err="1" smtClean="0"/>
+              <a:t>pemrograman</a:t>
+            </a:r>
+            <a:r>
+              <a:rPr lang="en-US" dirty="0" smtClean="0"/>
+              <a:t> (</a:t>
+            </a:r>
+            <a:r>
+              <a:rPr lang="en-US" dirty="0" err="1" smtClean="0"/>
+              <a:t>atau</a:t>
+            </a:r>
+            <a:r>
+              <a:rPr lang="en-US" dirty="0" smtClean="0"/>
+              <a:t> </a:t>
+            </a:r>
+            <a:r>
+              <a:rPr lang="en-US" dirty="0" err="1" smtClean="0"/>
+              <a:t>sudut</a:t>
+            </a:r>
+            <a:r>
+              <a:rPr lang="en-US" dirty="0" smtClean="0"/>
+              <a:t> </a:t>
+            </a:r>
+            <a:r>
+              <a:rPr lang="en-US" dirty="0" err="1" smtClean="0"/>
+              <a:t>pandang</a:t>
+            </a:r>
+            <a:r>
+              <a:rPr lang="en-US" dirty="0" smtClean="0"/>
+              <a:t> “</a:t>
+            </a:r>
+            <a:r>
+              <a:rPr lang="en-US" dirty="0" err="1" smtClean="0"/>
+              <a:t>serang</a:t>
+            </a:r>
+            <a:r>
+              <a:rPr lang="en-US" dirty="0" smtClean="0"/>
+              <a:t>” </a:t>
+            </a:r>
+            <a:r>
+              <a:rPr lang="en-US" dirty="0" err="1" smtClean="0"/>
+              <a:t>kita</a:t>
+            </a:r>
+            <a:r>
+              <a:rPr lang="en-US" dirty="0" smtClean="0"/>
+              <a:t> </a:t>
+            </a:r>
+            <a:r>
+              <a:rPr lang="en-US" dirty="0" err="1" smtClean="0"/>
+              <a:t>dalam</a:t>
+            </a:r>
+            <a:r>
+              <a:rPr lang="en-US" dirty="0" smtClean="0"/>
+              <a:t> </a:t>
+            </a:r>
+            <a:r>
+              <a:rPr lang="en-US" dirty="0" err="1" smtClean="0"/>
+              <a:t>menyelesaikan</a:t>
+            </a:r>
+            <a:r>
+              <a:rPr lang="en-US" dirty="0" smtClean="0"/>
+              <a:t> </a:t>
+            </a:r>
+            <a:r>
+              <a:rPr lang="en-US" dirty="0" err="1" smtClean="0"/>
+              <a:t>suatu</a:t>
+            </a:r>
+            <a:r>
+              <a:rPr lang="en-US" dirty="0" smtClean="0"/>
+              <a:t> </a:t>
+            </a:r>
+            <a:r>
+              <a:rPr lang="en-US" dirty="0" err="1" smtClean="0"/>
+              <a:t>masalah</a:t>
+            </a:r>
+            <a:r>
+              <a:rPr lang="en-US" dirty="0" smtClean="0"/>
+              <a:t> </a:t>
+            </a:r>
+            <a:r>
+              <a:rPr lang="en-US" dirty="0" err="1" smtClean="0"/>
+              <a:t>pemrograman</a:t>
+            </a:r>
+            <a:r>
+              <a:rPr lang="en-US" dirty="0" smtClean="0"/>
+              <a:t>).</a:t>
+            </a:r>
+            <a:endParaRPr lang="en-US" sz="1200" kern="1200" dirty="0" smtClean="0">
+              <a:solidFill>
+                <a:schemeClr val="tx1"/>
+              </a:solidFill>
+              <a:effectLst/>
+              <a:latin typeface="+mn-lt"/>
+              <a:ea typeface="+mn-ea"/>
+              <a:cs typeface="+mn-cs"/>
+            </a:endParaRPr>
+          </a:p>
+        </p:txBody>
+      </p:sp>
+      <p:sp>
+        <p:nvSpPr>
+          <p:cNvPr id="4" name="Slide Number Placeholder 3"/>
+          <p:cNvSpPr>
+            <a:spLocks noGrp="1"/>
+          </p:cNvSpPr>
+          <p:nvPr>
+            <p:ph type="sldNum" sz="quarter" idx="10"/>
+          </p:nvPr>
+        </p:nvSpPr>
+        <p:spPr/>
+        <p:txBody>
+          <a:bodyPr/>
+          <a:lstStyle/>
+          <a:p>
+            <a:fld id="{1734D747-9380-41EE-9946-EC9EC0CA5D1E}" type="slidenum">
+              <a:rPr lang="en-GB" smtClean="0"/>
+              <a:t>15</a:t>
             </a:fld>
             <a:endParaRPr lang="en-GB" dirty="0"/>
           </a:p>
@@ -2019,6 +3652,1434 @@
     <p:extLst>
       <p:ext uri="{BB962C8B-B14F-4D97-AF65-F5344CB8AC3E}">
         <p14:creationId xmlns:p14="http://schemas.microsoft.com/office/powerpoint/2010/main" val="3995779503"/>
+      </p:ext>
+    </p:extLst>
+  </p:cSld>
+  <p:clrMapOvr>
+    <a:masterClrMapping/>
+  </p:clrMapOvr>
+</p:notes>
+</file>
+
+<file path=ppt/notesSlides/notesSlide15.xml><?xml version="1.0" encoding="utf-8"?>
+<p:notes xmlns:a="http://schemas.openxmlformats.org/drawingml/2006/main" xmlns:r="http://schemas.openxmlformats.org/officeDocument/2006/relationships" xmlns:p="http://schemas.openxmlformats.org/presentationml/2006/main">
+  <p:cSld>
+    <p:spTree>
+      <p:nvGrpSpPr>
+        <p:cNvPr id="1" name=""/>
+        <p:cNvGrpSpPr/>
+        <p:nvPr/>
+      </p:nvGrpSpPr>
+      <p:grpSpPr>
+        <a:xfrm>
+          <a:off x="0" y="0"/>
+          <a:ext cx="0" cy="0"/>
+          <a:chOff x="0" y="0"/>
+          <a:chExt cx="0" cy="0"/>
+        </a:xfrm>
+      </p:grpSpPr>
+      <p:sp>
+        <p:nvSpPr>
+          <p:cNvPr id="2" name="Slide Image Placeholder 1"/>
+          <p:cNvSpPr>
+            <a:spLocks noGrp="1" noRot="1" noChangeAspect="1"/>
+          </p:cNvSpPr>
+          <p:nvPr>
+            <p:ph type="sldImg"/>
+          </p:nvPr>
+        </p:nvSpPr>
+        <p:spPr/>
+      </p:sp>
+      <p:sp>
+        <p:nvSpPr>
+          <p:cNvPr id="3" name="Notes Placeholder 2"/>
+          <p:cNvSpPr>
+            <a:spLocks noGrp="1"/>
+          </p:cNvSpPr>
+          <p:nvPr>
+            <p:ph type="body" idx="1"/>
+          </p:nvPr>
+        </p:nvSpPr>
+        <p:spPr/>
+        <p:txBody>
+          <a:bodyPr/>
+          <a:lstStyle/>
+          <a:p>
+            <a:r>
+              <a:rPr lang="en-US" sz="1200" kern="1200" dirty="0" err="1" smtClean="0">
+                <a:solidFill>
+                  <a:schemeClr val="tx1"/>
+                </a:solidFill>
+                <a:effectLst/>
+                <a:latin typeface="+mn-lt"/>
+                <a:ea typeface="+mn-ea"/>
+                <a:cs typeface="+mn-cs"/>
+              </a:rPr>
+              <a:t>Karena</a:t>
+            </a:r>
+            <a:r>
+              <a:rPr lang="en-US" sz="1200" kern="1200" dirty="0" smtClean="0">
+                <a:solidFill>
+                  <a:schemeClr val="tx1"/>
+                </a:solidFill>
+                <a:effectLst/>
+                <a:latin typeface="+mn-lt"/>
+                <a:ea typeface="+mn-ea"/>
+                <a:cs typeface="+mn-cs"/>
+              </a:rPr>
+              <a:t> </a:t>
+            </a:r>
+            <a:r>
+              <a:rPr lang="en-US" sz="1200" kern="1200" dirty="0" err="1" smtClean="0">
+                <a:solidFill>
+                  <a:schemeClr val="tx1"/>
+                </a:solidFill>
+                <a:effectLst/>
+                <a:latin typeface="+mn-lt"/>
+                <a:ea typeface="+mn-ea"/>
+                <a:cs typeface="+mn-cs"/>
+              </a:rPr>
+              <a:t>dalam</a:t>
+            </a:r>
+            <a:r>
+              <a:rPr lang="en-US" sz="1200" kern="1200" dirty="0" smtClean="0">
+                <a:solidFill>
+                  <a:schemeClr val="tx1"/>
+                </a:solidFill>
+                <a:effectLst/>
+                <a:latin typeface="+mn-lt"/>
+                <a:ea typeface="+mn-ea"/>
+                <a:cs typeface="+mn-cs"/>
+              </a:rPr>
+              <a:t> </a:t>
+            </a:r>
+            <a:r>
+              <a:rPr lang="en-US" sz="1200" kern="1200" dirty="0" err="1" smtClean="0">
+                <a:solidFill>
+                  <a:schemeClr val="tx1"/>
+                </a:solidFill>
+                <a:effectLst/>
+                <a:latin typeface="+mn-lt"/>
+                <a:ea typeface="+mn-ea"/>
+                <a:cs typeface="+mn-cs"/>
+              </a:rPr>
+              <a:t>skripsi</a:t>
+            </a:r>
+            <a:r>
+              <a:rPr lang="en-US" sz="1200" kern="1200" dirty="0" smtClean="0">
+                <a:solidFill>
+                  <a:schemeClr val="tx1"/>
+                </a:solidFill>
+                <a:effectLst/>
+                <a:latin typeface="+mn-lt"/>
+                <a:ea typeface="+mn-ea"/>
+                <a:cs typeface="+mn-cs"/>
+              </a:rPr>
+              <a:t> </a:t>
+            </a:r>
+            <a:r>
+              <a:rPr lang="en-US" sz="1200" kern="1200" dirty="0" err="1" smtClean="0">
+                <a:solidFill>
+                  <a:schemeClr val="tx1"/>
+                </a:solidFill>
+                <a:effectLst/>
+                <a:latin typeface="+mn-lt"/>
+                <a:ea typeface="+mn-ea"/>
+                <a:cs typeface="+mn-cs"/>
+              </a:rPr>
+              <a:t>harus</a:t>
+            </a:r>
+            <a:r>
+              <a:rPr lang="en-US" sz="1200" kern="1200" dirty="0" smtClean="0">
+                <a:solidFill>
+                  <a:schemeClr val="tx1"/>
+                </a:solidFill>
+                <a:effectLst/>
+                <a:latin typeface="+mn-lt"/>
+                <a:ea typeface="+mn-ea"/>
+                <a:cs typeface="+mn-cs"/>
+              </a:rPr>
+              <a:t> </a:t>
+            </a:r>
+            <a:r>
+              <a:rPr lang="en-US" sz="1200" kern="1200" dirty="0" err="1" smtClean="0">
+                <a:solidFill>
+                  <a:schemeClr val="tx1"/>
+                </a:solidFill>
+                <a:effectLst/>
+                <a:latin typeface="+mn-lt"/>
+                <a:ea typeface="+mn-ea"/>
+                <a:cs typeface="+mn-cs"/>
+              </a:rPr>
+              <a:t>ada</a:t>
+            </a:r>
+            <a:r>
+              <a:rPr lang="en-US" sz="1200" kern="1200" dirty="0" smtClean="0">
+                <a:solidFill>
+                  <a:schemeClr val="tx1"/>
+                </a:solidFill>
+                <a:effectLst/>
+                <a:latin typeface="+mn-lt"/>
+                <a:ea typeface="+mn-ea"/>
+                <a:cs typeface="+mn-cs"/>
+              </a:rPr>
+              <a:t> </a:t>
+            </a:r>
+            <a:r>
+              <a:rPr lang="en-US" sz="1200" kern="1200" dirty="0" err="1" smtClean="0">
+                <a:solidFill>
+                  <a:schemeClr val="tx1"/>
+                </a:solidFill>
+                <a:effectLst/>
+                <a:latin typeface="+mn-lt"/>
+                <a:ea typeface="+mn-ea"/>
+                <a:cs typeface="+mn-cs"/>
+              </a:rPr>
+              <a:t>beberapa</a:t>
+            </a:r>
+            <a:r>
+              <a:rPr lang="en-US" sz="1200" kern="1200" dirty="0" smtClean="0">
+                <a:solidFill>
+                  <a:schemeClr val="tx1"/>
+                </a:solidFill>
+                <a:effectLst/>
+                <a:latin typeface="+mn-lt"/>
+                <a:ea typeface="+mn-ea"/>
+                <a:cs typeface="+mn-cs"/>
+              </a:rPr>
+              <a:t> </a:t>
+            </a:r>
+            <a:r>
+              <a:rPr lang="en-US" sz="1200" kern="1200" dirty="0" err="1" smtClean="0">
+                <a:solidFill>
+                  <a:schemeClr val="tx1"/>
+                </a:solidFill>
+                <a:effectLst/>
+                <a:latin typeface="+mn-lt"/>
+                <a:ea typeface="+mn-ea"/>
+                <a:cs typeface="+mn-cs"/>
+              </a:rPr>
+              <a:t>mata</a:t>
+            </a:r>
+            <a:r>
+              <a:rPr lang="en-US" sz="1200" kern="1200" baseline="0" dirty="0" smtClean="0">
+                <a:solidFill>
+                  <a:schemeClr val="tx1"/>
+                </a:solidFill>
+                <a:effectLst/>
+                <a:latin typeface="+mn-lt"/>
+                <a:ea typeface="+mn-ea"/>
+                <a:cs typeface="+mn-cs"/>
+              </a:rPr>
+              <a:t> </a:t>
+            </a:r>
+            <a:r>
+              <a:rPr lang="en-US" sz="1200" kern="1200" baseline="0" dirty="0" err="1" smtClean="0">
+                <a:solidFill>
+                  <a:schemeClr val="tx1"/>
+                </a:solidFill>
+                <a:effectLst/>
+                <a:latin typeface="+mn-lt"/>
+                <a:ea typeface="+mn-ea"/>
+                <a:cs typeface="+mn-cs"/>
+              </a:rPr>
+              <a:t>kuliah</a:t>
+            </a:r>
+            <a:r>
+              <a:rPr lang="en-US" sz="1200" kern="1200" baseline="0" dirty="0" smtClean="0">
+                <a:solidFill>
+                  <a:schemeClr val="tx1"/>
+                </a:solidFill>
+                <a:effectLst/>
+                <a:latin typeface="+mn-lt"/>
+                <a:ea typeface="+mn-ea"/>
+                <a:cs typeface="+mn-cs"/>
+              </a:rPr>
+              <a:t> yang di </a:t>
+            </a:r>
+            <a:r>
+              <a:rPr lang="en-US" sz="1200" kern="1200" baseline="0" dirty="0" err="1" smtClean="0">
+                <a:solidFill>
+                  <a:schemeClr val="tx1"/>
+                </a:solidFill>
+                <a:effectLst/>
+                <a:latin typeface="+mn-lt"/>
+                <a:ea typeface="+mn-ea"/>
+                <a:cs typeface="+mn-cs"/>
+              </a:rPr>
+              <a:t>ambil</a:t>
+            </a:r>
+            <a:r>
+              <a:rPr lang="en-US" sz="1200" kern="1200" baseline="0" dirty="0" smtClean="0">
+                <a:solidFill>
+                  <a:schemeClr val="tx1"/>
+                </a:solidFill>
+                <a:effectLst/>
+                <a:latin typeface="+mn-lt"/>
+                <a:ea typeface="+mn-ea"/>
+                <a:cs typeface="+mn-cs"/>
+              </a:rPr>
+              <a:t> </a:t>
+            </a:r>
+            <a:r>
+              <a:rPr lang="en-US" sz="1200" kern="1200" baseline="0" dirty="0" err="1" smtClean="0">
+                <a:solidFill>
+                  <a:schemeClr val="tx1"/>
+                </a:solidFill>
+                <a:effectLst/>
+                <a:latin typeface="+mn-lt"/>
+                <a:ea typeface="+mn-ea"/>
+                <a:cs typeface="+mn-cs"/>
+              </a:rPr>
+              <a:t>maka</a:t>
+            </a:r>
+            <a:r>
+              <a:rPr lang="en-US" sz="1200" kern="1200" baseline="0" dirty="0" smtClean="0">
+                <a:solidFill>
+                  <a:schemeClr val="tx1"/>
+                </a:solidFill>
+                <a:effectLst/>
+                <a:latin typeface="+mn-lt"/>
+                <a:ea typeface="+mn-ea"/>
+                <a:cs typeface="+mn-cs"/>
+              </a:rPr>
+              <a:t> </a:t>
+            </a:r>
+            <a:r>
+              <a:rPr lang="en-US" sz="1200" kern="1200" baseline="0" dirty="0" err="1" smtClean="0">
+                <a:solidFill>
+                  <a:schemeClr val="tx1"/>
+                </a:solidFill>
+                <a:effectLst/>
+                <a:latin typeface="+mn-lt"/>
+                <a:ea typeface="+mn-ea"/>
+                <a:cs typeface="+mn-cs"/>
+              </a:rPr>
+              <a:t>dalam</a:t>
+            </a:r>
+            <a:r>
+              <a:rPr lang="en-US" sz="1200" kern="1200" baseline="0" dirty="0" smtClean="0">
+                <a:solidFill>
+                  <a:schemeClr val="tx1"/>
+                </a:solidFill>
+                <a:effectLst/>
+                <a:latin typeface="+mn-lt"/>
+                <a:ea typeface="+mn-ea"/>
+                <a:cs typeface="+mn-cs"/>
+              </a:rPr>
+              <a:t> </a:t>
+            </a:r>
+            <a:r>
+              <a:rPr lang="en-US" sz="1200" kern="1200" baseline="0" dirty="0" err="1" smtClean="0">
+                <a:solidFill>
+                  <a:schemeClr val="tx1"/>
+                </a:solidFill>
+                <a:effectLst/>
+                <a:latin typeface="+mn-lt"/>
+                <a:ea typeface="+mn-ea"/>
+                <a:cs typeface="+mn-cs"/>
+              </a:rPr>
+              <a:t>pembuatan</a:t>
+            </a:r>
+            <a:r>
+              <a:rPr lang="en-US" sz="1200" kern="1200" baseline="0" dirty="0" smtClean="0">
+                <a:solidFill>
+                  <a:schemeClr val="tx1"/>
+                </a:solidFill>
+                <a:effectLst/>
+                <a:latin typeface="+mn-lt"/>
+                <a:ea typeface="+mn-ea"/>
+                <a:cs typeface="+mn-cs"/>
+              </a:rPr>
+              <a:t> </a:t>
+            </a:r>
+            <a:r>
+              <a:rPr lang="en-US" sz="1200" kern="1200" baseline="0" dirty="0" err="1" smtClean="0">
+                <a:solidFill>
+                  <a:schemeClr val="tx1"/>
+                </a:solidFill>
+                <a:effectLst/>
+                <a:latin typeface="+mn-lt"/>
+                <a:ea typeface="+mn-ea"/>
+                <a:cs typeface="+mn-cs"/>
+              </a:rPr>
+              <a:t>aplikasi</a:t>
+            </a:r>
+            <a:r>
+              <a:rPr lang="en-US" sz="1200" kern="1200" baseline="0" dirty="0" smtClean="0">
+                <a:solidFill>
+                  <a:schemeClr val="tx1"/>
+                </a:solidFill>
+                <a:effectLst/>
+                <a:latin typeface="+mn-lt"/>
+                <a:ea typeface="+mn-ea"/>
+                <a:cs typeface="+mn-cs"/>
+              </a:rPr>
+              <a:t> game </a:t>
+            </a:r>
+            <a:r>
+              <a:rPr lang="en-US" sz="1200" kern="1200" baseline="0" dirty="0" err="1" smtClean="0">
+                <a:solidFill>
+                  <a:schemeClr val="tx1"/>
+                </a:solidFill>
+                <a:effectLst/>
+                <a:latin typeface="+mn-lt"/>
+                <a:ea typeface="+mn-ea"/>
+                <a:cs typeface="+mn-cs"/>
+              </a:rPr>
+              <a:t>simulasi</a:t>
+            </a:r>
+            <a:r>
+              <a:rPr lang="en-US" sz="1200" kern="1200" baseline="0" dirty="0" smtClean="0">
+                <a:solidFill>
+                  <a:schemeClr val="tx1"/>
+                </a:solidFill>
+                <a:effectLst/>
+                <a:latin typeface="+mn-lt"/>
+                <a:ea typeface="+mn-ea"/>
+                <a:cs typeface="+mn-cs"/>
+              </a:rPr>
+              <a:t> </a:t>
+            </a:r>
+            <a:r>
+              <a:rPr lang="en-US" sz="1200" kern="1200" baseline="0" dirty="0" err="1" smtClean="0">
+                <a:solidFill>
+                  <a:schemeClr val="tx1"/>
+                </a:solidFill>
+                <a:effectLst/>
+                <a:latin typeface="+mn-lt"/>
+                <a:ea typeface="+mn-ea"/>
+                <a:cs typeface="+mn-cs"/>
+              </a:rPr>
+              <a:t>ini</a:t>
+            </a:r>
+            <a:r>
+              <a:rPr lang="en-US" sz="1200" kern="1200" baseline="0" dirty="0" smtClean="0">
+                <a:solidFill>
+                  <a:schemeClr val="tx1"/>
+                </a:solidFill>
+                <a:effectLst/>
+                <a:latin typeface="+mn-lt"/>
+                <a:ea typeface="+mn-ea"/>
+                <a:cs typeface="+mn-cs"/>
+              </a:rPr>
+              <a:t> </a:t>
+            </a:r>
+            <a:r>
+              <a:rPr lang="en-US" sz="1200" kern="1200" baseline="0" dirty="0" err="1" smtClean="0">
+                <a:solidFill>
+                  <a:schemeClr val="tx1"/>
+                </a:solidFill>
+                <a:effectLst/>
+                <a:latin typeface="+mn-lt"/>
+                <a:ea typeface="+mn-ea"/>
+                <a:cs typeface="+mn-cs"/>
+              </a:rPr>
+              <a:t>ada</a:t>
+            </a:r>
+            <a:r>
+              <a:rPr lang="en-US" sz="1200" kern="1200" baseline="0" dirty="0" smtClean="0">
+                <a:solidFill>
+                  <a:schemeClr val="tx1"/>
+                </a:solidFill>
+                <a:effectLst/>
+                <a:latin typeface="+mn-lt"/>
+                <a:ea typeface="+mn-ea"/>
+                <a:cs typeface="+mn-cs"/>
+              </a:rPr>
+              <a:t> </a:t>
+            </a:r>
+            <a:r>
+              <a:rPr lang="en-US" sz="1200" kern="1200" baseline="0" dirty="0" err="1" smtClean="0">
+                <a:solidFill>
+                  <a:schemeClr val="tx1"/>
+                </a:solidFill>
+                <a:effectLst/>
+                <a:latin typeface="+mn-lt"/>
+                <a:ea typeface="+mn-ea"/>
+                <a:cs typeface="+mn-cs"/>
+              </a:rPr>
+              <a:t>beberapa</a:t>
+            </a:r>
+            <a:r>
+              <a:rPr lang="en-US" sz="1200" kern="1200" baseline="0" dirty="0" smtClean="0">
+                <a:solidFill>
+                  <a:schemeClr val="tx1"/>
+                </a:solidFill>
+                <a:effectLst/>
+                <a:latin typeface="+mn-lt"/>
+                <a:ea typeface="+mn-ea"/>
+                <a:cs typeface="+mn-cs"/>
+              </a:rPr>
+              <a:t> </a:t>
+            </a:r>
+            <a:r>
+              <a:rPr lang="en-US" sz="1200" kern="1200" baseline="0" dirty="0" err="1" smtClean="0">
+                <a:solidFill>
+                  <a:schemeClr val="tx1"/>
+                </a:solidFill>
+                <a:effectLst/>
+                <a:latin typeface="+mn-lt"/>
+                <a:ea typeface="+mn-ea"/>
+                <a:cs typeface="+mn-cs"/>
+              </a:rPr>
+              <a:t>ilmu</a:t>
+            </a:r>
+            <a:r>
+              <a:rPr lang="en-US" sz="1200" kern="1200" baseline="0" dirty="0" smtClean="0">
+                <a:solidFill>
+                  <a:schemeClr val="tx1"/>
+                </a:solidFill>
+                <a:effectLst/>
+                <a:latin typeface="+mn-lt"/>
+                <a:ea typeface="+mn-ea"/>
+                <a:cs typeface="+mn-cs"/>
+              </a:rPr>
+              <a:t> yang di </a:t>
+            </a:r>
+            <a:r>
+              <a:rPr lang="en-US" sz="1200" kern="1200" baseline="0" dirty="0" err="1" smtClean="0">
+                <a:solidFill>
+                  <a:schemeClr val="tx1"/>
+                </a:solidFill>
+                <a:effectLst/>
+                <a:latin typeface="+mn-lt"/>
+                <a:ea typeface="+mn-ea"/>
+                <a:cs typeface="+mn-cs"/>
+              </a:rPr>
+              <a:t>gunakan</a:t>
+            </a:r>
+            <a:r>
+              <a:rPr lang="en-US" sz="1200" kern="1200" baseline="0" dirty="0" smtClean="0">
+                <a:solidFill>
+                  <a:schemeClr val="tx1"/>
+                </a:solidFill>
+                <a:effectLst/>
+                <a:latin typeface="+mn-lt"/>
+                <a:ea typeface="+mn-ea"/>
+                <a:cs typeface="+mn-cs"/>
+              </a:rPr>
+              <a:t> </a:t>
+            </a:r>
+            <a:r>
+              <a:rPr lang="en-US" sz="1200" kern="1200" baseline="0" dirty="0" err="1" smtClean="0">
+                <a:solidFill>
+                  <a:schemeClr val="tx1"/>
+                </a:solidFill>
+                <a:effectLst/>
+                <a:latin typeface="+mn-lt"/>
+                <a:ea typeface="+mn-ea"/>
+                <a:cs typeface="+mn-cs"/>
+              </a:rPr>
+              <a:t>antara</a:t>
+            </a:r>
+            <a:r>
+              <a:rPr lang="en-US" sz="1200" kern="1200" baseline="0" dirty="0" smtClean="0">
+                <a:solidFill>
+                  <a:schemeClr val="tx1"/>
+                </a:solidFill>
+                <a:effectLst/>
+                <a:latin typeface="+mn-lt"/>
+                <a:ea typeface="+mn-ea"/>
+                <a:cs typeface="+mn-cs"/>
+              </a:rPr>
+              <a:t> lain</a:t>
+            </a:r>
+            <a:endParaRPr lang="en-US" sz="1200" kern="1200" dirty="0">
+              <a:solidFill>
+                <a:schemeClr val="tx1"/>
+              </a:solidFill>
+              <a:effectLst/>
+              <a:latin typeface="+mn-lt"/>
+              <a:ea typeface="+mn-ea"/>
+              <a:cs typeface="+mn-cs"/>
+            </a:endParaRPr>
+          </a:p>
+        </p:txBody>
+      </p:sp>
+      <p:sp>
+        <p:nvSpPr>
+          <p:cNvPr id="4" name="Slide Number Placeholder 3"/>
+          <p:cNvSpPr>
+            <a:spLocks noGrp="1"/>
+          </p:cNvSpPr>
+          <p:nvPr>
+            <p:ph type="sldNum" sz="quarter" idx="10"/>
+          </p:nvPr>
+        </p:nvSpPr>
+        <p:spPr/>
+        <p:txBody>
+          <a:bodyPr/>
+          <a:lstStyle/>
+          <a:p>
+            <a:fld id="{1734D747-9380-41EE-9946-EC9EC0CA5D1E}" type="slidenum">
+              <a:rPr lang="en-GB" smtClean="0"/>
+              <a:t>16</a:t>
+            </a:fld>
+            <a:endParaRPr lang="en-GB" dirty="0"/>
+          </a:p>
+        </p:txBody>
+      </p:sp>
+    </p:spTree>
+    <p:extLst>
+      <p:ext uri="{BB962C8B-B14F-4D97-AF65-F5344CB8AC3E}">
+        <p14:creationId xmlns:p14="http://schemas.microsoft.com/office/powerpoint/2010/main" val="3644119012"/>
+      </p:ext>
+    </p:extLst>
+  </p:cSld>
+  <p:clrMapOvr>
+    <a:masterClrMapping/>
+  </p:clrMapOvr>
+</p:notes>
+</file>
+
+<file path=ppt/notesSlides/notesSlide16.xml><?xml version="1.0" encoding="utf-8"?>
+<p:notes xmlns:a="http://schemas.openxmlformats.org/drawingml/2006/main" xmlns:r="http://schemas.openxmlformats.org/officeDocument/2006/relationships" xmlns:p="http://schemas.openxmlformats.org/presentationml/2006/main">
+  <p:cSld>
+    <p:spTree>
+      <p:nvGrpSpPr>
+        <p:cNvPr id="1" name=""/>
+        <p:cNvGrpSpPr/>
+        <p:nvPr/>
+      </p:nvGrpSpPr>
+      <p:grpSpPr>
+        <a:xfrm>
+          <a:off x="0" y="0"/>
+          <a:ext cx="0" cy="0"/>
+          <a:chOff x="0" y="0"/>
+          <a:chExt cx="0" cy="0"/>
+        </a:xfrm>
+      </p:grpSpPr>
+      <p:sp>
+        <p:nvSpPr>
+          <p:cNvPr id="2" name="Slide Image Placeholder 1"/>
+          <p:cNvSpPr>
+            <a:spLocks noGrp="1" noRot="1" noChangeAspect="1"/>
+          </p:cNvSpPr>
+          <p:nvPr>
+            <p:ph type="sldImg"/>
+          </p:nvPr>
+        </p:nvSpPr>
+        <p:spPr/>
+      </p:sp>
+      <p:sp>
+        <p:nvSpPr>
+          <p:cNvPr id="3" name="Notes Placeholder 2"/>
+          <p:cNvSpPr>
+            <a:spLocks noGrp="1"/>
+          </p:cNvSpPr>
+          <p:nvPr>
+            <p:ph type="body" idx="1"/>
+          </p:nvPr>
+        </p:nvSpPr>
+        <p:spPr/>
+        <p:txBody>
+          <a:bodyPr/>
+          <a:lstStyle/>
+          <a:p>
+            <a:pPr marL="0" marR="0" indent="0" algn="l" defTabSz="914400" rtl="0" eaLnBrk="1" fontAlgn="auto" latinLnBrk="0" hangingPunct="1">
+              <a:lnSpc>
+                <a:spcPct val="100000"/>
+              </a:lnSpc>
+              <a:spcBef>
+                <a:spcPts val="0"/>
+              </a:spcBef>
+              <a:spcAft>
+                <a:spcPts val="0"/>
+              </a:spcAft>
+              <a:buClrTx/>
+              <a:buSzTx/>
+              <a:buFontTx/>
+              <a:buNone/>
+              <a:tabLst/>
+              <a:defRPr/>
+            </a:pPr>
+            <a:endParaRPr lang="en-US" sz="1200" kern="1200" dirty="0" smtClean="0">
+              <a:solidFill>
+                <a:schemeClr val="tx1"/>
+              </a:solidFill>
+              <a:effectLst/>
+              <a:latin typeface="+mn-lt"/>
+              <a:ea typeface="+mn-ea"/>
+              <a:cs typeface="+mn-cs"/>
+            </a:endParaRPr>
+          </a:p>
+        </p:txBody>
+      </p:sp>
+      <p:sp>
+        <p:nvSpPr>
+          <p:cNvPr id="4" name="Slide Number Placeholder 3"/>
+          <p:cNvSpPr>
+            <a:spLocks noGrp="1"/>
+          </p:cNvSpPr>
+          <p:nvPr>
+            <p:ph type="sldNum" sz="quarter" idx="10"/>
+          </p:nvPr>
+        </p:nvSpPr>
+        <p:spPr/>
+        <p:txBody>
+          <a:bodyPr/>
+          <a:lstStyle/>
+          <a:p>
+            <a:fld id="{1734D747-9380-41EE-9946-EC9EC0CA5D1E}" type="slidenum">
+              <a:rPr lang="en-GB" smtClean="0"/>
+              <a:t>17</a:t>
+            </a:fld>
+            <a:endParaRPr lang="en-GB" dirty="0"/>
+          </a:p>
+        </p:txBody>
+      </p:sp>
+    </p:spTree>
+    <p:extLst>
+      <p:ext uri="{BB962C8B-B14F-4D97-AF65-F5344CB8AC3E}">
+        <p14:creationId xmlns:p14="http://schemas.microsoft.com/office/powerpoint/2010/main" val="994883575"/>
+      </p:ext>
+    </p:extLst>
+  </p:cSld>
+  <p:clrMapOvr>
+    <a:masterClrMapping/>
+  </p:clrMapOvr>
+</p:notes>
+</file>
+
+<file path=ppt/notesSlides/notesSlide17.xml><?xml version="1.0" encoding="utf-8"?>
+<p:notes xmlns:a="http://schemas.openxmlformats.org/drawingml/2006/main" xmlns:r="http://schemas.openxmlformats.org/officeDocument/2006/relationships" xmlns:p="http://schemas.openxmlformats.org/presentationml/2006/main">
+  <p:cSld>
+    <p:spTree>
+      <p:nvGrpSpPr>
+        <p:cNvPr id="1" name=""/>
+        <p:cNvGrpSpPr/>
+        <p:nvPr/>
+      </p:nvGrpSpPr>
+      <p:grpSpPr>
+        <a:xfrm>
+          <a:off x="0" y="0"/>
+          <a:ext cx="0" cy="0"/>
+          <a:chOff x="0" y="0"/>
+          <a:chExt cx="0" cy="0"/>
+        </a:xfrm>
+      </p:grpSpPr>
+      <p:sp>
+        <p:nvSpPr>
+          <p:cNvPr id="2" name="Slide Image Placeholder 1"/>
+          <p:cNvSpPr>
+            <a:spLocks noGrp="1" noRot="1" noChangeAspect="1"/>
+          </p:cNvSpPr>
+          <p:nvPr>
+            <p:ph type="sldImg"/>
+          </p:nvPr>
+        </p:nvSpPr>
+        <p:spPr/>
+      </p:sp>
+      <p:sp>
+        <p:nvSpPr>
+          <p:cNvPr id="3" name="Notes Placeholder 2"/>
+          <p:cNvSpPr>
+            <a:spLocks noGrp="1"/>
+          </p:cNvSpPr>
+          <p:nvPr>
+            <p:ph type="body" idx="1"/>
+          </p:nvPr>
+        </p:nvSpPr>
+        <p:spPr/>
+        <p:txBody>
+          <a:bodyPr/>
+          <a:lstStyle/>
+          <a:p>
+            <a:pPr marL="0" marR="0" indent="0" algn="l" defTabSz="914400" rtl="0" eaLnBrk="1" fontAlgn="auto" latinLnBrk="0" hangingPunct="1">
+              <a:lnSpc>
+                <a:spcPct val="100000"/>
+              </a:lnSpc>
+              <a:spcBef>
+                <a:spcPts val="0"/>
+              </a:spcBef>
+              <a:spcAft>
+                <a:spcPts val="0"/>
+              </a:spcAft>
+              <a:buClrTx/>
+              <a:buSzTx/>
+              <a:buFontTx/>
+              <a:buNone/>
+              <a:tabLst/>
+              <a:defRPr/>
+            </a:pPr>
+            <a:r>
+              <a:rPr lang="en-US" sz="1200" kern="1200" dirty="0" err="1" smtClean="0">
+                <a:solidFill>
+                  <a:schemeClr val="tx1"/>
+                </a:solidFill>
+                <a:effectLst/>
+                <a:latin typeface="+mn-lt"/>
+                <a:ea typeface="+mn-ea"/>
+                <a:cs typeface="+mn-cs"/>
+              </a:rPr>
+              <a:t>Jenis</a:t>
+            </a:r>
+            <a:r>
+              <a:rPr lang="en-US" sz="1200" kern="1200" dirty="0" smtClean="0">
+                <a:solidFill>
+                  <a:schemeClr val="tx1"/>
+                </a:solidFill>
+                <a:effectLst/>
+                <a:latin typeface="+mn-lt"/>
+                <a:ea typeface="+mn-ea"/>
+                <a:cs typeface="+mn-cs"/>
+              </a:rPr>
+              <a:t> Platform</a:t>
+            </a:r>
+            <a:r>
+              <a:rPr lang="en-US" sz="1200" kern="1200" baseline="0" dirty="0" smtClean="0">
+                <a:solidFill>
+                  <a:schemeClr val="tx1"/>
+                </a:solidFill>
+                <a:effectLst/>
+                <a:latin typeface="+mn-lt"/>
+                <a:ea typeface="+mn-ea"/>
+                <a:cs typeface="+mn-cs"/>
+              </a:rPr>
+              <a:t> / </a:t>
+            </a:r>
+            <a:r>
+              <a:rPr lang="en-US" sz="1200" kern="1200" baseline="0" dirty="0" err="1" smtClean="0">
+                <a:solidFill>
+                  <a:schemeClr val="tx1"/>
+                </a:solidFill>
+                <a:effectLst/>
+                <a:latin typeface="+mn-lt"/>
+                <a:ea typeface="+mn-ea"/>
+                <a:cs typeface="+mn-cs"/>
+              </a:rPr>
+              <a:t>Alat</a:t>
+            </a:r>
+            <a:r>
+              <a:rPr lang="en-US" sz="1200" kern="1200" baseline="0" dirty="0" smtClean="0">
+                <a:solidFill>
+                  <a:schemeClr val="tx1"/>
+                </a:solidFill>
+                <a:effectLst/>
+                <a:latin typeface="+mn-lt"/>
+                <a:ea typeface="+mn-ea"/>
+                <a:cs typeface="+mn-cs"/>
+              </a:rPr>
+              <a:t> Yang </a:t>
+            </a:r>
+            <a:r>
+              <a:rPr lang="en-US" sz="1200" kern="1200" baseline="0" dirty="0" err="1" smtClean="0">
+                <a:solidFill>
+                  <a:schemeClr val="tx1"/>
+                </a:solidFill>
+                <a:effectLst/>
+                <a:latin typeface="+mn-lt"/>
+                <a:ea typeface="+mn-ea"/>
+                <a:cs typeface="+mn-cs"/>
+              </a:rPr>
+              <a:t>Diguanakan</a:t>
+            </a:r>
+            <a:endParaRPr lang="en-US" sz="1200" kern="1200" baseline="0" dirty="0" smtClean="0">
+              <a:solidFill>
+                <a:schemeClr val="tx1"/>
+              </a:solidFill>
+              <a:effectLst/>
+              <a:latin typeface="+mn-lt"/>
+              <a:ea typeface="+mn-ea"/>
+              <a:cs typeface="+mn-cs"/>
+            </a:endParaRPr>
+          </a:p>
+          <a:p>
+            <a:pPr marL="0" marR="0" indent="0" algn="l" defTabSz="914400" rtl="0" eaLnBrk="1" fontAlgn="auto" latinLnBrk="0" hangingPunct="1">
+              <a:lnSpc>
+                <a:spcPct val="100000"/>
+              </a:lnSpc>
+              <a:spcBef>
+                <a:spcPts val="0"/>
+              </a:spcBef>
+              <a:spcAft>
+                <a:spcPts val="0"/>
+              </a:spcAft>
+              <a:buClrTx/>
+              <a:buSzTx/>
+              <a:buFontTx/>
+              <a:buNone/>
+              <a:tabLst/>
+              <a:defRPr/>
+            </a:pPr>
+            <a:endParaRPr lang="en-US" sz="1200" kern="1200" baseline="0" dirty="0" smtClean="0">
+              <a:solidFill>
+                <a:schemeClr val="tx1"/>
+              </a:solidFill>
+              <a:effectLst/>
+              <a:latin typeface="+mn-lt"/>
+              <a:ea typeface="+mn-ea"/>
+              <a:cs typeface="+mn-cs"/>
+            </a:endParaRPr>
+          </a:p>
+          <a:p>
+            <a:pPr marL="0" marR="0" indent="0" algn="l" defTabSz="914400" rtl="0" eaLnBrk="1" fontAlgn="auto" latinLnBrk="0" hangingPunct="1">
+              <a:lnSpc>
+                <a:spcPct val="100000"/>
+              </a:lnSpc>
+              <a:spcBef>
+                <a:spcPts val="0"/>
+              </a:spcBef>
+              <a:spcAft>
+                <a:spcPts val="0"/>
+              </a:spcAft>
+              <a:buClrTx/>
+              <a:buSzTx/>
+              <a:buFontTx/>
+              <a:buNone/>
+              <a:tabLst/>
+              <a:defRPr/>
+            </a:pPr>
+            <a:r>
+              <a:rPr lang="sv-SE" dirty="0" smtClean="0"/>
+              <a:t>Platform mungkin dapat didefinisikan secara sederhana sebagai tempat untuk menjalankan perangkat lunak.</a:t>
+            </a:r>
+            <a:endParaRPr lang="en-US" sz="1200" kern="1200" dirty="0" smtClean="0">
+              <a:solidFill>
+                <a:schemeClr val="tx1"/>
+              </a:solidFill>
+              <a:effectLst/>
+              <a:latin typeface="+mn-lt"/>
+              <a:ea typeface="+mn-ea"/>
+              <a:cs typeface="+mn-cs"/>
+            </a:endParaRPr>
+          </a:p>
+        </p:txBody>
+      </p:sp>
+      <p:sp>
+        <p:nvSpPr>
+          <p:cNvPr id="4" name="Slide Number Placeholder 3"/>
+          <p:cNvSpPr>
+            <a:spLocks noGrp="1"/>
+          </p:cNvSpPr>
+          <p:nvPr>
+            <p:ph type="sldNum" sz="quarter" idx="10"/>
+          </p:nvPr>
+        </p:nvSpPr>
+        <p:spPr/>
+        <p:txBody>
+          <a:bodyPr/>
+          <a:lstStyle/>
+          <a:p>
+            <a:fld id="{1734D747-9380-41EE-9946-EC9EC0CA5D1E}" type="slidenum">
+              <a:rPr lang="en-GB" smtClean="0"/>
+              <a:t>18</a:t>
+            </a:fld>
+            <a:endParaRPr lang="en-GB" dirty="0"/>
+          </a:p>
+        </p:txBody>
+      </p:sp>
+    </p:spTree>
+    <p:extLst>
+      <p:ext uri="{BB962C8B-B14F-4D97-AF65-F5344CB8AC3E}">
+        <p14:creationId xmlns:p14="http://schemas.microsoft.com/office/powerpoint/2010/main" val="1679334639"/>
+      </p:ext>
+    </p:extLst>
+  </p:cSld>
+  <p:clrMapOvr>
+    <a:masterClrMapping/>
+  </p:clrMapOvr>
+</p:notes>
+</file>
+
+<file path=ppt/notesSlides/notesSlide18.xml><?xml version="1.0" encoding="utf-8"?>
+<p:notes xmlns:a="http://schemas.openxmlformats.org/drawingml/2006/main" xmlns:r="http://schemas.openxmlformats.org/officeDocument/2006/relationships" xmlns:p="http://schemas.openxmlformats.org/presentationml/2006/main">
+  <p:cSld>
+    <p:spTree>
+      <p:nvGrpSpPr>
+        <p:cNvPr id="1" name=""/>
+        <p:cNvGrpSpPr/>
+        <p:nvPr/>
+      </p:nvGrpSpPr>
+      <p:grpSpPr>
+        <a:xfrm>
+          <a:off x="0" y="0"/>
+          <a:ext cx="0" cy="0"/>
+          <a:chOff x="0" y="0"/>
+          <a:chExt cx="0" cy="0"/>
+        </a:xfrm>
+      </p:grpSpPr>
+      <p:sp>
+        <p:nvSpPr>
+          <p:cNvPr id="2" name="Slide Image Placeholder 1"/>
+          <p:cNvSpPr>
+            <a:spLocks noGrp="1" noRot="1" noChangeAspect="1"/>
+          </p:cNvSpPr>
+          <p:nvPr>
+            <p:ph type="sldImg"/>
+          </p:nvPr>
+        </p:nvSpPr>
+        <p:spPr/>
+      </p:sp>
+      <p:sp>
+        <p:nvSpPr>
+          <p:cNvPr id="3" name="Notes Placeholder 2"/>
+          <p:cNvSpPr>
+            <a:spLocks noGrp="1"/>
+          </p:cNvSpPr>
+          <p:nvPr>
+            <p:ph type="body" idx="1"/>
+          </p:nvPr>
+        </p:nvSpPr>
+        <p:spPr/>
+        <p:txBody>
+          <a:bodyPr/>
+          <a:lstStyle/>
+          <a:p>
+            <a:pPr marL="0" marR="0" indent="0" algn="l" defTabSz="914400" rtl="0" eaLnBrk="1" fontAlgn="auto" latinLnBrk="0" hangingPunct="1">
+              <a:lnSpc>
+                <a:spcPct val="100000"/>
+              </a:lnSpc>
+              <a:spcBef>
+                <a:spcPts val="0"/>
+              </a:spcBef>
+              <a:spcAft>
+                <a:spcPts val="0"/>
+              </a:spcAft>
+              <a:buClrTx/>
+              <a:buSzTx/>
+              <a:buFontTx/>
+              <a:buNone/>
+              <a:tabLst/>
+              <a:defRPr/>
+            </a:pPr>
+            <a:r>
+              <a:rPr lang="en-US" sz="1200" kern="1200" dirty="0" smtClean="0">
+                <a:solidFill>
+                  <a:schemeClr val="tx1"/>
+                </a:solidFill>
+                <a:effectLst/>
+                <a:latin typeface="+mn-lt"/>
+                <a:ea typeface="+mn-ea"/>
+                <a:cs typeface="+mn-cs"/>
+              </a:rPr>
+              <a:t>Genre </a:t>
+            </a:r>
+            <a:r>
+              <a:rPr lang="en-US" sz="1200" kern="1200" dirty="0" err="1" smtClean="0">
+                <a:solidFill>
+                  <a:schemeClr val="tx1"/>
+                </a:solidFill>
+                <a:effectLst/>
+                <a:latin typeface="+mn-lt"/>
+                <a:ea typeface="+mn-ea"/>
+                <a:cs typeface="+mn-cs"/>
+              </a:rPr>
+              <a:t>Permainannya</a:t>
+            </a:r>
+            <a:endParaRPr lang="en-US" sz="1200" kern="1200" dirty="0" smtClean="0">
+              <a:solidFill>
+                <a:schemeClr val="tx1"/>
+              </a:solidFill>
+              <a:effectLst/>
+              <a:latin typeface="+mn-lt"/>
+              <a:ea typeface="+mn-ea"/>
+              <a:cs typeface="+mn-cs"/>
+            </a:endParaRPr>
+          </a:p>
+          <a:p>
+            <a:pPr marL="0" marR="0" indent="0" algn="l" defTabSz="914400" rtl="0" eaLnBrk="1" fontAlgn="auto" latinLnBrk="0" hangingPunct="1">
+              <a:lnSpc>
+                <a:spcPct val="100000"/>
+              </a:lnSpc>
+              <a:spcBef>
+                <a:spcPts val="0"/>
+              </a:spcBef>
+              <a:spcAft>
+                <a:spcPts val="0"/>
+              </a:spcAft>
+              <a:buClrTx/>
+              <a:buSzTx/>
+              <a:buFontTx/>
+              <a:buNone/>
+              <a:tabLst/>
+              <a:defRPr/>
+            </a:pPr>
+            <a:endParaRPr lang="en-US" sz="1200" kern="1200" dirty="0" smtClean="0">
+              <a:solidFill>
+                <a:schemeClr val="tx1"/>
+              </a:solidFill>
+              <a:effectLst/>
+              <a:latin typeface="+mn-lt"/>
+              <a:ea typeface="+mn-ea"/>
+              <a:cs typeface="+mn-cs"/>
+            </a:endParaRPr>
+          </a:p>
+          <a:p>
+            <a:pPr marL="0" marR="0" indent="0" algn="l" defTabSz="914400" rtl="0" eaLnBrk="1" fontAlgn="auto" latinLnBrk="0" hangingPunct="1">
+              <a:lnSpc>
+                <a:spcPct val="100000"/>
+              </a:lnSpc>
+              <a:spcBef>
+                <a:spcPts val="0"/>
+              </a:spcBef>
+              <a:spcAft>
+                <a:spcPts val="0"/>
+              </a:spcAft>
+              <a:buClrTx/>
+              <a:buSzTx/>
+              <a:buFontTx/>
+              <a:buNone/>
+              <a:tabLst/>
+              <a:defRPr/>
+            </a:pPr>
+            <a:r>
+              <a:rPr lang="en-US" dirty="0" smtClean="0"/>
+              <a:t>Genre </a:t>
+            </a:r>
+            <a:r>
+              <a:rPr lang="en-US" dirty="0" err="1" smtClean="0"/>
+              <a:t>adalah</a:t>
+            </a:r>
+            <a:r>
+              <a:rPr lang="en-US" dirty="0" smtClean="0"/>
+              <a:t> </a:t>
+            </a:r>
+            <a:r>
+              <a:rPr lang="en-US" dirty="0" err="1" smtClean="0"/>
+              <a:t>pengkategorian</a:t>
+            </a:r>
+            <a:r>
+              <a:rPr lang="en-US" dirty="0" smtClean="0"/>
+              <a:t> </a:t>
+            </a:r>
+            <a:r>
+              <a:rPr lang="en-US" dirty="0" err="1" smtClean="0"/>
+              <a:t>spesifikasi</a:t>
+            </a:r>
+            <a:r>
+              <a:rPr lang="en-US" dirty="0" smtClean="0"/>
+              <a:t> </a:t>
+            </a:r>
+            <a:r>
+              <a:rPr lang="en-US" dirty="0" err="1" smtClean="0"/>
+              <a:t>permainan</a:t>
+            </a:r>
+            <a:r>
+              <a:rPr lang="en-US" dirty="0" smtClean="0"/>
+              <a:t> yang </a:t>
+            </a:r>
+            <a:r>
+              <a:rPr lang="en-US" dirty="0" err="1" smtClean="0"/>
+              <a:t>memiliki</a:t>
+            </a:r>
+            <a:r>
+              <a:rPr lang="en-US" dirty="0" smtClean="0"/>
+              <a:t> </a:t>
+            </a:r>
+            <a:r>
+              <a:rPr lang="en-US" dirty="0" err="1" smtClean="0"/>
+              <a:t>karakteristik</a:t>
+            </a:r>
+            <a:r>
+              <a:rPr lang="en-US" dirty="0" smtClean="0"/>
+              <a:t> </a:t>
+            </a:r>
+            <a:r>
+              <a:rPr lang="en-US" dirty="0" err="1" smtClean="0"/>
+              <a:t>serupa</a:t>
+            </a:r>
+            <a:r>
+              <a:rPr lang="en-US" dirty="0" smtClean="0"/>
+              <a:t>. </a:t>
+            </a:r>
+            <a:endParaRPr lang="en-US" sz="1200" kern="1200" dirty="0" smtClean="0">
+              <a:solidFill>
+                <a:schemeClr val="tx1"/>
+              </a:solidFill>
+              <a:effectLst/>
+              <a:latin typeface="+mn-lt"/>
+              <a:ea typeface="+mn-ea"/>
+              <a:cs typeface="+mn-cs"/>
+            </a:endParaRPr>
+          </a:p>
+        </p:txBody>
+      </p:sp>
+      <p:sp>
+        <p:nvSpPr>
+          <p:cNvPr id="4" name="Slide Number Placeholder 3"/>
+          <p:cNvSpPr>
+            <a:spLocks noGrp="1"/>
+          </p:cNvSpPr>
+          <p:nvPr>
+            <p:ph type="sldNum" sz="quarter" idx="10"/>
+          </p:nvPr>
+        </p:nvSpPr>
+        <p:spPr/>
+        <p:txBody>
+          <a:bodyPr/>
+          <a:lstStyle/>
+          <a:p>
+            <a:fld id="{1734D747-9380-41EE-9946-EC9EC0CA5D1E}" type="slidenum">
+              <a:rPr lang="en-GB" smtClean="0"/>
+              <a:t>19</a:t>
+            </a:fld>
+            <a:endParaRPr lang="en-GB" dirty="0"/>
+          </a:p>
+        </p:txBody>
+      </p:sp>
+    </p:spTree>
+    <p:extLst>
+      <p:ext uri="{BB962C8B-B14F-4D97-AF65-F5344CB8AC3E}">
+        <p14:creationId xmlns:p14="http://schemas.microsoft.com/office/powerpoint/2010/main" val="2904157298"/>
+      </p:ext>
+    </p:extLst>
+  </p:cSld>
+  <p:clrMapOvr>
+    <a:masterClrMapping/>
+  </p:clrMapOvr>
+</p:notes>
+</file>
+
+<file path=ppt/notesSlides/notesSlide19.xml><?xml version="1.0" encoding="utf-8"?>
+<p:notes xmlns:a="http://schemas.openxmlformats.org/drawingml/2006/main" xmlns:r="http://schemas.openxmlformats.org/officeDocument/2006/relationships" xmlns:p="http://schemas.openxmlformats.org/presentationml/2006/main">
+  <p:cSld>
+    <p:spTree>
+      <p:nvGrpSpPr>
+        <p:cNvPr id="1" name=""/>
+        <p:cNvGrpSpPr/>
+        <p:nvPr/>
+      </p:nvGrpSpPr>
+      <p:grpSpPr>
+        <a:xfrm>
+          <a:off x="0" y="0"/>
+          <a:ext cx="0" cy="0"/>
+          <a:chOff x="0" y="0"/>
+          <a:chExt cx="0" cy="0"/>
+        </a:xfrm>
+      </p:grpSpPr>
+      <p:sp>
+        <p:nvSpPr>
+          <p:cNvPr id="2" name="Slide Image Placeholder 1"/>
+          <p:cNvSpPr>
+            <a:spLocks noGrp="1" noRot="1" noChangeAspect="1"/>
+          </p:cNvSpPr>
+          <p:nvPr>
+            <p:ph type="sldImg"/>
+          </p:nvPr>
+        </p:nvSpPr>
+        <p:spPr/>
+      </p:sp>
+      <p:sp>
+        <p:nvSpPr>
+          <p:cNvPr id="3" name="Notes Placeholder 2"/>
+          <p:cNvSpPr>
+            <a:spLocks noGrp="1"/>
+          </p:cNvSpPr>
+          <p:nvPr>
+            <p:ph type="body" idx="1"/>
+          </p:nvPr>
+        </p:nvSpPr>
+        <p:spPr/>
+        <p:txBody>
+          <a:bodyPr/>
+          <a:lstStyle/>
+          <a:p>
+            <a:pPr marL="0" marR="0" indent="0" algn="l" defTabSz="914400" rtl="0" eaLnBrk="1" fontAlgn="auto" latinLnBrk="0" hangingPunct="1">
+              <a:lnSpc>
+                <a:spcPct val="100000"/>
+              </a:lnSpc>
+              <a:spcBef>
+                <a:spcPts val="0"/>
+              </a:spcBef>
+              <a:spcAft>
+                <a:spcPts val="0"/>
+              </a:spcAft>
+              <a:buClrTx/>
+              <a:buSzTx/>
+              <a:buFontTx/>
+              <a:buNone/>
+              <a:tabLst/>
+              <a:defRPr/>
+            </a:pPr>
+            <a:r>
+              <a:rPr lang="id-ID" sz="1200" i="1" kern="1200" dirty="0" smtClean="0">
+                <a:solidFill>
+                  <a:schemeClr val="tx1"/>
+                </a:solidFill>
+                <a:effectLst/>
+                <a:latin typeface="+mn-lt"/>
+                <a:ea typeface="+mn-ea"/>
+                <a:cs typeface="+mn-cs"/>
+              </a:rPr>
+              <a:t>Finite State Machine </a:t>
+            </a:r>
+            <a:r>
+              <a:rPr lang="id-ID" sz="1200" kern="1200" dirty="0" smtClean="0">
+                <a:solidFill>
+                  <a:schemeClr val="tx1"/>
+                </a:solidFill>
+                <a:effectLst/>
+                <a:latin typeface="+mn-lt"/>
+                <a:ea typeface="+mn-ea"/>
+                <a:cs typeface="+mn-cs"/>
+              </a:rPr>
+              <a:t>(FSM) terdiri dari serangkaian </a:t>
+            </a:r>
+            <a:r>
+              <a:rPr lang="id-ID" sz="1200" i="1" kern="1200" dirty="0" smtClean="0">
+                <a:solidFill>
+                  <a:schemeClr val="tx1"/>
+                </a:solidFill>
+                <a:effectLst/>
+                <a:latin typeface="+mn-lt"/>
+                <a:ea typeface="+mn-ea"/>
+                <a:cs typeface="+mn-cs"/>
+              </a:rPr>
+              <a:t>state </a:t>
+            </a:r>
+            <a:r>
+              <a:rPr lang="id-ID" sz="1200" kern="1200" dirty="0" smtClean="0">
+                <a:solidFill>
+                  <a:schemeClr val="tx1"/>
+                </a:solidFill>
+                <a:effectLst/>
+                <a:latin typeface="+mn-lt"/>
+                <a:ea typeface="+mn-ea"/>
+                <a:cs typeface="+mn-cs"/>
+              </a:rPr>
+              <a:t>yang menentukan pengambilan keputusan. Setiap </a:t>
+            </a:r>
+            <a:r>
+              <a:rPr lang="id-ID" sz="1200" i="1" kern="1200" dirty="0" smtClean="0">
+                <a:solidFill>
+                  <a:schemeClr val="tx1"/>
+                </a:solidFill>
+                <a:effectLst/>
+                <a:latin typeface="+mn-lt"/>
+                <a:ea typeface="+mn-ea"/>
+                <a:cs typeface="+mn-cs"/>
+              </a:rPr>
+              <a:t>state </a:t>
+            </a:r>
+            <a:r>
+              <a:rPr lang="id-ID" sz="1200" kern="1200" dirty="0" smtClean="0">
+                <a:solidFill>
+                  <a:schemeClr val="tx1"/>
+                </a:solidFill>
+                <a:effectLst/>
+                <a:latin typeface="+mn-lt"/>
+                <a:ea typeface="+mn-ea"/>
+                <a:cs typeface="+mn-cs"/>
+              </a:rPr>
+              <a:t>dapat berpindah ke </a:t>
+            </a:r>
+            <a:r>
+              <a:rPr lang="id-ID" sz="1200" i="1" kern="1200" dirty="0" smtClean="0">
+                <a:solidFill>
+                  <a:schemeClr val="tx1"/>
+                </a:solidFill>
+                <a:effectLst/>
+                <a:latin typeface="+mn-lt"/>
+                <a:ea typeface="+mn-ea"/>
+                <a:cs typeface="+mn-cs"/>
+              </a:rPr>
+              <a:t>state </a:t>
+            </a:r>
+            <a:r>
+              <a:rPr lang="id-ID" sz="1200" kern="1200" dirty="0" smtClean="0">
+                <a:solidFill>
+                  <a:schemeClr val="tx1"/>
+                </a:solidFill>
+                <a:effectLst/>
+                <a:latin typeface="+mn-lt"/>
+                <a:ea typeface="+mn-ea"/>
+                <a:cs typeface="+mn-cs"/>
+              </a:rPr>
+              <a:t>lainnya jika memenuhi kondisi yang telah ditentukan</a:t>
+            </a:r>
+            <a:r>
+              <a:rPr lang="id-ID" sz="1200" i="1" kern="1200" dirty="0" smtClean="0">
+                <a:solidFill>
+                  <a:schemeClr val="tx1"/>
+                </a:solidFill>
+                <a:effectLst/>
+                <a:latin typeface="+mn-lt"/>
+                <a:ea typeface="+mn-ea"/>
+                <a:cs typeface="+mn-cs"/>
+              </a:rPr>
+              <a:t> </a:t>
+            </a:r>
+            <a:r>
+              <a:rPr lang="id-ID" sz="1200" kern="1200" dirty="0" smtClean="0">
+                <a:solidFill>
+                  <a:schemeClr val="tx1"/>
+                </a:solidFill>
+                <a:effectLst/>
+                <a:latin typeface="+mn-lt"/>
+                <a:ea typeface="+mn-ea"/>
+                <a:cs typeface="+mn-cs"/>
+              </a:rPr>
+              <a:t>sebelumnya.</a:t>
+            </a:r>
+            <a:endParaRPr lang="en-US" sz="1200" kern="1200" dirty="0" smtClean="0">
+              <a:solidFill>
+                <a:schemeClr val="tx1"/>
+              </a:solidFill>
+              <a:effectLst/>
+              <a:latin typeface="+mn-lt"/>
+              <a:ea typeface="+mn-ea"/>
+              <a:cs typeface="+mn-cs"/>
+            </a:endParaRPr>
+          </a:p>
+          <a:p>
+            <a:pPr marL="0" marR="0" indent="0" algn="l" defTabSz="914400" rtl="0" eaLnBrk="1" fontAlgn="auto" latinLnBrk="0" hangingPunct="1">
+              <a:lnSpc>
+                <a:spcPct val="100000"/>
+              </a:lnSpc>
+              <a:spcBef>
+                <a:spcPts val="0"/>
+              </a:spcBef>
+              <a:spcAft>
+                <a:spcPts val="0"/>
+              </a:spcAft>
+              <a:buClrTx/>
+              <a:buSzTx/>
+              <a:buFontTx/>
+              <a:buNone/>
+              <a:tabLst/>
+              <a:defRPr/>
+            </a:pPr>
+            <a:endParaRPr lang="en-US" sz="1200" kern="1200" dirty="0" smtClean="0">
+              <a:solidFill>
+                <a:schemeClr val="tx1"/>
+              </a:solidFill>
+              <a:effectLst/>
+              <a:latin typeface="+mn-lt"/>
+              <a:ea typeface="+mn-ea"/>
+              <a:cs typeface="+mn-cs"/>
+            </a:endParaRPr>
+          </a:p>
+        </p:txBody>
+      </p:sp>
+      <p:sp>
+        <p:nvSpPr>
+          <p:cNvPr id="4" name="Slide Number Placeholder 3"/>
+          <p:cNvSpPr>
+            <a:spLocks noGrp="1"/>
+          </p:cNvSpPr>
+          <p:nvPr>
+            <p:ph type="sldNum" sz="quarter" idx="10"/>
+          </p:nvPr>
+        </p:nvSpPr>
+        <p:spPr/>
+        <p:txBody>
+          <a:bodyPr/>
+          <a:lstStyle/>
+          <a:p>
+            <a:fld id="{1734D747-9380-41EE-9946-EC9EC0CA5D1E}" type="slidenum">
+              <a:rPr lang="en-GB" smtClean="0"/>
+              <a:t>20</a:t>
+            </a:fld>
+            <a:endParaRPr lang="en-GB" dirty="0"/>
+          </a:p>
+        </p:txBody>
+      </p:sp>
+    </p:spTree>
+    <p:extLst>
+      <p:ext uri="{BB962C8B-B14F-4D97-AF65-F5344CB8AC3E}">
+        <p14:creationId xmlns:p14="http://schemas.microsoft.com/office/powerpoint/2010/main" val="2249085913"/>
       </p:ext>
     </p:extLst>
   </p:cSld>
@@ -2072,6 +5133,23 @@
           <a:bodyPr/>
           <a:lstStyle/>
           <a:p>
+            <a:pPr marL="0" marR="0" indent="0" algn="l" defTabSz="914400" rtl="0" eaLnBrk="1" fontAlgn="auto" latinLnBrk="0" hangingPunct="1">
+              <a:lnSpc>
+                <a:spcPct val="100000"/>
+              </a:lnSpc>
+              <a:spcBef>
+                <a:spcPts val="0"/>
+              </a:spcBef>
+              <a:spcAft>
+                <a:spcPts val="0"/>
+              </a:spcAft>
+              <a:buClrTx/>
+              <a:buSzTx/>
+              <a:buFontTx/>
+              <a:buNone/>
+              <a:tabLst/>
+              <a:defRPr/>
+            </a:pPr>
             <a:r>
               <a:rPr lang="id-ID" sz="1200" kern="1200" dirty="0" smtClean="0">
                 <a:solidFill>
@@ -2082,30 +5160,8 @@
                 <a:ea typeface="+mn-ea"/>
                 <a:cs typeface="+mn-cs"/>
               </a:rPr>
-              <a:t>Kerja praktek merupakan salah satu kegiatan yang harus dilakukan untuk syarat supaya bisa melakukan kegiatan selanjutnya yaitu skripsi. Dalam kerja praktek mahasiswa melakukan pendaftaran, mengajukan proposal, serta melakukan kerja praktek itu di tempat yang sudah di daftarkan pada proposal.</a:t>
-            </a:r>
-            <a:endParaRPr lang="en-US" sz="1200" kern="1200" dirty="0" smtClean="0">
-              <a:solidFill>
-                <a:schemeClr val="tx1"/>
-              </a:solidFill>
-              <a:effectLst/>
-              <a:latin typeface="+mn-lt"/>
-              <a:ea typeface="+mn-ea"/>
-              <a:cs typeface="+mn-cs"/>
-            </a:endParaRPr>
-          </a:p>
-          <a:p>
-            <a:endParaRPr lang="en-US" sz="1200" kern="1200" dirty="0" smtClean="0">
-              <a:solidFill>
-                <a:schemeClr val="tx1"/>
-              </a:solidFill>
-              <a:effectLst/>
-              <a:latin typeface="+mn-lt"/>
-              <a:ea typeface="+mn-ea"/>
-              <a:cs typeface="+mn-cs"/>
-            </a:endParaRPr>
-          </a:p>
-          <a:p>
+              <a:t>Hampir semua aplikasi permainan</a:t>
+            </a:r>
             <a:r>
               <a:rPr lang="id-ID" sz="1200" i="1" kern="1200" dirty="0" smtClean="0">
                 <a:solidFill>
@@ -2116,7 +5172,7 @@
                 <a:ea typeface="+mn-ea"/>
                 <a:cs typeface="+mn-cs"/>
               </a:rPr>
-              <a:t>Game</a:t>
+              <a:t> </a:t>
             </a:r>
             <a:r>
               <a:rPr lang="id-ID" sz="1200" kern="1200" dirty="0" smtClean="0">
@@ -2128,9 +5184,33 @@
                 <a:ea typeface="+mn-ea"/>
                 <a:cs typeface="+mn-cs"/>
               </a:rPr>
-              <a:t> adalah permainan yang menggunakan media elektronik, merupakan sebuah hiburan berbentuk multimedia yang di buat semenarik mungkin agar pemain bisa mendapatkan sesuatu sehingga adanya kepuasaan batin.</a:t>
-            </a:r>
-            <a:endParaRPr lang="en-US" sz="1200" kern="1200" dirty="0">
+              <a:t>yang dibuat saat ini, baik untuk perangkat komputer, konsol, maupun </a:t>
+            </a:r>
+            <a:r>
+              <a:rPr lang="id-ID" sz="1200" i="1" kern="1200" dirty="0" smtClean="0">
+                <a:solidFill>
+                  <a:schemeClr val="tx1"/>
+                </a:solidFill>
+                <a:effectLst/>
+                <a:latin typeface="+mn-lt"/>
+                <a:ea typeface="+mn-ea"/>
+                <a:cs typeface="+mn-cs"/>
+              </a:rPr>
+              <a:t>smartphone</a:t>
+            </a:r>
+            <a:r>
+              <a:rPr lang="id-ID" sz="1200" kern="1200" dirty="0" smtClean="0">
+                <a:solidFill>
+                  <a:schemeClr val="tx1"/>
+                </a:solidFill>
+                <a:effectLst/>
+                <a:latin typeface="+mn-lt"/>
+                <a:ea typeface="+mn-ea"/>
+                <a:cs typeface="+mn-cs"/>
+              </a:rPr>
+              <a:t>, berbentuk simulasi, seperti permainan yang terkenal saat ini yaitu PlayerUnknown's Battlegrounds (PUBG), Fortnite, Harvestmoon, Mobile Legends: Bang Bang, Rules of Survival. Simulasi ini juga tidak hanya dibuat dalam permaianan, banyak peneliti, programmer, maupun ilmuan yang mengembangkannya untuk keperluan di bidang lain seperti medis, elektronik, penerbangan, dan lain sebagainya, dengan memanfaatkan algoritma pemograman dan perkembangan teknologi yang semakin maju.</a:t>
+            </a:r>
+            <a:endParaRPr lang="en-US" sz="1200" kern="1200" dirty="0" smtClean="0">
               <a:solidFill>
                 <a:schemeClr val="tx1"/>
               </a:solidFill>
@@ -2159,7 +5239,7 @@
           <a:p>
             <a:fld id="{1734D747-9380-41EE-9946-EC9EC0CA5D1E}" type="slidenum">
               <a:rPr lang="en-GB" smtClean="0"/>
-              <a:t>4</a:t>
+              <a:t>3</a:t>
             </a:fld>
             <a:endParaRPr lang="en-GB" dirty="0"/>
           </a:p>
@@ -2168,7 +5248,116 @@
     </p:spTree>
     <p:extLst>
       <p:ext uri="{BB962C8B-B14F-4D97-AF65-F5344CB8AC3E}">
-        <p14:creationId xmlns:p14="http://schemas.microsoft.com/office/powerpoint/2010/main" val="3880742847"/>
+        <p14:creationId xmlns:p14="http://schemas.microsoft.com/office/powerpoint/2010/main" val="3671002949"/>
+      </p:ext>
+    </p:extLst>
+  </p:cSld>
+  <p:clrMapOvr>
+    <a:masterClrMapping/>
+  </p:clrMapOvr>
+</p:notes>
+</file>
+
+<file path=ppt/notesSlides/notesSlide20.xml><?xml version="1.0" encoding="utf-8"?>
+<p:notes xmlns:a="http://schemas.openxmlformats.org/drawingml/2006/main" xmlns:r="http://schemas.openxmlformats.org/officeDocument/2006/relationships" xmlns:p="http://schemas.openxmlformats.org/presentationml/2006/main">
+  <p:cSld>
+    <p:spTree>
+      <p:nvGrpSpPr>
+        <p:cNvPr id="1" name=""/>
+        <p:cNvGrpSpPr/>
+        <p:nvPr/>
+      </p:nvGrpSpPr>
+      <p:grpSpPr>
+        <a:xfrm>
+          <a:off x="0" y="0"/>
+          <a:ext cx="0" cy="0"/>
+          <a:chOff x="0" y="0"/>
+          <a:chExt cx="0" cy="0"/>
+        </a:xfrm>
+      </p:grpSpPr>
+      <p:sp>
+        <p:nvSpPr>
+          <p:cNvPr id="2" name="Slide Image Placeholder 1"/>
+          <p:cNvSpPr>
+            <a:spLocks noGrp="1" noRot="1" noChangeAspect="1"/>
+          </p:cNvSpPr>
+          <p:nvPr>
+            <p:ph type="sldImg"/>
+          </p:nvPr>
+        </p:nvSpPr>
+        <p:spPr/>
+      </p:sp>
+      <p:sp>
+        <p:nvSpPr>
+          <p:cNvPr id="3" name="Notes Placeholder 2"/>
+          <p:cNvSpPr>
+            <a:spLocks noGrp="1"/>
+          </p:cNvSpPr>
+          <p:nvPr>
+            <p:ph type="body" idx="1"/>
+          </p:nvPr>
+        </p:nvSpPr>
+        <p:spPr/>
+        <p:txBody>
+          <a:bodyPr/>
+          <a:lstStyle/>
+          <a:p>
+            <a:pPr marL="0" marR="0" indent="0" algn="l" defTabSz="914400" rtl="0" eaLnBrk="1" fontAlgn="auto" latinLnBrk="0" hangingPunct="1">
+              <a:lnSpc>
+                <a:spcPct val="100000"/>
+              </a:lnSpc>
+              <a:spcBef>
+                <a:spcPts val="0"/>
+              </a:spcBef>
+              <a:spcAft>
+                <a:spcPts val="0"/>
+              </a:spcAft>
+              <a:buClrTx/>
+              <a:buSzTx/>
+              <a:buFontTx/>
+              <a:buNone/>
+              <a:tabLst/>
+              <a:defRPr/>
+            </a:pPr>
+            <a:endParaRPr lang="en-US" sz="1200" kern="1200" dirty="0" smtClean="0">
+              <a:solidFill>
+                <a:schemeClr val="tx1"/>
+              </a:solidFill>
+              <a:effectLst/>
+              <a:latin typeface="+mn-lt"/>
+              <a:ea typeface="+mn-ea"/>
+              <a:cs typeface="+mn-cs"/>
+            </a:endParaRPr>
+          </a:p>
+        </p:txBody>
+      </p:sp>
+      <p:sp>
+        <p:nvSpPr>
+          <p:cNvPr id="4" name="Slide Number Placeholder 3"/>
+          <p:cNvSpPr>
+            <a:spLocks noGrp="1"/>
+          </p:cNvSpPr>
+          <p:nvPr>
+            <p:ph type="sldNum" sz="quarter" idx="10"/>
+          </p:nvPr>
+        </p:nvSpPr>
+        <p:spPr/>
+        <p:txBody>
+          <a:bodyPr/>
+          <a:lstStyle/>
+          <a:p>
+            <a:fld id="{1734D747-9380-41EE-9946-EC9EC0CA5D1E}" type="slidenum">
+              <a:rPr lang="en-GB" smtClean="0"/>
+              <a:t>21</a:t>
+            </a:fld>
+            <a:endParaRPr lang="en-GB" dirty="0"/>
+          </a:p>
+        </p:txBody>
+      </p:sp>
+    </p:spTree>
+    <p:extLst>
+      <p:ext uri="{BB962C8B-B14F-4D97-AF65-F5344CB8AC3E}">
+        <p14:creationId xmlns:p14="http://schemas.microsoft.com/office/powerpoint/2010/main" val="757233079"/>
       </p:ext>
     </p:extLst>
   </p:cSld>
@@ -2222,28 +5411,65 @@
           <a:bodyPr/>
           <a:lstStyle/>
           <a:p>
-            <a:pPr marL="0" marR="0" indent="0" algn="l" defTabSz="914400" rtl="0" eaLnBrk="1" fontAlgn="auto" latinLnBrk="0" hangingPunct="1">
-              <a:lnSpc>
-                <a:spcPct val="100000"/>
-              </a:lnSpc>
-              <a:spcBef>
-                <a:spcPts val="0"/>
-              </a:spcBef>
-              <a:spcAft>
-                <a:spcPts val="0"/>
-              </a:spcAft>
-              <a:buClrTx/>
-              <a:buSzTx/>
-              <a:buFontTx/>
-              <a:buNone/>
-              <a:tabLst/>
-              <a:defRPr/>
-            </a:pPr>
-            <a:r>
-              <a:rPr lang="id-ID" sz="1200" dirty="0" smtClean="0"/>
-              <a:t>Berdasarkan latar belakang permasalahan di atas, didapatkan rumusan masalah sebagai berikut</a:t>
+            <a:r>
+              <a:rPr lang="id-ID" sz="1200" kern="1200" dirty="0" smtClean="0">
+                <a:solidFill>
+                  <a:schemeClr val="tx1"/>
+                </a:solidFill>
+                <a:effectLst/>
+                <a:latin typeface="+mn-lt"/>
+                <a:ea typeface="+mn-ea"/>
+                <a:cs typeface="+mn-cs"/>
+              </a:rPr>
+              <a:t>Kerja praktek merupakan salah satu kegiatan yang harus dilakukan untuk syarat supaya bisa melakukan kegiatan selanjutnya yaitu skripsi. Dalam kerja praktek mahasiswa melakukan pendaftaran, mengajukan proposal, serta melakukan kerja praktek itu di tempat yang sudah di daftarkan pada proposal.</a:t>
             </a:r>
             <a:endParaRPr lang="en-US" sz="1200" kern="1200" dirty="0" smtClean="0">
+              <a:solidFill>
+                <a:schemeClr val="tx1"/>
+              </a:solidFill>
+              <a:effectLst/>
+              <a:latin typeface="+mn-lt"/>
+              <a:ea typeface="+mn-ea"/>
+              <a:cs typeface="+mn-cs"/>
+            </a:endParaRPr>
+          </a:p>
+          <a:p>
+            <a:endParaRPr lang="en-US" sz="1200" kern="1200" dirty="0" smtClean="0">
+              <a:solidFill>
+                <a:schemeClr val="tx1"/>
+              </a:solidFill>
+              <a:effectLst/>
+              <a:latin typeface="+mn-lt"/>
+              <a:ea typeface="+mn-ea"/>
+              <a:cs typeface="+mn-cs"/>
+            </a:endParaRPr>
+          </a:p>
+          <a:p>
+            <a:r>
+              <a:rPr lang="id-ID" sz="1200" i="1" kern="1200" dirty="0" smtClean="0">
+                <a:solidFill>
+                  <a:schemeClr val="tx1"/>
+                </a:solidFill>
+                <a:effectLst/>
+                <a:latin typeface="+mn-lt"/>
+                <a:ea typeface="+mn-ea"/>
+                <a:cs typeface="+mn-cs"/>
+              </a:rPr>
+              <a:t>Game</a:t>
+            </a:r>
+            <a:r>
+              <a:rPr lang="id-ID" sz="1200" kern="1200" dirty="0" smtClean="0">
+                <a:solidFill>
+                  <a:schemeClr val="tx1"/>
+                </a:solidFill>
+                <a:effectLst/>
+                <a:latin typeface="+mn-lt"/>
+                <a:ea typeface="+mn-ea"/>
+                <a:cs typeface="+mn-cs"/>
+              </a:rPr>
+              <a:t> adalah permainan yang menggunakan media elektronik, merupakan sebuah hiburan berbentuk multimedia yang di buat semenarik mungkin agar pemain bisa mendapatkan sesuatu sehingga adanya kepuasaan batin.</a:t>
+            </a:r>
+            <a:endParaRPr lang="en-US" sz="1200" kern="1200" dirty="0">
               <a:solidFill>
                 <a:schemeClr val="tx1"/>
               </a:solidFill>
@@ -2272,7 +5498,7 @@
           <a:p>
             <a:fld id="{1734D747-9380-41EE-9946-EC9EC0CA5D1E}" type="slidenum">
               <a:rPr lang="en-GB" smtClean="0"/>
-              <a:t>5</a:t>
+              <a:t>4</a:t>
             </a:fld>
             <a:endParaRPr lang="en-GB" dirty="0"/>
           </a:p>
@@ -2281,7 +5507,7 @@
     </p:spTree>
     <p:extLst>
       <p:ext uri="{BB962C8B-B14F-4D97-AF65-F5344CB8AC3E}">
-        <p14:creationId xmlns:p14="http://schemas.microsoft.com/office/powerpoint/2010/main" val="985972794"/>
+        <p14:creationId xmlns:p14="http://schemas.microsoft.com/office/powerpoint/2010/main" val="3880742847"/>
       </p:ext>
     </p:extLst>
   </p:cSld>
@@ -2353,136 +5579,8 @@
               <a:defRPr/>
             </a:pPr>
             <a:r>
-              <a:rPr lang="en-US" sz="1200" kern="1200" dirty="0" err="1" smtClean="0">
-                <a:solidFill>
-                  <a:schemeClr val="tx1"/>
-                </a:solidFill>
-                <a:effectLst/>
-                <a:latin typeface="+mn-lt"/>
-                <a:ea typeface="+mn-ea"/>
-                <a:cs typeface="+mn-cs"/>
-              </a:rPr>
-              <a:t>Adapaun</a:t>
-            </a:r>
-            <a:r>
-              <a:rPr lang="en-US" sz="1200" kern="1200" dirty="0" smtClean="0">
-                <a:solidFill>
-                  <a:schemeClr val="tx1"/>
-                </a:solidFill>
-                <a:effectLst/>
-                <a:latin typeface="+mn-lt"/>
-                <a:ea typeface="+mn-ea"/>
-                <a:cs typeface="+mn-cs"/>
-              </a:rPr>
-              <a:t> </a:t>
-            </a:r>
-            <a:r>
-              <a:rPr lang="en-US" sz="1200" kern="1200" dirty="0" err="1" smtClean="0">
-                <a:solidFill>
-                  <a:schemeClr val="tx1"/>
-                </a:solidFill>
-                <a:effectLst/>
-                <a:latin typeface="+mn-lt"/>
-                <a:ea typeface="+mn-ea"/>
-                <a:cs typeface="+mn-cs"/>
-              </a:rPr>
-              <a:t>Batasan</a:t>
-            </a:r>
-            <a:r>
-              <a:rPr lang="en-US" sz="1200" kern="1200" dirty="0" smtClean="0">
-                <a:solidFill>
-                  <a:schemeClr val="tx1"/>
-                </a:solidFill>
-                <a:effectLst/>
-                <a:latin typeface="+mn-lt"/>
-                <a:ea typeface="+mn-ea"/>
-                <a:cs typeface="+mn-cs"/>
-              </a:rPr>
-              <a:t> </a:t>
-            </a:r>
-            <a:r>
-              <a:rPr lang="en-US" sz="1200" kern="1200" dirty="0" err="1" smtClean="0">
-                <a:solidFill>
-                  <a:schemeClr val="tx1"/>
-                </a:solidFill>
-                <a:effectLst/>
-                <a:latin typeface="+mn-lt"/>
-                <a:ea typeface="+mn-ea"/>
-                <a:cs typeface="+mn-cs"/>
-              </a:rPr>
-              <a:t>Masalah</a:t>
-            </a:r>
-            <a:r>
-              <a:rPr lang="en-US" sz="1200" kern="1200" dirty="0" smtClean="0">
-                <a:solidFill>
-                  <a:schemeClr val="tx1"/>
-                </a:solidFill>
-                <a:effectLst/>
-                <a:latin typeface="+mn-lt"/>
-                <a:ea typeface="+mn-ea"/>
-                <a:cs typeface="+mn-cs"/>
-              </a:rPr>
-              <a:t> </a:t>
-            </a:r>
-            <a:r>
-              <a:rPr lang="en-US" sz="1200" kern="1200" dirty="0" err="1" smtClean="0">
-                <a:solidFill>
-                  <a:schemeClr val="tx1"/>
-                </a:solidFill>
-                <a:effectLst/>
-                <a:latin typeface="+mn-lt"/>
-                <a:ea typeface="+mn-ea"/>
-                <a:cs typeface="+mn-cs"/>
-              </a:rPr>
-              <a:t>Pada</a:t>
-            </a:r>
-            <a:r>
-              <a:rPr lang="en-US" sz="1200" kern="1200" baseline="0" dirty="0" smtClean="0">
-                <a:solidFill>
-                  <a:schemeClr val="tx1"/>
-                </a:solidFill>
-                <a:effectLst/>
-                <a:latin typeface="+mn-lt"/>
-                <a:ea typeface="+mn-ea"/>
-                <a:cs typeface="+mn-cs"/>
-              </a:rPr>
-              <a:t> </a:t>
-            </a:r>
-            <a:r>
-              <a:rPr lang="en-US" sz="1200" kern="1200" baseline="0" dirty="0" err="1" smtClean="0">
-                <a:solidFill>
-                  <a:schemeClr val="tx1"/>
-                </a:solidFill>
-                <a:effectLst/>
-                <a:latin typeface="+mn-lt"/>
-                <a:ea typeface="+mn-ea"/>
-                <a:cs typeface="+mn-cs"/>
-              </a:rPr>
-              <a:t>Penelitian</a:t>
-            </a:r>
-            <a:r>
-              <a:rPr lang="en-US" sz="1200" kern="1200" baseline="0" dirty="0" smtClean="0">
-                <a:solidFill>
-                  <a:schemeClr val="tx1"/>
-                </a:solidFill>
-                <a:effectLst/>
-                <a:latin typeface="+mn-lt"/>
-                <a:ea typeface="+mn-ea"/>
-                <a:cs typeface="+mn-cs"/>
-              </a:rPr>
-              <a:t> </a:t>
-            </a:r>
-            <a:r>
-              <a:rPr lang="en-US" sz="1200" kern="1200" baseline="0" dirty="0" err="1" smtClean="0">
-                <a:solidFill>
-                  <a:schemeClr val="tx1"/>
-                </a:solidFill>
-                <a:effectLst/>
-                <a:latin typeface="+mn-lt"/>
-                <a:ea typeface="+mn-ea"/>
-                <a:cs typeface="+mn-cs"/>
-              </a:rPr>
-              <a:t>Ini</a:t>
+              <a:rPr lang="id-ID" sz="1200" dirty="0" smtClean="0"/>
+              <a:t>Berdasarkan latar belakang permasalahan di atas, didapatkan rumusan masalah sebagai berikut</a:t>
             </a:r>
             <a:endParaRPr lang="en-US" sz="1200" kern="1200" dirty="0" smtClean="0">
               <a:solidFill>
@@ -2513,7 +5611,7 @@
           <a:p>
             <a:fld id="{1734D747-9380-41EE-9946-EC9EC0CA5D1E}" type="slidenum">
               <a:rPr lang="en-GB" smtClean="0"/>
-              <a:t>6</a:t>
+              <a:t>5</a:t>
             </a:fld>
             <a:endParaRPr lang="en-GB" dirty="0"/>
           </a:p>
@@ -2522,7 +5620,7 @@
     </p:spTree>
     <p:extLst>
       <p:ext uri="{BB962C8B-B14F-4D97-AF65-F5344CB8AC3E}">
-        <p14:creationId xmlns:p14="http://schemas.microsoft.com/office/powerpoint/2010/main" val="1255703614"/>
+        <p14:creationId xmlns:p14="http://schemas.microsoft.com/office/powerpoint/2010/main" val="985972794"/>
       </p:ext>
     </p:extLst>
   </p:cSld>
@@ -2627,7 +5725,7 @@
                 <a:ea typeface="+mn-ea"/>
                 <a:cs typeface="+mn-cs"/>
               </a:rPr>
-              <a:t>Modul</a:t>
+              <a:t>Batasan</a:t>
             </a:r>
             <a:r>
               <a:rPr lang="en-US" sz="1200" kern="1200" dirty="0" smtClean="0">
@@ -2639,7 +5737,43 @@
                 <a:ea typeface="+mn-ea"/>
                 <a:cs typeface="+mn-cs"/>
               </a:rPr>
-              <a:t> Program</a:t>
+              <a:t> </a:t>
+            </a:r>
+            <a:r>
+              <a:rPr lang="en-US" sz="1200" kern="1200" dirty="0" err="1" smtClean="0">
+                <a:solidFill>
+                  <a:schemeClr val="tx1"/>
+                </a:solidFill>
+                <a:effectLst/>
+                <a:latin typeface="+mn-lt"/>
+                <a:ea typeface="+mn-ea"/>
+                <a:cs typeface="+mn-cs"/>
+              </a:rPr>
+              <a:t>Masalah</a:t>
+            </a:r>
+            <a:r>
+              <a:rPr lang="en-US" sz="1200" kern="1200" dirty="0" smtClean="0">
+                <a:solidFill>
+                  <a:schemeClr val="tx1"/>
+                </a:solidFill>
+                <a:effectLst/>
+                <a:latin typeface="+mn-lt"/>
+                <a:ea typeface="+mn-ea"/>
+                <a:cs typeface="+mn-cs"/>
+              </a:rPr>
+              <a:t> </a:t>
+            </a:r>
+            <a:r>
+              <a:rPr lang="en-US" sz="1200" kern="1200" dirty="0" err="1" smtClean="0">
+                <a:solidFill>
+                  <a:schemeClr val="tx1"/>
+                </a:solidFill>
+                <a:effectLst/>
+                <a:latin typeface="+mn-lt"/>
+                <a:ea typeface="+mn-ea"/>
+                <a:cs typeface="+mn-cs"/>
+              </a:rPr>
+              <a:t>Pada</a:t>
             </a:r>
             <a:r>
               <a:rPr lang="en-US" sz="1200" kern="1200" baseline="0" dirty="0" smtClean="0">
@@ -2651,7 +5785,7 @@
                 <a:ea typeface="+mn-ea"/>
                 <a:cs typeface="+mn-cs"/>
               </a:rPr>
-              <a:t> Yang </a:t>
+              <a:t> </a:t>
             </a:r>
             <a:r>
               <a:rPr lang="en-US" sz="1200" kern="1200" baseline="0" dirty="0" err="1" smtClean="0">
@@ -2663,7 +5797,7 @@
                 <a:ea typeface="+mn-ea"/>
                 <a:cs typeface="+mn-cs"/>
               </a:rPr>
-              <a:t>Harus</a:t>
+              <a:t>Penelitian</a:t>
             </a:r>
             <a:r>
               <a:rPr lang="en-US" sz="1200" kern="1200" baseline="0" dirty="0" smtClean="0">
@@ -2675,7 +5809,7 @@
                 <a:ea typeface="+mn-ea"/>
                 <a:cs typeface="+mn-cs"/>
               </a:rPr>
-              <a:t> Di </a:t>
+              <a:t> </a:t>
             </a:r>
             <a:r>
               <a:rPr lang="en-US" sz="1200" kern="1200" baseline="0" dirty="0" err="1" smtClean="0">
@@ -2687,7 +5821,7 @@
                 <a:ea typeface="+mn-ea"/>
                 <a:cs typeface="+mn-cs"/>
               </a:rPr>
-              <a:t>Buat</a:t>
+              <a:t>Ini</a:t>
             </a:r>
             <a:endParaRPr lang="en-US" sz="1200" kern="1200" dirty="0" smtClean="0">
               <a:solidFill>
@@ -2718,7 +5852,7 @@
           <a:p>
             <a:fld id="{1734D747-9380-41EE-9946-EC9EC0CA5D1E}" type="slidenum">
               <a:rPr lang="en-GB" smtClean="0"/>
-              <a:t>7</a:t>
+              <a:t>6</a:t>
             </a:fld>
             <a:endParaRPr lang="en-GB" dirty="0"/>
           </a:p>
@@ -2727,7 +5861,7 @@
     </p:spTree>
     <p:extLst>
       <p:ext uri="{BB962C8B-B14F-4D97-AF65-F5344CB8AC3E}">
-        <p14:creationId xmlns:p14="http://schemas.microsoft.com/office/powerpoint/2010/main" val="2068537739"/>
+        <p14:creationId xmlns:p14="http://schemas.microsoft.com/office/powerpoint/2010/main" val="1255703614"/>
       </p:ext>
     </p:extLst>
   </p:cSld>
@@ -2798,6 +5932,102 @@
               <a:tabLst/>
               <a:defRPr/>
             </a:pPr>
+            <a:r>
+              <a:rPr lang="en-US" sz="1200" kern="1200" dirty="0" err="1" smtClean="0">
+                <a:solidFill>
+                  <a:schemeClr val="tx1"/>
+                </a:solidFill>
+                <a:effectLst/>
+                <a:latin typeface="+mn-lt"/>
+                <a:ea typeface="+mn-ea"/>
+                <a:cs typeface="+mn-cs"/>
+              </a:rPr>
+              <a:t>Adapaun</a:t>
+            </a:r>
+            <a:r>
+              <a:rPr lang="en-US" sz="1200" kern="1200" dirty="0" smtClean="0">
+                <a:solidFill>
+                  <a:schemeClr val="tx1"/>
+                </a:solidFill>
+                <a:effectLst/>
+                <a:latin typeface="+mn-lt"/>
+                <a:ea typeface="+mn-ea"/>
+                <a:cs typeface="+mn-cs"/>
+              </a:rPr>
+              <a:t> </a:t>
+            </a:r>
+            <a:r>
+              <a:rPr lang="en-US" sz="1200" kern="1200" dirty="0" err="1" smtClean="0">
+                <a:solidFill>
+                  <a:schemeClr val="tx1"/>
+                </a:solidFill>
+                <a:effectLst/>
+                <a:latin typeface="+mn-lt"/>
+                <a:ea typeface="+mn-ea"/>
+                <a:cs typeface="+mn-cs"/>
+              </a:rPr>
+              <a:t>Modul</a:t>
+            </a:r>
+            <a:r>
+              <a:rPr lang="en-US" sz="1200" kern="1200" dirty="0" smtClean="0">
+                <a:solidFill>
+                  <a:schemeClr val="tx1"/>
+                </a:solidFill>
+                <a:effectLst/>
+                <a:latin typeface="+mn-lt"/>
+                <a:ea typeface="+mn-ea"/>
+                <a:cs typeface="+mn-cs"/>
+              </a:rPr>
+              <a:t> Program</a:t>
+            </a:r>
+            <a:r>
+              <a:rPr lang="en-US" sz="1200" kern="1200" baseline="0" dirty="0" smtClean="0">
+                <a:solidFill>
+                  <a:schemeClr val="tx1"/>
+                </a:solidFill>
+                <a:effectLst/>
+                <a:latin typeface="+mn-lt"/>
+                <a:ea typeface="+mn-ea"/>
+                <a:cs typeface="+mn-cs"/>
+              </a:rPr>
+              <a:t> Yang </a:t>
+            </a:r>
+            <a:r>
+              <a:rPr lang="en-US" sz="1200" kern="1200" baseline="0" dirty="0" err="1" smtClean="0">
+                <a:solidFill>
+                  <a:schemeClr val="tx1"/>
+                </a:solidFill>
+                <a:effectLst/>
+                <a:latin typeface="+mn-lt"/>
+                <a:ea typeface="+mn-ea"/>
+                <a:cs typeface="+mn-cs"/>
+              </a:rPr>
+              <a:t>Harus</a:t>
+            </a:r>
+            <a:r>
+              <a:rPr lang="en-US" sz="1200" kern="1200" baseline="0" dirty="0" smtClean="0">
+                <a:solidFill>
+                  <a:schemeClr val="tx1"/>
+                </a:solidFill>
+                <a:effectLst/>
+                <a:latin typeface="+mn-lt"/>
+                <a:ea typeface="+mn-ea"/>
+                <a:cs typeface="+mn-cs"/>
+              </a:rPr>
+              <a:t> Di </a:t>
+            </a:r>
+            <a:r>
+              <a:rPr lang="en-US" sz="1200" kern="1200" baseline="0" dirty="0" err="1" smtClean="0">
+                <a:solidFill>
+                  <a:schemeClr val="tx1"/>
+                </a:solidFill>
+                <a:effectLst/>
+                <a:latin typeface="+mn-lt"/>
+                <a:ea typeface="+mn-ea"/>
+                <a:cs typeface="+mn-cs"/>
+              </a:rPr>
+              <a:t>Buat</a:t>
+            </a:r>
             <a:endParaRPr lang="en-US" sz="1200" kern="1200" dirty="0" smtClean="0">
               <a:solidFill>
                 <a:schemeClr val="tx1"/>
@@ -2827,7 +6057,7 @@
           <a:p>
             <a:fld id="{1734D747-9380-41EE-9946-EC9EC0CA5D1E}" type="slidenum">
               <a:rPr lang="en-GB" smtClean="0"/>
-              <a:t>8</a:t>
+              <a:t>7</a:t>
             </a:fld>
             <a:endParaRPr lang="en-GB" dirty="0"/>
           </a:p>
@@ -2836,7 +6066,7 @@
     </p:spTree>
     <p:extLst>
       <p:ext uri="{BB962C8B-B14F-4D97-AF65-F5344CB8AC3E}">
-        <p14:creationId xmlns:p14="http://schemas.microsoft.com/office/powerpoint/2010/main" val="2377770481"/>
+        <p14:creationId xmlns:p14="http://schemas.microsoft.com/office/powerpoint/2010/main" val="2068537739"/>
       </p:ext>
     </p:extLst>
   </p:cSld>
@@ -2890,487 +6120,24 @@
           <a:bodyPr/>
           <a:lstStyle/>
           <a:p>
-            <a:r>
-              <a:rPr lang="en-US" sz="1200" kern="1200" dirty="0" err="1" smtClean="0">
-                <a:solidFill>
-                  <a:schemeClr val="tx1"/>
-                </a:solidFill>
-                <a:effectLst/>
-                <a:latin typeface="+mn-lt"/>
-                <a:ea typeface="+mn-ea"/>
-                <a:cs typeface="+mn-cs"/>
-              </a:rPr>
-              <a:t>Karena</a:t>
-            </a:r>
-            <a:r>
-              <a:rPr lang="en-US" sz="1200" kern="1200" dirty="0" smtClean="0">
-                <a:solidFill>
-                  <a:schemeClr val="tx1"/>
-                </a:solidFill>
-                <a:effectLst/>
-                <a:latin typeface="+mn-lt"/>
-                <a:ea typeface="+mn-ea"/>
-                <a:cs typeface="+mn-cs"/>
-              </a:rPr>
-              <a:t> </a:t>
-            </a:r>
-            <a:r>
-              <a:rPr lang="en-US" sz="1200" kern="1200" dirty="0" err="1" smtClean="0">
-                <a:solidFill>
-                  <a:schemeClr val="tx1"/>
-                </a:solidFill>
-                <a:effectLst/>
-                <a:latin typeface="+mn-lt"/>
-                <a:ea typeface="+mn-ea"/>
-                <a:cs typeface="+mn-cs"/>
-              </a:rPr>
-              <a:t>dalam</a:t>
-            </a:r>
-            <a:r>
-              <a:rPr lang="en-US" sz="1200" kern="1200" dirty="0" smtClean="0">
-                <a:solidFill>
-                  <a:schemeClr val="tx1"/>
-                </a:solidFill>
-                <a:effectLst/>
-                <a:latin typeface="+mn-lt"/>
-                <a:ea typeface="+mn-ea"/>
-                <a:cs typeface="+mn-cs"/>
-              </a:rPr>
-              <a:t> </a:t>
-            </a:r>
-            <a:r>
-              <a:rPr lang="en-US" sz="1200" kern="1200" dirty="0" err="1" smtClean="0">
-                <a:solidFill>
-                  <a:schemeClr val="tx1"/>
-                </a:solidFill>
-                <a:effectLst/>
-                <a:latin typeface="+mn-lt"/>
-                <a:ea typeface="+mn-ea"/>
-                <a:cs typeface="+mn-cs"/>
-              </a:rPr>
-              <a:t>skripsi</a:t>
-            </a:r>
-            <a:r>
-              <a:rPr lang="en-US" sz="1200" kern="1200" dirty="0" smtClean="0">
-                <a:solidFill>
-                  <a:schemeClr val="tx1"/>
-                </a:solidFill>
-                <a:effectLst/>
-                <a:latin typeface="+mn-lt"/>
-                <a:ea typeface="+mn-ea"/>
-                <a:cs typeface="+mn-cs"/>
-              </a:rPr>
-              <a:t> </a:t>
-            </a:r>
-            <a:r>
-              <a:rPr lang="en-US" sz="1200" kern="1200" dirty="0" err="1" smtClean="0">
-                <a:solidFill>
-                  <a:schemeClr val="tx1"/>
-                </a:solidFill>
-                <a:effectLst/>
-                <a:latin typeface="+mn-lt"/>
-                <a:ea typeface="+mn-ea"/>
-                <a:cs typeface="+mn-cs"/>
-              </a:rPr>
-              <a:t>harus</a:t>
-            </a:r>
-            <a:r>
-              <a:rPr lang="en-US" sz="1200" kern="1200" dirty="0" smtClean="0">
-                <a:solidFill>
-                  <a:schemeClr val="tx1"/>
-                </a:solidFill>
-                <a:effectLst/>
-                <a:latin typeface="+mn-lt"/>
-                <a:ea typeface="+mn-ea"/>
-                <a:cs typeface="+mn-cs"/>
-              </a:rPr>
-              <a:t> </a:t>
-            </a:r>
-            <a:r>
-              <a:rPr lang="en-US" sz="1200" kern="1200" dirty="0" err="1" smtClean="0">
-                <a:solidFill>
-                  <a:schemeClr val="tx1"/>
-                </a:solidFill>
-                <a:effectLst/>
-                <a:latin typeface="+mn-lt"/>
-                <a:ea typeface="+mn-ea"/>
-                <a:cs typeface="+mn-cs"/>
-              </a:rPr>
-              <a:t>ada</a:t>
-            </a:r>
-            <a:r>
-              <a:rPr lang="en-US" sz="1200" kern="1200" dirty="0" smtClean="0">
-                <a:solidFill>
-                  <a:schemeClr val="tx1"/>
-                </a:solidFill>
-                <a:effectLst/>
-                <a:latin typeface="+mn-lt"/>
-                <a:ea typeface="+mn-ea"/>
-                <a:cs typeface="+mn-cs"/>
-              </a:rPr>
-              <a:t> </a:t>
-            </a:r>
-            <a:r>
-              <a:rPr lang="en-US" sz="1200" kern="1200" dirty="0" err="1" smtClean="0">
-                <a:solidFill>
-                  <a:schemeClr val="tx1"/>
-                </a:solidFill>
-                <a:effectLst/>
-                <a:latin typeface="+mn-lt"/>
-                <a:ea typeface="+mn-ea"/>
-                <a:cs typeface="+mn-cs"/>
-              </a:rPr>
-              <a:t>beberapa</a:t>
-            </a:r>
-            <a:r>
-              <a:rPr lang="en-US" sz="1200" kern="1200" dirty="0" smtClean="0">
-                <a:solidFill>
-                  <a:schemeClr val="tx1"/>
-                </a:solidFill>
-                <a:effectLst/>
-                <a:latin typeface="+mn-lt"/>
-                <a:ea typeface="+mn-ea"/>
-                <a:cs typeface="+mn-cs"/>
-              </a:rPr>
-              <a:t> </a:t>
-            </a:r>
-            <a:r>
-              <a:rPr lang="en-US" sz="1200" kern="1200" dirty="0" err="1" smtClean="0">
-                <a:solidFill>
-                  <a:schemeClr val="tx1"/>
-                </a:solidFill>
-                <a:effectLst/>
-                <a:latin typeface="+mn-lt"/>
-                <a:ea typeface="+mn-ea"/>
-                <a:cs typeface="+mn-cs"/>
-              </a:rPr>
-              <a:t>mata</a:t>
-            </a:r>
-            <a:r>
-              <a:rPr lang="en-US" sz="1200" kern="1200" baseline="0" dirty="0" smtClean="0">
-                <a:solidFill>
-                  <a:schemeClr val="tx1"/>
-                </a:solidFill>
-                <a:effectLst/>
-                <a:latin typeface="+mn-lt"/>
-                <a:ea typeface="+mn-ea"/>
-                <a:cs typeface="+mn-cs"/>
-              </a:rPr>
-              <a:t> </a:t>
-            </a:r>
-            <a:r>
-              <a:rPr lang="en-US" sz="1200" kern="1200" baseline="0" dirty="0" err="1" smtClean="0">
-                <a:solidFill>
-                  <a:schemeClr val="tx1"/>
-                </a:solidFill>
-                <a:effectLst/>
-                <a:latin typeface="+mn-lt"/>
-                <a:ea typeface="+mn-ea"/>
-                <a:cs typeface="+mn-cs"/>
-              </a:rPr>
-              <a:t>kuliah</a:t>
-            </a:r>
-            <a:r>
-              <a:rPr lang="en-US" sz="1200" kern="1200" baseline="0" dirty="0" smtClean="0">
-                <a:solidFill>
-                  <a:schemeClr val="tx1"/>
-                </a:solidFill>
-                <a:effectLst/>
-                <a:latin typeface="+mn-lt"/>
-                <a:ea typeface="+mn-ea"/>
-                <a:cs typeface="+mn-cs"/>
-              </a:rPr>
-              <a:t> yang di </a:t>
-            </a:r>
-            <a:r>
-              <a:rPr lang="en-US" sz="1200" kern="1200" baseline="0" dirty="0" err="1" smtClean="0">
-                <a:solidFill>
-                  <a:schemeClr val="tx1"/>
-                </a:solidFill>
-                <a:effectLst/>
-                <a:latin typeface="+mn-lt"/>
-                <a:ea typeface="+mn-ea"/>
-                <a:cs typeface="+mn-cs"/>
-              </a:rPr>
-              <a:t>ambil</a:t>
-            </a:r>
-            <a:r>
-              <a:rPr lang="en-US" sz="1200" kern="1200" baseline="0" dirty="0" smtClean="0">
-                <a:solidFill>
-                  <a:schemeClr val="tx1"/>
-                </a:solidFill>
-                <a:effectLst/>
-                <a:latin typeface="+mn-lt"/>
-                <a:ea typeface="+mn-ea"/>
-                <a:cs typeface="+mn-cs"/>
-              </a:rPr>
-              <a:t> </a:t>
-            </a:r>
-            <a:r>
-              <a:rPr lang="en-US" sz="1200" kern="1200" baseline="0" dirty="0" err="1" smtClean="0">
-                <a:solidFill>
-                  <a:schemeClr val="tx1"/>
-                </a:solidFill>
-                <a:effectLst/>
-                <a:latin typeface="+mn-lt"/>
-                <a:ea typeface="+mn-ea"/>
-                <a:cs typeface="+mn-cs"/>
-              </a:rPr>
-              <a:t>maka</a:t>
-            </a:r>
-            <a:r>
-              <a:rPr lang="en-US" sz="1200" kern="1200" baseline="0" dirty="0" smtClean="0">
-                <a:solidFill>
-                  <a:schemeClr val="tx1"/>
-                </a:solidFill>
-                <a:effectLst/>
-                <a:latin typeface="+mn-lt"/>
-                <a:ea typeface="+mn-ea"/>
-                <a:cs typeface="+mn-cs"/>
-              </a:rPr>
-              <a:t> </a:t>
-            </a:r>
-            <a:r>
-              <a:rPr lang="en-US" sz="1200" kern="1200" baseline="0" dirty="0" err="1" smtClean="0">
-                <a:solidFill>
-                  <a:schemeClr val="tx1"/>
-                </a:solidFill>
-                <a:effectLst/>
-                <a:latin typeface="+mn-lt"/>
-                <a:ea typeface="+mn-ea"/>
-                <a:cs typeface="+mn-cs"/>
-              </a:rPr>
-              <a:t>dalam</a:t>
-            </a:r>
-            <a:r>
-              <a:rPr lang="en-US" sz="1200" kern="1200" baseline="0" dirty="0" smtClean="0">
-                <a:solidFill>
-                  <a:schemeClr val="tx1"/>
-                </a:solidFill>
-                <a:effectLst/>
-                <a:latin typeface="+mn-lt"/>
-                <a:ea typeface="+mn-ea"/>
-                <a:cs typeface="+mn-cs"/>
-              </a:rPr>
-              <a:t> </a:t>
-            </a:r>
-            <a:r>
-              <a:rPr lang="en-US" sz="1200" kern="1200" baseline="0" dirty="0" err="1" smtClean="0">
-                <a:solidFill>
-                  <a:schemeClr val="tx1"/>
-                </a:solidFill>
-                <a:effectLst/>
-                <a:latin typeface="+mn-lt"/>
-                <a:ea typeface="+mn-ea"/>
-                <a:cs typeface="+mn-cs"/>
-              </a:rPr>
-              <a:t>pembuatan</a:t>
-            </a:r>
-            <a:r>
-              <a:rPr lang="en-US" sz="1200" kern="1200" baseline="0" dirty="0" smtClean="0">
-                <a:solidFill>
-                  <a:schemeClr val="tx1"/>
-                </a:solidFill>
-                <a:effectLst/>
-                <a:latin typeface="+mn-lt"/>
-                <a:ea typeface="+mn-ea"/>
-                <a:cs typeface="+mn-cs"/>
-              </a:rPr>
-              <a:t> </a:t>
-            </a:r>
-            <a:r>
-              <a:rPr lang="en-US" sz="1200" kern="1200" baseline="0" dirty="0" err="1" smtClean="0">
-                <a:solidFill>
-                  <a:schemeClr val="tx1"/>
-                </a:solidFill>
-                <a:effectLst/>
-                <a:latin typeface="+mn-lt"/>
-                <a:ea typeface="+mn-ea"/>
-                <a:cs typeface="+mn-cs"/>
-              </a:rPr>
-              <a:t>aplikasi</a:t>
-            </a:r>
-            <a:r>
-              <a:rPr lang="en-US" sz="1200" kern="1200" baseline="0" dirty="0" smtClean="0">
-                <a:solidFill>
-                  <a:schemeClr val="tx1"/>
-                </a:solidFill>
-                <a:effectLst/>
-                <a:latin typeface="+mn-lt"/>
-                <a:ea typeface="+mn-ea"/>
-                <a:cs typeface="+mn-cs"/>
-              </a:rPr>
-              <a:t> game </a:t>
-            </a:r>
-            <a:r>
-              <a:rPr lang="en-US" sz="1200" kern="1200" baseline="0" dirty="0" err="1" smtClean="0">
-                <a:solidFill>
-                  <a:schemeClr val="tx1"/>
-                </a:solidFill>
-                <a:effectLst/>
-                <a:latin typeface="+mn-lt"/>
-                <a:ea typeface="+mn-ea"/>
-                <a:cs typeface="+mn-cs"/>
-              </a:rPr>
-              <a:t>simulasi</a:t>
-            </a:r>
-            <a:r>
-              <a:rPr lang="en-US" sz="1200" kern="1200" baseline="0" dirty="0" smtClean="0">
-                <a:solidFill>
-                  <a:schemeClr val="tx1"/>
-                </a:solidFill>
-                <a:effectLst/>
-                <a:latin typeface="+mn-lt"/>
-                <a:ea typeface="+mn-ea"/>
-                <a:cs typeface="+mn-cs"/>
-              </a:rPr>
-              <a:t> </a:t>
-            </a:r>
-            <a:r>
-              <a:rPr lang="en-US" sz="1200" kern="1200" baseline="0" dirty="0" err="1" smtClean="0">
-                <a:solidFill>
-                  <a:schemeClr val="tx1"/>
-                </a:solidFill>
-                <a:effectLst/>
-                <a:latin typeface="+mn-lt"/>
-                <a:ea typeface="+mn-ea"/>
-                <a:cs typeface="+mn-cs"/>
-              </a:rPr>
-              <a:t>ini</a:t>
-            </a:r>
-            <a:r>
-              <a:rPr lang="en-US" sz="1200" kern="1200" baseline="0" dirty="0" smtClean="0">
-                <a:solidFill>
-                  <a:schemeClr val="tx1"/>
-                </a:solidFill>
-                <a:effectLst/>
-                <a:latin typeface="+mn-lt"/>
-                <a:ea typeface="+mn-ea"/>
-                <a:cs typeface="+mn-cs"/>
-              </a:rPr>
-              <a:t> </a:t>
-            </a:r>
-            <a:r>
-              <a:rPr lang="en-US" sz="1200" kern="1200" baseline="0" dirty="0" err="1" smtClean="0">
-                <a:solidFill>
-                  <a:schemeClr val="tx1"/>
-                </a:solidFill>
-                <a:effectLst/>
-                <a:latin typeface="+mn-lt"/>
-                <a:ea typeface="+mn-ea"/>
-                <a:cs typeface="+mn-cs"/>
-              </a:rPr>
-              <a:t>ada</a:t>
-            </a:r>
-            <a:r>
-              <a:rPr lang="en-US" sz="1200" kern="1200" baseline="0" dirty="0" smtClean="0">
-                <a:solidFill>
-                  <a:schemeClr val="tx1"/>
-                </a:solidFill>
-                <a:effectLst/>
-                <a:latin typeface="+mn-lt"/>
-                <a:ea typeface="+mn-ea"/>
-                <a:cs typeface="+mn-cs"/>
-              </a:rPr>
-              <a:t> </a:t>
-            </a:r>
-            <a:r>
-              <a:rPr lang="en-US" sz="1200" kern="1200" baseline="0" dirty="0" err="1" smtClean="0">
-                <a:solidFill>
-                  <a:schemeClr val="tx1"/>
-                </a:solidFill>
-                <a:effectLst/>
-                <a:latin typeface="+mn-lt"/>
-                <a:ea typeface="+mn-ea"/>
-                <a:cs typeface="+mn-cs"/>
-              </a:rPr>
-              <a:t>beberapa</a:t>
-            </a:r>
-            <a:r>
-              <a:rPr lang="en-US" sz="1200" kern="1200" baseline="0" dirty="0" smtClean="0">
-                <a:solidFill>
-                  <a:schemeClr val="tx1"/>
-                </a:solidFill>
-                <a:effectLst/>
-                <a:latin typeface="+mn-lt"/>
-                <a:ea typeface="+mn-ea"/>
-                <a:cs typeface="+mn-cs"/>
-              </a:rPr>
-              <a:t> </a:t>
-            </a:r>
-            <a:r>
-              <a:rPr lang="en-US" sz="1200" kern="1200" baseline="0" dirty="0" err="1" smtClean="0">
-                <a:solidFill>
-                  <a:schemeClr val="tx1"/>
-                </a:solidFill>
-                <a:effectLst/>
-                <a:latin typeface="+mn-lt"/>
-                <a:ea typeface="+mn-ea"/>
-                <a:cs typeface="+mn-cs"/>
-              </a:rPr>
-              <a:t>ilmu</a:t>
-            </a:r>
-            <a:r>
-              <a:rPr lang="en-US" sz="1200" kern="1200" baseline="0" dirty="0" smtClean="0">
-                <a:solidFill>
-                  <a:schemeClr val="tx1"/>
-                </a:solidFill>
-                <a:effectLst/>
-                <a:latin typeface="+mn-lt"/>
-                <a:ea typeface="+mn-ea"/>
-                <a:cs typeface="+mn-cs"/>
-              </a:rPr>
-              <a:t> yang di </a:t>
-            </a:r>
-            <a:r>
-              <a:rPr lang="en-US" sz="1200" kern="1200" baseline="0" dirty="0" err="1" smtClean="0">
-                <a:solidFill>
-                  <a:schemeClr val="tx1"/>
-                </a:solidFill>
-                <a:effectLst/>
-                <a:latin typeface="+mn-lt"/>
-                <a:ea typeface="+mn-ea"/>
-                <a:cs typeface="+mn-cs"/>
-              </a:rPr>
-              <a:t>gunakan</a:t>
-            </a:r>
-            <a:r>
-              <a:rPr lang="en-US" sz="1200" kern="1200" baseline="0" dirty="0" smtClean="0">
-                <a:solidFill>
-                  <a:schemeClr val="tx1"/>
-                </a:solidFill>
-                <a:effectLst/>
-                <a:latin typeface="+mn-lt"/>
-                <a:ea typeface="+mn-ea"/>
-                <a:cs typeface="+mn-cs"/>
-              </a:rPr>
-              <a:t> </a:t>
-            </a:r>
-            <a:r>
-              <a:rPr lang="en-US" sz="1200" kern="1200" baseline="0" dirty="0" err="1" smtClean="0">
-                <a:solidFill>
-                  <a:schemeClr val="tx1"/>
-                </a:solidFill>
-                <a:effectLst/>
-                <a:latin typeface="+mn-lt"/>
-                <a:ea typeface="+mn-ea"/>
-                <a:cs typeface="+mn-cs"/>
-              </a:rPr>
-              <a:t>antara</a:t>
-            </a:r>
-            <a:r>
-              <a:rPr lang="en-US" sz="1200" kern="1200" baseline="0" dirty="0" smtClean="0">
-                <a:solidFill>
-                  <a:schemeClr val="tx1"/>
-                </a:solidFill>
-                <a:effectLst/>
-                <a:latin typeface="+mn-lt"/>
-                <a:ea typeface="+mn-ea"/>
-                <a:cs typeface="+mn-cs"/>
-              </a:rPr>
-              <a:t> lain</a:t>
-            </a:r>
-            <a:endParaRPr lang="en-US" sz="1200" kern="1200" dirty="0">
+            <a:pPr marL="0" marR="0" indent="0" algn="l" defTabSz="914400" rtl="0" eaLnBrk="1" fontAlgn="auto" latinLnBrk="0" hangingPunct="1">
+              <a:lnSpc>
+                <a:spcPct val="100000"/>
+              </a:lnSpc>
+              <a:spcBef>
+                <a:spcPts val="0"/>
+              </a:spcBef>
+              <a:spcAft>
+                <a:spcPts val="0"/>
+              </a:spcAft>
+              <a:buClrTx/>
+              <a:buSzTx/>
+              <a:buFontTx/>
+              <a:buNone/>
+              <a:tabLst/>
+              <a:defRPr/>
+            </a:pPr>
+            <a:endParaRPr lang="en-US" sz="1200" kern="1200" dirty="0" smtClean="0">
               <a:solidFill>
                 <a:schemeClr val="tx1"/>
               </a:solidFill>
@@ -3399,7 +6166,7 @@
           <a:p>
             <a:fld id="{1734D747-9380-41EE-9946-EC9EC0CA5D1E}" type="slidenum">
               <a:rPr lang="en-GB" smtClean="0"/>
-              <a:t>9</a:t>
+              <a:t>8</a:t>
             </a:fld>
             <a:endParaRPr lang="en-GB" dirty="0"/>
           </a:p>
@@ -3408,7 +6175,7 @@
     </p:spTree>
     <p:extLst>
       <p:ext uri="{BB962C8B-B14F-4D97-AF65-F5344CB8AC3E}">
-        <p14:creationId xmlns:p14="http://schemas.microsoft.com/office/powerpoint/2010/main" val="1878947443"/>
+        <p14:creationId xmlns:p14="http://schemas.microsoft.com/office/powerpoint/2010/main" val="2377770481"/>
       </p:ext>
     </p:extLst>
   </p:cSld>
@@ -3462,24 +6229,487 @@
           <a:bodyPr/>
           <a:lstStyle/>
           <a:p>
-            <a:pPr marL="0" marR="0" indent="0" algn="l" defTabSz="914400" rtl="0" eaLnBrk="1" fontAlgn="auto" latinLnBrk="0" hangingPunct="1">
-              <a:lnSpc>
-                <a:spcPct val="100000"/>
-              </a:lnSpc>
-              <a:spcBef>
-                <a:spcPts val="0"/>
-              </a:spcBef>
-              <a:spcAft>
-                <a:spcPts val="0"/>
-              </a:spcAft>
-              <a:buClrTx/>
-              <a:buSzTx/>
-              <a:buFontTx/>
-              <a:buNone/>
-              <a:tabLst/>
-              <a:defRPr/>
-            </a:pPr>
-            <a:endParaRPr lang="en-US" sz="1200" kern="1200" dirty="0" smtClean="0">
+            <a:r>
+              <a:rPr lang="en-US" sz="1200" kern="1200" dirty="0" err="1" smtClean="0">
+                <a:solidFill>
+                  <a:schemeClr val="tx1"/>
+                </a:solidFill>
+                <a:effectLst/>
+                <a:latin typeface="+mn-lt"/>
+                <a:ea typeface="+mn-ea"/>
+                <a:cs typeface="+mn-cs"/>
+              </a:rPr>
+              <a:t>Karena</a:t>
+            </a:r>
+            <a:r>
+              <a:rPr lang="en-US" sz="1200" kern="1200" dirty="0" smtClean="0">
+                <a:solidFill>
+                  <a:schemeClr val="tx1"/>
+                </a:solidFill>
+                <a:effectLst/>
+                <a:latin typeface="+mn-lt"/>
+                <a:ea typeface="+mn-ea"/>
+                <a:cs typeface="+mn-cs"/>
+              </a:rPr>
+              <a:t> </a:t>
+            </a:r>
+            <a:r>
+              <a:rPr lang="en-US" sz="1200" kern="1200" dirty="0" err="1" smtClean="0">
+                <a:solidFill>
+                  <a:schemeClr val="tx1"/>
+                </a:solidFill>
+                <a:effectLst/>
+                <a:latin typeface="+mn-lt"/>
+                <a:ea typeface="+mn-ea"/>
+                <a:cs typeface="+mn-cs"/>
+              </a:rPr>
+              <a:t>dalam</a:t>
+            </a:r>
+            <a:r>
+              <a:rPr lang="en-US" sz="1200" kern="1200" dirty="0" smtClean="0">
+                <a:solidFill>
+                  <a:schemeClr val="tx1"/>
+                </a:solidFill>
+                <a:effectLst/>
+                <a:latin typeface="+mn-lt"/>
+                <a:ea typeface="+mn-ea"/>
+                <a:cs typeface="+mn-cs"/>
+              </a:rPr>
+              <a:t> </a:t>
+            </a:r>
+            <a:r>
+              <a:rPr lang="en-US" sz="1200" kern="1200" dirty="0" err="1" smtClean="0">
+                <a:solidFill>
+                  <a:schemeClr val="tx1"/>
+                </a:solidFill>
+                <a:effectLst/>
+                <a:latin typeface="+mn-lt"/>
+                <a:ea typeface="+mn-ea"/>
+                <a:cs typeface="+mn-cs"/>
+              </a:rPr>
+              <a:t>skripsi</a:t>
+            </a:r>
+            <a:r>
+              <a:rPr lang="en-US" sz="1200" kern="1200" dirty="0" smtClean="0">
+                <a:solidFill>
+                  <a:schemeClr val="tx1"/>
+                </a:solidFill>
+                <a:effectLst/>
+                <a:latin typeface="+mn-lt"/>
+                <a:ea typeface="+mn-ea"/>
+                <a:cs typeface="+mn-cs"/>
+              </a:rPr>
+              <a:t> </a:t>
+            </a:r>
+            <a:r>
+              <a:rPr lang="en-US" sz="1200" kern="1200" dirty="0" err="1" smtClean="0">
+                <a:solidFill>
+                  <a:schemeClr val="tx1"/>
+                </a:solidFill>
+                <a:effectLst/>
+                <a:latin typeface="+mn-lt"/>
+                <a:ea typeface="+mn-ea"/>
+                <a:cs typeface="+mn-cs"/>
+              </a:rPr>
+              <a:t>harus</a:t>
+            </a:r>
+            <a:r>
+              <a:rPr lang="en-US" sz="1200" kern="1200" dirty="0" smtClean="0">
+                <a:solidFill>
+                  <a:schemeClr val="tx1"/>
+                </a:solidFill>
+                <a:effectLst/>
+                <a:latin typeface="+mn-lt"/>
+                <a:ea typeface="+mn-ea"/>
+                <a:cs typeface="+mn-cs"/>
+              </a:rPr>
+              <a:t> </a:t>
+            </a:r>
+            <a:r>
+              <a:rPr lang="en-US" sz="1200" kern="1200" dirty="0" err="1" smtClean="0">
+                <a:solidFill>
+                  <a:schemeClr val="tx1"/>
+                </a:solidFill>
+                <a:effectLst/>
+                <a:latin typeface="+mn-lt"/>
+                <a:ea typeface="+mn-ea"/>
+                <a:cs typeface="+mn-cs"/>
+              </a:rPr>
+              <a:t>ada</a:t>
+            </a:r>
+            <a:r>
+              <a:rPr lang="en-US" sz="1200" kern="1200" dirty="0" smtClean="0">
+                <a:solidFill>
+                  <a:schemeClr val="tx1"/>
+                </a:solidFill>
+                <a:effectLst/>
+                <a:latin typeface="+mn-lt"/>
+                <a:ea typeface="+mn-ea"/>
+                <a:cs typeface="+mn-cs"/>
+              </a:rPr>
+              <a:t> </a:t>
+            </a:r>
+            <a:r>
+              <a:rPr lang="en-US" sz="1200" kern="1200" dirty="0" err="1" smtClean="0">
+                <a:solidFill>
+                  <a:schemeClr val="tx1"/>
+                </a:solidFill>
+                <a:effectLst/>
+                <a:latin typeface="+mn-lt"/>
+                <a:ea typeface="+mn-ea"/>
+                <a:cs typeface="+mn-cs"/>
+              </a:rPr>
+              <a:t>beberapa</a:t>
+            </a:r>
+            <a:r>
+              <a:rPr lang="en-US" sz="1200" kern="1200" dirty="0" smtClean="0">
+                <a:solidFill>
+                  <a:schemeClr val="tx1"/>
+                </a:solidFill>
+                <a:effectLst/>
+                <a:latin typeface="+mn-lt"/>
+                <a:ea typeface="+mn-ea"/>
+                <a:cs typeface="+mn-cs"/>
+              </a:rPr>
+              <a:t> </a:t>
+            </a:r>
+            <a:r>
+              <a:rPr lang="en-US" sz="1200" kern="1200" dirty="0" err="1" smtClean="0">
+                <a:solidFill>
+                  <a:schemeClr val="tx1"/>
+                </a:solidFill>
+                <a:effectLst/>
+                <a:latin typeface="+mn-lt"/>
+                <a:ea typeface="+mn-ea"/>
+                <a:cs typeface="+mn-cs"/>
+              </a:rPr>
+              <a:t>mata</a:t>
+            </a:r>
+            <a:r>
+              <a:rPr lang="en-US" sz="1200" kern="1200" baseline="0" dirty="0" smtClean="0">
+                <a:solidFill>
+                  <a:schemeClr val="tx1"/>
+                </a:solidFill>
+                <a:effectLst/>
+                <a:latin typeface="+mn-lt"/>
+                <a:ea typeface="+mn-ea"/>
+                <a:cs typeface="+mn-cs"/>
+              </a:rPr>
+              <a:t> </a:t>
+            </a:r>
+            <a:r>
+              <a:rPr lang="en-US" sz="1200" kern="1200" baseline="0" dirty="0" err="1" smtClean="0">
+                <a:solidFill>
+                  <a:schemeClr val="tx1"/>
+                </a:solidFill>
+                <a:effectLst/>
+                <a:latin typeface="+mn-lt"/>
+                <a:ea typeface="+mn-ea"/>
+                <a:cs typeface="+mn-cs"/>
+              </a:rPr>
+              <a:t>kuliah</a:t>
+            </a:r>
+            <a:r>
+              <a:rPr lang="en-US" sz="1200" kern="1200" baseline="0" dirty="0" smtClean="0">
+                <a:solidFill>
+                  <a:schemeClr val="tx1"/>
+                </a:solidFill>
+                <a:effectLst/>
+                <a:latin typeface="+mn-lt"/>
+                <a:ea typeface="+mn-ea"/>
+                <a:cs typeface="+mn-cs"/>
+              </a:rPr>
+              <a:t> yang di </a:t>
+            </a:r>
+            <a:r>
+              <a:rPr lang="en-US" sz="1200" kern="1200" baseline="0" dirty="0" err="1" smtClean="0">
+                <a:solidFill>
+                  <a:schemeClr val="tx1"/>
+                </a:solidFill>
+                <a:effectLst/>
+                <a:latin typeface="+mn-lt"/>
+                <a:ea typeface="+mn-ea"/>
+                <a:cs typeface="+mn-cs"/>
+              </a:rPr>
+              <a:t>ambil</a:t>
+            </a:r>
+            <a:r>
+              <a:rPr lang="en-US" sz="1200" kern="1200" baseline="0" dirty="0" smtClean="0">
+                <a:solidFill>
+                  <a:schemeClr val="tx1"/>
+                </a:solidFill>
+                <a:effectLst/>
+                <a:latin typeface="+mn-lt"/>
+                <a:ea typeface="+mn-ea"/>
+                <a:cs typeface="+mn-cs"/>
+              </a:rPr>
+              <a:t> </a:t>
+            </a:r>
+            <a:r>
+              <a:rPr lang="en-US" sz="1200" kern="1200" baseline="0" dirty="0" err="1" smtClean="0">
+                <a:solidFill>
+                  <a:schemeClr val="tx1"/>
+                </a:solidFill>
+                <a:effectLst/>
+                <a:latin typeface="+mn-lt"/>
+                <a:ea typeface="+mn-ea"/>
+                <a:cs typeface="+mn-cs"/>
+              </a:rPr>
+              <a:t>maka</a:t>
+            </a:r>
+            <a:r>
+              <a:rPr lang="en-US" sz="1200" kern="1200" baseline="0" dirty="0" smtClean="0">
+                <a:solidFill>
+                  <a:schemeClr val="tx1"/>
+                </a:solidFill>
+                <a:effectLst/>
+                <a:latin typeface="+mn-lt"/>
+                <a:ea typeface="+mn-ea"/>
+                <a:cs typeface="+mn-cs"/>
+              </a:rPr>
+              <a:t> </a:t>
+            </a:r>
+            <a:r>
+              <a:rPr lang="en-US" sz="1200" kern="1200" baseline="0" dirty="0" err="1" smtClean="0">
+                <a:solidFill>
+                  <a:schemeClr val="tx1"/>
+                </a:solidFill>
+                <a:effectLst/>
+                <a:latin typeface="+mn-lt"/>
+                <a:ea typeface="+mn-ea"/>
+                <a:cs typeface="+mn-cs"/>
+              </a:rPr>
+              <a:t>dalam</a:t>
+            </a:r>
+            <a:r>
+              <a:rPr lang="en-US" sz="1200" kern="1200" baseline="0" dirty="0" smtClean="0">
+                <a:solidFill>
+                  <a:schemeClr val="tx1"/>
+                </a:solidFill>
+                <a:effectLst/>
+                <a:latin typeface="+mn-lt"/>
+                <a:ea typeface="+mn-ea"/>
+                <a:cs typeface="+mn-cs"/>
+              </a:rPr>
+              <a:t> </a:t>
+            </a:r>
+            <a:r>
+              <a:rPr lang="en-US" sz="1200" kern="1200" baseline="0" dirty="0" err="1" smtClean="0">
+                <a:solidFill>
+                  <a:schemeClr val="tx1"/>
+                </a:solidFill>
+                <a:effectLst/>
+                <a:latin typeface="+mn-lt"/>
+                <a:ea typeface="+mn-ea"/>
+                <a:cs typeface="+mn-cs"/>
+              </a:rPr>
+              <a:t>pembuatan</a:t>
+            </a:r>
+            <a:r>
+              <a:rPr lang="en-US" sz="1200" kern="1200" baseline="0" dirty="0" smtClean="0">
+                <a:solidFill>
+                  <a:schemeClr val="tx1"/>
+                </a:solidFill>
+                <a:effectLst/>
+                <a:latin typeface="+mn-lt"/>
+                <a:ea typeface="+mn-ea"/>
+                <a:cs typeface="+mn-cs"/>
+              </a:rPr>
+              <a:t> </a:t>
+            </a:r>
+            <a:r>
+              <a:rPr lang="en-US" sz="1200" kern="1200" baseline="0" dirty="0" err="1" smtClean="0">
+                <a:solidFill>
+                  <a:schemeClr val="tx1"/>
+                </a:solidFill>
+                <a:effectLst/>
+                <a:latin typeface="+mn-lt"/>
+                <a:ea typeface="+mn-ea"/>
+                <a:cs typeface="+mn-cs"/>
+              </a:rPr>
+              <a:t>aplikasi</a:t>
+            </a:r>
+            <a:r>
+              <a:rPr lang="en-US" sz="1200" kern="1200" baseline="0" dirty="0" smtClean="0">
+                <a:solidFill>
+                  <a:schemeClr val="tx1"/>
+                </a:solidFill>
+                <a:effectLst/>
+                <a:latin typeface="+mn-lt"/>
+                <a:ea typeface="+mn-ea"/>
+                <a:cs typeface="+mn-cs"/>
+              </a:rPr>
+              <a:t> game </a:t>
+            </a:r>
+            <a:r>
+              <a:rPr lang="en-US" sz="1200" kern="1200" baseline="0" dirty="0" err="1" smtClean="0">
+                <a:solidFill>
+                  <a:schemeClr val="tx1"/>
+                </a:solidFill>
+                <a:effectLst/>
+                <a:latin typeface="+mn-lt"/>
+                <a:ea typeface="+mn-ea"/>
+                <a:cs typeface="+mn-cs"/>
+              </a:rPr>
+              <a:t>simulasi</a:t>
+            </a:r>
+            <a:r>
+              <a:rPr lang="en-US" sz="1200" kern="1200" baseline="0" dirty="0" smtClean="0">
+                <a:solidFill>
+                  <a:schemeClr val="tx1"/>
+                </a:solidFill>
+                <a:effectLst/>
+                <a:latin typeface="+mn-lt"/>
+                <a:ea typeface="+mn-ea"/>
+                <a:cs typeface="+mn-cs"/>
+              </a:rPr>
+              <a:t> </a:t>
+            </a:r>
+            <a:r>
+              <a:rPr lang="en-US" sz="1200" kern="1200" baseline="0" dirty="0" err="1" smtClean="0">
+                <a:solidFill>
+                  <a:schemeClr val="tx1"/>
+                </a:solidFill>
+                <a:effectLst/>
+                <a:latin typeface="+mn-lt"/>
+                <a:ea typeface="+mn-ea"/>
+                <a:cs typeface="+mn-cs"/>
+              </a:rPr>
+              <a:t>ini</a:t>
+            </a:r>
+            <a:r>
+              <a:rPr lang="en-US" sz="1200" kern="1200" baseline="0" dirty="0" smtClean="0">
+                <a:solidFill>
+                  <a:schemeClr val="tx1"/>
+                </a:solidFill>
+                <a:effectLst/>
+                <a:latin typeface="+mn-lt"/>
+                <a:ea typeface="+mn-ea"/>
+                <a:cs typeface="+mn-cs"/>
+              </a:rPr>
+              <a:t> </a:t>
+            </a:r>
+            <a:r>
+              <a:rPr lang="en-US" sz="1200" kern="1200" baseline="0" dirty="0" err="1" smtClean="0">
+                <a:solidFill>
+                  <a:schemeClr val="tx1"/>
+                </a:solidFill>
+                <a:effectLst/>
+                <a:latin typeface="+mn-lt"/>
+                <a:ea typeface="+mn-ea"/>
+                <a:cs typeface="+mn-cs"/>
+              </a:rPr>
+              <a:t>ada</a:t>
+            </a:r>
+            <a:r>
+              <a:rPr lang="en-US" sz="1200" kern="1200" baseline="0" dirty="0" smtClean="0">
+                <a:solidFill>
+                  <a:schemeClr val="tx1"/>
+                </a:solidFill>
+                <a:effectLst/>
+                <a:latin typeface="+mn-lt"/>
+                <a:ea typeface="+mn-ea"/>
+                <a:cs typeface="+mn-cs"/>
+              </a:rPr>
+              <a:t> </a:t>
+            </a:r>
+            <a:r>
+              <a:rPr lang="en-US" sz="1200" kern="1200" baseline="0" dirty="0" err="1" smtClean="0">
+                <a:solidFill>
+                  <a:schemeClr val="tx1"/>
+                </a:solidFill>
+                <a:effectLst/>
+                <a:latin typeface="+mn-lt"/>
+                <a:ea typeface="+mn-ea"/>
+                <a:cs typeface="+mn-cs"/>
+              </a:rPr>
+              <a:t>beberapa</a:t>
+            </a:r>
+            <a:r>
+              <a:rPr lang="en-US" sz="1200" kern="1200" baseline="0" dirty="0" smtClean="0">
+                <a:solidFill>
+                  <a:schemeClr val="tx1"/>
+                </a:solidFill>
+                <a:effectLst/>
+                <a:latin typeface="+mn-lt"/>
+                <a:ea typeface="+mn-ea"/>
+                <a:cs typeface="+mn-cs"/>
+              </a:rPr>
+              <a:t> </a:t>
+            </a:r>
+            <a:r>
+              <a:rPr lang="en-US" sz="1200" kern="1200" baseline="0" dirty="0" err="1" smtClean="0">
+                <a:solidFill>
+                  <a:schemeClr val="tx1"/>
+                </a:solidFill>
+                <a:effectLst/>
+                <a:latin typeface="+mn-lt"/>
+                <a:ea typeface="+mn-ea"/>
+                <a:cs typeface="+mn-cs"/>
+              </a:rPr>
+              <a:t>ilmu</a:t>
+            </a:r>
+            <a:r>
+              <a:rPr lang="en-US" sz="1200" kern="1200" baseline="0" dirty="0" smtClean="0">
+                <a:solidFill>
+                  <a:schemeClr val="tx1"/>
+                </a:solidFill>
+                <a:effectLst/>
+                <a:latin typeface="+mn-lt"/>
+                <a:ea typeface="+mn-ea"/>
+                <a:cs typeface="+mn-cs"/>
+              </a:rPr>
+              <a:t> yang di </a:t>
+            </a:r>
+            <a:r>
+              <a:rPr lang="en-US" sz="1200" kern="1200" baseline="0" dirty="0" err="1" smtClean="0">
+                <a:solidFill>
+                  <a:schemeClr val="tx1"/>
+                </a:solidFill>
+                <a:effectLst/>
+                <a:latin typeface="+mn-lt"/>
+                <a:ea typeface="+mn-ea"/>
+                <a:cs typeface="+mn-cs"/>
+              </a:rPr>
+              <a:t>gunakan</a:t>
+            </a:r>
+            <a:r>
+              <a:rPr lang="en-US" sz="1200" kern="1200" baseline="0" dirty="0" smtClean="0">
+                <a:solidFill>
+                  <a:schemeClr val="tx1"/>
+                </a:solidFill>
+                <a:effectLst/>
+                <a:latin typeface="+mn-lt"/>
+                <a:ea typeface="+mn-ea"/>
+                <a:cs typeface="+mn-cs"/>
+              </a:rPr>
+              <a:t> </a:t>
+            </a:r>
+            <a:r>
+              <a:rPr lang="en-US" sz="1200" kern="1200" baseline="0" dirty="0" err="1" smtClean="0">
+                <a:solidFill>
+                  <a:schemeClr val="tx1"/>
+                </a:solidFill>
+                <a:effectLst/>
+                <a:latin typeface="+mn-lt"/>
+                <a:ea typeface="+mn-ea"/>
+                <a:cs typeface="+mn-cs"/>
+              </a:rPr>
+              <a:t>antara</a:t>
+            </a:r>
+            <a:r>
+              <a:rPr lang="en-US" sz="1200" kern="1200" baseline="0" dirty="0" smtClean="0">
+                <a:solidFill>
+                  <a:schemeClr val="tx1"/>
+                </a:solidFill>
+                <a:effectLst/>
+                <a:latin typeface="+mn-lt"/>
+                <a:ea typeface="+mn-ea"/>
+                <a:cs typeface="+mn-cs"/>
+              </a:rPr>
+              <a:t> lain</a:t>
+            </a:r>
+            <a:endParaRPr lang="en-US" sz="1200" kern="1200" dirty="0">
               <a:solidFill>
                 <a:schemeClr val="tx1"/>
               </a:solidFill>
@@ -3508,7 +6738,7 @@
           <a:p>
             <a:fld id="{1734D747-9380-41EE-9946-EC9EC0CA5D1E}" type="slidenum">
               <a:rPr lang="en-GB" smtClean="0"/>
-              <a:t>10</a:t>
+              <a:t>9</a:t>
             </a:fld>
             <a:endParaRPr lang="en-GB" dirty="0"/>
           </a:p>
@@ -3517,7 +6747,7 @@
     </p:spTree>
     <p:extLst>
       <p:ext uri="{BB962C8B-B14F-4D97-AF65-F5344CB8AC3E}">
-        <p14:creationId xmlns:p14="http://schemas.microsoft.com/office/powerpoint/2010/main" val="29389389"/>
+        <p14:creationId xmlns:p14="http://schemas.microsoft.com/office/powerpoint/2010/main" val="1878947443"/>
       </p:ext>
     </p:extLst>
   </p:cSld>
@@ -3588,30 +6818,6 @@
               <a:tabLst/>
               <a:defRPr/>
             </a:pPr>
-            <a:r>
-              <a:rPr lang="id-ID" sz="1200" dirty="0" smtClean="0"/>
-              <a:t>Bentuknya dapat berupa model fisik seperti maket, patung, bentuk prototipe, model citra gambar rancangan, citra komputer, atau rumusan matematis.</a:t>
-            </a:r>
-            <a:endParaRPr lang="en-US" sz="1200" smtClean="0"/>
-          </a:p>
-          <a:p>
-            <a:pPr marL="0" marR="0" indent="0" algn="l" defTabSz="914400" rtl="0" eaLnBrk="1" fontAlgn="auto" latinLnBrk="0" hangingPunct="1">
-              <a:lnSpc>
-                <a:spcPct val="100000"/>
-              </a:lnSpc>
-              <a:spcBef>
-                <a:spcPts val="0"/>
-              </a:spcBef>
-              <a:spcAft>
-                <a:spcPts val="0"/>
-              </a:spcAft>
-              <a:buClrTx/>
-              <a:buSzTx/>
-              <a:buFontTx/>
-              <a:buNone/>
-              <a:tabLst/>
-              <a:defRPr/>
-            </a:pPr>
             <a:endParaRPr lang="en-US" sz="1200" kern="1200" dirty="0" smtClean="0">
               <a:solidFill>
                 <a:schemeClr val="tx1"/>
@@ -3641,7 +6847,7 @@
           <a:p>
             <a:fld id="{1734D747-9380-41EE-9946-EC9EC0CA5D1E}" type="slidenum">
               <a:rPr lang="en-GB" smtClean="0"/>
-              <a:t>11</a:t>
+              <a:t>10</a:t>
             </a:fld>
             <a:endParaRPr lang="en-GB" dirty="0"/>
           </a:p>
@@ -3650,7 +6856,7 @@
     </p:spTree>
     <p:extLst>
       <p:ext uri="{BB962C8B-B14F-4D97-AF65-F5344CB8AC3E}">
-        <p14:creationId xmlns:p14="http://schemas.microsoft.com/office/powerpoint/2010/main" val="1027779583"/>
+        <p14:creationId xmlns:p14="http://schemas.microsoft.com/office/powerpoint/2010/main" val="29389389"/>
       </p:ext>
     </p:extLst>
   </p:cSld>
@@ -27385,7 +30591,7 @@
           <p:nvPr/>
         </p:nvPicPr>
         <p:blipFill>
-          <a:blip r:embed="rId2">
+          <a:blip r:embed="rId3">
             <a:extLst>
               <a:ext uri="{28A0092B-C50C-407E-A947-70E740481C1C}">
                 <a14:useLocalDpi xmlns:a14="http://schemas.microsoft.com/office/drawing/2010/main" val="0"/>
@@ -27654,13 +30860,13 @@
   <p:clrMapOvr>
     <a:masterClrMapping/>
   </p:clrMapOvr>
-  <mc:AlternateContent xmlns:mc="http://schemas.openxmlformats.org/markup-compatibility/2006">
-    <mc:Choice xmlns:p14="http://schemas.microsoft.com/office/powerpoint/2010/main" Requires="p14">
+  <mc:AlternateContent xmlns:mc="http://schemas.openxmlformats.org/markup-compatibility/2006" xmlns:p14="http://schemas.microsoft.com/office/powerpoint/2010/main">
+    <mc:Choice Requires="p14">
       <p:transition spd="med" p14:dur="700">
         <p:fade/>
       </p:transition>
     </mc:Choice>
-    <mc:Fallback>
+    <mc:Fallback xmlns="">
       <p:transition spd="med">
         <p:fade/>
       </p:transition>
@@ -27776,6 +30982,10 @@
             <a:pPr algn="just"/>
             <a:endParaRPr lang="en-US" sz="3600" dirty="0"/>
           </a:p>
+          <a:p>
+            <a:pPr algn="just"/>
+            <a:endParaRPr lang="en-US" sz="3600" dirty="0"/>
+          </a:p>
         </p:txBody>
       </p:sp>
       <p:sp>
@@ -27808,6 +31018,90 @@
           </a:p>
         </p:txBody>
       </p:sp>
+      <p:pic>
+        <p:nvPicPr>
+          <p:cNvPr id="6" name="Picture 5"/>
+          <p:cNvPicPr>
+            <a:picLocks noChangeAspect="1"/>
+          </p:cNvPicPr>
+          <p:nvPr/>
+        </p:nvPicPr>
+        <p:blipFill>
+          <a:blip r:embed="rId3">
+            <a:extLst>
+              <a:ext uri="{28A0092B-C50C-407E-A947-70E740481C1C}">
+                <a14:useLocalDpi xmlns:a14="http://schemas.microsoft.com/office/drawing/2010/main" val="0"/>
+              </a:ext>
+            </a:extLst>
+          </a:blip>
+          <a:stretch>
+            <a:fillRect/>
+          </a:stretch>
+        </p:blipFill>
+        <p:spPr>
+          <a:xfrm>
+            <a:off x="831850" y="890438"/>
+            <a:ext cx="3121152" cy="2340864"/>
+          </a:xfrm>
+          <a:prstGeom prst="rect">
+            <a:avLst/>
+          </a:prstGeom>
+        </p:spPr>
+      </p:pic>
+      <p:pic>
+        <p:nvPicPr>
+          <p:cNvPr id="9" name="Picture 8"/>
+          <p:cNvPicPr>
+            <a:picLocks noChangeAspect="1"/>
+          </p:cNvPicPr>
+          <p:nvPr/>
+        </p:nvPicPr>
+        <p:blipFill>
+          <a:blip r:embed="rId4">
+            <a:extLst>
+              <a:ext uri="{28A0092B-C50C-407E-A947-70E740481C1C}">
+                <a14:useLocalDpi xmlns:a14="http://schemas.microsoft.com/office/drawing/2010/main" val="0"/>
+              </a:ext>
+            </a:extLst>
+          </a:blip>
+          <a:stretch>
+            <a:fillRect/>
+          </a:stretch>
+        </p:blipFill>
+        <p:spPr>
+          <a:xfrm>
+            <a:off x="7058584" y="900062"/>
+            <a:ext cx="2820521" cy="1881646"/>
+          </a:xfrm>
+          <a:prstGeom prst="rect">
+            <a:avLst/>
+          </a:prstGeom>
+        </p:spPr>
+      </p:pic>
+      <p:pic>
+        <p:nvPicPr>
+          <p:cNvPr id="11" name="Picture 10"/>
+          <p:cNvPicPr>
+            <a:picLocks noChangeAspect="1"/>
+          </p:cNvPicPr>
+          <p:nvPr/>
+        </p:nvPicPr>
+        <p:blipFill>
+          <a:blip r:embed="rId5"/>
+          <a:stretch>
+            <a:fillRect/>
+          </a:stretch>
+        </p:blipFill>
+        <p:spPr>
+          <a:xfrm>
+            <a:off x="831850" y="4809257"/>
+            <a:ext cx="3552489" cy="847753"/>
+          </a:xfrm>
+          <a:prstGeom prst="rect">
+            <a:avLst/>
+          </a:prstGeom>
+        </p:spPr>
+      </p:pic>
     </p:spTree>
     <p:extLst>
       <p:ext uri="{BB962C8B-B14F-4D97-AF65-F5344CB8AC3E}">
@@ -27818,13 +31112,13 @@
   <p:clrMapOvr>
     <a:masterClrMapping/>
   </p:clrMapOvr>
-  <mc:AlternateContent xmlns:mc="http://schemas.openxmlformats.org/markup-compatibility/2006">
-    <mc:Choice xmlns:p14="http://schemas.microsoft.com/office/powerpoint/2010/main" Requires="p14">
+  <mc:AlternateContent xmlns:mc="http://schemas.openxmlformats.org/markup-compatibility/2006" xmlns:p14="http://schemas.microsoft.com/office/powerpoint/2010/main">
+    <mc:Choice Requires="p14">
       <p:transition spd="med" p14:dur="700">
         <p:fade/>
       </p:transition>
     </mc:Choice>
-    <mc:Fallback>
+    <mc:Fallback xmlns="">
       <p:transition spd="med">
         <p:fade/>
       </p:transition>
@@ -27886,8 +31180,24 @@
           <a:lstStyle/>
           <a:p>
             <a:r>
+              <a:rPr lang="en-US" dirty="0" err="1" smtClean="0"/>
+              <a:t>Pemodelan</a:t>
+            </a:r>
+            <a:r>
               <a:rPr lang="en-US" dirty="0" smtClean="0"/>
-              <a:t>Multimedia</a:t>
+              <a:t> </a:t>
+            </a:r>
+            <a:r>
+              <a:rPr lang="en-US" dirty="0" err="1" smtClean="0"/>
+              <a:t>dan</a:t>
+            </a:r>
+            <a:r>
+              <a:rPr lang="en-US" dirty="0" smtClean="0"/>
+              <a:t> </a:t>
+            </a:r>
+            <a:r>
+              <a:rPr lang="en-US" dirty="0" err="1" smtClean="0"/>
+              <a:t>Simulasi</a:t>
             </a:r>
             <a:endParaRPr lang="en-GB" dirty="0"/>
           </a:p>
@@ -27912,7 +31222,7 @@
         <p:spPr>
           <a:xfrm>
             <a:off x="831850" y="900062"/>
-            <a:ext cx="9047256" cy="5957937"/>
+            <a:ext cx="8509374" cy="5957937"/>
           </a:xfrm>
         </p:spPr>
         <p:txBody>
@@ -27924,12 +31234,8 @@
             <a:pPr algn="just"/>
             <a:r>
               <a:rPr lang="id-ID" sz="3600" dirty="0"/>
-              <a:t>Untuk menunjukan bagaimana melakukan kerja praktek secara garis besar kepada mahasiswa Fakultas Teknologi Informasi Universitas Bale Bandung.</a:t>
-            </a:r>
-            <a:endParaRPr lang="en-US" sz="3600" dirty="0"/>
-          </a:p>
-          <a:p>
-            <a:pPr lvl="0"/>
+              <a:t>Simulasi adalah peniruan operasi, menurut waktu, sebuah proses atau sistem dunia nyata.</a:t>
+            </a:r>
             <a:endParaRPr lang="en-US" sz="3600" dirty="0"/>
           </a:p>
         </p:txBody>
@@ -27974,13 +31280,13 @@
   <p:clrMapOvr>
     <a:masterClrMapping/>
   </p:clrMapOvr>
-  <mc:AlternateContent xmlns:mc="http://schemas.openxmlformats.org/markup-compatibility/2006">
-    <mc:Choice xmlns:p14="http://schemas.microsoft.com/office/powerpoint/2010/main" Requires="p14">
+  <mc:AlternateContent xmlns:mc="http://schemas.openxmlformats.org/markup-compatibility/2006" xmlns:p14="http://schemas.microsoft.com/office/powerpoint/2010/main">
+    <mc:Choice Requires="p14">
       <p:transition spd="med" p14:dur="700">
         <p:fade/>
       </p:transition>
     </mc:Choice>
-    <mc:Fallback>
+    <mc:Fallback xmlns="">
       <p:transition spd="med">
         <p:fade/>
       </p:transition>
@@ -28032,34 +31338,18 @@
         <p:spPr>
           <a:xfrm>
             <a:off x="832103" y="31383"/>
-            <a:ext cx="10420097" cy="859055"/>
+            <a:ext cx="8652555" cy="859055"/>
           </a:xfrm>
         </p:spPr>
         <p:txBody>
           <a:bodyPr>
-            <a:normAutofit fontScale="90000"/>
+            <a:normAutofit/>
           </a:bodyPr>
           <a:lstStyle/>
           <a:p>
             <a:r>
-              <a:rPr lang="en-US" dirty="0" err="1" smtClean="0"/>
-              <a:t>Pemograman</a:t>
-            </a:r>
-            <a:r>
               <a:rPr lang="en-US" dirty="0" smtClean="0"/>
-              <a:t> </a:t>
-            </a:r>
-            <a:r>
-              <a:rPr lang="en-US" dirty="0" err="1" smtClean="0"/>
-              <a:t>Berorientasi</a:t>
-            </a:r>
-            <a:r>
-              <a:rPr lang="en-US" dirty="0" smtClean="0"/>
-              <a:t> </a:t>
-            </a:r>
-            <a:r>
-              <a:rPr lang="en-US" dirty="0" err="1" smtClean="0"/>
-              <a:t>Objek</a:t>
+              <a:t>Multimedia</a:t>
             </a:r>
             <a:endParaRPr lang="en-GB" dirty="0"/>
           </a:p>
@@ -28084,7 +31374,7 @@
         <p:spPr>
           <a:xfrm>
             <a:off x="831850" y="900062"/>
-            <a:ext cx="9047256" cy="5957937"/>
+            <a:ext cx="8509374" cy="5957937"/>
           </a:xfrm>
         </p:spPr>
         <p:txBody>
@@ -28096,12 +31386,24 @@
             <a:pPr algn="just"/>
             <a:r>
               <a:rPr lang="id-ID" sz="3600" dirty="0"/>
-              <a:t>Untuk menunjukan bagaimana melakukan kerja praktek secara garis besar kepada mahasiswa Fakultas Teknologi Informasi Universitas Bale Bandung.</a:t>
-            </a:r>
-            <a:endParaRPr lang="en-US" sz="3600" dirty="0"/>
-          </a:p>
-          <a:p>
-            <a:pPr lvl="0"/>
+              <a:t>Multimedia adalah suatu sarana (media) yang didalamnya terdapat perpaduan (kombinasi) berbagai bentuk elemen informasi, seperti teks, </a:t>
+            </a:r>
+            <a:r>
+              <a:rPr lang="id-ID" sz="3600" dirty="0" smtClean="0"/>
+              <a:t>g</a:t>
+            </a:r>
+            <a:r>
+              <a:rPr lang="en-US" sz="3600" dirty="0" err="1" smtClean="0"/>
+              <a:t>ambar</a:t>
+            </a:r>
+            <a:r>
+              <a:rPr lang="id-ID" sz="3600" dirty="0" smtClean="0"/>
+              <a:t>, </a:t>
+            </a:r>
+            <a:r>
+              <a:rPr lang="id-ID" sz="3600" dirty="0"/>
+              <a:t>animasi, video, interaktif maupun suara sebagai pendukung untuk mencapai tujuannya yaitu menyampaikan informasi atau sekedar memberikan hiburan bagi target audiens-nya.</a:t>
+            </a:r>
             <a:endParaRPr lang="en-US" sz="3600" dirty="0"/>
           </a:p>
         </p:txBody>
@@ -28139,20 +31441,20 @@
     </p:spTree>
     <p:extLst>
       <p:ext uri="{BB962C8B-B14F-4D97-AF65-F5344CB8AC3E}">
-        <p14:creationId xmlns:p14="http://schemas.microsoft.com/office/powerpoint/2010/main" val="3741400907"/>
+        <p14:creationId xmlns:p14="http://schemas.microsoft.com/office/powerpoint/2010/main" val="738622015"/>
       </p:ext>
     </p:extLst>
   </p:cSld>
   <p:clrMapOvr>
     <a:masterClrMapping/>
   </p:clrMapOvr>
-  <mc:AlternateContent xmlns:mc="http://schemas.openxmlformats.org/markup-compatibility/2006">
-    <mc:Choice xmlns:p14="http://schemas.microsoft.com/office/powerpoint/2010/main" Requires="p14">
+  <mc:AlternateContent xmlns:mc="http://schemas.openxmlformats.org/markup-compatibility/2006" xmlns:p14="http://schemas.microsoft.com/office/powerpoint/2010/main">
+    <mc:Choice Requires="p14">
       <p:transition spd="med" p14:dur="700">
         <p:fade/>
       </p:transition>
     </mc:Choice>
-    <mc:Fallback>
+    <mc:Fallback xmlns="">
       <p:transition spd="med">
         <p:fade/>
       </p:transition>
@@ -28187,10 +31489,10 @@
       </p:grpSpPr>
       <p:sp>
         <p:nvSpPr>
-          <p:cNvPr id="7" name="Title 6">
+          <p:cNvPr id="4" name="Title 3">
             <a:extLst>
               <a:ext uri="{FF2B5EF4-FFF2-40B4-BE49-F238E27FC236}">
-                <a16:creationId xmlns:a16="http://schemas.microsoft.com/office/drawing/2014/main" xmlns="" id="{7875C19A-1AAE-476A-A316-A2CF92D763D3}"/>
+                <a16:creationId xmlns:a16="http://schemas.microsoft.com/office/drawing/2014/main" xmlns="" id="{E3BD8413-C238-49D7-A4E1-E8FEF1811A0E}"/>
               </a:ext>
             </a:extLst>
           </p:cNvPr>
@@ -28201,14 +31503,21 @@
             <p:ph type="title"/>
           </p:nvPr>
         </p:nvSpPr>
-        <p:spPr/>
+        <p:spPr>
+          <a:xfrm>
+            <a:off x="832103" y="31383"/>
+            <a:ext cx="8652555" cy="859055"/>
+          </a:xfrm>
+        </p:spPr>
         <p:txBody>
-          <a:bodyPr/>
+          <a:bodyPr>
+            <a:normAutofit/>
+          </a:bodyPr>
           <a:lstStyle/>
           <a:p>
             <a:r>
-              <a:rPr lang="en-US" dirty="0"/>
-              <a:t>Content Title</a:t>
+              <a:rPr lang="en-US" dirty="0" smtClean="0"/>
+              <a:t>Multimedia</a:t>
             </a:r>
             <a:endParaRPr lang="en-GB" dirty="0"/>
           </a:p>
@@ -28216,10 +31525,10 @@
       </p:sp>
       <p:sp>
         <p:nvSpPr>
-          <p:cNvPr id="10" name="Text Placeholder 9">
+          <p:cNvPr id="5" name="Text Placeholder 4">
             <a:extLst>
               <a:ext uri="{FF2B5EF4-FFF2-40B4-BE49-F238E27FC236}">
-                <a16:creationId xmlns:a16="http://schemas.microsoft.com/office/drawing/2014/main" xmlns="" id="{EF2BC084-E6DB-4DE7-B309-042A85EBA700}"/>
+                <a16:creationId xmlns:a16="http://schemas.microsoft.com/office/drawing/2014/main" xmlns="" id="{0A95F4DE-39B7-4CE2-BC1E-8B8AE662A895}"/>
               </a:ext>
             </a:extLst>
           </p:cNvPr>
@@ -28227,30 +31536,116 @@
             <a:spLocks noGrp="1"/>
           </p:cNvSpPr>
           <p:nvPr>
-            <p:ph type="body" sz="quarter" idx="13"/>
+            <p:ph type="body" idx="1"/>
           </p:nvPr>
         </p:nvSpPr>
-        <p:spPr/>
+        <p:spPr>
+          <a:xfrm>
+            <a:off x="831850" y="900062"/>
+            <a:ext cx="8509374" cy="5957937"/>
+          </a:xfrm>
+        </p:spPr>
         <p:txBody>
-          <a:bodyPr/>
+          <a:bodyPr numCol="1">
+            <a:normAutofit/>
+          </a:bodyPr>
           <a:lstStyle/>
           <a:p>
-            <a:r>
-              <a:rPr lang="en-US" dirty="0"/>
-              <a:t>Lorem ipsum dolor sit amet, consectetuer adipiscing elit. Maecenas porttitor congue massa. Fusce posuere, magna sed pulvinar ultricies, purus lectus malesuada libero, sit amet commodo magna eros quis urna.</a:t>
-            </a:r>
-          </a:p>
-          <a:p>
-            <a:r>
-              <a:rPr lang="en-US" dirty="0"/>
-              <a:t>Nunc viverra imperdiet enim. Fusce est. Vivamus a tellus.</a:t>
-            </a:r>
-          </a:p>
-          <a:p>
-            <a:r>
-              <a:rPr lang="en-US" dirty="0"/>
-              <a:t>Pellentesque habitant morbi tristique senectus et netus et malesuada fames ac turpis egestas. Proin pharetra nonummy pede. Mauris et orci.</a:t>
-            </a:r>
+            <a:pPr marL="742950" lvl="0" indent="-742950" algn="just">
+              <a:buFont typeface="+mj-lt"/>
+              <a:buAutoNum type="arabicPeriod"/>
+            </a:pPr>
+            <a:r>
+              <a:rPr lang="id-ID" sz="3600" dirty="0"/>
+              <a:t>Mulitimedia </a:t>
+            </a:r>
+            <a:r>
+              <a:rPr lang="id-ID" sz="3600" dirty="0" smtClean="0"/>
+              <a:t>Linier</a:t>
+            </a:r>
+            <a:r>
+              <a:rPr lang="en-US" sz="3600" dirty="0" smtClean="0"/>
+              <a:t>, </a:t>
+            </a:r>
+            <a:r>
+              <a:rPr lang="en-US" sz="3600" dirty="0" err="1" smtClean="0"/>
+              <a:t>Tidak</a:t>
+            </a:r>
+            <a:r>
+              <a:rPr lang="en-US" sz="3600" dirty="0" smtClean="0"/>
+              <a:t> </a:t>
+            </a:r>
+            <a:r>
+              <a:rPr lang="en-US" sz="3600" dirty="0" err="1" smtClean="0"/>
+              <a:t>dilengkapi</a:t>
+            </a:r>
+            <a:r>
+              <a:rPr lang="en-US" sz="3600" dirty="0" smtClean="0"/>
+              <a:t> </a:t>
+            </a:r>
+            <a:r>
+              <a:rPr lang="en-US" sz="3600" dirty="0" err="1" smtClean="0"/>
+              <a:t>alat</a:t>
+            </a:r>
+            <a:r>
+              <a:rPr lang="en-US" sz="3600" dirty="0" smtClean="0"/>
+              <a:t> </a:t>
+            </a:r>
+            <a:r>
+              <a:rPr lang="en-US" sz="3600" dirty="0" err="1" smtClean="0"/>
+              <a:t>pengontrol</a:t>
+            </a:r>
+            <a:r>
+              <a:rPr lang="en-US" sz="3600" dirty="0"/>
+              <a:t>.</a:t>
+            </a:r>
+          </a:p>
+          <a:p>
+            <a:pPr marL="742950" lvl="0" indent="-742950" algn="just">
+              <a:buFont typeface="+mj-lt"/>
+              <a:buAutoNum type="arabicPeriod"/>
+            </a:pPr>
+            <a:r>
+              <a:rPr lang="id-ID" sz="3600" dirty="0"/>
+              <a:t>Multimedia </a:t>
+            </a:r>
+            <a:r>
+              <a:rPr lang="id-ID" sz="3600" dirty="0" smtClean="0"/>
+              <a:t>Interaktif</a:t>
+            </a:r>
+            <a:r>
+              <a:rPr lang="en-US" sz="3600" dirty="0" smtClean="0"/>
+              <a:t>, </a:t>
+            </a:r>
+            <a:r>
+              <a:rPr lang="en-US" sz="3600" dirty="0" err="1" smtClean="0"/>
+              <a:t>dilengkapi</a:t>
+            </a:r>
+            <a:r>
+              <a:rPr lang="en-US" sz="3600" dirty="0" smtClean="0"/>
+              <a:t> </a:t>
+            </a:r>
+            <a:r>
+              <a:rPr lang="en-US" sz="3600" dirty="0" err="1" smtClean="0"/>
+              <a:t>alat</a:t>
+            </a:r>
+            <a:r>
+              <a:rPr lang="en-US" sz="3600" dirty="0" smtClean="0"/>
+              <a:t> </a:t>
+            </a:r>
+            <a:r>
+              <a:rPr lang="en-US" sz="3600" dirty="0" err="1" smtClean="0"/>
+              <a:t>pengontrol</a:t>
+            </a:r>
+            <a:r>
+              <a:rPr lang="en-US" sz="3600" dirty="0" smtClean="0"/>
+              <a:t>.</a:t>
+            </a:r>
+            <a:endParaRPr lang="en-US" sz="3600" dirty="0"/>
+          </a:p>
+          <a:p>
+            <a:pPr algn="just"/>
+            <a:endParaRPr lang="en-US" sz="3600" dirty="0"/>
           </a:p>
         </p:txBody>
       </p:sp>
@@ -28259,7 +31654,7 @@
           <p:cNvPr id="2" name="Slide Number Placeholder 1">
             <a:extLst>
               <a:ext uri="{FF2B5EF4-FFF2-40B4-BE49-F238E27FC236}">
-                <a16:creationId xmlns:a16="http://schemas.microsoft.com/office/drawing/2014/main" xmlns="" id="{BE9800F6-D571-48C4-8466-12AA1ADB6599}"/>
+                <a16:creationId xmlns:a16="http://schemas.microsoft.com/office/drawing/2014/main" xmlns="" id="{0B24BF10-2B55-43AB-9F77-F1A1410384A9}"/>
               </a:ext>
             </a:extLst>
           </p:cNvPr>
@@ -28287,7 +31682,7 @@
     </p:spTree>
     <p:extLst>
       <p:ext uri="{BB962C8B-B14F-4D97-AF65-F5344CB8AC3E}">
-        <p14:creationId xmlns:p14="http://schemas.microsoft.com/office/powerpoint/2010/main" val="3733486012"/>
+        <p14:creationId xmlns:p14="http://schemas.microsoft.com/office/powerpoint/2010/main" val="2834405924"/>
       </p:ext>
     </p:extLst>
   </p:cSld>
@@ -28338,6 +31733,1645 @@
           <p:cNvPr id="4" name="Title 3">
             <a:extLst>
               <a:ext uri="{FF2B5EF4-FFF2-40B4-BE49-F238E27FC236}">
+                <a16:creationId xmlns:a16="http://schemas.microsoft.com/office/drawing/2014/main" xmlns="" id="{E3BD8413-C238-49D7-A4E1-E8FEF1811A0E}"/>
+              </a:ext>
+            </a:extLst>
+          </p:cNvPr>
+          <p:cNvSpPr>
+            <a:spLocks noGrp="1"/>
+          </p:cNvSpPr>
+          <p:nvPr>
+            <p:ph type="title"/>
+          </p:nvPr>
+        </p:nvSpPr>
+        <p:spPr>
+          <a:xfrm>
+            <a:off x="832103" y="31383"/>
+            <a:ext cx="10420097" cy="859055"/>
+          </a:xfrm>
+        </p:spPr>
+        <p:txBody>
+          <a:bodyPr>
+            <a:normAutofit fontScale="90000"/>
+          </a:bodyPr>
+          <a:lstStyle/>
+          <a:p>
+            <a:r>
+              <a:rPr lang="en-US" dirty="0" err="1" smtClean="0"/>
+              <a:t>Pemograman</a:t>
+            </a:r>
+            <a:r>
+              <a:rPr lang="en-US" dirty="0" smtClean="0"/>
+              <a:t> </a:t>
+            </a:r>
+            <a:r>
+              <a:rPr lang="en-US" dirty="0" err="1" smtClean="0"/>
+              <a:t>Berorientasi</a:t>
+            </a:r>
+            <a:r>
+              <a:rPr lang="en-US" dirty="0" smtClean="0"/>
+              <a:t> </a:t>
+            </a:r>
+            <a:r>
+              <a:rPr lang="en-US" dirty="0" err="1" smtClean="0"/>
+              <a:t>Objek</a:t>
+            </a:r>
+            <a:endParaRPr lang="en-GB" dirty="0"/>
+          </a:p>
+        </p:txBody>
+      </p:sp>
+      <p:sp>
+        <p:nvSpPr>
+          <p:cNvPr id="5" name="Text Placeholder 4">
+            <a:extLst>
+              <a:ext uri="{FF2B5EF4-FFF2-40B4-BE49-F238E27FC236}">
+                <a16:creationId xmlns:a16="http://schemas.microsoft.com/office/drawing/2014/main" xmlns="" id="{0A95F4DE-39B7-4CE2-BC1E-8B8AE662A895}"/>
+              </a:ext>
+            </a:extLst>
+          </p:cNvPr>
+          <p:cNvSpPr>
+            <a:spLocks noGrp="1"/>
+          </p:cNvSpPr>
+          <p:nvPr>
+            <p:ph type="body" idx="1"/>
+          </p:nvPr>
+        </p:nvSpPr>
+        <p:spPr>
+          <a:xfrm>
+            <a:off x="831850" y="900062"/>
+            <a:ext cx="8545232" cy="5957937"/>
+          </a:xfrm>
+        </p:spPr>
+        <p:txBody>
+          <a:bodyPr numCol="1">
+            <a:normAutofit/>
+          </a:bodyPr>
+          <a:lstStyle/>
+          <a:p>
+            <a:pPr algn="just"/>
+            <a:r>
+              <a:rPr lang="en-US" sz="3600" dirty="0" err="1"/>
+              <a:t>Pemrograman</a:t>
+            </a:r>
+            <a:r>
+              <a:rPr lang="en-US" sz="3600" dirty="0"/>
+              <a:t> </a:t>
+            </a:r>
+            <a:r>
+              <a:rPr lang="en-US" sz="3600" dirty="0" err="1"/>
+              <a:t>Berorientasi</a:t>
+            </a:r>
+            <a:r>
+              <a:rPr lang="en-US" sz="3600" dirty="0"/>
+              <a:t> </a:t>
+            </a:r>
+            <a:r>
+              <a:rPr lang="en-US" sz="3600" dirty="0" err="1"/>
+              <a:t>Objek</a:t>
+            </a:r>
+            <a:r>
+              <a:rPr lang="en-US" sz="3600" dirty="0"/>
+              <a:t> (Object Oriented </a:t>
+            </a:r>
+            <a:r>
+              <a:rPr lang="en-US" sz="3600" dirty="0" smtClean="0"/>
+              <a:t>Programming / OOP</a:t>
+            </a:r>
+            <a:r>
+              <a:rPr lang="en-US" sz="3600" dirty="0"/>
+              <a:t>) </a:t>
+            </a:r>
+            <a:r>
+              <a:rPr lang="en-US" sz="3600" dirty="0" err="1"/>
+              <a:t>merupakan</a:t>
+            </a:r>
+            <a:r>
+              <a:rPr lang="en-US" sz="3600" dirty="0"/>
+              <a:t> </a:t>
+            </a:r>
+            <a:r>
+              <a:rPr lang="en-US" sz="3600" dirty="0" err="1"/>
+              <a:t>pemrograman</a:t>
+            </a:r>
+            <a:r>
+              <a:rPr lang="en-US" sz="3600" dirty="0"/>
+              <a:t> yang </a:t>
+            </a:r>
+            <a:r>
+              <a:rPr lang="en-US" sz="3600" dirty="0" err="1"/>
+              <a:t>berorientasikan</a:t>
+            </a:r>
+            <a:r>
+              <a:rPr lang="en-US" sz="3600" dirty="0"/>
+              <a:t> </a:t>
+            </a:r>
+            <a:r>
+              <a:rPr lang="en-US" sz="3600" dirty="0" err="1"/>
+              <a:t>kepada</a:t>
+            </a:r>
+            <a:r>
+              <a:rPr lang="en-US" sz="3600" dirty="0"/>
+              <a:t> </a:t>
+            </a:r>
+            <a:r>
+              <a:rPr lang="en-US" sz="3600" dirty="0" err="1"/>
+              <a:t>objek</a:t>
+            </a:r>
+            <a:r>
+              <a:rPr lang="en-US" sz="3600" dirty="0"/>
+              <a:t>, </a:t>
+            </a:r>
+            <a:r>
+              <a:rPr lang="en-US" sz="3600" dirty="0" err="1"/>
+              <a:t>dimana</a:t>
+            </a:r>
+            <a:r>
+              <a:rPr lang="en-US" sz="3600" dirty="0"/>
+              <a:t> </a:t>
+            </a:r>
+            <a:r>
+              <a:rPr lang="en-US" sz="3600" dirty="0" err="1"/>
+              <a:t>semua</a:t>
+            </a:r>
+            <a:r>
+              <a:rPr lang="en-US" sz="3600" dirty="0"/>
+              <a:t> data </a:t>
+            </a:r>
+            <a:r>
+              <a:rPr lang="en-US" sz="3600" dirty="0" err="1"/>
+              <a:t>dan</a:t>
+            </a:r>
+            <a:r>
+              <a:rPr lang="en-US" sz="3600" dirty="0"/>
+              <a:t> </a:t>
+            </a:r>
+            <a:r>
+              <a:rPr lang="en-US" sz="3600" dirty="0" err="1"/>
+              <a:t>fungsi</a:t>
+            </a:r>
+            <a:r>
+              <a:rPr lang="en-US" sz="3600" dirty="0"/>
+              <a:t> </a:t>
+            </a:r>
+            <a:r>
+              <a:rPr lang="en-US" sz="3600" dirty="0" err="1"/>
+              <a:t>dibungkus</a:t>
+            </a:r>
+            <a:r>
+              <a:rPr lang="en-US" sz="3600" dirty="0"/>
+              <a:t> </a:t>
+            </a:r>
+            <a:r>
+              <a:rPr lang="en-US" sz="3600" dirty="0" err="1"/>
+              <a:t>dalam</a:t>
+            </a:r>
+            <a:r>
+              <a:rPr lang="en-US" sz="3600" dirty="0"/>
+              <a:t> class-class </a:t>
+            </a:r>
+            <a:r>
+              <a:rPr lang="en-US" sz="3600" dirty="0" err="1"/>
+              <a:t>atau</a:t>
+            </a:r>
+            <a:r>
+              <a:rPr lang="en-US" sz="3600" dirty="0"/>
+              <a:t> object-object. </a:t>
+            </a:r>
+          </a:p>
+        </p:txBody>
+      </p:sp>
+      <p:sp>
+        <p:nvSpPr>
+          <p:cNvPr id="2" name="Slide Number Placeholder 1">
+            <a:extLst>
+              <a:ext uri="{FF2B5EF4-FFF2-40B4-BE49-F238E27FC236}">
+                <a16:creationId xmlns:a16="http://schemas.microsoft.com/office/drawing/2014/main" xmlns="" id="{0B24BF10-2B55-43AB-9F77-F1A1410384A9}"/>
+              </a:ext>
+            </a:extLst>
+          </p:cNvPr>
+          <p:cNvSpPr>
+            <a:spLocks noGrp="1"/>
+          </p:cNvSpPr>
+          <p:nvPr>
+            <p:ph type="sldNum" sz="quarter" idx="12"/>
+          </p:nvPr>
+        </p:nvSpPr>
+        <p:spPr/>
+        <p:txBody>
+          <a:bodyPr/>
+          <a:lstStyle/>
+          <a:p>
+            <a:fld id="{C263D6C4-4840-40CC-AC84-17E24B3B7BDE}" type="slidenum">
+              <a:rPr lang="en-GB" smtClean="0"/>
+              <a:pPr/>
+              <a:t>15</a:t>
+            </a:fld>
+            <a:endParaRPr lang="en-GB" dirty="0"/>
+          </a:p>
+        </p:txBody>
+      </p:sp>
+    </p:spTree>
+    <p:extLst>
+      <p:ext uri="{BB962C8B-B14F-4D97-AF65-F5344CB8AC3E}">
+        <p14:creationId xmlns:p14="http://schemas.microsoft.com/office/powerpoint/2010/main" val="3741400907"/>
+      </p:ext>
+    </p:extLst>
+  </p:cSld>
+  <p:clrMapOvr>
+    <a:masterClrMapping/>
+  </p:clrMapOvr>
+  <mc:AlternateContent xmlns:mc="http://schemas.openxmlformats.org/markup-compatibility/2006" xmlns:p14="http://schemas.microsoft.com/office/powerpoint/2010/main">
+    <mc:Choice Requires="p14">
+      <p:transition spd="med" p14:dur="700">
+        <p:fade/>
+      </p:transition>
+    </mc:Choice>
+    <mc:Fallback xmlns="">
+      <p:transition spd="med">
+        <p:fade/>
+      </p:transition>
+    </mc:Fallback>
+  </mc:AlternateContent>
+  <p:timing>
+    <p:tnLst>
+      <p:par>
+        <p:cTn id="1" dur="indefinite" restart="never" nodeType="tmRoot"/>
+      </p:par>
+    </p:tnLst>
+  </p:timing>
+</p:sld>
+</file>
+
+<file path=ppt/slides/slide16.xml><?xml version="1.0" encoding="utf-8"?>
+<p:sld xmlns:a="http://schemas.openxmlformats.org/drawingml/2006/main" xmlns:r="http://schemas.openxmlformats.org/officeDocument/2006/relationships" xmlns:p="http://schemas.openxmlformats.org/presentationml/2006/main">
+  <p:cSld>
+    <p:spTree>
+      <p:nvGrpSpPr>
+        <p:cNvPr id="1" name=""/>
+        <p:cNvGrpSpPr/>
+        <p:nvPr/>
+      </p:nvGrpSpPr>
+      <p:grpSpPr>
+        <a:xfrm>
+          <a:off x="0" y="0"/>
+          <a:ext cx="0" cy="0"/>
+          <a:chOff x="0" y="0"/>
+          <a:chExt cx="0" cy="0"/>
+        </a:xfrm>
+      </p:grpSpPr>
+      <p:sp>
+        <p:nvSpPr>
+          <p:cNvPr id="5" name="Text Placeholder 4">
+            <a:extLst>
+              <a:ext uri="{FF2B5EF4-FFF2-40B4-BE49-F238E27FC236}">
+                <a16:creationId xmlns:a16="http://schemas.microsoft.com/office/drawing/2014/main" xmlns="" id="{DCDDBE65-9AB1-4989-AF86-726591A6A128}"/>
+              </a:ext>
+            </a:extLst>
+          </p:cNvPr>
+          <p:cNvSpPr>
+            <a:spLocks noGrp="1"/>
+          </p:cNvSpPr>
+          <p:nvPr>
+            <p:ph type="body" idx="1"/>
+          </p:nvPr>
+        </p:nvSpPr>
+        <p:spPr/>
+        <p:txBody>
+          <a:bodyPr/>
+          <a:lstStyle/>
+          <a:p>
+            <a:r>
+              <a:rPr lang="en-US" dirty="0"/>
+              <a:t>Subtitle</a:t>
+            </a:r>
+            <a:endParaRPr lang="en-GB" dirty="0"/>
+          </a:p>
+        </p:txBody>
+      </p:sp>
+      <p:sp>
+        <p:nvSpPr>
+          <p:cNvPr id="2" name="Slide Number Placeholder 1">
+            <a:extLst>
+              <a:ext uri="{FF2B5EF4-FFF2-40B4-BE49-F238E27FC236}">
+                <a16:creationId xmlns:a16="http://schemas.microsoft.com/office/drawing/2014/main" xmlns="" id="{8B065C75-272B-4BB5-BA23-D80E8654D621}"/>
+              </a:ext>
+            </a:extLst>
+          </p:cNvPr>
+          <p:cNvSpPr>
+            <a:spLocks noGrp="1"/>
+          </p:cNvSpPr>
+          <p:nvPr>
+            <p:ph type="sldNum" sz="quarter" idx="12"/>
+          </p:nvPr>
+        </p:nvSpPr>
+        <p:spPr/>
+        <p:txBody>
+          <a:bodyPr/>
+          <a:lstStyle/>
+          <a:p>
+            <a:fld id="{C263D6C4-4840-40CC-AC84-17E24B3B7BDE}" type="slidenum">
+              <a:rPr lang="en-GB" smtClean="0"/>
+              <a:pPr/>
+              <a:t>16</a:t>
+            </a:fld>
+            <a:endParaRPr lang="en-GB" dirty="0"/>
+          </a:p>
+        </p:txBody>
+      </p:sp>
+      <p:sp>
+        <p:nvSpPr>
+          <p:cNvPr id="4" name="Title 3">
+            <a:extLst>
+              <a:ext uri="{FF2B5EF4-FFF2-40B4-BE49-F238E27FC236}">
+                <a16:creationId xmlns:a16="http://schemas.microsoft.com/office/drawing/2014/main" xmlns="" id="{BD179B88-D43C-4A31-9A52-3498E9430782}"/>
+              </a:ext>
+            </a:extLst>
+          </p:cNvPr>
+          <p:cNvSpPr>
+            <a:spLocks noGrp="1"/>
+          </p:cNvSpPr>
+          <p:nvPr>
+            <p:ph type="title"/>
+          </p:nvPr>
+        </p:nvSpPr>
+        <p:spPr/>
+        <p:txBody>
+          <a:bodyPr/>
+          <a:lstStyle/>
+          <a:p>
+            <a:r>
+              <a:rPr lang="en-GB" dirty="0" err="1" smtClean="0"/>
+              <a:t>Dasar</a:t>
+            </a:r>
+            <a:r>
+              <a:rPr lang="en-GB" dirty="0" smtClean="0"/>
+              <a:t> </a:t>
+            </a:r>
+            <a:r>
+              <a:rPr lang="en-GB" dirty="0" err="1" smtClean="0"/>
+              <a:t>Teori</a:t>
+            </a:r>
+            <a:endParaRPr lang="en-GB" dirty="0"/>
+          </a:p>
+        </p:txBody>
+      </p:sp>
+    </p:spTree>
+    <p:extLst>
+      <p:ext uri="{BB962C8B-B14F-4D97-AF65-F5344CB8AC3E}">
+        <p14:creationId xmlns:p14="http://schemas.microsoft.com/office/powerpoint/2010/main" val="2125059158"/>
+      </p:ext>
+    </p:extLst>
+  </p:cSld>
+  <p:clrMapOvr>
+    <a:masterClrMapping/>
+  </p:clrMapOvr>
+  <mc:AlternateContent xmlns:mc="http://schemas.openxmlformats.org/markup-compatibility/2006" xmlns:p14="http://schemas.microsoft.com/office/powerpoint/2010/main">
+    <mc:Choice Requires="p14">
+      <p:transition spd="med" p14:dur="700">
+        <p:fade/>
+      </p:transition>
+    </mc:Choice>
+    <mc:Fallback xmlns="">
+      <p:transition spd="med">
+        <p:fade/>
+      </p:transition>
+    </mc:Fallback>
+  </mc:AlternateContent>
+  <p:timing>
+    <p:tnLst>
+      <p:par>
+        <p:cTn id="1" dur="indefinite" restart="never" nodeType="tmRoot"/>
+      </p:par>
+    </p:tnLst>
+  </p:timing>
+</p:sld>
+</file>
+
+<file path=ppt/slides/slide17.xml><?xml version="1.0" encoding="utf-8"?>
+<p:sld xmlns:a="http://schemas.openxmlformats.org/drawingml/2006/main" xmlns:r="http://schemas.openxmlformats.org/officeDocument/2006/relationships" xmlns:p="http://schemas.openxmlformats.org/presentationml/2006/main">
+  <p:cSld>
+    <p:spTree>
+      <p:nvGrpSpPr>
+        <p:cNvPr id="1" name=""/>
+        <p:cNvGrpSpPr/>
+        <p:nvPr/>
+      </p:nvGrpSpPr>
+      <p:grpSpPr>
+        <a:xfrm>
+          <a:off x="0" y="0"/>
+          <a:ext cx="0" cy="0"/>
+          <a:chOff x="0" y="0"/>
+          <a:chExt cx="0" cy="0"/>
+        </a:xfrm>
+      </p:grpSpPr>
+      <p:sp>
+        <p:nvSpPr>
+          <p:cNvPr id="4" name="Title 3">
+            <a:extLst>
+              <a:ext uri="{FF2B5EF4-FFF2-40B4-BE49-F238E27FC236}">
+                <a16:creationId xmlns:a16="http://schemas.microsoft.com/office/drawing/2014/main" xmlns="" id="{E3BD8413-C238-49D7-A4E1-E8FEF1811A0E}"/>
+              </a:ext>
+            </a:extLst>
+          </p:cNvPr>
+          <p:cNvSpPr>
+            <a:spLocks noGrp="1"/>
+          </p:cNvSpPr>
+          <p:nvPr>
+            <p:ph type="title"/>
+          </p:nvPr>
+        </p:nvSpPr>
+        <p:spPr>
+          <a:xfrm>
+            <a:off x="832103" y="31383"/>
+            <a:ext cx="10420097" cy="859055"/>
+          </a:xfrm>
+        </p:spPr>
+        <p:txBody>
+          <a:bodyPr>
+            <a:normAutofit/>
+          </a:bodyPr>
+          <a:lstStyle/>
+          <a:p>
+            <a:r>
+              <a:rPr lang="en-US" dirty="0" smtClean="0"/>
+              <a:t>Game</a:t>
+            </a:r>
+            <a:endParaRPr lang="en-GB" dirty="0"/>
+          </a:p>
+        </p:txBody>
+      </p:sp>
+      <p:sp>
+        <p:nvSpPr>
+          <p:cNvPr id="5" name="Text Placeholder 4">
+            <a:extLst>
+              <a:ext uri="{FF2B5EF4-FFF2-40B4-BE49-F238E27FC236}">
+                <a16:creationId xmlns:a16="http://schemas.microsoft.com/office/drawing/2014/main" xmlns="" id="{0A95F4DE-39B7-4CE2-BC1E-8B8AE662A895}"/>
+              </a:ext>
+            </a:extLst>
+          </p:cNvPr>
+          <p:cNvSpPr>
+            <a:spLocks noGrp="1"/>
+          </p:cNvSpPr>
+          <p:nvPr>
+            <p:ph type="body" idx="1"/>
+          </p:nvPr>
+        </p:nvSpPr>
+        <p:spPr>
+          <a:xfrm>
+            <a:off x="831850" y="900062"/>
+            <a:ext cx="8545232" cy="5957937"/>
+          </a:xfrm>
+        </p:spPr>
+        <p:txBody>
+          <a:bodyPr numCol="1">
+            <a:normAutofit/>
+          </a:bodyPr>
+          <a:lstStyle/>
+          <a:p>
+            <a:pPr algn="just"/>
+            <a:r>
+              <a:rPr lang="id-ID" sz="3600" i="1" dirty="0"/>
+              <a:t>Game</a:t>
+            </a:r>
+            <a:r>
+              <a:rPr lang="id-ID" sz="3600" dirty="0"/>
+              <a:t> adalah permainan yang menggunakan media elektronik, merupakan sebuah hiburan berbentuk multimedia yang di buat semenarik mungkin agar pemain bisa mendapatkan sesuatu sehingga adanya kepuasaan batin. </a:t>
+            </a:r>
+            <a:endParaRPr lang="en-US" sz="3600" dirty="0"/>
+          </a:p>
+        </p:txBody>
+      </p:sp>
+      <p:sp>
+        <p:nvSpPr>
+          <p:cNvPr id="2" name="Slide Number Placeholder 1">
+            <a:extLst>
+              <a:ext uri="{FF2B5EF4-FFF2-40B4-BE49-F238E27FC236}">
+                <a16:creationId xmlns:a16="http://schemas.microsoft.com/office/drawing/2014/main" xmlns="" id="{0B24BF10-2B55-43AB-9F77-F1A1410384A9}"/>
+              </a:ext>
+            </a:extLst>
+          </p:cNvPr>
+          <p:cNvSpPr>
+            <a:spLocks noGrp="1"/>
+          </p:cNvSpPr>
+          <p:nvPr>
+            <p:ph type="sldNum" sz="quarter" idx="12"/>
+          </p:nvPr>
+        </p:nvSpPr>
+        <p:spPr/>
+        <p:txBody>
+          <a:bodyPr/>
+          <a:lstStyle/>
+          <a:p>
+            <a:fld id="{C263D6C4-4840-40CC-AC84-17E24B3B7BDE}" type="slidenum">
+              <a:rPr lang="en-GB" smtClean="0"/>
+              <a:pPr/>
+              <a:t>17</a:t>
+            </a:fld>
+            <a:endParaRPr lang="en-GB" dirty="0"/>
+          </a:p>
+        </p:txBody>
+      </p:sp>
+    </p:spTree>
+    <p:extLst>
+      <p:ext uri="{BB962C8B-B14F-4D97-AF65-F5344CB8AC3E}">
+        <p14:creationId xmlns:p14="http://schemas.microsoft.com/office/powerpoint/2010/main" val="4251773283"/>
+      </p:ext>
+    </p:extLst>
+  </p:cSld>
+  <p:clrMapOvr>
+    <a:masterClrMapping/>
+  </p:clrMapOvr>
+  <mc:AlternateContent xmlns:mc="http://schemas.openxmlformats.org/markup-compatibility/2006" xmlns:p14="http://schemas.microsoft.com/office/powerpoint/2010/main">
+    <mc:Choice Requires="p14">
+      <p:transition spd="med" p14:dur="700">
+        <p:fade/>
+      </p:transition>
+    </mc:Choice>
+    <mc:Fallback xmlns="">
+      <p:transition spd="med">
+        <p:fade/>
+      </p:transition>
+    </mc:Fallback>
+  </mc:AlternateContent>
+  <p:timing>
+    <p:tnLst>
+      <p:par>
+        <p:cTn id="1" dur="indefinite" restart="never" nodeType="tmRoot"/>
+      </p:par>
+    </p:tnLst>
+  </p:timing>
+</p:sld>
+</file>
+
+<file path=ppt/slides/slide18.xml><?xml version="1.0" encoding="utf-8"?>
+<p:sld xmlns:a="http://schemas.openxmlformats.org/drawingml/2006/main" xmlns:r="http://schemas.openxmlformats.org/officeDocument/2006/relationships" xmlns:p="http://schemas.openxmlformats.org/presentationml/2006/main">
+  <p:cSld>
+    <p:spTree>
+      <p:nvGrpSpPr>
+        <p:cNvPr id="1" name=""/>
+        <p:cNvGrpSpPr/>
+        <p:nvPr/>
+      </p:nvGrpSpPr>
+      <p:grpSpPr>
+        <a:xfrm>
+          <a:off x="0" y="0"/>
+          <a:ext cx="0" cy="0"/>
+          <a:chOff x="0" y="0"/>
+          <a:chExt cx="0" cy="0"/>
+        </a:xfrm>
+      </p:grpSpPr>
+      <p:sp>
+        <p:nvSpPr>
+          <p:cNvPr id="4" name="Title 3">
+            <a:extLst>
+              <a:ext uri="{FF2B5EF4-FFF2-40B4-BE49-F238E27FC236}">
+                <a16:creationId xmlns:a16="http://schemas.microsoft.com/office/drawing/2014/main" xmlns="" id="{E3BD8413-C238-49D7-A4E1-E8FEF1811A0E}"/>
+              </a:ext>
+            </a:extLst>
+          </p:cNvPr>
+          <p:cNvSpPr>
+            <a:spLocks noGrp="1"/>
+          </p:cNvSpPr>
+          <p:nvPr>
+            <p:ph type="title"/>
+          </p:nvPr>
+        </p:nvSpPr>
+        <p:spPr>
+          <a:xfrm>
+            <a:off x="832103" y="31383"/>
+            <a:ext cx="10420097" cy="859055"/>
+          </a:xfrm>
+        </p:spPr>
+        <p:txBody>
+          <a:bodyPr>
+            <a:normAutofit/>
+          </a:bodyPr>
+          <a:lstStyle/>
+          <a:p>
+            <a:r>
+              <a:rPr lang="en-US" dirty="0" smtClean="0"/>
+              <a:t>Platform Game</a:t>
+            </a:r>
+            <a:endParaRPr lang="en-GB" dirty="0"/>
+          </a:p>
+        </p:txBody>
+      </p:sp>
+      <p:sp>
+        <p:nvSpPr>
+          <p:cNvPr id="5" name="Text Placeholder 4">
+            <a:extLst>
+              <a:ext uri="{FF2B5EF4-FFF2-40B4-BE49-F238E27FC236}">
+                <a16:creationId xmlns:a16="http://schemas.microsoft.com/office/drawing/2014/main" xmlns="" id="{0A95F4DE-39B7-4CE2-BC1E-8B8AE662A895}"/>
+              </a:ext>
+            </a:extLst>
+          </p:cNvPr>
+          <p:cNvSpPr>
+            <a:spLocks noGrp="1"/>
+          </p:cNvSpPr>
+          <p:nvPr>
+            <p:ph type="body" idx="1"/>
+          </p:nvPr>
+        </p:nvSpPr>
+        <p:spPr>
+          <a:xfrm>
+            <a:off x="831850" y="900062"/>
+            <a:ext cx="8545232" cy="5957937"/>
+          </a:xfrm>
+        </p:spPr>
+        <p:txBody>
+          <a:bodyPr numCol="1">
+            <a:normAutofit/>
+          </a:bodyPr>
+          <a:lstStyle/>
+          <a:p>
+            <a:pPr marL="742950" indent="-742950" algn="just">
+              <a:buFont typeface="+mj-lt"/>
+              <a:buAutoNum type="arabicPeriod"/>
+            </a:pPr>
+            <a:r>
+              <a:rPr lang="en-US" sz="3600" b="1" i="1" dirty="0" smtClean="0"/>
+              <a:t>Arcade Games</a:t>
+            </a:r>
+          </a:p>
+          <a:p>
+            <a:pPr marL="742950" indent="-742950" algn="just">
+              <a:buFont typeface="+mj-lt"/>
+              <a:buAutoNum type="arabicPeriod"/>
+            </a:pPr>
+            <a:r>
+              <a:rPr lang="en-US" sz="3600" b="1" i="1" dirty="0" smtClean="0"/>
+              <a:t>PC Games</a:t>
+            </a:r>
+          </a:p>
+          <a:p>
+            <a:pPr marL="742950" indent="-742950" algn="just">
+              <a:buFont typeface="+mj-lt"/>
+              <a:buAutoNum type="arabicPeriod"/>
+            </a:pPr>
+            <a:r>
+              <a:rPr lang="en-US" sz="3600" b="1" i="1" dirty="0" smtClean="0"/>
+              <a:t>Console Games</a:t>
+            </a:r>
+          </a:p>
+          <a:p>
+            <a:pPr marL="742950" indent="-742950" algn="just">
+              <a:buFont typeface="+mj-lt"/>
+              <a:buAutoNum type="arabicPeriod"/>
+            </a:pPr>
+            <a:r>
+              <a:rPr lang="en-US" sz="3600" b="1" i="1" dirty="0" smtClean="0"/>
+              <a:t>Handheld Games</a:t>
+            </a:r>
+            <a:endParaRPr lang="en-US" sz="3600" dirty="0"/>
+          </a:p>
+          <a:p>
+            <a:pPr marL="742950" indent="-742950" algn="just">
+              <a:buFont typeface="+mj-lt"/>
+              <a:buAutoNum type="arabicPeriod"/>
+            </a:pPr>
+            <a:r>
+              <a:rPr lang="en-US" sz="3600" b="1" i="1" dirty="0" smtClean="0"/>
+              <a:t>Mobile Games</a:t>
+            </a:r>
+            <a:endParaRPr lang="en-US" sz="3600" dirty="0"/>
+          </a:p>
+        </p:txBody>
+      </p:sp>
+      <p:sp>
+        <p:nvSpPr>
+          <p:cNvPr id="2" name="Slide Number Placeholder 1">
+            <a:extLst>
+              <a:ext uri="{FF2B5EF4-FFF2-40B4-BE49-F238E27FC236}">
+                <a16:creationId xmlns:a16="http://schemas.microsoft.com/office/drawing/2014/main" xmlns="" id="{0B24BF10-2B55-43AB-9F77-F1A1410384A9}"/>
+              </a:ext>
+            </a:extLst>
+          </p:cNvPr>
+          <p:cNvSpPr>
+            <a:spLocks noGrp="1"/>
+          </p:cNvSpPr>
+          <p:nvPr>
+            <p:ph type="sldNum" sz="quarter" idx="12"/>
+          </p:nvPr>
+        </p:nvSpPr>
+        <p:spPr/>
+        <p:txBody>
+          <a:bodyPr/>
+          <a:lstStyle/>
+          <a:p>
+            <a:fld id="{C263D6C4-4840-40CC-AC84-17E24B3B7BDE}" type="slidenum">
+              <a:rPr lang="en-GB" smtClean="0"/>
+              <a:pPr/>
+              <a:t>18</a:t>
+            </a:fld>
+            <a:endParaRPr lang="en-GB" dirty="0"/>
+          </a:p>
+        </p:txBody>
+      </p:sp>
+    </p:spTree>
+    <p:extLst>
+      <p:ext uri="{BB962C8B-B14F-4D97-AF65-F5344CB8AC3E}">
+        <p14:creationId xmlns:p14="http://schemas.microsoft.com/office/powerpoint/2010/main" val="3573288017"/>
+      </p:ext>
+    </p:extLst>
+  </p:cSld>
+  <p:clrMapOvr>
+    <a:masterClrMapping/>
+  </p:clrMapOvr>
+  <mc:AlternateContent xmlns:mc="http://schemas.openxmlformats.org/markup-compatibility/2006" xmlns:p14="http://schemas.microsoft.com/office/powerpoint/2010/main">
+    <mc:Choice Requires="p14">
+      <p:transition spd="med" p14:dur="700">
+        <p:fade/>
+      </p:transition>
+    </mc:Choice>
+    <mc:Fallback xmlns="">
+      <p:transition spd="med">
+        <p:fade/>
+      </p:transition>
+    </mc:Fallback>
+  </mc:AlternateContent>
+  <p:timing>
+    <p:tnLst>
+      <p:par>
+        <p:cTn id="1" dur="indefinite" restart="never" nodeType="tmRoot"/>
+      </p:par>
+    </p:tnLst>
+  </p:timing>
+</p:sld>
+</file>
+
+<file path=ppt/slides/slide19.xml><?xml version="1.0" encoding="utf-8"?>
+<p:sld xmlns:a="http://schemas.openxmlformats.org/drawingml/2006/main" xmlns:r="http://schemas.openxmlformats.org/officeDocument/2006/relationships" xmlns:p="http://schemas.openxmlformats.org/presentationml/2006/main">
+  <p:cSld>
+    <p:spTree>
+      <p:nvGrpSpPr>
+        <p:cNvPr id="1" name=""/>
+        <p:cNvGrpSpPr/>
+        <p:nvPr/>
+      </p:nvGrpSpPr>
+      <p:grpSpPr>
+        <a:xfrm>
+          <a:off x="0" y="0"/>
+          <a:ext cx="0" cy="0"/>
+          <a:chOff x="0" y="0"/>
+          <a:chExt cx="0" cy="0"/>
+        </a:xfrm>
+      </p:grpSpPr>
+      <p:sp>
+        <p:nvSpPr>
+          <p:cNvPr id="4" name="Title 3">
+            <a:extLst>
+              <a:ext uri="{FF2B5EF4-FFF2-40B4-BE49-F238E27FC236}">
+                <a16:creationId xmlns:a16="http://schemas.microsoft.com/office/drawing/2014/main" xmlns="" id="{E3BD8413-C238-49D7-A4E1-E8FEF1811A0E}"/>
+              </a:ext>
+            </a:extLst>
+          </p:cNvPr>
+          <p:cNvSpPr>
+            <a:spLocks noGrp="1"/>
+          </p:cNvSpPr>
+          <p:nvPr>
+            <p:ph type="title"/>
+          </p:nvPr>
+        </p:nvSpPr>
+        <p:spPr>
+          <a:xfrm>
+            <a:off x="832103" y="31383"/>
+            <a:ext cx="10420097" cy="859055"/>
+          </a:xfrm>
+        </p:spPr>
+        <p:txBody>
+          <a:bodyPr>
+            <a:normAutofit/>
+          </a:bodyPr>
+          <a:lstStyle/>
+          <a:p>
+            <a:r>
+              <a:rPr lang="en-US" dirty="0" smtClean="0"/>
+              <a:t>Genre Game</a:t>
+            </a:r>
+            <a:endParaRPr lang="en-GB" dirty="0"/>
+          </a:p>
+        </p:txBody>
+      </p:sp>
+      <p:sp>
+        <p:nvSpPr>
+          <p:cNvPr id="5" name="Text Placeholder 4">
+            <a:extLst>
+              <a:ext uri="{FF2B5EF4-FFF2-40B4-BE49-F238E27FC236}">
+                <a16:creationId xmlns:a16="http://schemas.microsoft.com/office/drawing/2014/main" xmlns="" id="{0A95F4DE-39B7-4CE2-BC1E-8B8AE662A895}"/>
+              </a:ext>
+            </a:extLst>
+          </p:cNvPr>
+          <p:cNvSpPr>
+            <a:spLocks noGrp="1"/>
+          </p:cNvSpPr>
+          <p:nvPr>
+            <p:ph type="body" idx="1"/>
+          </p:nvPr>
+        </p:nvSpPr>
+        <p:spPr>
+          <a:xfrm>
+            <a:off x="831850" y="900062"/>
+            <a:ext cx="8545232" cy="3994667"/>
+          </a:xfrm>
+        </p:spPr>
+        <p:txBody>
+          <a:bodyPr numCol="2">
+            <a:normAutofit/>
+          </a:bodyPr>
+          <a:lstStyle/>
+          <a:p>
+            <a:pPr marL="742950" indent="-742950" algn="just">
+              <a:buFont typeface="+mj-lt"/>
+              <a:buAutoNum type="arabicPeriod"/>
+            </a:pPr>
+            <a:r>
+              <a:rPr lang="en-US" sz="3600" b="1" dirty="0" err="1" smtClean="0"/>
+              <a:t>Simulasi</a:t>
+            </a:r>
+            <a:endParaRPr lang="en-US" sz="3600" b="1" dirty="0" smtClean="0"/>
+          </a:p>
+          <a:p>
+            <a:pPr marL="742950" indent="-742950" algn="just">
+              <a:buFont typeface="+mj-lt"/>
+              <a:buAutoNum type="arabicPeriod"/>
+            </a:pPr>
+            <a:r>
+              <a:rPr lang="en-US" sz="3600" b="1" dirty="0" err="1" smtClean="0"/>
+              <a:t>Strategi</a:t>
+            </a:r>
+            <a:endParaRPr lang="en-US" sz="3600" b="1" dirty="0" smtClean="0"/>
+          </a:p>
+          <a:p>
+            <a:pPr marL="742950" indent="-742950" algn="just">
+              <a:buFont typeface="+mj-lt"/>
+              <a:buAutoNum type="arabicPeriod"/>
+            </a:pPr>
+            <a:r>
+              <a:rPr lang="en-US" sz="3600" b="1" dirty="0" err="1" smtClean="0"/>
+              <a:t>Petualangan</a:t>
+            </a:r>
+            <a:endParaRPr lang="en-US" sz="3600" b="1" dirty="0" smtClean="0"/>
+          </a:p>
+          <a:p>
+            <a:pPr marL="742950" indent="-742950" algn="just">
+              <a:buFont typeface="+mj-lt"/>
+              <a:buAutoNum type="arabicPeriod"/>
+            </a:pPr>
+            <a:r>
+              <a:rPr lang="en-US" sz="3600" b="1" dirty="0" err="1" smtClean="0"/>
+              <a:t>Teka</a:t>
+            </a:r>
+            <a:r>
+              <a:rPr lang="en-US" sz="3600" b="1" dirty="0" err="1"/>
+              <a:t>-</a:t>
+            </a:r>
+            <a:r>
+              <a:rPr lang="en-US" sz="3600" b="1" dirty="0" err="1" smtClean="0"/>
+              <a:t>Teki</a:t>
+            </a:r>
+            <a:endParaRPr lang="en-US" sz="3600" b="1" dirty="0" smtClean="0"/>
+          </a:p>
+          <a:p>
+            <a:pPr marL="742950" indent="-742950" algn="just">
+              <a:buFont typeface="+mj-lt"/>
+              <a:buAutoNum type="arabicPeriod"/>
+            </a:pPr>
+            <a:r>
+              <a:rPr lang="en-US" sz="3600" b="1" dirty="0"/>
+              <a:t>Sports</a:t>
+            </a:r>
+            <a:endParaRPr lang="en-US" sz="3600" b="1" dirty="0" smtClean="0"/>
+          </a:p>
+        </p:txBody>
+      </p:sp>
+      <p:sp>
+        <p:nvSpPr>
+          <p:cNvPr id="2" name="Slide Number Placeholder 1">
+            <a:extLst>
+              <a:ext uri="{FF2B5EF4-FFF2-40B4-BE49-F238E27FC236}">
+                <a16:creationId xmlns:a16="http://schemas.microsoft.com/office/drawing/2014/main" xmlns="" id="{0B24BF10-2B55-43AB-9F77-F1A1410384A9}"/>
+              </a:ext>
+            </a:extLst>
+          </p:cNvPr>
+          <p:cNvSpPr>
+            <a:spLocks noGrp="1"/>
+          </p:cNvSpPr>
+          <p:nvPr>
+            <p:ph type="sldNum" sz="quarter" idx="12"/>
+          </p:nvPr>
+        </p:nvSpPr>
+        <p:spPr/>
+        <p:txBody>
+          <a:bodyPr/>
+          <a:lstStyle/>
+          <a:p>
+            <a:fld id="{C263D6C4-4840-40CC-AC84-17E24B3B7BDE}" type="slidenum">
+              <a:rPr lang="en-GB" smtClean="0"/>
+              <a:pPr/>
+              <a:t>19</a:t>
+            </a:fld>
+            <a:endParaRPr lang="en-GB" dirty="0"/>
+          </a:p>
+        </p:txBody>
+      </p:sp>
+    </p:spTree>
+    <p:extLst>
+      <p:ext uri="{BB962C8B-B14F-4D97-AF65-F5344CB8AC3E}">
+        <p14:creationId xmlns:p14="http://schemas.microsoft.com/office/powerpoint/2010/main" val="1943153215"/>
+      </p:ext>
+    </p:extLst>
+  </p:cSld>
+  <p:clrMapOvr>
+    <a:masterClrMapping/>
+  </p:clrMapOvr>
+  <mc:AlternateContent xmlns:mc="http://schemas.openxmlformats.org/markup-compatibility/2006" xmlns:p14="http://schemas.microsoft.com/office/powerpoint/2010/main">
+    <mc:Choice Requires="p14">
+      <p:transition spd="med" p14:dur="700">
+        <p:fade/>
+      </p:transition>
+    </mc:Choice>
+    <mc:Fallback xmlns="">
+      <p:transition spd="med">
+        <p:fade/>
+      </p:transition>
+    </mc:Fallback>
+  </mc:AlternateContent>
+  <p:timing>
+    <p:tnLst>
+      <p:par>
+        <p:cTn id="1" dur="indefinite" restart="never" nodeType="tmRoot"/>
+      </p:par>
+    </p:tnLst>
+  </p:timing>
+</p:sld>
+</file>
+
+<file path=ppt/slides/slide2.xml><?xml version="1.0" encoding="utf-8"?>
+<p:sld xmlns:a="http://schemas.openxmlformats.org/drawingml/2006/main" xmlns:r="http://schemas.openxmlformats.org/officeDocument/2006/relationships" xmlns:p="http://schemas.openxmlformats.org/presentationml/2006/main">
+  <p:cSld>
+    <p:spTree>
+      <p:nvGrpSpPr>
+        <p:cNvPr id="1" name=""/>
+        <p:cNvGrpSpPr/>
+        <p:nvPr/>
+      </p:nvGrpSpPr>
+      <p:grpSpPr>
+        <a:xfrm>
+          <a:off x="0" y="0"/>
+          <a:ext cx="0" cy="0"/>
+          <a:chOff x="0" y="0"/>
+          <a:chExt cx="0" cy="0"/>
+        </a:xfrm>
+      </p:grpSpPr>
+      <p:sp>
+        <p:nvSpPr>
+          <p:cNvPr id="2" name="Text Placeholder 1"/>
+          <p:cNvSpPr>
+            <a:spLocks noGrp="1"/>
+          </p:cNvSpPr>
+          <p:nvPr>
+            <p:ph type="body" idx="1"/>
+          </p:nvPr>
+        </p:nvSpPr>
+        <p:spPr/>
+        <p:txBody>
+          <a:bodyPr/>
+          <a:lstStyle/>
+          <a:p>
+            <a:endParaRPr lang="en-US"/>
+          </a:p>
+        </p:txBody>
+      </p:sp>
+      <p:sp>
+        <p:nvSpPr>
+          <p:cNvPr id="3" name="Slide Number Placeholder 2"/>
+          <p:cNvSpPr>
+            <a:spLocks noGrp="1"/>
+          </p:cNvSpPr>
+          <p:nvPr>
+            <p:ph type="sldNum" sz="quarter" idx="12"/>
+          </p:nvPr>
+        </p:nvSpPr>
+        <p:spPr/>
+        <p:txBody>
+          <a:bodyPr/>
+          <a:lstStyle/>
+          <a:p>
+            <a:fld id="{C263D6C4-4840-40CC-AC84-17E24B3B7BDE}" type="slidenum">
+              <a:rPr lang="en-GB" smtClean="0"/>
+              <a:pPr/>
+              <a:t>2</a:t>
+            </a:fld>
+            <a:endParaRPr lang="en-GB" dirty="0"/>
+          </a:p>
+        </p:txBody>
+      </p:sp>
+      <p:sp>
+        <p:nvSpPr>
+          <p:cNvPr id="4" name="Title 3"/>
+          <p:cNvSpPr>
+            <a:spLocks noGrp="1"/>
+          </p:cNvSpPr>
+          <p:nvPr>
+            <p:ph type="title"/>
+          </p:nvPr>
+        </p:nvSpPr>
+        <p:spPr/>
+        <p:txBody>
+          <a:bodyPr/>
+          <a:lstStyle/>
+          <a:p>
+            <a:r>
+              <a:rPr lang="en-US" dirty="0" err="1" smtClean="0"/>
+              <a:t>Pendahuluan</a:t>
+            </a:r>
+            <a:endParaRPr lang="en-US" dirty="0"/>
+          </a:p>
+        </p:txBody>
+      </p:sp>
+    </p:spTree>
+    <p:extLst>
+      <p:ext uri="{BB962C8B-B14F-4D97-AF65-F5344CB8AC3E}">
+        <p14:creationId xmlns:p14="http://schemas.microsoft.com/office/powerpoint/2010/main" val="226203493"/>
+      </p:ext>
+    </p:extLst>
+  </p:cSld>
+  <p:clrMapOvr>
+    <a:masterClrMapping/>
+  </p:clrMapOvr>
+  <p:timing>
+    <p:tnLst>
+      <p:par>
+        <p:cTn id="1" dur="indefinite" restart="never" nodeType="tmRoot"/>
+      </p:par>
+    </p:tnLst>
+  </p:timing>
+</p:sld>
+</file>
+
+<file path=ppt/slides/slide20.xml><?xml version="1.0" encoding="utf-8"?>
+<p:sld xmlns:a="http://schemas.openxmlformats.org/drawingml/2006/main" xmlns:r="http://schemas.openxmlformats.org/officeDocument/2006/relationships" xmlns:p="http://schemas.openxmlformats.org/presentationml/2006/main">
+  <p:cSld>
+    <p:spTree>
+      <p:nvGrpSpPr>
+        <p:cNvPr id="1" name=""/>
+        <p:cNvGrpSpPr/>
+        <p:nvPr/>
+      </p:nvGrpSpPr>
+      <p:grpSpPr>
+        <a:xfrm>
+          <a:off x="0" y="0"/>
+          <a:ext cx="0" cy="0"/>
+          <a:chOff x="0" y="0"/>
+          <a:chExt cx="0" cy="0"/>
+        </a:xfrm>
+      </p:grpSpPr>
+      <p:sp>
+        <p:nvSpPr>
+          <p:cNvPr id="4" name="Title 3">
+            <a:extLst>
+              <a:ext uri="{FF2B5EF4-FFF2-40B4-BE49-F238E27FC236}">
+                <a16:creationId xmlns:a16="http://schemas.microsoft.com/office/drawing/2014/main" xmlns="" id="{E3BD8413-C238-49D7-A4E1-E8FEF1811A0E}"/>
+              </a:ext>
+            </a:extLst>
+          </p:cNvPr>
+          <p:cNvSpPr>
+            <a:spLocks noGrp="1"/>
+          </p:cNvSpPr>
+          <p:nvPr>
+            <p:ph type="title"/>
+          </p:nvPr>
+        </p:nvSpPr>
+        <p:spPr>
+          <a:xfrm>
+            <a:off x="832103" y="31383"/>
+            <a:ext cx="10420097" cy="859055"/>
+          </a:xfrm>
+        </p:spPr>
+        <p:txBody>
+          <a:bodyPr>
+            <a:normAutofit/>
+          </a:bodyPr>
+          <a:lstStyle/>
+          <a:p>
+            <a:r>
+              <a:rPr lang="en-US" dirty="0" smtClean="0"/>
+              <a:t>Finite State Machine</a:t>
+            </a:r>
+            <a:endParaRPr lang="en-GB" dirty="0"/>
+          </a:p>
+        </p:txBody>
+      </p:sp>
+      <p:sp>
+        <p:nvSpPr>
+          <p:cNvPr id="5" name="Text Placeholder 4">
+            <a:extLst>
+              <a:ext uri="{FF2B5EF4-FFF2-40B4-BE49-F238E27FC236}">
+                <a16:creationId xmlns:a16="http://schemas.microsoft.com/office/drawing/2014/main" xmlns="" id="{0A95F4DE-39B7-4CE2-BC1E-8B8AE662A895}"/>
+              </a:ext>
+            </a:extLst>
+          </p:cNvPr>
+          <p:cNvSpPr>
+            <a:spLocks noGrp="1"/>
+          </p:cNvSpPr>
+          <p:nvPr>
+            <p:ph type="body" idx="1"/>
+          </p:nvPr>
+        </p:nvSpPr>
+        <p:spPr>
+          <a:xfrm>
+            <a:off x="831850" y="900062"/>
+            <a:ext cx="8545232" cy="5415013"/>
+          </a:xfrm>
+        </p:spPr>
+        <p:txBody>
+          <a:bodyPr numCol="1">
+            <a:normAutofit/>
+          </a:bodyPr>
+          <a:lstStyle/>
+          <a:p>
+            <a:pPr algn="just"/>
+            <a:r>
+              <a:rPr lang="id-ID" sz="3600" i="1" dirty="0"/>
+              <a:t>Finite State Machine</a:t>
+            </a:r>
+            <a:r>
+              <a:rPr lang="id-ID" sz="3600" dirty="0"/>
+              <a:t> adalah suatu mesin abstrak yang diwakili oleh sekumpulan keadaan, sekumpulan masukan, sekumpulan aturan transisi (perpindahan kedudukan mesin) dan (mungkin) sekumpulan keluaran.</a:t>
+            </a:r>
+            <a:endParaRPr lang="en-US" sz="3600" dirty="0"/>
+          </a:p>
+          <a:p>
+            <a:pPr algn="just"/>
+            <a:endParaRPr lang="en-US" sz="3600" b="1" dirty="0" smtClean="0"/>
+          </a:p>
+        </p:txBody>
+      </p:sp>
+      <p:sp>
+        <p:nvSpPr>
+          <p:cNvPr id="2" name="Slide Number Placeholder 1">
+            <a:extLst>
+              <a:ext uri="{FF2B5EF4-FFF2-40B4-BE49-F238E27FC236}">
+                <a16:creationId xmlns:a16="http://schemas.microsoft.com/office/drawing/2014/main" xmlns="" id="{0B24BF10-2B55-43AB-9F77-F1A1410384A9}"/>
+              </a:ext>
+            </a:extLst>
+          </p:cNvPr>
+          <p:cNvSpPr>
+            <a:spLocks noGrp="1"/>
+          </p:cNvSpPr>
+          <p:nvPr>
+            <p:ph type="sldNum" sz="quarter" idx="12"/>
+          </p:nvPr>
+        </p:nvSpPr>
+        <p:spPr/>
+        <p:txBody>
+          <a:bodyPr/>
+          <a:lstStyle/>
+          <a:p>
+            <a:fld id="{C263D6C4-4840-40CC-AC84-17E24B3B7BDE}" type="slidenum">
+              <a:rPr lang="en-GB" smtClean="0"/>
+              <a:pPr/>
+              <a:t>20</a:t>
+            </a:fld>
+            <a:endParaRPr lang="en-GB" dirty="0"/>
+          </a:p>
+        </p:txBody>
+      </p:sp>
+      <p:pic>
+        <p:nvPicPr>
+          <p:cNvPr id="6" name="Picture 5"/>
+          <p:cNvPicPr/>
+          <p:nvPr/>
+        </p:nvPicPr>
+        <p:blipFill>
+          <a:blip r:embed="rId3">
+            <a:extLst>
+              <a:ext uri="{28A0092B-C50C-407E-A947-70E740481C1C}">
+                <a14:useLocalDpi xmlns:a14="http://schemas.microsoft.com/office/drawing/2010/main" val="0"/>
+              </a:ext>
+            </a:extLst>
+          </a:blip>
+          <a:srcRect/>
+          <a:stretch>
+            <a:fillRect/>
+          </a:stretch>
+        </p:blipFill>
+        <p:spPr bwMode="auto">
+          <a:xfrm>
+            <a:off x="4498038" y="4015982"/>
+            <a:ext cx="4663889" cy="2664218"/>
+          </a:xfrm>
+          <a:prstGeom prst="rect">
+            <a:avLst/>
+          </a:prstGeom>
+          <a:noFill/>
+          <a:ln>
+            <a:noFill/>
+          </a:ln>
+        </p:spPr>
+      </p:pic>
+    </p:spTree>
+    <p:extLst>
+      <p:ext uri="{BB962C8B-B14F-4D97-AF65-F5344CB8AC3E}">
+        <p14:creationId xmlns:p14="http://schemas.microsoft.com/office/powerpoint/2010/main" val="546668820"/>
+      </p:ext>
+    </p:extLst>
+  </p:cSld>
+  <p:clrMapOvr>
+    <a:masterClrMapping/>
+  </p:clrMapOvr>
+  <mc:AlternateContent xmlns:mc="http://schemas.openxmlformats.org/markup-compatibility/2006" xmlns:p14="http://schemas.microsoft.com/office/powerpoint/2010/main">
+    <mc:Choice Requires="p14">
+      <p:transition spd="med" p14:dur="700">
+        <p:fade/>
+      </p:transition>
+    </mc:Choice>
+    <mc:Fallback xmlns="">
+      <p:transition spd="med">
+        <p:fade/>
+      </p:transition>
+    </mc:Fallback>
+  </mc:AlternateContent>
+  <p:timing>
+    <p:tnLst>
+      <p:par>
+        <p:cTn id="1" dur="indefinite" restart="never" nodeType="tmRoot"/>
+      </p:par>
+    </p:tnLst>
+  </p:timing>
+</p:sld>
+</file>
+
+<file path=ppt/slides/slide21.xml><?xml version="1.0" encoding="utf-8"?>
+<p:sld xmlns:a="http://schemas.openxmlformats.org/drawingml/2006/main" xmlns:r="http://schemas.openxmlformats.org/officeDocument/2006/relationships" xmlns:p="http://schemas.openxmlformats.org/presentationml/2006/main">
+  <p:cSld>
+    <p:spTree>
+      <p:nvGrpSpPr>
+        <p:cNvPr id="1" name=""/>
+        <p:cNvGrpSpPr/>
+        <p:nvPr/>
+      </p:nvGrpSpPr>
+      <p:grpSpPr>
+        <a:xfrm>
+          <a:off x="0" y="0"/>
+          <a:ext cx="0" cy="0"/>
+          <a:chOff x="0" y="0"/>
+          <a:chExt cx="0" cy="0"/>
+        </a:xfrm>
+      </p:grpSpPr>
+      <p:sp>
+        <p:nvSpPr>
+          <p:cNvPr id="4" name="Title 3">
+            <a:extLst>
+              <a:ext uri="{FF2B5EF4-FFF2-40B4-BE49-F238E27FC236}">
+                <a16:creationId xmlns:a16="http://schemas.microsoft.com/office/drawing/2014/main" xmlns="" id="{E3BD8413-C238-49D7-A4E1-E8FEF1811A0E}"/>
+              </a:ext>
+            </a:extLst>
+          </p:cNvPr>
+          <p:cNvSpPr>
+            <a:spLocks noGrp="1"/>
+          </p:cNvSpPr>
+          <p:nvPr>
+            <p:ph type="title"/>
+          </p:nvPr>
+        </p:nvSpPr>
+        <p:spPr>
+          <a:xfrm>
+            <a:off x="832103" y="31383"/>
+            <a:ext cx="10420097" cy="859055"/>
+          </a:xfrm>
+        </p:spPr>
+        <p:txBody>
+          <a:bodyPr>
+            <a:normAutofit/>
+          </a:bodyPr>
+          <a:lstStyle/>
+          <a:p>
+            <a:r>
+              <a:rPr lang="en-GB" dirty="0" smtClean="0"/>
+              <a:t>Unreal Engine 4</a:t>
+            </a:r>
+            <a:endParaRPr lang="en-GB" dirty="0"/>
+          </a:p>
+        </p:txBody>
+      </p:sp>
+      <p:sp>
+        <p:nvSpPr>
+          <p:cNvPr id="5" name="Text Placeholder 4">
+            <a:extLst>
+              <a:ext uri="{FF2B5EF4-FFF2-40B4-BE49-F238E27FC236}">
+                <a16:creationId xmlns:a16="http://schemas.microsoft.com/office/drawing/2014/main" xmlns="" id="{0A95F4DE-39B7-4CE2-BC1E-8B8AE662A895}"/>
+              </a:ext>
+            </a:extLst>
+          </p:cNvPr>
+          <p:cNvSpPr>
+            <a:spLocks noGrp="1"/>
+          </p:cNvSpPr>
+          <p:nvPr>
+            <p:ph type="body" idx="1"/>
+          </p:nvPr>
+        </p:nvSpPr>
+        <p:spPr>
+          <a:xfrm>
+            <a:off x="831850" y="900062"/>
+            <a:ext cx="8545232" cy="5415013"/>
+          </a:xfrm>
+        </p:spPr>
+        <p:txBody>
+          <a:bodyPr numCol="1">
+            <a:normAutofit/>
+          </a:bodyPr>
+          <a:lstStyle/>
+          <a:p>
+            <a:pPr algn="just"/>
+            <a:r>
+              <a:rPr lang="en-US" sz="3600" b="1" dirty="0" err="1" smtClean="0"/>
+              <a:t>Ini</a:t>
+            </a:r>
+            <a:r>
+              <a:rPr lang="en-US" sz="3600" b="1" dirty="0" smtClean="0"/>
+              <a:t> </a:t>
+            </a:r>
+            <a:r>
+              <a:rPr lang="en-US" sz="3600" b="1" dirty="0" err="1" smtClean="0"/>
+              <a:t>adalah</a:t>
+            </a:r>
+            <a:r>
+              <a:rPr lang="en-US" sz="3600" b="1" dirty="0" smtClean="0"/>
+              <a:t> </a:t>
+            </a:r>
+            <a:r>
+              <a:rPr lang="en-US" sz="3600" b="1" dirty="0" err="1" smtClean="0"/>
+              <a:t>perangkat</a:t>
+            </a:r>
+            <a:r>
+              <a:rPr lang="en-US" sz="3600" b="1" dirty="0" smtClean="0"/>
+              <a:t> </a:t>
+            </a:r>
+            <a:r>
+              <a:rPr lang="en-US" sz="3600" b="1" dirty="0" err="1" smtClean="0"/>
+              <a:t>lunak</a:t>
+            </a:r>
+            <a:r>
+              <a:rPr lang="en-US" sz="3600" b="1" dirty="0" smtClean="0"/>
+              <a:t> / game engine yang </a:t>
+            </a:r>
+            <a:r>
+              <a:rPr lang="en-US" sz="3600" b="1" dirty="0" err="1" smtClean="0"/>
+              <a:t>dibuat</a:t>
+            </a:r>
+            <a:r>
+              <a:rPr lang="en-US" sz="3600" b="1" dirty="0" smtClean="0"/>
+              <a:t> </a:t>
+            </a:r>
+            <a:r>
+              <a:rPr lang="en-US" sz="3600" b="1" dirty="0" err="1" smtClean="0"/>
+              <a:t>oleh</a:t>
+            </a:r>
+            <a:r>
+              <a:rPr lang="en-US" sz="3600" b="1" dirty="0" smtClean="0"/>
+              <a:t> Epic </a:t>
+            </a:r>
+            <a:r>
+              <a:rPr lang="en-US" sz="3600" b="1" dirty="0" smtClean="0"/>
+              <a:t>Games.</a:t>
+            </a:r>
+            <a:endParaRPr lang="en-US" sz="3600" b="1" dirty="0" smtClean="0"/>
+          </a:p>
+        </p:txBody>
+      </p:sp>
+      <p:sp>
+        <p:nvSpPr>
+          <p:cNvPr id="2" name="Slide Number Placeholder 1">
+            <a:extLst>
+              <a:ext uri="{FF2B5EF4-FFF2-40B4-BE49-F238E27FC236}">
+                <a16:creationId xmlns:a16="http://schemas.microsoft.com/office/drawing/2014/main" xmlns="" id="{0B24BF10-2B55-43AB-9F77-F1A1410384A9}"/>
+              </a:ext>
+            </a:extLst>
+          </p:cNvPr>
+          <p:cNvSpPr>
+            <a:spLocks noGrp="1"/>
+          </p:cNvSpPr>
+          <p:nvPr>
+            <p:ph type="sldNum" sz="quarter" idx="12"/>
+          </p:nvPr>
+        </p:nvSpPr>
+        <p:spPr/>
+        <p:txBody>
+          <a:bodyPr/>
+          <a:lstStyle/>
+          <a:p>
+            <a:fld id="{C263D6C4-4840-40CC-AC84-17E24B3B7BDE}" type="slidenum">
+              <a:rPr lang="en-GB" smtClean="0"/>
+              <a:pPr/>
+              <a:t>21</a:t>
+            </a:fld>
+            <a:endParaRPr lang="en-GB" dirty="0"/>
+          </a:p>
+        </p:txBody>
+      </p:sp>
+    </p:spTree>
+    <p:extLst>
+      <p:ext uri="{BB962C8B-B14F-4D97-AF65-F5344CB8AC3E}">
+        <p14:creationId xmlns:p14="http://schemas.microsoft.com/office/powerpoint/2010/main" val="349490038"/>
+      </p:ext>
+    </p:extLst>
+  </p:cSld>
+  <p:clrMapOvr>
+    <a:masterClrMapping/>
+  </p:clrMapOvr>
+  <mc:AlternateContent xmlns:mc="http://schemas.openxmlformats.org/markup-compatibility/2006" xmlns:p14="http://schemas.microsoft.com/office/powerpoint/2010/main">
+    <mc:Choice Requires="p14">
+      <p:transition spd="med" p14:dur="700">
+        <p:fade/>
+      </p:transition>
+    </mc:Choice>
+    <mc:Fallback xmlns="">
+      <p:transition spd="med">
+        <p:fade/>
+      </p:transition>
+    </mc:Fallback>
+  </mc:AlternateContent>
+  <p:timing>
+    <p:tnLst>
+      <p:par>
+        <p:cTn id="1" dur="indefinite" restart="never" nodeType="tmRoot"/>
+      </p:par>
+    </p:tnLst>
+  </p:timing>
+</p:sld>
+</file>
+
+<file path=ppt/slides/slide22.xml><?xml version="1.0" encoding="utf-8"?>
+<p:sld xmlns:a="http://schemas.openxmlformats.org/drawingml/2006/main" xmlns:r="http://schemas.openxmlformats.org/officeDocument/2006/relationships" xmlns:p="http://schemas.openxmlformats.org/presentationml/2006/main">
+  <p:cSld>
+    <p:spTree>
+      <p:nvGrpSpPr>
+        <p:cNvPr id="1" name=""/>
+        <p:cNvGrpSpPr/>
+        <p:nvPr/>
+      </p:nvGrpSpPr>
+      <p:grpSpPr>
+        <a:xfrm>
+          <a:off x="0" y="0"/>
+          <a:ext cx="0" cy="0"/>
+          <a:chOff x="0" y="0"/>
+          <a:chExt cx="0" cy="0"/>
+        </a:xfrm>
+      </p:grpSpPr>
+      <p:sp>
+        <p:nvSpPr>
+          <p:cNvPr id="7" name="Title 6">
+            <a:extLst>
+              <a:ext uri="{FF2B5EF4-FFF2-40B4-BE49-F238E27FC236}">
+                <a16:creationId xmlns:a16="http://schemas.microsoft.com/office/drawing/2014/main" xmlns="" id="{7875C19A-1AAE-476A-A316-A2CF92D763D3}"/>
+              </a:ext>
+            </a:extLst>
+          </p:cNvPr>
+          <p:cNvSpPr>
+            <a:spLocks noGrp="1"/>
+          </p:cNvSpPr>
+          <p:nvPr>
+            <p:ph type="title"/>
+          </p:nvPr>
+        </p:nvSpPr>
+        <p:spPr/>
+        <p:txBody>
+          <a:bodyPr/>
+          <a:lstStyle/>
+          <a:p>
+            <a:r>
+              <a:rPr lang="en-US" dirty="0"/>
+              <a:t>Content Title</a:t>
+            </a:r>
+            <a:endParaRPr lang="en-GB" dirty="0"/>
+          </a:p>
+        </p:txBody>
+      </p:sp>
+      <p:sp>
+        <p:nvSpPr>
+          <p:cNvPr id="10" name="Text Placeholder 9">
+            <a:extLst>
+              <a:ext uri="{FF2B5EF4-FFF2-40B4-BE49-F238E27FC236}">
+                <a16:creationId xmlns:a16="http://schemas.microsoft.com/office/drawing/2014/main" xmlns="" id="{EF2BC084-E6DB-4DE7-B309-042A85EBA700}"/>
+              </a:ext>
+            </a:extLst>
+          </p:cNvPr>
+          <p:cNvSpPr>
+            <a:spLocks noGrp="1"/>
+          </p:cNvSpPr>
+          <p:nvPr>
+            <p:ph type="body" sz="quarter" idx="13"/>
+          </p:nvPr>
+        </p:nvSpPr>
+        <p:spPr/>
+        <p:txBody>
+          <a:bodyPr/>
+          <a:lstStyle/>
+          <a:p>
+            <a:r>
+              <a:rPr lang="en-US" dirty="0"/>
+              <a:t>Lorem ipsum dolor sit amet, consectetuer adipiscing elit. Maecenas porttitor congue massa. Fusce posuere, magna sed pulvinar ultricies, purus lectus malesuada libero, sit amet commodo magna eros quis urna.</a:t>
+            </a:r>
+          </a:p>
+          <a:p>
+            <a:r>
+              <a:rPr lang="en-US" dirty="0"/>
+              <a:t>Nunc viverra imperdiet enim. Fusce est. Vivamus a tellus.</a:t>
+            </a:r>
+          </a:p>
+          <a:p>
+            <a:r>
+              <a:rPr lang="en-US" dirty="0"/>
+              <a:t>Pellentesque habitant morbi tristique senectus et netus et malesuada fames ac turpis egestas. Proin pharetra nonummy pede. Mauris et orci.</a:t>
+            </a:r>
+          </a:p>
+        </p:txBody>
+      </p:sp>
+      <p:sp>
+        <p:nvSpPr>
+          <p:cNvPr id="2" name="Slide Number Placeholder 1">
+            <a:extLst>
+              <a:ext uri="{FF2B5EF4-FFF2-40B4-BE49-F238E27FC236}">
+                <a16:creationId xmlns:a16="http://schemas.microsoft.com/office/drawing/2014/main" xmlns="" id="{BE9800F6-D571-48C4-8466-12AA1ADB6599}"/>
+              </a:ext>
+            </a:extLst>
+          </p:cNvPr>
+          <p:cNvSpPr>
+            <a:spLocks noGrp="1"/>
+          </p:cNvSpPr>
+          <p:nvPr>
+            <p:ph type="sldNum" sz="quarter" idx="12"/>
+          </p:nvPr>
+        </p:nvSpPr>
+        <p:spPr/>
+        <p:txBody>
+          <a:bodyPr/>
+          <a:lstStyle/>
+          <a:p>
+            <a:fld id="{C263D6C4-4840-40CC-AC84-17E24B3B7BDE}" type="slidenum">
+              <a:rPr lang="en-GB" smtClean="0"/>
+              <a:pPr/>
+              <a:t>22</a:t>
+            </a:fld>
+            <a:endParaRPr lang="en-GB" dirty="0"/>
+          </a:p>
+        </p:txBody>
+      </p:sp>
+    </p:spTree>
+    <p:extLst>
+      <p:ext uri="{BB962C8B-B14F-4D97-AF65-F5344CB8AC3E}">
+        <p14:creationId xmlns:p14="http://schemas.microsoft.com/office/powerpoint/2010/main" val="3733486012"/>
+      </p:ext>
+    </p:extLst>
+  </p:cSld>
+  <p:clrMapOvr>
+    <a:masterClrMapping/>
+  </p:clrMapOvr>
+  <mc:AlternateContent xmlns:mc="http://schemas.openxmlformats.org/markup-compatibility/2006" xmlns:p14="http://schemas.microsoft.com/office/powerpoint/2010/main">
+    <mc:Choice Requires="p14">
+      <p:transition spd="med" p14:dur="700">
+        <p:fade/>
+      </p:transition>
+    </mc:Choice>
+    <mc:Fallback xmlns="">
+      <p:transition spd="med">
+        <p:fade/>
+      </p:transition>
+    </mc:Fallback>
+  </mc:AlternateContent>
+  <p:timing>
+    <p:tnLst>
+      <p:par>
+        <p:cTn id="1" dur="indefinite" restart="never" nodeType="tmRoot"/>
+      </p:par>
+    </p:tnLst>
+  </p:timing>
+</p:sld>
+</file>
+
+<file path=ppt/slides/slide23.xml><?xml version="1.0" encoding="utf-8"?>
+<p:sld xmlns:a="http://schemas.openxmlformats.org/drawingml/2006/main" xmlns:r="http://schemas.openxmlformats.org/officeDocument/2006/relationships" xmlns:p="http://schemas.openxmlformats.org/presentationml/2006/main">
+  <p:cSld>
+    <p:spTree>
+      <p:nvGrpSpPr>
+        <p:cNvPr id="1" name=""/>
+        <p:cNvGrpSpPr/>
+        <p:nvPr/>
+      </p:nvGrpSpPr>
+      <p:grpSpPr>
+        <a:xfrm>
+          <a:off x="0" y="0"/>
+          <a:ext cx="0" cy="0"/>
+          <a:chOff x="0" y="0"/>
+          <a:chExt cx="0" cy="0"/>
+        </a:xfrm>
+      </p:grpSpPr>
+      <p:sp>
+        <p:nvSpPr>
+          <p:cNvPr id="4" name="Title 3">
+            <a:extLst>
+              <a:ext uri="{FF2B5EF4-FFF2-40B4-BE49-F238E27FC236}">
                 <a16:creationId xmlns:a16="http://schemas.microsoft.com/office/drawing/2014/main" xmlns="" id="{315E3981-F0D7-482C-A8E0-6A57700BECA7}"/>
               </a:ext>
             </a:extLst>
@@ -28385,7 +33419,7 @@
             <a:fld id="{C263D6C4-4840-40CC-AC84-17E24B3B7BDE}" type="slidenum">
               <a:rPr lang="en-GB" smtClean="0"/>
               <a:pPr/>
-              <a:t>15</a:t>
+              <a:t>23</a:t>
             </a:fld>
             <a:endParaRPr lang="en-GB" dirty="0"/>
           </a:p>
@@ -28558,7 +33592,7 @@
 </p:sld>
 </file>
 
-<file path=ppt/slides/slide16.xml><?xml version="1.0" encoding="utf-8"?>
+<file path=ppt/slides/slide24.xml><?xml version="1.0" encoding="utf-8"?>
 <p:sld xmlns:a="http://schemas.openxmlformats.org/drawingml/2006/main" xmlns:r="http://schemas.openxmlformats.org/officeDocument/2006/relationships" xmlns:p="http://schemas.openxmlformats.org/presentationml/2006/main">
   <p:cSld>
     <p:spTree>
@@ -28947,7 +33981,7 @@
             <a:fld id="{C263D6C4-4840-40CC-AC84-17E24B3B7BDE}" type="slidenum">
               <a:rPr lang="en-GB" smtClean="0"/>
               <a:pPr/>
-              <a:t>16</a:t>
+              <a:t>24</a:t>
             </a:fld>
             <a:endParaRPr lang="en-GB" dirty="0"/>
           </a:p>
@@ -28985,7 +34019,7 @@
 </p:sld>
 </file>
 
-<file path=ppt/slides/slide17.xml><?xml version="1.0" encoding="utf-8"?>
+<file path=ppt/slides/slide25.xml><?xml version="1.0" encoding="utf-8"?>
 <p:sld xmlns:a="http://schemas.openxmlformats.org/drawingml/2006/main" xmlns:r="http://schemas.openxmlformats.org/officeDocument/2006/relationships" xmlns:p="http://schemas.openxmlformats.org/presentationml/2006/main">
   <p:cSld>
     <p:spTree>
@@ -29172,7 +34206,7 @@
             <a:fld id="{C263D6C4-4840-40CC-AC84-17E24B3B7BDE}" type="slidenum">
               <a:rPr lang="en-GB" smtClean="0"/>
               <a:pPr/>
-              <a:t>17</a:t>
+              <a:t>25</a:t>
             </a:fld>
             <a:endParaRPr lang="en-GB" dirty="0"/>
           </a:p>
@@ -29203,7 +34237,7 @@
 </p:sld>
 </file>
 
-<file path=ppt/slides/slide18.xml><?xml version="1.0" encoding="utf-8"?>
+<file path=ppt/slides/slide26.xml><?xml version="1.0" encoding="utf-8"?>
 <p:sld xmlns:a="http://schemas.openxmlformats.org/drawingml/2006/main" xmlns:r="http://schemas.openxmlformats.org/officeDocument/2006/relationships" xmlns:p="http://schemas.openxmlformats.org/presentationml/2006/main">
   <p:cSld>
     <p:spTree>
@@ -29340,7 +34374,7 @@
             <a:fld id="{C263D6C4-4840-40CC-AC84-17E24B3B7BDE}" type="slidenum">
               <a:rPr lang="en-GB" smtClean="0"/>
               <a:pPr/>
-              <a:t>18</a:t>
+              <a:t>26</a:t>
             </a:fld>
             <a:endParaRPr lang="en-GB" dirty="0"/>
           </a:p>
@@ -29371,7 +34405,7 @@
 </p:sld>
 </file>
 
-<file path=ppt/slides/slide19.xml><?xml version="1.0" encoding="utf-8"?>
+<file path=ppt/slides/slide27.xml><?xml version="1.0" encoding="utf-8"?>
 <p:sld xmlns:a="http://schemas.openxmlformats.org/drawingml/2006/main" xmlns:r="http://schemas.openxmlformats.org/officeDocument/2006/relationships" xmlns:p="http://schemas.openxmlformats.org/presentationml/2006/main">
   <p:cSld>
     <p:spTree>
@@ -31262,7 +36296,7 @@
             <a:fld id="{C263D6C4-4840-40CC-AC84-17E24B3B7BDE}" type="slidenum">
               <a:rPr lang="en-GB" smtClean="0"/>
               <a:pPr/>
-              <a:t>19</a:t>
+              <a:t>27</a:t>
             </a:fld>
             <a:endParaRPr lang="en-GB" dirty="0"/>
           </a:p>
@@ -31293,110 +36327,7 @@
 </p:sld>
 </file>
 
-<file path=ppt/slides/slide2.xml><?xml version="1.0" encoding="utf-8"?>
-<p:sld xmlns:a="http://schemas.openxmlformats.org/drawingml/2006/main" xmlns:r="http://schemas.openxmlformats.org/officeDocument/2006/relationships" xmlns:p="http://schemas.openxmlformats.org/presentationml/2006/main">
-  <p:cSld>
-    <p:spTree>
-      <p:nvGrpSpPr>
-        <p:cNvPr id="1" name=""/>
-        <p:cNvGrpSpPr/>
-        <p:nvPr/>
-      </p:nvGrpSpPr>
-      <p:grpSpPr>
-        <a:xfrm>
-          <a:off x="0" y="0"/>
-          <a:ext cx="0" cy="0"/>
-          <a:chOff x="0" y="0"/>
-          <a:chExt cx="0" cy="0"/>
-        </a:xfrm>
-      </p:grpSpPr>
-      <p:sp>
-        <p:nvSpPr>
-          <p:cNvPr id="2" name="Text Placeholder 1"/>
-          <p:cNvSpPr>
-            <a:spLocks noGrp="1"/>
-          </p:cNvSpPr>
-          <p:nvPr>
-            <p:ph type="body" idx="1"/>
-          </p:nvPr>
-        </p:nvSpPr>
-        <p:spPr/>
-        <p:txBody>
-          <a:bodyPr/>
-          <a:lstStyle/>
-          <a:p>
-            <a:endParaRPr lang="en-US"/>
-          </a:p>
-        </p:txBody>
-      </p:sp>
-      <p:sp>
-        <p:nvSpPr>
-          <p:cNvPr id="3" name="Slide Number Placeholder 2"/>
-          <p:cNvSpPr>
-            <a:spLocks noGrp="1"/>
-          </p:cNvSpPr>
-          <p:nvPr>
-            <p:ph type="sldNum" sz="quarter" idx="12"/>
-          </p:nvPr>
-        </p:nvSpPr>
-        <p:spPr/>
-        <p:txBody>
-          <a:bodyPr/>
-          <a:lstStyle/>
-          <a:p>
-            <a:fld id="{C263D6C4-4840-40CC-AC84-17E24B3B7BDE}" type="slidenum">
-              <a:rPr lang="en-GB" smtClean="0"/>
-              <a:pPr/>
-              <a:t>2</a:t>
-            </a:fld>
-            <a:endParaRPr lang="en-GB" dirty="0"/>
-          </a:p>
-        </p:txBody>
-      </p:sp>
-      <p:sp>
-        <p:nvSpPr>
-          <p:cNvPr id="4" name="Title 3"/>
-          <p:cNvSpPr>
-            <a:spLocks noGrp="1"/>
-          </p:cNvSpPr>
-          <p:nvPr>
-            <p:ph type="title"/>
-          </p:nvPr>
-        </p:nvSpPr>
-        <p:spPr/>
-        <p:txBody>
-          <a:bodyPr/>
-          <a:lstStyle/>
-          <a:p>
-            <a:r>
-              <a:rPr lang="en-US" dirty="0" err="1" smtClean="0"/>
-              <a:t>Pendahuluan</a:t>
-            </a:r>
-            <a:endParaRPr lang="en-US" dirty="0"/>
-          </a:p>
-        </p:txBody>
-      </p:sp>
-    </p:spTree>
-    <p:extLst>
-      <p:ext uri="{BB962C8B-B14F-4D97-AF65-F5344CB8AC3E}">
-        <p14:creationId xmlns:p14="http://schemas.microsoft.com/office/powerpoint/2010/main" val="226203493"/>
-      </p:ext>
-    </p:extLst>
-  </p:cSld>
-  <p:clrMapOvr>
-    <a:masterClrMapping/>
-  </p:clrMapOvr>
-  <p:timing>
-    <p:tnLst>
-      <p:par>
-        <p:cTn id="1" dur="indefinite" restart="never" nodeType="tmRoot"/>
-      </p:par>
-    </p:tnLst>
-  </p:timing>
-</p:sld>
-</file>
-
-<file path=ppt/slides/slide20.xml><?xml version="1.0" encoding="utf-8"?>
+<file path=ppt/slides/slide28.xml><?xml version="1.0" encoding="utf-8"?>
 <p:sld xmlns:a="http://schemas.openxmlformats.org/drawingml/2006/main" xmlns:r="http://schemas.openxmlformats.org/officeDocument/2006/relationships" xmlns:p="http://schemas.openxmlformats.org/presentationml/2006/main">
   <p:cSld>
     <p:spTree>
@@ -31494,7 +36425,7 @@
             <a:fld id="{C263D6C4-4840-40CC-AC84-17E24B3B7BDE}" type="slidenum">
               <a:rPr lang="en-GB" smtClean="0"/>
               <a:pPr/>
-              <a:t>20</a:t>
+              <a:t>28</a:t>
             </a:fld>
             <a:endParaRPr lang="en-GB" dirty="0"/>
           </a:p>
@@ -31525,7 +36456,7 @@
 </p:sld>
 </file>
 
-<file path=ppt/slides/slide21.xml><?xml version="1.0" encoding="utf-8"?>
+<file path=ppt/slides/slide29.xml><?xml version="1.0" encoding="utf-8"?>
 <p:sld xmlns:a="http://schemas.openxmlformats.org/drawingml/2006/main" xmlns:r="http://schemas.openxmlformats.org/officeDocument/2006/relationships" xmlns:p="http://schemas.openxmlformats.org/presentationml/2006/main">
   <p:cSld>
     <p:spTree>
@@ -31614,7 +36545,7 @@
             <a:fld id="{C263D6C4-4840-40CC-AC84-17E24B3B7BDE}" type="slidenum">
               <a:rPr lang="en-GB" smtClean="0"/>
               <a:pPr/>
-              <a:t>21</a:t>
+              <a:t>29</a:t>
             </a:fld>
             <a:endParaRPr lang="en-GB" dirty="0"/>
           </a:p>
@@ -31642,259 +36573,6 @@
       </p:transition>
     </mc:Fallback>
   </mc:AlternateContent>
-</p:sld>
-</file>
-
-<file path=ppt/slides/slide22.xml><?xml version="1.0" encoding="utf-8"?>
-<p:sld xmlns:a="http://schemas.openxmlformats.org/drawingml/2006/main" xmlns:r="http://schemas.openxmlformats.org/officeDocument/2006/relationships" xmlns:p="http://schemas.openxmlformats.org/presentationml/2006/main">
-  <p:cSld>
-    <p:spTree>
-      <p:nvGrpSpPr>
-        <p:cNvPr id="1" name=""/>
-        <p:cNvGrpSpPr/>
-        <p:nvPr/>
-      </p:nvGrpSpPr>
-      <p:grpSpPr>
-        <a:xfrm>
-          <a:off x="0" y="0"/>
-          <a:ext cx="0" cy="0"/>
-          <a:chOff x="0" y="0"/>
-          <a:chExt cx="0" cy="0"/>
-        </a:xfrm>
-      </p:grpSpPr>
-      <p:sp>
-        <p:nvSpPr>
-          <p:cNvPr id="2" name="Title 1">
-            <a:extLst>
-              <a:ext uri="{FF2B5EF4-FFF2-40B4-BE49-F238E27FC236}">
-                <a16:creationId xmlns:a16="http://schemas.microsoft.com/office/drawing/2014/main" xmlns="" id="{632BE5BF-9922-45FB-8F3F-4446D40A051B}"/>
-              </a:ext>
-            </a:extLst>
-          </p:cNvPr>
-          <p:cNvSpPr>
-            <a:spLocks noGrp="1"/>
-          </p:cNvSpPr>
-          <p:nvPr>
-            <p:ph type="ctrTitle"/>
-          </p:nvPr>
-        </p:nvSpPr>
-        <p:spPr/>
-        <p:txBody>
-          <a:bodyPr/>
-          <a:lstStyle/>
-          <a:p>
-            <a:r>
-              <a:rPr lang="en-US" dirty="0"/>
-              <a:t>Thank You</a:t>
-            </a:r>
-            <a:endParaRPr lang="en-GB" dirty="0"/>
-          </a:p>
-        </p:txBody>
-      </p:sp>
-    </p:spTree>
-    <p:extLst>
-      <p:ext uri="{BB962C8B-B14F-4D97-AF65-F5344CB8AC3E}">
-        <p14:creationId xmlns:p14="http://schemas.microsoft.com/office/powerpoint/2010/main" val="429771863"/>
-      </p:ext>
-    </p:extLst>
-  </p:cSld>
-  <p:clrMapOvr>
-    <a:masterClrMapping/>
-  </p:clrMapOvr>
-  <p:transition spd="slow">
-    <p:wipe/>
-  </p:transition>
-</p:sld>
-</file>
-
-<file path=ppt/slides/slide23.xml><?xml version="1.0" encoding="utf-8"?>
-<p:sld xmlns:a="http://schemas.openxmlformats.org/drawingml/2006/main" xmlns:r="http://schemas.openxmlformats.org/officeDocument/2006/relationships" xmlns:p="http://schemas.openxmlformats.org/presentationml/2006/main">
-  <p:cSld>
-    <p:spTree>
-      <p:nvGrpSpPr>
-        <p:cNvPr id="1" name=""/>
-        <p:cNvGrpSpPr/>
-        <p:nvPr/>
-      </p:nvGrpSpPr>
-      <p:grpSpPr>
-        <a:xfrm>
-          <a:off x="0" y="0"/>
-          <a:ext cx="0" cy="0"/>
-          <a:chOff x="0" y="0"/>
-          <a:chExt cx="0" cy="0"/>
-        </a:xfrm>
-      </p:grpSpPr>
-      <p:sp>
-        <p:nvSpPr>
-          <p:cNvPr id="2" name="Title 1">
-            <a:extLst>
-              <a:ext uri="{FF2B5EF4-FFF2-40B4-BE49-F238E27FC236}">
-                <a16:creationId xmlns:a16="http://schemas.microsoft.com/office/drawing/2014/main" xmlns="" id="{632BE5BF-9922-45FB-8F3F-4446D40A051B}"/>
-              </a:ext>
-            </a:extLst>
-          </p:cNvPr>
-          <p:cNvSpPr>
-            <a:spLocks noGrp="1"/>
-          </p:cNvSpPr>
-          <p:nvPr>
-            <p:ph type="ctrTitle"/>
-          </p:nvPr>
-        </p:nvSpPr>
-        <p:spPr/>
-        <p:txBody>
-          <a:bodyPr/>
-          <a:lstStyle/>
-          <a:p>
-            <a:r>
-              <a:rPr lang="en-US" dirty="0"/>
-              <a:t>Thank You</a:t>
-            </a:r>
-            <a:endParaRPr lang="en-GB" dirty="0"/>
-          </a:p>
-        </p:txBody>
-      </p:sp>
-    </p:spTree>
-    <p:extLst>
-      <p:ext uri="{BB962C8B-B14F-4D97-AF65-F5344CB8AC3E}">
-        <p14:creationId xmlns:p14="http://schemas.microsoft.com/office/powerpoint/2010/main" val="44069682"/>
-      </p:ext>
-    </p:extLst>
-  </p:cSld>
-  <p:clrMapOvr>
-    <a:masterClrMapping/>
-  </p:clrMapOvr>
-  <p:transition spd="slow">
-    <p:wipe/>
-  </p:transition>
-</p:sld>
-</file>
-
-<file path=ppt/slides/slide24.xml><?xml version="1.0" encoding="utf-8"?>
-<p:sld xmlns:a="http://schemas.openxmlformats.org/drawingml/2006/main" xmlns:r="http://schemas.openxmlformats.org/officeDocument/2006/relationships" xmlns:p="http://schemas.openxmlformats.org/presentationml/2006/main">
-  <p:cSld>
-    <p:spTree>
-      <p:nvGrpSpPr>
-        <p:cNvPr id="1" name=""/>
-        <p:cNvGrpSpPr/>
-        <p:nvPr/>
-      </p:nvGrpSpPr>
-      <p:grpSpPr>
-        <a:xfrm>
-          <a:off x="0" y="0"/>
-          <a:ext cx="0" cy="0"/>
-          <a:chOff x="0" y="0"/>
-          <a:chExt cx="0" cy="0"/>
-        </a:xfrm>
-      </p:grpSpPr>
-      <p:sp>
-        <p:nvSpPr>
-          <p:cNvPr id="4" name="Title 3">
-            <a:extLst>
-              <a:ext uri="{FF2B5EF4-FFF2-40B4-BE49-F238E27FC236}">
-                <a16:creationId xmlns:a16="http://schemas.microsoft.com/office/drawing/2014/main" xmlns="" id="{E98DCA46-603B-4178-8707-30E192CE6B8D}"/>
-              </a:ext>
-            </a:extLst>
-          </p:cNvPr>
-          <p:cNvSpPr>
-            <a:spLocks noGrp="1"/>
-          </p:cNvSpPr>
-          <p:nvPr>
-            <p:ph type="title"/>
-          </p:nvPr>
-        </p:nvSpPr>
-        <p:spPr/>
-        <p:txBody>
-          <a:bodyPr/>
-          <a:lstStyle/>
-          <a:p>
-            <a:r>
-              <a:rPr lang="en-US" dirty="0"/>
-              <a:t>Customize this Template</a:t>
-            </a:r>
-          </a:p>
-        </p:txBody>
-      </p:sp>
-      <p:sp>
-        <p:nvSpPr>
-          <p:cNvPr id="8" name="TextBox 7">
-            <a:hlinkClick r:id="rId2"/>
-            <a:extLst>
-              <a:ext uri="{FF2B5EF4-FFF2-40B4-BE49-F238E27FC236}">
-                <a16:creationId xmlns:a16="http://schemas.microsoft.com/office/drawing/2014/main" xmlns="" id="{5FC6C278-4035-446A-A94B-030E792FDDF5}"/>
-              </a:ext>
-            </a:extLst>
-          </p:cNvPr>
-          <p:cNvSpPr txBox="1"/>
-          <p:nvPr/>
-        </p:nvSpPr>
-        <p:spPr>
-          <a:xfrm>
-            <a:off x="1547813" y="2459504"/>
-            <a:ext cx="9096374" cy="2862322"/>
-          </a:xfrm>
-          <a:prstGeom prst="rect">
-            <a:avLst/>
-          </a:prstGeom>
-          <a:noFill/>
-        </p:spPr>
-        <p:txBody>
-          <a:bodyPr wrap="square" rtlCol="0">
-            <a:spAutoFit/>
-          </a:bodyPr>
-          <a:lstStyle/>
-          <a:p>
-            <a:pPr algn="ctr"/>
-            <a:r>
-              <a:rPr lang="en-US" sz="6000" u="sng" dirty="0">
-                <a:solidFill>
-                  <a:schemeClr val="bg1"/>
-                </a:solidFill>
-              </a:rPr>
-              <a:t>Template Editing Instructions and Feedback</a:t>
-            </a:r>
-          </a:p>
-        </p:txBody>
-      </p:sp>
-      <p:sp>
-        <p:nvSpPr>
-          <p:cNvPr id="2" name="Slide Number Placeholder 1">
-            <a:extLst>
-              <a:ext uri="{FF2B5EF4-FFF2-40B4-BE49-F238E27FC236}">
-                <a16:creationId xmlns:a16="http://schemas.microsoft.com/office/drawing/2014/main" xmlns="" id="{6D90B5C6-1CB0-445E-99D1-8E2FE8C59B50}"/>
-              </a:ext>
-            </a:extLst>
-          </p:cNvPr>
-          <p:cNvSpPr>
-            <a:spLocks noGrp="1"/>
-          </p:cNvSpPr>
-          <p:nvPr>
-            <p:ph type="sldNum" sz="quarter" idx="12"/>
-          </p:nvPr>
-        </p:nvSpPr>
-        <p:spPr/>
-        <p:txBody>
-          <a:bodyPr/>
-          <a:lstStyle/>
-          <a:p>
-            <a:fld id="{C263D6C4-4840-40CC-AC84-17E24B3B7BDE}" type="slidenum">
-              <a:rPr lang="en-GB" smtClean="0"/>
-              <a:pPr/>
-              <a:t>24</a:t>
-            </a:fld>
-            <a:endParaRPr lang="en-GB" dirty="0"/>
-          </a:p>
-        </p:txBody>
-      </p:sp>
-    </p:spTree>
-    <p:extLst>
-      <p:ext uri="{BB962C8B-B14F-4D97-AF65-F5344CB8AC3E}">
-        <p14:creationId xmlns:p14="http://schemas.microsoft.com/office/powerpoint/2010/main" val="59582380"/>
-      </p:ext>
-    </p:extLst>
-  </p:cSld>
-  <p:clrMapOvr>
-    <a:masterClrMapping/>
-  </p:clrMapOvr>
 </p:sld>
 </file>
 
@@ -32034,13 +36712,13 @@
   <p:clrMapOvr>
     <a:masterClrMapping/>
   </p:clrMapOvr>
-  <mc:AlternateContent xmlns:mc="http://schemas.openxmlformats.org/markup-compatibility/2006">
-    <mc:Choice xmlns:p14="http://schemas.microsoft.com/office/powerpoint/2010/main" Requires="p14">
+  <mc:AlternateContent xmlns:mc="http://schemas.openxmlformats.org/markup-compatibility/2006" xmlns:p14="http://schemas.microsoft.com/office/powerpoint/2010/main">
+    <mc:Choice Requires="p14">
       <p:transition spd="med" p14:dur="700">
         <p:fade/>
       </p:transition>
     </mc:Choice>
-    <mc:Fallback>
+    <mc:Fallback xmlns="">
       <p:transition spd="med">
         <p:fade/>
       </p:transition>
@@ -32053,6 +36731,259 @@
       </p:par>
     </p:tnLst>
   </p:timing>
+</p:sld>
+</file>
+
+<file path=ppt/slides/slide30.xml><?xml version="1.0" encoding="utf-8"?>
+<p:sld xmlns:a="http://schemas.openxmlformats.org/drawingml/2006/main" xmlns:r="http://schemas.openxmlformats.org/officeDocument/2006/relationships" xmlns:p="http://schemas.openxmlformats.org/presentationml/2006/main">
+  <p:cSld>
+    <p:spTree>
+      <p:nvGrpSpPr>
+        <p:cNvPr id="1" name=""/>
+        <p:cNvGrpSpPr/>
+        <p:nvPr/>
+      </p:nvGrpSpPr>
+      <p:grpSpPr>
+        <a:xfrm>
+          <a:off x="0" y="0"/>
+          <a:ext cx="0" cy="0"/>
+          <a:chOff x="0" y="0"/>
+          <a:chExt cx="0" cy="0"/>
+        </a:xfrm>
+      </p:grpSpPr>
+      <p:sp>
+        <p:nvSpPr>
+          <p:cNvPr id="2" name="Title 1">
+            <a:extLst>
+              <a:ext uri="{FF2B5EF4-FFF2-40B4-BE49-F238E27FC236}">
+                <a16:creationId xmlns:a16="http://schemas.microsoft.com/office/drawing/2014/main" xmlns="" id="{632BE5BF-9922-45FB-8F3F-4446D40A051B}"/>
+              </a:ext>
+            </a:extLst>
+          </p:cNvPr>
+          <p:cNvSpPr>
+            <a:spLocks noGrp="1"/>
+          </p:cNvSpPr>
+          <p:nvPr>
+            <p:ph type="ctrTitle"/>
+          </p:nvPr>
+        </p:nvSpPr>
+        <p:spPr/>
+        <p:txBody>
+          <a:bodyPr/>
+          <a:lstStyle/>
+          <a:p>
+            <a:r>
+              <a:rPr lang="en-US" dirty="0"/>
+              <a:t>Thank You</a:t>
+            </a:r>
+            <a:endParaRPr lang="en-GB" dirty="0"/>
+          </a:p>
+        </p:txBody>
+      </p:sp>
+    </p:spTree>
+    <p:extLst>
+      <p:ext uri="{BB962C8B-B14F-4D97-AF65-F5344CB8AC3E}">
+        <p14:creationId xmlns:p14="http://schemas.microsoft.com/office/powerpoint/2010/main" val="429771863"/>
+      </p:ext>
+    </p:extLst>
+  </p:cSld>
+  <p:clrMapOvr>
+    <a:masterClrMapping/>
+  </p:clrMapOvr>
+  <p:transition spd="slow">
+    <p:wipe/>
+  </p:transition>
+</p:sld>
+</file>
+
+<file path=ppt/slides/slide31.xml><?xml version="1.0" encoding="utf-8"?>
+<p:sld xmlns:a="http://schemas.openxmlformats.org/drawingml/2006/main" xmlns:r="http://schemas.openxmlformats.org/officeDocument/2006/relationships" xmlns:p="http://schemas.openxmlformats.org/presentationml/2006/main">
+  <p:cSld>
+    <p:spTree>
+      <p:nvGrpSpPr>
+        <p:cNvPr id="1" name=""/>
+        <p:cNvGrpSpPr/>
+        <p:nvPr/>
+      </p:nvGrpSpPr>
+      <p:grpSpPr>
+        <a:xfrm>
+          <a:off x="0" y="0"/>
+          <a:ext cx="0" cy="0"/>
+          <a:chOff x="0" y="0"/>
+          <a:chExt cx="0" cy="0"/>
+        </a:xfrm>
+      </p:grpSpPr>
+      <p:sp>
+        <p:nvSpPr>
+          <p:cNvPr id="2" name="Title 1">
+            <a:extLst>
+              <a:ext uri="{FF2B5EF4-FFF2-40B4-BE49-F238E27FC236}">
+                <a16:creationId xmlns:a16="http://schemas.microsoft.com/office/drawing/2014/main" xmlns="" id="{632BE5BF-9922-45FB-8F3F-4446D40A051B}"/>
+              </a:ext>
+            </a:extLst>
+          </p:cNvPr>
+          <p:cNvSpPr>
+            <a:spLocks noGrp="1"/>
+          </p:cNvSpPr>
+          <p:nvPr>
+            <p:ph type="ctrTitle"/>
+          </p:nvPr>
+        </p:nvSpPr>
+        <p:spPr/>
+        <p:txBody>
+          <a:bodyPr/>
+          <a:lstStyle/>
+          <a:p>
+            <a:r>
+              <a:rPr lang="en-US" dirty="0"/>
+              <a:t>Thank You</a:t>
+            </a:r>
+            <a:endParaRPr lang="en-GB" dirty="0"/>
+          </a:p>
+        </p:txBody>
+      </p:sp>
+    </p:spTree>
+    <p:extLst>
+      <p:ext uri="{BB962C8B-B14F-4D97-AF65-F5344CB8AC3E}">
+        <p14:creationId xmlns:p14="http://schemas.microsoft.com/office/powerpoint/2010/main" val="44069682"/>
+      </p:ext>
+    </p:extLst>
+  </p:cSld>
+  <p:clrMapOvr>
+    <a:masterClrMapping/>
+  </p:clrMapOvr>
+  <p:transition spd="slow">
+    <p:wipe/>
+  </p:transition>
+</p:sld>
+</file>
+
+<file path=ppt/slides/slide32.xml><?xml version="1.0" encoding="utf-8"?>
+<p:sld xmlns:a="http://schemas.openxmlformats.org/drawingml/2006/main" xmlns:r="http://schemas.openxmlformats.org/officeDocument/2006/relationships" xmlns:p="http://schemas.openxmlformats.org/presentationml/2006/main">
+  <p:cSld>
+    <p:spTree>
+      <p:nvGrpSpPr>
+        <p:cNvPr id="1" name=""/>
+        <p:cNvGrpSpPr/>
+        <p:nvPr/>
+      </p:nvGrpSpPr>
+      <p:grpSpPr>
+        <a:xfrm>
+          <a:off x="0" y="0"/>
+          <a:ext cx="0" cy="0"/>
+          <a:chOff x="0" y="0"/>
+          <a:chExt cx="0" cy="0"/>
+        </a:xfrm>
+      </p:grpSpPr>
+      <p:sp>
+        <p:nvSpPr>
+          <p:cNvPr id="4" name="Title 3">
+            <a:extLst>
+              <a:ext uri="{FF2B5EF4-FFF2-40B4-BE49-F238E27FC236}">
+                <a16:creationId xmlns:a16="http://schemas.microsoft.com/office/drawing/2014/main" xmlns="" id="{E98DCA46-603B-4178-8707-30E192CE6B8D}"/>
+              </a:ext>
+            </a:extLst>
+          </p:cNvPr>
+          <p:cNvSpPr>
+            <a:spLocks noGrp="1"/>
+          </p:cNvSpPr>
+          <p:nvPr>
+            <p:ph type="title"/>
+          </p:nvPr>
+        </p:nvSpPr>
+        <p:spPr/>
+        <p:txBody>
+          <a:bodyPr/>
+          <a:lstStyle/>
+          <a:p>
+            <a:r>
+              <a:rPr lang="en-US" dirty="0"/>
+              <a:t>Customize this Template</a:t>
+            </a:r>
+          </a:p>
+        </p:txBody>
+      </p:sp>
+      <p:sp>
+        <p:nvSpPr>
+          <p:cNvPr id="8" name="TextBox 7">
+            <a:hlinkClick r:id="rId2"/>
+            <a:extLst>
+              <a:ext uri="{FF2B5EF4-FFF2-40B4-BE49-F238E27FC236}">
+                <a16:creationId xmlns:a16="http://schemas.microsoft.com/office/drawing/2014/main" xmlns="" id="{5FC6C278-4035-446A-A94B-030E792FDDF5}"/>
+              </a:ext>
+            </a:extLst>
+          </p:cNvPr>
+          <p:cNvSpPr txBox="1"/>
+          <p:nvPr/>
+        </p:nvSpPr>
+        <p:spPr>
+          <a:xfrm>
+            <a:off x="1547813" y="2459504"/>
+            <a:ext cx="9096374" cy="2862322"/>
+          </a:xfrm>
+          <a:prstGeom prst="rect">
+            <a:avLst/>
+          </a:prstGeom>
+          <a:noFill/>
+        </p:spPr>
+        <p:txBody>
+          <a:bodyPr wrap="square" rtlCol="0">
+            <a:spAutoFit/>
+          </a:bodyPr>
+          <a:lstStyle/>
+          <a:p>
+            <a:pPr algn="ctr"/>
+            <a:r>
+              <a:rPr lang="en-US" sz="6000" u="sng" dirty="0">
+                <a:solidFill>
+                  <a:schemeClr val="bg1"/>
+                </a:solidFill>
+              </a:rPr>
+              <a:t>Template Editing Instructions and Feedback</a:t>
+            </a:r>
+          </a:p>
+        </p:txBody>
+      </p:sp>
+      <p:sp>
+        <p:nvSpPr>
+          <p:cNvPr id="2" name="Slide Number Placeholder 1">
+            <a:extLst>
+              <a:ext uri="{FF2B5EF4-FFF2-40B4-BE49-F238E27FC236}">
+                <a16:creationId xmlns:a16="http://schemas.microsoft.com/office/drawing/2014/main" xmlns="" id="{6D90B5C6-1CB0-445E-99D1-8E2FE8C59B50}"/>
+              </a:ext>
+            </a:extLst>
+          </p:cNvPr>
+          <p:cNvSpPr>
+            <a:spLocks noGrp="1"/>
+          </p:cNvSpPr>
+          <p:nvPr>
+            <p:ph type="sldNum" sz="quarter" idx="12"/>
+          </p:nvPr>
+        </p:nvSpPr>
+        <p:spPr/>
+        <p:txBody>
+          <a:bodyPr/>
+          <a:lstStyle/>
+          <a:p>
+            <a:fld id="{C263D6C4-4840-40CC-AC84-17E24B3B7BDE}" type="slidenum">
+              <a:rPr lang="en-GB" smtClean="0"/>
+              <a:pPr/>
+              <a:t>32</a:t>
+            </a:fld>
+            <a:endParaRPr lang="en-GB" dirty="0"/>
+          </a:p>
+        </p:txBody>
+      </p:sp>
+    </p:spTree>
+    <p:extLst>
+      <p:ext uri="{BB962C8B-B14F-4D97-AF65-F5344CB8AC3E}">
+        <p14:creationId xmlns:p14="http://schemas.microsoft.com/office/powerpoint/2010/main" val="59582380"/>
+      </p:ext>
+    </p:extLst>
+  </p:cSld>
+  <p:clrMapOvr>
+    <a:masterClrMapping/>
+  </p:clrMapOvr>
 </p:sld>
 </file>
 
@@ -32638,13 +37569,13 @@
   <p:clrMapOvr>
     <a:masterClrMapping/>
   </p:clrMapOvr>
-  <mc:AlternateContent xmlns:mc="http://schemas.openxmlformats.org/markup-compatibility/2006">
-    <mc:Choice xmlns:p14="http://schemas.microsoft.com/office/powerpoint/2010/main" Requires="p14">
+  <mc:AlternateContent xmlns:mc="http://schemas.openxmlformats.org/markup-compatibility/2006" xmlns:p14="http://schemas.microsoft.com/office/powerpoint/2010/main">
+    <mc:Choice Requires="p14">
       <p:transition spd="med" p14:dur="700">
         <p:fade/>
       </p:transition>
     </mc:Choice>
-    <mc:Fallback>
+    <mc:Fallback xmlns="">
       <p:transition spd="med">
         <p:fade/>
       </p:transition>
@@ -32869,13 +37800,13 @@
   <p:clrMapOvr>
     <a:masterClrMapping/>
   </p:clrMapOvr>
-  <mc:AlternateContent xmlns:mc="http://schemas.openxmlformats.org/markup-compatibility/2006">
-    <mc:Choice xmlns:p14="http://schemas.microsoft.com/office/powerpoint/2010/main" Requires="p14">
+  <mc:AlternateContent xmlns:mc="http://schemas.openxmlformats.org/markup-compatibility/2006" xmlns:p14="http://schemas.microsoft.com/office/powerpoint/2010/main">
+    <mc:Choice Requires="p14">
       <p:transition spd="med" p14:dur="700">
         <p:fade/>
       </p:transition>
     </mc:Choice>
-    <mc:Fallback>
+    <mc:Fallback xmlns="">
       <p:transition spd="med">
         <p:fade/>
       </p:transition>
@@ -33148,13 +38079,13 @@
   <p:clrMapOvr>
     <a:masterClrMapping/>
   </p:clrMapOvr>
-  <mc:AlternateContent xmlns:mc="http://schemas.openxmlformats.org/markup-compatibility/2006">
-    <mc:Choice xmlns:p14="http://schemas.microsoft.com/office/powerpoint/2010/main" Requires="p14">
+  <mc:AlternateContent xmlns:mc="http://schemas.openxmlformats.org/markup-compatibility/2006" xmlns:p14="http://schemas.microsoft.com/office/powerpoint/2010/main">
+    <mc:Choice Requires="p14">
       <p:transition spd="med" p14:dur="700">
         <p:fade/>
       </p:transition>
     </mc:Choice>
-    <mc:Fallback>
+    <mc:Fallback xmlns="">
       <p:transition spd="med">
         <p:fade/>
       </p:transition>
@@ -33302,13 +38233,13 @@
   <p:clrMapOvr>
     <a:masterClrMapping/>
   </p:clrMapOvr>
-  <mc:AlternateContent xmlns:mc="http://schemas.openxmlformats.org/markup-compatibility/2006">
-    <mc:Choice xmlns:p14="http://schemas.microsoft.com/office/powerpoint/2010/main" Requires="p14">
+  <mc:AlternateContent xmlns:mc="http://schemas.openxmlformats.org/markup-compatibility/2006" xmlns:p14="http://schemas.microsoft.com/office/powerpoint/2010/main">
+    <mc:Choice Requires="p14">
       <p:transition spd="med" p14:dur="700">
         <p:fade/>
       </p:transition>
     </mc:Choice>
-    <mc:Fallback>
+    <mc:Fallback xmlns="">
       <p:transition spd="med">
         <p:fade/>
       </p:transition>
@@ -34261,15 +39192,6 @@
 </file>
 
 <file path=customXml/item1.xml><?xml version="1.0" encoding="utf-8"?>
-<p:properties xmlns:p="http://schemas.microsoft.com/office/2006/metadata/properties" xmlns:xsi="http://www.w3.org/2001/XMLSchema-instance" xmlns:pc="http://schemas.microsoft.com/office/infopath/2007/PartnerControls">
-  <documentManagement>
-    <_ip_UnifiedCompliancePolicyUIAction xmlns="http://schemas.microsoft.com/sharepoint/v3" xsi:nil="true"/>
-    <_ip_UnifiedCompliancePolicyProperties xmlns="http://schemas.microsoft.com/sharepoint/v3" xsi:nil="true"/>
-  </documentManagement>
-</p:properties>
-</file>
-
-<file path=customXml/item2.xml><?xml version="1.0" encoding="utf-8"?>
 <?mso-contentType ?>
 <FormTemplates xmlns="http://schemas.microsoft.com/sharepoint/v3/contenttype/forms">
   <Display>DocumentLibraryForm</Display>
@@ -34278,7 +39200,7 @@
 </FormTemplates>
 </file>
 
-<file path=customXml/item3.xml><?xml version="1.0" encoding="utf-8"?>
+<file path=customXml/item2.xml><?xml version="1.0" encoding="utf-8"?>
 <ct:contentTypeSchema xmlns:ct="http://schemas.microsoft.com/office/2006/metadata/contentType" xmlns:ma="http://schemas.microsoft.com/office/2006/metadata/properties/metaAttributes" ct:_="" ma:_="" ma:contentTypeName="Document" ma:contentTypeID="0x010100DEEA25CC0A0AC24199CDC46C25B8B0BC" ma:contentTypeVersion="10" ma:contentTypeDescription="Create a new document." ma:contentTypeScope="" ma:versionID="e3b47856d4cf355c0dacb39e1084d14f">
   <xsd:schema xmlns:xsd="http://www.w3.org/2001/XMLSchema" xmlns:xs="http://www.w3.org/2001/XMLSchema" xmlns:p="http://schemas.microsoft.com/office/2006/metadata/properties" xmlns:ns1="http://schemas.microsoft.com/sharepoint/v3" xmlns:ns2="6dc4bcd6-49db-4c07-9060-8acfc67cef9f" xmlns:ns3="fb0879af-3eba-417a-a55a-ffe6dcd6ca77" targetNamespace="http://schemas.microsoft.com/office/2006/metadata/properties" ma:root="true" ma:fieldsID="a845a615265fdb1f7b12cc65ac20ecbd" ns1:_="" ns2:_="" ns3:_="">
     <xsd:import namespace="http://schemas.microsoft.com/sharepoint/v3"/>
@@ -34486,17 +39408,16 @@
 </ct:contentTypeSchema>
 </file>
 
-<file path=customXml/itemProps1.xml><?xml version="1.0" encoding="utf-8"?>
-<ds:datastoreItem xmlns:ds="http://schemas.openxmlformats.org/officeDocument/2006/customXml" ds:itemID="{F8992231-163D-4428-A2B8-DA1FE0274129}">
-  <ds:schemaRefs>
-    <ds:schemaRef ds:uri="http://schemas.microsoft.com/office/2006/metadata/properties"/>
-    <ds:schemaRef ds:uri="http://schemas.microsoft.com/office/infopath/2007/PartnerControls"/>
-    <ds:schemaRef ds:uri="http://schemas.microsoft.com/sharepoint/v3"/>
-  </ds:schemaRefs>
-</ds:datastoreItem>
+<file path=customXml/item3.xml><?xml version="1.0" encoding="utf-8"?>
+<p:properties xmlns:p="http://schemas.microsoft.com/office/2006/metadata/properties" xmlns:xsi="http://www.w3.org/2001/XMLSchema-instance" xmlns:pc="http://schemas.microsoft.com/office/infopath/2007/PartnerControls">
+  <documentManagement>
+    <_ip_UnifiedCompliancePolicyUIAction xmlns="http://schemas.microsoft.com/sharepoint/v3" xsi:nil="true"/>
+    <_ip_UnifiedCompliancePolicyProperties xmlns="http://schemas.microsoft.com/sharepoint/v3" xsi:nil="true"/>
+  </documentManagement>
+</p:properties>
 </file>
 
-<file path=customXml/itemProps2.xml><?xml version="1.0" encoding="utf-8"?>
+<file path=customXml/itemProps1.xml><?xml version="1.0" encoding="utf-8"?>
 <ds:datastoreItem xmlns:ds="http://schemas.openxmlformats.org/officeDocument/2006/customXml" ds:itemID="{8A95DE24-D6C3-4A00-9085-D9594C193AE1}">
   <ds:schemaRefs>
     <ds:schemaRef ds:uri="http://schemas.microsoft.com/sharepoint/v3/contenttype/forms"/>
@@ -34504,7 +39425,7 @@
 </ds:datastoreItem>
 </file>
 
-<file path=customXml/itemProps3.xml><?xml version="1.0" encoding="utf-8"?>
+<file path=customXml/itemProps2.xml><?xml version="1.0" encoding="utf-8"?>
 <ds:datastoreItem xmlns:ds="http://schemas.openxmlformats.org/officeDocument/2006/customXml" ds:itemID="{6B67ACAB-C3DC-429D-A23C-0723C084FEE5}">
   <ds:schemaRefs>
     <ds:schemaRef ds:uri="http://schemas.microsoft.com/office/2006/metadata/contentType"/>
@@ -34522,4 +39443,14 @@
     <ds:schemaRef ds:uri="http://schemas.microsoft.com/internal/obd"/>
   </ds:schemaRefs>
 </ds:datastoreItem>
+</file>
+
+<file path=customXml/itemProps3.xml><?xml version="1.0" encoding="utf-8"?>
+<ds:datastoreItem xmlns:ds="http://schemas.openxmlformats.org/officeDocument/2006/customXml" ds:itemID="{F8992231-163D-4428-A2B8-DA1FE0274129}">
+  <ds:schemaRefs>
+    <ds:schemaRef ds:uri="http://schemas.microsoft.com/office/2006/metadata/properties"/>
+    <ds:schemaRef ds:uri="http://schemas.microsoft.com/office/infopath/2007/PartnerControls"/>
+    <ds:schemaRef ds:uri="http://schemas.microsoft.com/sharepoint/v3"/>
+  </ds:schemaRefs>
+</ds:datastoreItem>
 </file>
--- a/GAME SIMULASI KERJA PRAKTEK MAHASISWA FAKULTAS TEKNOLOGI INFORMASI.pptx
+++ b/GAME SIMULASI KERJA PRAKTEK MAHASISWA FAKULTAS TEKNOLOGI INFORMASI.pptx
@@ -5,10 +5,10 @@
     <p:sldMasterId id="2147483648" r:id="rId4"/>
   </p:sldMasterIdLst>
   <p:notesMasterIdLst>
-    <p:notesMasterId r:id="rId37"/>
+    <p:notesMasterId r:id="rId36"/>
   </p:notesMasterIdLst>
   <p:handoutMasterIdLst>
-    <p:handoutMasterId r:id="rId38"/>
+    <p:handoutMasterId r:id="rId37"/>
   </p:handoutMasterIdLst>
   <p:sldIdLst>
     <p:sldId id="256" r:id="rId5"/>
@@ -32,17 +32,16 @@
     <p:sldId id="301" r:id="rId23"/>
     <p:sldId id="302" r:id="rId24"/>
     <p:sldId id="303" r:id="rId25"/>
-    <p:sldId id="258" r:id="rId26"/>
-    <p:sldId id="261" r:id="rId27"/>
-    <p:sldId id="262" r:id="rId28"/>
-    <p:sldId id="283" r:id="rId29"/>
-    <p:sldId id="264" r:id="rId30"/>
-    <p:sldId id="266" r:id="rId31"/>
-    <p:sldId id="284" r:id="rId32"/>
-    <p:sldId id="267" r:id="rId33"/>
-    <p:sldId id="269" r:id="rId34"/>
-    <p:sldId id="268" r:id="rId35"/>
-    <p:sldId id="285" r:id="rId36"/>
+    <p:sldId id="304" r:id="rId26"/>
+    <p:sldId id="305" r:id="rId27"/>
+    <p:sldId id="306" r:id="rId28"/>
+    <p:sldId id="307" r:id="rId29"/>
+    <p:sldId id="309" r:id="rId30"/>
+    <p:sldId id="310" r:id="rId31"/>
+    <p:sldId id="311" r:id="rId32"/>
+    <p:sldId id="312" r:id="rId33"/>
+    <p:sldId id="313" r:id="rId34"/>
+    <p:sldId id="269" r:id="rId35"/>
   </p:sldIdLst>
   <p:sldSz cx="12192000" cy="6858000"/>
   <p:notesSz cx="6858000" cy="9144000"/>
@@ -161,917 +160,6 @@
     </p:ext>
   </p:extLst>
 </p:presentation>
-</file>
-
-<file path=ppt/charts/chart1.xml><?xml version="1.0" encoding="utf-8"?>
-<c:chartSpace xmlns:c="http://schemas.openxmlformats.org/drawingml/2006/chart" xmlns:a="http://schemas.openxmlformats.org/drawingml/2006/main" xmlns:r="http://schemas.openxmlformats.org/officeDocument/2006/relationships">
-  <c:date1904 val="0"/>
-  <c:lang val="en-US"/>
-  <c:roundedCorners val="0"/>
-  <mc:AlternateContent xmlns:mc="http://schemas.openxmlformats.org/markup-compatibility/2006">
-    <mc:Choice xmlns:c14="http://schemas.microsoft.com/office/drawing/2007/8/2/chart" Requires="c14">
-      <c14:style val="102"/>
-    </mc:Choice>
-    <mc:Fallback>
-      <c:style val="2"/>
-    </mc:Fallback>
-  </mc:AlternateContent>
-  <c:chart>
-    <c:autoTitleDeleted val="1"/>
-    <c:plotArea>
-      <c:layout/>
-      <c:barChart>
-        <c:barDir val="col"/>
-        <c:grouping val="clustered"/>
-        <c:varyColors val="0"/>
-        <c:ser>
-          <c:idx val="0"/>
-          <c:order val="0"/>
-          <c:tx>
-            <c:strRef>
-              <c:f>Sheet1!$B$1</c:f>
-              <c:strCache>
-                <c:ptCount val="1"/>
-                <c:pt idx="0">
-                  <c:v>Series 1</c:v>
-                </c:pt>
-              </c:strCache>
-            </c:strRef>
-          </c:tx>
-          <c:spPr>
-            <a:solidFill>
-              <a:schemeClr val="accent3"/>
-            </a:solidFill>
-            <a:ln>
-              <a:noFill/>
-            </a:ln>
-            <a:effectLst/>
-          </c:spPr>
-          <c:invertIfNegative val="0"/>
-          <c:dPt>
-            <c:idx val="1"/>
-            <c:invertIfNegative val="0"/>
-            <c:bubble3D val="0"/>
-            <c:spPr>
-              <a:pattFill prst="ltUpDiag">
-                <a:fgClr>
-                  <a:schemeClr val="accent1">
-                    <a:lumMod val="50000"/>
-                  </a:schemeClr>
-                </a:fgClr>
-                <a:bgClr>
-                  <a:schemeClr val="accent6"/>
-                </a:bgClr>
-              </a:pattFill>
-              <a:ln w="12700">
-                <a:solidFill>
-                  <a:schemeClr val="accent6">
-                    <a:lumMod val="60000"/>
-                    <a:lumOff val="40000"/>
-                  </a:schemeClr>
-                </a:solidFill>
-              </a:ln>
-              <a:effectLst/>
-            </c:spPr>
-            <c:extLst xmlns:c16r2="http://schemas.microsoft.com/office/drawing/2015/06/chart">
-              <c:ext xmlns:c16="http://schemas.microsoft.com/office/drawing/2014/chart" uri="{C3380CC4-5D6E-409C-BE32-E72D297353CC}">
-                <c16:uniqueId val="{00000001-73FB-9843-92B3-91A80E32B7C5}"/>
-              </c:ext>
-            </c:extLst>
-          </c:dPt>
-          <c:dPt>
-            <c:idx val="2"/>
-            <c:invertIfNegative val="0"/>
-            <c:bubble3D val="0"/>
-            <c:spPr>
-              <a:pattFill prst="ltUpDiag">
-                <a:fgClr>
-                  <a:schemeClr val="accent1">
-                    <a:lumMod val="50000"/>
-                  </a:schemeClr>
-                </a:fgClr>
-                <a:bgClr>
-                  <a:schemeClr val="accent3"/>
-                </a:bgClr>
-              </a:pattFill>
-              <a:ln w="12700">
-                <a:solidFill>
-                  <a:schemeClr val="accent3">
-                    <a:lumMod val="60000"/>
-                    <a:lumOff val="40000"/>
-                  </a:schemeClr>
-                </a:solidFill>
-              </a:ln>
-              <a:effectLst/>
-            </c:spPr>
-            <c:extLst xmlns:c16r2="http://schemas.microsoft.com/office/drawing/2015/06/chart">
-              <c:ext xmlns:c16="http://schemas.microsoft.com/office/drawing/2014/chart" uri="{C3380CC4-5D6E-409C-BE32-E72D297353CC}">
-                <c16:uniqueId val="{00000007-73FB-9843-92B3-91A80E32B7C5}"/>
-              </c:ext>
-            </c:extLst>
-          </c:dPt>
-          <c:dPt>
-            <c:idx val="3"/>
-            <c:invertIfNegative val="0"/>
-            <c:bubble3D val="0"/>
-            <c:spPr>
-              <a:pattFill prst="ltUpDiag">
-                <a:fgClr>
-                  <a:schemeClr val="accent1">
-                    <a:lumMod val="50000"/>
-                  </a:schemeClr>
-                </a:fgClr>
-                <a:bgClr>
-                  <a:schemeClr val="accent1">
-                    <a:lumMod val="60000"/>
-                    <a:lumOff val="40000"/>
-                  </a:schemeClr>
-                </a:bgClr>
-              </a:pattFill>
-              <a:ln w="12700">
-                <a:solidFill>
-                  <a:schemeClr val="accent1">
-                    <a:lumMod val="40000"/>
-                    <a:lumOff val="60000"/>
-                  </a:schemeClr>
-                </a:solidFill>
-              </a:ln>
-              <a:effectLst/>
-            </c:spPr>
-            <c:extLst xmlns:c16r2="http://schemas.microsoft.com/office/drawing/2015/06/chart">
-              <c:ext xmlns:c16="http://schemas.microsoft.com/office/drawing/2014/chart" uri="{C3380CC4-5D6E-409C-BE32-E72D297353CC}">
-                <c16:uniqueId val="{00000003-73FB-9843-92B3-91A80E32B7C5}"/>
-              </c:ext>
-            </c:extLst>
-          </c:dPt>
-          <c:dPt>
-            <c:idx val="4"/>
-            <c:invertIfNegative val="0"/>
-            <c:bubble3D val="0"/>
-            <c:spPr>
-              <a:pattFill prst="ltUpDiag">
-                <a:fgClr>
-                  <a:schemeClr val="accent1">
-                    <a:lumMod val="50000"/>
-                  </a:schemeClr>
-                </a:fgClr>
-                <a:bgClr>
-                  <a:schemeClr val="accent2"/>
-                </a:bgClr>
-              </a:pattFill>
-              <a:ln w="12700">
-                <a:solidFill>
-                  <a:schemeClr val="accent2">
-                    <a:lumMod val="60000"/>
-                    <a:lumOff val="40000"/>
-                  </a:schemeClr>
-                </a:solidFill>
-              </a:ln>
-              <a:effectLst/>
-            </c:spPr>
-            <c:extLst xmlns:c16r2="http://schemas.microsoft.com/office/drawing/2015/06/chart">
-              <c:ext xmlns:c16="http://schemas.microsoft.com/office/drawing/2014/chart" uri="{C3380CC4-5D6E-409C-BE32-E72D297353CC}">
-                <c16:uniqueId val="{00000005-73FB-9843-92B3-91A80E32B7C5}"/>
-              </c:ext>
-            </c:extLst>
-          </c:dPt>
-          <c:cat>
-            <c:strRef>
-              <c:f>Sheet1!$A$2:$A$6</c:f>
-              <c:strCache>
-                <c:ptCount val="5"/>
-                <c:pt idx="0">
-                  <c:v>20YY</c:v>
-                </c:pt>
-                <c:pt idx="1">
-                  <c:v>20YY</c:v>
-                </c:pt>
-                <c:pt idx="2">
-                  <c:v>20YY</c:v>
-                </c:pt>
-                <c:pt idx="3">
-                  <c:v>20YY</c:v>
-                </c:pt>
-                <c:pt idx="4">
-                  <c:v>20YY</c:v>
-                </c:pt>
-              </c:strCache>
-            </c:strRef>
-          </c:cat>
-          <c:val>
-            <c:numRef>
-              <c:f>Sheet1!$B$2:$B$6</c:f>
-              <c:numCache>
-                <c:formatCode>[$$-409]#,##0</c:formatCode>
-                <c:ptCount val="5"/>
-                <c:pt idx="0">
-                  <c:v>0</c:v>
-                </c:pt>
-                <c:pt idx="1">
-                  <c:v>6750</c:v>
-                </c:pt>
-                <c:pt idx="2">
-                  <c:v>33750</c:v>
-                </c:pt>
-                <c:pt idx="3">
-                  <c:v>135000</c:v>
-                </c:pt>
-                <c:pt idx="4">
-                  <c:v>270000</c:v>
-                </c:pt>
-              </c:numCache>
-            </c:numRef>
-          </c:val>
-          <c:extLst xmlns:c16r2="http://schemas.microsoft.com/office/drawing/2015/06/chart">
-            <c:ext xmlns:c16="http://schemas.microsoft.com/office/drawing/2014/chart" uri="{C3380CC4-5D6E-409C-BE32-E72D297353CC}">
-              <c16:uniqueId val="{00000006-73FB-9843-92B3-91A80E32B7C5}"/>
-            </c:ext>
-          </c:extLst>
-        </c:ser>
-        <c:dLbls>
-          <c:showLegendKey val="0"/>
-          <c:showVal val="0"/>
-          <c:showCatName val="0"/>
-          <c:showSerName val="0"/>
-          <c:showPercent val="0"/>
-          <c:showBubbleSize val="0"/>
-        </c:dLbls>
-        <c:gapWidth val="24"/>
-        <c:axId val="193992752"/>
-        <c:axId val="193996112"/>
-      </c:barChart>
-      <c:catAx>
-        <c:axId val="193992752"/>
-        <c:scaling>
-          <c:orientation val="minMax"/>
-        </c:scaling>
-        <c:delete val="0"/>
-        <c:axPos val="b"/>
-        <c:numFmt formatCode="General" sourceLinked="1"/>
-        <c:majorTickMark val="none"/>
-        <c:minorTickMark val="none"/>
-        <c:tickLblPos val="nextTo"/>
-        <c:spPr>
-          <a:noFill/>
-          <a:ln w="9525" cap="flat" cmpd="sng" algn="ctr">
-            <a:solidFill>
-              <a:schemeClr val="tx1">
-                <a:lumMod val="15000"/>
-                <a:lumOff val="85000"/>
-              </a:schemeClr>
-            </a:solidFill>
-            <a:round/>
-          </a:ln>
-          <a:effectLst/>
-        </c:spPr>
-        <c:txPr>
-          <a:bodyPr rot="-60000000" spcFirstLastPara="1" vertOverflow="ellipsis" vert="horz" wrap="square" anchor="ctr" anchorCtr="1"/>
-          <a:lstStyle/>
-          <a:p>
-            <a:pPr>
-              <a:defRPr sz="1197" b="0" i="0" u="none" strike="noStrike" kern="1200" baseline="0">
-                <a:solidFill>
-                  <a:schemeClr val="bg1"/>
-                </a:solidFill>
-                <a:latin typeface="+mn-lt"/>
-                <a:ea typeface="+mn-ea"/>
-                <a:cs typeface="+mn-cs"/>
-              </a:defRPr>
-            </a:pPr>
-            <a:endParaRPr lang="en-US"/>
-          </a:p>
-        </c:txPr>
-        <c:crossAx val="193996112"/>
-        <c:crosses val="autoZero"/>
-        <c:auto val="1"/>
-        <c:lblAlgn val="ctr"/>
-        <c:lblOffset val="100"/>
-        <c:noMultiLvlLbl val="0"/>
-      </c:catAx>
-      <c:valAx>
-        <c:axId val="193996112"/>
-        <c:scaling>
-          <c:orientation val="minMax"/>
-        </c:scaling>
-        <c:delete val="0"/>
-        <c:axPos val="l"/>
-        <c:numFmt formatCode="[$$-409]#,##0" sourceLinked="1"/>
-        <c:majorTickMark val="none"/>
-        <c:minorTickMark val="none"/>
-        <c:tickLblPos val="nextTo"/>
-        <c:spPr>
-          <a:noFill/>
-          <a:ln>
-            <a:noFill/>
-          </a:ln>
-          <a:effectLst/>
-        </c:spPr>
-        <c:txPr>
-          <a:bodyPr rot="-60000000" spcFirstLastPara="1" vertOverflow="ellipsis" vert="horz" wrap="square" anchor="ctr" anchorCtr="1"/>
-          <a:lstStyle/>
-          <a:p>
-            <a:pPr>
-              <a:defRPr sz="1197" b="0" i="0" u="none" strike="noStrike" kern="1200" baseline="0">
-                <a:solidFill>
-                  <a:schemeClr val="bg1"/>
-                </a:solidFill>
-                <a:latin typeface="+mn-lt"/>
-                <a:ea typeface="+mn-ea"/>
-                <a:cs typeface="+mn-cs"/>
-              </a:defRPr>
-            </a:pPr>
-            <a:endParaRPr lang="en-US"/>
-          </a:p>
-        </c:txPr>
-        <c:crossAx val="193992752"/>
-        <c:crosses val="autoZero"/>
-        <c:crossBetween val="between"/>
-      </c:valAx>
-      <c:spPr>
-        <a:noFill/>
-        <a:ln>
-          <a:noFill/>
-        </a:ln>
-        <a:effectLst/>
-      </c:spPr>
-    </c:plotArea>
-    <c:plotVisOnly val="1"/>
-    <c:dispBlanksAs val="gap"/>
-    <c:showDLblsOverMax val="0"/>
-    <c:extLst xmlns:c16r2="http://schemas.microsoft.com/office/drawing/2015/06/chart">
-      <c:ext xmlns:c16r3="http://schemas.microsoft.com/office/drawing/2017/03/chart" uri="{56B9EC1D-385E-4148-901F-78D8002777C0}">
-        <c16r3:dataDisplayOptions16>
-          <c16r3:dispNaAsBlank val="1"/>
-        </c16r3:dataDisplayOptions16>
-      </c:ext>
-    </c:extLst>
-  </c:chart>
-  <c:spPr>
-    <a:noFill/>
-    <a:ln>
-      <a:noFill/>
-    </a:ln>
-    <a:effectLst/>
-  </c:spPr>
-  <c:txPr>
-    <a:bodyPr/>
-    <a:lstStyle/>
-    <a:p>
-      <a:pPr>
-        <a:defRPr>
-          <a:latin typeface="+mn-lt"/>
-        </a:defRPr>
-      </a:pPr>
-      <a:endParaRPr lang="en-US"/>
-    </a:p>
-  </c:txPr>
-  <c:externalData r:id="rId3">
-    <c:autoUpdate val="0"/>
-  </c:externalData>
-</c:chartSpace>
-</file>
-
-<file path=ppt/charts/colors1.xml><?xml version="1.0" encoding="utf-8"?>
-<cs:colorStyle xmlns:cs="http://schemas.microsoft.com/office/drawing/2012/chartStyle" xmlns:a="http://schemas.openxmlformats.org/drawingml/2006/main" meth="cycle" id="10">
-  <a:schemeClr val="accent1"/>
-  <a:schemeClr val="accent2"/>
-  <a:schemeClr val="accent3"/>
-  <a:schemeClr val="accent4"/>
-  <a:schemeClr val="accent5"/>
-  <a:schemeClr val="accent6"/>
-  <cs:variation/>
-  <cs:variation>
-    <a:lumMod val="60000"/>
-  </cs:variation>
-  <cs:variation>
-    <a:lumMod val="80000"/>
-    <a:lumOff val="20000"/>
-  </cs:variation>
-  <cs:variation>
-    <a:lumMod val="80000"/>
-  </cs:variation>
-  <cs:variation>
-    <a:lumMod val="60000"/>
-    <a:lumOff val="40000"/>
-  </cs:variation>
-  <cs:variation>
-    <a:lumMod val="50000"/>
-  </cs:variation>
-  <cs:variation>
-    <a:lumMod val="70000"/>
-    <a:lumOff val="30000"/>
-  </cs:variation>
-  <cs:variation>
-    <a:lumMod val="70000"/>
-  </cs:variation>
-  <cs:variation>
-    <a:lumMod val="50000"/>
-    <a:lumOff val="50000"/>
-  </cs:variation>
-</cs:colorStyle>
-</file>
-
-<file path=ppt/charts/style1.xml><?xml version="1.0" encoding="utf-8"?>
-<cs:chartStyle xmlns:cs="http://schemas.microsoft.com/office/drawing/2012/chartStyle" xmlns:a="http://schemas.openxmlformats.org/drawingml/2006/main" id="201">
-  <cs:axisTitle>
-    <cs:lnRef idx="0"/>
-    <cs:fillRef idx="0"/>
-    <cs:effectRef idx="0"/>
-    <cs:fontRef idx="minor">
-      <a:schemeClr val="tx1">
-        <a:lumMod val="65000"/>
-        <a:lumOff val="35000"/>
-      </a:schemeClr>
-    </cs:fontRef>
-    <cs:defRPr sz="1330" kern="1200"/>
-  </cs:axisTitle>
-  <cs:categoryAxis>
-    <cs:lnRef idx="0"/>
-    <cs:fillRef idx="0"/>
-    <cs:effectRef idx="0"/>
-    <cs:fontRef idx="minor">
-      <a:schemeClr val="tx1">
-        <a:lumMod val="65000"/>
-        <a:lumOff val="35000"/>
-      </a:schemeClr>
-    </cs:fontRef>
-    <cs:spPr>
-      <a:ln w="9525" cap="flat" cmpd="sng" algn="ctr">
-        <a:solidFill>
-          <a:schemeClr val="tx1">
-            <a:lumMod val="15000"/>
-            <a:lumOff val="85000"/>
-          </a:schemeClr>
-        </a:solidFill>
-        <a:round/>
-      </a:ln>
-    </cs:spPr>
-    <cs:defRPr sz="1197" kern="1200"/>
-  </cs:categoryAxis>
-  <cs:chartArea mods="allowNoFillOverride allowNoLineOverride">
-    <cs:lnRef idx="0"/>
-    <cs:fillRef idx="0"/>
-    <cs:effectRef idx="0"/>
-    <cs:fontRef idx="minor">
-      <a:schemeClr val="tx1"/>
-    </cs:fontRef>
-    <cs:spPr>
-      <a:solidFill>
-        <a:schemeClr val="bg1"/>
-      </a:solidFill>
-      <a:ln w="9525" cap="flat" cmpd="sng" algn="ctr">
-        <a:solidFill>
-          <a:schemeClr val="tx1">
-            <a:lumMod val="15000"/>
-            <a:lumOff val="85000"/>
-          </a:schemeClr>
-        </a:solidFill>
-        <a:round/>
-      </a:ln>
-    </cs:spPr>
-    <cs:defRPr sz="1330" kern="1200"/>
-  </cs:chartArea>
-  <cs:dataLabel>
-    <cs:lnRef idx="0"/>
-    <cs:fillRef idx="0"/>
-    <cs:effectRef idx="0"/>
-    <cs:fontRef idx="minor">
-      <a:schemeClr val="tx1">
-        <a:lumMod val="75000"/>
-        <a:lumOff val="25000"/>
-      </a:schemeClr>
-    </cs:fontRef>
-    <cs:defRPr sz="1197" kern="1200"/>
-  </cs:dataLabel>
-  <cs:dataLabelCallout>
-    <cs:lnRef idx="0"/>
-    <cs:fillRef idx="0"/>
-    <cs:effectRef idx="0"/>
-    <cs:fontRef idx="minor">
-      <a:schemeClr val="dk1">
-        <a:lumMod val="65000"/>
-        <a:lumOff val="35000"/>
-      </a:schemeClr>
-    </cs:fontRef>
-    <cs:spPr>
-      <a:solidFill>
-        <a:schemeClr val="lt1"/>
-      </a:solidFill>
-      <a:ln>
-        <a:solidFill>
-          <a:schemeClr val="dk1">
-            <a:lumMod val="25000"/>
-            <a:lumOff val="75000"/>
-          </a:schemeClr>
-        </a:solidFill>
-      </a:ln>
-    </cs:spPr>
-    <cs:defRPr sz="1197" kern="1200"/>
-    <cs:bodyPr rot="0" spcFirstLastPara="1" vertOverflow="clip" horzOverflow="clip" vert="horz" wrap="square" lIns="36576" tIns="18288" rIns="36576" bIns="18288" anchor="ctr" anchorCtr="1">
-      <a:spAutoFit/>
-    </cs:bodyPr>
-  </cs:dataLabelCallout>
-  <cs:dataPoint>
-    <cs:lnRef idx="0"/>
-    <cs:fillRef idx="1">
-      <cs:styleClr val="auto"/>
-    </cs:fillRef>
-    <cs:effectRef idx="0"/>
-    <cs:fontRef idx="minor">
-      <a:schemeClr val="tx1"/>
-    </cs:fontRef>
-  </cs:dataPoint>
-  <cs:dataPoint3D>
-    <cs:lnRef idx="0"/>
-    <cs:fillRef idx="1">
-      <cs:styleClr val="auto"/>
-    </cs:fillRef>
-    <cs:effectRef idx="0"/>
-    <cs:fontRef idx="minor">
-      <a:schemeClr val="tx1"/>
-    </cs:fontRef>
-  </cs:dataPoint3D>
-  <cs:dataPointLine>
-    <cs:lnRef idx="0">
-      <cs:styleClr val="auto"/>
-    </cs:lnRef>
-    <cs:fillRef idx="1"/>
-    <cs:effectRef idx="0"/>
-    <cs:fontRef idx="minor">
-      <a:schemeClr val="tx1"/>
-    </cs:fontRef>
-    <cs:spPr>
-      <a:ln w="28575" cap="rnd">
-        <a:solidFill>
-          <a:schemeClr val="phClr"/>
-        </a:solidFill>
-        <a:round/>
-      </a:ln>
-    </cs:spPr>
-  </cs:dataPointLine>
-  <cs:dataPointMarker>
-    <cs:lnRef idx="0">
-      <cs:styleClr val="auto"/>
-    </cs:lnRef>
-    <cs:fillRef idx="1">
-      <cs:styleClr val="auto"/>
-    </cs:fillRef>
-    <cs:effectRef idx="0"/>
-    <cs:fontRef idx="minor">
-      <a:schemeClr val="tx1"/>
-    </cs:fontRef>
-    <cs:spPr>
-      <a:ln w="9525">
-        <a:solidFill>
-          <a:schemeClr val="phClr"/>
-        </a:solidFill>
-      </a:ln>
-    </cs:spPr>
-  </cs:dataPointMarker>
-  <cs:dataPointMarkerLayout symbol="circle" size="5"/>
-  <cs:dataPointWireframe>
-    <cs:lnRef idx="0">
-      <cs:styleClr val="auto"/>
-    </cs:lnRef>
-    <cs:fillRef idx="1"/>
-    <cs:effectRef idx="0"/>
-    <cs:fontRef idx="minor">
-      <a:schemeClr val="tx1"/>
-    </cs:fontRef>
-    <cs:spPr>
-      <a:ln w="9525" cap="rnd">
-        <a:solidFill>
-          <a:schemeClr val="phClr"/>
-        </a:solidFill>
-        <a:round/>
-      </a:ln>
-    </cs:spPr>
-  </cs:dataPointWireframe>
-  <cs:dataTable>
-    <cs:lnRef idx="0"/>
-    <cs:fillRef idx="0"/>
-    <cs:effectRef idx="0"/>
-    <cs:fontRef idx="minor">
-      <a:schemeClr val="tx1">
-        <a:lumMod val="65000"/>
-        <a:lumOff val="35000"/>
-      </a:schemeClr>
-    </cs:fontRef>
-    <cs:spPr>
-      <a:noFill/>
-      <a:ln w="9525" cap="flat" cmpd="sng" algn="ctr">
-        <a:solidFill>
-          <a:schemeClr val="tx1">
-            <a:lumMod val="15000"/>
-            <a:lumOff val="85000"/>
-          </a:schemeClr>
-        </a:solidFill>
-        <a:round/>
-      </a:ln>
-    </cs:spPr>
-    <cs:defRPr sz="1197" kern="1200"/>
-  </cs:dataTable>
-  <cs:downBar>
-    <cs:lnRef idx="0"/>
-    <cs:fillRef idx="0"/>
-    <cs:effectRef idx="0"/>
-    <cs:fontRef idx="minor">
-      <a:schemeClr val="dk1"/>
-    </cs:fontRef>
-    <cs:spPr>
-      <a:solidFill>
-        <a:schemeClr val="dk1">
-          <a:lumMod val="65000"/>
-          <a:lumOff val="35000"/>
-        </a:schemeClr>
-      </a:solidFill>
-      <a:ln w="9525">
-        <a:solidFill>
-          <a:schemeClr val="tx1">
-            <a:lumMod val="65000"/>
-            <a:lumOff val="35000"/>
-          </a:schemeClr>
-        </a:solidFill>
-      </a:ln>
-    </cs:spPr>
-  </cs:downBar>
-  <cs:dropLine>
-    <cs:lnRef idx="0"/>
-    <cs:fillRef idx="0"/>
-    <cs:effectRef idx="0"/>
-    <cs:fontRef idx="minor">
-      <a:schemeClr val="tx1"/>
-    </cs:fontRef>
-    <cs:spPr>
-      <a:ln w="9525" cap="flat" cmpd="sng" algn="ctr">
-        <a:solidFill>
-          <a:schemeClr val="tx1">
-            <a:lumMod val="35000"/>
-            <a:lumOff val="65000"/>
-          </a:schemeClr>
-        </a:solidFill>
-        <a:round/>
-      </a:ln>
-    </cs:spPr>
-  </cs:dropLine>
-  <cs:errorBar>
-    <cs:lnRef idx="0"/>
-    <cs:fillRef idx="0"/>
-    <cs:effectRef idx="0"/>
-    <cs:fontRef idx="minor">
-      <a:schemeClr val="tx1"/>
-    </cs:fontRef>
-    <cs:spPr>
-      <a:ln w="9525" cap="flat" cmpd="sng" algn="ctr">
-        <a:solidFill>
-          <a:schemeClr val="tx1">
-            <a:lumMod val="65000"/>
-            <a:lumOff val="35000"/>
-          </a:schemeClr>
-        </a:solidFill>
-        <a:round/>
-      </a:ln>
-    </cs:spPr>
-  </cs:errorBar>
-  <cs:floor>
-    <cs:lnRef idx="0"/>
-    <cs:fillRef idx="0"/>
-    <cs:effectRef idx="0"/>
-    <cs:fontRef idx="minor">
-      <a:schemeClr val="tx1"/>
-    </cs:fontRef>
-    <cs:spPr>
-      <a:noFill/>
-      <a:ln>
-        <a:noFill/>
-      </a:ln>
-    </cs:spPr>
-  </cs:floor>
-  <cs:gridlineMajor>
-    <cs:lnRef idx="0"/>
-    <cs:fillRef idx="0"/>
-    <cs:effectRef idx="0"/>
-    <cs:fontRef idx="minor">
-      <a:schemeClr val="tx1"/>
-    </cs:fontRef>
-    <cs:spPr>
-      <a:ln w="9525" cap="flat" cmpd="sng" algn="ctr">
-        <a:solidFill>
-          <a:schemeClr val="tx1">
-            <a:lumMod val="15000"/>
-            <a:lumOff val="85000"/>
-          </a:schemeClr>
-        </a:solidFill>
-        <a:round/>
-      </a:ln>
-    </cs:spPr>
-  </cs:gridlineMajor>
-  <cs:gridlineMinor>
-    <cs:lnRef idx="0"/>
-    <cs:fillRef idx="0"/>
-    <cs:effectRef idx="0"/>
-    <cs:fontRef idx="minor">
-      <a:schemeClr val="tx1"/>
-    </cs:fontRef>
-    <cs:spPr>
-      <a:ln w="9525" cap="flat" cmpd="sng" algn="ctr">
-        <a:solidFill>
-          <a:schemeClr val="tx1">
-            <a:lumMod val="5000"/>
-            <a:lumOff val="95000"/>
-          </a:schemeClr>
-        </a:solidFill>
-        <a:round/>
-      </a:ln>
-    </cs:spPr>
-  </cs:gridlineMinor>
-  <cs:hiLoLine>
-    <cs:lnRef idx="0"/>
-    <cs:fillRef idx="0"/>
-    <cs:effectRef idx="0"/>
-    <cs:fontRef idx="minor">
-      <a:schemeClr val="tx1"/>
-    </cs:fontRef>
-    <cs:spPr>
-      <a:ln w="9525" cap="flat" cmpd="sng" algn="ctr">
-        <a:solidFill>
-          <a:schemeClr val="tx1">
-            <a:lumMod val="75000"/>
-            <a:lumOff val="25000"/>
-          </a:schemeClr>
-        </a:solidFill>
-        <a:round/>
-      </a:ln>
-    </cs:spPr>
-  </cs:hiLoLine>
-  <cs:leaderLine>
-    <cs:lnRef idx="0"/>
-    <cs:fillRef idx="0"/>
-    <cs:effectRef idx="0"/>
-    <cs:fontRef idx="minor">
-      <a:schemeClr val="tx1"/>
-    </cs:fontRef>
-    <cs:spPr>
-      <a:ln w="9525" cap="flat" cmpd="sng" algn="ctr">
-        <a:solidFill>
-          <a:schemeClr val="tx1">
-            <a:lumMod val="35000"/>
-            <a:lumOff val="65000"/>
-          </a:schemeClr>
-        </a:solidFill>
-        <a:round/>
-      </a:ln>
-    </cs:spPr>
-  </cs:leaderLine>
-  <cs:legend>
-    <cs:lnRef idx="0"/>
-    <cs:fillRef idx="0"/>
-    <cs:effectRef idx="0"/>
-    <cs:fontRef idx="minor">
-      <a:schemeClr val="tx1">
-        <a:lumMod val="65000"/>
-        <a:lumOff val="35000"/>
-      </a:schemeClr>
-    </cs:fontRef>
-    <cs:defRPr sz="1197" kern="1200"/>
-  </cs:legend>
-  <cs:plotArea mods="allowNoFillOverride allowNoLineOverride">
-    <cs:lnRef idx="0"/>
-    <cs:fillRef idx="0"/>
-    <cs:effectRef idx="0"/>
-    <cs:fontRef idx="minor">
-      <a:schemeClr val="tx1"/>
-    </cs:fontRef>
-  </cs:plotArea>
-  <cs:plotArea3D mods="allowNoFillOverride allowNoLineOverride">
-    <cs:lnRef idx="0"/>
-    <cs:fillRef idx="0"/>
-    <cs:effectRef idx="0"/>
-    <cs:fontRef idx="minor">
-      <a:schemeClr val="tx1"/>
-    </cs:fontRef>
-  </cs:plotArea3D>
-  <cs:seriesAxis>
-    <cs:lnRef idx="0"/>
-    <cs:fillRef idx="0"/>
-    <cs:effectRef idx="0"/>
-    <cs:fontRef idx="minor">
-      <a:schemeClr val="tx1">
-        <a:lumMod val="65000"/>
-        <a:lumOff val="35000"/>
-      </a:schemeClr>
-    </cs:fontRef>
-    <cs:defRPr sz="1197" kern="1200"/>
-  </cs:seriesAxis>
-  <cs:seriesLine>
-    <cs:lnRef idx="0"/>
-    <cs:fillRef idx="0"/>
-    <cs:effectRef idx="0"/>
-    <cs:fontRef idx="minor">
-      <a:schemeClr val="tx1"/>
-    </cs:fontRef>
-    <cs:spPr>
-      <a:ln w="9525" cap="flat" cmpd="sng" algn="ctr">
-        <a:solidFill>
-          <a:schemeClr val="tx1">
-            <a:lumMod val="35000"/>
-            <a:lumOff val="65000"/>
-          </a:schemeClr>
-        </a:solidFill>
-        <a:round/>
-      </a:ln>
-    </cs:spPr>
-  </cs:seriesLine>
-  <cs:title>
-    <cs:lnRef idx="0"/>
-    <cs:fillRef idx="0"/>
-    <cs:effectRef idx="0"/>
-    <cs:fontRef idx="minor">
-      <a:schemeClr val="tx1">
-        <a:lumMod val="65000"/>
-        <a:lumOff val="35000"/>
-      </a:schemeClr>
-    </cs:fontRef>
-    <cs:defRPr sz="1862" b="0" kern="1200" spc="0" baseline="0"/>
-  </cs:title>
-  <cs:trendline>
-    <cs:lnRef idx="0">
-      <cs:styleClr val="auto"/>
-    </cs:lnRef>
-    <cs:fillRef idx="0"/>
-    <cs:effectRef idx="0"/>
-    <cs:fontRef idx="minor">
-      <a:schemeClr val="tx1"/>
-    </cs:fontRef>
-    <cs:spPr>
-      <a:ln w="19050" cap="rnd">
-        <a:solidFill>
-          <a:schemeClr val="phClr"/>
-        </a:solidFill>
-        <a:prstDash val="sysDot"/>
-      </a:ln>
-    </cs:spPr>
-  </cs:trendline>
-  <cs:trendlineLabel>
-    <cs:lnRef idx="0"/>
-    <cs:fillRef idx="0"/>
-    <cs:effectRef idx="0"/>
-    <cs:fontRef idx="minor">
-      <a:schemeClr val="tx1">
-        <a:lumMod val="65000"/>
-        <a:lumOff val="35000"/>
-      </a:schemeClr>
-    </cs:fontRef>
-    <cs:defRPr sz="1197" kern="1200"/>
-  </cs:trendlineLabel>
-  <cs:upBar>
-    <cs:lnRef idx="0"/>
-    <cs:fillRef idx="0"/>
-    <cs:effectRef idx="0"/>
-    <cs:fontRef idx="minor">
-      <a:schemeClr val="dk1"/>
-    </cs:fontRef>
-    <cs:spPr>
-      <a:solidFill>
-        <a:schemeClr val="lt1"/>
-      </a:solidFill>
-      <a:ln w="9525">
-        <a:solidFill>
-          <a:schemeClr val="tx1">
-            <a:lumMod val="15000"/>
-            <a:lumOff val="85000"/>
-          </a:schemeClr>
-        </a:solidFill>
-      </a:ln>
-    </cs:spPr>
-  </cs:upBar>
-  <cs:valueAxis>
-    <cs:lnRef idx="0"/>
-    <cs:fillRef idx="0"/>
-    <cs:effectRef idx="0"/>
-    <cs:fontRef idx="minor">
-      <a:schemeClr val="tx1">
-        <a:lumMod val="65000"/>
-        <a:lumOff val="35000"/>
-      </a:schemeClr>
-    </cs:fontRef>
-    <cs:defRPr sz="1197" kern="1200"/>
-  </cs:valueAxis>
-  <cs:wall>
-    <cs:lnRef idx="0"/>
-    <cs:fillRef idx="0"/>
-    <cs:effectRef idx="0"/>
-    <cs:fontRef idx="minor">
-      <a:schemeClr val="tx1"/>
-    </cs:fontRef>
-    <cs:spPr>
-      <a:noFill/>
-      <a:ln>
-        <a:noFill/>
-      </a:ln>
-    </cs:spPr>
-  </cs:wall>
-</cs:chartStyle>
 </file>
 
 <file path=ppt/handoutMasters/handoutMaster1.xml><?xml version="1.0" encoding="utf-8"?>
@@ -5319,6 +4407,222 @@
               <a:tabLst/>
               <a:defRPr/>
             </a:pPr>
+            <a:r>
+              <a:rPr lang="en-US" dirty="0" err="1" smtClean="0"/>
+              <a:t>kondisi</a:t>
+            </a:r>
+            <a:r>
+              <a:rPr lang="en-US" dirty="0" smtClean="0"/>
+              <a:t> </a:t>
+            </a:r>
+            <a:r>
+              <a:rPr lang="en-US" dirty="0" err="1" smtClean="0"/>
+              <a:t>pengoperasian</a:t>
+            </a:r>
+            <a:r>
+              <a:rPr lang="en-US" dirty="0" smtClean="0"/>
+              <a:t> </a:t>
+            </a:r>
+            <a:r>
+              <a:rPr lang="en-US" dirty="0" err="1" smtClean="0"/>
+              <a:t>dari</a:t>
+            </a:r>
+            <a:r>
+              <a:rPr lang="en-US" dirty="0" smtClean="0"/>
+              <a:t> </a:t>
+            </a:r>
+            <a:r>
+              <a:rPr lang="en-US" dirty="0" err="1" smtClean="0"/>
+              <a:t>suatu</a:t>
+            </a:r>
+            <a:r>
+              <a:rPr lang="en-US" dirty="0" smtClean="0"/>
+              <a:t> </a:t>
+            </a:r>
+            <a:r>
+              <a:rPr lang="en-US" dirty="0" err="1" smtClean="0"/>
+              <a:t>sistem</a:t>
+            </a:r>
+            <a:r>
+              <a:rPr lang="en-US" dirty="0" smtClean="0"/>
+              <a:t> </a:t>
+            </a:r>
+            <a:r>
+              <a:rPr lang="en-US" dirty="0" err="1" smtClean="0"/>
+              <a:t>perangkat</a:t>
+            </a:r>
+            <a:r>
+              <a:rPr lang="en-US" dirty="0" smtClean="0"/>
+              <a:t> </a:t>
+            </a:r>
+            <a:r>
+              <a:rPr lang="en-US" dirty="0" err="1" smtClean="0"/>
+              <a:t>keras</a:t>
+            </a:r>
+            <a:r>
+              <a:rPr lang="en-US" dirty="0" smtClean="0"/>
+              <a:t> </a:t>
+            </a:r>
+            <a:r>
+              <a:rPr lang="en-US" dirty="0" err="1" smtClean="0"/>
+              <a:t>dan</a:t>
+            </a:r>
+            <a:r>
+              <a:rPr lang="en-US" dirty="0" smtClean="0"/>
+              <a:t> </a:t>
+            </a:r>
+            <a:r>
+              <a:rPr lang="en-US" dirty="0" err="1" smtClean="0"/>
+              <a:t>perangkat</a:t>
+            </a:r>
+            <a:r>
+              <a:rPr lang="en-US" dirty="0" smtClean="0"/>
+              <a:t> </a:t>
+            </a:r>
+            <a:r>
+              <a:rPr lang="en-US" dirty="0" err="1" smtClean="0"/>
+              <a:t>lunak</a:t>
+            </a:r>
+            <a:r>
+              <a:rPr lang="en-US" dirty="0" smtClean="0"/>
+              <a:t> yang </a:t>
+            </a:r>
+            <a:r>
+              <a:rPr lang="en-US" dirty="0" err="1" smtClean="0"/>
+              <a:t>dibatasi</a:t>
+            </a:r>
+            <a:r>
+              <a:rPr lang="en-US" dirty="0" smtClean="0"/>
+              <a:t> </a:t>
+            </a:r>
+            <a:r>
+              <a:rPr lang="en-US" dirty="0" err="1" smtClean="0"/>
+              <a:t>oleh</a:t>
+            </a:r>
+            <a:r>
+              <a:rPr lang="en-US" dirty="0" smtClean="0"/>
+              <a:t> </a:t>
+            </a:r>
+            <a:r>
+              <a:rPr lang="en-US" dirty="0" err="1" smtClean="0"/>
+              <a:t>rentang</a:t>
+            </a:r>
+            <a:r>
+              <a:rPr lang="en-US" dirty="0" smtClean="0"/>
+              <a:t> </a:t>
+            </a:r>
+            <a:r>
+              <a:rPr lang="en-US" dirty="0" err="1" smtClean="0"/>
+              <a:t>waktu</a:t>
+            </a:r>
+            <a:r>
+              <a:rPr lang="en-US" dirty="0" smtClean="0"/>
+              <a:t> </a:t>
+            </a:r>
+            <a:r>
+              <a:rPr lang="en-US" dirty="0" err="1" smtClean="0"/>
+              <a:t>dan</a:t>
+            </a:r>
+            <a:r>
+              <a:rPr lang="en-US" dirty="0" smtClean="0"/>
+              <a:t> </a:t>
+            </a:r>
+            <a:r>
+              <a:rPr lang="en-US" dirty="0" err="1" smtClean="0"/>
+              <a:t>memiliki</a:t>
+            </a:r>
+            <a:r>
+              <a:rPr lang="en-US" dirty="0" smtClean="0"/>
+              <a:t> </a:t>
+            </a:r>
+            <a:r>
+              <a:rPr lang="en-US" dirty="0" err="1" smtClean="0"/>
+              <a:t>tenggat</a:t>
+            </a:r>
+            <a:r>
+              <a:rPr lang="en-US" dirty="0" smtClean="0"/>
+              <a:t> </a:t>
+            </a:r>
+            <a:r>
+              <a:rPr lang="en-US" dirty="0" err="1" smtClean="0"/>
+              <a:t>waktu</a:t>
+            </a:r>
+            <a:r>
+              <a:rPr lang="en-US" dirty="0" smtClean="0"/>
+              <a:t> (deadline) yang </a:t>
+            </a:r>
+            <a:r>
+              <a:rPr lang="en-US" dirty="0" err="1" smtClean="0"/>
+              <a:t>jelas</a:t>
+            </a:r>
+            <a:r>
+              <a:rPr lang="en-US" dirty="0" smtClean="0"/>
+              <a:t>, </a:t>
+            </a:r>
+            <a:r>
+              <a:rPr lang="en-US" dirty="0" err="1" smtClean="0"/>
+              <a:t>relatif</a:t>
+            </a:r>
+            <a:r>
+              <a:rPr lang="en-US" dirty="0" smtClean="0"/>
+              <a:t> </a:t>
+            </a:r>
+            <a:r>
+              <a:rPr lang="en-US" dirty="0" err="1" smtClean="0"/>
+              <a:t>terhadap</a:t>
+            </a:r>
+            <a:r>
+              <a:rPr lang="en-US" dirty="0" smtClean="0"/>
+              <a:t> </a:t>
+            </a:r>
+            <a:r>
+              <a:rPr lang="en-US" dirty="0" err="1" smtClean="0"/>
+              <a:t>waktu</a:t>
+            </a:r>
+            <a:r>
+              <a:rPr lang="en-US" dirty="0" smtClean="0"/>
+              <a:t> </a:t>
+            </a:r>
+            <a:r>
+              <a:rPr lang="en-US" dirty="0" err="1" smtClean="0"/>
+              <a:t>suatu</a:t>
+            </a:r>
+            <a:r>
+              <a:rPr lang="en-US" dirty="0" smtClean="0"/>
+              <a:t> </a:t>
+            </a:r>
+            <a:r>
+              <a:rPr lang="en-US" dirty="0" err="1" smtClean="0"/>
+              <a:t>peristiwa</a:t>
+            </a:r>
+            <a:r>
+              <a:rPr lang="en-US" dirty="0" smtClean="0"/>
+              <a:t> </a:t>
+            </a:r>
+            <a:r>
+              <a:rPr lang="en-US" dirty="0" err="1" smtClean="0"/>
+              <a:t>atau</a:t>
+            </a:r>
+            <a:r>
+              <a:rPr lang="en-US" dirty="0" smtClean="0"/>
+              <a:t> </a:t>
+            </a:r>
+            <a:r>
+              <a:rPr lang="en-US" dirty="0" err="1" smtClean="0"/>
+              <a:t>operasi</a:t>
+            </a:r>
+            <a:r>
+              <a:rPr lang="en-US" dirty="0" smtClean="0"/>
+              <a:t> </a:t>
+            </a:r>
+            <a:r>
+              <a:rPr lang="en-US" dirty="0" err="1" smtClean="0"/>
+              <a:t>terjadi</a:t>
+            </a:r>
+            <a:r>
+              <a:rPr lang="en-US" dirty="0" smtClean="0"/>
+              <a:t>.</a:t>
+            </a:r>
             <a:endParaRPr lang="en-US" sz="1200" kern="1200" dirty="0" smtClean="0">
               <a:solidFill>
                 <a:schemeClr val="tx1"/>
@@ -5358,6 +4662,1186 @@
     <p:extLst>
       <p:ext uri="{BB962C8B-B14F-4D97-AF65-F5344CB8AC3E}">
         <p14:creationId xmlns:p14="http://schemas.microsoft.com/office/powerpoint/2010/main" val="757233079"/>
+      </p:ext>
+    </p:extLst>
+  </p:cSld>
+  <p:clrMapOvr>
+    <a:masterClrMapping/>
+  </p:clrMapOvr>
+</p:notes>
+</file>
+
+<file path=ppt/notesSlides/notesSlide21.xml><?xml version="1.0" encoding="utf-8"?>
+<p:notes xmlns:a="http://schemas.openxmlformats.org/drawingml/2006/main" xmlns:r="http://schemas.openxmlformats.org/officeDocument/2006/relationships" xmlns:p="http://schemas.openxmlformats.org/presentationml/2006/main">
+  <p:cSld>
+    <p:spTree>
+      <p:nvGrpSpPr>
+        <p:cNvPr id="1" name=""/>
+        <p:cNvGrpSpPr/>
+        <p:nvPr/>
+      </p:nvGrpSpPr>
+      <p:grpSpPr>
+        <a:xfrm>
+          <a:off x="0" y="0"/>
+          <a:ext cx="0" cy="0"/>
+          <a:chOff x="0" y="0"/>
+          <a:chExt cx="0" cy="0"/>
+        </a:xfrm>
+      </p:grpSpPr>
+      <p:sp>
+        <p:nvSpPr>
+          <p:cNvPr id="2" name="Slide Image Placeholder 1"/>
+          <p:cNvSpPr>
+            <a:spLocks noGrp="1" noRot="1" noChangeAspect="1"/>
+          </p:cNvSpPr>
+          <p:nvPr>
+            <p:ph type="sldImg"/>
+          </p:nvPr>
+        </p:nvSpPr>
+        <p:spPr/>
+      </p:sp>
+      <p:sp>
+        <p:nvSpPr>
+          <p:cNvPr id="3" name="Notes Placeholder 2"/>
+          <p:cNvSpPr>
+            <a:spLocks noGrp="1"/>
+          </p:cNvSpPr>
+          <p:nvPr>
+            <p:ph type="body" idx="1"/>
+          </p:nvPr>
+        </p:nvSpPr>
+        <p:spPr/>
+        <p:txBody>
+          <a:bodyPr/>
+          <a:lstStyle/>
+          <a:p>
+            <a:pPr marL="0" marR="0" indent="0" algn="l" defTabSz="914400" rtl="0" eaLnBrk="1" fontAlgn="auto" latinLnBrk="0" hangingPunct="1">
+              <a:lnSpc>
+                <a:spcPct val="100000"/>
+              </a:lnSpc>
+              <a:spcBef>
+                <a:spcPts val="0"/>
+              </a:spcBef>
+              <a:spcAft>
+                <a:spcPts val="0"/>
+              </a:spcAft>
+              <a:buClrTx/>
+              <a:buSzTx/>
+              <a:buFontTx/>
+              <a:buNone/>
+              <a:tabLst/>
+              <a:defRPr/>
+            </a:pPr>
+            <a:r>
+              <a:rPr lang="en-US" dirty="0" err="1" smtClean="0"/>
+              <a:t>kondisi</a:t>
+            </a:r>
+            <a:r>
+              <a:rPr lang="en-US" dirty="0" smtClean="0"/>
+              <a:t> </a:t>
+            </a:r>
+            <a:r>
+              <a:rPr lang="en-US" dirty="0" err="1" smtClean="0"/>
+              <a:t>pengoperasian</a:t>
+            </a:r>
+            <a:r>
+              <a:rPr lang="en-US" dirty="0" smtClean="0"/>
+              <a:t> </a:t>
+            </a:r>
+            <a:r>
+              <a:rPr lang="en-US" dirty="0" err="1" smtClean="0"/>
+              <a:t>dari</a:t>
+            </a:r>
+            <a:r>
+              <a:rPr lang="en-US" dirty="0" smtClean="0"/>
+              <a:t> </a:t>
+            </a:r>
+            <a:r>
+              <a:rPr lang="en-US" dirty="0" err="1" smtClean="0"/>
+              <a:t>suatu</a:t>
+            </a:r>
+            <a:r>
+              <a:rPr lang="en-US" dirty="0" smtClean="0"/>
+              <a:t> </a:t>
+            </a:r>
+            <a:r>
+              <a:rPr lang="en-US" dirty="0" err="1" smtClean="0"/>
+              <a:t>sistem</a:t>
+            </a:r>
+            <a:r>
+              <a:rPr lang="en-US" dirty="0" smtClean="0"/>
+              <a:t> </a:t>
+            </a:r>
+            <a:r>
+              <a:rPr lang="en-US" dirty="0" err="1" smtClean="0"/>
+              <a:t>perangkat</a:t>
+            </a:r>
+            <a:r>
+              <a:rPr lang="en-US" dirty="0" smtClean="0"/>
+              <a:t> </a:t>
+            </a:r>
+            <a:r>
+              <a:rPr lang="en-US" dirty="0" err="1" smtClean="0"/>
+              <a:t>keras</a:t>
+            </a:r>
+            <a:r>
+              <a:rPr lang="en-US" dirty="0" smtClean="0"/>
+              <a:t> </a:t>
+            </a:r>
+            <a:r>
+              <a:rPr lang="en-US" dirty="0" err="1" smtClean="0"/>
+              <a:t>dan</a:t>
+            </a:r>
+            <a:r>
+              <a:rPr lang="en-US" dirty="0" smtClean="0"/>
+              <a:t> </a:t>
+            </a:r>
+            <a:r>
+              <a:rPr lang="en-US" dirty="0" err="1" smtClean="0"/>
+              <a:t>perangkat</a:t>
+            </a:r>
+            <a:r>
+              <a:rPr lang="en-US" dirty="0" smtClean="0"/>
+              <a:t> </a:t>
+            </a:r>
+            <a:r>
+              <a:rPr lang="en-US" dirty="0" err="1" smtClean="0"/>
+              <a:t>lunak</a:t>
+            </a:r>
+            <a:r>
+              <a:rPr lang="en-US" dirty="0" smtClean="0"/>
+              <a:t> yang </a:t>
+            </a:r>
+            <a:r>
+              <a:rPr lang="en-US" dirty="0" err="1" smtClean="0"/>
+              <a:t>dibatasi</a:t>
+            </a:r>
+            <a:r>
+              <a:rPr lang="en-US" dirty="0" smtClean="0"/>
+              <a:t> </a:t>
+            </a:r>
+            <a:r>
+              <a:rPr lang="en-US" dirty="0" err="1" smtClean="0"/>
+              <a:t>oleh</a:t>
+            </a:r>
+            <a:r>
+              <a:rPr lang="en-US" dirty="0" smtClean="0"/>
+              <a:t> </a:t>
+            </a:r>
+            <a:r>
+              <a:rPr lang="en-US" dirty="0" err="1" smtClean="0"/>
+              <a:t>rentang</a:t>
+            </a:r>
+            <a:r>
+              <a:rPr lang="en-US" dirty="0" smtClean="0"/>
+              <a:t> </a:t>
+            </a:r>
+            <a:r>
+              <a:rPr lang="en-US" dirty="0" err="1" smtClean="0"/>
+              <a:t>waktu</a:t>
+            </a:r>
+            <a:r>
+              <a:rPr lang="en-US" dirty="0" smtClean="0"/>
+              <a:t> </a:t>
+            </a:r>
+            <a:r>
+              <a:rPr lang="en-US" dirty="0" err="1" smtClean="0"/>
+              <a:t>dan</a:t>
+            </a:r>
+            <a:r>
+              <a:rPr lang="en-US" dirty="0" smtClean="0"/>
+              <a:t> </a:t>
+            </a:r>
+            <a:r>
+              <a:rPr lang="en-US" dirty="0" err="1" smtClean="0"/>
+              <a:t>memiliki</a:t>
+            </a:r>
+            <a:r>
+              <a:rPr lang="en-US" dirty="0" smtClean="0"/>
+              <a:t> </a:t>
+            </a:r>
+            <a:r>
+              <a:rPr lang="en-US" dirty="0" err="1" smtClean="0"/>
+              <a:t>tenggat</a:t>
+            </a:r>
+            <a:r>
+              <a:rPr lang="en-US" dirty="0" smtClean="0"/>
+              <a:t> </a:t>
+            </a:r>
+            <a:r>
+              <a:rPr lang="en-US" dirty="0" err="1" smtClean="0"/>
+              <a:t>waktu</a:t>
+            </a:r>
+            <a:r>
+              <a:rPr lang="en-US" dirty="0" smtClean="0"/>
+              <a:t> (deadline) yang </a:t>
+            </a:r>
+            <a:r>
+              <a:rPr lang="en-US" dirty="0" err="1" smtClean="0"/>
+              <a:t>jelas</a:t>
+            </a:r>
+            <a:r>
+              <a:rPr lang="en-US" dirty="0" smtClean="0"/>
+              <a:t>, </a:t>
+            </a:r>
+            <a:r>
+              <a:rPr lang="en-US" dirty="0" err="1" smtClean="0"/>
+              <a:t>relatif</a:t>
+            </a:r>
+            <a:r>
+              <a:rPr lang="en-US" dirty="0" smtClean="0"/>
+              <a:t> </a:t>
+            </a:r>
+            <a:r>
+              <a:rPr lang="en-US" dirty="0" err="1" smtClean="0"/>
+              <a:t>terhadap</a:t>
+            </a:r>
+            <a:r>
+              <a:rPr lang="en-US" dirty="0" smtClean="0"/>
+              <a:t> </a:t>
+            </a:r>
+            <a:r>
+              <a:rPr lang="en-US" dirty="0" err="1" smtClean="0"/>
+              <a:t>waktu</a:t>
+            </a:r>
+            <a:r>
+              <a:rPr lang="en-US" dirty="0" smtClean="0"/>
+              <a:t> </a:t>
+            </a:r>
+            <a:r>
+              <a:rPr lang="en-US" dirty="0" err="1" smtClean="0"/>
+              <a:t>suatu</a:t>
+            </a:r>
+            <a:r>
+              <a:rPr lang="en-US" dirty="0" smtClean="0"/>
+              <a:t> </a:t>
+            </a:r>
+            <a:r>
+              <a:rPr lang="en-US" dirty="0" err="1" smtClean="0"/>
+              <a:t>peristiwa</a:t>
+            </a:r>
+            <a:r>
+              <a:rPr lang="en-US" dirty="0" smtClean="0"/>
+              <a:t> </a:t>
+            </a:r>
+            <a:r>
+              <a:rPr lang="en-US" dirty="0" err="1" smtClean="0"/>
+              <a:t>atau</a:t>
+            </a:r>
+            <a:r>
+              <a:rPr lang="en-US" dirty="0" smtClean="0"/>
+              <a:t> </a:t>
+            </a:r>
+            <a:r>
+              <a:rPr lang="en-US" dirty="0" err="1" smtClean="0"/>
+              <a:t>operasi</a:t>
+            </a:r>
+            <a:r>
+              <a:rPr lang="en-US" dirty="0" smtClean="0"/>
+              <a:t> </a:t>
+            </a:r>
+            <a:r>
+              <a:rPr lang="en-US" dirty="0" err="1" smtClean="0"/>
+              <a:t>terjadi</a:t>
+            </a:r>
+            <a:r>
+              <a:rPr lang="en-US" dirty="0" smtClean="0"/>
+              <a:t>.</a:t>
+            </a:r>
+            <a:endParaRPr lang="en-US" sz="1200" kern="1200" dirty="0" smtClean="0">
+              <a:solidFill>
+                <a:schemeClr val="tx1"/>
+              </a:solidFill>
+              <a:effectLst/>
+              <a:latin typeface="+mn-lt"/>
+              <a:ea typeface="+mn-ea"/>
+              <a:cs typeface="+mn-cs"/>
+            </a:endParaRPr>
+          </a:p>
+        </p:txBody>
+      </p:sp>
+      <p:sp>
+        <p:nvSpPr>
+          <p:cNvPr id="4" name="Slide Number Placeholder 3"/>
+          <p:cNvSpPr>
+            <a:spLocks noGrp="1"/>
+          </p:cNvSpPr>
+          <p:nvPr>
+            <p:ph type="sldNum" sz="quarter" idx="10"/>
+          </p:nvPr>
+        </p:nvSpPr>
+        <p:spPr/>
+        <p:txBody>
+          <a:bodyPr/>
+          <a:lstStyle/>
+          <a:p>
+            <a:fld id="{1734D747-9380-41EE-9946-EC9EC0CA5D1E}" type="slidenum">
+              <a:rPr lang="en-GB" smtClean="0"/>
+              <a:t>22</a:t>
+            </a:fld>
+            <a:endParaRPr lang="en-GB" dirty="0"/>
+          </a:p>
+        </p:txBody>
+      </p:sp>
+    </p:spTree>
+    <p:extLst>
+      <p:ext uri="{BB962C8B-B14F-4D97-AF65-F5344CB8AC3E}">
+        <p14:creationId xmlns:p14="http://schemas.microsoft.com/office/powerpoint/2010/main" val="3183342654"/>
+      </p:ext>
+    </p:extLst>
+  </p:cSld>
+  <p:clrMapOvr>
+    <a:masterClrMapping/>
+  </p:clrMapOvr>
+</p:notes>
+</file>
+
+<file path=ppt/notesSlides/notesSlide22.xml><?xml version="1.0" encoding="utf-8"?>
+<p:notes xmlns:a="http://schemas.openxmlformats.org/drawingml/2006/main" xmlns:r="http://schemas.openxmlformats.org/officeDocument/2006/relationships" xmlns:p="http://schemas.openxmlformats.org/presentationml/2006/main">
+  <p:cSld>
+    <p:spTree>
+      <p:nvGrpSpPr>
+        <p:cNvPr id="1" name=""/>
+        <p:cNvGrpSpPr/>
+        <p:nvPr/>
+      </p:nvGrpSpPr>
+      <p:grpSpPr>
+        <a:xfrm>
+          <a:off x="0" y="0"/>
+          <a:ext cx="0" cy="0"/>
+          <a:chOff x="0" y="0"/>
+          <a:chExt cx="0" cy="0"/>
+        </a:xfrm>
+      </p:grpSpPr>
+      <p:sp>
+        <p:nvSpPr>
+          <p:cNvPr id="2" name="Slide Image Placeholder 1"/>
+          <p:cNvSpPr>
+            <a:spLocks noGrp="1" noRot="1" noChangeAspect="1"/>
+          </p:cNvSpPr>
+          <p:nvPr>
+            <p:ph type="sldImg"/>
+          </p:nvPr>
+        </p:nvSpPr>
+        <p:spPr/>
+      </p:sp>
+      <p:sp>
+        <p:nvSpPr>
+          <p:cNvPr id="3" name="Notes Placeholder 2"/>
+          <p:cNvSpPr>
+            <a:spLocks noGrp="1"/>
+          </p:cNvSpPr>
+          <p:nvPr>
+            <p:ph type="body" idx="1"/>
+          </p:nvPr>
+        </p:nvSpPr>
+        <p:spPr/>
+        <p:txBody>
+          <a:bodyPr/>
+          <a:lstStyle/>
+          <a:p>
+            <a:pPr marL="0" marR="0" indent="0" algn="l" defTabSz="914400" rtl="0" eaLnBrk="1" fontAlgn="auto" latinLnBrk="0" hangingPunct="1">
+              <a:lnSpc>
+                <a:spcPct val="100000"/>
+              </a:lnSpc>
+              <a:spcBef>
+                <a:spcPts val="0"/>
+              </a:spcBef>
+              <a:spcAft>
+                <a:spcPts val="0"/>
+              </a:spcAft>
+              <a:buClrTx/>
+              <a:buSzTx/>
+              <a:buFontTx/>
+              <a:buNone/>
+              <a:tabLst/>
+              <a:defRPr/>
+            </a:pPr>
+            <a:endParaRPr lang="en-US" sz="1200" kern="1200" dirty="0" smtClean="0">
+              <a:solidFill>
+                <a:schemeClr val="tx1"/>
+              </a:solidFill>
+              <a:effectLst/>
+              <a:latin typeface="+mn-lt"/>
+              <a:ea typeface="+mn-ea"/>
+              <a:cs typeface="+mn-cs"/>
+            </a:endParaRPr>
+          </a:p>
+        </p:txBody>
+      </p:sp>
+      <p:sp>
+        <p:nvSpPr>
+          <p:cNvPr id="4" name="Slide Number Placeholder 3"/>
+          <p:cNvSpPr>
+            <a:spLocks noGrp="1"/>
+          </p:cNvSpPr>
+          <p:nvPr>
+            <p:ph type="sldNum" sz="quarter" idx="10"/>
+          </p:nvPr>
+        </p:nvSpPr>
+        <p:spPr/>
+        <p:txBody>
+          <a:bodyPr/>
+          <a:lstStyle/>
+          <a:p>
+            <a:fld id="{1734D747-9380-41EE-9946-EC9EC0CA5D1E}" type="slidenum">
+              <a:rPr lang="en-GB" smtClean="0"/>
+              <a:t>23</a:t>
+            </a:fld>
+            <a:endParaRPr lang="en-GB" dirty="0"/>
+          </a:p>
+        </p:txBody>
+      </p:sp>
+    </p:spTree>
+    <p:extLst>
+      <p:ext uri="{BB962C8B-B14F-4D97-AF65-F5344CB8AC3E}">
+        <p14:creationId xmlns:p14="http://schemas.microsoft.com/office/powerpoint/2010/main" val="1505046554"/>
+      </p:ext>
+    </p:extLst>
+  </p:cSld>
+  <p:clrMapOvr>
+    <a:masterClrMapping/>
+  </p:clrMapOvr>
+</p:notes>
+</file>
+
+<file path=ppt/notesSlides/notesSlide23.xml><?xml version="1.0" encoding="utf-8"?>
+<p:notes xmlns:a="http://schemas.openxmlformats.org/drawingml/2006/main" xmlns:r="http://schemas.openxmlformats.org/officeDocument/2006/relationships" xmlns:p="http://schemas.openxmlformats.org/presentationml/2006/main">
+  <p:cSld>
+    <p:spTree>
+      <p:nvGrpSpPr>
+        <p:cNvPr id="1" name=""/>
+        <p:cNvGrpSpPr/>
+        <p:nvPr/>
+      </p:nvGrpSpPr>
+      <p:grpSpPr>
+        <a:xfrm>
+          <a:off x="0" y="0"/>
+          <a:ext cx="0" cy="0"/>
+          <a:chOff x="0" y="0"/>
+          <a:chExt cx="0" cy="0"/>
+        </a:xfrm>
+      </p:grpSpPr>
+      <p:sp>
+        <p:nvSpPr>
+          <p:cNvPr id="2" name="Slide Image Placeholder 1"/>
+          <p:cNvSpPr>
+            <a:spLocks noGrp="1" noRot="1" noChangeAspect="1"/>
+          </p:cNvSpPr>
+          <p:nvPr>
+            <p:ph type="sldImg"/>
+          </p:nvPr>
+        </p:nvSpPr>
+        <p:spPr/>
+      </p:sp>
+      <p:sp>
+        <p:nvSpPr>
+          <p:cNvPr id="3" name="Notes Placeholder 2"/>
+          <p:cNvSpPr>
+            <a:spLocks noGrp="1"/>
+          </p:cNvSpPr>
+          <p:nvPr>
+            <p:ph type="body" idx="1"/>
+          </p:nvPr>
+        </p:nvSpPr>
+        <p:spPr/>
+        <p:txBody>
+          <a:bodyPr/>
+          <a:lstStyle/>
+          <a:p>
+            <a:endParaRPr lang="en-US" sz="1200" kern="1200" dirty="0">
+              <a:solidFill>
+                <a:schemeClr val="tx1"/>
+              </a:solidFill>
+              <a:effectLst/>
+              <a:latin typeface="+mn-lt"/>
+              <a:ea typeface="+mn-ea"/>
+              <a:cs typeface="+mn-cs"/>
+            </a:endParaRPr>
+          </a:p>
+        </p:txBody>
+      </p:sp>
+      <p:sp>
+        <p:nvSpPr>
+          <p:cNvPr id="4" name="Slide Number Placeholder 3"/>
+          <p:cNvSpPr>
+            <a:spLocks noGrp="1"/>
+          </p:cNvSpPr>
+          <p:nvPr>
+            <p:ph type="sldNum" sz="quarter" idx="10"/>
+          </p:nvPr>
+        </p:nvSpPr>
+        <p:spPr/>
+        <p:txBody>
+          <a:bodyPr/>
+          <a:lstStyle/>
+          <a:p>
+            <a:fld id="{1734D747-9380-41EE-9946-EC9EC0CA5D1E}" type="slidenum">
+              <a:rPr lang="en-GB" smtClean="0"/>
+              <a:t>24</a:t>
+            </a:fld>
+            <a:endParaRPr lang="en-GB" dirty="0"/>
+          </a:p>
+        </p:txBody>
+      </p:sp>
+    </p:spTree>
+    <p:extLst>
+      <p:ext uri="{BB962C8B-B14F-4D97-AF65-F5344CB8AC3E}">
+        <p14:creationId xmlns:p14="http://schemas.microsoft.com/office/powerpoint/2010/main" val="3372054515"/>
+      </p:ext>
+    </p:extLst>
+  </p:cSld>
+  <p:clrMapOvr>
+    <a:masterClrMapping/>
+  </p:clrMapOvr>
+</p:notes>
+</file>
+
+<file path=ppt/notesSlides/notesSlide24.xml><?xml version="1.0" encoding="utf-8"?>
+<p:notes xmlns:a="http://schemas.openxmlformats.org/drawingml/2006/main" xmlns:r="http://schemas.openxmlformats.org/officeDocument/2006/relationships" xmlns:p="http://schemas.openxmlformats.org/presentationml/2006/main">
+  <p:cSld>
+    <p:spTree>
+      <p:nvGrpSpPr>
+        <p:cNvPr id="1" name=""/>
+        <p:cNvGrpSpPr/>
+        <p:nvPr/>
+      </p:nvGrpSpPr>
+      <p:grpSpPr>
+        <a:xfrm>
+          <a:off x="0" y="0"/>
+          <a:ext cx="0" cy="0"/>
+          <a:chOff x="0" y="0"/>
+          <a:chExt cx="0" cy="0"/>
+        </a:xfrm>
+      </p:grpSpPr>
+      <p:sp>
+        <p:nvSpPr>
+          <p:cNvPr id="2" name="Slide Image Placeholder 1"/>
+          <p:cNvSpPr>
+            <a:spLocks noGrp="1" noRot="1" noChangeAspect="1"/>
+          </p:cNvSpPr>
+          <p:nvPr>
+            <p:ph type="sldImg"/>
+          </p:nvPr>
+        </p:nvSpPr>
+        <p:spPr/>
+      </p:sp>
+      <p:sp>
+        <p:nvSpPr>
+          <p:cNvPr id="3" name="Notes Placeholder 2"/>
+          <p:cNvSpPr>
+            <a:spLocks noGrp="1"/>
+          </p:cNvSpPr>
+          <p:nvPr>
+            <p:ph type="body" idx="1"/>
+          </p:nvPr>
+        </p:nvSpPr>
+        <p:spPr/>
+        <p:txBody>
+          <a:bodyPr/>
+          <a:lstStyle/>
+          <a:p>
+            <a:pPr marL="0" marR="0" indent="0" algn="l" defTabSz="914400" rtl="0" eaLnBrk="1" fontAlgn="auto" latinLnBrk="0" hangingPunct="1">
+              <a:lnSpc>
+                <a:spcPct val="100000"/>
+              </a:lnSpc>
+              <a:spcBef>
+                <a:spcPts val="0"/>
+              </a:spcBef>
+              <a:spcAft>
+                <a:spcPts val="0"/>
+              </a:spcAft>
+              <a:buClrTx/>
+              <a:buSzTx/>
+              <a:buFontTx/>
+              <a:buNone/>
+              <a:tabLst/>
+              <a:defRPr/>
+            </a:pPr>
+            <a:endParaRPr lang="en-US" sz="1200" kern="1200" dirty="0" smtClean="0">
+              <a:solidFill>
+                <a:schemeClr val="tx1"/>
+              </a:solidFill>
+              <a:effectLst/>
+              <a:latin typeface="+mn-lt"/>
+              <a:ea typeface="+mn-ea"/>
+              <a:cs typeface="+mn-cs"/>
+            </a:endParaRPr>
+          </a:p>
+        </p:txBody>
+      </p:sp>
+      <p:sp>
+        <p:nvSpPr>
+          <p:cNvPr id="4" name="Slide Number Placeholder 3"/>
+          <p:cNvSpPr>
+            <a:spLocks noGrp="1"/>
+          </p:cNvSpPr>
+          <p:nvPr>
+            <p:ph type="sldNum" sz="quarter" idx="10"/>
+          </p:nvPr>
+        </p:nvSpPr>
+        <p:spPr/>
+        <p:txBody>
+          <a:bodyPr/>
+          <a:lstStyle/>
+          <a:p>
+            <a:fld id="{1734D747-9380-41EE-9946-EC9EC0CA5D1E}" type="slidenum">
+              <a:rPr lang="en-GB" smtClean="0"/>
+              <a:t>25</a:t>
+            </a:fld>
+            <a:endParaRPr lang="en-GB" dirty="0"/>
+          </a:p>
+        </p:txBody>
+      </p:sp>
+    </p:spTree>
+    <p:extLst>
+      <p:ext uri="{BB962C8B-B14F-4D97-AF65-F5344CB8AC3E}">
+        <p14:creationId xmlns:p14="http://schemas.microsoft.com/office/powerpoint/2010/main" val="1449065824"/>
+      </p:ext>
+    </p:extLst>
+  </p:cSld>
+  <p:clrMapOvr>
+    <a:masterClrMapping/>
+  </p:clrMapOvr>
+</p:notes>
+</file>
+
+<file path=ppt/notesSlides/notesSlide25.xml><?xml version="1.0" encoding="utf-8"?>
+<p:notes xmlns:a="http://schemas.openxmlformats.org/drawingml/2006/main" xmlns:r="http://schemas.openxmlformats.org/officeDocument/2006/relationships" xmlns:p="http://schemas.openxmlformats.org/presentationml/2006/main">
+  <p:cSld>
+    <p:spTree>
+      <p:nvGrpSpPr>
+        <p:cNvPr id="1" name=""/>
+        <p:cNvGrpSpPr/>
+        <p:nvPr/>
+      </p:nvGrpSpPr>
+      <p:grpSpPr>
+        <a:xfrm>
+          <a:off x="0" y="0"/>
+          <a:ext cx="0" cy="0"/>
+          <a:chOff x="0" y="0"/>
+          <a:chExt cx="0" cy="0"/>
+        </a:xfrm>
+      </p:grpSpPr>
+      <p:sp>
+        <p:nvSpPr>
+          <p:cNvPr id="2" name="Slide Image Placeholder 1"/>
+          <p:cNvSpPr>
+            <a:spLocks noGrp="1" noRot="1" noChangeAspect="1"/>
+          </p:cNvSpPr>
+          <p:nvPr>
+            <p:ph type="sldImg"/>
+          </p:nvPr>
+        </p:nvSpPr>
+        <p:spPr/>
+      </p:sp>
+      <p:sp>
+        <p:nvSpPr>
+          <p:cNvPr id="3" name="Notes Placeholder 2"/>
+          <p:cNvSpPr>
+            <a:spLocks noGrp="1"/>
+          </p:cNvSpPr>
+          <p:nvPr>
+            <p:ph type="body" idx="1"/>
+          </p:nvPr>
+        </p:nvSpPr>
+        <p:spPr/>
+        <p:txBody>
+          <a:bodyPr/>
+          <a:lstStyle/>
+          <a:p>
+            <a:pPr marL="0" marR="0" indent="0" algn="l" defTabSz="914400" rtl="0" eaLnBrk="1" fontAlgn="auto" latinLnBrk="0" hangingPunct="1">
+              <a:lnSpc>
+                <a:spcPct val="100000"/>
+              </a:lnSpc>
+              <a:spcBef>
+                <a:spcPts val="0"/>
+              </a:spcBef>
+              <a:spcAft>
+                <a:spcPts val="0"/>
+              </a:spcAft>
+              <a:buClrTx/>
+              <a:buSzTx/>
+              <a:buFontTx/>
+              <a:buNone/>
+              <a:tabLst/>
+              <a:defRPr/>
+            </a:pPr>
+            <a:endParaRPr lang="en-US" sz="1200" kern="1200" dirty="0" smtClean="0">
+              <a:solidFill>
+                <a:schemeClr val="tx1"/>
+              </a:solidFill>
+              <a:effectLst/>
+              <a:latin typeface="+mn-lt"/>
+              <a:ea typeface="+mn-ea"/>
+              <a:cs typeface="+mn-cs"/>
+            </a:endParaRPr>
+          </a:p>
+        </p:txBody>
+      </p:sp>
+      <p:sp>
+        <p:nvSpPr>
+          <p:cNvPr id="4" name="Slide Number Placeholder 3"/>
+          <p:cNvSpPr>
+            <a:spLocks noGrp="1"/>
+          </p:cNvSpPr>
+          <p:nvPr>
+            <p:ph type="sldNum" sz="quarter" idx="10"/>
+          </p:nvPr>
+        </p:nvSpPr>
+        <p:spPr/>
+        <p:txBody>
+          <a:bodyPr/>
+          <a:lstStyle/>
+          <a:p>
+            <a:fld id="{1734D747-9380-41EE-9946-EC9EC0CA5D1E}" type="slidenum">
+              <a:rPr lang="en-GB" smtClean="0"/>
+              <a:t>26</a:t>
+            </a:fld>
+            <a:endParaRPr lang="en-GB" dirty="0"/>
+          </a:p>
+        </p:txBody>
+      </p:sp>
+    </p:spTree>
+    <p:extLst>
+      <p:ext uri="{BB962C8B-B14F-4D97-AF65-F5344CB8AC3E}">
+        <p14:creationId xmlns:p14="http://schemas.microsoft.com/office/powerpoint/2010/main" val="3198774065"/>
+      </p:ext>
+    </p:extLst>
+  </p:cSld>
+  <p:clrMapOvr>
+    <a:masterClrMapping/>
+  </p:clrMapOvr>
+</p:notes>
+</file>
+
+<file path=ppt/notesSlides/notesSlide26.xml><?xml version="1.0" encoding="utf-8"?>
+<p:notes xmlns:a="http://schemas.openxmlformats.org/drawingml/2006/main" xmlns:r="http://schemas.openxmlformats.org/officeDocument/2006/relationships" xmlns:p="http://schemas.openxmlformats.org/presentationml/2006/main">
+  <p:cSld>
+    <p:spTree>
+      <p:nvGrpSpPr>
+        <p:cNvPr id="1" name=""/>
+        <p:cNvGrpSpPr/>
+        <p:nvPr/>
+      </p:nvGrpSpPr>
+      <p:grpSpPr>
+        <a:xfrm>
+          <a:off x="0" y="0"/>
+          <a:ext cx="0" cy="0"/>
+          <a:chOff x="0" y="0"/>
+          <a:chExt cx="0" cy="0"/>
+        </a:xfrm>
+      </p:grpSpPr>
+      <p:sp>
+        <p:nvSpPr>
+          <p:cNvPr id="2" name="Slide Image Placeholder 1"/>
+          <p:cNvSpPr>
+            <a:spLocks noGrp="1" noRot="1" noChangeAspect="1"/>
+          </p:cNvSpPr>
+          <p:nvPr>
+            <p:ph type="sldImg"/>
+          </p:nvPr>
+        </p:nvSpPr>
+        <p:spPr/>
+      </p:sp>
+      <p:sp>
+        <p:nvSpPr>
+          <p:cNvPr id="3" name="Notes Placeholder 2"/>
+          <p:cNvSpPr>
+            <a:spLocks noGrp="1"/>
+          </p:cNvSpPr>
+          <p:nvPr>
+            <p:ph type="body" idx="1"/>
+          </p:nvPr>
+        </p:nvSpPr>
+        <p:spPr/>
+        <p:txBody>
+          <a:bodyPr/>
+          <a:lstStyle/>
+          <a:p>
+            <a:pPr marL="0" marR="0" indent="0" algn="l" defTabSz="914400" rtl="0" eaLnBrk="1" fontAlgn="auto" latinLnBrk="0" hangingPunct="1">
+              <a:lnSpc>
+                <a:spcPct val="100000"/>
+              </a:lnSpc>
+              <a:spcBef>
+                <a:spcPts val="0"/>
+              </a:spcBef>
+              <a:spcAft>
+                <a:spcPts val="0"/>
+              </a:spcAft>
+              <a:buClrTx/>
+              <a:buSzTx/>
+              <a:buFontTx/>
+              <a:buNone/>
+              <a:tabLst/>
+              <a:defRPr/>
+            </a:pPr>
+            <a:endParaRPr lang="en-US" sz="1200" kern="1200" dirty="0" smtClean="0">
+              <a:solidFill>
+                <a:schemeClr val="tx1"/>
+              </a:solidFill>
+              <a:effectLst/>
+              <a:latin typeface="+mn-lt"/>
+              <a:ea typeface="+mn-ea"/>
+              <a:cs typeface="+mn-cs"/>
+            </a:endParaRPr>
+          </a:p>
+        </p:txBody>
+      </p:sp>
+      <p:sp>
+        <p:nvSpPr>
+          <p:cNvPr id="4" name="Slide Number Placeholder 3"/>
+          <p:cNvSpPr>
+            <a:spLocks noGrp="1"/>
+          </p:cNvSpPr>
+          <p:nvPr>
+            <p:ph type="sldNum" sz="quarter" idx="10"/>
+          </p:nvPr>
+        </p:nvSpPr>
+        <p:spPr/>
+        <p:txBody>
+          <a:bodyPr/>
+          <a:lstStyle/>
+          <a:p>
+            <a:fld id="{1734D747-9380-41EE-9946-EC9EC0CA5D1E}" type="slidenum">
+              <a:rPr lang="en-GB" smtClean="0"/>
+              <a:t>27</a:t>
+            </a:fld>
+            <a:endParaRPr lang="en-GB" dirty="0"/>
+          </a:p>
+        </p:txBody>
+      </p:sp>
+    </p:spTree>
+    <p:extLst>
+      <p:ext uri="{BB962C8B-B14F-4D97-AF65-F5344CB8AC3E}">
+        <p14:creationId xmlns:p14="http://schemas.microsoft.com/office/powerpoint/2010/main" val="3620884334"/>
+      </p:ext>
+    </p:extLst>
+  </p:cSld>
+  <p:clrMapOvr>
+    <a:masterClrMapping/>
+  </p:clrMapOvr>
+</p:notes>
+</file>
+
+<file path=ppt/notesSlides/notesSlide27.xml><?xml version="1.0" encoding="utf-8"?>
+<p:notes xmlns:a="http://schemas.openxmlformats.org/drawingml/2006/main" xmlns:r="http://schemas.openxmlformats.org/officeDocument/2006/relationships" xmlns:p="http://schemas.openxmlformats.org/presentationml/2006/main">
+  <p:cSld>
+    <p:spTree>
+      <p:nvGrpSpPr>
+        <p:cNvPr id="1" name=""/>
+        <p:cNvGrpSpPr/>
+        <p:nvPr/>
+      </p:nvGrpSpPr>
+      <p:grpSpPr>
+        <a:xfrm>
+          <a:off x="0" y="0"/>
+          <a:ext cx="0" cy="0"/>
+          <a:chOff x="0" y="0"/>
+          <a:chExt cx="0" cy="0"/>
+        </a:xfrm>
+      </p:grpSpPr>
+      <p:sp>
+        <p:nvSpPr>
+          <p:cNvPr id="2" name="Slide Image Placeholder 1"/>
+          <p:cNvSpPr>
+            <a:spLocks noGrp="1" noRot="1" noChangeAspect="1"/>
+          </p:cNvSpPr>
+          <p:nvPr>
+            <p:ph type="sldImg"/>
+          </p:nvPr>
+        </p:nvSpPr>
+        <p:spPr/>
+      </p:sp>
+      <p:sp>
+        <p:nvSpPr>
+          <p:cNvPr id="3" name="Notes Placeholder 2"/>
+          <p:cNvSpPr>
+            <a:spLocks noGrp="1"/>
+          </p:cNvSpPr>
+          <p:nvPr>
+            <p:ph type="body" idx="1"/>
+          </p:nvPr>
+        </p:nvSpPr>
+        <p:spPr/>
+        <p:txBody>
+          <a:bodyPr/>
+          <a:lstStyle/>
+          <a:p>
+            <a:pPr marL="0" marR="0" indent="0" algn="l" defTabSz="914400" rtl="0" eaLnBrk="1" fontAlgn="auto" latinLnBrk="0" hangingPunct="1">
+              <a:lnSpc>
+                <a:spcPct val="100000"/>
+              </a:lnSpc>
+              <a:spcBef>
+                <a:spcPts val="0"/>
+              </a:spcBef>
+              <a:spcAft>
+                <a:spcPts val="0"/>
+              </a:spcAft>
+              <a:buClrTx/>
+              <a:buSzTx/>
+              <a:buFontTx/>
+              <a:buNone/>
+              <a:tabLst/>
+              <a:defRPr/>
+            </a:pPr>
+            <a:endParaRPr lang="en-US" sz="1200" kern="1200" dirty="0" smtClean="0">
+              <a:solidFill>
+                <a:schemeClr val="tx1"/>
+              </a:solidFill>
+              <a:effectLst/>
+              <a:latin typeface="+mn-lt"/>
+              <a:ea typeface="+mn-ea"/>
+              <a:cs typeface="+mn-cs"/>
+            </a:endParaRPr>
+          </a:p>
+        </p:txBody>
+      </p:sp>
+      <p:sp>
+        <p:nvSpPr>
+          <p:cNvPr id="4" name="Slide Number Placeholder 3"/>
+          <p:cNvSpPr>
+            <a:spLocks noGrp="1"/>
+          </p:cNvSpPr>
+          <p:nvPr>
+            <p:ph type="sldNum" sz="quarter" idx="10"/>
+          </p:nvPr>
+        </p:nvSpPr>
+        <p:spPr/>
+        <p:txBody>
+          <a:bodyPr/>
+          <a:lstStyle/>
+          <a:p>
+            <a:fld id="{1734D747-9380-41EE-9946-EC9EC0CA5D1E}" type="slidenum">
+              <a:rPr lang="en-GB" smtClean="0"/>
+              <a:t>28</a:t>
+            </a:fld>
+            <a:endParaRPr lang="en-GB" dirty="0"/>
+          </a:p>
+        </p:txBody>
+      </p:sp>
+    </p:spTree>
+    <p:extLst>
+      <p:ext uri="{BB962C8B-B14F-4D97-AF65-F5344CB8AC3E}">
+        <p14:creationId xmlns:p14="http://schemas.microsoft.com/office/powerpoint/2010/main" val="290351327"/>
+      </p:ext>
+    </p:extLst>
+  </p:cSld>
+  <p:clrMapOvr>
+    <a:masterClrMapping/>
+  </p:clrMapOvr>
+</p:notes>
+</file>
+
+<file path=ppt/notesSlides/notesSlide28.xml><?xml version="1.0" encoding="utf-8"?>
+<p:notes xmlns:a="http://schemas.openxmlformats.org/drawingml/2006/main" xmlns:r="http://schemas.openxmlformats.org/officeDocument/2006/relationships" xmlns:p="http://schemas.openxmlformats.org/presentationml/2006/main">
+  <p:cSld>
+    <p:spTree>
+      <p:nvGrpSpPr>
+        <p:cNvPr id="1" name=""/>
+        <p:cNvGrpSpPr/>
+        <p:nvPr/>
+      </p:nvGrpSpPr>
+      <p:grpSpPr>
+        <a:xfrm>
+          <a:off x="0" y="0"/>
+          <a:ext cx="0" cy="0"/>
+          <a:chOff x="0" y="0"/>
+          <a:chExt cx="0" cy="0"/>
+        </a:xfrm>
+      </p:grpSpPr>
+      <p:sp>
+        <p:nvSpPr>
+          <p:cNvPr id="2" name="Slide Image Placeholder 1"/>
+          <p:cNvSpPr>
+            <a:spLocks noGrp="1" noRot="1" noChangeAspect="1"/>
+          </p:cNvSpPr>
+          <p:nvPr>
+            <p:ph type="sldImg"/>
+          </p:nvPr>
+        </p:nvSpPr>
+        <p:spPr/>
+      </p:sp>
+      <p:sp>
+        <p:nvSpPr>
+          <p:cNvPr id="3" name="Notes Placeholder 2"/>
+          <p:cNvSpPr>
+            <a:spLocks noGrp="1"/>
+          </p:cNvSpPr>
+          <p:nvPr>
+            <p:ph type="body" idx="1"/>
+          </p:nvPr>
+        </p:nvSpPr>
+        <p:spPr/>
+        <p:txBody>
+          <a:bodyPr/>
+          <a:lstStyle/>
+          <a:p>
+            <a:pPr marL="0" marR="0" indent="0" algn="l" defTabSz="914400" rtl="0" eaLnBrk="1" fontAlgn="auto" latinLnBrk="0" hangingPunct="1">
+              <a:lnSpc>
+                <a:spcPct val="100000"/>
+              </a:lnSpc>
+              <a:spcBef>
+                <a:spcPts val="0"/>
+              </a:spcBef>
+              <a:spcAft>
+                <a:spcPts val="0"/>
+              </a:spcAft>
+              <a:buClrTx/>
+              <a:buSzTx/>
+              <a:buFontTx/>
+              <a:buNone/>
+              <a:tabLst/>
+              <a:defRPr/>
+            </a:pPr>
+            <a:endParaRPr lang="en-US" sz="1200" kern="1200" dirty="0" smtClean="0">
+              <a:solidFill>
+                <a:schemeClr val="tx1"/>
+              </a:solidFill>
+              <a:effectLst/>
+              <a:latin typeface="+mn-lt"/>
+              <a:ea typeface="+mn-ea"/>
+              <a:cs typeface="+mn-cs"/>
+            </a:endParaRPr>
+          </a:p>
+        </p:txBody>
+      </p:sp>
+      <p:sp>
+        <p:nvSpPr>
+          <p:cNvPr id="4" name="Slide Number Placeholder 3"/>
+          <p:cNvSpPr>
+            <a:spLocks noGrp="1"/>
+          </p:cNvSpPr>
+          <p:nvPr>
+            <p:ph type="sldNum" sz="quarter" idx="10"/>
+          </p:nvPr>
+        </p:nvSpPr>
+        <p:spPr/>
+        <p:txBody>
+          <a:bodyPr/>
+          <a:lstStyle/>
+          <a:p>
+            <a:fld id="{1734D747-9380-41EE-9946-EC9EC0CA5D1E}" type="slidenum">
+              <a:rPr lang="en-GB" smtClean="0"/>
+              <a:t>29</a:t>
+            </a:fld>
+            <a:endParaRPr lang="en-GB" dirty="0"/>
+          </a:p>
+        </p:txBody>
+      </p:sp>
+    </p:spTree>
+    <p:extLst>
+      <p:ext uri="{BB962C8B-B14F-4D97-AF65-F5344CB8AC3E}">
+        <p14:creationId xmlns:p14="http://schemas.microsoft.com/office/powerpoint/2010/main" val="1223129941"/>
+      </p:ext>
+    </p:extLst>
+  </p:cSld>
+  <p:clrMapOvr>
+    <a:masterClrMapping/>
+  </p:clrMapOvr>
+</p:notes>
+</file>
+
+<file path=ppt/notesSlides/notesSlide29.xml><?xml version="1.0" encoding="utf-8"?>
+<p:notes xmlns:a="http://schemas.openxmlformats.org/drawingml/2006/main" xmlns:r="http://schemas.openxmlformats.org/officeDocument/2006/relationships" xmlns:p="http://schemas.openxmlformats.org/presentationml/2006/main">
+  <p:cSld>
+    <p:spTree>
+      <p:nvGrpSpPr>
+        <p:cNvPr id="1" name=""/>
+        <p:cNvGrpSpPr/>
+        <p:nvPr/>
+      </p:nvGrpSpPr>
+      <p:grpSpPr>
+        <a:xfrm>
+          <a:off x="0" y="0"/>
+          <a:ext cx="0" cy="0"/>
+          <a:chOff x="0" y="0"/>
+          <a:chExt cx="0" cy="0"/>
+        </a:xfrm>
+      </p:grpSpPr>
+      <p:sp>
+        <p:nvSpPr>
+          <p:cNvPr id="2" name="Slide Image Placeholder 1"/>
+          <p:cNvSpPr>
+            <a:spLocks noGrp="1" noRot="1" noChangeAspect="1"/>
+          </p:cNvSpPr>
+          <p:nvPr>
+            <p:ph type="sldImg"/>
+          </p:nvPr>
+        </p:nvSpPr>
+        <p:spPr/>
+      </p:sp>
+      <p:sp>
+        <p:nvSpPr>
+          <p:cNvPr id="3" name="Notes Placeholder 2"/>
+          <p:cNvSpPr>
+            <a:spLocks noGrp="1"/>
+          </p:cNvSpPr>
+          <p:nvPr>
+            <p:ph type="body" idx="1"/>
+          </p:nvPr>
+        </p:nvSpPr>
+        <p:spPr/>
+        <p:txBody>
+          <a:bodyPr/>
+          <a:lstStyle/>
+          <a:p>
+            <a:pPr marL="0" marR="0" indent="0" algn="l" defTabSz="914400" rtl="0" eaLnBrk="1" fontAlgn="auto" latinLnBrk="0" hangingPunct="1">
+              <a:lnSpc>
+                <a:spcPct val="100000"/>
+              </a:lnSpc>
+              <a:spcBef>
+                <a:spcPts val="0"/>
+              </a:spcBef>
+              <a:spcAft>
+                <a:spcPts val="0"/>
+              </a:spcAft>
+              <a:buClrTx/>
+              <a:buSzTx/>
+              <a:buFontTx/>
+              <a:buNone/>
+              <a:tabLst/>
+              <a:defRPr/>
+            </a:pPr>
+            <a:endParaRPr lang="en-US" sz="1200" kern="1200" dirty="0" smtClean="0">
+              <a:solidFill>
+                <a:schemeClr val="tx1"/>
+              </a:solidFill>
+              <a:effectLst/>
+              <a:latin typeface="+mn-lt"/>
+              <a:ea typeface="+mn-ea"/>
+              <a:cs typeface="+mn-cs"/>
+            </a:endParaRPr>
+          </a:p>
+        </p:txBody>
+      </p:sp>
+      <p:sp>
+        <p:nvSpPr>
+          <p:cNvPr id="4" name="Slide Number Placeholder 3"/>
+          <p:cNvSpPr>
+            <a:spLocks noGrp="1"/>
+          </p:cNvSpPr>
+          <p:nvPr>
+            <p:ph type="sldNum" sz="quarter" idx="10"/>
+          </p:nvPr>
+        </p:nvSpPr>
+        <p:spPr/>
+        <p:txBody>
+          <a:bodyPr/>
+          <a:lstStyle/>
+          <a:p>
+            <a:fld id="{1734D747-9380-41EE-9946-EC9EC0CA5D1E}" type="slidenum">
+              <a:rPr lang="en-GB" smtClean="0"/>
+              <a:t>30</a:t>
+            </a:fld>
+            <a:endParaRPr lang="en-GB" dirty="0"/>
+          </a:p>
+        </p:txBody>
+      </p:sp>
+    </p:spTree>
+    <p:extLst>
+      <p:ext uri="{BB962C8B-B14F-4D97-AF65-F5344CB8AC3E}">
+        <p14:creationId xmlns:p14="http://schemas.microsoft.com/office/powerpoint/2010/main" val="2915716403"/>
       </p:ext>
     </p:extLst>
   </p:cSld>
@@ -5508,6 +5992,90 @@
     <p:extLst>
       <p:ext uri="{BB962C8B-B14F-4D97-AF65-F5344CB8AC3E}">
         <p14:creationId xmlns:p14="http://schemas.microsoft.com/office/powerpoint/2010/main" val="3880742847"/>
+      </p:ext>
+    </p:extLst>
+  </p:cSld>
+  <p:clrMapOvr>
+    <a:masterClrMapping/>
+  </p:clrMapOvr>
+</p:notes>
+</file>
+
+<file path=ppt/notesSlides/notesSlide30.xml><?xml version="1.0" encoding="utf-8"?>
+<p:notes xmlns:a="http://schemas.openxmlformats.org/drawingml/2006/main" xmlns:r="http://schemas.openxmlformats.org/officeDocument/2006/relationships" xmlns:p="http://schemas.openxmlformats.org/presentationml/2006/main">
+  <p:cSld>
+    <p:spTree>
+      <p:nvGrpSpPr>
+        <p:cNvPr id="1" name=""/>
+        <p:cNvGrpSpPr/>
+        <p:nvPr/>
+      </p:nvGrpSpPr>
+      <p:grpSpPr>
+        <a:xfrm>
+          <a:off x="0" y="0"/>
+          <a:ext cx="0" cy="0"/>
+          <a:chOff x="0" y="0"/>
+          <a:chExt cx="0" cy="0"/>
+        </a:xfrm>
+      </p:grpSpPr>
+      <p:sp>
+        <p:nvSpPr>
+          <p:cNvPr id="2" name="Slide Image Placeholder 1"/>
+          <p:cNvSpPr>
+            <a:spLocks noGrp="1" noRot="1" noChangeAspect="1"/>
+          </p:cNvSpPr>
+          <p:nvPr>
+            <p:ph type="sldImg"/>
+          </p:nvPr>
+        </p:nvSpPr>
+        <p:spPr/>
+      </p:sp>
+      <p:sp>
+        <p:nvSpPr>
+          <p:cNvPr id="3" name="Notes Placeholder 2"/>
+          <p:cNvSpPr>
+            <a:spLocks noGrp="1"/>
+          </p:cNvSpPr>
+          <p:nvPr>
+            <p:ph type="body" idx="1"/>
+          </p:nvPr>
+        </p:nvSpPr>
+        <p:spPr/>
+        <p:txBody>
+          <a:bodyPr/>
+          <a:lstStyle/>
+          <a:p>
+            <a:endParaRPr lang="en-US" dirty="0"/>
+          </a:p>
+        </p:txBody>
+      </p:sp>
+      <p:sp>
+        <p:nvSpPr>
+          <p:cNvPr id="4" name="Slide Number Placeholder 3"/>
+          <p:cNvSpPr>
+            <a:spLocks noGrp="1"/>
+          </p:cNvSpPr>
+          <p:nvPr>
+            <p:ph type="sldNum" sz="quarter" idx="10"/>
+          </p:nvPr>
+        </p:nvSpPr>
+        <p:spPr/>
+        <p:txBody>
+          <a:bodyPr/>
+          <a:lstStyle/>
+          <a:p>
+            <a:fld id="{1734D747-9380-41EE-9946-EC9EC0CA5D1E}" type="slidenum">
+              <a:rPr lang="en-GB" smtClean="0"/>
+              <a:t>31</a:t>
+            </a:fld>
+            <a:endParaRPr lang="en-GB" dirty="0"/>
+          </a:p>
+        </p:txBody>
+      </p:sp>
+    </p:spTree>
+    <p:extLst>
+      <p:ext uri="{BB962C8B-B14F-4D97-AF65-F5344CB8AC3E}">
+        <p14:creationId xmlns:p14="http://schemas.microsoft.com/office/powerpoint/2010/main" val="2096101799"/>
       </p:ext>
     </p:extLst>
   </p:cSld>
@@ -33085,8 +33653,12 @@
           <a:p>
             <a:pPr algn="just"/>
             <a:r>
+              <a:rPr lang="en-US" sz="3600" b="1" dirty="0" smtClean="0"/>
+              <a:t>Unreal Engine 4 </a:t>
+            </a:r>
+            <a:r>
               <a:rPr lang="en-US" sz="3600" b="1" dirty="0" err="1" smtClean="0"/>
-              <a:t>Ini</a:t>
+              <a:t>merupakan</a:t>
             </a:r>
             <a:r>
               <a:rPr lang="en-US" sz="3600" b="1" dirty="0" smtClean="0"/>
@@ -33094,7 +33666,7 @@
             </a:r>
             <a:r>
               <a:rPr lang="en-US" sz="3600" b="1" dirty="0" err="1" smtClean="0"/>
-              <a:t>adalah</a:t>
+              <a:t>perangkat</a:t>
             </a:r>
             <a:r>
               <a:rPr lang="en-US" sz="3600" b="1" dirty="0" smtClean="0"/>
@@ -33102,7 +33674,15 @@
             </a:r>
             <a:r>
               <a:rPr lang="en-US" sz="3600" b="1" dirty="0" err="1" smtClean="0"/>
-              <a:t>perangkat</a:t>
+              <a:t>lunak</a:t>
+            </a:r>
+            <a:r>
+              <a:rPr lang="en-US" sz="3600" b="1" dirty="0" smtClean="0"/>
+              <a:t> / game engine yang </a:t>
+            </a:r>
+            <a:r>
+              <a:rPr lang="en-US" sz="3600" b="1" dirty="0" err="1" smtClean="0"/>
+              <a:t>dibuat</a:t>
             </a:r>
             <a:r>
               <a:rPr lang="en-US" sz="3600" b="1" dirty="0" smtClean="0"/>
@@ -33110,15 +33690,34 @@
             </a:r>
             <a:r>
               <a:rPr lang="en-US" sz="3600" b="1" dirty="0" err="1" smtClean="0"/>
-              <a:t>lunak</a:t>
+              <a:t>oleh</a:t>
             </a:r>
             <a:r>
               <a:rPr lang="en-US" sz="3600" b="1" dirty="0" smtClean="0"/>
-              <a:t> / game engine yang </a:t>
+              <a:t> Epic </a:t>
+            </a:r>
+            <a:r>
+              <a:rPr lang="en-US" sz="3600" b="1" dirty="0" smtClean="0"/>
+              <a:t>Games.</a:t>
+            </a:r>
+          </a:p>
+          <a:p>
+            <a:pPr algn="just"/>
+            <a:r>
+              <a:rPr lang="id-ID" sz="3600" b="1" dirty="0"/>
+              <a:t>Unreal Engine 4</a:t>
+            </a:r>
+            <a:r>
+              <a:rPr lang="id-ID" sz="3600" b="1" i="1" dirty="0"/>
+              <a:t> </a:t>
+            </a:r>
+            <a:r>
+              <a:rPr lang="id-ID" sz="3600" b="1" dirty="0" smtClean="0"/>
+              <a:t>adalah </a:t>
             </a:r>
             <a:r>
               <a:rPr lang="en-US" sz="3600" b="1" dirty="0" err="1" smtClean="0"/>
-              <a:t>dibuat</a:t>
+              <a:t>perangkat</a:t>
             </a:r>
             <a:r>
               <a:rPr lang="en-US" sz="3600" b="1" dirty="0" smtClean="0"/>
@@ -33126,15 +33725,31 @@
             </a:r>
             <a:r>
               <a:rPr lang="en-US" sz="3600" b="1" dirty="0" err="1" smtClean="0"/>
-              <a:t>oleh</a:t>
+              <a:t>alat</a:t>
             </a:r>
             <a:r>
               <a:rPr lang="en-US" sz="3600" b="1" dirty="0" smtClean="0"/>
-              <a:t> Epic </a:t>
-            </a:r>
-            <a:r>
-              <a:rPr lang="en-US" sz="3600" b="1" dirty="0" smtClean="0"/>
-              <a:t>Games.</a:t>
+              <a:t> yang </a:t>
+            </a:r>
+            <a:r>
+              <a:rPr lang="en-US" sz="3600" b="1" dirty="0" err="1" smtClean="0"/>
+              <a:t>lengkap</a:t>
+            </a:r>
+            <a:r>
+              <a:rPr lang="id-ID" sz="3600" b="1" i="1" dirty="0" smtClean="0"/>
+              <a:t> </a:t>
+            </a:r>
+            <a:r>
+              <a:rPr lang="id-ID" sz="3600" b="1" dirty="0"/>
+              <a:t>yang dibuat untuk siapa saja yang bekerja dengan teknologi </a:t>
+            </a:r>
+            <a:r>
+              <a:rPr lang="id-ID" sz="3600" b="1" i="1" dirty="0" smtClean="0"/>
+              <a:t>real-time</a:t>
+            </a:r>
+            <a:r>
+              <a:rPr lang="en-US" sz="3600" b="1" i="1" dirty="0" smtClean="0"/>
+              <a:t>.</a:t>
             </a:r>
             <a:endParaRPr lang="en-US" sz="3600" b="1" dirty="0" smtClean="0"/>
           </a:p>
@@ -33221,10 +33836,10 @@
       </p:grpSpPr>
       <p:sp>
         <p:nvSpPr>
-          <p:cNvPr id="7" name="Title 6">
+          <p:cNvPr id="4" name="Title 3">
             <a:extLst>
               <a:ext uri="{FF2B5EF4-FFF2-40B4-BE49-F238E27FC236}">
-                <a16:creationId xmlns:a16="http://schemas.microsoft.com/office/drawing/2014/main" xmlns="" id="{7875C19A-1AAE-476A-A316-A2CF92D763D3}"/>
+                <a16:creationId xmlns:a16="http://schemas.microsoft.com/office/drawing/2014/main" xmlns="" id="{E3BD8413-C238-49D7-A4E1-E8FEF1811A0E}"/>
               </a:ext>
             </a:extLst>
           </p:cNvPr>
@@ -33235,14 +33850,39 @@
             <p:ph type="title"/>
           </p:nvPr>
         </p:nvSpPr>
-        <p:spPr/>
+        <p:spPr>
+          <a:xfrm>
+            <a:off x="832103" y="31383"/>
+            <a:ext cx="10420097" cy="859055"/>
+          </a:xfrm>
+        </p:spPr>
         <p:txBody>
-          <a:bodyPr/>
+          <a:bodyPr>
+            <a:normAutofit fontScale="90000"/>
+          </a:bodyPr>
           <a:lstStyle/>
           <a:p>
             <a:r>
-              <a:rPr lang="en-US" dirty="0"/>
-              <a:t>Content Title</a:t>
+              <a:rPr lang="en-GB" dirty="0" err="1" smtClean="0"/>
+              <a:t>Unra</a:t>
+            </a:r>
+            <a:r>
+              <a:rPr lang="en-GB" dirty="0" smtClean="0"/>
+              <a:t/>
+            </a:r>
+            <a:br>
+              <a:rPr lang="en-GB" dirty="0" smtClean="0"/>
+            </a:br>
+            <a:r>
+              <a:rPr lang="en-GB" dirty="0" smtClean="0"/>
+              <a:t>e</a:t>
+            </a:r>
+            <a:br>
+              <a:rPr lang="en-GB" dirty="0" smtClean="0"/>
+            </a:br>
+            <a:r>
+              <a:rPr lang="en-GB" dirty="0" smtClean="0"/>
+              <a:t>Unreal Editor</a:t>
             </a:r>
             <a:endParaRPr lang="en-GB" dirty="0"/>
           </a:p>
@@ -33250,10 +33890,10 @@
       </p:sp>
       <p:sp>
         <p:nvSpPr>
-          <p:cNvPr id="10" name="Text Placeholder 9">
+          <p:cNvPr id="5" name="Text Placeholder 4">
             <a:extLst>
               <a:ext uri="{FF2B5EF4-FFF2-40B4-BE49-F238E27FC236}">
-                <a16:creationId xmlns:a16="http://schemas.microsoft.com/office/drawing/2014/main" xmlns="" id="{EF2BC084-E6DB-4DE7-B309-042A85EBA700}"/>
+                <a16:creationId xmlns:a16="http://schemas.microsoft.com/office/drawing/2014/main" xmlns="" id="{0A95F4DE-39B7-4CE2-BC1E-8B8AE662A895}"/>
               </a:ext>
             </a:extLst>
           </p:cNvPr>
@@ -33261,30 +33901,79 @@
             <a:spLocks noGrp="1"/>
           </p:cNvSpPr>
           <p:nvPr>
-            <p:ph type="body" sz="quarter" idx="13"/>
+            <p:ph type="body" idx="1"/>
           </p:nvPr>
         </p:nvSpPr>
-        <p:spPr/>
+        <p:spPr>
+          <a:xfrm>
+            <a:off x="831850" y="900062"/>
+            <a:ext cx="8545232" cy="5415013"/>
+          </a:xfrm>
+        </p:spPr>
         <p:txBody>
-          <a:bodyPr/>
+          <a:bodyPr numCol="1">
+            <a:normAutofit/>
+          </a:bodyPr>
           <a:lstStyle/>
           <a:p>
-            <a:r>
-              <a:rPr lang="en-US" dirty="0"/>
-              <a:t>Lorem ipsum dolor sit amet, consectetuer adipiscing elit. Maecenas porttitor congue massa. Fusce posuere, magna sed pulvinar ultricies, purus lectus malesuada libero, sit amet commodo magna eros quis urna.</a:t>
-            </a:r>
-          </a:p>
-          <a:p>
-            <a:r>
-              <a:rPr lang="en-US" dirty="0"/>
-              <a:t>Nunc viverra imperdiet enim. Fusce est. Vivamus a tellus.</a:t>
-            </a:r>
-          </a:p>
-          <a:p>
-            <a:r>
-              <a:rPr lang="en-US" dirty="0"/>
-              <a:t>Pellentesque habitant morbi tristique senectus et netus et malesuada fames ac turpis egestas. Proin pharetra nonummy pede. Mauris et orci.</a:t>
-            </a:r>
+            <a:pPr algn="just"/>
+            <a:r>
+              <a:rPr lang="en-US" sz="3600" b="1" dirty="0" smtClean="0"/>
+              <a:t>Unrea</a:t>
+            </a:r>
+            <a:r>
+              <a:rPr lang="en-US" sz="3600" b="1" dirty="0" smtClean="0"/>
+              <a:t>l Editor </a:t>
+            </a:r>
+            <a:r>
+              <a:rPr lang="en-US" sz="3600" b="1" dirty="0" err="1" smtClean="0"/>
+              <a:t>merupakan</a:t>
+            </a:r>
+            <a:r>
+              <a:rPr lang="en-US" sz="3600" b="1" dirty="0" smtClean="0"/>
+              <a:t> </a:t>
+            </a:r>
+            <a:r>
+              <a:rPr lang="en-US" sz="3600" b="1" dirty="0" err="1" smtClean="0"/>
+              <a:t>perangkat</a:t>
+            </a:r>
+            <a:r>
+              <a:rPr lang="en-US" sz="3600" b="1" dirty="0" smtClean="0"/>
+              <a:t> </a:t>
+            </a:r>
+            <a:r>
+              <a:rPr lang="en-US" sz="3600" b="1" dirty="0" err="1" smtClean="0"/>
+              <a:t>lunak</a:t>
+            </a:r>
+            <a:r>
+              <a:rPr lang="en-US" sz="3600" b="1" dirty="0" smtClean="0"/>
+              <a:t> yang di </a:t>
+            </a:r>
+            <a:r>
+              <a:rPr lang="en-US" sz="3600" b="1" dirty="0" err="1" smtClean="0"/>
+              <a:t>gunakan</a:t>
+            </a:r>
+            <a:r>
+              <a:rPr lang="en-US" sz="3600" b="1" dirty="0" smtClean="0"/>
+              <a:t> </a:t>
+            </a:r>
+            <a:r>
+              <a:rPr lang="en-US" sz="3600" b="1" dirty="0" err="1" smtClean="0"/>
+              <a:t>untuk</a:t>
+            </a:r>
+            <a:r>
+              <a:rPr lang="en-US" sz="3600" b="1" dirty="0" smtClean="0"/>
+              <a:t> </a:t>
+            </a:r>
+            <a:r>
+              <a:rPr lang="en-US" sz="3600" b="1" dirty="0" err="1" smtClean="0"/>
+              <a:t>membuat</a:t>
+            </a:r>
+            <a:r>
+              <a:rPr lang="en-US" sz="3600" b="1" dirty="0" smtClean="0"/>
+              <a:t> game di unreal engine 4.</a:t>
+            </a:r>
+            <a:endParaRPr lang="en-US" sz="3600" b="1" dirty="0" smtClean="0"/>
           </a:p>
         </p:txBody>
       </p:sp>
@@ -33293,7 +33982,7 @@
           <p:cNvPr id="2" name="Slide Number Placeholder 1">
             <a:extLst>
               <a:ext uri="{FF2B5EF4-FFF2-40B4-BE49-F238E27FC236}">
-                <a16:creationId xmlns:a16="http://schemas.microsoft.com/office/drawing/2014/main" xmlns="" id="{BE9800F6-D571-48C4-8466-12AA1ADB6599}"/>
+                <a16:creationId xmlns:a16="http://schemas.microsoft.com/office/drawing/2014/main" xmlns="" id="{0B24BF10-2B55-43AB-9F77-F1A1410384A9}"/>
               </a:ext>
             </a:extLst>
           </p:cNvPr>
@@ -33321,20 +34010,20 @@
     </p:spTree>
     <p:extLst>
       <p:ext uri="{BB962C8B-B14F-4D97-AF65-F5344CB8AC3E}">
-        <p14:creationId xmlns:p14="http://schemas.microsoft.com/office/powerpoint/2010/main" val="3733486012"/>
+        <p14:creationId xmlns:p14="http://schemas.microsoft.com/office/powerpoint/2010/main" val="1188384929"/>
       </p:ext>
     </p:extLst>
   </p:cSld>
   <p:clrMapOvr>
     <a:masterClrMapping/>
   </p:clrMapOvr>
-  <mc:AlternateContent xmlns:mc="http://schemas.openxmlformats.org/markup-compatibility/2006" xmlns:p14="http://schemas.microsoft.com/office/powerpoint/2010/main">
-    <mc:Choice Requires="p14">
+  <mc:AlternateContent xmlns:mc="http://schemas.openxmlformats.org/markup-compatibility/2006">
+    <mc:Choice xmlns:p14="http://schemas.microsoft.com/office/powerpoint/2010/main" Requires="p14">
       <p:transition spd="med" p14:dur="700">
         <p:fade/>
       </p:transition>
     </mc:Choice>
-    <mc:Fallback xmlns="">
+    <mc:Fallback>
       <p:transition spd="med">
         <p:fade/>
       </p:transition>
@@ -33372,7 +34061,7 @@
           <p:cNvPr id="4" name="Title 3">
             <a:extLst>
               <a:ext uri="{FF2B5EF4-FFF2-40B4-BE49-F238E27FC236}">
-                <a16:creationId xmlns:a16="http://schemas.microsoft.com/office/drawing/2014/main" xmlns="" id="{315E3981-F0D7-482C-A8E0-6A57700BECA7}"/>
+                <a16:creationId xmlns:a16="http://schemas.microsoft.com/office/drawing/2014/main" xmlns="" id="{E3BD8413-C238-49D7-A4E1-E8FEF1811A0E}"/>
               </a:ext>
             </a:extLst>
           </p:cNvPr>
@@ -33383,15 +34072,100 @@
             <p:ph type="title"/>
           </p:nvPr>
         </p:nvSpPr>
-        <p:spPr/>
+        <p:spPr>
+          <a:xfrm>
+            <a:off x="832103" y="31383"/>
+            <a:ext cx="10420097" cy="859055"/>
+          </a:xfrm>
+        </p:spPr>
         <p:txBody>
-          <a:bodyPr/>
+          <a:bodyPr>
+            <a:normAutofit/>
+          </a:bodyPr>
           <a:lstStyle/>
           <a:p>
             <a:r>
-              <a:rPr lang="en-GB" dirty="0"/>
-              <a:t>Content Title</a:t>
-            </a:r>
+              <a:rPr lang="en-GB" dirty="0" smtClean="0"/>
+              <a:t>Blueprint Visual Scripting (BVS)</a:t>
+            </a:r>
+            <a:endParaRPr lang="en-GB" dirty="0"/>
+          </a:p>
+        </p:txBody>
+      </p:sp>
+      <p:sp>
+        <p:nvSpPr>
+          <p:cNvPr id="5" name="Text Placeholder 4">
+            <a:extLst>
+              <a:ext uri="{FF2B5EF4-FFF2-40B4-BE49-F238E27FC236}">
+                <a16:creationId xmlns:a16="http://schemas.microsoft.com/office/drawing/2014/main" xmlns="" id="{0A95F4DE-39B7-4CE2-BC1E-8B8AE662A895}"/>
+              </a:ext>
+            </a:extLst>
+          </p:cNvPr>
+          <p:cNvSpPr>
+            <a:spLocks noGrp="1"/>
+          </p:cNvSpPr>
+          <p:nvPr>
+            <p:ph type="body" idx="1"/>
+          </p:nvPr>
+        </p:nvSpPr>
+        <p:spPr>
+          <a:xfrm>
+            <a:off x="831850" y="900062"/>
+            <a:ext cx="8545232" cy="5415013"/>
+          </a:xfrm>
+        </p:spPr>
+        <p:txBody>
+          <a:bodyPr numCol="1">
+            <a:normAutofit/>
+          </a:bodyPr>
+          <a:lstStyle/>
+          <a:p>
+            <a:pPr algn="just"/>
+            <a:r>
+              <a:rPr lang="id-ID" sz="3600" b="1" i="1" dirty="0"/>
+              <a:t>Blueprints Visual Scripting </a:t>
+            </a:r>
+            <a:r>
+              <a:rPr lang="id-ID" sz="3600" b="1" dirty="0"/>
+              <a:t>di </a:t>
+            </a:r>
+            <a:r>
+              <a:rPr lang="id-ID" sz="3600" b="1" i="1" dirty="0"/>
+              <a:t>Unreal Engine </a:t>
+            </a:r>
+            <a:r>
+              <a:rPr lang="id-ID" sz="3600" b="1" dirty="0"/>
+              <a:t>adalah sistem </a:t>
+            </a:r>
+            <a:r>
+              <a:rPr lang="id-ID" sz="3600" b="1" i="1" dirty="0"/>
+              <a:t>scripting gameplay </a:t>
+            </a:r>
+            <a:r>
+              <a:rPr lang="id-ID" sz="3600" b="1" dirty="0"/>
+              <a:t>yang lengkap berdasarkan konsep menggunakan antarmuka yang berbasis </a:t>
+            </a:r>
+            <a:r>
+              <a:rPr lang="id-ID" sz="3600" b="1" i="1" dirty="0"/>
+              <a:t>node </a:t>
+            </a:r>
+            <a:r>
+              <a:rPr lang="id-ID" sz="3600" b="1" dirty="0"/>
+              <a:t>untuk membuat elemen </a:t>
+            </a:r>
+            <a:r>
+              <a:rPr lang="id-ID" sz="3600" b="1" i="1" dirty="0"/>
+              <a:t>gameplay </a:t>
+            </a:r>
+            <a:r>
+              <a:rPr lang="id-ID" sz="3600" b="1" dirty="0"/>
+              <a:t>dari dalam </a:t>
+            </a:r>
+            <a:r>
+              <a:rPr lang="id-ID" sz="3600" b="1" i="1" dirty="0"/>
+              <a:t>Unreal Editor. </a:t>
+            </a:r>
+            <a:endParaRPr lang="en-US" sz="3600" b="1" dirty="0"/>
           </a:p>
         </p:txBody>
       </p:sp>
@@ -33400,7 +34174,7 @@
           <p:cNvPr id="2" name="Slide Number Placeholder 1">
             <a:extLst>
               <a:ext uri="{FF2B5EF4-FFF2-40B4-BE49-F238E27FC236}">
-                <a16:creationId xmlns:a16="http://schemas.microsoft.com/office/drawing/2014/main" xmlns="" id="{520FC4EE-F318-4344-9E3C-B950ADB63865}"/>
+                <a16:creationId xmlns:a16="http://schemas.microsoft.com/office/drawing/2014/main" xmlns="" id="{0B24BF10-2B55-43AB-9F77-F1A1410384A9}"/>
               </a:ext>
             </a:extLst>
           </p:cNvPr>
@@ -33425,158 +34199,53 @@
           </a:p>
         </p:txBody>
       </p:sp>
-      <p:sp>
-        <p:nvSpPr>
-          <p:cNvPr id="7" name="Text Placeholder 6">
+      <p:pic>
+        <p:nvPicPr>
+          <p:cNvPr id="3" name="Picture 2"/>
+          <p:cNvPicPr>
+            <a:picLocks noChangeAspect="1"/>
+          </p:cNvPicPr>
+          <p:nvPr/>
+        </p:nvPicPr>
+        <p:blipFill>
+          <a:blip r:embed="rId3">
             <a:extLst>
-              <a:ext uri="{FF2B5EF4-FFF2-40B4-BE49-F238E27FC236}">
-                <a16:creationId xmlns:a16="http://schemas.microsoft.com/office/drawing/2014/main" xmlns="" id="{B74126B4-1E6C-4FFF-9282-40E18A85A07F}"/>
+              <a:ext uri="{28A0092B-C50C-407E-A947-70E740481C1C}">
+                <a14:useLocalDpi xmlns:a14="http://schemas.microsoft.com/office/drawing/2010/main" val="0"/>
               </a:ext>
             </a:extLst>
-          </p:cNvPr>
-          <p:cNvSpPr>
-            <a:spLocks noGrp="1"/>
-          </p:cNvSpPr>
-          <p:nvPr>
-            <p:ph type="body" sz="quarter" idx="1"/>
-          </p:nvPr>
-        </p:nvSpPr>
-        <p:spPr/>
-        <p:txBody>
-          <a:bodyPr/>
-          <a:lstStyle/>
-          <a:p>
-            <a:r>
-              <a:rPr lang="da-DK"/>
-              <a:t>Lorem ipsum dolor sit amet</a:t>
-            </a:r>
-            <a:endParaRPr lang="en-GB" dirty="0"/>
-          </a:p>
-        </p:txBody>
-      </p:sp>
-      <p:sp>
-        <p:nvSpPr>
-          <p:cNvPr id="5" name="Text Placeholder 4">
-            <a:extLst>
-              <a:ext uri="{FF2B5EF4-FFF2-40B4-BE49-F238E27FC236}">
-                <a16:creationId xmlns:a16="http://schemas.microsoft.com/office/drawing/2014/main" xmlns="" id="{E0C87788-476B-4620-8002-A5C1177AD6C1}"/>
-              </a:ext>
-            </a:extLst>
-          </p:cNvPr>
-          <p:cNvSpPr>
-            <a:spLocks noGrp="1"/>
-          </p:cNvSpPr>
-          <p:nvPr>
-            <p:ph type="body" sz="quarter" idx="3"/>
-          </p:nvPr>
-        </p:nvSpPr>
-        <p:spPr/>
-        <p:txBody>
-          <a:bodyPr/>
-          <a:lstStyle/>
-          <a:p>
-            <a:r>
-              <a:rPr lang="da-DK"/>
-              <a:t>Lorem ipsum dolor sit amet</a:t>
-            </a:r>
-            <a:endParaRPr lang="da-DK" dirty="0"/>
-          </a:p>
-        </p:txBody>
-      </p:sp>
-      <p:sp>
-        <p:nvSpPr>
-          <p:cNvPr id="8" name="Text Placeholder 7">
-            <a:extLst>
-              <a:ext uri="{FF2B5EF4-FFF2-40B4-BE49-F238E27FC236}">
-                <a16:creationId xmlns:a16="http://schemas.microsoft.com/office/drawing/2014/main" xmlns="" id="{47DC4E62-1A34-4F98-A451-214F1808519C}"/>
-              </a:ext>
-            </a:extLst>
-          </p:cNvPr>
-          <p:cNvSpPr>
-            <a:spLocks noGrp="1"/>
-          </p:cNvSpPr>
-          <p:nvPr>
-            <p:ph type="body" sz="quarter" idx="2"/>
-          </p:nvPr>
-        </p:nvSpPr>
-        <p:spPr/>
-        <p:txBody>
-          <a:bodyPr/>
-          <a:lstStyle/>
-          <a:p>
-            <a:r>
-              <a:rPr lang="en-GB" dirty="0"/>
-              <a:t>Lorem ipsum dolor sit amet, consectetuer adipiscing elit. Maecenas porttitor congue massa. Fusce posuere, magna sed pulvinar ultricies, purus lectus malesuada libero, sit amet commodo magna eros quis urna. Nunc viverra imperdiet enim. Fusce est. Vivamus a tellus.</a:t>
-            </a:r>
-          </a:p>
-          <a:p>
-            <a:r>
-              <a:rPr lang="en-GB" dirty="0"/>
-              <a:t>Pellentesque habitant morbi tristique senectus et netus et malesuada fames ac turpis egestas. Proin pharetra nonummy pede. Mauris et orci.</a:t>
-            </a:r>
-          </a:p>
-          <a:p>
-            <a:endParaRPr lang="en-GB" dirty="0"/>
-          </a:p>
-          <a:p>
-            <a:endParaRPr lang="en-GB" dirty="0"/>
-          </a:p>
-        </p:txBody>
-      </p:sp>
-      <p:sp>
-        <p:nvSpPr>
-          <p:cNvPr id="6" name="Text Placeholder 5">
-            <a:extLst>
-              <a:ext uri="{FF2B5EF4-FFF2-40B4-BE49-F238E27FC236}">
-                <a16:creationId xmlns:a16="http://schemas.microsoft.com/office/drawing/2014/main" xmlns="" id="{000A9570-5EF6-4AFB-9FCA-7C8998E3FEB1}"/>
-              </a:ext>
-            </a:extLst>
-          </p:cNvPr>
-          <p:cNvSpPr>
-            <a:spLocks noGrp="1"/>
-          </p:cNvSpPr>
-          <p:nvPr>
-            <p:ph type="body" sz="quarter" idx="4"/>
-          </p:nvPr>
-        </p:nvSpPr>
-        <p:spPr/>
-        <p:txBody>
-          <a:bodyPr/>
-          <a:lstStyle/>
-          <a:p>
-            <a:r>
-              <a:rPr lang="en-GB" dirty="0"/>
-              <a:t>Lorem ipsum dolor sit amet, consectetuer adipiscing elit. Maecenas porttitor congue massa. Fusce posuere, magna sed pulvinar ultricies, purus lectus malesuada libero, sit amet commodo magna eros quis urna. Nunc viverra imperdiet enim. Fusce est. Vivamus a tellus.</a:t>
-            </a:r>
-          </a:p>
-          <a:p>
-            <a:r>
-              <a:rPr lang="en-GB" dirty="0"/>
-              <a:t>Pellentesque habitant morbi tristique senectus et netus et malesuada fames ac turpis egestas. Proin pharetra nonummy pede. Mauris et orci.</a:t>
-            </a:r>
-          </a:p>
-          <a:p>
-            <a:endParaRPr lang="en-GB" dirty="0"/>
-          </a:p>
-        </p:txBody>
-      </p:sp>
+          </a:blip>
+          <a:stretch>
+            <a:fillRect/>
+          </a:stretch>
+        </p:blipFill>
+        <p:spPr>
+          <a:xfrm>
+            <a:off x="4607859" y="4413343"/>
+            <a:ext cx="4611092" cy="2355012"/>
+          </a:xfrm>
+          <a:prstGeom prst="rect">
+            <a:avLst/>
+          </a:prstGeom>
+        </p:spPr>
+      </p:pic>
     </p:spTree>
     <p:extLst>
       <p:ext uri="{BB962C8B-B14F-4D97-AF65-F5344CB8AC3E}">
-        <p14:creationId xmlns:p14="http://schemas.microsoft.com/office/powerpoint/2010/main" val="3607270498"/>
+        <p14:creationId xmlns:p14="http://schemas.microsoft.com/office/powerpoint/2010/main" val="1603790197"/>
       </p:ext>
     </p:extLst>
   </p:cSld>
   <p:clrMapOvr>
     <a:masterClrMapping/>
   </p:clrMapOvr>
-  <mc:AlternateContent xmlns:mc="http://schemas.openxmlformats.org/markup-compatibility/2006" xmlns:p14="http://schemas.microsoft.com/office/powerpoint/2010/main">
-    <mc:Choice Requires="p14">
+  <mc:AlternateContent xmlns:mc="http://schemas.openxmlformats.org/markup-compatibility/2006">
+    <mc:Choice xmlns:p14="http://schemas.microsoft.com/office/powerpoint/2010/main" Requires="p14">
       <p:transition spd="med" p14:dur="700">
         <p:fade/>
       </p:transition>
     </mc:Choice>
-    <mc:Fallback xmlns="">
+    <mc:Fallback>
       <p:transition spd="med">
         <p:fade/>
       </p:transition>
@@ -33611,10 +34280,69 @@
       </p:grpSpPr>
       <p:sp>
         <p:nvSpPr>
+          <p:cNvPr id="5" name="Text Placeholder 4">
+            <a:extLst>
+              <a:ext uri="{FF2B5EF4-FFF2-40B4-BE49-F238E27FC236}">
+                <a16:creationId xmlns:a16="http://schemas.microsoft.com/office/drawing/2014/main" xmlns="" id="{DCDDBE65-9AB1-4989-AF86-726591A6A128}"/>
+              </a:ext>
+            </a:extLst>
+          </p:cNvPr>
+          <p:cNvSpPr>
+            <a:spLocks noGrp="1"/>
+          </p:cNvSpPr>
+          <p:nvPr>
+            <p:ph type="body" idx="1"/>
+          </p:nvPr>
+        </p:nvSpPr>
+        <p:spPr/>
+        <p:txBody>
+          <a:bodyPr/>
+          <a:lstStyle/>
+          <a:p>
+            <a:r>
+              <a:rPr lang="en-US" dirty="0"/>
+              <a:t>Subtitle</a:t>
+            </a:r>
+            <a:endParaRPr lang="en-GB" dirty="0"/>
+          </a:p>
+        </p:txBody>
+      </p:sp>
+      <p:sp>
+        <p:nvSpPr>
+          <p:cNvPr id="2" name="Slide Number Placeholder 1">
+            <a:extLst>
+              <a:ext uri="{FF2B5EF4-FFF2-40B4-BE49-F238E27FC236}">
+                <a16:creationId xmlns:a16="http://schemas.microsoft.com/office/drawing/2014/main" xmlns="" id="{8B065C75-272B-4BB5-BA23-D80E8654D621}"/>
+              </a:ext>
+            </a:extLst>
+          </p:cNvPr>
+          <p:cNvSpPr>
+            <a:spLocks noGrp="1"/>
+          </p:cNvSpPr>
+          <p:nvPr>
+            <p:ph type="sldNum" sz="quarter" idx="12"/>
+          </p:nvPr>
+        </p:nvSpPr>
+        <p:spPr/>
+        <p:txBody>
+          <a:bodyPr/>
+          <a:lstStyle/>
+          <a:p>
+            <a:fld id="{C263D6C4-4840-40CC-AC84-17E24B3B7BDE}" type="slidenum">
+              <a:rPr lang="en-GB" smtClean="0"/>
+              <a:pPr/>
+              <a:t>24</a:t>
+            </a:fld>
+            <a:endParaRPr lang="en-GB" dirty="0"/>
+          </a:p>
+        </p:txBody>
+      </p:sp>
+      <p:sp>
+        <p:nvSpPr>
           <p:cNvPr id="4" name="Title 3">
             <a:extLst>
               <a:ext uri="{FF2B5EF4-FFF2-40B4-BE49-F238E27FC236}">
-                <a16:creationId xmlns:a16="http://schemas.microsoft.com/office/drawing/2014/main" xmlns="" id="{315E3981-F0D7-482C-A8E0-6A57700BECA7}"/>
+                <a16:creationId xmlns:a16="http://schemas.microsoft.com/office/drawing/2014/main" xmlns="" id="{BD179B88-D43C-4A31-9A52-3498E9430782}"/>
               </a:ext>
             </a:extLst>
           </p:cNvPr>
@@ -33631,358 +34359,17 @@
           <a:lstStyle/>
           <a:p>
             <a:r>
-              <a:rPr lang="en-GB" dirty="0"/>
-              <a:t>Content Title</a:t>
-            </a:r>
-          </a:p>
-        </p:txBody>
-      </p:sp>
-      <p:pic>
-        <p:nvPicPr>
-          <p:cNvPr id="25" name="Picture Placeholder 24" descr="Bar chart">
-            <a:extLst>
-              <a:ext uri="{FF2B5EF4-FFF2-40B4-BE49-F238E27FC236}">
-                <a16:creationId xmlns:a16="http://schemas.microsoft.com/office/drawing/2014/main" xmlns="" id="{C03AAFA7-022A-47F8-9DA1-7DC3897D1E52}"/>
-              </a:ext>
-            </a:extLst>
-          </p:cNvPr>
-          <p:cNvPicPr>
-            <a:picLocks noGrp="1" noChangeAspect="1"/>
-          </p:cNvPicPr>
-          <p:nvPr>
-            <p:ph type="pic" sz="quarter" idx="13"/>
-          </p:nvPr>
-        </p:nvPicPr>
-        <p:blipFill>
-          <a:blip r:embed="rId2">
-            <a:extLst>
-              <a:ext uri="{28A0092B-C50C-407E-A947-70E740481C1C}">
-                <a14:useLocalDpi xmlns:a14="http://schemas.microsoft.com/office/drawing/2010/main"/>
-              </a:ext>
-              <a:ext uri="{96DAC541-7B7A-43D3-8B79-37D633B846F1}">
-                <asvg:svgBlip xmlns:asvg="http://schemas.microsoft.com/office/drawing/2016/SVG/main" xmlns="" r:embed="rId3"/>
-              </a:ext>
-            </a:extLst>
-          </a:blip>
-          <a:srcRect t="63" b="63"/>
-          <a:stretch>
-            <a:fillRect/>
-          </a:stretch>
-        </p:blipFill>
-        <p:spPr>
-          <a:xfrm>
-            <a:off x="978212" y="2096716"/>
-            <a:ext cx="1259505" cy="1259505"/>
-          </a:xfrm>
-        </p:spPr>
-      </p:pic>
-      <p:sp>
-        <p:nvSpPr>
-          <p:cNvPr id="19" name="Text Placeholder 18">
-            <a:extLst>
-              <a:ext uri="{FF2B5EF4-FFF2-40B4-BE49-F238E27FC236}">
-                <a16:creationId xmlns:a16="http://schemas.microsoft.com/office/drawing/2014/main" xmlns="" id="{782206B1-586F-4254-9B36-D06C4E294ACF}"/>
-              </a:ext>
-            </a:extLst>
-          </p:cNvPr>
-          <p:cNvSpPr>
-            <a:spLocks noGrp="1"/>
-          </p:cNvSpPr>
-          <p:nvPr>
-            <p:ph type="body" sz="quarter" idx="18"/>
-          </p:nvPr>
-        </p:nvSpPr>
-        <p:spPr/>
-        <p:txBody>
-          <a:bodyPr/>
-          <a:lstStyle/>
-          <a:p>
-            <a:r>
-              <a:rPr lang="en-US" dirty="0"/>
-              <a:t>Caption01 appears here</a:t>
-            </a:r>
-            <a:endParaRPr lang="en-GB" dirty="0"/>
-          </a:p>
-        </p:txBody>
-      </p:sp>
-      <p:pic>
-        <p:nvPicPr>
-          <p:cNvPr id="27" name="Picture Placeholder 26" descr="Clock">
-            <a:extLst>
-              <a:ext uri="{FF2B5EF4-FFF2-40B4-BE49-F238E27FC236}">
-                <a16:creationId xmlns:a16="http://schemas.microsoft.com/office/drawing/2014/main" xmlns="" id="{6F737161-FE67-434D-A781-59EDB9EDCB23}"/>
-              </a:ext>
-            </a:extLst>
-          </p:cNvPr>
-          <p:cNvPicPr>
-            <a:picLocks noGrp="1" noChangeAspect="1"/>
-          </p:cNvPicPr>
-          <p:nvPr>
-            <p:ph type="pic" sz="quarter" idx="14"/>
-          </p:nvPr>
-        </p:nvPicPr>
-        <p:blipFill>
-          <a:blip r:embed="rId4">
-            <a:extLst>
-              <a:ext uri="{28A0092B-C50C-407E-A947-70E740481C1C}">
-                <a14:useLocalDpi xmlns:a14="http://schemas.microsoft.com/office/drawing/2010/main"/>
-              </a:ext>
-              <a:ext uri="{96DAC541-7B7A-43D3-8B79-37D633B846F1}">
-                <asvg:svgBlip xmlns:asvg="http://schemas.microsoft.com/office/drawing/2016/SVG/main" xmlns="" r:embed="rId5"/>
-              </a:ext>
-            </a:extLst>
-          </a:blip>
-          <a:srcRect/>
-          <a:stretch>
-            <a:fillRect/>
-          </a:stretch>
-        </p:blipFill>
-        <p:spPr/>
-      </p:pic>
-      <p:sp>
-        <p:nvSpPr>
-          <p:cNvPr id="20" name="Text Placeholder 19">
-            <a:extLst>
-              <a:ext uri="{FF2B5EF4-FFF2-40B4-BE49-F238E27FC236}">
-                <a16:creationId xmlns:a16="http://schemas.microsoft.com/office/drawing/2014/main" xmlns="" id="{CB924A29-3538-4A3F-82A6-D2A7538C2111}"/>
-              </a:ext>
-            </a:extLst>
-          </p:cNvPr>
-          <p:cNvSpPr>
-            <a:spLocks noGrp="1"/>
-          </p:cNvSpPr>
-          <p:nvPr>
-            <p:ph type="body" sz="quarter" idx="19"/>
-          </p:nvPr>
-        </p:nvSpPr>
-        <p:spPr/>
-        <p:txBody>
-          <a:bodyPr/>
-          <a:lstStyle/>
-          <a:p>
-            <a:r>
-              <a:rPr lang="en-US" dirty="0"/>
-              <a:t>Caption02 appears here</a:t>
-            </a:r>
-            <a:endParaRPr lang="en-GB" dirty="0"/>
-          </a:p>
-        </p:txBody>
-      </p:sp>
-      <p:pic>
-        <p:nvPicPr>
-          <p:cNvPr id="29" name="Picture Placeholder 28" descr="Microscope">
-            <a:extLst>
-              <a:ext uri="{FF2B5EF4-FFF2-40B4-BE49-F238E27FC236}">
-                <a16:creationId xmlns:a16="http://schemas.microsoft.com/office/drawing/2014/main" xmlns="" id="{9E5BF01B-21D6-4D43-9CAE-0298685C1A7B}"/>
-              </a:ext>
-            </a:extLst>
-          </p:cNvPr>
-          <p:cNvPicPr>
-            <a:picLocks noGrp="1" noChangeAspect="1"/>
-          </p:cNvPicPr>
-          <p:nvPr>
-            <p:ph type="pic" sz="quarter" idx="15"/>
-          </p:nvPr>
-        </p:nvPicPr>
-        <p:blipFill>
-          <a:blip r:embed="rId6">
-            <a:extLst>
-              <a:ext uri="{28A0092B-C50C-407E-A947-70E740481C1C}">
-                <a14:useLocalDpi xmlns:a14="http://schemas.microsoft.com/office/drawing/2010/main"/>
-              </a:ext>
-              <a:ext uri="{96DAC541-7B7A-43D3-8B79-37D633B846F1}">
-                <asvg:svgBlip xmlns:asvg="http://schemas.microsoft.com/office/drawing/2016/SVG/main" xmlns="" r:embed="rId7"/>
-              </a:ext>
-            </a:extLst>
-          </a:blip>
-          <a:srcRect t="63" b="63"/>
-          <a:stretch>
-            <a:fillRect/>
-          </a:stretch>
-        </p:blipFill>
-        <p:spPr/>
-      </p:pic>
-      <p:sp>
-        <p:nvSpPr>
-          <p:cNvPr id="21" name="Text Placeholder 20">
-            <a:extLst>
-              <a:ext uri="{FF2B5EF4-FFF2-40B4-BE49-F238E27FC236}">
-                <a16:creationId xmlns:a16="http://schemas.microsoft.com/office/drawing/2014/main" xmlns="" id="{1B8F0371-4F69-4131-91BF-9AB99E6EE89B}"/>
-              </a:ext>
-            </a:extLst>
-          </p:cNvPr>
-          <p:cNvSpPr>
-            <a:spLocks noGrp="1"/>
-          </p:cNvSpPr>
-          <p:nvPr>
-            <p:ph type="body" sz="quarter" idx="20"/>
-          </p:nvPr>
-        </p:nvSpPr>
-        <p:spPr/>
-        <p:txBody>
-          <a:bodyPr/>
-          <a:lstStyle/>
-          <a:p>
-            <a:r>
-              <a:rPr lang="en-US" dirty="0"/>
-              <a:t>Caption03 appears here</a:t>
-            </a:r>
-            <a:endParaRPr lang="en-GB" dirty="0"/>
-          </a:p>
-        </p:txBody>
-      </p:sp>
-      <p:pic>
-        <p:nvPicPr>
-          <p:cNvPr id="31" name="Picture Placeholder 30" descr="Magnifying glass">
-            <a:extLst>
-              <a:ext uri="{FF2B5EF4-FFF2-40B4-BE49-F238E27FC236}">
-                <a16:creationId xmlns:a16="http://schemas.microsoft.com/office/drawing/2014/main" xmlns="" id="{089E8AB6-C16E-4752-810F-8F98DB929DB5}"/>
-              </a:ext>
-            </a:extLst>
-          </p:cNvPr>
-          <p:cNvPicPr>
-            <a:picLocks noGrp="1" noChangeAspect="1"/>
-          </p:cNvPicPr>
-          <p:nvPr>
-            <p:ph type="pic" sz="quarter" idx="16"/>
-          </p:nvPr>
-        </p:nvPicPr>
-        <p:blipFill>
-          <a:blip r:embed="rId8">
-            <a:extLst>
-              <a:ext uri="{28A0092B-C50C-407E-A947-70E740481C1C}">
-                <a14:useLocalDpi xmlns:a14="http://schemas.microsoft.com/office/drawing/2010/main"/>
-              </a:ext>
-              <a:ext uri="{96DAC541-7B7A-43D3-8B79-37D633B846F1}">
-                <asvg:svgBlip xmlns:asvg="http://schemas.microsoft.com/office/drawing/2016/SVG/main" xmlns="" r:embed="rId9"/>
-              </a:ext>
-            </a:extLst>
-          </a:blip>
-          <a:srcRect/>
-          <a:stretch>
-            <a:fillRect/>
-          </a:stretch>
-        </p:blipFill>
-        <p:spPr/>
-      </p:pic>
-      <p:sp>
-        <p:nvSpPr>
-          <p:cNvPr id="22" name="Text Placeholder 21">
-            <a:extLst>
-              <a:ext uri="{FF2B5EF4-FFF2-40B4-BE49-F238E27FC236}">
-                <a16:creationId xmlns:a16="http://schemas.microsoft.com/office/drawing/2014/main" xmlns="" id="{78CACAF1-61EA-4605-A8FE-2EEE752B49FF}"/>
-              </a:ext>
-            </a:extLst>
-          </p:cNvPr>
-          <p:cNvSpPr>
-            <a:spLocks noGrp="1"/>
-          </p:cNvSpPr>
-          <p:nvPr>
-            <p:ph type="body" sz="quarter" idx="21"/>
-          </p:nvPr>
-        </p:nvSpPr>
-        <p:spPr/>
-        <p:txBody>
-          <a:bodyPr/>
-          <a:lstStyle/>
-          <a:p>
-            <a:r>
-              <a:rPr lang="en-US" dirty="0"/>
-              <a:t>Caption04 appears here</a:t>
-            </a:r>
-            <a:endParaRPr lang="en-GB" dirty="0"/>
-          </a:p>
-        </p:txBody>
-      </p:sp>
-      <p:pic>
-        <p:nvPicPr>
-          <p:cNvPr id="33" name="Picture Placeholder 32" descr="Head with Gears">
-            <a:extLst>
-              <a:ext uri="{FF2B5EF4-FFF2-40B4-BE49-F238E27FC236}">
-                <a16:creationId xmlns:a16="http://schemas.microsoft.com/office/drawing/2014/main" xmlns="" id="{CC9DBBE5-5AD0-41E8-A719-84509E5D9F9E}"/>
-              </a:ext>
-            </a:extLst>
-          </p:cNvPr>
-          <p:cNvPicPr>
-            <a:picLocks noGrp="1" noChangeAspect="1"/>
-          </p:cNvPicPr>
-          <p:nvPr>
-            <p:ph type="pic" sz="quarter" idx="17"/>
-          </p:nvPr>
-        </p:nvPicPr>
-        <p:blipFill>
-          <a:blip r:embed="rId10">
-            <a:extLst>
-              <a:ext uri="{28A0092B-C50C-407E-A947-70E740481C1C}">
-                <a14:useLocalDpi xmlns:a14="http://schemas.microsoft.com/office/drawing/2010/main"/>
-              </a:ext>
-              <a:ext uri="{96DAC541-7B7A-43D3-8B79-37D633B846F1}">
-                <asvg:svgBlip xmlns:asvg="http://schemas.microsoft.com/office/drawing/2016/SVG/main" xmlns="" r:embed="rId11"/>
-              </a:ext>
-            </a:extLst>
-          </a:blip>
-          <a:srcRect t="63" b="63"/>
-          <a:stretch>
-            <a:fillRect/>
-          </a:stretch>
-        </p:blipFill>
-        <p:spPr/>
-      </p:pic>
-      <p:sp>
-        <p:nvSpPr>
-          <p:cNvPr id="23" name="Text Placeholder 22">
-            <a:extLst>
-              <a:ext uri="{FF2B5EF4-FFF2-40B4-BE49-F238E27FC236}">
-                <a16:creationId xmlns:a16="http://schemas.microsoft.com/office/drawing/2014/main" xmlns="" id="{8D05A34F-7712-46DB-AB5B-272E294B62EE}"/>
-              </a:ext>
-            </a:extLst>
-          </p:cNvPr>
-          <p:cNvSpPr>
-            <a:spLocks noGrp="1"/>
-          </p:cNvSpPr>
-          <p:nvPr>
-            <p:ph type="body" sz="quarter" idx="22"/>
-          </p:nvPr>
-        </p:nvSpPr>
-        <p:spPr/>
-        <p:txBody>
-          <a:bodyPr/>
-          <a:lstStyle/>
-          <a:p>
-            <a:r>
-              <a:rPr lang="en-US" dirty="0"/>
-              <a:t>Caption05 appears here</a:t>
-            </a:r>
-            <a:endParaRPr lang="en-GB" dirty="0"/>
-          </a:p>
-        </p:txBody>
-      </p:sp>
-      <p:sp>
-        <p:nvSpPr>
-          <p:cNvPr id="2" name="Slide Number Placeholder 1">
-            <a:extLst>
-              <a:ext uri="{FF2B5EF4-FFF2-40B4-BE49-F238E27FC236}">
-                <a16:creationId xmlns:a16="http://schemas.microsoft.com/office/drawing/2014/main" xmlns="" id="{CC1F11E7-EDE5-4119-BA64-4FC57C285D19}"/>
-              </a:ext>
-            </a:extLst>
-          </p:cNvPr>
-          <p:cNvSpPr>
-            <a:spLocks noGrp="1"/>
-          </p:cNvSpPr>
-          <p:nvPr>
-            <p:ph type="sldNum" sz="quarter" idx="12"/>
-          </p:nvPr>
-        </p:nvSpPr>
-        <p:spPr/>
-        <p:txBody>
-          <a:bodyPr/>
-          <a:lstStyle/>
-          <a:p>
-            <a:fld id="{C263D6C4-4840-40CC-AC84-17E24B3B7BDE}" type="slidenum">
-              <a:rPr lang="en-GB" smtClean="0"/>
-              <a:pPr/>
-              <a:t>24</a:t>
-            </a:fld>
+              <a:rPr lang="en-GB" dirty="0" err="1" smtClean="0"/>
+              <a:t>Metodologi</a:t>
+            </a:r>
+            <a:r>
+              <a:rPr lang="en-GB" dirty="0" smtClean="0"/>
+              <a:t> </a:t>
+            </a:r>
+            <a:r>
+              <a:rPr lang="en-GB" dirty="0" err="1" smtClean="0"/>
+              <a:t>Penelitian</a:t>
+            </a:r>
             <a:endParaRPr lang="en-GB" dirty="0"/>
           </a:p>
         </p:txBody>
@@ -33990,20 +34377,20 @@
     </p:spTree>
     <p:extLst>
       <p:ext uri="{BB962C8B-B14F-4D97-AF65-F5344CB8AC3E}">
-        <p14:creationId xmlns:p14="http://schemas.microsoft.com/office/powerpoint/2010/main" val="3892131414"/>
+        <p14:creationId xmlns:p14="http://schemas.microsoft.com/office/powerpoint/2010/main" val="2774710105"/>
       </p:ext>
     </p:extLst>
   </p:cSld>
   <p:clrMapOvr>
     <a:masterClrMapping/>
   </p:clrMapOvr>
-  <mc:AlternateContent xmlns:mc="http://schemas.openxmlformats.org/markup-compatibility/2006" xmlns:p14="http://schemas.microsoft.com/office/powerpoint/2010/main">
-    <mc:Choice Requires="p14">
+  <mc:AlternateContent xmlns:mc="http://schemas.openxmlformats.org/markup-compatibility/2006">
+    <mc:Choice xmlns:p14="http://schemas.microsoft.com/office/powerpoint/2010/main" Requires="p14">
       <p:transition spd="med" p14:dur="700">
         <p:fade/>
       </p:transition>
     </mc:Choice>
-    <mc:Fallback xmlns="">
+    <mc:Fallback>
       <p:transition spd="med">
         <p:fade/>
       </p:transition>
@@ -34041,7 +34428,7 @@
           <p:cNvPr id="4" name="Title 3">
             <a:extLst>
               <a:ext uri="{FF2B5EF4-FFF2-40B4-BE49-F238E27FC236}">
-                <a16:creationId xmlns:a16="http://schemas.microsoft.com/office/drawing/2014/main" xmlns="" id="{315E3981-F0D7-482C-A8E0-6A57700BECA7}"/>
+                <a16:creationId xmlns:a16="http://schemas.microsoft.com/office/drawing/2014/main" xmlns="" id="{E3BD8413-C238-49D7-A4E1-E8FEF1811A0E}"/>
               </a:ext>
             </a:extLst>
           </p:cNvPr>
@@ -34052,131 +34439,46 @@
             <p:ph type="title"/>
           </p:nvPr>
         </p:nvSpPr>
-        <p:spPr/>
+        <p:spPr>
+          <a:xfrm>
+            <a:off x="1035303" y="2694554"/>
+            <a:ext cx="10420097" cy="859055"/>
+          </a:xfrm>
+        </p:spPr>
         <p:txBody>
-          <a:bodyPr/>
+          <a:bodyPr>
+            <a:normAutofit/>
+          </a:bodyPr>
           <a:lstStyle/>
           <a:p>
-            <a:r>
-              <a:rPr lang="en-GB" dirty="0"/>
-              <a:t>Content Title</a:t>
-            </a:r>
-          </a:p>
-        </p:txBody>
-      </p:sp>
-      <p:pic>
-        <p:nvPicPr>
-          <p:cNvPr id="20" name="Picture Placeholder 19" descr="Triangular pattern design with dimension">
-            <a:extLst>
-              <a:ext uri="{FF2B5EF4-FFF2-40B4-BE49-F238E27FC236}">
-                <a16:creationId xmlns:a16="http://schemas.microsoft.com/office/drawing/2014/main" xmlns="" id="{3DCA2B8E-64D3-7645-8DEB-688ED5756F52}"/>
-              </a:ext>
-            </a:extLst>
-          </p:cNvPr>
-          <p:cNvPicPr>
-            <a:picLocks noGrp="1" noChangeAspect="1"/>
-          </p:cNvPicPr>
-          <p:nvPr>
-            <p:ph type="pic" sz="quarter" idx="19"/>
-          </p:nvPr>
-        </p:nvPicPr>
-        <p:blipFill>
-          <a:blip r:embed="rId2">
-            <a:extLst>
-              <a:ext uri="{28A0092B-C50C-407E-A947-70E740481C1C}">
-                <a14:useLocalDpi xmlns:a14="http://schemas.microsoft.com/office/drawing/2010/main" val="0"/>
-              </a:ext>
-            </a:extLst>
-          </a:blip>
-          <a:srcRect/>
-          <a:stretch>
-            <a:fillRect/>
-          </a:stretch>
-        </p:blipFill>
-        <p:spPr/>
-      </p:pic>
-      <p:sp>
-        <p:nvSpPr>
-          <p:cNvPr id="19" name="Text Placeholder 18">
-            <a:extLst>
-              <a:ext uri="{FF2B5EF4-FFF2-40B4-BE49-F238E27FC236}">
-                <a16:creationId xmlns:a16="http://schemas.microsoft.com/office/drawing/2014/main" xmlns="" id="{782206B1-586F-4254-9B36-D06C4E294ACF}"/>
-              </a:ext>
-            </a:extLst>
-          </p:cNvPr>
-          <p:cNvSpPr>
-            <a:spLocks noGrp="1"/>
-          </p:cNvSpPr>
-          <p:nvPr>
-            <p:ph type="body" sz="quarter" idx="18"/>
-          </p:nvPr>
-        </p:nvSpPr>
-        <p:spPr/>
-        <p:txBody>
-          <a:bodyPr/>
-          <a:lstStyle/>
-          <a:p>
-            <a:r>
-              <a:rPr lang="en-US" dirty="0"/>
-              <a:t>Caption01 appears here</a:t>
-            </a:r>
-            <a:endParaRPr lang="en-GB" dirty="0"/>
-          </a:p>
-        </p:txBody>
-      </p:sp>
-      <p:sp>
-        <p:nvSpPr>
-          <p:cNvPr id="21" name="Text Placeholder 20">
-            <a:extLst>
-              <a:ext uri="{FF2B5EF4-FFF2-40B4-BE49-F238E27FC236}">
-                <a16:creationId xmlns:a16="http://schemas.microsoft.com/office/drawing/2014/main" xmlns="" id="{1B8F0371-4F69-4131-91BF-9AB99E6EE89B}"/>
-              </a:ext>
-            </a:extLst>
-          </p:cNvPr>
-          <p:cNvSpPr>
-            <a:spLocks noGrp="1"/>
-          </p:cNvSpPr>
-          <p:nvPr>
-            <p:ph type="body" sz="quarter" idx="20"/>
-          </p:nvPr>
-        </p:nvSpPr>
-        <p:spPr/>
-        <p:txBody>
-          <a:bodyPr/>
-          <a:lstStyle/>
-          <a:p>
-            <a:r>
-              <a:rPr lang="en-US" dirty="0"/>
-              <a:t>Caption03 appears here</a:t>
-            </a:r>
-            <a:endParaRPr lang="en-GB" dirty="0"/>
-          </a:p>
-        </p:txBody>
-      </p:sp>
-      <p:sp>
-        <p:nvSpPr>
-          <p:cNvPr id="22" name="Text Placeholder 21">
-            <a:extLst>
-              <a:ext uri="{FF2B5EF4-FFF2-40B4-BE49-F238E27FC236}">
-                <a16:creationId xmlns:a16="http://schemas.microsoft.com/office/drawing/2014/main" xmlns="" id="{78CACAF1-61EA-4605-A8FE-2EEE752B49FF}"/>
-              </a:ext>
-            </a:extLst>
-          </p:cNvPr>
-          <p:cNvSpPr>
-            <a:spLocks noGrp="1"/>
-          </p:cNvSpPr>
-          <p:nvPr>
-            <p:ph type="body" sz="quarter" idx="21"/>
-          </p:nvPr>
-        </p:nvSpPr>
-        <p:spPr/>
-        <p:txBody>
-          <a:bodyPr/>
-          <a:lstStyle/>
-          <a:p>
-            <a:r>
-              <a:rPr lang="en-US" dirty="0"/>
-              <a:t>Caption04 appears here</a:t>
+            <a:pPr algn="ctr"/>
+            <a:r>
+              <a:rPr lang="en-GB" dirty="0" err="1" smtClean="0"/>
+              <a:t>Waktu</a:t>
+            </a:r>
+            <a:r>
+              <a:rPr lang="en-GB" dirty="0" smtClean="0"/>
+              <a:t> </a:t>
+            </a:r>
+            <a:r>
+              <a:rPr lang="en-GB" dirty="0" err="1" smtClean="0"/>
+              <a:t>dan</a:t>
+            </a:r>
+            <a:r>
+              <a:rPr lang="en-GB" dirty="0" smtClean="0"/>
+              <a:t> </a:t>
+            </a:r>
+            <a:r>
+              <a:rPr lang="en-GB" dirty="0" err="1" smtClean="0"/>
+              <a:t>Tempat</a:t>
+            </a:r>
+            <a:r>
+              <a:rPr lang="en-GB" dirty="0" smtClean="0"/>
+              <a:t> </a:t>
+            </a:r>
+            <a:r>
+              <a:rPr lang="en-GB" dirty="0" err="1" smtClean="0"/>
+              <a:t>Penelitian</a:t>
             </a:r>
             <a:endParaRPr lang="en-GB" dirty="0"/>
           </a:p>
@@ -34187,7 +34489,7 @@
           <p:cNvPr id="2" name="Slide Number Placeholder 1">
             <a:extLst>
               <a:ext uri="{FF2B5EF4-FFF2-40B4-BE49-F238E27FC236}">
-                <a16:creationId xmlns:a16="http://schemas.microsoft.com/office/drawing/2014/main" xmlns="" id="{2F478C69-0A1D-45FF-8600-ED903803FFE1}"/>
+                <a16:creationId xmlns:a16="http://schemas.microsoft.com/office/drawing/2014/main" xmlns="" id="{0B24BF10-2B55-43AB-9F77-F1A1410384A9}"/>
               </a:ext>
             </a:extLst>
           </p:cNvPr>
@@ -34212,28 +34514,54 @@
           </a:p>
         </p:txBody>
       </p:sp>
+      <p:sp>
+        <p:nvSpPr>
+          <p:cNvPr id="6" name="Text Placeholder 5"/>
+          <p:cNvSpPr>
+            <a:spLocks noGrp="1"/>
+          </p:cNvSpPr>
+          <p:nvPr>
+            <p:ph type="body" idx="1"/>
+          </p:nvPr>
+        </p:nvSpPr>
+        <p:spPr/>
+        <p:txBody>
+          <a:bodyPr/>
+          <a:lstStyle/>
+          <a:p>
+            <a:endParaRPr lang="en-US"/>
+          </a:p>
+        </p:txBody>
+      </p:sp>
     </p:spTree>
     <p:extLst>
       <p:ext uri="{BB962C8B-B14F-4D97-AF65-F5344CB8AC3E}">
-        <p14:creationId xmlns:p14="http://schemas.microsoft.com/office/powerpoint/2010/main" val="451187730"/>
+        <p14:creationId xmlns:p14="http://schemas.microsoft.com/office/powerpoint/2010/main" val="1512778613"/>
       </p:ext>
     </p:extLst>
   </p:cSld>
   <p:clrMapOvr>
     <a:masterClrMapping/>
   </p:clrMapOvr>
-  <mc:AlternateContent xmlns:mc="http://schemas.openxmlformats.org/markup-compatibility/2006" xmlns:p14="http://schemas.microsoft.com/office/powerpoint/2010/main">
-    <mc:Choice Requires="p14">
+  <mc:AlternateContent xmlns:mc="http://schemas.openxmlformats.org/markup-compatibility/2006">
+    <mc:Choice xmlns:p14="http://schemas.microsoft.com/office/powerpoint/2010/main" Requires="p14">
       <p:transition spd="med" p14:dur="700">
         <p:fade/>
       </p:transition>
     </mc:Choice>
-    <mc:Fallback xmlns="">
+    <mc:Fallback>
       <p:transition spd="med">
         <p:fade/>
       </p:transition>
     </mc:Fallback>
   </mc:AlternateContent>
+  <p:timing>
+    <p:tnLst>
+      <p:par>
+        <p:cTn id="1" dur="indefinite" restart="never" nodeType="tmRoot"/>
+      </p:par>
+    </p:tnLst>
+  </p:timing>
 </p:sld>
 </file>
 
@@ -34259,7 +34587,7 @@
           <p:cNvPr id="4" name="Title 3">
             <a:extLst>
               <a:ext uri="{FF2B5EF4-FFF2-40B4-BE49-F238E27FC236}">
-                <a16:creationId xmlns:a16="http://schemas.microsoft.com/office/drawing/2014/main" xmlns="" id="{315E3981-F0D7-482C-A8E0-6A57700BECA7}"/>
+                <a16:creationId xmlns:a16="http://schemas.microsoft.com/office/drawing/2014/main" xmlns="" id="{E3BD8413-C238-49D7-A4E1-E8FEF1811A0E}"/>
               </a:ext>
             </a:extLst>
           </p:cNvPr>
@@ -34270,58 +34598,48 @@
             <p:ph type="title"/>
           </p:nvPr>
         </p:nvSpPr>
-        <p:spPr/>
+        <p:spPr>
+          <a:xfrm>
+            <a:off x="832103" y="31383"/>
+            <a:ext cx="10420097" cy="859055"/>
+          </a:xfrm>
+        </p:spPr>
         <p:txBody>
-          <a:bodyPr/>
+          <a:bodyPr>
+            <a:normAutofit/>
+          </a:bodyPr>
           <a:lstStyle/>
           <a:p>
             <a:r>
+              <a:rPr lang="en-GB" dirty="0" err="1"/>
+              <a:t>Alat</a:t>
+            </a:r>
+            <a:r>
               <a:rPr lang="en-GB" dirty="0"/>
-              <a:t>Content Title</a:t>
-            </a:r>
+              <a:t> </a:t>
+            </a:r>
+            <a:r>
+              <a:rPr lang="en-GB" dirty="0" err="1"/>
+              <a:t>dan</a:t>
+            </a:r>
+            <a:r>
+              <a:rPr lang="en-GB" dirty="0"/>
+              <a:t> </a:t>
+            </a:r>
+            <a:r>
+              <a:rPr lang="en-GB" dirty="0" err="1"/>
+              <a:t>Bahan</a:t>
+            </a:r>
+            <a:endParaRPr lang="en-GB" dirty="0"/>
           </a:p>
         </p:txBody>
       </p:sp>
-      <p:pic>
-        <p:nvPicPr>
-          <p:cNvPr id="8" name="Picture Placeholder 7" descr="Triangular pattern design with dimension">
+      <p:sp>
+        <p:nvSpPr>
+          <p:cNvPr id="5" name="Text Placeholder 4">
             <a:extLst>
               <a:ext uri="{FF2B5EF4-FFF2-40B4-BE49-F238E27FC236}">
-                <a16:creationId xmlns:a16="http://schemas.microsoft.com/office/drawing/2014/main" xmlns="" id="{2301248D-7370-7643-9BE6-F8CDCFF4D460}"/>
-              </a:ext>
-            </a:extLst>
-          </p:cNvPr>
-          <p:cNvPicPr>
-            <a:picLocks noGrp="1" noChangeAspect="1"/>
-          </p:cNvPicPr>
-          <p:nvPr>
-            <p:ph type="pic" sz="quarter" idx="19"/>
-          </p:nvPr>
-        </p:nvPicPr>
-        <p:blipFill rotWithShape="1">
-          <a:blip r:embed="rId2">
-            <a:extLst>
-              <a:ext uri="{28A0092B-C50C-407E-A947-70E740481C1C}">
-                <a14:useLocalDpi xmlns:a14="http://schemas.microsoft.com/office/drawing/2010/main" val="0"/>
-              </a:ext>
-            </a:extLst>
-          </a:blip>
-          <a:srcRect/>
-          <a:stretch/>
-        </p:blipFill>
-        <p:spPr>
-          <a:xfrm>
-            <a:off x="-2" y="1352575"/>
-            <a:ext cx="12192002" cy="2289897"/>
-          </a:xfrm>
-        </p:spPr>
-      </p:pic>
-      <p:sp>
-        <p:nvSpPr>
-          <p:cNvPr id="19" name="Text Placeholder 18">
-            <a:extLst>
-              <a:ext uri="{FF2B5EF4-FFF2-40B4-BE49-F238E27FC236}">
-                <a16:creationId xmlns:a16="http://schemas.microsoft.com/office/drawing/2014/main" xmlns="" id="{782206B1-586F-4254-9B36-D06C4E294ACF}"/>
+                <a16:creationId xmlns:a16="http://schemas.microsoft.com/office/drawing/2014/main" xmlns="" id="{0A95F4DE-39B7-4CE2-BC1E-8B8AE662A895}"/>
               </a:ext>
             </a:extLst>
           </p:cNvPr>
@@ -34329,24 +34647,67 @@
             <a:spLocks noGrp="1"/>
           </p:cNvSpPr>
           <p:nvPr>
-            <p:ph type="body" sz="quarter" idx="18"/>
+            <p:ph type="body" idx="1"/>
           </p:nvPr>
         </p:nvSpPr>
-        <p:spPr/>
+        <p:spPr>
+          <a:xfrm>
+            <a:off x="831850" y="900062"/>
+            <a:ext cx="8545232" cy="5415013"/>
+          </a:xfrm>
+        </p:spPr>
         <p:txBody>
-          <a:bodyPr/>
+          <a:bodyPr numCol="1">
+            <a:normAutofit/>
+          </a:bodyPr>
           <a:lstStyle/>
           <a:p>
-            <a:r>
-              <a:rPr lang="en-US" dirty="0"/>
-              <a:t>Lorem ipsum dolor sit amet, consectetuer adipiscing elit. Maecenas porttitor congue massa. Fusce posuere, magna sed pulvinar ultricies, purus lectus malesuada libero, sit amet commodo magna eros quis urna. Nunc viverra imperdiet enim. Fusce est. Vivamus a tellus.</a:t>
-            </a:r>
-          </a:p>
-          <a:p>
-            <a:r>
-              <a:rPr lang="en-US" dirty="0"/>
-              <a:t>Pellentesque habitant morbi tristique senectus et netus et malesuada fames ac turpis egestas. Proin pharetra nonummy pede. Mauris et orci.</a:t>
-            </a:r>
+            <a:pPr lvl="0"/>
+            <a:r>
+              <a:rPr lang="id-ID" sz="3600" i="1" dirty="0"/>
+              <a:t>Unreal Engine 4</a:t>
+            </a:r>
+            <a:r>
+              <a:rPr lang="id-ID" sz="3600" dirty="0"/>
+              <a:t>.</a:t>
+            </a:r>
+            <a:endParaRPr lang="en-US" sz="3600" dirty="0"/>
+          </a:p>
+          <a:p>
+            <a:pPr lvl="0"/>
+            <a:r>
+              <a:rPr lang="id-ID" sz="3600" dirty="0"/>
+              <a:t>Mozila Firefox.</a:t>
+            </a:r>
+            <a:endParaRPr lang="en-US" sz="3600" dirty="0"/>
+          </a:p>
+          <a:p>
+            <a:pPr lvl="0"/>
+            <a:r>
+              <a:rPr lang="id-ID" sz="3600" dirty="0"/>
+              <a:t>Komputer.</a:t>
+            </a:r>
+            <a:endParaRPr lang="en-US" sz="3600" dirty="0"/>
+          </a:p>
+          <a:p>
+            <a:pPr lvl="0"/>
+            <a:r>
+              <a:rPr lang="id-ID" sz="3600" dirty="0"/>
+              <a:t>Paket Data.</a:t>
+            </a:r>
+            <a:endParaRPr lang="en-US" sz="3600" dirty="0"/>
+          </a:p>
+          <a:p>
+            <a:pPr lvl="0"/>
+            <a:r>
+              <a:rPr lang="id-ID" sz="3600" dirty="0"/>
+              <a:t>Microsoft Excel 2013</a:t>
+            </a:r>
+            <a:r>
+              <a:rPr lang="id-ID" sz="3600" dirty="0" smtClean="0"/>
+              <a:t>.</a:t>
+            </a:r>
+            <a:endParaRPr lang="en-US" sz="3600" dirty="0"/>
           </a:p>
         </p:txBody>
       </p:sp>
@@ -34355,7 +34716,7 @@
           <p:cNvPr id="2" name="Slide Number Placeholder 1">
             <a:extLst>
               <a:ext uri="{FF2B5EF4-FFF2-40B4-BE49-F238E27FC236}">
-                <a16:creationId xmlns:a16="http://schemas.microsoft.com/office/drawing/2014/main" xmlns="" id="{FAC2D367-2A6E-41FE-A9EA-24FF17BCAA97}"/>
+                <a16:creationId xmlns:a16="http://schemas.microsoft.com/office/drawing/2014/main" xmlns="" id="{0B24BF10-2B55-43AB-9F77-F1A1410384A9}"/>
               </a:ext>
             </a:extLst>
           </p:cNvPr>
@@ -34383,25 +34744,32 @@
     </p:spTree>
     <p:extLst>
       <p:ext uri="{BB962C8B-B14F-4D97-AF65-F5344CB8AC3E}">
-        <p14:creationId xmlns:p14="http://schemas.microsoft.com/office/powerpoint/2010/main" val="663103393"/>
+        <p14:creationId xmlns:p14="http://schemas.microsoft.com/office/powerpoint/2010/main" val="3838382518"/>
       </p:ext>
     </p:extLst>
   </p:cSld>
   <p:clrMapOvr>
     <a:masterClrMapping/>
   </p:clrMapOvr>
-  <mc:AlternateContent xmlns:mc="http://schemas.openxmlformats.org/markup-compatibility/2006" xmlns:p14="http://schemas.microsoft.com/office/powerpoint/2010/main">
-    <mc:Choice Requires="p14">
+  <mc:AlternateContent xmlns:mc="http://schemas.openxmlformats.org/markup-compatibility/2006">
+    <mc:Choice xmlns:p14="http://schemas.microsoft.com/office/powerpoint/2010/main" Requires="p14">
       <p:transition spd="med" p14:dur="700">
         <p:fade/>
       </p:transition>
     </mc:Choice>
-    <mc:Fallback xmlns="">
+    <mc:Fallback>
       <p:transition spd="med">
         <p:fade/>
       </p:transition>
     </mc:Fallback>
   </mc:AlternateContent>
+  <p:timing>
+    <p:tnLst>
+      <p:par>
+        <p:cTn id="1" dur="indefinite" restart="never" nodeType="tmRoot"/>
+      </p:par>
+    </p:tnLst>
+  </p:timing>
 </p:sld>
 </file>
 
@@ -34424,10 +34792,10 @@
       </p:grpSpPr>
       <p:sp>
         <p:nvSpPr>
-          <p:cNvPr id="5" name="Title 4">
+          <p:cNvPr id="4" name="Title 3">
             <a:extLst>
               <a:ext uri="{FF2B5EF4-FFF2-40B4-BE49-F238E27FC236}">
-                <a16:creationId xmlns:a16="http://schemas.microsoft.com/office/drawing/2014/main" xmlns="" id="{201323FB-427E-4A8D-B473-AB0657D8D23B}"/>
+                <a16:creationId xmlns:a16="http://schemas.microsoft.com/office/drawing/2014/main" xmlns="" id="{E3BD8413-C238-49D7-A4E1-E8FEF1811A0E}"/>
               </a:ext>
             </a:extLst>
           </p:cNvPr>
@@ -34438,1846 +34806,214 @@
             <p:ph type="title"/>
           </p:nvPr>
         </p:nvSpPr>
-        <p:spPr/>
+        <p:spPr>
+          <a:xfrm>
+            <a:off x="832103" y="31383"/>
+            <a:ext cx="10420097" cy="859055"/>
+          </a:xfrm>
+        </p:spPr>
         <p:txBody>
-          <a:bodyPr/>
+          <a:bodyPr>
+            <a:normAutofit/>
+          </a:bodyPr>
           <a:lstStyle/>
           <a:p>
             <a:r>
-              <a:rPr lang="en-US" dirty="0"/>
-              <a:t>Table</a:t>
+              <a:rPr lang="en-GB" dirty="0" err="1" smtClean="0"/>
+              <a:t>Metode</a:t>
+            </a:r>
+            <a:r>
+              <a:rPr lang="en-GB" dirty="0" smtClean="0"/>
+              <a:t> </a:t>
+            </a:r>
+            <a:r>
+              <a:rPr lang="en-GB" dirty="0" err="1" smtClean="0"/>
+              <a:t>Penelitian</a:t>
             </a:r>
             <a:endParaRPr lang="en-GB" dirty="0"/>
           </a:p>
         </p:txBody>
       </p:sp>
-      <p:graphicFrame>
-        <p:nvGraphicFramePr>
-          <p:cNvPr id="6" name="Table 5">
+      <p:sp>
+        <p:nvSpPr>
+          <p:cNvPr id="5" name="Text Placeholder 4">
             <a:extLst>
               <a:ext uri="{FF2B5EF4-FFF2-40B4-BE49-F238E27FC236}">
-                <a16:creationId xmlns:a16="http://schemas.microsoft.com/office/drawing/2014/main" xmlns="" id="{E8EEB296-8554-4D20-B3B8-C0BBC380A58D}"/>
+                <a16:creationId xmlns:a16="http://schemas.microsoft.com/office/drawing/2014/main" xmlns="" id="{0A95F4DE-39B7-4CE2-BC1E-8B8AE662A895}"/>
               </a:ext>
             </a:extLst>
           </p:cNvPr>
-          <p:cNvGraphicFramePr>
-            <a:graphicFrameLocks noGrp="1"/>
-          </p:cNvGraphicFramePr>
+          <p:cNvSpPr>
+            <a:spLocks noGrp="1"/>
+          </p:cNvSpPr>
           <p:nvPr>
-            <p:extLst>
-              <p:ext uri="{D42A27DB-BD31-4B8C-83A1-F6EECF244321}">
-                <p14:modId xmlns:p14="http://schemas.microsoft.com/office/powerpoint/2010/main" val="2357960289"/>
-              </p:ext>
-            </p:extLst>
+            <p:ph type="body" idx="1"/>
           </p:nvPr>
-        </p:nvGraphicFramePr>
-        <p:xfrm>
-          <a:off x="1130300" y="1856740"/>
-          <a:ext cx="9931400" cy="3931920"/>
-        </p:xfrm>
-        <a:graphic>
-          <a:graphicData uri="http://schemas.openxmlformats.org/drawingml/2006/table">
-            <a:tbl>
-              <a:tblPr firstRow="1" bandRow="1">
-                <a:tableStyleId>{5C22544A-7EE6-4342-B048-85BDC9FD1C3A}</a:tableStyleId>
-              </a:tblPr>
-              <a:tblGrid>
-                <a:gridCol w="2482850">
-                  <a:extLst>
-                    <a:ext uri="{9D8B030D-6E8A-4147-A177-3AD203B41FA5}">
-                      <a16:colId xmlns:a16="http://schemas.microsoft.com/office/drawing/2014/main" xmlns="" val="3559833401"/>
-                    </a:ext>
-                  </a:extLst>
-                </a:gridCol>
-                <a:gridCol w="2482850">
-                  <a:extLst>
-                    <a:ext uri="{9D8B030D-6E8A-4147-A177-3AD203B41FA5}">
-                      <a16:colId xmlns:a16="http://schemas.microsoft.com/office/drawing/2014/main" xmlns="" val="82523989"/>
-                    </a:ext>
-                  </a:extLst>
-                </a:gridCol>
-                <a:gridCol w="2482850">
-                  <a:extLst>
-                    <a:ext uri="{9D8B030D-6E8A-4147-A177-3AD203B41FA5}">
-                      <a16:colId xmlns:a16="http://schemas.microsoft.com/office/drawing/2014/main" xmlns="" val="3211310719"/>
-                    </a:ext>
-                  </a:extLst>
-                </a:gridCol>
-                <a:gridCol w="2482850">
-                  <a:extLst>
-                    <a:ext uri="{9D8B030D-6E8A-4147-A177-3AD203B41FA5}">
-                      <a16:colId xmlns:a16="http://schemas.microsoft.com/office/drawing/2014/main" xmlns="" val="4160613981"/>
-                    </a:ext>
-                  </a:extLst>
-                </a:gridCol>
-              </a:tblGrid>
-              <a:tr h="640080">
-                <a:tc>
-                  <a:txBody>
-                    <a:bodyPr/>
-                    <a:lstStyle/>
-                    <a:p>
-                      <a:pPr algn="ctr"/>
-                      <a:r>
-                        <a:rPr lang="en-US" sz="1600" b="0" dirty="0">
-                          <a:latin typeface="+mn-lt"/>
-                          <a:cs typeface="Arial" panose="020B0604020202020204" pitchFamily="34" charset="0"/>
-                        </a:rPr>
-                        <a:t>Title</a:t>
-                      </a:r>
-                      <a:endParaRPr lang="en-GB" sz="1600" b="0" dirty="0">
-                        <a:latin typeface="+mn-lt"/>
-                        <a:cs typeface="Arial" panose="020B0604020202020204" pitchFamily="34" charset="0"/>
-                      </a:endParaRPr>
-                    </a:p>
-                  </a:txBody>
-                  <a:tcPr anchor="ctr">
-                    <a:lnL w="12700" cap="flat" cmpd="sng" algn="ctr">
-                      <a:noFill/>
-                      <a:prstDash val="solid"/>
-                      <a:round/>
-                      <a:headEnd type="none" w="med" len="med"/>
-                      <a:tailEnd type="none" w="med" len="med"/>
-                    </a:lnL>
-                    <a:lnR w="12700" cap="flat" cmpd="sng" algn="ctr">
-                      <a:solidFill>
-                        <a:schemeClr val="accent2">
-                          <a:lumMod val="75000"/>
-                        </a:schemeClr>
-                      </a:solidFill>
-                      <a:prstDash val="solid"/>
-                      <a:round/>
-                      <a:headEnd type="none" w="med" len="med"/>
-                      <a:tailEnd type="none" w="med" len="med"/>
-                    </a:lnR>
-                    <a:lnT w="38100" cap="flat" cmpd="sng" algn="ctr">
-                      <a:solidFill>
-                        <a:schemeClr val="accent2">
-                          <a:lumMod val="75000"/>
-                        </a:schemeClr>
-                      </a:solidFill>
-                      <a:prstDash val="solid"/>
-                      <a:round/>
-                      <a:headEnd type="none" w="med" len="med"/>
-                      <a:tailEnd type="none" w="med" len="med"/>
-                    </a:lnT>
-                    <a:lnB w="38100" cap="flat" cmpd="sng" algn="ctr">
-                      <a:solidFill>
-                        <a:schemeClr val="accent2">
-                          <a:lumMod val="75000"/>
-                        </a:schemeClr>
-                      </a:solidFill>
-                      <a:prstDash val="solid"/>
-                      <a:round/>
-                      <a:headEnd type="none" w="med" len="med"/>
-                      <a:tailEnd type="none" w="med" len="med"/>
-                    </a:lnB>
-                    <a:lnTlToBr w="12700" cmpd="sng">
-                      <a:noFill/>
-                      <a:prstDash val="solid"/>
-                    </a:lnTlToBr>
-                    <a:lnBlToTr w="12700" cmpd="sng">
-                      <a:noFill/>
-                      <a:prstDash val="solid"/>
-                    </a:lnBlToTr>
-                    <a:noFill/>
-                  </a:tcPr>
-                </a:tc>
-                <a:tc>
-                  <a:txBody>
-                    <a:bodyPr/>
-                    <a:lstStyle/>
-                    <a:p>
-                      <a:pPr marL="0" marR="0" lvl="0" indent="0" algn="ctr" defTabSz="914400" rtl="0" eaLnBrk="1" fontAlgn="auto" latinLnBrk="0" hangingPunct="1">
-                        <a:lnSpc>
-                          <a:spcPct val="100000"/>
-                        </a:lnSpc>
-                        <a:spcBef>
-                          <a:spcPts val="0"/>
-                        </a:spcBef>
-                        <a:spcAft>
-                          <a:spcPts val="0"/>
-                        </a:spcAft>
-                        <a:buClrTx/>
-                        <a:buSzTx/>
-                        <a:buFontTx/>
-                        <a:buNone/>
-                        <a:tabLst/>
-                        <a:defRPr/>
-                      </a:pPr>
-                      <a:r>
-                        <a:rPr lang="en-US" sz="1600" b="0" dirty="0">
-                          <a:latin typeface="+mn-lt"/>
-                          <a:cs typeface="Arial" panose="020B0604020202020204" pitchFamily="34" charset="0"/>
-                        </a:rPr>
-                        <a:t>Title</a:t>
-                      </a:r>
-                      <a:endParaRPr lang="en-GB" sz="1600" b="0" dirty="0">
-                        <a:latin typeface="+mn-lt"/>
-                        <a:cs typeface="Arial" panose="020B0604020202020204" pitchFamily="34" charset="0"/>
-                      </a:endParaRPr>
-                    </a:p>
-                  </a:txBody>
-                  <a:tcPr anchor="ctr">
-                    <a:lnL w="12700" cap="flat" cmpd="sng" algn="ctr">
-                      <a:solidFill>
-                        <a:schemeClr val="accent2">
-                          <a:lumMod val="75000"/>
-                        </a:schemeClr>
-                      </a:solidFill>
-                      <a:prstDash val="solid"/>
-                      <a:round/>
-                      <a:headEnd type="none" w="med" len="med"/>
-                      <a:tailEnd type="none" w="med" len="med"/>
-                    </a:lnL>
-                    <a:lnR w="12700" cap="flat" cmpd="sng" algn="ctr">
-                      <a:solidFill>
-                        <a:schemeClr val="accent2">
-                          <a:lumMod val="75000"/>
-                        </a:schemeClr>
-                      </a:solidFill>
-                      <a:prstDash val="solid"/>
-                      <a:round/>
-                      <a:headEnd type="none" w="med" len="med"/>
-                      <a:tailEnd type="none" w="med" len="med"/>
-                    </a:lnR>
-                    <a:lnT w="38100" cap="flat" cmpd="sng" algn="ctr">
-                      <a:solidFill>
-                        <a:schemeClr val="accent2">
-                          <a:lumMod val="75000"/>
-                        </a:schemeClr>
-                      </a:solidFill>
-                      <a:prstDash val="solid"/>
-                      <a:round/>
-                      <a:headEnd type="none" w="med" len="med"/>
-                      <a:tailEnd type="none" w="med" len="med"/>
-                    </a:lnT>
-                    <a:lnB w="38100" cap="flat" cmpd="sng" algn="ctr">
-                      <a:solidFill>
-                        <a:schemeClr val="accent2">
-                          <a:lumMod val="75000"/>
-                        </a:schemeClr>
-                      </a:solidFill>
-                      <a:prstDash val="solid"/>
-                      <a:round/>
-                      <a:headEnd type="none" w="med" len="med"/>
-                      <a:tailEnd type="none" w="med" len="med"/>
-                    </a:lnB>
-                    <a:lnTlToBr w="12700" cmpd="sng">
-                      <a:noFill/>
-                      <a:prstDash val="solid"/>
-                    </a:lnTlToBr>
-                    <a:lnBlToTr w="12700" cmpd="sng">
-                      <a:noFill/>
-                      <a:prstDash val="solid"/>
-                    </a:lnBlToTr>
-                    <a:noFill/>
-                  </a:tcPr>
-                </a:tc>
-                <a:tc>
-                  <a:txBody>
-                    <a:bodyPr/>
-                    <a:lstStyle/>
-                    <a:p>
-                      <a:pPr marL="0" marR="0" lvl="0" indent="0" algn="ctr" defTabSz="914400" rtl="0" eaLnBrk="1" fontAlgn="auto" latinLnBrk="0" hangingPunct="1">
-                        <a:lnSpc>
-                          <a:spcPct val="100000"/>
-                        </a:lnSpc>
-                        <a:spcBef>
-                          <a:spcPts val="0"/>
-                        </a:spcBef>
-                        <a:spcAft>
-                          <a:spcPts val="0"/>
-                        </a:spcAft>
-                        <a:buClrTx/>
-                        <a:buSzTx/>
-                        <a:buFontTx/>
-                        <a:buNone/>
-                        <a:tabLst/>
-                        <a:defRPr/>
-                      </a:pPr>
-                      <a:r>
-                        <a:rPr lang="en-US" sz="1600" b="0" dirty="0">
-                          <a:latin typeface="+mn-lt"/>
-                          <a:cs typeface="Arial" panose="020B0604020202020204" pitchFamily="34" charset="0"/>
-                        </a:rPr>
-                        <a:t>Title</a:t>
-                      </a:r>
-                      <a:endParaRPr lang="en-GB" sz="1600" b="0" dirty="0">
-                        <a:latin typeface="+mn-lt"/>
-                        <a:cs typeface="Arial" panose="020B0604020202020204" pitchFamily="34" charset="0"/>
-                      </a:endParaRPr>
-                    </a:p>
-                  </a:txBody>
-                  <a:tcPr anchor="ctr">
-                    <a:lnL w="12700" cap="flat" cmpd="sng" algn="ctr">
-                      <a:solidFill>
-                        <a:schemeClr val="accent2">
-                          <a:lumMod val="75000"/>
-                        </a:schemeClr>
-                      </a:solidFill>
-                      <a:prstDash val="solid"/>
-                      <a:round/>
-                      <a:headEnd type="none" w="med" len="med"/>
-                      <a:tailEnd type="none" w="med" len="med"/>
-                    </a:lnL>
-                    <a:lnR w="12700" cap="flat" cmpd="sng" algn="ctr">
-                      <a:solidFill>
-                        <a:schemeClr val="accent2">
-                          <a:lumMod val="75000"/>
-                        </a:schemeClr>
-                      </a:solidFill>
-                      <a:prstDash val="solid"/>
-                      <a:round/>
-                      <a:headEnd type="none" w="med" len="med"/>
-                      <a:tailEnd type="none" w="med" len="med"/>
-                    </a:lnR>
-                    <a:lnT w="38100" cap="flat" cmpd="sng" algn="ctr">
-                      <a:solidFill>
-                        <a:schemeClr val="accent2">
-                          <a:lumMod val="75000"/>
-                        </a:schemeClr>
-                      </a:solidFill>
-                      <a:prstDash val="solid"/>
-                      <a:round/>
-                      <a:headEnd type="none" w="med" len="med"/>
-                      <a:tailEnd type="none" w="med" len="med"/>
-                    </a:lnT>
-                    <a:lnB w="38100" cap="flat" cmpd="sng" algn="ctr">
-                      <a:solidFill>
-                        <a:schemeClr val="accent2">
-                          <a:lumMod val="75000"/>
-                        </a:schemeClr>
-                      </a:solidFill>
-                      <a:prstDash val="solid"/>
-                      <a:round/>
-                      <a:headEnd type="none" w="med" len="med"/>
-                      <a:tailEnd type="none" w="med" len="med"/>
-                    </a:lnB>
-                    <a:lnTlToBr w="12700" cmpd="sng">
-                      <a:noFill/>
-                      <a:prstDash val="solid"/>
-                    </a:lnTlToBr>
-                    <a:lnBlToTr w="12700" cmpd="sng">
-                      <a:noFill/>
-                      <a:prstDash val="solid"/>
-                    </a:lnBlToTr>
-                    <a:noFill/>
-                  </a:tcPr>
-                </a:tc>
-                <a:tc>
-                  <a:txBody>
-                    <a:bodyPr/>
-                    <a:lstStyle/>
-                    <a:p>
-                      <a:pPr marL="0" marR="0" lvl="0" indent="0" algn="ctr" defTabSz="914400" rtl="0" eaLnBrk="1" fontAlgn="auto" latinLnBrk="0" hangingPunct="1">
-                        <a:lnSpc>
-                          <a:spcPct val="100000"/>
-                        </a:lnSpc>
-                        <a:spcBef>
-                          <a:spcPts val="0"/>
-                        </a:spcBef>
-                        <a:spcAft>
-                          <a:spcPts val="0"/>
-                        </a:spcAft>
-                        <a:buClrTx/>
-                        <a:buSzTx/>
-                        <a:buFontTx/>
-                        <a:buNone/>
-                        <a:tabLst/>
-                        <a:defRPr/>
-                      </a:pPr>
-                      <a:r>
-                        <a:rPr lang="en-US" sz="1600" b="0" dirty="0">
-                          <a:latin typeface="+mn-lt"/>
-                          <a:cs typeface="Arial" panose="020B0604020202020204" pitchFamily="34" charset="0"/>
-                        </a:rPr>
-                        <a:t>Title</a:t>
-                      </a:r>
-                      <a:endParaRPr lang="en-GB" sz="1600" b="0" dirty="0">
-                        <a:latin typeface="+mn-lt"/>
-                        <a:cs typeface="Arial" panose="020B0604020202020204" pitchFamily="34" charset="0"/>
-                      </a:endParaRPr>
-                    </a:p>
-                  </a:txBody>
-                  <a:tcPr anchor="ctr">
-                    <a:lnL w="12700" cap="flat" cmpd="sng" algn="ctr">
-                      <a:solidFill>
-                        <a:schemeClr val="accent2">
-                          <a:lumMod val="75000"/>
-                        </a:schemeClr>
-                      </a:solidFill>
-                      <a:prstDash val="solid"/>
-                      <a:round/>
-                      <a:headEnd type="none" w="med" len="med"/>
-                      <a:tailEnd type="none" w="med" len="med"/>
-                    </a:lnL>
-                    <a:lnR w="12700" cap="flat" cmpd="sng" algn="ctr">
-                      <a:noFill/>
-                      <a:prstDash val="solid"/>
-                      <a:round/>
-                      <a:headEnd type="none" w="med" len="med"/>
-                      <a:tailEnd type="none" w="med" len="med"/>
-                    </a:lnR>
-                    <a:lnT w="38100" cap="flat" cmpd="sng" algn="ctr">
-                      <a:solidFill>
-                        <a:schemeClr val="accent2">
-                          <a:lumMod val="75000"/>
-                        </a:schemeClr>
-                      </a:solidFill>
-                      <a:prstDash val="solid"/>
-                      <a:round/>
-                      <a:headEnd type="none" w="med" len="med"/>
-                      <a:tailEnd type="none" w="med" len="med"/>
-                    </a:lnT>
-                    <a:lnB w="38100" cap="flat" cmpd="sng" algn="ctr">
-                      <a:solidFill>
-                        <a:schemeClr val="accent2">
-                          <a:lumMod val="75000"/>
-                        </a:schemeClr>
-                      </a:solidFill>
-                      <a:prstDash val="solid"/>
-                      <a:round/>
-                      <a:headEnd type="none" w="med" len="med"/>
-                      <a:tailEnd type="none" w="med" len="med"/>
-                    </a:lnB>
-                    <a:lnTlToBr w="12700" cmpd="sng">
-                      <a:noFill/>
-                      <a:prstDash val="solid"/>
-                    </a:lnTlToBr>
-                    <a:lnBlToTr w="12700" cmpd="sng">
-                      <a:noFill/>
-                      <a:prstDash val="solid"/>
-                    </a:lnBlToTr>
-                    <a:noFill/>
-                  </a:tcPr>
-                </a:tc>
-                <a:extLst>
-                  <a:ext uri="{0D108BD9-81ED-4DB2-BD59-A6C34878D82A}">
-                    <a16:rowId xmlns:a16="http://schemas.microsoft.com/office/drawing/2014/main" xmlns="" val="3766630617"/>
-                  </a:ext>
-                </a:extLst>
-              </a:tr>
-              <a:tr h="548640">
-                <a:tc>
-                  <a:txBody>
-                    <a:bodyPr/>
-                    <a:lstStyle/>
-                    <a:p>
-                      <a:endParaRPr lang="en-GB" sz="1400" dirty="0">
-                        <a:latin typeface="+mn-lt"/>
-                      </a:endParaRPr>
-                    </a:p>
-                  </a:txBody>
-                  <a:tcPr anchor="ctr">
-                    <a:lnL w="38100" cap="flat" cmpd="sng" algn="ctr">
-                      <a:noFill/>
-                      <a:prstDash val="solid"/>
-                      <a:round/>
-                      <a:headEnd type="none" w="med" len="med"/>
-                      <a:tailEnd type="none" w="med" len="med"/>
-                    </a:lnL>
-                    <a:lnR w="12700" cap="flat" cmpd="sng" algn="ctr">
-                      <a:solidFill>
-                        <a:schemeClr val="accent2">
-                          <a:lumMod val="75000"/>
-                        </a:schemeClr>
-                      </a:solidFill>
-                      <a:prstDash val="solid"/>
-                      <a:round/>
-                      <a:headEnd type="none" w="med" len="med"/>
-                      <a:tailEnd type="none" w="med" len="med"/>
-                    </a:lnR>
-                    <a:lnT w="38100" cap="flat" cmpd="sng" algn="ctr">
-                      <a:solidFill>
-                        <a:schemeClr val="accent2">
-                          <a:lumMod val="75000"/>
-                        </a:schemeClr>
-                      </a:solidFill>
-                      <a:prstDash val="solid"/>
-                      <a:round/>
-                      <a:headEnd type="none" w="med" len="med"/>
-                      <a:tailEnd type="none" w="med" len="med"/>
-                    </a:lnT>
-                    <a:lnB w="12700" cap="flat" cmpd="sng" algn="ctr">
-                      <a:solidFill>
-                        <a:schemeClr val="accent2">
-                          <a:lumMod val="75000"/>
-                        </a:schemeClr>
-                      </a:solidFill>
-                      <a:prstDash val="solid"/>
-                      <a:round/>
-                      <a:headEnd type="none" w="med" len="med"/>
-                      <a:tailEnd type="none" w="med" len="med"/>
-                    </a:lnB>
-                    <a:noFill/>
-                  </a:tcPr>
-                </a:tc>
-                <a:tc>
-                  <a:txBody>
-                    <a:bodyPr/>
-                    <a:lstStyle/>
-                    <a:p>
-                      <a:endParaRPr lang="en-GB" sz="1400" dirty="0">
-                        <a:latin typeface="+mn-lt"/>
-                      </a:endParaRPr>
-                    </a:p>
-                  </a:txBody>
-                  <a:tcPr anchor="ctr">
-                    <a:lnL w="12700" cap="flat" cmpd="sng" algn="ctr">
-                      <a:solidFill>
-                        <a:schemeClr val="accent2">
-                          <a:lumMod val="75000"/>
-                        </a:schemeClr>
-                      </a:solidFill>
-                      <a:prstDash val="solid"/>
-                      <a:round/>
-                      <a:headEnd type="none" w="med" len="med"/>
-                      <a:tailEnd type="none" w="med" len="med"/>
-                    </a:lnL>
-                    <a:lnR w="12700" cap="flat" cmpd="sng" algn="ctr">
-                      <a:solidFill>
-                        <a:schemeClr val="accent2">
-                          <a:lumMod val="75000"/>
-                        </a:schemeClr>
-                      </a:solidFill>
-                      <a:prstDash val="solid"/>
-                      <a:round/>
-                      <a:headEnd type="none" w="med" len="med"/>
-                      <a:tailEnd type="none" w="med" len="med"/>
-                    </a:lnR>
-                    <a:lnT w="38100" cap="flat" cmpd="sng" algn="ctr">
-                      <a:solidFill>
-                        <a:schemeClr val="accent2">
-                          <a:lumMod val="75000"/>
-                        </a:schemeClr>
-                      </a:solidFill>
-                      <a:prstDash val="solid"/>
-                      <a:round/>
-                      <a:headEnd type="none" w="med" len="med"/>
-                      <a:tailEnd type="none" w="med" len="med"/>
-                    </a:lnT>
-                    <a:lnB w="12700" cap="flat" cmpd="sng" algn="ctr">
-                      <a:solidFill>
-                        <a:schemeClr val="accent2">
-                          <a:lumMod val="75000"/>
-                        </a:schemeClr>
-                      </a:solidFill>
-                      <a:prstDash val="solid"/>
-                      <a:round/>
-                      <a:headEnd type="none" w="med" len="med"/>
-                      <a:tailEnd type="none" w="med" len="med"/>
-                    </a:lnB>
-                    <a:noFill/>
-                  </a:tcPr>
-                </a:tc>
-                <a:tc>
-                  <a:txBody>
-                    <a:bodyPr/>
-                    <a:lstStyle/>
-                    <a:p>
-                      <a:endParaRPr lang="en-GB" sz="1400" dirty="0">
-                        <a:latin typeface="+mn-lt"/>
-                      </a:endParaRPr>
-                    </a:p>
-                  </a:txBody>
-                  <a:tcPr anchor="ctr">
-                    <a:lnL w="12700" cap="flat" cmpd="sng" algn="ctr">
-                      <a:solidFill>
-                        <a:schemeClr val="accent2">
-                          <a:lumMod val="75000"/>
-                        </a:schemeClr>
-                      </a:solidFill>
-                      <a:prstDash val="solid"/>
-                      <a:round/>
-                      <a:headEnd type="none" w="med" len="med"/>
-                      <a:tailEnd type="none" w="med" len="med"/>
-                    </a:lnL>
-                    <a:lnR w="12700" cap="flat" cmpd="sng" algn="ctr">
-                      <a:solidFill>
-                        <a:schemeClr val="accent2">
-                          <a:lumMod val="75000"/>
-                        </a:schemeClr>
-                      </a:solidFill>
-                      <a:prstDash val="solid"/>
-                      <a:round/>
-                      <a:headEnd type="none" w="med" len="med"/>
-                      <a:tailEnd type="none" w="med" len="med"/>
-                    </a:lnR>
-                    <a:lnT w="38100" cap="flat" cmpd="sng" algn="ctr">
-                      <a:solidFill>
-                        <a:schemeClr val="accent2">
-                          <a:lumMod val="75000"/>
-                        </a:schemeClr>
-                      </a:solidFill>
-                      <a:prstDash val="solid"/>
-                      <a:round/>
-                      <a:headEnd type="none" w="med" len="med"/>
-                      <a:tailEnd type="none" w="med" len="med"/>
-                    </a:lnT>
-                    <a:lnB w="12700" cap="flat" cmpd="sng" algn="ctr">
-                      <a:solidFill>
-                        <a:schemeClr val="accent2">
-                          <a:lumMod val="75000"/>
-                        </a:schemeClr>
-                      </a:solidFill>
-                      <a:prstDash val="solid"/>
-                      <a:round/>
-                      <a:headEnd type="none" w="med" len="med"/>
-                      <a:tailEnd type="none" w="med" len="med"/>
-                    </a:lnB>
-                    <a:noFill/>
-                  </a:tcPr>
-                </a:tc>
-                <a:tc>
-                  <a:txBody>
-                    <a:bodyPr/>
-                    <a:lstStyle/>
-                    <a:p>
-                      <a:endParaRPr lang="en-GB" sz="1400" dirty="0">
-                        <a:latin typeface="+mn-lt"/>
-                      </a:endParaRPr>
-                    </a:p>
-                  </a:txBody>
-                  <a:tcPr anchor="ctr">
-                    <a:lnL w="12700" cap="flat" cmpd="sng" algn="ctr">
-                      <a:solidFill>
-                        <a:schemeClr val="accent2">
-                          <a:lumMod val="75000"/>
-                        </a:schemeClr>
-                      </a:solidFill>
-                      <a:prstDash val="solid"/>
-                      <a:round/>
-                      <a:headEnd type="none" w="med" len="med"/>
-                      <a:tailEnd type="none" w="med" len="med"/>
-                    </a:lnL>
-                    <a:lnR w="38100" cap="flat" cmpd="sng" algn="ctr">
-                      <a:noFill/>
-                      <a:prstDash val="solid"/>
-                      <a:round/>
-                      <a:headEnd type="none" w="med" len="med"/>
-                      <a:tailEnd type="none" w="med" len="med"/>
-                    </a:lnR>
-                    <a:lnT w="38100" cap="flat" cmpd="sng" algn="ctr">
-                      <a:solidFill>
-                        <a:schemeClr val="accent2">
-                          <a:lumMod val="75000"/>
-                        </a:schemeClr>
-                      </a:solidFill>
-                      <a:prstDash val="solid"/>
-                      <a:round/>
-                      <a:headEnd type="none" w="med" len="med"/>
-                      <a:tailEnd type="none" w="med" len="med"/>
-                    </a:lnT>
-                    <a:lnB w="12700" cap="flat" cmpd="sng" algn="ctr">
-                      <a:solidFill>
-                        <a:schemeClr val="accent2">
-                          <a:lumMod val="75000"/>
-                        </a:schemeClr>
-                      </a:solidFill>
-                      <a:prstDash val="solid"/>
-                      <a:round/>
-                      <a:headEnd type="none" w="med" len="med"/>
-                      <a:tailEnd type="none" w="med" len="med"/>
-                    </a:lnB>
-                    <a:noFill/>
-                  </a:tcPr>
-                </a:tc>
-                <a:extLst>
-                  <a:ext uri="{0D108BD9-81ED-4DB2-BD59-A6C34878D82A}">
-                    <a16:rowId xmlns:a16="http://schemas.microsoft.com/office/drawing/2014/main" xmlns="" val="3446274366"/>
-                  </a:ext>
-                </a:extLst>
-              </a:tr>
-              <a:tr h="548640">
-                <a:tc>
-                  <a:txBody>
-                    <a:bodyPr/>
-                    <a:lstStyle/>
-                    <a:p>
-                      <a:endParaRPr lang="en-GB" sz="1400" dirty="0">
-                        <a:latin typeface="+mn-lt"/>
-                      </a:endParaRPr>
-                    </a:p>
-                  </a:txBody>
-                  <a:tcPr anchor="ctr">
-                    <a:lnL w="38100" cap="flat" cmpd="sng" algn="ctr">
-                      <a:noFill/>
-                      <a:prstDash val="solid"/>
-                      <a:round/>
-                      <a:headEnd type="none" w="med" len="med"/>
-                      <a:tailEnd type="none" w="med" len="med"/>
-                    </a:lnL>
-                    <a:lnR w="12700" cap="flat" cmpd="sng" algn="ctr">
-                      <a:solidFill>
-                        <a:schemeClr val="accent2">
-                          <a:lumMod val="75000"/>
-                        </a:schemeClr>
-                      </a:solidFill>
-                      <a:prstDash val="solid"/>
-                      <a:round/>
-                      <a:headEnd type="none" w="med" len="med"/>
-                      <a:tailEnd type="none" w="med" len="med"/>
-                    </a:lnR>
-                    <a:lnT w="12700" cap="flat" cmpd="sng" algn="ctr">
-                      <a:solidFill>
-                        <a:schemeClr val="accent2">
-                          <a:lumMod val="75000"/>
-                        </a:schemeClr>
-                      </a:solidFill>
-                      <a:prstDash val="solid"/>
-                      <a:round/>
-                      <a:headEnd type="none" w="med" len="med"/>
-                      <a:tailEnd type="none" w="med" len="med"/>
-                    </a:lnT>
-                    <a:lnB w="12700" cap="flat" cmpd="sng" algn="ctr">
-                      <a:solidFill>
-                        <a:schemeClr val="accent2">
-                          <a:lumMod val="75000"/>
-                        </a:schemeClr>
-                      </a:solidFill>
-                      <a:prstDash val="solid"/>
-                      <a:round/>
-                      <a:headEnd type="none" w="med" len="med"/>
-                      <a:tailEnd type="none" w="med" len="med"/>
-                    </a:lnB>
-                    <a:solidFill>
-                      <a:schemeClr val="accent5"/>
-                    </a:solidFill>
-                  </a:tcPr>
-                </a:tc>
-                <a:tc>
-                  <a:txBody>
-                    <a:bodyPr/>
-                    <a:lstStyle/>
-                    <a:p>
-                      <a:endParaRPr lang="en-GB" sz="1400" dirty="0">
-                        <a:latin typeface="+mn-lt"/>
-                      </a:endParaRPr>
-                    </a:p>
-                  </a:txBody>
-                  <a:tcPr anchor="ctr">
-                    <a:lnL w="12700" cap="flat" cmpd="sng" algn="ctr">
-                      <a:solidFill>
-                        <a:schemeClr val="accent2">
-                          <a:lumMod val="75000"/>
-                        </a:schemeClr>
-                      </a:solidFill>
-                      <a:prstDash val="solid"/>
-                      <a:round/>
-                      <a:headEnd type="none" w="med" len="med"/>
-                      <a:tailEnd type="none" w="med" len="med"/>
-                    </a:lnL>
-                    <a:lnR w="12700" cap="flat" cmpd="sng" algn="ctr">
-                      <a:solidFill>
-                        <a:schemeClr val="accent2">
-                          <a:lumMod val="75000"/>
-                        </a:schemeClr>
-                      </a:solidFill>
-                      <a:prstDash val="solid"/>
-                      <a:round/>
-                      <a:headEnd type="none" w="med" len="med"/>
-                      <a:tailEnd type="none" w="med" len="med"/>
-                    </a:lnR>
-                    <a:lnT w="12700" cap="flat" cmpd="sng" algn="ctr">
-                      <a:solidFill>
-                        <a:schemeClr val="accent2">
-                          <a:lumMod val="75000"/>
-                        </a:schemeClr>
-                      </a:solidFill>
-                      <a:prstDash val="solid"/>
-                      <a:round/>
-                      <a:headEnd type="none" w="med" len="med"/>
-                      <a:tailEnd type="none" w="med" len="med"/>
-                    </a:lnT>
-                    <a:lnB w="12700" cap="flat" cmpd="sng" algn="ctr">
-                      <a:solidFill>
-                        <a:schemeClr val="accent2">
-                          <a:lumMod val="75000"/>
-                        </a:schemeClr>
-                      </a:solidFill>
-                      <a:prstDash val="solid"/>
-                      <a:round/>
-                      <a:headEnd type="none" w="med" len="med"/>
-                      <a:tailEnd type="none" w="med" len="med"/>
-                    </a:lnB>
-                    <a:solidFill>
-                      <a:schemeClr val="accent5"/>
-                    </a:solidFill>
-                  </a:tcPr>
-                </a:tc>
-                <a:tc>
-                  <a:txBody>
-                    <a:bodyPr/>
-                    <a:lstStyle/>
-                    <a:p>
-                      <a:endParaRPr lang="en-GB" sz="1400" dirty="0">
-                        <a:latin typeface="+mn-lt"/>
-                      </a:endParaRPr>
-                    </a:p>
-                  </a:txBody>
-                  <a:tcPr anchor="ctr">
-                    <a:lnL w="12700" cap="flat" cmpd="sng" algn="ctr">
-                      <a:solidFill>
-                        <a:schemeClr val="accent2">
-                          <a:lumMod val="75000"/>
-                        </a:schemeClr>
-                      </a:solidFill>
-                      <a:prstDash val="solid"/>
-                      <a:round/>
-                      <a:headEnd type="none" w="med" len="med"/>
-                      <a:tailEnd type="none" w="med" len="med"/>
-                    </a:lnL>
-                    <a:lnR w="12700" cap="flat" cmpd="sng" algn="ctr">
-                      <a:solidFill>
-                        <a:schemeClr val="accent2">
-                          <a:lumMod val="75000"/>
-                        </a:schemeClr>
-                      </a:solidFill>
-                      <a:prstDash val="solid"/>
-                      <a:round/>
-                      <a:headEnd type="none" w="med" len="med"/>
-                      <a:tailEnd type="none" w="med" len="med"/>
-                    </a:lnR>
-                    <a:lnT w="12700" cap="flat" cmpd="sng" algn="ctr">
-                      <a:solidFill>
-                        <a:schemeClr val="accent2">
-                          <a:lumMod val="75000"/>
-                        </a:schemeClr>
-                      </a:solidFill>
-                      <a:prstDash val="solid"/>
-                      <a:round/>
-                      <a:headEnd type="none" w="med" len="med"/>
-                      <a:tailEnd type="none" w="med" len="med"/>
-                    </a:lnT>
-                    <a:lnB w="12700" cap="flat" cmpd="sng" algn="ctr">
-                      <a:solidFill>
-                        <a:schemeClr val="accent2">
-                          <a:lumMod val="75000"/>
-                        </a:schemeClr>
-                      </a:solidFill>
-                      <a:prstDash val="solid"/>
-                      <a:round/>
-                      <a:headEnd type="none" w="med" len="med"/>
-                      <a:tailEnd type="none" w="med" len="med"/>
-                    </a:lnB>
-                    <a:solidFill>
-                      <a:schemeClr val="accent5"/>
-                    </a:solidFill>
-                  </a:tcPr>
-                </a:tc>
-                <a:tc>
-                  <a:txBody>
-                    <a:bodyPr/>
-                    <a:lstStyle/>
-                    <a:p>
-                      <a:endParaRPr lang="en-GB" sz="1400" dirty="0">
-                        <a:latin typeface="+mn-lt"/>
-                      </a:endParaRPr>
-                    </a:p>
-                  </a:txBody>
-                  <a:tcPr anchor="ctr">
-                    <a:lnL w="12700" cap="flat" cmpd="sng" algn="ctr">
-                      <a:solidFill>
-                        <a:schemeClr val="accent2">
-                          <a:lumMod val="75000"/>
-                        </a:schemeClr>
-                      </a:solidFill>
-                      <a:prstDash val="solid"/>
-                      <a:round/>
-                      <a:headEnd type="none" w="med" len="med"/>
-                      <a:tailEnd type="none" w="med" len="med"/>
-                    </a:lnL>
-                    <a:lnR w="38100" cap="flat" cmpd="sng" algn="ctr">
-                      <a:noFill/>
-                      <a:prstDash val="solid"/>
-                      <a:round/>
-                      <a:headEnd type="none" w="med" len="med"/>
-                      <a:tailEnd type="none" w="med" len="med"/>
-                    </a:lnR>
-                    <a:lnT w="12700" cap="flat" cmpd="sng" algn="ctr">
-                      <a:solidFill>
-                        <a:schemeClr val="accent2">
-                          <a:lumMod val="75000"/>
-                        </a:schemeClr>
-                      </a:solidFill>
-                      <a:prstDash val="solid"/>
-                      <a:round/>
-                      <a:headEnd type="none" w="med" len="med"/>
-                      <a:tailEnd type="none" w="med" len="med"/>
-                    </a:lnT>
-                    <a:lnB w="12700" cap="flat" cmpd="sng" algn="ctr">
-                      <a:solidFill>
-                        <a:schemeClr val="accent2">
-                          <a:lumMod val="75000"/>
-                        </a:schemeClr>
-                      </a:solidFill>
-                      <a:prstDash val="solid"/>
-                      <a:round/>
-                      <a:headEnd type="none" w="med" len="med"/>
-                      <a:tailEnd type="none" w="med" len="med"/>
-                    </a:lnB>
-                    <a:solidFill>
-                      <a:schemeClr val="accent5"/>
-                    </a:solidFill>
-                  </a:tcPr>
-                </a:tc>
-                <a:extLst>
-                  <a:ext uri="{0D108BD9-81ED-4DB2-BD59-A6C34878D82A}">
-                    <a16:rowId xmlns:a16="http://schemas.microsoft.com/office/drawing/2014/main" xmlns="" val="1758271508"/>
-                  </a:ext>
-                </a:extLst>
-              </a:tr>
-              <a:tr h="548640">
-                <a:tc>
-                  <a:txBody>
-                    <a:bodyPr/>
-                    <a:lstStyle/>
-                    <a:p>
-                      <a:endParaRPr lang="en-GB" sz="1400" dirty="0">
-                        <a:latin typeface="+mn-lt"/>
-                      </a:endParaRPr>
-                    </a:p>
-                  </a:txBody>
-                  <a:tcPr anchor="ctr">
-                    <a:lnL w="38100" cap="flat" cmpd="sng" algn="ctr">
-                      <a:noFill/>
-                      <a:prstDash val="solid"/>
-                      <a:round/>
-                      <a:headEnd type="none" w="med" len="med"/>
-                      <a:tailEnd type="none" w="med" len="med"/>
-                    </a:lnL>
-                    <a:lnR w="12700" cap="flat" cmpd="sng" algn="ctr">
-                      <a:solidFill>
-                        <a:schemeClr val="accent2">
-                          <a:lumMod val="75000"/>
-                        </a:schemeClr>
-                      </a:solidFill>
-                      <a:prstDash val="solid"/>
-                      <a:round/>
-                      <a:headEnd type="none" w="med" len="med"/>
-                      <a:tailEnd type="none" w="med" len="med"/>
-                    </a:lnR>
-                    <a:lnT w="12700" cap="flat" cmpd="sng" algn="ctr">
-                      <a:solidFill>
-                        <a:schemeClr val="accent2">
-                          <a:lumMod val="75000"/>
-                        </a:schemeClr>
-                      </a:solidFill>
-                      <a:prstDash val="solid"/>
-                      <a:round/>
-                      <a:headEnd type="none" w="med" len="med"/>
-                      <a:tailEnd type="none" w="med" len="med"/>
-                    </a:lnT>
-                    <a:lnB w="12700" cap="flat" cmpd="sng" algn="ctr">
-                      <a:solidFill>
-                        <a:schemeClr val="accent2">
-                          <a:lumMod val="75000"/>
-                        </a:schemeClr>
-                      </a:solidFill>
-                      <a:prstDash val="solid"/>
-                      <a:round/>
-                      <a:headEnd type="none" w="med" len="med"/>
-                      <a:tailEnd type="none" w="med" len="med"/>
-                    </a:lnB>
-                    <a:noFill/>
-                  </a:tcPr>
-                </a:tc>
-                <a:tc>
-                  <a:txBody>
-                    <a:bodyPr/>
-                    <a:lstStyle/>
-                    <a:p>
-                      <a:endParaRPr lang="en-GB" sz="1400" dirty="0">
-                        <a:latin typeface="+mn-lt"/>
-                      </a:endParaRPr>
-                    </a:p>
-                  </a:txBody>
-                  <a:tcPr anchor="ctr">
-                    <a:lnL w="12700" cap="flat" cmpd="sng" algn="ctr">
-                      <a:solidFill>
-                        <a:schemeClr val="accent2">
-                          <a:lumMod val="75000"/>
-                        </a:schemeClr>
-                      </a:solidFill>
-                      <a:prstDash val="solid"/>
-                      <a:round/>
-                      <a:headEnd type="none" w="med" len="med"/>
-                      <a:tailEnd type="none" w="med" len="med"/>
-                    </a:lnL>
-                    <a:lnR w="12700" cap="flat" cmpd="sng" algn="ctr">
-                      <a:solidFill>
-                        <a:schemeClr val="accent2">
-                          <a:lumMod val="75000"/>
-                        </a:schemeClr>
-                      </a:solidFill>
-                      <a:prstDash val="solid"/>
-                      <a:round/>
-                      <a:headEnd type="none" w="med" len="med"/>
-                      <a:tailEnd type="none" w="med" len="med"/>
-                    </a:lnR>
-                    <a:lnT w="12700" cap="flat" cmpd="sng" algn="ctr">
-                      <a:solidFill>
-                        <a:schemeClr val="accent2">
-                          <a:lumMod val="75000"/>
-                        </a:schemeClr>
-                      </a:solidFill>
-                      <a:prstDash val="solid"/>
-                      <a:round/>
-                      <a:headEnd type="none" w="med" len="med"/>
-                      <a:tailEnd type="none" w="med" len="med"/>
-                    </a:lnT>
-                    <a:lnB w="12700" cap="flat" cmpd="sng" algn="ctr">
-                      <a:solidFill>
-                        <a:schemeClr val="accent2">
-                          <a:lumMod val="75000"/>
-                        </a:schemeClr>
-                      </a:solidFill>
-                      <a:prstDash val="solid"/>
-                      <a:round/>
-                      <a:headEnd type="none" w="med" len="med"/>
-                      <a:tailEnd type="none" w="med" len="med"/>
-                    </a:lnB>
-                    <a:noFill/>
-                  </a:tcPr>
-                </a:tc>
-                <a:tc>
-                  <a:txBody>
-                    <a:bodyPr/>
-                    <a:lstStyle/>
-                    <a:p>
-                      <a:endParaRPr lang="en-GB" sz="1400" dirty="0">
-                        <a:latin typeface="+mn-lt"/>
-                      </a:endParaRPr>
-                    </a:p>
-                  </a:txBody>
-                  <a:tcPr anchor="ctr">
-                    <a:lnL w="12700" cap="flat" cmpd="sng" algn="ctr">
-                      <a:solidFill>
-                        <a:schemeClr val="accent2">
-                          <a:lumMod val="75000"/>
-                        </a:schemeClr>
-                      </a:solidFill>
-                      <a:prstDash val="solid"/>
-                      <a:round/>
-                      <a:headEnd type="none" w="med" len="med"/>
-                      <a:tailEnd type="none" w="med" len="med"/>
-                    </a:lnL>
-                    <a:lnR w="12700" cap="flat" cmpd="sng" algn="ctr">
-                      <a:solidFill>
-                        <a:schemeClr val="accent2">
-                          <a:lumMod val="75000"/>
-                        </a:schemeClr>
-                      </a:solidFill>
-                      <a:prstDash val="solid"/>
-                      <a:round/>
-                      <a:headEnd type="none" w="med" len="med"/>
-                      <a:tailEnd type="none" w="med" len="med"/>
-                    </a:lnR>
-                    <a:lnT w="12700" cap="flat" cmpd="sng" algn="ctr">
-                      <a:solidFill>
-                        <a:schemeClr val="accent2">
-                          <a:lumMod val="75000"/>
-                        </a:schemeClr>
-                      </a:solidFill>
-                      <a:prstDash val="solid"/>
-                      <a:round/>
-                      <a:headEnd type="none" w="med" len="med"/>
-                      <a:tailEnd type="none" w="med" len="med"/>
-                    </a:lnT>
-                    <a:lnB w="12700" cap="flat" cmpd="sng" algn="ctr">
-                      <a:solidFill>
-                        <a:schemeClr val="accent2">
-                          <a:lumMod val="75000"/>
-                        </a:schemeClr>
-                      </a:solidFill>
-                      <a:prstDash val="solid"/>
-                      <a:round/>
-                      <a:headEnd type="none" w="med" len="med"/>
-                      <a:tailEnd type="none" w="med" len="med"/>
-                    </a:lnB>
-                    <a:noFill/>
-                  </a:tcPr>
-                </a:tc>
-                <a:tc>
-                  <a:txBody>
-                    <a:bodyPr/>
-                    <a:lstStyle/>
-                    <a:p>
-                      <a:endParaRPr lang="en-GB" sz="1400" dirty="0">
-                        <a:latin typeface="+mn-lt"/>
-                      </a:endParaRPr>
-                    </a:p>
-                  </a:txBody>
-                  <a:tcPr anchor="ctr">
-                    <a:lnL w="12700" cap="flat" cmpd="sng" algn="ctr">
-                      <a:solidFill>
-                        <a:schemeClr val="accent2">
-                          <a:lumMod val="75000"/>
-                        </a:schemeClr>
-                      </a:solidFill>
-                      <a:prstDash val="solid"/>
-                      <a:round/>
-                      <a:headEnd type="none" w="med" len="med"/>
-                      <a:tailEnd type="none" w="med" len="med"/>
-                    </a:lnL>
-                    <a:lnR w="38100" cap="flat" cmpd="sng" algn="ctr">
-                      <a:noFill/>
-                      <a:prstDash val="solid"/>
-                      <a:round/>
-                      <a:headEnd type="none" w="med" len="med"/>
-                      <a:tailEnd type="none" w="med" len="med"/>
-                    </a:lnR>
-                    <a:lnT w="12700" cap="flat" cmpd="sng" algn="ctr">
-                      <a:solidFill>
-                        <a:schemeClr val="accent2">
-                          <a:lumMod val="75000"/>
-                        </a:schemeClr>
-                      </a:solidFill>
-                      <a:prstDash val="solid"/>
-                      <a:round/>
-                      <a:headEnd type="none" w="med" len="med"/>
-                      <a:tailEnd type="none" w="med" len="med"/>
-                    </a:lnT>
-                    <a:lnB w="12700" cap="flat" cmpd="sng" algn="ctr">
-                      <a:solidFill>
-                        <a:schemeClr val="accent2">
-                          <a:lumMod val="75000"/>
-                        </a:schemeClr>
-                      </a:solidFill>
-                      <a:prstDash val="solid"/>
-                      <a:round/>
-                      <a:headEnd type="none" w="med" len="med"/>
-                      <a:tailEnd type="none" w="med" len="med"/>
-                    </a:lnB>
-                    <a:noFill/>
-                  </a:tcPr>
-                </a:tc>
-                <a:extLst>
-                  <a:ext uri="{0D108BD9-81ED-4DB2-BD59-A6C34878D82A}">
-                    <a16:rowId xmlns:a16="http://schemas.microsoft.com/office/drawing/2014/main" xmlns="" val="3736384641"/>
-                  </a:ext>
-                </a:extLst>
-              </a:tr>
-              <a:tr h="548640">
-                <a:tc>
-                  <a:txBody>
-                    <a:bodyPr/>
-                    <a:lstStyle/>
-                    <a:p>
-                      <a:endParaRPr lang="en-GB" sz="1400" dirty="0">
-                        <a:latin typeface="+mn-lt"/>
-                      </a:endParaRPr>
-                    </a:p>
-                  </a:txBody>
-                  <a:tcPr anchor="ctr">
-                    <a:lnL w="38100" cap="flat" cmpd="sng" algn="ctr">
-                      <a:noFill/>
-                      <a:prstDash val="solid"/>
-                      <a:round/>
-                      <a:headEnd type="none" w="med" len="med"/>
-                      <a:tailEnd type="none" w="med" len="med"/>
-                    </a:lnL>
-                    <a:lnR w="12700" cap="flat" cmpd="sng" algn="ctr">
-                      <a:solidFill>
-                        <a:schemeClr val="accent2">
-                          <a:lumMod val="75000"/>
-                        </a:schemeClr>
-                      </a:solidFill>
-                      <a:prstDash val="solid"/>
-                      <a:round/>
-                      <a:headEnd type="none" w="med" len="med"/>
-                      <a:tailEnd type="none" w="med" len="med"/>
-                    </a:lnR>
-                    <a:lnT w="12700" cap="flat" cmpd="sng" algn="ctr">
-                      <a:solidFill>
-                        <a:schemeClr val="accent2">
-                          <a:lumMod val="75000"/>
-                        </a:schemeClr>
-                      </a:solidFill>
-                      <a:prstDash val="solid"/>
-                      <a:round/>
-                      <a:headEnd type="none" w="med" len="med"/>
-                      <a:tailEnd type="none" w="med" len="med"/>
-                    </a:lnT>
-                    <a:lnB w="12700" cap="flat" cmpd="sng" algn="ctr">
-                      <a:solidFill>
-                        <a:schemeClr val="accent2">
-                          <a:lumMod val="75000"/>
-                        </a:schemeClr>
-                      </a:solidFill>
-                      <a:prstDash val="solid"/>
-                      <a:round/>
-                      <a:headEnd type="none" w="med" len="med"/>
-                      <a:tailEnd type="none" w="med" len="med"/>
-                    </a:lnB>
-                    <a:solidFill>
-                      <a:schemeClr val="accent5"/>
-                    </a:solidFill>
-                  </a:tcPr>
-                </a:tc>
-                <a:tc>
-                  <a:txBody>
-                    <a:bodyPr/>
-                    <a:lstStyle/>
-                    <a:p>
-                      <a:endParaRPr lang="en-GB" sz="1400" dirty="0">
-                        <a:latin typeface="+mn-lt"/>
-                      </a:endParaRPr>
-                    </a:p>
-                  </a:txBody>
-                  <a:tcPr anchor="ctr">
-                    <a:lnL w="12700" cap="flat" cmpd="sng" algn="ctr">
-                      <a:solidFill>
-                        <a:schemeClr val="accent2">
-                          <a:lumMod val="75000"/>
-                        </a:schemeClr>
-                      </a:solidFill>
-                      <a:prstDash val="solid"/>
-                      <a:round/>
-                      <a:headEnd type="none" w="med" len="med"/>
-                      <a:tailEnd type="none" w="med" len="med"/>
-                    </a:lnL>
-                    <a:lnR w="12700" cap="flat" cmpd="sng" algn="ctr">
-                      <a:solidFill>
-                        <a:schemeClr val="accent2">
-                          <a:lumMod val="75000"/>
-                        </a:schemeClr>
-                      </a:solidFill>
-                      <a:prstDash val="solid"/>
-                      <a:round/>
-                      <a:headEnd type="none" w="med" len="med"/>
-                      <a:tailEnd type="none" w="med" len="med"/>
-                    </a:lnR>
-                    <a:lnT w="12700" cap="flat" cmpd="sng" algn="ctr">
-                      <a:solidFill>
-                        <a:schemeClr val="accent2">
-                          <a:lumMod val="75000"/>
-                        </a:schemeClr>
-                      </a:solidFill>
-                      <a:prstDash val="solid"/>
-                      <a:round/>
-                      <a:headEnd type="none" w="med" len="med"/>
-                      <a:tailEnd type="none" w="med" len="med"/>
-                    </a:lnT>
-                    <a:lnB w="12700" cap="flat" cmpd="sng" algn="ctr">
-                      <a:solidFill>
-                        <a:schemeClr val="accent2">
-                          <a:lumMod val="75000"/>
-                        </a:schemeClr>
-                      </a:solidFill>
-                      <a:prstDash val="solid"/>
-                      <a:round/>
-                      <a:headEnd type="none" w="med" len="med"/>
-                      <a:tailEnd type="none" w="med" len="med"/>
-                    </a:lnB>
-                    <a:solidFill>
-                      <a:schemeClr val="accent5"/>
-                    </a:solidFill>
-                  </a:tcPr>
-                </a:tc>
-                <a:tc>
-                  <a:txBody>
-                    <a:bodyPr/>
-                    <a:lstStyle/>
-                    <a:p>
-                      <a:endParaRPr lang="en-GB" sz="1400" dirty="0">
-                        <a:latin typeface="+mn-lt"/>
-                      </a:endParaRPr>
-                    </a:p>
-                  </a:txBody>
-                  <a:tcPr anchor="ctr">
-                    <a:lnL w="12700" cap="flat" cmpd="sng" algn="ctr">
-                      <a:solidFill>
-                        <a:schemeClr val="accent2">
-                          <a:lumMod val="75000"/>
-                        </a:schemeClr>
-                      </a:solidFill>
-                      <a:prstDash val="solid"/>
-                      <a:round/>
-                      <a:headEnd type="none" w="med" len="med"/>
-                      <a:tailEnd type="none" w="med" len="med"/>
-                    </a:lnL>
-                    <a:lnR w="12700" cap="flat" cmpd="sng" algn="ctr">
-                      <a:solidFill>
-                        <a:schemeClr val="accent2">
-                          <a:lumMod val="75000"/>
-                        </a:schemeClr>
-                      </a:solidFill>
-                      <a:prstDash val="solid"/>
-                      <a:round/>
-                      <a:headEnd type="none" w="med" len="med"/>
-                      <a:tailEnd type="none" w="med" len="med"/>
-                    </a:lnR>
-                    <a:lnT w="12700" cap="flat" cmpd="sng" algn="ctr">
-                      <a:solidFill>
-                        <a:schemeClr val="accent2">
-                          <a:lumMod val="75000"/>
-                        </a:schemeClr>
-                      </a:solidFill>
-                      <a:prstDash val="solid"/>
-                      <a:round/>
-                      <a:headEnd type="none" w="med" len="med"/>
-                      <a:tailEnd type="none" w="med" len="med"/>
-                    </a:lnT>
-                    <a:lnB w="12700" cap="flat" cmpd="sng" algn="ctr">
-                      <a:solidFill>
-                        <a:schemeClr val="accent2">
-                          <a:lumMod val="75000"/>
-                        </a:schemeClr>
-                      </a:solidFill>
-                      <a:prstDash val="solid"/>
-                      <a:round/>
-                      <a:headEnd type="none" w="med" len="med"/>
-                      <a:tailEnd type="none" w="med" len="med"/>
-                    </a:lnB>
-                    <a:solidFill>
-                      <a:schemeClr val="accent5"/>
-                    </a:solidFill>
-                  </a:tcPr>
-                </a:tc>
-                <a:tc>
-                  <a:txBody>
-                    <a:bodyPr/>
-                    <a:lstStyle/>
-                    <a:p>
-                      <a:endParaRPr lang="en-GB" sz="1400" dirty="0">
-                        <a:latin typeface="+mn-lt"/>
-                      </a:endParaRPr>
-                    </a:p>
-                  </a:txBody>
-                  <a:tcPr anchor="ctr">
-                    <a:lnL w="12700" cap="flat" cmpd="sng" algn="ctr">
-                      <a:solidFill>
-                        <a:schemeClr val="accent2">
-                          <a:lumMod val="75000"/>
-                        </a:schemeClr>
-                      </a:solidFill>
-                      <a:prstDash val="solid"/>
-                      <a:round/>
-                      <a:headEnd type="none" w="med" len="med"/>
-                      <a:tailEnd type="none" w="med" len="med"/>
-                    </a:lnL>
-                    <a:lnR w="38100" cap="flat" cmpd="sng" algn="ctr">
-                      <a:noFill/>
-                      <a:prstDash val="solid"/>
-                      <a:round/>
-                      <a:headEnd type="none" w="med" len="med"/>
-                      <a:tailEnd type="none" w="med" len="med"/>
-                    </a:lnR>
-                    <a:lnT w="12700" cap="flat" cmpd="sng" algn="ctr">
-                      <a:solidFill>
-                        <a:schemeClr val="accent2">
-                          <a:lumMod val="75000"/>
-                        </a:schemeClr>
-                      </a:solidFill>
-                      <a:prstDash val="solid"/>
-                      <a:round/>
-                      <a:headEnd type="none" w="med" len="med"/>
-                      <a:tailEnd type="none" w="med" len="med"/>
-                    </a:lnT>
-                    <a:lnB w="12700" cap="flat" cmpd="sng" algn="ctr">
-                      <a:solidFill>
-                        <a:schemeClr val="accent2">
-                          <a:lumMod val="75000"/>
-                        </a:schemeClr>
-                      </a:solidFill>
-                      <a:prstDash val="solid"/>
-                      <a:round/>
-                      <a:headEnd type="none" w="med" len="med"/>
-                      <a:tailEnd type="none" w="med" len="med"/>
-                    </a:lnB>
-                    <a:solidFill>
-                      <a:schemeClr val="accent5"/>
-                    </a:solidFill>
-                  </a:tcPr>
-                </a:tc>
-                <a:extLst>
-                  <a:ext uri="{0D108BD9-81ED-4DB2-BD59-A6C34878D82A}">
-                    <a16:rowId xmlns:a16="http://schemas.microsoft.com/office/drawing/2014/main" xmlns="" val="3090935587"/>
-                  </a:ext>
-                </a:extLst>
-              </a:tr>
-              <a:tr h="548640">
-                <a:tc>
-                  <a:txBody>
-                    <a:bodyPr/>
-                    <a:lstStyle/>
-                    <a:p>
-                      <a:endParaRPr lang="en-GB" sz="1400" dirty="0">
-                        <a:latin typeface="+mn-lt"/>
-                      </a:endParaRPr>
-                    </a:p>
-                  </a:txBody>
-                  <a:tcPr anchor="ctr">
-                    <a:lnL w="38100" cap="flat" cmpd="sng" algn="ctr">
-                      <a:noFill/>
-                      <a:prstDash val="solid"/>
-                      <a:round/>
-                      <a:headEnd type="none" w="med" len="med"/>
-                      <a:tailEnd type="none" w="med" len="med"/>
-                    </a:lnL>
-                    <a:lnR w="12700" cap="flat" cmpd="sng" algn="ctr">
-                      <a:solidFill>
-                        <a:schemeClr val="accent2">
-                          <a:lumMod val="75000"/>
-                        </a:schemeClr>
-                      </a:solidFill>
-                      <a:prstDash val="solid"/>
-                      <a:round/>
-                      <a:headEnd type="none" w="med" len="med"/>
-                      <a:tailEnd type="none" w="med" len="med"/>
-                    </a:lnR>
-                    <a:lnT w="12700" cap="flat" cmpd="sng" algn="ctr">
-                      <a:solidFill>
-                        <a:schemeClr val="accent2">
-                          <a:lumMod val="75000"/>
-                        </a:schemeClr>
-                      </a:solidFill>
-                      <a:prstDash val="solid"/>
-                      <a:round/>
-                      <a:headEnd type="none" w="med" len="med"/>
-                      <a:tailEnd type="none" w="med" len="med"/>
-                    </a:lnT>
-                    <a:lnB w="12700" cap="flat" cmpd="sng" algn="ctr">
-                      <a:solidFill>
-                        <a:schemeClr val="accent2">
-                          <a:lumMod val="75000"/>
-                        </a:schemeClr>
-                      </a:solidFill>
-                      <a:prstDash val="solid"/>
-                      <a:round/>
-                      <a:headEnd type="none" w="med" len="med"/>
-                      <a:tailEnd type="none" w="med" len="med"/>
-                    </a:lnB>
-                    <a:noFill/>
-                  </a:tcPr>
-                </a:tc>
-                <a:tc>
-                  <a:txBody>
-                    <a:bodyPr/>
-                    <a:lstStyle/>
-                    <a:p>
-                      <a:endParaRPr lang="en-GB" sz="1400" dirty="0">
-                        <a:latin typeface="+mn-lt"/>
-                      </a:endParaRPr>
-                    </a:p>
-                  </a:txBody>
-                  <a:tcPr anchor="ctr">
-                    <a:lnL w="12700" cap="flat" cmpd="sng" algn="ctr">
-                      <a:solidFill>
-                        <a:schemeClr val="accent2">
-                          <a:lumMod val="75000"/>
-                        </a:schemeClr>
-                      </a:solidFill>
-                      <a:prstDash val="solid"/>
-                      <a:round/>
-                      <a:headEnd type="none" w="med" len="med"/>
-                      <a:tailEnd type="none" w="med" len="med"/>
-                    </a:lnL>
-                    <a:lnR w="12700" cap="flat" cmpd="sng" algn="ctr">
-                      <a:solidFill>
-                        <a:schemeClr val="accent2">
-                          <a:lumMod val="75000"/>
-                        </a:schemeClr>
-                      </a:solidFill>
-                      <a:prstDash val="solid"/>
-                      <a:round/>
-                      <a:headEnd type="none" w="med" len="med"/>
-                      <a:tailEnd type="none" w="med" len="med"/>
-                    </a:lnR>
-                    <a:lnT w="12700" cap="flat" cmpd="sng" algn="ctr">
-                      <a:solidFill>
-                        <a:schemeClr val="accent2">
-                          <a:lumMod val="75000"/>
-                        </a:schemeClr>
-                      </a:solidFill>
-                      <a:prstDash val="solid"/>
-                      <a:round/>
-                      <a:headEnd type="none" w="med" len="med"/>
-                      <a:tailEnd type="none" w="med" len="med"/>
-                    </a:lnT>
-                    <a:lnB w="12700" cap="flat" cmpd="sng" algn="ctr">
-                      <a:solidFill>
-                        <a:schemeClr val="accent2">
-                          <a:lumMod val="75000"/>
-                        </a:schemeClr>
-                      </a:solidFill>
-                      <a:prstDash val="solid"/>
-                      <a:round/>
-                      <a:headEnd type="none" w="med" len="med"/>
-                      <a:tailEnd type="none" w="med" len="med"/>
-                    </a:lnB>
-                    <a:noFill/>
-                  </a:tcPr>
-                </a:tc>
-                <a:tc>
-                  <a:txBody>
-                    <a:bodyPr/>
-                    <a:lstStyle/>
-                    <a:p>
-                      <a:endParaRPr lang="en-GB" sz="1400" dirty="0">
-                        <a:latin typeface="+mn-lt"/>
-                      </a:endParaRPr>
-                    </a:p>
-                  </a:txBody>
-                  <a:tcPr anchor="ctr">
-                    <a:lnL w="12700" cap="flat" cmpd="sng" algn="ctr">
-                      <a:solidFill>
-                        <a:schemeClr val="accent2">
-                          <a:lumMod val="75000"/>
-                        </a:schemeClr>
-                      </a:solidFill>
-                      <a:prstDash val="solid"/>
-                      <a:round/>
-                      <a:headEnd type="none" w="med" len="med"/>
-                      <a:tailEnd type="none" w="med" len="med"/>
-                    </a:lnL>
-                    <a:lnR w="12700" cap="flat" cmpd="sng" algn="ctr">
-                      <a:solidFill>
-                        <a:schemeClr val="accent2">
-                          <a:lumMod val="75000"/>
-                        </a:schemeClr>
-                      </a:solidFill>
-                      <a:prstDash val="solid"/>
-                      <a:round/>
-                      <a:headEnd type="none" w="med" len="med"/>
-                      <a:tailEnd type="none" w="med" len="med"/>
-                    </a:lnR>
-                    <a:lnT w="12700" cap="flat" cmpd="sng" algn="ctr">
-                      <a:solidFill>
-                        <a:schemeClr val="accent2">
-                          <a:lumMod val="75000"/>
-                        </a:schemeClr>
-                      </a:solidFill>
-                      <a:prstDash val="solid"/>
-                      <a:round/>
-                      <a:headEnd type="none" w="med" len="med"/>
-                      <a:tailEnd type="none" w="med" len="med"/>
-                    </a:lnT>
-                    <a:lnB w="12700" cap="flat" cmpd="sng" algn="ctr">
-                      <a:solidFill>
-                        <a:schemeClr val="accent2">
-                          <a:lumMod val="75000"/>
-                        </a:schemeClr>
-                      </a:solidFill>
-                      <a:prstDash val="solid"/>
-                      <a:round/>
-                      <a:headEnd type="none" w="med" len="med"/>
-                      <a:tailEnd type="none" w="med" len="med"/>
-                    </a:lnB>
-                    <a:noFill/>
-                  </a:tcPr>
-                </a:tc>
-                <a:tc>
-                  <a:txBody>
-                    <a:bodyPr/>
-                    <a:lstStyle/>
-                    <a:p>
-                      <a:endParaRPr lang="en-GB" sz="1400" dirty="0">
-                        <a:latin typeface="+mn-lt"/>
-                      </a:endParaRPr>
-                    </a:p>
-                  </a:txBody>
-                  <a:tcPr anchor="ctr">
-                    <a:lnL w="12700" cap="flat" cmpd="sng" algn="ctr">
-                      <a:solidFill>
-                        <a:schemeClr val="accent2">
-                          <a:lumMod val="75000"/>
-                        </a:schemeClr>
-                      </a:solidFill>
-                      <a:prstDash val="solid"/>
-                      <a:round/>
-                      <a:headEnd type="none" w="med" len="med"/>
-                      <a:tailEnd type="none" w="med" len="med"/>
-                    </a:lnL>
-                    <a:lnR w="38100" cap="flat" cmpd="sng" algn="ctr">
-                      <a:noFill/>
-                      <a:prstDash val="solid"/>
-                      <a:round/>
-                      <a:headEnd type="none" w="med" len="med"/>
-                      <a:tailEnd type="none" w="med" len="med"/>
-                    </a:lnR>
-                    <a:lnT w="12700" cap="flat" cmpd="sng" algn="ctr">
-                      <a:solidFill>
-                        <a:schemeClr val="accent2">
-                          <a:lumMod val="75000"/>
-                        </a:schemeClr>
-                      </a:solidFill>
-                      <a:prstDash val="solid"/>
-                      <a:round/>
-                      <a:headEnd type="none" w="med" len="med"/>
-                      <a:tailEnd type="none" w="med" len="med"/>
-                    </a:lnT>
-                    <a:lnB w="12700" cap="flat" cmpd="sng" algn="ctr">
-                      <a:solidFill>
-                        <a:schemeClr val="accent2">
-                          <a:lumMod val="75000"/>
-                        </a:schemeClr>
-                      </a:solidFill>
-                      <a:prstDash val="solid"/>
-                      <a:round/>
-                      <a:headEnd type="none" w="med" len="med"/>
-                      <a:tailEnd type="none" w="med" len="med"/>
-                    </a:lnB>
-                    <a:noFill/>
-                  </a:tcPr>
-                </a:tc>
-                <a:extLst>
-                  <a:ext uri="{0D108BD9-81ED-4DB2-BD59-A6C34878D82A}">
-                    <a16:rowId xmlns:a16="http://schemas.microsoft.com/office/drawing/2014/main" xmlns="" val="446909641"/>
-                  </a:ext>
-                </a:extLst>
-              </a:tr>
-              <a:tr h="548640">
-                <a:tc>
-                  <a:txBody>
-                    <a:bodyPr/>
-                    <a:lstStyle/>
-                    <a:p>
-                      <a:endParaRPr lang="en-GB" sz="1400" dirty="0">
-                        <a:latin typeface="+mn-lt"/>
-                      </a:endParaRPr>
-                    </a:p>
-                  </a:txBody>
-                  <a:tcPr anchor="ctr">
-                    <a:lnL w="38100" cap="flat" cmpd="sng" algn="ctr">
-                      <a:noFill/>
-                      <a:prstDash val="solid"/>
-                      <a:round/>
-                      <a:headEnd type="none" w="med" len="med"/>
-                      <a:tailEnd type="none" w="med" len="med"/>
-                    </a:lnL>
-                    <a:lnR w="12700" cap="flat" cmpd="sng" algn="ctr">
-                      <a:solidFill>
-                        <a:schemeClr val="accent2">
-                          <a:lumMod val="75000"/>
-                        </a:schemeClr>
-                      </a:solidFill>
-                      <a:prstDash val="solid"/>
-                      <a:round/>
-                      <a:headEnd type="none" w="med" len="med"/>
-                      <a:tailEnd type="none" w="med" len="med"/>
-                    </a:lnR>
-                    <a:lnT w="12700" cap="flat" cmpd="sng" algn="ctr">
-                      <a:solidFill>
-                        <a:schemeClr val="accent2">
-                          <a:lumMod val="75000"/>
-                        </a:schemeClr>
-                      </a:solidFill>
-                      <a:prstDash val="solid"/>
-                      <a:round/>
-                      <a:headEnd type="none" w="med" len="med"/>
-                      <a:tailEnd type="none" w="med" len="med"/>
-                    </a:lnT>
-                    <a:lnB w="12700" cap="flat" cmpd="sng" algn="ctr">
-                      <a:solidFill>
-                        <a:schemeClr val="accent2">
-                          <a:lumMod val="75000"/>
-                        </a:schemeClr>
-                      </a:solidFill>
-                      <a:prstDash val="solid"/>
-                      <a:round/>
-                      <a:headEnd type="none" w="med" len="med"/>
-                      <a:tailEnd type="none" w="med" len="med"/>
-                    </a:lnB>
-                    <a:solidFill>
-                      <a:schemeClr val="accent5"/>
-                    </a:solidFill>
-                  </a:tcPr>
-                </a:tc>
-                <a:tc>
-                  <a:txBody>
-                    <a:bodyPr/>
-                    <a:lstStyle/>
-                    <a:p>
-                      <a:endParaRPr lang="en-GB" sz="1400" dirty="0">
-                        <a:latin typeface="+mn-lt"/>
-                      </a:endParaRPr>
-                    </a:p>
-                  </a:txBody>
-                  <a:tcPr anchor="ctr">
-                    <a:lnL w="12700" cap="flat" cmpd="sng" algn="ctr">
-                      <a:solidFill>
-                        <a:schemeClr val="accent2">
-                          <a:lumMod val="75000"/>
-                        </a:schemeClr>
-                      </a:solidFill>
-                      <a:prstDash val="solid"/>
-                      <a:round/>
-                      <a:headEnd type="none" w="med" len="med"/>
-                      <a:tailEnd type="none" w="med" len="med"/>
-                    </a:lnL>
-                    <a:lnR w="12700" cap="flat" cmpd="sng" algn="ctr">
-                      <a:solidFill>
-                        <a:schemeClr val="accent2">
-                          <a:lumMod val="75000"/>
-                        </a:schemeClr>
-                      </a:solidFill>
-                      <a:prstDash val="solid"/>
-                      <a:round/>
-                      <a:headEnd type="none" w="med" len="med"/>
-                      <a:tailEnd type="none" w="med" len="med"/>
-                    </a:lnR>
-                    <a:lnT w="12700" cap="flat" cmpd="sng" algn="ctr">
-                      <a:solidFill>
-                        <a:schemeClr val="accent2">
-                          <a:lumMod val="75000"/>
-                        </a:schemeClr>
-                      </a:solidFill>
-                      <a:prstDash val="solid"/>
-                      <a:round/>
-                      <a:headEnd type="none" w="med" len="med"/>
-                      <a:tailEnd type="none" w="med" len="med"/>
-                    </a:lnT>
-                    <a:lnB w="12700" cap="flat" cmpd="sng" algn="ctr">
-                      <a:solidFill>
-                        <a:schemeClr val="accent2">
-                          <a:lumMod val="75000"/>
-                        </a:schemeClr>
-                      </a:solidFill>
-                      <a:prstDash val="solid"/>
-                      <a:round/>
-                      <a:headEnd type="none" w="med" len="med"/>
-                      <a:tailEnd type="none" w="med" len="med"/>
-                    </a:lnB>
-                    <a:solidFill>
-                      <a:schemeClr val="accent5"/>
-                    </a:solidFill>
-                  </a:tcPr>
-                </a:tc>
-                <a:tc>
-                  <a:txBody>
-                    <a:bodyPr/>
-                    <a:lstStyle/>
-                    <a:p>
-                      <a:endParaRPr lang="en-GB" sz="1400" dirty="0">
-                        <a:latin typeface="+mn-lt"/>
-                      </a:endParaRPr>
-                    </a:p>
-                  </a:txBody>
-                  <a:tcPr anchor="ctr">
-                    <a:lnL w="12700" cap="flat" cmpd="sng" algn="ctr">
-                      <a:solidFill>
-                        <a:schemeClr val="accent2">
-                          <a:lumMod val="75000"/>
-                        </a:schemeClr>
-                      </a:solidFill>
-                      <a:prstDash val="solid"/>
-                      <a:round/>
-                      <a:headEnd type="none" w="med" len="med"/>
-                      <a:tailEnd type="none" w="med" len="med"/>
-                    </a:lnL>
-                    <a:lnR w="12700" cap="flat" cmpd="sng" algn="ctr">
-                      <a:solidFill>
-                        <a:schemeClr val="accent2">
-                          <a:lumMod val="75000"/>
-                        </a:schemeClr>
-                      </a:solidFill>
-                      <a:prstDash val="solid"/>
-                      <a:round/>
-                      <a:headEnd type="none" w="med" len="med"/>
-                      <a:tailEnd type="none" w="med" len="med"/>
-                    </a:lnR>
-                    <a:lnT w="12700" cap="flat" cmpd="sng" algn="ctr">
-                      <a:solidFill>
-                        <a:schemeClr val="accent2">
-                          <a:lumMod val="75000"/>
-                        </a:schemeClr>
-                      </a:solidFill>
-                      <a:prstDash val="solid"/>
-                      <a:round/>
-                      <a:headEnd type="none" w="med" len="med"/>
-                      <a:tailEnd type="none" w="med" len="med"/>
-                    </a:lnT>
-                    <a:lnB w="12700" cap="flat" cmpd="sng" algn="ctr">
-                      <a:solidFill>
-                        <a:schemeClr val="accent2">
-                          <a:lumMod val="75000"/>
-                        </a:schemeClr>
-                      </a:solidFill>
-                      <a:prstDash val="solid"/>
-                      <a:round/>
-                      <a:headEnd type="none" w="med" len="med"/>
-                      <a:tailEnd type="none" w="med" len="med"/>
-                    </a:lnB>
-                    <a:solidFill>
-                      <a:schemeClr val="accent5"/>
-                    </a:solidFill>
-                  </a:tcPr>
-                </a:tc>
-                <a:tc>
-                  <a:txBody>
-                    <a:bodyPr/>
-                    <a:lstStyle/>
-                    <a:p>
-                      <a:endParaRPr lang="en-GB" sz="1400" dirty="0">
-                        <a:latin typeface="+mn-lt"/>
-                      </a:endParaRPr>
-                    </a:p>
-                  </a:txBody>
-                  <a:tcPr anchor="ctr">
-                    <a:lnL w="12700" cap="flat" cmpd="sng" algn="ctr">
-                      <a:solidFill>
-                        <a:schemeClr val="accent2">
-                          <a:lumMod val="75000"/>
-                        </a:schemeClr>
-                      </a:solidFill>
-                      <a:prstDash val="solid"/>
-                      <a:round/>
-                      <a:headEnd type="none" w="med" len="med"/>
-                      <a:tailEnd type="none" w="med" len="med"/>
-                    </a:lnL>
-                    <a:lnR w="38100" cap="flat" cmpd="sng" algn="ctr">
-                      <a:noFill/>
-                      <a:prstDash val="solid"/>
-                      <a:round/>
-                      <a:headEnd type="none" w="med" len="med"/>
-                      <a:tailEnd type="none" w="med" len="med"/>
-                    </a:lnR>
-                    <a:lnT w="12700" cap="flat" cmpd="sng" algn="ctr">
-                      <a:solidFill>
-                        <a:schemeClr val="accent2">
-                          <a:lumMod val="75000"/>
-                        </a:schemeClr>
-                      </a:solidFill>
-                      <a:prstDash val="solid"/>
-                      <a:round/>
-                      <a:headEnd type="none" w="med" len="med"/>
-                      <a:tailEnd type="none" w="med" len="med"/>
-                    </a:lnT>
-                    <a:lnB w="12700" cap="flat" cmpd="sng" algn="ctr">
-                      <a:solidFill>
-                        <a:schemeClr val="accent2">
-                          <a:lumMod val="75000"/>
-                        </a:schemeClr>
-                      </a:solidFill>
-                      <a:prstDash val="solid"/>
-                      <a:round/>
-                      <a:headEnd type="none" w="med" len="med"/>
-                      <a:tailEnd type="none" w="med" len="med"/>
-                    </a:lnB>
-                    <a:solidFill>
-                      <a:schemeClr val="accent5"/>
-                    </a:solidFill>
-                  </a:tcPr>
-                </a:tc>
-                <a:extLst>
-                  <a:ext uri="{0D108BD9-81ED-4DB2-BD59-A6C34878D82A}">
-                    <a16:rowId xmlns:a16="http://schemas.microsoft.com/office/drawing/2014/main" xmlns="" val="3472044516"/>
-                  </a:ext>
-                </a:extLst>
-              </a:tr>
-            </a:tbl>
-          </a:graphicData>
-        </a:graphic>
-      </p:graphicFrame>
+        </p:nvSpPr>
+        <p:spPr>
+          <a:xfrm>
+            <a:off x="831850" y="900062"/>
+            <a:ext cx="8545232" cy="5415013"/>
+          </a:xfrm>
+        </p:spPr>
+        <p:txBody>
+          <a:bodyPr numCol="1">
+            <a:normAutofit lnSpcReduction="10000"/>
+          </a:bodyPr>
+          <a:lstStyle/>
+          <a:p>
+            <a:pPr lvl="0" algn="just"/>
+            <a:r>
+              <a:rPr lang="en-US" sz="3600" dirty="0" err="1" smtClean="0"/>
+              <a:t>Metode</a:t>
+            </a:r>
+            <a:r>
+              <a:rPr lang="en-US" sz="3600" dirty="0" smtClean="0"/>
+              <a:t> yang di </a:t>
+            </a:r>
+            <a:r>
+              <a:rPr lang="en-US" sz="3600" dirty="0" err="1" smtClean="0"/>
+              <a:t>gunakan</a:t>
+            </a:r>
+            <a:r>
+              <a:rPr lang="en-US" sz="3600" dirty="0" smtClean="0"/>
+              <a:t> </a:t>
+            </a:r>
+            <a:r>
+              <a:rPr lang="en-US" sz="3600" i="1" dirty="0" smtClean="0"/>
+              <a:t>Multimedia Development Life Cycle </a:t>
+            </a:r>
+            <a:r>
+              <a:rPr lang="en-US" sz="3600" dirty="0" smtClean="0"/>
+              <a:t>(MDLC)</a:t>
+            </a:r>
+          </a:p>
+          <a:p>
+            <a:pPr marL="742950" indent="-742950" algn="just">
+              <a:buFont typeface="+mj-lt"/>
+              <a:buAutoNum type="arabicPeriod"/>
+            </a:pPr>
+            <a:r>
+              <a:rPr lang="en-AU" sz="3600" dirty="0" err="1"/>
+              <a:t>Konsep</a:t>
+            </a:r>
+            <a:r>
+              <a:rPr lang="en-AU" sz="3600" dirty="0"/>
+              <a:t> (</a:t>
+            </a:r>
+            <a:r>
+              <a:rPr lang="en-AU" sz="3600" i="1" dirty="0"/>
+              <a:t>Concept</a:t>
+            </a:r>
+            <a:r>
+              <a:rPr lang="en-AU" sz="3600" dirty="0"/>
+              <a:t>) </a:t>
+            </a:r>
+            <a:endParaRPr lang="en-US" sz="3600" dirty="0"/>
+          </a:p>
+          <a:p>
+            <a:pPr marL="742950" indent="-742950" algn="just">
+              <a:buFont typeface="+mj-lt"/>
+              <a:buAutoNum type="arabicPeriod"/>
+            </a:pPr>
+            <a:r>
+              <a:rPr lang="en-AU" sz="3600" dirty="0" err="1"/>
+              <a:t>Desain</a:t>
+            </a:r>
+            <a:r>
+              <a:rPr lang="en-AU" sz="3600" dirty="0"/>
+              <a:t> (Design)</a:t>
+            </a:r>
+            <a:endParaRPr lang="en-US" sz="3600" dirty="0"/>
+          </a:p>
+          <a:p>
+            <a:pPr marL="742950" indent="-742950" algn="just">
+              <a:buFont typeface="+mj-lt"/>
+              <a:buAutoNum type="arabicPeriod"/>
+            </a:pPr>
+            <a:r>
+              <a:rPr lang="en-AU" sz="3600" dirty="0" err="1"/>
+              <a:t>Pengumpulan</a:t>
+            </a:r>
+            <a:r>
+              <a:rPr lang="en-AU" sz="3600" dirty="0"/>
+              <a:t> </a:t>
+            </a:r>
+            <a:r>
+              <a:rPr lang="en-AU" sz="3600" dirty="0" err="1"/>
+              <a:t>Bahan</a:t>
+            </a:r>
+            <a:r>
+              <a:rPr lang="en-AU" sz="3600" dirty="0"/>
+              <a:t> (</a:t>
+            </a:r>
+            <a:r>
+              <a:rPr lang="en-AU" sz="3600" i="1" dirty="0"/>
+              <a:t>Material Collecting</a:t>
+            </a:r>
+            <a:r>
+              <a:rPr lang="en-AU" sz="3600" dirty="0"/>
+              <a:t>) </a:t>
+            </a:r>
+            <a:endParaRPr lang="en-US" sz="3600" dirty="0"/>
+          </a:p>
+          <a:p>
+            <a:pPr marL="742950" indent="-742950" algn="just">
+              <a:buFont typeface="+mj-lt"/>
+              <a:buAutoNum type="arabicPeriod"/>
+            </a:pPr>
+            <a:r>
+              <a:rPr lang="en-AU" sz="3600" dirty="0" err="1"/>
+              <a:t>Pembuatan</a:t>
+            </a:r>
+            <a:r>
+              <a:rPr lang="en-AU" sz="3600" dirty="0"/>
+              <a:t> (Assembly) </a:t>
+            </a:r>
+            <a:endParaRPr lang="en-US" sz="3600" dirty="0"/>
+          </a:p>
+          <a:p>
+            <a:pPr marL="742950" indent="-742950" algn="just">
+              <a:buFont typeface="+mj-lt"/>
+              <a:buAutoNum type="arabicPeriod"/>
+            </a:pPr>
+            <a:r>
+              <a:rPr lang="en-AU" sz="3600" dirty="0" err="1"/>
+              <a:t>Pengujian</a:t>
+            </a:r>
+            <a:r>
+              <a:rPr lang="en-AU" sz="3600" dirty="0"/>
+              <a:t> (Testing) </a:t>
+            </a:r>
+            <a:endParaRPr lang="en-US" sz="3600" dirty="0"/>
+          </a:p>
+          <a:p>
+            <a:pPr marL="742950" indent="-742950" algn="just">
+              <a:buFont typeface="+mj-lt"/>
+              <a:buAutoNum type="arabicPeriod"/>
+            </a:pPr>
+            <a:r>
+              <a:rPr lang="en-AU" sz="3600" dirty="0" err="1"/>
+              <a:t>Distribusi</a:t>
+            </a:r>
+            <a:r>
+              <a:rPr lang="en-AU" sz="3600" dirty="0"/>
+              <a:t> (Distribution) </a:t>
+            </a:r>
+            <a:endParaRPr lang="en-US" sz="3600" dirty="0"/>
+          </a:p>
+          <a:p>
+            <a:pPr lvl="0" algn="just"/>
+            <a:endParaRPr lang="en-US" sz="3600" dirty="0"/>
+          </a:p>
+        </p:txBody>
+      </p:sp>
       <p:sp>
         <p:nvSpPr>
           <p:cNvPr id="2" name="Slide Number Placeholder 1">
             <a:extLst>
               <a:ext uri="{FF2B5EF4-FFF2-40B4-BE49-F238E27FC236}">
-                <a16:creationId xmlns:a16="http://schemas.microsoft.com/office/drawing/2014/main" xmlns="" id="{E4398C1C-6656-4A73-A680-62A81CDC27FD}"/>
+                <a16:creationId xmlns:a16="http://schemas.microsoft.com/office/drawing/2014/main" xmlns="" id="{0B24BF10-2B55-43AB-9F77-F1A1410384A9}"/>
               </a:ext>
             </a:extLst>
           </p:cNvPr>
@@ -36305,25 +35041,32 @@
     </p:spTree>
     <p:extLst>
       <p:ext uri="{BB962C8B-B14F-4D97-AF65-F5344CB8AC3E}">
-        <p14:creationId xmlns:p14="http://schemas.microsoft.com/office/powerpoint/2010/main" val="1065425595"/>
+        <p14:creationId xmlns:p14="http://schemas.microsoft.com/office/powerpoint/2010/main" val="3894315908"/>
       </p:ext>
     </p:extLst>
   </p:cSld>
   <p:clrMapOvr>
     <a:masterClrMapping/>
   </p:clrMapOvr>
-  <mc:AlternateContent xmlns:mc="http://schemas.openxmlformats.org/markup-compatibility/2006" xmlns:p14="http://schemas.microsoft.com/office/powerpoint/2010/main">
-    <mc:Choice Requires="p14">
+  <mc:AlternateContent xmlns:mc="http://schemas.openxmlformats.org/markup-compatibility/2006">
+    <mc:Choice xmlns:p14="http://schemas.microsoft.com/office/powerpoint/2010/main" Requires="p14">
       <p:transition spd="med" p14:dur="700">
         <p:fade/>
       </p:transition>
     </mc:Choice>
-    <mc:Fallback xmlns="">
+    <mc:Fallback>
       <p:transition spd="med">
         <p:fade/>
       </p:transition>
     </mc:Fallback>
   </mc:AlternateContent>
+  <p:timing>
+    <p:tnLst>
+      <p:par>
+        <p:cTn id="1" dur="indefinite" restart="never" nodeType="tmRoot"/>
+      </p:par>
+    </p:tnLst>
+  </p:timing>
 </p:sld>
 </file>
 
@@ -36346,10 +35089,10 @@
       </p:grpSpPr>
       <p:sp>
         <p:nvSpPr>
-          <p:cNvPr id="5" name="Title 4">
+          <p:cNvPr id="4" name="Title 3">
             <a:extLst>
               <a:ext uri="{FF2B5EF4-FFF2-40B4-BE49-F238E27FC236}">
-                <a16:creationId xmlns:a16="http://schemas.microsoft.com/office/drawing/2014/main" xmlns="" id="{201323FB-427E-4A8D-B473-AB0657D8D23B}"/>
+                <a16:creationId xmlns:a16="http://schemas.microsoft.com/office/drawing/2014/main" xmlns="" id="{E3BD8413-C238-49D7-A4E1-E8FEF1811A0E}"/>
               </a:ext>
             </a:extLst>
           </p:cNvPr>
@@ -36360,53 +35103,120 @@
             <p:ph type="title"/>
           </p:nvPr>
         </p:nvSpPr>
-        <p:spPr/>
+        <p:spPr>
+          <a:xfrm>
+            <a:off x="832103" y="31383"/>
+            <a:ext cx="10420097" cy="859055"/>
+          </a:xfrm>
+        </p:spPr>
         <p:txBody>
-          <a:bodyPr/>
+          <a:bodyPr>
+            <a:normAutofit/>
+          </a:bodyPr>
           <a:lstStyle/>
           <a:p>
             <a:r>
-              <a:rPr lang="en-US" dirty="0"/>
-              <a:t>Chart</a:t>
+              <a:rPr lang="en-GB" dirty="0" err="1" smtClean="0"/>
+              <a:t>Metode</a:t>
+            </a:r>
+            <a:r>
+              <a:rPr lang="en-GB" dirty="0" smtClean="0"/>
+              <a:t> </a:t>
+            </a:r>
+            <a:r>
+              <a:rPr lang="en-GB" dirty="0" err="1" smtClean="0"/>
+              <a:t>Pengumpulan</a:t>
+            </a:r>
+            <a:r>
+              <a:rPr lang="en-GB" dirty="0" smtClean="0"/>
+              <a:t> Data</a:t>
             </a:r>
             <a:endParaRPr lang="en-GB" dirty="0"/>
           </a:p>
         </p:txBody>
       </p:sp>
-      <p:graphicFrame>
-        <p:nvGraphicFramePr>
-          <p:cNvPr id="7" name="Chart 6" title="Gross Revenue Placeholder Chart">
+      <p:sp>
+        <p:nvSpPr>
+          <p:cNvPr id="5" name="Text Placeholder 4">
             <a:extLst>
               <a:ext uri="{FF2B5EF4-FFF2-40B4-BE49-F238E27FC236}">
-                <a16:creationId xmlns:a16="http://schemas.microsoft.com/office/drawing/2014/main" xmlns="" id="{19AEAA04-4840-FB41-B910-5F3570D85F0A}"/>
+                <a16:creationId xmlns:a16="http://schemas.microsoft.com/office/drawing/2014/main" xmlns="" id="{0A95F4DE-39B7-4CE2-BC1E-8B8AE662A895}"/>
               </a:ext>
             </a:extLst>
           </p:cNvPr>
-          <p:cNvGraphicFramePr/>
+          <p:cNvSpPr>
+            <a:spLocks noGrp="1"/>
+          </p:cNvSpPr>
           <p:nvPr>
-            <p:extLst>
-              <p:ext uri="{D42A27DB-BD31-4B8C-83A1-F6EECF244321}">
-                <p14:modId xmlns:p14="http://schemas.microsoft.com/office/powerpoint/2010/main" val="3667763278"/>
-              </p:ext>
-            </p:extLst>
+            <p:ph type="body" idx="1"/>
           </p:nvPr>
-        </p:nvGraphicFramePr>
-        <p:xfrm>
-          <a:off x="1250950" y="1712075"/>
-          <a:ext cx="9690100" cy="4444199"/>
-        </p:xfrm>
-        <a:graphic>
-          <a:graphicData uri="http://schemas.openxmlformats.org/drawingml/2006/chart">
-            <c:chart xmlns:c="http://schemas.openxmlformats.org/drawingml/2006/chart" xmlns:r="http://schemas.openxmlformats.org/officeDocument/2006/relationships" r:id="rId2"/>
-          </a:graphicData>
-        </a:graphic>
-      </p:graphicFrame>
+        </p:nvSpPr>
+        <p:spPr>
+          <a:xfrm>
+            <a:off x="831850" y="900062"/>
+            <a:ext cx="8545232" cy="5415013"/>
+          </a:xfrm>
+        </p:spPr>
+        <p:txBody>
+          <a:bodyPr numCol="1">
+            <a:normAutofit/>
+          </a:bodyPr>
+          <a:lstStyle/>
+          <a:p>
+            <a:pPr marL="742950" lvl="0" indent="-742950" algn="just">
+              <a:buFont typeface="+mj-lt"/>
+              <a:buAutoNum type="arabicPeriod"/>
+            </a:pPr>
+            <a:r>
+              <a:rPr lang="en-US" sz="3600" dirty="0" err="1"/>
+              <a:t>Studi</a:t>
+            </a:r>
+            <a:r>
+              <a:rPr lang="en-US" sz="3600" dirty="0"/>
+              <a:t> </a:t>
+            </a:r>
+            <a:r>
+              <a:rPr lang="en-US" sz="3600" dirty="0" smtClean="0"/>
+              <a:t>literature.</a:t>
+            </a:r>
+          </a:p>
+          <a:p>
+            <a:pPr marL="742950" lvl="0" indent="-742950" algn="just">
+              <a:buFont typeface="+mj-lt"/>
+              <a:buAutoNum type="arabicPeriod"/>
+            </a:pPr>
+            <a:r>
+              <a:rPr lang="en-US" sz="3600" dirty="0" err="1" smtClean="0"/>
+              <a:t>Observasi</a:t>
+            </a:r>
+            <a:r>
+              <a:rPr lang="en-US" sz="3600" dirty="0" smtClean="0"/>
+              <a:t>.</a:t>
+            </a:r>
+          </a:p>
+          <a:p>
+            <a:pPr marL="742950" lvl="0" indent="-742950" algn="just">
+              <a:buFont typeface="+mj-lt"/>
+              <a:buAutoNum type="arabicPeriod"/>
+            </a:pPr>
+            <a:r>
+              <a:rPr lang="en-US" sz="3600" dirty="0" err="1" smtClean="0"/>
+              <a:t>Wawancara</a:t>
+            </a:r>
+            <a:r>
+              <a:rPr lang="en-US" sz="3600" dirty="0" smtClean="0"/>
+              <a:t>.</a:t>
+            </a:r>
+            <a:endParaRPr lang="en-US" sz="3600" dirty="0"/>
+          </a:p>
+        </p:txBody>
+      </p:sp>
       <p:sp>
         <p:nvSpPr>
           <p:cNvPr id="2" name="Slide Number Placeholder 1">
             <a:extLst>
               <a:ext uri="{FF2B5EF4-FFF2-40B4-BE49-F238E27FC236}">
-                <a16:creationId xmlns:a16="http://schemas.microsoft.com/office/drawing/2014/main" xmlns="" id="{E4398C1C-6656-4A73-A680-62A81CDC27FD}"/>
+                <a16:creationId xmlns:a16="http://schemas.microsoft.com/office/drawing/2014/main" xmlns="" id="{0B24BF10-2B55-43AB-9F77-F1A1410384A9}"/>
               </a:ext>
             </a:extLst>
           </p:cNvPr>
@@ -36434,25 +35244,32 @@
     </p:spTree>
     <p:extLst>
       <p:ext uri="{BB962C8B-B14F-4D97-AF65-F5344CB8AC3E}">
-        <p14:creationId xmlns:p14="http://schemas.microsoft.com/office/powerpoint/2010/main" val="3322300142"/>
+        <p14:creationId xmlns:p14="http://schemas.microsoft.com/office/powerpoint/2010/main" val="1147757168"/>
       </p:ext>
     </p:extLst>
   </p:cSld>
   <p:clrMapOvr>
     <a:masterClrMapping/>
   </p:clrMapOvr>
-  <mc:AlternateContent xmlns:mc="http://schemas.openxmlformats.org/markup-compatibility/2006" xmlns:p14="http://schemas.microsoft.com/office/powerpoint/2010/main">
-    <mc:Choice Requires="p14">
+  <mc:AlternateContent xmlns:mc="http://schemas.openxmlformats.org/markup-compatibility/2006">
+    <mc:Choice xmlns:p14="http://schemas.microsoft.com/office/powerpoint/2010/main" Requires="p14">
       <p:transition spd="med" p14:dur="700">
         <p:fade/>
       </p:transition>
     </mc:Choice>
-    <mc:Fallback xmlns="">
+    <mc:Fallback>
       <p:transition spd="med">
         <p:fade/>
       </p:transition>
     </mc:Fallback>
   </mc:AlternateContent>
+  <p:timing>
+    <p:tnLst>
+      <p:par>
+        <p:cTn id="1" dur="indefinite" restart="never" nodeType="tmRoot"/>
+      </p:par>
+    </p:tnLst>
+  </p:timing>
 </p:sld>
 </file>
 
@@ -36475,10 +35292,10 @@
       </p:grpSpPr>
       <p:sp>
         <p:nvSpPr>
-          <p:cNvPr id="6" name="Title 5">
+          <p:cNvPr id="4" name="Title 3">
             <a:extLst>
               <a:ext uri="{FF2B5EF4-FFF2-40B4-BE49-F238E27FC236}">
-                <a16:creationId xmlns:a16="http://schemas.microsoft.com/office/drawing/2014/main" xmlns="" id="{A4CD37D6-FE32-48E3-A3AD-F07BE6A19FA1}"/>
+                <a16:creationId xmlns:a16="http://schemas.microsoft.com/office/drawing/2014/main" xmlns="" id="{E3BD8413-C238-49D7-A4E1-E8FEF1811A0E}"/>
               </a:ext>
             </a:extLst>
           </p:cNvPr>
@@ -36491,33 +35308,113 @@
         </p:nvSpPr>
         <p:spPr>
           <a:xfrm>
-            <a:off x="533399" y="3200400"/>
-            <a:ext cx="7551057" cy="2859313"/>
+            <a:off x="832103" y="31383"/>
+            <a:ext cx="10420097" cy="859055"/>
           </a:xfrm>
         </p:spPr>
         <p:txBody>
-          <a:bodyPr/>
+          <a:bodyPr>
+            <a:normAutofit/>
+          </a:bodyPr>
           <a:lstStyle/>
           <a:p>
             <a:r>
-              <a:rPr lang="en-US" dirty="0"/>
-              <a:t>Quote appears here </a:t>
-            </a:r>
-            <a:br>
-              <a:rPr lang="en-US" dirty="0"/>
-            </a:br>
-            <a:r>
-              <a:rPr lang="en-US" dirty="0"/>
-              <a:t>Lorem ipsum dolor sit amet, consectetuer adipiscing elit.” </a:t>
-            </a:r>
-            <a:br>
-              <a:rPr lang="en-US" dirty="0"/>
-            </a:br>
-            <a:r>
-              <a:rPr lang="en-US" sz="2400" dirty="0"/>
-              <a:t>- Author</a:t>
+              <a:rPr lang="en-GB" dirty="0" err="1" smtClean="0"/>
+              <a:t>Metode</a:t>
+            </a:r>
+            <a:r>
+              <a:rPr lang="en-GB" dirty="0" smtClean="0"/>
+              <a:t> </a:t>
+            </a:r>
+            <a:r>
+              <a:rPr lang="en-GB" dirty="0" err="1" smtClean="0"/>
+              <a:t>Perancangan</a:t>
             </a:r>
             <a:endParaRPr lang="en-GB" dirty="0"/>
+          </a:p>
+        </p:txBody>
+      </p:sp>
+      <p:sp>
+        <p:nvSpPr>
+          <p:cNvPr id="5" name="Text Placeholder 4">
+            <a:extLst>
+              <a:ext uri="{FF2B5EF4-FFF2-40B4-BE49-F238E27FC236}">
+                <a16:creationId xmlns:a16="http://schemas.microsoft.com/office/drawing/2014/main" xmlns="" id="{0A95F4DE-39B7-4CE2-BC1E-8B8AE662A895}"/>
+              </a:ext>
+            </a:extLst>
+          </p:cNvPr>
+          <p:cNvSpPr>
+            <a:spLocks noGrp="1"/>
+          </p:cNvSpPr>
+          <p:nvPr>
+            <p:ph type="body" idx="1"/>
+          </p:nvPr>
+        </p:nvSpPr>
+        <p:spPr>
+          <a:xfrm>
+            <a:off x="831850" y="900062"/>
+            <a:ext cx="8545232" cy="5415013"/>
+          </a:xfrm>
+        </p:spPr>
+        <p:txBody>
+          <a:bodyPr numCol="1">
+            <a:normAutofit/>
+          </a:bodyPr>
+          <a:lstStyle/>
+          <a:p>
+            <a:pPr marL="742950" lvl="0" indent="-742950">
+              <a:buFont typeface="+mj-lt"/>
+              <a:buAutoNum type="arabicPeriod"/>
+            </a:pPr>
+            <a:r>
+              <a:rPr lang="id-ID" sz="3600" dirty="0"/>
+              <a:t>Identifikasi Masalah.</a:t>
+            </a:r>
+            <a:endParaRPr lang="en-US" sz="3600" dirty="0"/>
+          </a:p>
+          <a:p>
+            <a:pPr marL="742950" lvl="0" indent="-742950">
+              <a:buFont typeface="+mj-lt"/>
+              <a:buAutoNum type="arabicPeriod"/>
+            </a:pPr>
+            <a:r>
+              <a:rPr lang="id-ID" sz="3600" dirty="0"/>
+              <a:t>Membuat Konsep.</a:t>
+            </a:r>
+            <a:endParaRPr lang="en-US" sz="3600" dirty="0"/>
+          </a:p>
+          <a:p>
+            <a:pPr marL="742950" lvl="0" indent="-742950">
+              <a:buFont typeface="+mj-lt"/>
+              <a:buAutoNum type="arabicPeriod"/>
+            </a:pPr>
+            <a:r>
+              <a:rPr lang="id-ID" sz="3600" dirty="0"/>
+              <a:t>Membuat Desain.</a:t>
+            </a:r>
+            <a:endParaRPr lang="en-US" sz="3600" dirty="0"/>
+          </a:p>
+          <a:p>
+            <a:pPr marL="742950" lvl="0" indent="-742950">
+              <a:buFont typeface="+mj-lt"/>
+              <a:buAutoNum type="arabicPeriod"/>
+            </a:pPr>
+            <a:r>
+              <a:rPr lang="id-ID" sz="3600" dirty="0"/>
+              <a:t>Pengumpulan Bahan.</a:t>
+            </a:r>
+            <a:endParaRPr lang="en-US" sz="3600" dirty="0"/>
+          </a:p>
+          <a:p>
+            <a:pPr marL="742950" lvl="0" indent="-742950">
+              <a:buFont typeface="+mj-lt"/>
+              <a:buAutoNum type="arabicPeriod"/>
+            </a:pPr>
+            <a:r>
+              <a:rPr lang="id-ID" sz="3600" dirty="0"/>
+              <a:t>Merancang Aplikasi.</a:t>
+            </a:r>
+            <a:endParaRPr lang="en-US" sz="3600" dirty="0"/>
           </a:p>
         </p:txBody>
       </p:sp>
@@ -36526,7 +35423,7 @@
           <p:cNvPr id="2" name="Slide Number Placeholder 1">
             <a:extLst>
               <a:ext uri="{FF2B5EF4-FFF2-40B4-BE49-F238E27FC236}">
-                <a16:creationId xmlns:a16="http://schemas.microsoft.com/office/drawing/2014/main" xmlns="" id="{8EDC7217-2779-44E0-9E6D-3B3879516A1D}"/>
+                <a16:creationId xmlns:a16="http://schemas.microsoft.com/office/drawing/2014/main" xmlns="" id="{0B24BF10-2B55-43AB-9F77-F1A1410384A9}"/>
               </a:ext>
             </a:extLst>
           </p:cNvPr>
@@ -36554,25 +35451,32 @@
     </p:spTree>
     <p:extLst>
       <p:ext uri="{BB962C8B-B14F-4D97-AF65-F5344CB8AC3E}">
-        <p14:creationId xmlns:p14="http://schemas.microsoft.com/office/powerpoint/2010/main" val="914134537"/>
+        <p14:creationId xmlns:p14="http://schemas.microsoft.com/office/powerpoint/2010/main" val="581728347"/>
       </p:ext>
     </p:extLst>
   </p:cSld>
   <p:clrMapOvr>
     <a:masterClrMapping/>
   </p:clrMapOvr>
-  <mc:AlternateContent xmlns:mc="http://schemas.openxmlformats.org/markup-compatibility/2006" xmlns:p14="http://schemas.microsoft.com/office/powerpoint/2010/main">
-    <mc:Choice Requires="p14">
+  <mc:AlternateContent xmlns:mc="http://schemas.openxmlformats.org/markup-compatibility/2006">
+    <mc:Choice xmlns:p14="http://schemas.microsoft.com/office/powerpoint/2010/main" Requires="p14">
       <p:transition spd="med" p14:dur="700">
         <p:fade/>
       </p:transition>
     </mc:Choice>
-    <mc:Fallback xmlns="">
+    <mc:Fallback>
       <p:transition spd="med">
         <p:fade/>
       </p:transition>
     </mc:Fallback>
   </mc:AlternateContent>
+  <p:timing>
+    <p:tnLst>
+      <p:par>
+        <p:cTn id="1" dur="indefinite" restart="never" nodeType="tmRoot"/>
+      </p:par>
+    </p:tnLst>
+  </p:timing>
 </p:sld>
 </file>
 
@@ -36753,10 +35657,10 @@
       </p:grpSpPr>
       <p:sp>
         <p:nvSpPr>
-          <p:cNvPr id="2" name="Title 1">
+          <p:cNvPr id="4" name="Title 3">
             <a:extLst>
               <a:ext uri="{FF2B5EF4-FFF2-40B4-BE49-F238E27FC236}">
-                <a16:creationId xmlns:a16="http://schemas.microsoft.com/office/drawing/2014/main" xmlns="" id="{632BE5BF-9922-45FB-8F3F-4446D40A051B}"/>
+                <a16:creationId xmlns:a16="http://schemas.microsoft.com/office/drawing/2014/main" xmlns="" id="{E3BD8413-C238-49D7-A4E1-E8FEF1811A0E}"/>
               </a:ext>
             </a:extLst>
           </p:cNvPr>
@@ -36764,7 +35668,51 @@
             <a:spLocks noGrp="1"/>
           </p:cNvSpPr>
           <p:nvPr>
-            <p:ph type="ctrTitle"/>
+            <p:ph type="title"/>
+          </p:nvPr>
+        </p:nvSpPr>
+        <p:spPr>
+          <a:xfrm>
+            <a:off x="832103" y="31383"/>
+            <a:ext cx="10420097" cy="859055"/>
+          </a:xfrm>
+        </p:spPr>
+        <p:txBody>
+          <a:bodyPr>
+            <a:normAutofit/>
+          </a:bodyPr>
+          <a:lstStyle/>
+          <a:p>
+            <a:r>
+              <a:rPr lang="en-GB" dirty="0" err="1" smtClean="0"/>
+              <a:t>Jadwal</a:t>
+            </a:r>
+            <a:r>
+              <a:rPr lang="en-GB" dirty="0" smtClean="0"/>
+              <a:t> </a:t>
+            </a:r>
+            <a:r>
+              <a:rPr lang="en-GB" dirty="0" err="1" smtClean="0"/>
+              <a:t>Penelitian</a:t>
+            </a:r>
+            <a:endParaRPr lang="en-GB" dirty="0"/>
+          </a:p>
+        </p:txBody>
+      </p:sp>
+      <p:sp>
+        <p:nvSpPr>
+          <p:cNvPr id="2" name="Slide Number Placeholder 1">
+            <a:extLst>
+              <a:ext uri="{FF2B5EF4-FFF2-40B4-BE49-F238E27FC236}">
+                <a16:creationId xmlns:a16="http://schemas.microsoft.com/office/drawing/2014/main" xmlns="" id="{0B24BF10-2B55-43AB-9F77-F1A1410384A9}"/>
+              </a:ext>
+            </a:extLst>
+          </p:cNvPr>
+          <p:cNvSpPr>
+            <a:spLocks noGrp="1"/>
+          </p:cNvSpPr>
+          <p:nvPr>
+            <p:ph type="sldNum" sz="quarter" idx="12"/>
           </p:nvPr>
         </p:nvSpPr>
         <p:spPr/>
@@ -36772,27 +35720,97 @@
           <a:bodyPr/>
           <a:lstStyle/>
           <a:p>
-            <a:r>
-              <a:rPr lang="en-US" dirty="0"/>
-              <a:t>Thank You</a:t>
-            </a:r>
+            <a:fld id="{C263D6C4-4840-40CC-AC84-17E24B3B7BDE}" type="slidenum">
+              <a:rPr lang="en-GB" smtClean="0"/>
+              <a:pPr/>
+              <a:t>30</a:t>
+            </a:fld>
             <a:endParaRPr lang="en-GB" dirty="0"/>
+          </a:p>
+        </p:txBody>
+      </p:sp>
+      <p:pic>
+        <p:nvPicPr>
+          <p:cNvPr id="6" name="Content Placeholder 3"/>
+          <p:cNvPicPr>
+            <a:picLocks/>
+          </p:cNvPicPr>
+          <p:nvPr/>
+        </p:nvPicPr>
+        <p:blipFill>
+          <a:blip r:embed="rId3">
+            <a:grayscl/>
+          </a:blip>
+          <a:srcRect/>
+          <a:stretch>
+            <a:fillRect/>
+          </a:stretch>
+        </p:blipFill>
+        <p:spPr bwMode="auto">
+          <a:xfrm>
+            <a:off x="2076641" y="1080857"/>
+            <a:ext cx="7931020" cy="4665987"/>
+          </a:xfrm>
+          <a:prstGeom prst="rect">
+            <a:avLst/>
+          </a:prstGeom>
+          <a:noFill/>
+          <a:ln w="9525">
+            <a:noFill/>
+            <a:miter lim="800000"/>
+            <a:headEnd/>
+            <a:tailEnd/>
+          </a:ln>
+        </p:spPr>
+      </p:pic>
+      <p:sp>
+        <p:nvSpPr>
+          <p:cNvPr id="3" name="Text Placeholder 2"/>
+          <p:cNvSpPr>
+            <a:spLocks noGrp="1"/>
+          </p:cNvSpPr>
+          <p:nvPr>
+            <p:ph type="body" idx="1"/>
+          </p:nvPr>
+        </p:nvSpPr>
+        <p:spPr/>
+        <p:txBody>
+          <a:bodyPr/>
+          <a:lstStyle/>
+          <a:p>
+            <a:endParaRPr lang="en-US" dirty="0"/>
           </a:p>
         </p:txBody>
       </p:sp>
     </p:spTree>
     <p:extLst>
       <p:ext uri="{BB962C8B-B14F-4D97-AF65-F5344CB8AC3E}">
-        <p14:creationId xmlns:p14="http://schemas.microsoft.com/office/powerpoint/2010/main" val="429771863"/>
+        <p14:creationId xmlns:p14="http://schemas.microsoft.com/office/powerpoint/2010/main" val="3364711295"/>
       </p:ext>
     </p:extLst>
   </p:cSld>
   <p:clrMapOvr>
     <a:masterClrMapping/>
   </p:clrMapOvr>
-  <p:transition spd="slow">
-    <p:wipe/>
-  </p:transition>
+  <mc:AlternateContent xmlns:mc="http://schemas.openxmlformats.org/markup-compatibility/2006">
+    <mc:Choice xmlns:p14="http://schemas.microsoft.com/office/powerpoint/2010/main" Requires="p14">
+      <p:transition spd="med" p14:dur="700">
+        <p:fade/>
+      </p:transition>
+    </mc:Choice>
+    <mc:Fallback>
+      <p:transition spd="med">
+        <p:fade/>
+      </p:transition>
+    </mc:Fallback>
+  </mc:AlternateContent>
+  <p:timing>
+    <p:tnLst>
+      <p:par>
+        <p:cTn id="1" dur="indefinite" restart="never" nodeType="tmRoot"/>
+      </p:par>
+    </p:tnLst>
+  </p:timing>
 </p:sld>
 </file>
 
@@ -36845,7 +35863,7 @@
     </p:spTree>
     <p:extLst>
       <p:ext uri="{BB962C8B-B14F-4D97-AF65-F5344CB8AC3E}">
-        <p14:creationId xmlns:p14="http://schemas.microsoft.com/office/powerpoint/2010/main" val="44069682"/>
+        <p14:creationId xmlns:p14="http://schemas.microsoft.com/office/powerpoint/2010/main" val="429771863"/>
       </p:ext>
     </p:extLst>
   </p:cSld>
@@ -36855,135 +35873,6 @@
   <p:transition spd="slow">
     <p:wipe/>
   </p:transition>
-</p:sld>
-</file>
-
-<file path=ppt/slides/slide32.xml><?xml version="1.0" encoding="utf-8"?>
-<p:sld xmlns:a="http://schemas.openxmlformats.org/drawingml/2006/main" xmlns:r="http://schemas.openxmlformats.org/officeDocument/2006/relationships" xmlns:p="http://schemas.openxmlformats.org/presentationml/2006/main">
-  <p:cSld>
-    <p:spTree>
-      <p:nvGrpSpPr>
-        <p:cNvPr id="1" name=""/>
-        <p:cNvGrpSpPr/>
-        <p:nvPr/>
-      </p:nvGrpSpPr>
-      <p:grpSpPr>
-        <a:xfrm>
-          <a:off x="0" y="0"/>
-          <a:ext cx="0" cy="0"/>
-          <a:chOff x="0" y="0"/>
-          <a:chExt cx="0" cy="0"/>
-        </a:xfrm>
-      </p:grpSpPr>
-      <p:sp>
-        <p:nvSpPr>
-          <p:cNvPr id="4" name="Title 3">
-            <a:extLst>
-              <a:ext uri="{FF2B5EF4-FFF2-40B4-BE49-F238E27FC236}">
-                <a16:creationId xmlns:a16="http://schemas.microsoft.com/office/drawing/2014/main" xmlns="" id="{E98DCA46-603B-4178-8707-30E192CE6B8D}"/>
-              </a:ext>
-            </a:extLst>
-          </p:cNvPr>
-          <p:cNvSpPr>
-            <a:spLocks noGrp="1"/>
-          </p:cNvSpPr>
-          <p:nvPr>
-            <p:ph type="title"/>
-          </p:nvPr>
-        </p:nvSpPr>
-        <p:spPr/>
-        <p:txBody>
-          <a:bodyPr/>
-          <a:lstStyle/>
-          <a:p>
-            <a:r>
-              <a:rPr lang="en-US" dirty="0"/>
-              <a:t>Customize this Template</a:t>
-            </a:r>
-          </a:p>
-        </p:txBody>
-      </p:sp>
-      <p:sp>
-        <p:nvSpPr>
-          <p:cNvPr id="8" name="TextBox 7">
-            <a:hlinkClick r:id="rId2"/>
-            <a:extLst>
-              <a:ext uri="{FF2B5EF4-FFF2-40B4-BE49-F238E27FC236}">
-                <a16:creationId xmlns:a16="http://schemas.microsoft.com/office/drawing/2014/main" xmlns="" id="{5FC6C278-4035-446A-A94B-030E792FDDF5}"/>
-              </a:ext>
-            </a:extLst>
-          </p:cNvPr>
-          <p:cNvSpPr txBox="1"/>
-          <p:nvPr/>
-        </p:nvSpPr>
-        <p:spPr>
-          <a:xfrm>
-            <a:off x="1547813" y="2459504"/>
-            <a:ext cx="9096374" cy="2862322"/>
-          </a:xfrm>
-          <a:prstGeom prst="rect">
-            <a:avLst/>
-          </a:prstGeom>
-          <a:noFill/>
-        </p:spPr>
-        <p:txBody>
-          <a:bodyPr wrap="square" rtlCol="0">
-            <a:spAutoFit/>
-          </a:bodyPr>
-          <a:lstStyle/>
-          <a:p>
-            <a:pPr algn="ctr"/>
-            <a:r>
-              <a:rPr lang="en-US" sz="6000" u="sng" dirty="0">
-                <a:solidFill>
-                  <a:schemeClr val="bg1"/>
-                </a:solidFill>
-              </a:rPr>
-              <a:t>Template Editing Instructions and Feedback</a:t>
-            </a:r>
-          </a:p>
-        </p:txBody>
-      </p:sp>
-      <p:sp>
-        <p:nvSpPr>
-          <p:cNvPr id="2" name="Slide Number Placeholder 1">
-            <a:extLst>
-              <a:ext uri="{FF2B5EF4-FFF2-40B4-BE49-F238E27FC236}">
-                <a16:creationId xmlns:a16="http://schemas.microsoft.com/office/drawing/2014/main" xmlns="" id="{6D90B5C6-1CB0-445E-99D1-8E2FE8C59B50}"/>
-              </a:ext>
-            </a:extLst>
-          </p:cNvPr>
-          <p:cNvSpPr>
-            <a:spLocks noGrp="1"/>
-          </p:cNvSpPr>
-          <p:nvPr>
-            <p:ph type="sldNum" sz="quarter" idx="12"/>
-          </p:nvPr>
-        </p:nvSpPr>
-        <p:spPr/>
-        <p:txBody>
-          <a:bodyPr/>
-          <a:lstStyle/>
-          <a:p>
-            <a:fld id="{C263D6C4-4840-40CC-AC84-17E24B3B7BDE}" type="slidenum">
-              <a:rPr lang="en-GB" smtClean="0"/>
-              <a:pPr/>
-              <a:t>32</a:t>
-            </a:fld>
-            <a:endParaRPr lang="en-GB" dirty="0"/>
-          </a:p>
-        </p:txBody>
-      </p:sp>
-    </p:spTree>
-    <p:extLst>
-      <p:ext uri="{BB962C8B-B14F-4D97-AF65-F5344CB8AC3E}">
-        <p14:creationId xmlns:p14="http://schemas.microsoft.com/office/powerpoint/2010/main" val="59582380"/>
-      </p:ext>
-    </p:extLst>
-  </p:cSld>
-  <p:clrMapOvr>
-    <a:masterClrMapping/>
-  </p:clrMapOvr>
 </p:sld>
 </file>
 

--- a/GAME SIMULASI KERJA PRAKTEK MAHASISWA FAKULTAS TEKNOLOGI INFORMASI.pptx
+++ b/GAME SIMULASI KERJA PRAKTEK MAHASISWA FAKULTAS TEKNOLOGI INFORMASI.pptx
@@ -5,10 +5,10 @@
     <p:sldMasterId id="2147483648" r:id="rId4"/>
   </p:sldMasterIdLst>
   <p:notesMasterIdLst>
-    <p:notesMasterId r:id="rId36"/>
+    <p:notesMasterId r:id="rId42"/>
   </p:notesMasterIdLst>
   <p:handoutMasterIdLst>
-    <p:handoutMasterId r:id="rId37"/>
+    <p:handoutMasterId r:id="rId43"/>
   </p:handoutMasterIdLst>
   <p:sldIdLst>
     <p:sldId id="256" r:id="rId5"/>
@@ -38,10 +38,16 @@
     <p:sldId id="307" r:id="rId29"/>
     <p:sldId id="309" r:id="rId30"/>
     <p:sldId id="310" r:id="rId31"/>
-    <p:sldId id="311" r:id="rId32"/>
-    <p:sldId id="312" r:id="rId33"/>
-    <p:sldId id="313" r:id="rId34"/>
-    <p:sldId id="269" r:id="rId35"/>
+    <p:sldId id="314" r:id="rId32"/>
+    <p:sldId id="315" r:id="rId33"/>
+    <p:sldId id="316" r:id="rId34"/>
+    <p:sldId id="317" r:id="rId35"/>
+    <p:sldId id="318" r:id="rId36"/>
+    <p:sldId id="319" r:id="rId37"/>
+    <p:sldId id="311" r:id="rId38"/>
+    <p:sldId id="312" r:id="rId39"/>
+    <p:sldId id="313" r:id="rId40"/>
+    <p:sldId id="269" r:id="rId41"/>
   </p:sldIdLst>
   <p:sldSz cx="12192000" cy="6858000"/>
   <p:notesSz cx="6858000" cy="9144000"/>
@@ -189,7 +195,7 @@
           <p:cNvPr id="2" name="Header Placeholder 1">
             <a:extLst>
               <a:ext uri="{FF2B5EF4-FFF2-40B4-BE49-F238E27FC236}">
-                <a16:creationId xmlns:a16="http://schemas.microsoft.com/office/drawing/2014/main" xmlns="" id="{E62FF6B6-4F8A-40F7-B5F4-FC3996824D73}"/>
+                <a16:creationId xmlns="" xmlns:a16="http://schemas.microsoft.com/office/drawing/2014/main" id="{E62FF6B6-4F8A-40F7-B5F4-FC3996824D73}"/>
               </a:ext>
             </a:extLst>
           </p:cNvPr>
@@ -226,7 +232,7 @@
           <p:cNvPr id="3" name="Date Placeholder 2">
             <a:extLst>
               <a:ext uri="{FF2B5EF4-FFF2-40B4-BE49-F238E27FC236}">
-                <a16:creationId xmlns:a16="http://schemas.microsoft.com/office/drawing/2014/main" xmlns="" id="{8910A999-F365-48DF-976A-0517FE045440}"/>
+                <a16:creationId xmlns="" xmlns:a16="http://schemas.microsoft.com/office/drawing/2014/main" id="{8910A999-F365-48DF-976A-0517FE045440}"/>
               </a:ext>
             </a:extLst>
           </p:cNvPr>
@@ -256,7 +262,7 @@
           <a:p>
             <a:fld id="{1CA5457B-CDAE-4DEB-AEC8-C82DE2312E37}" type="datetimeFigureOut">
               <a:rPr lang="en-GB" smtClean="0"/>
-              <a:t>21/03/2019</a:t>
+              <a:t>28/03/2019</a:t>
             </a:fld>
             <a:endParaRPr lang="en-GB" dirty="0"/>
           </a:p>
@@ -267,7 +273,7 @@
           <p:cNvPr id="4" name="Footer Placeholder 3">
             <a:extLst>
               <a:ext uri="{FF2B5EF4-FFF2-40B4-BE49-F238E27FC236}">
-                <a16:creationId xmlns:a16="http://schemas.microsoft.com/office/drawing/2014/main" xmlns="" id="{F8735C90-ADBF-4B9E-BE88-E1C8F83EB4D2}"/>
+                <a16:creationId xmlns="" xmlns:a16="http://schemas.microsoft.com/office/drawing/2014/main" id="{F8735C90-ADBF-4B9E-BE88-E1C8F83EB4D2}"/>
               </a:ext>
             </a:extLst>
           </p:cNvPr>
@@ -304,7 +310,7 @@
           <p:cNvPr id="5" name="Slide Number Placeholder 4">
             <a:extLst>
               <a:ext uri="{FF2B5EF4-FFF2-40B4-BE49-F238E27FC236}">
-                <a16:creationId xmlns:a16="http://schemas.microsoft.com/office/drawing/2014/main" xmlns="" id="{82506A01-6D0A-45EF-A584-05A3361D66F7}"/>
+                <a16:creationId xmlns="" xmlns:a16="http://schemas.microsoft.com/office/drawing/2014/main" id="{82506A01-6D0A-45EF-A584-05A3361D66F7}"/>
               </a:ext>
             </a:extLst>
           </p:cNvPr>
@@ -433,7 +439,7 @@
           <a:p>
             <a:fld id="{090B78EA-28CE-41D8-9043-90E391E5F567}" type="datetimeFigureOut">
               <a:rPr lang="en-GB" smtClean="0"/>
-              <a:t>21/03/2019</a:t>
+              <a:t>28/03/2019</a:t>
             </a:fld>
             <a:endParaRPr lang="en-GB" dirty="0"/>
           </a:p>
@@ -5258,6 +5264,46 @@
               <a:tabLst/>
               <a:defRPr/>
             </a:pPr>
+            <a:r>
+              <a:rPr lang="id-ID" sz="1200" kern="1200" dirty="0" smtClean="0">
+                <a:solidFill>
+                  <a:schemeClr val="tx1"/>
+                </a:solidFill>
+                <a:effectLst/>
+                <a:latin typeface="+mn-lt"/>
+                <a:ea typeface="+mn-ea"/>
+                <a:cs typeface="+mn-cs"/>
+              </a:rPr>
+              <a:t>Penelitian ini akan dilakukan di Fakultas Teknologi Informasi Universitas Bale Bandung. Waktu penelitian dilakukan pada semester genap tahun ajaran 2018/2019.</a:t>
+            </a:r>
+            <a:endParaRPr lang="en-US" sz="1200" kern="1200" dirty="0" smtClean="0">
+              <a:solidFill>
+                <a:schemeClr val="tx1"/>
+              </a:solidFill>
+              <a:effectLst/>
+              <a:latin typeface="+mn-lt"/>
+              <a:ea typeface="+mn-ea"/>
+              <a:cs typeface="+mn-cs"/>
+            </a:endParaRPr>
+          </a:p>
+          <a:p>
+            <a:pPr marL="0" marR="0" indent="0" algn="l" defTabSz="914400" rtl="0" eaLnBrk="1" fontAlgn="auto" latinLnBrk="0" hangingPunct="1">
+              <a:lnSpc>
+                <a:spcPct val="100000"/>
+              </a:lnSpc>
+              <a:spcBef>
+                <a:spcPts val="0"/>
+              </a:spcBef>
+              <a:spcAft>
+                <a:spcPts val="0"/>
+              </a:spcAft>
+              <a:buClrTx/>
+              <a:buSzTx/>
+              <a:buFontTx/>
+              <a:buNone/>
+              <a:tabLst/>
+              <a:defRPr/>
+            </a:pPr>
             <a:endParaRPr lang="en-US" sz="1200" kern="1200" dirty="0" smtClean="0">
               <a:solidFill>
                 <a:schemeClr val="tx1"/>
@@ -5623,7 +5669,7 @@
     </p:spTree>
     <p:extLst>
       <p:ext uri="{BB962C8B-B14F-4D97-AF65-F5344CB8AC3E}">
-        <p14:creationId xmlns:p14="http://schemas.microsoft.com/office/powerpoint/2010/main" val="290351327"/>
+        <p14:creationId xmlns:p14="http://schemas.microsoft.com/office/powerpoint/2010/main" val="4077313332"/>
       </p:ext>
     </p:extLst>
   </p:cSld>
@@ -5732,7 +5778,7 @@
     </p:spTree>
     <p:extLst>
       <p:ext uri="{BB962C8B-B14F-4D97-AF65-F5344CB8AC3E}">
-        <p14:creationId xmlns:p14="http://schemas.microsoft.com/office/powerpoint/2010/main" val="1223129941"/>
+        <p14:creationId xmlns:p14="http://schemas.microsoft.com/office/powerpoint/2010/main" val="3471123238"/>
       </p:ext>
     </p:extLst>
   </p:cSld>
@@ -5841,7 +5887,7 @@
     </p:spTree>
     <p:extLst>
       <p:ext uri="{BB962C8B-B14F-4D97-AF65-F5344CB8AC3E}">
-        <p14:creationId xmlns:p14="http://schemas.microsoft.com/office/powerpoint/2010/main" val="2915716403"/>
+        <p14:creationId xmlns:p14="http://schemas.microsoft.com/office/powerpoint/2010/main" val="3765376440"/>
       </p:ext>
     </p:extLst>
   </p:cSld>
@@ -6045,7 +6091,32 @@
           <a:bodyPr/>
           <a:lstStyle/>
           <a:p>
-            <a:endParaRPr lang="en-US" dirty="0"/>
+            <a:pPr marL="0" marR="0" indent="0" algn="l" defTabSz="914400" rtl="0" eaLnBrk="1" fontAlgn="auto" latinLnBrk="0" hangingPunct="1">
+              <a:lnSpc>
+                <a:spcPct val="100000"/>
+              </a:lnSpc>
+              <a:spcBef>
+                <a:spcPts val="0"/>
+              </a:spcBef>
+              <a:spcAft>
+                <a:spcPts val="0"/>
+              </a:spcAft>
+              <a:buClrTx/>
+              <a:buSzTx/>
+              <a:buFontTx/>
+              <a:buNone/>
+              <a:tabLst/>
+              <a:defRPr/>
+            </a:pPr>
+            <a:endParaRPr lang="en-US" sz="1200" kern="1200" dirty="0" smtClean="0">
+              <a:solidFill>
+                <a:schemeClr val="tx1"/>
+              </a:solidFill>
+              <a:effectLst/>
+              <a:latin typeface="+mn-lt"/>
+              <a:ea typeface="+mn-ea"/>
+              <a:cs typeface="+mn-cs"/>
+            </a:endParaRPr>
           </a:p>
         </p:txBody>
       </p:sp>
@@ -6067,6 +6138,1509 @@
             <a:fld id="{1734D747-9380-41EE-9946-EC9EC0CA5D1E}" type="slidenum">
               <a:rPr lang="en-GB" smtClean="0"/>
               <a:t>31</a:t>
+            </a:fld>
+            <a:endParaRPr lang="en-GB" dirty="0"/>
+          </a:p>
+        </p:txBody>
+      </p:sp>
+    </p:spTree>
+    <p:extLst>
+      <p:ext uri="{BB962C8B-B14F-4D97-AF65-F5344CB8AC3E}">
+        <p14:creationId xmlns:p14="http://schemas.microsoft.com/office/powerpoint/2010/main" val="3959961906"/>
+      </p:ext>
+    </p:extLst>
+  </p:cSld>
+  <p:clrMapOvr>
+    <a:masterClrMapping/>
+  </p:clrMapOvr>
+</p:notes>
+</file>
+
+<file path=ppt/notesSlides/notesSlide31.xml><?xml version="1.0" encoding="utf-8"?>
+<p:notes xmlns:a="http://schemas.openxmlformats.org/drawingml/2006/main" xmlns:r="http://schemas.openxmlformats.org/officeDocument/2006/relationships" xmlns:p="http://schemas.openxmlformats.org/presentationml/2006/main">
+  <p:cSld>
+    <p:spTree>
+      <p:nvGrpSpPr>
+        <p:cNvPr id="1" name=""/>
+        <p:cNvGrpSpPr/>
+        <p:nvPr/>
+      </p:nvGrpSpPr>
+      <p:grpSpPr>
+        <a:xfrm>
+          <a:off x="0" y="0"/>
+          <a:ext cx="0" cy="0"/>
+          <a:chOff x="0" y="0"/>
+          <a:chExt cx="0" cy="0"/>
+        </a:xfrm>
+      </p:grpSpPr>
+      <p:sp>
+        <p:nvSpPr>
+          <p:cNvPr id="2" name="Slide Image Placeholder 1"/>
+          <p:cNvSpPr>
+            <a:spLocks noGrp="1" noRot="1" noChangeAspect="1"/>
+          </p:cNvSpPr>
+          <p:nvPr>
+            <p:ph type="sldImg"/>
+          </p:nvPr>
+        </p:nvSpPr>
+        <p:spPr/>
+      </p:sp>
+      <p:sp>
+        <p:nvSpPr>
+          <p:cNvPr id="3" name="Notes Placeholder 2"/>
+          <p:cNvSpPr>
+            <a:spLocks noGrp="1"/>
+          </p:cNvSpPr>
+          <p:nvPr>
+            <p:ph type="body" idx="1"/>
+          </p:nvPr>
+        </p:nvSpPr>
+        <p:spPr/>
+        <p:txBody>
+          <a:bodyPr/>
+          <a:lstStyle/>
+          <a:p>
+            <a:pPr marL="0" marR="0" indent="0" algn="l" defTabSz="914400" rtl="0" eaLnBrk="1" fontAlgn="auto" latinLnBrk="0" hangingPunct="1">
+              <a:lnSpc>
+                <a:spcPct val="100000"/>
+              </a:lnSpc>
+              <a:spcBef>
+                <a:spcPts val="0"/>
+              </a:spcBef>
+              <a:spcAft>
+                <a:spcPts val="0"/>
+              </a:spcAft>
+              <a:buClrTx/>
+              <a:buSzTx/>
+              <a:buFontTx/>
+              <a:buNone/>
+              <a:tabLst/>
+              <a:defRPr/>
+            </a:pPr>
+            <a:endParaRPr lang="en-US" sz="1200" kern="1200" dirty="0" smtClean="0">
+              <a:solidFill>
+                <a:schemeClr val="tx1"/>
+              </a:solidFill>
+              <a:effectLst/>
+              <a:latin typeface="+mn-lt"/>
+              <a:ea typeface="+mn-ea"/>
+              <a:cs typeface="+mn-cs"/>
+            </a:endParaRPr>
+          </a:p>
+        </p:txBody>
+      </p:sp>
+      <p:sp>
+        <p:nvSpPr>
+          <p:cNvPr id="4" name="Slide Number Placeholder 3"/>
+          <p:cNvSpPr>
+            <a:spLocks noGrp="1"/>
+          </p:cNvSpPr>
+          <p:nvPr>
+            <p:ph type="sldNum" sz="quarter" idx="10"/>
+          </p:nvPr>
+        </p:nvSpPr>
+        <p:spPr/>
+        <p:txBody>
+          <a:bodyPr/>
+          <a:lstStyle/>
+          <a:p>
+            <a:fld id="{1734D747-9380-41EE-9946-EC9EC0CA5D1E}" type="slidenum">
+              <a:rPr lang="en-GB" smtClean="0"/>
+              <a:t>32</a:t>
+            </a:fld>
+            <a:endParaRPr lang="en-GB" dirty="0"/>
+          </a:p>
+        </p:txBody>
+      </p:sp>
+    </p:spTree>
+    <p:extLst>
+      <p:ext uri="{BB962C8B-B14F-4D97-AF65-F5344CB8AC3E}">
+        <p14:creationId xmlns:p14="http://schemas.microsoft.com/office/powerpoint/2010/main" val="2926105937"/>
+      </p:ext>
+    </p:extLst>
+  </p:cSld>
+  <p:clrMapOvr>
+    <a:masterClrMapping/>
+  </p:clrMapOvr>
+</p:notes>
+</file>
+
+<file path=ppt/notesSlides/notesSlide32.xml><?xml version="1.0" encoding="utf-8"?>
+<p:notes xmlns:a="http://schemas.openxmlformats.org/drawingml/2006/main" xmlns:r="http://schemas.openxmlformats.org/officeDocument/2006/relationships" xmlns:p="http://schemas.openxmlformats.org/presentationml/2006/main">
+  <p:cSld>
+    <p:spTree>
+      <p:nvGrpSpPr>
+        <p:cNvPr id="1" name=""/>
+        <p:cNvGrpSpPr/>
+        <p:nvPr/>
+      </p:nvGrpSpPr>
+      <p:grpSpPr>
+        <a:xfrm>
+          <a:off x="0" y="0"/>
+          <a:ext cx="0" cy="0"/>
+          <a:chOff x="0" y="0"/>
+          <a:chExt cx="0" cy="0"/>
+        </a:xfrm>
+      </p:grpSpPr>
+      <p:sp>
+        <p:nvSpPr>
+          <p:cNvPr id="2" name="Slide Image Placeholder 1"/>
+          <p:cNvSpPr>
+            <a:spLocks noGrp="1" noRot="1" noChangeAspect="1"/>
+          </p:cNvSpPr>
+          <p:nvPr>
+            <p:ph type="sldImg"/>
+          </p:nvPr>
+        </p:nvSpPr>
+        <p:spPr/>
+      </p:sp>
+      <p:sp>
+        <p:nvSpPr>
+          <p:cNvPr id="3" name="Notes Placeholder 2"/>
+          <p:cNvSpPr>
+            <a:spLocks noGrp="1"/>
+          </p:cNvSpPr>
+          <p:nvPr>
+            <p:ph type="body" idx="1"/>
+          </p:nvPr>
+        </p:nvSpPr>
+        <p:spPr/>
+        <p:txBody>
+          <a:bodyPr/>
+          <a:lstStyle/>
+          <a:p>
+            <a:r>
+              <a:rPr lang="en-US" sz="1200" kern="1200" dirty="0" err="1" smtClean="0">
+                <a:solidFill>
+                  <a:schemeClr val="tx1"/>
+                </a:solidFill>
+                <a:effectLst/>
+                <a:latin typeface="+mn-lt"/>
+                <a:ea typeface="+mn-ea"/>
+                <a:cs typeface="+mn-cs"/>
+              </a:rPr>
+              <a:t>Tahap</a:t>
+            </a:r>
+            <a:r>
+              <a:rPr lang="en-US" sz="1200" kern="1200" dirty="0" smtClean="0">
+                <a:solidFill>
+                  <a:schemeClr val="tx1"/>
+                </a:solidFill>
+                <a:effectLst/>
+                <a:latin typeface="+mn-lt"/>
+                <a:ea typeface="+mn-ea"/>
+                <a:cs typeface="+mn-cs"/>
+              </a:rPr>
+              <a:t> </a:t>
+            </a:r>
+            <a:r>
+              <a:rPr lang="en-US" sz="1200" kern="1200" dirty="0" err="1" smtClean="0">
+                <a:solidFill>
+                  <a:schemeClr val="tx1"/>
+                </a:solidFill>
+                <a:effectLst/>
+                <a:latin typeface="+mn-lt"/>
+                <a:ea typeface="+mn-ea"/>
+                <a:cs typeface="+mn-cs"/>
+              </a:rPr>
+              <a:t>ini</a:t>
+            </a:r>
+            <a:r>
+              <a:rPr lang="en-US" sz="1200" kern="1200" dirty="0" smtClean="0">
+                <a:solidFill>
+                  <a:schemeClr val="tx1"/>
+                </a:solidFill>
+                <a:effectLst/>
+                <a:latin typeface="+mn-lt"/>
+                <a:ea typeface="+mn-ea"/>
+                <a:cs typeface="+mn-cs"/>
+              </a:rPr>
+              <a:t> </a:t>
+            </a:r>
+            <a:r>
+              <a:rPr lang="en-US" sz="1200" kern="1200" dirty="0" err="1" smtClean="0">
+                <a:solidFill>
+                  <a:schemeClr val="tx1"/>
+                </a:solidFill>
+                <a:effectLst/>
+                <a:latin typeface="+mn-lt"/>
+                <a:ea typeface="+mn-ea"/>
+                <a:cs typeface="+mn-cs"/>
+              </a:rPr>
+              <a:t>aplikasi</a:t>
+            </a:r>
+            <a:r>
+              <a:rPr lang="en-US" sz="1200" kern="1200" dirty="0" smtClean="0">
+                <a:solidFill>
+                  <a:schemeClr val="tx1"/>
+                </a:solidFill>
+                <a:effectLst/>
+                <a:latin typeface="+mn-lt"/>
+                <a:ea typeface="+mn-ea"/>
+                <a:cs typeface="+mn-cs"/>
+              </a:rPr>
+              <a:t> </a:t>
+            </a:r>
+            <a:r>
+              <a:rPr lang="en-US" sz="1200" kern="1200" dirty="0" err="1" smtClean="0">
+                <a:solidFill>
+                  <a:schemeClr val="tx1"/>
+                </a:solidFill>
+                <a:effectLst/>
+                <a:latin typeface="+mn-lt"/>
+                <a:ea typeface="+mn-ea"/>
+                <a:cs typeface="+mn-cs"/>
+              </a:rPr>
+              <a:t>akan</a:t>
+            </a:r>
+            <a:r>
+              <a:rPr lang="en-US" sz="1200" kern="1200" dirty="0" smtClean="0">
+                <a:solidFill>
+                  <a:schemeClr val="tx1"/>
+                </a:solidFill>
+                <a:effectLst/>
+                <a:latin typeface="+mn-lt"/>
+                <a:ea typeface="+mn-ea"/>
+                <a:cs typeface="+mn-cs"/>
+              </a:rPr>
+              <a:t> </a:t>
+            </a:r>
+            <a:r>
+              <a:rPr lang="en-US" sz="1200" kern="1200" dirty="0" err="1" smtClean="0">
+                <a:solidFill>
+                  <a:schemeClr val="tx1"/>
+                </a:solidFill>
+                <a:effectLst/>
+                <a:latin typeface="+mn-lt"/>
+                <a:ea typeface="+mn-ea"/>
+                <a:cs typeface="+mn-cs"/>
+              </a:rPr>
+              <a:t>disimpan</a:t>
+            </a:r>
+            <a:r>
+              <a:rPr lang="en-US" sz="1200" kern="1200" dirty="0" smtClean="0">
+                <a:solidFill>
+                  <a:schemeClr val="tx1"/>
+                </a:solidFill>
+                <a:effectLst/>
+                <a:latin typeface="+mn-lt"/>
+                <a:ea typeface="+mn-ea"/>
+                <a:cs typeface="+mn-cs"/>
+              </a:rPr>
+              <a:t> </a:t>
+            </a:r>
+            <a:r>
+              <a:rPr lang="en-US" sz="1200" kern="1200" dirty="0" err="1" smtClean="0">
+                <a:solidFill>
+                  <a:schemeClr val="tx1"/>
+                </a:solidFill>
+                <a:effectLst/>
+                <a:latin typeface="+mn-lt"/>
+                <a:ea typeface="+mn-ea"/>
+                <a:cs typeface="+mn-cs"/>
+              </a:rPr>
+              <a:t>dalam</a:t>
+            </a:r>
+            <a:r>
+              <a:rPr lang="en-US" sz="1200" kern="1200" dirty="0" smtClean="0">
+                <a:solidFill>
+                  <a:schemeClr val="tx1"/>
+                </a:solidFill>
+                <a:effectLst/>
+                <a:latin typeface="+mn-lt"/>
+                <a:ea typeface="+mn-ea"/>
+                <a:cs typeface="+mn-cs"/>
+              </a:rPr>
+              <a:t> </a:t>
+            </a:r>
+            <a:r>
+              <a:rPr lang="en-US" sz="1200" kern="1200" dirty="0" err="1" smtClean="0">
+                <a:solidFill>
+                  <a:schemeClr val="tx1"/>
+                </a:solidFill>
+                <a:effectLst/>
+                <a:latin typeface="+mn-lt"/>
+                <a:ea typeface="+mn-ea"/>
+                <a:cs typeface="+mn-cs"/>
+              </a:rPr>
+              <a:t>suatu</a:t>
+            </a:r>
+            <a:r>
+              <a:rPr lang="en-US" sz="1200" kern="1200" dirty="0" smtClean="0">
+                <a:solidFill>
+                  <a:schemeClr val="tx1"/>
+                </a:solidFill>
+                <a:effectLst/>
+                <a:latin typeface="+mn-lt"/>
+                <a:ea typeface="+mn-ea"/>
+                <a:cs typeface="+mn-cs"/>
+              </a:rPr>
+              <a:t> media </a:t>
+            </a:r>
+            <a:r>
+              <a:rPr lang="en-US" sz="1200" kern="1200" dirty="0" err="1" smtClean="0">
+                <a:solidFill>
+                  <a:schemeClr val="tx1"/>
+                </a:solidFill>
+                <a:effectLst/>
+                <a:latin typeface="+mn-lt"/>
+                <a:ea typeface="+mn-ea"/>
+                <a:cs typeface="+mn-cs"/>
+              </a:rPr>
+              <a:t>penyimpanan</a:t>
+            </a:r>
+            <a:r>
+              <a:rPr lang="en-US" sz="1200" kern="1200" dirty="0" smtClean="0">
+                <a:solidFill>
+                  <a:schemeClr val="tx1"/>
+                </a:solidFill>
+                <a:effectLst/>
+                <a:latin typeface="+mn-lt"/>
+                <a:ea typeface="+mn-ea"/>
+                <a:cs typeface="+mn-cs"/>
+              </a:rPr>
+              <a:t>. </a:t>
+            </a:r>
+            <a:r>
+              <a:rPr lang="en-US" sz="1200" kern="1200" dirty="0" err="1" smtClean="0">
+                <a:solidFill>
+                  <a:schemeClr val="tx1"/>
+                </a:solidFill>
+                <a:effectLst/>
+                <a:latin typeface="+mn-lt"/>
+                <a:ea typeface="+mn-ea"/>
+                <a:cs typeface="+mn-cs"/>
+              </a:rPr>
+              <a:t>Tahap</a:t>
+            </a:r>
+            <a:r>
+              <a:rPr lang="en-US" sz="1200" kern="1200" dirty="0" smtClean="0">
+                <a:solidFill>
+                  <a:schemeClr val="tx1"/>
+                </a:solidFill>
+                <a:effectLst/>
+                <a:latin typeface="+mn-lt"/>
+                <a:ea typeface="+mn-ea"/>
+                <a:cs typeface="+mn-cs"/>
+              </a:rPr>
+              <a:t> </a:t>
+            </a:r>
+            <a:r>
+              <a:rPr lang="en-US" sz="1200" kern="1200" dirty="0" err="1" smtClean="0">
+                <a:solidFill>
+                  <a:schemeClr val="tx1"/>
+                </a:solidFill>
+                <a:effectLst/>
+                <a:latin typeface="+mn-lt"/>
+                <a:ea typeface="+mn-ea"/>
+                <a:cs typeface="+mn-cs"/>
+              </a:rPr>
+              <a:t>ini</a:t>
+            </a:r>
+            <a:r>
+              <a:rPr lang="en-US" sz="1200" kern="1200" dirty="0" smtClean="0">
+                <a:solidFill>
+                  <a:schemeClr val="tx1"/>
+                </a:solidFill>
+                <a:effectLst/>
+                <a:latin typeface="+mn-lt"/>
+                <a:ea typeface="+mn-ea"/>
+                <a:cs typeface="+mn-cs"/>
+              </a:rPr>
+              <a:t> </a:t>
+            </a:r>
+            <a:r>
+              <a:rPr lang="en-US" sz="1200" kern="1200" dirty="0" err="1" smtClean="0">
+                <a:solidFill>
+                  <a:schemeClr val="tx1"/>
+                </a:solidFill>
+                <a:effectLst/>
+                <a:latin typeface="+mn-lt"/>
+                <a:ea typeface="+mn-ea"/>
+                <a:cs typeface="+mn-cs"/>
+              </a:rPr>
+              <a:t>juga</a:t>
+            </a:r>
+            <a:r>
+              <a:rPr lang="en-US" sz="1200" kern="1200" dirty="0" smtClean="0">
+                <a:solidFill>
+                  <a:schemeClr val="tx1"/>
+                </a:solidFill>
+                <a:effectLst/>
+                <a:latin typeface="+mn-lt"/>
+                <a:ea typeface="+mn-ea"/>
+                <a:cs typeface="+mn-cs"/>
+              </a:rPr>
+              <a:t> </a:t>
+            </a:r>
+            <a:r>
+              <a:rPr lang="en-US" sz="1200" kern="1200" dirty="0" err="1" smtClean="0">
+                <a:solidFill>
+                  <a:schemeClr val="tx1"/>
+                </a:solidFill>
+                <a:effectLst/>
+                <a:latin typeface="+mn-lt"/>
+                <a:ea typeface="+mn-ea"/>
+                <a:cs typeface="+mn-cs"/>
+              </a:rPr>
+              <a:t>dapat</a:t>
+            </a:r>
+            <a:r>
+              <a:rPr lang="en-US" sz="1200" kern="1200" dirty="0" smtClean="0">
+                <a:solidFill>
+                  <a:schemeClr val="tx1"/>
+                </a:solidFill>
+                <a:effectLst/>
+                <a:latin typeface="+mn-lt"/>
+                <a:ea typeface="+mn-ea"/>
+                <a:cs typeface="+mn-cs"/>
+              </a:rPr>
+              <a:t> </a:t>
+            </a:r>
+            <a:r>
+              <a:rPr lang="en-US" sz="1200" kern="1200" dirty="0" err="1" smtClean="0">
+                <a:solidFill>
+                  <a:schemeClr val="tx1"/>
+                </a:solidFill>
+                <a:effectLst/>
+                <a:latin typeface="+mn-lt"/>
+                <a:ea typeface="+mn-ea"/>
+                <a:cs typeface="+mn-cs"/>
+              </a:rPr>
+              <a:t>disebut</a:t>
+            </a:r>
+            <a:r>
+              <a:rPr lang="en-US" sz="1200" kern="1200" dirty="0" smtClean="0">
+                <a:solidFill>
+                  <a:schemeClr val="tx1"/>
+                </a:solidFill>
+                <a:effectLst/>
+                <a:latin typeface="+mn-lt"/>
+                <a:ea typeface="+mn-ea"/>
+                <a:cs typeface="+mn-cs"/>
+              </a:rPr>
+              <a:t> </a:t>
+            </a:r>
+            <a:r>
+              <a:rPr lang="en-US" sz="1200" kern="1200" dirty="0" err="1" smtClean="0">
+                <a:solidFill>
+                  <a:schemeClr val="tx1"/>
+                </a:solidFill>
+                <a:effectLst/>
+                <a:latin typeface="+mn-lt"/>
+                <a:ea typeface="+mn-ea"/>
+                <a:cs typeface="+mn-cs"/>
+              </a:rPr>
+              <a:t>tahap</a:t>
+            </a:r>
+            <a:r>
+              <a:rPr lang="en-US" sz="1200" kern="1200" dirty="0" smtClean="0">
+                <a:solidFill>
+                  <a:schemeClr val="tx1"/>
+                </a:solidFill>
+                <a:effectLst/>
+                <a:latin typeface="+mn-lt"/>
+                <a:ea typeface="+mn-ea"/>
+                <a:cs typeface="+mn-cs"/>
+              </a:rPr>
+              <a:t> </a:t>
+            </a:r>
+            <a:r>
+              <a:rPr lang="en-US" sz="1200" kern="1200" dirty="0" err="1" smtClean="0">
+                <a:solidFill>
+                  <a:schemeClr val="tx1"/>
+                </a:solidFill>
+                <a:effectLst/>
+                <a:latin typeface="+mn-lt"/>
+                <a:ea typeface="+mn-ea"/>
+                <a:cs typeface="+mn-cs"/>
+              </a:rPr>
+              <a:t>evaluasi</a:t>
+            </a:r>
+            <a:r>
+              <a:rPr lang="en-US" sz="1200" kern="1200" dirty="0" smtClean="0">
+                <a:solidFill>
+                  <a:schemeClr val="tx1"/>
+                </a:solidFill>
+                <a:effectLst/>
+                <a:latin typeface="+mn-lt"/>
+                <a:ea typeface="+mn-ea"/>
+                <a:cs typeface="+mn-cs"/>
+              </a:rPr>
+              <a:t> </a:t>
+            </a:r>
+            <a:r>
+              <a:rPr lang="en-US" sz="1200" kern="1200" dirty="0" err="1" smtClean="0">
+                <a:solidFill>
+                  <a:schemeClr val="tx1"/>
+                </a:solidFill>
+                <a:effectLst/>
+                <a:latin typeface="+mn-lt"/>
+                <a:ea typeface="+mn-ea"/>
+                <a:cs typeface="+mn-cs"/>
+              </a:rPr>
+              <a:t>untuk</a:t>
+            </a:r>
+            <a:r>
+              <a:rPr lang="en-US" sz="1200" kern="1200" dirty="0" smtClean="0">
+                <a:solidFill>
+                  <a:schemeClr val="tx1"/>
+                </a:solidFill>
+                <a:effectLst/>
+                <a:latin typeface="+mn-lt"/>
+                <a:ea typeface="+mn-ea"/>
+                <a:cs typeface="+mn-cs"/>
+              </a:rPr>
+              <a:t> </a:t>
+            </a:r>
+            <a:r>
+              <a:rPr lang="en-US" sz="1200" kern="1200" dirty="0" err="1" smtClean="0">
+                <a:solidFill>
+                  <a:schemeClr val="tx1"/>
+                </a:solidFill>
+                <a:effectLst/>
+                <a:latin typeface="+mn-lt"/>
+                <a:ea typeface="+mn-ea"/>
+                <a:cs typeface="+mn-cs"/>
+              </a:rPr>
+              <a:t>pengembangan</a:t>
+            </a:r>
+            <a:r>
+              <a:rPr lang="en-US" sz="1200" kern="1200" dirty="0" smtClean="0">
+                <a:solidFill>
+                  <a:schemeClr val="tx1"/>
+                </a:solidFill>
+                <a:effectLst/>
+                <a:latin typeface="+mn-lt"/>
+                <a:ea typeface="+mn-ea"/>
+                <a:cs typeface="+mn-cs"/>
+              </a:rPr>
+              <a:t> </a:t>
+            </a:r>
+            <a:r>
+              <a:rPr lang="en-US" sz="1200" kern="1200" dirty="0" err="1" smtClean="0">
+                <a:solidFill>
+                  <a:schemeClr val="tx1"/>
+                </a:solidFill>
+                <a:effectLst/>
+                <a:latin typeface="+mn-lt"/>
+                <a:ea typeface="+mn-ea"/>
+                <a:cs typeface="+mn-cs"/>
+              </a:rPr>
+              <a:t>produk</a:t>
+            </a:r>
+            <a:r>
+              <a:rPr lang="en-US" sz="1200" kern="1200" dirty="0" smtClean="0">
+                <a:solidFill>
+                  <a:schemeClr val="tx1"/>
+                </a:solidFill>
+                <a:effectLst/>
+                <a:latin typeface="+mn-lt"/>
+                <a:ea typeface="+mn-ea"/>
+                <a:cs typeface="+mn-cs"/>
+              </a:rPr>
+              <a:t> yang </a:t>
+            </a:r>
+            <a:r>
+              <a:rPr lang="en-US" sz="1200" kern="1200" dirty="0" err="1" smtClean="0">
+                <a:solidFill>
+                  <a:schemeClr val="tx1"/>
+                </a:solidFill>
+                <a:effectLst/>
+                <a:latin typeface="+mn-lt"/>
+                <a:ea typeface="+mn-ea"/>
+                <a:cs typeface="+mn-cs"/>
+              </a:rPr>
+              <a:t>sudah</a:t>
+            </a:r>
+            <a:r>
+              <a:rPr lang="en-US" sz="1200" kern="1200" dirty="0" smtClean="0">
+                <a:solidFill>
+                  <a:schemeClr val="tx1"/>
+                </a:solidFill>
+                <a:effectLst/>
+                <a:latin typeface="+mn-lt"/>
+                <a:ea typeface="+mn-ea"/>
+                <a:cs typeface="+mn-cs"/>
+              </a:rPr>
+              <a:t> </a:t>
+            </a:r>
+            <a:r>
+              <a:rPr lang="en-US" sz="1200" kern="1200" dirty="0" err="1" smtClean="0">
+                <a:solidFill>
+                  <a:schemeClr val="tx1"/>
+                </a:solidFill>
+                <a:effectLst/>
+                <a:latin typeface="+mn-lt"/>
+                <a:ea typeface="+mn-ea"/>
+                <a:cs typeface="+mn-cs"/>
+              </a:rPr>
+              <a:t>jadi</a:t>
+            </a:r>
+            <a:r>
+              <a:rPr lang="en-US" sz="1200" kern="1200" dirty="0" smtClean="0">
+                <a:solidFill>
+                  <a:schemeClr val="tx1"/>
+                </a:solidFill>
+                <a:effectLst/>
+                <a:latin typeface="+mn-lt"/>
+                <a:ea typeface="+mn-ea"/>
+                <a:cs typeface="+mn-cs"/>
+              </a:rPr>
+              <a:t> </a:t>
+            </a:r>
+            <a:r>
+              <a:rPr lang="en-US" sz="1200" kern="1200" dirty="0" err="1" smtClean="0">
+                <a:solidFill>
+                  <a:schemeClr val="tx1"/>
+                </a:solidFill>
+                <a:effectLst/>
+                <a:latin typeface="+mn-lt"/>
+                <a:ea typeface="+mn-ea"/>
+                <a:cs typeface="+mn-cs"/>
+              </a:rPr>
+              <a:t>supaya</a:t>
+            </a:r>
+            <a:r>
+              <a:rPr lang="en-US" sz="1200" kern="1200" dirty="0" smtClean="0">
+                <a:solidFill>
+                  <a:schemeClr val="tx1"/>
+                </a:solidFill>
+                <a:effectLst/>
+                <a:latin typeface="+mn-lt"/>
+                <a:ea typeface="+mn-ea"/>
+                <a:cs typeface="+mn-cs"/>
+              </a:rPr>
+              <a:t> </a:t>
+            </a:r>
+            <a:r>
+              <a:rPr lang="en-US" sz="1200" kern="1200" dirty="0" err="1" smtClean="0">
+                <a:solidFill>
+                  <a:schemeClr val="tx1"/>
+                </a:solidFill>
+                <a:effectLst/>
+                <a:latin typeface="+mn-lt"/>
+                <a:ea typeface="+mn-ea"/>
+                <a:cs typeface="+mn-cs"/>
+              </a:rPr>
+              <a:t>menjadi</a:t>
+            </a:r>
+            <a:r>
+              <a:rPr lang="en-US" sz="1200" kern="1200" dirty="0" smtClean="0">
+                <a:solidFill>
+                  <a:schemeClr val="tx1"/>
+                </a:solidFill>
+                <a:effectLst/>
+                <a:latin typeface="+mn-lt"/>
+                <a:ea typeface="+mn-ea"/>
+                <a:cs typeface="+mn-cs"/>
+              </a:rPr>
+              <a:t> </a:t>
+            </a:r>
+            <a:r>
+              <a:rPr lang="en-US" sz="1200" kern="1200" dirty="0" err="1" smtClean="0">
+                <a:solidFill>
+                  <a:schemeClr val="tx1"/>
+                </a:solidFill>
+                <a:effectLst/>
+                <a:latin typeface="+mn-lt"/>
+                <a:ea typeface="+mn-ea"/>
+                <a:cs typeface="+mn-cs"/>
+              </a:rPr>
+              <a:t>lebih</a:t>
+            </a:r>
+            <a:r>
+              <a:rPr lang="en-US" sz="1200" kern="1200" dirty="0" smtClean="0">
+                <a:solidFill>
+                  <a:schemeClr val="tx1"/>
+                </a:solidFill>
+                <a:effectLst/>
+                <a:latin typeface="+mn-lt"/>
+                <a:ea typeface="+mn-ea"/>
+                <a:cs typeface="+mn-cs"/>
+              </a:rPr>
+              <a:t> </a:t>
+            </a:r>
+            <a:r>
+              <a:rPr lang="en-US" sz="1200" kern="1200" dirty="0" err="1" smtClean="0">
+                <a:solidFill>
+                  <a:schemeClr val="tx1"/>
+                </a:solidFill>
+                <a:effectLst/>
+                <a:latin typeface="+mn-lt"/>
+                <a:ea typeface="+mn-ea"/>
+                <a:cs typeface="+mn-cs"/>
+              </a:rPr>
+              <a:t>baik</a:t>
+            </a:r>
+            <a:r>
+              <a:rPr lang="en-US" sz="1200" kern="1200" dirty="0" smtClean="0">
+                <a:solidFill>
+                  <a:schemeClr val="tx1"/>
+                </a:solidFill>
+                <a:effectLst/>
+                <a:latin typeface="+mn-lt"/>
+                <a:ea typeface="+mn-ea"/>
+                <a:cs typeface="+mn-cs"/>
+              </a:rPr>
+              <a:t>. </a:t>
+            </a:r>
+            <a:endParaRPr lang="en-US" dirty="0" smtClean="0">
+              <a:effectLst/>
+            </a:endParaRPr>
+          </a:p>
+          <a:p>
+            <a:r>
+              <a:rPr lang="en-US" sz="1200" kern="1200" dirty="0" err="1" smtClean="0">
+                <a:solidFill>
+                  <a:schemeClr val="tx1"/>
+                </a:solidFill>
+                <a:effectLst/>
+                <a:latin typeface="+mn-lt"/>
+                <a:ea typeface="+mn-ea"/>
+                <a:cs typeface="+mn-cs"/>
+              </a:rPr>
+              <a:t>Hasil</a:t>
+            </a:r>
+            <a:r>
+              <a:rPr lang="en-US" sz="1200" kern="1200" dirty="0" smtClean="0">
+                <a:solidFill>
+                  <a:schemeClr val="tx1"/>
+                </a:solidFill>
+                <a:effectLst/>
+                <a:latin typeface="+mn-lt"/>
+                <a:ea typeface="+mn-ea"/>
+                <a:cs typeface="+mn-cs"/>
+              </a:rPr>
+              <a:t> </a:t>
+            </a:r>
+            <a:r>
+              <a:rPr lang="en-US" sz="1200" kern="1200" dirty="0" err="1" smtClean="0">
+                <a:solidFill>
+                  <a:schemeClr val="tx1"/>
+                </a:solidFill>
+                <a:effectLst/>
+                <a:latin typeface="+mn-lt"/>
+                <a:ea typeface="+mn-ea"/>
+                <a:cs typeface="+mn-cs"/>
+              </a:rPr>
+              <a:t>evaluasi</a:t>
+            </a:r>
+            <a:r>
+              <a:rPr lang="en-US" sz="1200" kern="1200" dirty="0" smtClean="0">
+                <a:solidFill>
+                  <a:schemeClr val="tx1"/>
+                </a:solidFill>
+                <a:effectLst/>
+                <a:latin typeface="+mn-lt"/>
+                <a:ea typeface="+mn-ea"/>
+                <a:cs typeface="+mn-cs"/>
+              </a:rPr>
+              <a:t> </a:t>
+            </a:r>
+            <a:r>
+              <a:rPr lang="en-US" sz="1200" kern="1200" dirty="0" err="1" smtClean="0">
+                <a:solidFill>
+                  <a:schemeClr val="tx1"/>
+                </a:solidFill>
+                <a:effectLst/>
+                <a:latin typeface="+mn-lt"/>
+                <a:ea typeface="+mn-ea"/>
+                <a:cs typeface="+mn-cs"/>
+              </a:rPr>
+              <a:t>ini</a:t>
+            </a:r>
+            <a:r>
+              <a:rPr lang="en-US" sz="1200" kern="1200" dirty="0" smtClean="0">
+                <a:solidFill>
+                  <a:schemeClr val="tx1"/>
+                </a:solidFill>
+                <a:effectLst/>
+                <a:latin typeface="+mn-lt"/>
+                <a:ea typeface="+mn-ea"/>
+                <a:cs typeface="+mn-cs"/>
+              </a:rPr>
+              <a:t> </a:t>
+            </a:r>
+            <a:r>
+              <a:rPr lang="en-US" sz="1200" kern="1200" dirty="0" err="1" smtClean="0">
+                <a:solidFill>
+                  <a:schemeClr val="tx1"/>
+                </a:solidFill>
+                <a:effectLst/>
+                <a:latin typeface="+mn-lt"/>
+                <a:ea typeface="+mn-ea"/>
+                <a:cs typeface="+mn-cs"/>
+              </a:rPr>
+              <a:t>dapat</a:t>
+            </a:r>
+            <a:r>
+              <a:rPr lang="en-US" sz="1200" kern="1200" dirty="0" smtClean="0">
+                <a:solidFill>
+                  <a:schemeClr val="tx1"/>
+                </a:solidFill>
+                <a:effectLst/>
+                <a:latin typeface="+mn-lt"/>
+                <a:ea typeface="+mn-ea"/>
+                <a:cs typeface="+mn-cs"/>
+              </a:rPr>
+              <a:t> </a:t>
+            </a:r>
+            <a:r>
+              <a:rPr lang="en-US" sz="1200" kern="1200" dirty="0" err="1" smtClean="0">
+                <a:solidFill>
+                  <a:schemeClr val="tx1"/>
+                </a:solidFill>
+                <a:effectLst/>
+                <a:latin typeface="+mn-lt"/>
+                <a:ea typeface="+mn-ea"/>
+                <a:cs typeface="+mn-cs"/>
+              </a:rPr>
+              <a:t>digunakan</a:t>
+            </a:r>
+            <a:r>
+              <a:rPr lang="en-US" sz="1200" kern="1200" dirty="0" smtClean="0">
+                <a:solidFill>
+                  <a:schemeClr val="tx1"/>
+                </a:solidFill>
+                <a:effectLst/>
+                <a:latin typeface="+mn-lt"/>
+                <a:ea typeface="+mn-ea"/>
+                <a:cs typeface="+mn-cs"/>
+              </a:rPr>
+              <a:t> </a:t>
+            </a:r>
+            <a:r>
+              <a:rPr lang="en-US" sz="1200" kern="1200" dirty="0" err="1" smtClean="0">
+                <a:solidFill>
+                  <a:schemeClr val="tx1"/>
+                </a:solidFill>
+                <a:effectLst/>
+                <a:latin typeface="+mn-lt"/>
+                <a:ea typeface="+mn-ea"/>
+                <a:cs typeface="+mn-cs"/>
+              </a:rPr>
+              <a:t>sebagai</a:t>
+            </a:r>
+            <a:r>
+              <a:rPr lang="en-US" sz="1200" kern="1200" dirty="0" smtClean="0">
+                <a:solidFill>
+                  <a:schemeClr val="tx1"/>
+                </a:solidFill>
+                <a:effectLst/>
+                <a:latin typeface="+mn-lt"/>
+                <a:ea typeface="+mn-ea"/>
+                <a:cs typeface="+mn-cs"/>
+              </a:rPr>
+              <a:t> </a:t>
+            </a:r>
+            <a:r>
+              <a:rPr lang="en-US" sz="1200" kern="1200" dirty="0" err="1" smtClean="0">
+                <a:solidFill>
+                  <a:schemeClr val="tx1"/>
+                </a:solidFill>
+                <a:effectLst/>
+                <a:latin typeface="+mn-lt"/>
+                <a:ea typeface="+mn-ea"/>
+                <a:cs typeface="+mn-cs"/>
+              </a:rPr>
+              <a:t>masukan</a:t>
+            </a:r>
+            <a:r>
+              <a:rPr lang="en-US" sz="1200" kern="1200" dirty="0" smtClean="0">
+                <a:solidFill>
+                  <a:schemeClr val="tx1"/>
+                </a:solidFill>
+                <a:effectLst/>
+                <a:latin typeface="+mn-lt"/>
+                <a:ea typeface="+mn-ea"/>
+                <a:cs typeface="+mn-cs"/>
+              </a:rPr>
+              <a:t> </a:t>
+            </a:r>
+            <a:r>
+              <a:rPr lang="en-US" sz="1200" kern="1200" dirty="0" err="1" smtClean="0">
+                <a:solidFill>
+                  <a:schemeClr val="tx1"/>
+                </a:solidFill>
+                <a:effectLst/>
+                <a:latin typeface="+mn-lt"/>
+                <a:ea typeface="+mn-ea"/>
+                <a:cs typeface="+mn-cs"/>
+              </a:rPr>
+              <a:t>untuk</a:t>
+            </a:r>
+            <a:r>
+              <a:rPr lang="en-US" sz="1200" kern="1200" dirty="0" smtClean="0">
+                <a:solidFill>
+                  <a:schemeClr val="tx1"/>
+                </a:solidFill>
+                <a:effectLst/>
+                <a:latin typeface="+mn-lt"/>
+                <a:ea typeface="+mn-ea"/>
+                <a:cs typeface="+mn-cs"/>
+              </a:rPr>
+              <a:t> </a:t>
+            </a:r>
+            <a:r>
+              <a:rPr lang="en-US" sz="1200" kern="1200" dirty="0" err="1" smtClean="0">
+                <a:solidFill>
+                  <a:schemeClr val="tx1"/>
+                </a:solidFill>
+                <a:effectLst/>
+                <a:latin typeface="+mn-lt"/>
+                <a:ea typeface="+mn-ea"/>
+                <a:cs typeface="+mn-cs"/>
+              </a:rPr>
+              <a:t>tahap</a:t>
+            </a:r>
+            <a:r>
+              <a:rPr lang="en-US" sz="1200" kern="1200" dirty="0" smtClean="0">
+                <a:solidFill>
+                  <a:schemeClr val="tx1"/>
+                </a:solidFill>
+                <a:effectLst/>
+                <a:latin typeface="+mn-lt"/>
+                <a:ea typeface="+mn-ea"/>
+                <a:cs typeface="+mn-cs"/>
+              </a:rPr>
+              <a:t> concept </a:t>
+            </a:r>
+            <a:r>
+              <a:rPr lang="en-US" sz="1200" kern="1200" dirty="0" err="1" smtClean="0">
+                <a:solidFill>
+                  <a:schemeClr val="tx1"/>
+                </a:solidFill>
+                <a:effectLst/>
+                <a:latin typeface="+mn-lt"/>
+                <a:ea typeface="+mn-ea"/>
+                <a:cs typeface="+mn-cs"/>
+              </a:rPr>
+              <a:t>pada</a:t>
+            </a:r>
+            <a:r>
+              <a:rPr lang="en-US" sz="1200" kern="1200" dirty="0" smtClean="0">
+                <a:solidFill>
+                  <a:schemeClr val="tx1"/>
+                </a:solidFill>
+                <a:effectLst/>
+                <a:latin typeface="+mn-lt"/>
+                <a:ea typeface="+mn-ea"/>
+                <a:cs typeface="+mn-cs"/>
+              </a:rPr>
+              <a:t> </a:t>
+            </a:r>
+            <a:r>
+              <a:rPr lang="en-US" sz="1200" kern="1200" dirty="0" err="1" smtClean="0">
+                <a:solidFill>
+                  <a:schemeClr val="tx1"/>
+                </a:solidFill>
+                <a:effectLst/>
+                <a:latin typeface="+mn-lt"/>
+                <a:ea typeface="+mn-ea"/>
+                <a:cs typeface="+mn-cs"/>
+              </a:rPr>
+              <a:t>produk</a:t>
+            </a:r>
+            <a:r>
+              <a:rPr lang="en-US" sz="1200" kern="1200" dirty="0" smtClean="0">
+                <a:solidFill>
+                  <a:schemeClr val="tx1"/>
+                </a:solidFill>
+                <a:effectLst/>
+                <a:latin typeface="+mn-lt"/>
+                <a:ea typeface="+mn-ea"/>
+                <a:cs typeface="+mn-cs"/>
+              </a:rPr>
+              <a:t> </a:t>
+            </a:r>
+            <a:r>
+              <a:rPr lang="en-US" sz="1200" kern="1200" dirty="0" err="1" smtClean="0">
+                <a:solidFill>
+                  <a:schemeClr val="tx1"/>
+                </a:solidFill>
+                <a:effectLst/>
+                <a:latin typeface="+mn-lt"/>
+                <a:ea typeface="+mn-ea"/>
+                <a:cs typeface="+mn-cs"/>
+              </a:rPr>
+              <a:t>selanjutnya</a:t>
+            </a:r>
+            <a:r>
+              <a:rPr lang="en-US" sz="1200" kern="1200" dirty="0" smtClean="0">
+                <a:solidFill>
+                  <a:schemeClr val="tx1"/>
+                </a:solidFill>
+                <a:effectLst/>
+                <a:latin typeface="+mn-lt"/>
+                <a:ea typeface="+mn-ea"/>
+                <a:cs typeface="+mn-cs"/>
+              </a:rPr>
+              <a:t>.</a:t>
+            </a:r>
+            <a:endParaRPr lang="en-US" dirty="0" smtClean="0">
+              <a:effectLst/>
+            </a:endParaRPr>
+          </a:p>
+          <a:p>
+            <a:pPr marL="0" marR="0" indent="0" algn="l" defTabSz="914400" rtl="0" eaLnBrk="1" fontAlgn="auto" latinLnBrk="0" hangingPunct="1">
+              <a:lnSpc>
+                <a:spcPct val="100000"/>
+              </a:lnSpc>
+              <a:spcBef>
+                <a:spcPts val="0"/>
+              </a:spcBef>
+              <a:spcAft>
+                <a:spcPts val="0"/>
+              </a:spcAft>
+              <a:buClrTx/>
+              <a:buSzTx/>
+              <a:buFontTx/>
+              <a:buNone/>
+              <a:tabLst/>
+              <a:defRPr/>
+            </a:pPr>
+            <a:endParaRPr lang="en-US" sz="1200" kern="1200" dirty="0" smtClean="0">
+              <a:solidFill>
+                <a:schemeClr val="tx1"/>
+              </a:solidFill>
+              <a:effectLst/>
+              <a:latin typeface="+mn-lt"/>
+              <a:ea typeface="+mn-ea"/>
+              <a:cs typeface="+mn-cs"/>
+            </a:endParaRPr>
+          </a:p>
+        </p:txBody>
+      </p:sp>
+      <p:sp>
+        <p:nvSpPr>
+          <p:cNvPr id="4" name="Slide Number Placeholder 3"/>
+          <p:cNvSpPr>
+            <a:spLocks noGrp="1"/>
+          </p:cNvSpPr>
+          <p:nvPr>
+            <p:ph type="sldNum" sz="quarter" idx="10"/>
+          </p:nvPr>
+        </p:nvSpPr>
+        <p:spPr/>
+        <p:txBody>
+          <a:bodyPr/>
+          <a:lstStyle/>
+          <a:p>
+            <a:fld id="{1734D747-9380-41EE-9946-EC9EC0CA5D1E}" type="slidenum">
+              <a:rPr lang="en-GB" smtClean="0"/>
+              <a:t>33</a:t>
+            </a:fld>
+            <a:endParaRPr lang="en-GB" dirty="0"/>
+          </a:p>
+        </p:txBody>
+      </p:sp>
+    </p:spTree>
+    <p:extLst>
+      <p:ext uri="{BB962C8B-B14F-4D97-AF65-F5344CB8AC3E}">
+        <p14:creationId xmlns:p14="http://schemas.microsoft.com/office/powerpoint/2010/main" val="1865011929"/>
+      </p:ext>
+    </p:extLst>
+  </p:cSld>
+  <p:clrMapOvr>
+    <a:masterClrMapping/>
+  </p:clrMapOvr>
+</p:notes>
+</file>
+
+<file path=ppt/notesSlides/notesSlide33.xml><?xml version="1.0" encoding="utf-8"?>
+<p:notes xmlns:a="http://schemas.openxmlformats.org/drawingml/2006/main" xmlns:r="http://schemas.openxmlformats.org/officeDocument/2006/relationships" xmlns:p="http://schemas.openxmlformats.org/presentationml/2006/main">
+  <p:cSld>
+    <p:spTree>
+      <p:nvGrpSpPr>
+        <p:cNvPr id="1" name=""/>
+        <p:cNvGrpSpPr/>
+        <p:nvPr/>
+      </p:nvGrpSpPr>
+      <p:grpSpPr>
+        <a:xfrm>
+          <a:off x="0" y="0"/>
+          <a:ext cx="0" cy="0"/>
+          <a:chOff x="0" y="0"/>
+          <a:chExt cx="0" cy="0"/>
+        </a:xfrm>
+      </p:grpSpPr>
+      <p:sp>
+        <p:nvSpPr>
+          <p:cNvPr id="2" name="Slide Image Placeholder 1"/>
+          <p:cNvSpPr>
+            <a:spLocks noGrp="1" noRot="1" noChangeAspect="1"/>
+          </p:cNvSpPr>
+          <p:nvPr>
+            <p:ph type="sldImg"/>
+          </p:nvPr>
+        </p:nvSpPr>
+        <p:spPr/>
+      </p:sp>
+      <p:sp>
+        <p:nvSpPr>
+          <p:cNvPr id="3" name="Notes Placeholder 2"/>
+          <p:cNvSpPr>
+            <a:spLocks noGrp="1"/>
+          </p:cNvSpPr>
+          <p:nvPr>
+            <p:ph type="body" idx="1"/>
+          </p:nvPr>
+        </p:nvSpPr>
+        <p:spPr/>
+        <p:txBody>
+          <a:bodyPr/>
+          <a:lstStyle/>
+          <a:p>
+            <a:pPr marL="0" marR="0" indent="0" algn="l" defTabSz="914400" rtl="0" eaLnBrk="1" fontAlgn="auto" latinLnBrk="0" hangingPunct="1">
+              <a:lnSpc>
+                <a:spcPct val="100000"/>
+              </a:lnSpc>
+              <a:spcBef>
+                <a:spcPts val="0"/>
+              </a:spcBef>
+              <a:spcAft>
+                <a:spcPts val="0"/>
+              </a:spcAft>
+              <a:buClrTx/>
+              <a:buSzTx/>
+              <a:buFontTx/>
+              <a:buNone/>
+              <a:tabLst/>
+              <a:defRPr/>
+            </a:pPr>
+            <a:endParaRPr lang="en-US" sz="1200" kern="1200" dirty="0" smtClean="0">
+              <a:solidFill>
+                <a:schemeClr val="tx1"/>
+              </a:solidFill>
+              <a:effectLst/>
+              <a:latin typeface="+mn-lt"/>
+              <a:ea typeface="+mn-ea"/>
+              <a:cs typeface="+mn-cs"/>
+            </a:endParaRPr>
+          </a:p>
+        </p:txBody>
+      </p:sp>
+      <p:sp>
+        <p:nvSpPr>
+          <p:cNvPr id="4" name="Slide Number Placeholder 3"/>
+          <p:cNvSpPr>
+            <a:spLocks noGrp="1"/>
+          </p:cNvSpPr>
+          <p:nvPr>
+            <p:ph type="sldNum" sz="quarter" idx="10"/>
+          </p:nvPr>
+        </p:nvSpPr>
+        <p:spPr/>
+        <p:txBody>
+          <a:bodyPr/>
+          <a:lstStyle/>
+          <a:p>
+            <a:fld id="{1734D747-9380-41EE-9946-EC9EC0CA5D1E}" type="slidenum">
+              <a:rPr lang="en-GB" smtClean="0"/>
+              <a:t>34</a:t>
+            </a:fld>
+            <a:endParaRPr lang="en-GB" dirty="0"/>
+          </a:p>
+        </p:txBody>
+      </p:sp>
+    </p:spTree>
+    <p:extLst>
+      <p:ext uri="{BB962C8B-B14F-4D97-AF65-F5344CB8AC3E}">
+        <p14:creationId xmlns:p14="http://schemas.microsoft.com/office/powerpoint/2010/main" val="290351327"/>
+      </p:ext>
+    </p:extLst>
+  </p:cSld>
+  <p:clrMapOvr>
+    <a:masterClrMapping/>
+  </p:clrMapOvr>
+</p:notes>
+</file>
+
+<file path=ppt/notesSlides/notesSlide34.xml><?xml version="1.0" encoding="utf-8"?>
+<p:notes xmlns:a="http://schemas.openxmlformats.org/drawingml/2006/main" xmlns:r="http://schemas.openxmlformats.org/officeDocument/2006/relationships" xmlns:p="http://schemas.openxmlformats.org/presentationml/2006/main">
+  <p:cSld>
+    <p:spTree>
+      <p:nvGrpSpPr>
+        <p:cNvPr id="1" name=""/>
+        <p:cNvGrpSpPr/>
+        <p:nvPr/>
+      </p:nvGrpSpPr>
+      <p:grpSpPr>
+        <a:xfrm>
+          <a:off x="0" y="0"/>
+          <a:ext cx="0" cy="0"/>
+          <a:chOff x="0" y="0"/>
+          <a:chExt cx="0" cy="0"/>
+        </a:xfrm>
+      </p:grpSpPr>
+      <p:sp>
+        <p:nvSpPr>
+          <p:cNvPr id="2" name="Slide Image Placeholder 1"/>
+          <p:cNvSpPr>
+            <a:spLocks noGrp="1" noRot="1" noChangeAspect="1"/>
+          </p:cNvSpPr>
+          <p:nvPr>
+            <p:ph type="sldImg"/>
+          </p:nvPr>
+        </p:nvSpPr>
+        <p:spPr/>
+      </p:sp>
+      <p:sp>
+        <p:nvSpPr>
+          <p:cNvPr id="3" name="Notes Placeholder 2"/>
+          <p:cNvSpPr>
+            <a:spLocks noGrp="1"/>
+          </p:cNvSpPr>
+          <p:nvPr>
+            <p:ph type="body" idx="1"/>
+          </p:nvPr>
+        </p:nvSpPr>
+        <p:spPr/>
+        <p:txBody>
+          <a:bodyPr/>
+          <a:lstStyle/>
+          <a:p>
+            <a:pPr marL="0" marR="0" indent="0" algn="l" defTabSz="914400" rtl="0" eaLnBrk="1" fontAlgn="auto" latinLnBrk="0" hangingPunct="1">
+              <a:lnSpc>
+                <a:spcPct val="100000"/>
+              </a:lnSpc>
+              <a:spcBef>
+                <a:spcPts val="0"/>
+              </a:spcBef>
+              <a:spcAft>
+                <a:spcPts val="0"/>
+              </a:spcAft>
+              <a:buClrTx/>
+              <a:buSzTx/>
+              <a:buFontTx/>
+              <a:buNone/>
+              <a:tabLst/>
+              <a:defRPr/>
+            </a:pPr>
+            <a:endParaRPr lang="en-US" sz="1200" kern="1200" dirty="0" smtClean="0">
+              <a:solidFill>
+                <a:schemeClr val="tx1"/>
+              </a:solidFill>
+              <a:effectLst/>
+              <a:latin typeface="+mn-lt"/>
+              <a:ea typeface="+mn-ea"/>
+              <a:cs typeface="+mn-cs"/>
+            </a:endParaRPr>
+          </a:p>
+        </p:txBody>
+      </p:sp>
+      <p:sp>
+        <p:nvSpPr>
+          <p:cNvPr id="4" name="Slide Number Placeholder 3"/>
+          <p:cNvSpPr>
+            <a:spLocks noGrp="1"/>
+          </p:cNvSpPr>
+          <p:nvPr>
+            <p:ph type="sldNum" sz="quarter" idx="10"/>
+          </p:nvPr>
+        </p:nvSpPr>
+        <p:spPr/>
+        <p:txBody>
+          <a:bodyPr/>
+          <a:lstStyle/>
+          <a:p>
+            <a:fld id="{1734D747-9380-41EE-9946-EC9EC0CA5D1E}" type="slidenum">
+              <a:rPr lang="en-GB" smtClean="0"/>
+              <a:t>35</a:t>
+            </a:fld>
+            <a:endParaRPr lang="en-GB" dirty="0"/>
+          </a:p>
+        </p:txBody>
+      </p:sp>
+    </p:spTree>
+    <p:extLst>
+      <p:ext uri="{BB962C8B-B14F-4D97-AF65-F5344CB8AC3E}">
+        <p14:creationId xmlns:p14="http://schemas.microsoft.com/office/powerpoint/2010/main" val="1223129941"/>
+      </p:ext>
+    </p:extLst>
+  </p:cSld>
+  <p:clrMapOvr>
+    <a:masterClrMapping/>
+  </p:clrMapOvr>
+</p:notes>
+</file>
+
+<file path=ppt/notesSlides/notesSlide35.xml><?xml version="1.0" encoding="utf-8"?>
+<p:notes xmlns:a="http://schemas.openxmlformats.org/drawingml/2006/main" xmlns:r="http://schemas.openxmlformats.org/officeDocument/2006/relationships" xmlns:p="http://schemas.openxmlformats.org/presentationml/2006/main">
+  <p:cSld>
+    <p:spTree>
+      <p:nvGrpSpPr>
+        <p:cNvPr id="1" name=""/>
+        <p:cNvGrpSpPr/>
+        <p:nvPr/>
+      </p:nvGrpSpPr>
+      <p:grpSpPr>
+        <a:xfrm>
+          <a:off x="0" y="0"/>
+          <a:ext cx="0" cy="0"/>
+          <a:chOff x="0" y="0"/>
+          <a:chExt cx="0" cy="0"/>
+        </a:xfrm>
+      </p:grpSpPr>
+      <p:sp>
+        <p:nvSpPr>
+          <p:cNvPr id="2" name="Slide Image Placeholder 1"/>
+          <p:cNvSpPr>
+            <a:spLocks noGrp="1" noRot="1" noChangeAspect="1"/>
+          </p:cNvSpPr>
+          <p:nvPr>
+            <p:ph type="sldImg"/>
+          </p:nvPr>
+        </p:nvSpPr>
+        <p:spPr/>
+      </p:sp>
+      <p:sp>
+        <p:nvSpPr>
+          <p:cNvPr id="3" name="Notes Placeholder 2"/>
+          <p:cNvSpPr>
+            <a:spLocks noGrp="1"/>
+          </p:cNvSpPr>
+          <p:nvPr>
+            <p:ph type="body" idx="1"/>
+          </p:nvPr>
+        </p:nvSpPr>
+        <p:spPr/>
+        <p:txBody>
+          <a:bodyPr/>
+          <a:lstStyle/>
+          <a:p>
+            <a:pPr marL="0" marR="0" indent="0" algn="l" defTabSz="914400" rtl="0" eaLnBrk="1" fontAlgn="auto" latinLnBrk="0" hangingPunct="1">
+              <a:lnSpc>
+                <a:spcPct val="100000"/>
+              </a:lnSpc>
+              <a:spcBef>
+                <a:spcPts val="0"/>
+              </a:spcBef>
+              <a:spcAft>
+                <a:spcPts val="0"/>
+              </a:spcAft>
+              <a:buClrTx/>
+              <a:buSzTx/>
+              <a:buFontTx/>
+              <a:buNone/>
+              <a:tabLst/>
+              <a:defRPr/>
+            </a:pPr>
+            <a:endParaRPr lang="en-US" sz="1200" kern="1200" dirty="0" smtClean="0">
+              <a:solidFill>
+                <a:schemeClr val="tx1"/>
+              </a:solidFill>
+              <a:effectLst/>
+              <a:latin typeface="+mn-lt"/>
+              <a:ea typeface="+mn-ea"/>
+              <a:cs typeface="+mn-cs"/>
+            </a:endParaRPr>
+          </a:p>
+        </p:txBody>
+      </p:sp>
+      <p:sp>
+        <p:nvSpPr>
+          <p:cNvPr id="4" name="Slide Number Placeholder 3"/>
+          <p:cNvSpPr>
+            <a:spLocks noGrp="1"/>
+          </p:cNvSpPr>
+          <p:nvPr>
+            <p:ph type="sldNum" sz="quarter" idx="10"/>
+          </p:nvPr>
+        </p:nvSpPr>
+        <p:spPr/>
+        <p:txBody>
+          <a:bodyPr/>
+          <a:lstStyle/>
+          <a:p>
+            <a:fld id="{1734D747-9380-41EE-9946-EC9EC0CA5D1E}" type="slidenum">
+              <a:rPr lang="en-GB" smtClean="0"/>
+              <a:t>36</a:t>
+            </a:fld>
+            <a:endParaRPr lang="en-GB" dirty="0"/>
+          </a:p>
+        </p:txBody>
+      </p:sp>
+    </p:spTree>
+    <p:extLst>
+      <p:ext uri="{BB962C8B-B14F-4D97-AF65-F5344CB8AC3E}">
+        <p14:creationId xmlns:p14="http://schemas.microsoft.com/office/powerpoint/2010/main" val="2915716403"/>
+      </p:ext>
+    </p:extLst>
+  </p:cSld>
+  <p:clrMapOvr>
+    <a:masterClrMapping/>
+  </p:clrMapOvr>
+</p:notes>
+</file>
+
+<file path=ppt/notesSlides/notesSlide36.xml><?xml version="1.0" encoding="utf-8"?>
+<p:notes xmlns:a="http://schemas.openxmlformats.org/drawingml/2006/main" xmlns:r="http://schemas.openxmlformats.org/officeDocument/2006/relationships" xmlns:p="http://schemas.openxmlformats.org/presentationml/2006/main">
+  <p:cSld>
+    <p:spTree>
+      <p:nvGrpSpPr>
+        <p:cNvPr id="1" name=""/>
+        <p:cNvGrpSpPr/>
+        <p:nvPr/>
+      </p:nvGrpSpPr>
+      <p:grpSpPr>
+        <a:xfrm>
+          <a:off x="0" y="0"/>
+          <a:ext cx="0" cy="0"/>
+          <a:chOff x="0" y="0"/>
+          <a:chExt cx="0" cy="0"/>
+        </a:xfrm>
+      </p:grpSpPr>
+      <p:sp>
+        <p:nvSpPr>
+          <p:cNvPr id="2" name="Slide Image Placeholder 1"/>
+          <p:cNvSpPr>
+            <a:spLocks noGrp="1" noRot="1" noChangeAspect="1"/>
+          </p:cNvSpPr>
+          <p:nvPr>
+            <p:ph type="sldImg"/>
+          </p:nvPr>
+        </p:nvSpPr>
+        <p:spPr/>
+      </p:sp>
+      <p:sp>
+        <p:nvSpPr>
+          <p:cNvPr id="3" name="Notes Placeholder 2"/>
+          <p:cNvSpPr>
+            <a:spLocks noGrp="1"/>
+          </p:cNvSpPr>
+          <p:nvPr>
+            <p:ph type="body" idx="1"/>
+          </p:nvPr>
+        </p:nvSpPr>
+        <p:spPr/>
+        <p:txBody>
+          <a:bodyPr/>
+          <a:lstStyle/>
+          <a:p>
+            <a:endParaRPr lang="en-US" dirty="0"/>
+          </a:p>
+        </p:txBody>
+      </p:sp>
+      <p:sp>
+        <p:nvSpPr>
+          <p:cNvPr id="4" name="Slide Number Placeholder 3"/>
+          <p:cNvSpPr>
+            <a:spLocks noGrp="1"/>
+          </p:cNvSpPr>
+          <p:nvPr>
+            <p:ph type="sldNum" sz="quarter" idx="10"/>
+          </p:nvPr>
+        </p:nvSpPr>
+        <p:spPr/>
+        <p:txBody>
+          <a:bodyPr/>
+          <a:lstStyle/>
+          <a:p>
+            <a:fld id="{1734D747-9380-41EE-9946-EC9EC0CA5D1E}" type="slidenum">
+              <a:rPr lang="en-GB" smtClean="0"/>
+              <a:t>37</a:t>
             </a:fld>
             <a:endParaRPr lang="en-GB" dirty="0"/>
           </a:p>
@@ -7456,7 +9030,7 @@
           <p:cNvPr id="21" name="Rectangle 20">
             <a:extLst>
               <a:ext uri="{FF2B5EF4-FFF2-40B4-BE49-F238E27FC236}">
-                <a16:creationId xmlns:a16="http://schemas.microsoft.com/office/drawing/2014/main" xmlns="" id="{6E739168-A5E8-443A-B392-7AD4CF8977AD}"/>
+                <a16:creationId xmlns="" xmlns:a16="http://schemas.microsoft.com/office/drawing/2014/main" id="{6E739168-A5E8-443A-B392-7AD4CF8977AD}"/>
               </a:ext>
             </a:extLst>
           </p:cNvPr>
@@ -7508,7 +9082,7 @@
           <p:cNvPr id="7" name="Group 6">
             <a:extLst>
               <a:ext uri="{FF2B5EF4-FFF2-40B4-BE49-F238E27FC236}">
-                <a16:creationId xmlns:a16="http://schemas.microsoft.com/office/drawing/2014/main" xmlns="" id="{4CA15AFD-4983-47DD-9ED0-D3B27E5A096F}"/>
+                <a16:creationId xmlns="" xmlns:a16="http://schemas.microsoft.com/office/drawing/2014/main" id="{4CA15AFD-4983-47DD-9ED0-D3B27E5A096F}"/>
               </a:ext>
             </a:extLst>
           </p:cNvPr>
@@ -7528,7 +9102,7 @@
             <p:cNvPr id="8" name="Group 7">
               <a:extLst>
                 <a:ext uri="{FF2B5EF4-FFF2-40B4-BE49-F238E27FC236}">
-                  <a16:creationId xmlns:a16="http://schemas.microsoft.com/office/drawing/2014/main" xmlns="" id="{2222D5E2-E9B4-4180-98B8-4E514C9ADB28}"/>
+                  <a16:creationId xmlns="" xmlns:a16="http://schemas.microsoft.com/office/drawing/2014/main" id="{2222D5E2-E9B4-4180-98B8-4E514C9ADB28}"/>
                 </a:ext>
               </a:extLst>
             </p:cNvPr>
@@ -7548,7 +9122,7 @@
               <p:cNvPr id="15" name="Freeform: Shape 14">
                 <a:extLst>
                   <a:ext uri="{FF2B5EF4-FFF2-40B4-BE49-F238E27FC236}">
-                    <a16:creationId xmlns:a16="http://schemas.microsoft.com/office/drawing/2014/main" xmlns="" id="{41E10E1E-5268-4F03-BA64-07E19DE26739}"/>
+                    <a16:creationId xmlns="" xmlns:a16="http://schemas.microsoft.com/office/drawing/2014/main" id="{41E10E1E-5268-4F03-BA64-07E19DE26739}"/>
                   </a:ext>
                 </a:extLst>
               </p:cNvPr>
@@ -7685,7 +9259,7 @@
               <p:cNvPr id="16" name="Freeform: Shape 15">
                 <a:extLst>
                   <a:ext uri="{FF2B5EF4-FFF2-40B4-BE49-F238E27FC236}">
-                    <a16:creationId xmlns:a16="http://schemas.microsoft.com/office/drawing/2014/main" xmlns="" id="{B989C45D-BDFF-418F-BE79-03FF70015770}"/>
+                    <a16:creationId xmlns="" xmlns:a16="http://schemas.microsoft.com/office/drawing/2014/main" id="{B989C45D-BDFF-418F-BE79-03FF70015770}"/>
                   </a:ext>
                 </a:extLst>
               </p:cNvPr>
@@ -7849,7 +9423,7 @@
               <p:cNvPr id="17" name="Right Triangle 16">
                 <a:extLst>
                   <a:ext uri="{FF2B5EF4-FFF2-40B4-BE49-F238E27FC236}">
-                    <a16:creationId xmlns:a16="http://schemas.microsoft.com/office/drawing/2014/main" xmlns="" id="{8DCD5806-2A2F-4ABF-8057-245681C498E6}"/>
+                    <a16:creationId xmlns="" xmlns:a16="http://schemas.microsoft.com/office/drawing/2014/main" id="{8DCD5806-2A2F-4ABF-8057-245681C498E6}"/>
                   </a:ext>
                 </a:extLst>
               </p:cNvPr>
@@ -7903,7 +9477,7 @@
               <p:cNvPr id="18" name="Right Triangle 17">
                 <a:extLst>
                   <a:ext uri="{FF2B5EF4-FFF2-40B4-BE49-F238E27FC236}">
-                    <a16:creationId xmlns:a16="http://schemas.microsoft.com/office/drawing/2014/main" xmlns="" id="{3A93038F-E9E4-4FFD-B3DF-28DB7C2C1490}"/>
+                    <a16:creationId xmlns="" xmlns:a16="http://schemas.microsoft.com/office/drawing/2014/main" id="{3A93038F-E9E4-4FFD-B3DF-28DB7C2C1490}"/>
                   </a:ext>
                 </a:extLst>
               </p:cNvPr>
@@ -7960,7 +9534,7 @@
               <p:cNvPr id="19" name="Right Triangle 18">
                 <a:extLst>
                   <a:ext uri="{FF2B5EF4-FFF2-40B4-BE49-F238E27FC236}">
-                    <a16:creationId xmlns:a16="http://schemas.microsoft.com/office/drawing/2014/main" xmlns="" id="{5DEA1E02-BBD0-4AE3-AF22-433B90272178}"/>
+                    <a16:creationId xmlns="" xmlns:a16="http://schemas.microsoft.com/office/drawing/2014/main" id="{5DEA1E02-BBD0-4AE3-AF22-433B90272178}"/>
                   </a:ext>
                 </a:extLst>
               </p:cNvPr>
@@ -8014,7 +9588,7 @@
               <p:cNvPr id="20" name="Freeform: Shape 19">
                 <a:extLst>
                   <a:ext uri="{FF2B5EF4-FFF2-40B4-BE49-F238E27FC236}">
-                    <a16:creationId xmlns:a16="http://schemas.microsoft.com/office/drawing/2014/main" xmlns="" id="{0027A677-9ACB-4264-B148-4806678FB83F}"/>
+                    <a16:creationId xmlns="" xmlns:a16="http://schemas.microsoft.com/office/drawing/2014/main" id="{0027A677-9ACB-4264-B148-4806678FB83F}"/>
                   </a:ext>
                 </a:extLst>
               </p:cNvPr>
@@ -8177,7 +9751,7 @@
             <p:cNvPr id="9" name="Freeform: Shape 12">
               <a:extLst>
                 <a:ext uri="{FF2B5EF4-FFF2-40B4-BE49-F238E27FC236}">
-                  <a16:creationId xmlns:a16="http://schemas.microsoft.com/office/drawing/2014/main" xmlns="" id="{E3AAB79D-382D-4A95-965E-526B6A681DA7}"/>
+                  <a16:creationId xmlns="" xmlns:a16="http://schemas.microsoft.com/office/drawing/2014/main" id="{E3AAB79D-382D-4A95-965E-526B6A681DA7}"/>
                 </a:ext>
               </a:extLst>
             </p:cNvPr>
@@ -8267,7 +9841,7 @@
             <p:cNvPr id="10" name="Freeform: Shape 9">
               <a:extLst>
                 <a:ext uri="{FF2B5EF4-FFF2-40B4-BE49-F238E27FC236}">
-                  <a16:creationId xmlns:a16="http://schemas.microsoft.com/office/drawing/2014/main" xmlns="" id="{C0A22127-2B4A-4B15-B0A9-F019A30347A1}"/>
+                  <a16:creationId xmlns="" xmlns:a16="http://schemas.microsoft.com/office/drawing/2014/main" id="{C0A22127-2B4A-4B15-B0A9-F019A30347A1}"/>
                 </a:ext>
               </a:extLst>
             </p:cNvPr>
@@ -8370,7 +9944,7 @@
             <p:cNvPr id="11" name="Freeform: Shape 12">
               <a:extLst>
                 <a:ext uri="{FF2B5EF4-FFF2-40B4-BE49-F238E27FC236}">
-                  <a16:creationId xmlns:a16="http://schemas.microsoft.com/office/drawing/2014/main" xmlns="" id="{F04D9FDC-1B67-4254-9535-CD32E81F0C3E}"/>
+                  <a16:creationId xmlns="" xmlns:a16="http://schemas.microsoft.com/office/drawing/2014/main" id="{F04D9FDC-1B67-4254-9535-CD32E81F0C3E}"/>
                 </a:ext>
               </a:extLst>
             </p:cNvPr>
@@ -8468,7 +10042,7 @@
             <p:cNvPr id="12" name="Group 11">
               <a:extLst>
                 <a:ext uri="{FF2B5EF4-FFF2-40B4-BE49-F238E27FC236}">
-                  <a16:creationId xmlns:a16="http://schemas.microsoft.com/office/drawing/2014/main" xmlns="" id="{0A86C4EA-4CF8-4531-845D-4FCB1E2F7422}"/>
+                  <a16:creationId xmlns="" xmlns:a16="http://schemas.microsoft.com/office/drawing/2014/main" id="{0A86C4EA-4CF8-4531-845D-4FCB1E2F7422}"/>
                 </a:ext>
               </a:extLst>
             </p:cNvPr>
@@ -8488,7 +10062,7 @@
               <p:cNvPr id="13" name="Freeform: Shape 12">
                 <a:extLst>
                   <a:ext uri="{FF2B5EF4-FFF2-40B4-BE49-F238E27FC236}">
-                    <a16:creationId xmlns:a16="http://schemas.microsoft.com/office/drawing/2014/main" xmlns="" id="{1101B195-C112-4D20-8D19-4D22479B150D}"/>
+                    <a16:creationId xmlns="" xmlns:a16="http://schemas.microsoft.com/office/drawing/2014/main" id="{1101B195-C112-4D20-8D19-4D22479B150D}"/>
                   </a:ext>
                 </a:extLst>
               </p:cNvPr>
@@ -8578,7 +10152,7 @@
               <p:cNvPr id="14" name="Freeform: Shape 12">
                 <a:extLst>
                   <a:ext uri="{FF2B5EF4-FFF2-40B4-BE49-F238E27FC236}">
-                    <a16:creationId xmlns:a16="http://schemas.microsoft.com/office/drawing/2014/main" xmlns="" id="{CA755F1F-9955-4CBB-8F34-F7801CA44CE7}"/>
+                    <a16:creationId xmlns="" xmlns:a16="http://schemas.microsoft.com/office/drawing/2014/main" id="{CA755F1F-9955-4CBB-8F34-F7801CA44CE7}"/>
                   </a:ext>
                 </a:extLst>
               </p:cNvPr>
@@ -8678,7 +10252,7 @@
           <p:cNvPr id="2" name="Title 1">
             <a:extLst>
               <a:ext uri="{FF2B5EF4-FFF2-40B4-BE49-F238E27FC236}">
-                <a16:creationId xmlns:a16="http://schemas.microsoft.com/office/drawing/2014/main" xmlns="" id="{9E597736-C478-4C26-9BAF-205FE31E977C}"/>
+                <a16:creationId xmlns="" xmlns:a16="http://schemas.microsoft.com/office/drawing/2014/main" id="{9E597736-C478-4C26-9BAF-205FE31E977C}"/>
               </a:ext>
             </a:extLst>
           </p:cNvPr>
@@ -8726,7 +10300,7 @@
           <p:cNvPr id="3" name="Subtitle 2">
             <a:extLst>
               <a:ext uri="{FF2B5EF4-FFF2-40B4-BE49-F238E27FC236}">
-                <a16:creationId xmlns:a16="http://schemas.microsoft.com/office/drawing/2014/main" xmlns="" id="{C3D2DEF0-A0B0-4CFE-B67D-A9D75E2368DC}"/>
+                <a16:creationId xmlns="" xmlns:a16="http://schemas.microsoft.com/office/drawing/2014/main" id="{C3D2DEF0-A0B0-4CFE-B67D-A9D75E2368DC}"/>
               </a:ext>
             </a:extLst>
           </p:cNvPr>
@@ -8812,7 +10386,7 @@
           <p:cNvPr id="11" name="Rectangle 10">
             <a:extLst>
               <a:ext uri="{FF2B5EF4-FFF2-40B4-BE49-F238E27FC236}">
-                <a16:creationId xmlns:a16="http://schemas.microsoft.com/office/drawing/2014/main" xmlns="" id="{EB3E033F-4449-40FA-BC85-BD2712D313DD}"/>
+                <a16:creationId xmlns="" xmlns:a16="http://schemas.microsoft.com/office/drawing/2014/main" id="{EB3E033F-4449-40FA-BC85-BD2712D313DD}"/>
               </a:ext>
             </a:extLst>
           </p:cNvPr>
@@ -8866,7 +10440,7 @@
           <p:cNvPr id="10" name="Freeform: Shape 9">
             <a:extLst>
               <a:ext uri="{FF2B5EF4-FFF2-40B4-BE49-F238E27FC236}">
-                <a16:creationId xmlns:a16="http://schemas.microsoft.com/office/drawing/2014/main" xmlns="" id="{63D26743-0505-444C-80B3-E88EE87DF72B}"/>
+                <a16:creationId xmlns="" xmlns:a16="http://schemas.microsoft.com/office/drawing/2014/main" id="{63D26743-0505-444C-80B3-E88EE87DF72B}"/>
               </a:ext>
             </a:extLst>
           </p:cNvPr>
@@ -8989,7 +10563,7 @@
           <p:cNvPr id="18" name="Freeform: Shape 17">
             <a:extLst>
               <a:ext uri="{FF2B5EF4-FFF2-40B4-BE49-F238E27FC236}">
-                <a16:creationId xmlns:a16="http://schemas.microsoft.com/office/drawing/2014/main" xmlns="" id="{E37145E9-AC61-47D5-9288-8789940F81B6}"/>
+                <a16:creationId xmlns="" xmlns:a16="http://schemas.microsoft.com/office/drawing/2014/main" id="{E37145E9-AC61-47D5-9288-8789940F81B6}"/>
               </a:ext>
             </a:extLst>
           </p:cNvPr>
@@ -9141,7 +10715,7 @@
           <p:cNvPr id="12" name="Freeform: Shape 11">
             <a:extLst>
               <a:ext uri="{FF2B5EF4-FFF2-40B4-BE49-F238E27FC236}">
-                <a16:creationId xmlns:a16="http://schemas.microsoft.com/office/drawing/2014/main" xmlns="" id="{A5E2B3ED-9A49-40A7-B8A3-62595FE513F9}"/>
+                <a16:creationId xmlns="" xmlns:a16="http://schemas.microsoft.com/office/drawing/2014/main" id="{A5E2B3ED-9A49-40A7-B8A3-62595FE513F9}"/>
               </a:ext>
             </a:extLst>
           </p:cNvPr>
@@ -9291,7 +10865,7 @@
           <p:cNvPr id="8" name="Freeform: Shape 7">
             <a:extLst>
               <a:ext uri="{FF2B5EF4-FFF2-40B4-BE49-F238E27FC236}">
-                <a16:creationId xmlns:a16="http://schemas.microsoft.com/office/drawing/2014/main" xmlns="" id="{1599AF7E-3E34-4597-AA72-9373A7FDB020}"/>
+                <a16:creationId xmlns="" xmlns:a16="http://schemas.microsoft.com/office/drawing/2014/main" id="{1599AF7E-3E34-4597-AA72-9373A7FDB020}"/>
               </a:ext>
             </a:extLst>
           </p:cNvPr>
@@ -9437,7 +11011,7 @@
           <p:cNvPr id="2" name="Title 1">
             <a:extLst>
               <a:ext uri="{FF2B5EF4-FFF2-40B4-BE49-F238E27FC236}">
-                <a16:creationId xmlns:a16="http://schemas.microsoft.com/office/drawing/2014/main" xmlns="" id="{4A2DF563-7FAC-46B3-B24C-7E45CD89DA2B}"/>
+                <a16:creationId xmlns="" xmlns:a16="http://schemas.microsoft.com/office/drawing/2014/main" id="{4A2DF563-7FAC-46B3-B24C-7E45CD89DA2B}"/>
               </a:ext>
             </a:extLst>
           </p:cNvPr>
@@ -9483,7 +11057,7 @@
           <p:cNvPr id="15" name="Group 14">
             <a:extLst>
               <a:ext uri="{FF2B5EF4-FFF2-40B4-BE49-F238E27FC236}">
-                <a16:creationId xmlns:a16="http://schemas.microsoft.com/office/drawing/2014/main" xmlns="" id="{7732E1E7-45E3-4264-8F26-66758696DD1E}"/>
+                <a16:creationId xmlns="" xmlns:a16="http://schemas.microsoft.com/office/drawing/2014/main" id="{7732E1E7-45E3-4264-8F26-66758696DD1E}"/>
               </a:ext>
             </a:extLst>
           </p:cNvPr>
@@ -9503,7 +11077,7 @@
             <p:cNvPr id="16" name="Freeform: Shape 15">
               <a:extLst>
                 <a:ext uri="{FF2B5EF4-FFF2-40B4-BE49-F238E27FC236}">
-                  <a16:creationId xmlns:a16="http://schemas.microsoft.com/office/drawing/2014/main" xmlns="" id="{2E3DF883-8093-49FA-81E1-E5D77F086A25}"/>
+                  <a16:creationId xmlns="" xmlns:a16="http://schemas.microsoft.com/office/drawing/2014/main" id="{2E3DF883-8093-49FA-81E1-E5D77F086A25}"/>
                 </a:ext>
               </a:extLst>
             </p:cNvPr>
@@ -9593,7 +11167,7 @@
             <p:cNvPr id="17" name="Freeform: Shape 16">
               <a:extLst>
                 <a:ext uri="{FF2B5EF4-FFF2-40B4-BE49-F238E27FC236}">
-                  <a16:creationId xmlns:a16="http://schemas.microsoft.com/office/drawing/2014/main" xmlns="" id="{18944C90-37E5-4BBE-89FF-060627168050}"/>
+                  <a16:creationId xmlns="" xmlns:a16="http://schemas.microsoft.com/office/drawing/2014/main" id="{18944C90-37E5-4BBE-89FF-060627168050}"/>
                 </a:ext>
               </a:extLst>
             </p:cNvPr>
@@ -9692,7 +11266,7 @@
           <p:cNvPr id="6" name="Group 5">
             <a:extLst>
               <a:ext uri="{FF2B5EF4-FFF2-40B4-BE49-F238E27FC236}">
-                <a16:creationId xmlns:a16="http://schemas.microsoft.com/office/drawing/2014/main" xmlns="" id="{D9EBF8BB-A805-4DDB-B459-082F99815B95}"/>
+                <a16:creationId xmlns="" xmlns:a16="http://schemas.microsoft.com/office/drawing/2014/main" id="{D9EBF8BB-A805-4DDB-B459-082F99815B95}"/>
               </a:ext>
             </a:extLst>
           </p:cNvPr>
@@ -9712,7 +11286,7 @@
             <p:cNvPr id="19" name="Rectangle: Single Corner Snipped 18">
               <a:extLst>
                 <a:ext uri="{FF2B5EF4-FFF2-40B4-BE49-F238E27FC236}">
-                  <a16:creationId xmlns:a16="http://schemas.microsoft.com/office/drawing/2014/main" xmlns="" id="{5D638788-DD47-45E7-939A-FA108A818173}"/>
+                  <a16:creationId xmlns="" xmlns:a16="http://schemas.microsoft.com/office/drawing/2014/main" id="{5D638788-DD47-45E7-939A-FA108A818173}"/>
                 </a:ext>
               </a:extLst>
             </p:cNvPr>
@@ -9773,7 +11347,7 @@
             <p:cNvPr id="3" name="Rectangle: Single Corner Snipped 2">
               <a:extLst>
                 <a:ext uri="{FF2B5EF4-FFF2-40B4-BE49-F238E27FC236}">
-                  <a16:creationId xmlns:a16="http://schemas.microsoft.com/office/drawing/2014/main" xmlns="" id="{74BDECEF-EEFE-4332-B3B2-BDE4F82C10FC}"/>
+                  <a16:creationId xmlns="" xmlns:a16="http://schemas.microsoft.com/office/drawing/2014/main" id="{74BDECEF-EEFE-4332-B3B2-BDE4F82C10FC}"/>
                 </a:ext>
               </a:extLst>
             </p:cNvPr>
@@ -9830,7 +11404,7 @@
           <p:cNvPr id="20" name="Picture Placeholder 8">
             <a:extLst>
               <a:ext uri="{FF2B5EF4-FFF2-40B4-BE49-F238E27FC236}">
-                <a16:creationId xmlns:a16="http://schemas.microsoft.com/office/drawing/2014/main" xmlns="" id="{6D00E6B4-1CBE-404E-B943-5F1832320C1C}"/>
+                <a16:creationId xmlns="" xmlns:a16="http://schemas.microsoft.com/office/drawing/2014/main" id="{6D00E6B4-1CBE-404E-B943-5F1832320C1C}"/>
               </a:ext>
             </a:extLst>
           </p:cNvPr>
@@ -9893,7 +11467,7 @@
           <p:cNvPr id="21" name="Picture Placeholder 8">
             <a:extLst>
               <a:ext uri="{FF2B5EF4-FFF2-40B4-BE49-F238E27FC236}">
-                <a16:creationId xmlns:a16="http://schemas.microsoft.com/office/drawing/2014/main" xmlns="" id="{7CD59BFD-62BE-4E33-92A5-B84A2A9A8D3B}"/>
+                <a16:creationId xmlns="" xmlns:a16="http://schemas.microsoft.com/office/drawing/2014/main" id="{7CD59BFD-62BE-4E33-92A5-B84A2A9A8D3B}"/>
               </a:ext>
             </a:extLst>
           </p:cNvPr>
@@ -9956,7 +11530,7 @@
           <p:cNvPr id="22" name="Picture Placeholder 8">
             <a:extLst>
               <a:ext uri="{FF2B5EF4-FFF2-40B4-BE49-F238E27FC236}">
-                <a16:creationId xmlns:a16="http://schemas.microsoft.com/office/drawing/2014/main" xmlns="" id="{60DC5978-55B8-421D-91B4-29F8210A7B2C}"/>
+                <a16:creationId xmlns="" xmlns:a16="http://schemas.microsoft.com/office/drawing/2014/main" id="{60DC5978-55B8-421D-91B4-29F8210A7B2C}"/>
               </a:ext>
             </a:extLst>
           </p:cNvPr>
@@ -10019,7 +11593,7 @@
           <p:cNvPr id="23" name="Picture Placeholder 8">
             <a:extLst>
               <a:ext uri="{FF2B5EF4-FFF2-40B4-BE49-F238E27FC236}">
-                <a16:creationId xmlns:a16="http://schemas.microsoft.com/office/drawing/2014/main" xmlns="" id="{BE3FB8C3-2C7E-4C59-8BD5-53FA2772DB56}"/>
+                <a16:creationId xmlns="" xmlns:a16="http://schemas.microsoft.com/office/drawing/2014/main" id="{BE3FB8C3-2C7E-4C59-8BD5-53FA2772DB56}"/>
               </a:ext>
             </a:extLst>
           </p:cNvPr>
@@ -10082,7 +11656,7 @@
           <p:cNvPr id="24" name="Picture Placeholder 8">
             <a:extLst>
               <a:ext uri="{FF2B5EF4-FFF2-40B4-BE49-F238E27FC236}">
-                <a16:creationId xmlns:a16="http://schemas.microsoft.com/office/drawing/2014/main" xmlns="" id="{FD8FA9DA-C36B-4889-B88F-28B5829E53E2}"/>
+                <a16:creationId xmlns="" xmlns:a16="http://schemas.microsoft.com/office/drawing/2014/main" id="{FD8FA9DA-C36B-4889-B88F-28B5829E53E2}"/>
               </a:ext>
             </a:extLst>
           </p:cNvPr>
@@ -10145,7 +11719,7 @@
           <p:cNvPr id="26" name="Text Placeholder 22">
             <a:extLst>
               <a:ext uri="{FF2B5EF4-FFF2-40B4-BE49-F238E27FC236}">
-                <a16:creationId xmlns:a16="http://schemas.microsoft.com/office/drawing/2014/main" xmlns="" id="{2A19101D-7C37-42BF-8167-5391EA65EC3A}"/>
+                <a16:creationId xmlns="" xmlns:a16="http://schemas.microsoft.com/office/drawing/2014/main" id="{2A19101D-7C37-42BF-8167-5391EA65EC3A}"/>
               </a:ext>
             </a:extLst>
           </p:cNvPr>
@@ -10255,7 +11829,7 @@
           <p:cNvPr id="27" name="Text Placeholder 22">
             <a:extLst>
               <a:ext uri="{FF2B5EF4-FFF2-40B4-BE49-F238E27FC236}">
-                <a16:creationId xmlns:a16="http://schemas.microsoft.com/office/drawing/2014/main" xmlns="" id="{05F72315-51A9-431C-B80A-45E4FB1D6BD6}"/>
+                <a16:creationId xmlns="" xmlns:a16="http://schemas.microsoft.com/office/drawing/2014/main" id="{05F72315-51A9-431C-B80A-45E4FB1D6BD6}"/>
               </a:ext>
             </a:extLst>
           </p:cNvPr>
@@ -10365,7 +11939,7 @@
           <p:cNvPr id="28" name="Text Placeholder 22">
             <a:extLst>
               <a:ext uri="{FF2B5EF4-FFF2-40B4-BE49-F238E27FC236}">
-                <a16:creationId xmlns:a16="http://schemas.microsoft.com/office/drawing/2014/main" xmlns="" id="{883D1F0C-34F1-46E1-B178-E4AB82B14631}"/>
+                <a16:creationId xmlns="" xmlns:a16="http://schemas.microsoft.com/office/drawing/2014/main" id="{883D1F0C-34F1-46E1-B178-E4AB82B14631}"/>
               </a:ext>
             </a:extLst>
           </p:cNvPr>
@@ -10475,7 +12049,7 @@
           <p:cNvPr id="29" name="Text Placeholder 22">
             <a:extLst>
               <a:ext uri="{FF2B5EF4-FFF2-40B4-BE49-F238E27FC236}">
-                <a16:creationId xmlns:a16="http://schemas.microsoft.com/office/drawing/2014/main" xmlns="" id="{7202A849-DF14-40E7-B38D-1185F72603EC}"/>
+                <a16:creationId xmlns="" xmlns:a16="http://schemas.microsoft.com/office/drawing/2014/main" id="{7202A849-DF14-40E7-B38D-1185F72603EC}"/>
               </a:ext>
             </a:extLst>
           </p:cNvPr>
@@ -10585,7 +12159,7 @@
           <p:cNvPr id="30" name="Text Placeholder 22">
             <a:extLst>
               <a:ext uri="{FF2B5EF4-FFF2-40B4-BE49-F238E27FC236}">
-                <a16:creationId xmlns:a16="http://schemas.microsoft.com/office/drawing/2014/main" xmlns="" id="{CCFC1ADF-AC11-4CCD-AC2D-478B6FFEA5EA}"/>
+                <a16:creationId xmlns="" xmlns:a16="http://schemas.microsoft.com/office/drawing/2014/main" id="{CCFC1ADF-AC11-4CCD-AC2D-478B6FFEA5EA}"/>
               </a:ext>
             </a:extLst>
           </p:cNvPr>
@@ -10695,7 +12269,7 @@
           <p:cNvPr id="7" name="Straight Connector 6">
             <a:extLst>
               <a:ext uri="{FF2B5EF4-FFF2-40B4-BE49-F238E27FC236}">
-                <a16:creationId xmlns:a16="http://schemas.microsoft.com/office/drawing/2014/main" xmlns="" id="{2B4CB326-DA0E-488E-B236-7017E8438FBB}"/>
+                <a16:creationId xmlns="" xmlns:a16="http://schemas.microsoft.com/office/drawing/2014/main" id="{2B4CB326-DA0E-488E-B236-7017E8438FBB}"/>
               </a:ext>
             </a:extLst>
           </p:cNvPr>
@@ -10736,7 +12310,7 @@
           <p:cNvPr id="31" name="Straight Connector 30">
             <a:extLst>
               <a:ext uri="{FF2B5EF4-FFF2-40B4-BE49-F238E27FC236}">
-                <a16:creationId xmlns:a16="http://schemas.microsoft.com/office/drawing/2014/main" xmlns="" id="{9366B533-7212-4A36-9CE2-D6302E721F8F}"/>
+                <a16:creationId xmlns="" xmlns:a16="http://schemas.microsoft.com/office/drawing/2014/main" id="{9366B533-7212-4A36-9CE2-D6302E721F8F}"/>
               </a:ext>
             </a:extLst>
           </p:cNvPr>
@@ -10777,7 +12351,7 @@
           <p:cNvPr id="32" name="Straight Connector 31">
             <a:extLst>
               <a:ext uri="{FF2B5EF4-FFF2-40B4-BE49-F238E27FC236}">
-                <a16:creationId xmlns:a16="http://schemas.microsoft.com/office/drawing/2014/main" xmlns="" id="{AD7474CD-E230-4E14-8274-5E20F673F401}"/>
+                <a16:creationId xmlns="" xmlns:a16="http://schemas.microsoft.com/office/drawing/2014/main" id="{AD7474CD-E230-4E14-8274-5E20F673F401}"/>
               </a:ext>
             </a:extLst>
           </p:cNvPr>
@@ -10818,7 +12392,7 @@
           <p:cNvPr id="33" name="Straight Connector 32">
             <a:extLst>
               <a:ext uri="{FF2B5EF4-FFF2-40B4-BE49-F238E27FC236}">
-                <a16:creationId xmlns:a16="http://schemas.microsoft.com/office/drawing/2014/main" xmlns="" id="{6BF71FCE-6F39-4D2F-82BE-7D9F1D2ED59F}"/>
+                <a16:creationId xmlns="" xmlns:a16="http://schemas.microsoft.com/office/drawing/2014/main" id="{6BF71FCE-6F39-4D2F-82BE-7D9F1D2ED59F}"/>
               </a:ext>
             </a:extLst>
           </p:cNvPr>
@@ -10859,7 +12433,7 @@
           <p:cNvPr id="34" name="Straight Connector 33">
             <a:extLst>
               <a:ext uri="{FF2B5EF4-FFF2-40B4-BE49-F238E27FC236}">
-                <a16:creationId xmlns:a16="http://schemas.microsoft.com/office/drawing/2014/main" xmlns="" id="{AE97AC7A-17D9-4F42-9DD0-94FE4FC6BF19}"/>
+                <a16:creationId xmlns="" xmlns:a16="http://schemas.microsoft.com/office/drawing/2014/main" id="{AE97AC7A-17D9-4F42-9DD0-94FE4FC6BF19}"/>
               </a:ext>
             </a:extLst>
           </p:cNvPr>
@@ -10900,7 +12474,7 @@
           <p:cNvPr id="35" name="Freeform: Shape 34">
             <a:extLst>
               <a:ext uri="{FF2B5EF4-FFF2-40B4-BE49-F238E27FC236}">
-                <a16:creationId xmlns:a16="http://schemas.microsoft.com/office/drawing/2014/main" xmlns="" id="{62EEBF51-DCAD-4335-85E9-52801031A1BF}"/>
+                <a16:creationId xmlns="" xmlns:a16="http://schemas.microsoft.com/office/drawing/2014/main" id="{62EEBF51-DCAD-4335-85E9-52801031A1BF}"/>
               </a:ext>
             </a:extLst>
           </p:cNvPr>
@@ -10995,7 +12569,7 @@
           <p:cNvPr id="5" name="Slide Number Placeholder 4">
             <a:extLst>
               <a:ext uri="{FF2B5EF4-FFF2-40B4-BE49-F238E27FC236}">
-                <a16:creationId xmlns:a16="http://schemas.microsoft.com/office/drawing/2014/main" xmlns="" id="{87B51822-97FF-47A7-8E4E-A0F79B4EB237}"/>
+                <a16:creationId xmlns="" xmlns:a16="http://schemas.microsoft.com/office/drawing/2014/main" id="{87B51822-97FF-47A7-8E4E-A0F79B4EB237}"/>
               </a:ext>
             </a:extLst>
           </p:cNvPr>
@@ -11077,7 +12651,7 @@
           <p:cNvPr id="11" name="Rectangle 10">
             <a:extLst>
               <a:ext uri="{FF2B5EF4-FFF2-40B4-BE49-F238E27FC236}">
-                <a16:creationId xmlns:a16="http://schemas.microsoft.com/office/drawing/2014/main" xmlns="" id="{EB3E033F-4449-40FA-BC85-BD2712D313DD}"/>
+                <a16:creationId xmlns="" xmlns:a16="http://schemas.microsoft.com/office/drawing/2014/main" id="{EB3E033F-4449-40FA-BC85-BD2712D313DD}"/>
               </a:ext>
             </a:extLst>
           </p:cNvPr>
@@ -11131,7 +12705,7 @@
           <p:cNvPr id="10" name="Freeform: Shape 9">
             <a:extLst>
               <a:ext uri="{FF2B5EF4-FFF2-40B4-BE49-F238E27FC236}">
-                <a16:creationId xmlns:a16="http://schemas.microsoft.com/office/drawing/2014/main" xmlns="" id="{63D26743-0505-444C-80B3-E88EE87DF72B}"/>
+                <a16:creationId xmlns="" xmlns:a16="http://schemas.microsoft.com/office/drawing/2014/main" id="{63D26743-0505-444C-80B3-E88EE87DF72B}"/>
               </a:ext>
             </a:extLst>
           </p:cNvPr>
@@ -11254,7 +12828,7 @@
           <p:cNvPr id="18" name="Freeform: Shape 17">
             <a:extLst>
               <a:ext uri="{FF2B5EF4-FFF2-40B4-BE49-F238E27FC236}">
-                <a16:creationId xmlns:a16="http://schemas.microsoft.com/office/drawing/2014/main" xmlns="" id="{E37145E9-AC61-47D5-9288-8789940F81B6}"/>
+                <a16:creationId xmlns="" xmlns:a16="http://schemas.microsoft.com/office/drawing/2014/main" id="{E37145E9-AC61-47D5-9288-8789940F81B6}"/>
               </a:ext>
             </a:extLst>
           </p:cNvPr>
@@ -11406,7 +12980,7 @@
           <p:cNvPr id="12" name="Freeform: Shape 11">
             <a:extLst>
               <a:ext uri="{FF2B5EF4-FFF2-40B4-BE49-F238E27FC236}">
-                <a16:creationId xmlns:a16="http://schemas.microsoft.com/office/drawing/2014/main" xmlns="" id="{A5E2B3ED-9A49-40A7-B8A3-62595FE513F9}"/>
+                <a16:creationId xmlns="" xmlns:a16="http://schemas.microsoft.com/office/drawing/2014/main" id="{A5E2B3ED-9A49-40A7-B8A3-62595FE513F9}"/>
               </a:ext>
             </a:extLst>
           </p:cNvPr>
@@ -11556,7 +13130,7 @@
           <p:cNvPr id="8" name="Freeform: Shape 7">
             <a:extLst>
               <a:ext uri="{FF2B5EF4-FFF2-40B4-BE49-F238E27FC236}">
-                <a16:creationId xmlns:a16="http://schemas.microsoft.com/office/drawing/2014/main" xmlns="" id="{1599AF7E-3E34-4597-AA72-9373A7FDB020}"/>
+                <a16:creationId xmlns="" xmlns:a16="http://schemas.microsoft.com/office/drawing/2014/main" id="{1599AF7E-3E34-4597-AA72-9373A7FDB020}"/>
               </a:ext>
             </a:extLst>
           </p:cNvPr>
@@ -11702,7 +13276,7 @@
           <p:cNvPr id="2" name="Title 1">
             <a:extLst>
               <a:ext uri="{FF2B5EF4-FFF2-40B4-BE49-F238E27FC236}">
-                <a16:creationId xmlns:a16="http://schemas.microsoft.com/office/drawing/2014/main" xmlns="" id="{4A2DF563-7FAC-46B3-B24C-7E45CD89DA2B}"/>
+                <a16:creationId xmlns="" xmlns:a16="http://schemas.microsoft.com/office/drawing/2014/main" id="{4A2DF563-7FAC-46B3-B24C-7E45CD89DA2B}"/>
               </a:ext>
             </a:extLst>
           </p:cNvPr>
@@ -11748,7 +13322,7 @@
           <p:cNvPr id="15" name="Group 14">
             <a:extLst>
               <a:ext uri="{FF2B5EF4-FFF2-40B4-BE49-F238E27FC236}">
-                <a16:creationId xmlns:a16="http://schemas.microsoft.com/office/drawing/2014/main" xmlns="" id="{7732E1E7-45E3-4264-8F26-66758696DD1E}"/>
+                <a16:creationId xmlns="" xmlns:a16="http://schemas.microsoft.com/office/drawing/2014/main" id="{7732E1E7-45E3-4264-8F26-66758696DD1E}"/>
               </a:ext>
             </a:extLst>
           </p:cNvPr>
@@ -11768,7 +13342,7 @@
             <p:cNvPr id="16" name="Freeform: Shape 15">
               <a:extLst>
                 <a:ext uri="{FF2B5EF4-FFF2-40B4-BE49-F238E27FC236}">
-                  <a16:creationId xmlns:a16="http://schemas.microsoft.com/office/drawing/2014/main" xmlns="" id="{2E3DF883-8093-49FA-81E1-E5D77F086A25}"/>
+                  <a16:creationId xmlns="" xmlns:a16="http://schemas.microsoft.com/office/drawing/2014/main" id="{2E3DF883-8093-49FA-81E1-E5D77F086A25}"/>
                 </a:ext>
               </a:extLst>
             </p:cNvPr>
@@ -11858,7 +13432,7 @@
             <p:cNvPr id="17" name="Freeform: Shape 16">
               <a:extLst>
                 <a:ext uri="{FF2B5EF4-FFF2-40B4-BE49-F238E27FC236}">
-                  <a16:creationId xmlns:a16="http://schemas.microsoft.com/office/drawing/2014/main" xmlns="" id="{18944C90-37E5-4BBE-89FF-060627168050}"/>
+                  <a16:creationId xmlns="" xmlns:a16="http://schemas.microsoft.com/office/drawing/2014/main" id="{18944C90-37E5-4BBE-89FF-060627168050}"/>
                 </a:ext>
               </a:extLst>
             </p:cNvPr>
@@ -11957,7 +13531,7 @@
           <p:cNvPr id="6" name="Group 5">
             <a:extLst>
               <a:ext uri="{FF2B5EF4-FFF2-40B4-BE49-F238E27FC236}">
-                <a16:creationId xmlns:a16="http://schemas.microsoft.com/office/drawing/2014/main" xmlns="" id="{D9EBF8BB-A805-4DDB-B459-082F99815B95}"/>
+                <a16:creationId xmlns="" xmlns:a16="http://schemas.microsoft.com/office/drawing/2014/main" id="{D9EBF8BB-A805-4DDB-B459-082F99815B95}"/>
               </a:ext>
             </a:extLst>
           </p:cNvPr>
@@ -11977,7 +13551,7 @@
             <p:cNvPr id="19" name="Rectangle: Single Corner Snipped 18">
               <a:extLst>
                 <a:ext uri="{FF2B5EF4-FFF2-40B4-BE49-F238E27FC236}">
-                  <a16:creationId xmlns:a16="http://schemas.microsoft.com/office/drawing/2014/main" xmlns="" id="{5D638788-DD47-45E7-939A-FA108A818173}"/>
+                  <a16:creationId xmlns="" xmlns:a16="http://schemas.microsoft.com/office/drawing/2014/main" id="{5D638788-DD47-45E7-939A-FA108A818173}"/>
                 </a:ext>
               </a:extLst>
             </p:cNvPr>
@@ -12038,7 +13612,7 @@
             <p:cNvPr id="3" name="Rectangle: Single Corner Snipped 2">
               <a:extLst>
                 <a:ext uri="{FF2B5EF4-FFF2-40B4-BE49-F238E27FC236}">
-                  <a16:creationId xmlns:a16="http://schemas.microsoft.com/office/drawing/2014/main" xmlns="" id="{74BDECEF-EEFE-4332-B3B2-BDE4F82C10FC}"/>
+                  <a16:creationId xmlns="" xmlns:a16="http://schemas.microsoft.com/office/drawing/2014/main" id="{74BDECEF-EEFE-4332-B3B2-BDE4F82C10FC}"/>
                 </a:ext>
               </a:extLst>
             </p:cNvPr>
@@ -12095,7 +13669,7 @@
           <p:cNvPr id="26" name="Text Placeholder 22">
             <a:extLst>
               <a:ext uri="{FF2B5EF4-FFF2-40B4-BE49-F238E27FC236}">
-                <a16:creationId xmlns:a16="http://schemas.microsoft.com/office/drawing/2014/main" xmlns="" id="{2A19101D-7C37-42BF-8167-5391EA65EC3A}"/>
+                <a16:creationId xmlns="" xmlns:a16="http://schemas.microsoft.com/office/drawing/2014/main" id="{2A19101D-7C37-42BF-8167-5391EA65EC3A}"/>
               </a:ext>
             </a:extLst>
           </p:cNvPr>
@@ -12205,7 +13779,7 @@
           <p:cNvPr id="35" name="Freeform: Shape 34">
             <a:extLst>
               <a:ext uri="{FF2B5EF4-FFF2-40B4-BE49-F238E27FC236}">
-                <a16:creationId xmlns:a16="http://schemas.microsoft.com/office/drawing/2014/main" xmlns="" id="{62EEBF51-DCAD-4335-85E9-52801031A1BF}"/>
+                <a16:creationId xmlns="" xmlns:a16="http://schemas.microsoft.com/office/drawing/2014/main" id="{62EEBF51-DCAD-4335-85E9-52801031A1BF}"/>
               </a:ext>
             </a:extLst>
           </p:cNvPr>
@@ -12300,7 +13874,7 @@
           <p:cNvPr id="5" name="Slide Number Placeholder 4">
             <a:extLst>
               <a:ext uri="{FF2B5EF4-FFF2-40B4-BE49-F238E27FC236}">
-                <a16:creationId xmlns:a16="http://schemas.microsoft.com/office/drawing/2014/main" xmlns="" id="{87B51822-97FF-47A7-8E4E-A0F79B4EB237}"/>
+                <a16:creationId xmlns="" xmlns:a16="http://schemas.microsoft.com/office/drawing/2014/main" id="{87B51822-97FF-47A7-8E4E-A0F79B4EB237}"/>
               </a:ext>
             </a:extLst>
           </p:cNvPr>
@@ -12344,7 +13918,7 @@
           <p:cNvPr id="13" name="Picture Placeholder 12">
             <a:extLst>
               <a:ext uri="{FF2B5EF4-FFF2-40B4-BE49-F238E27FC236}">
-                <a16:creationId xmlns:a16="http://schemas.microsoft.com/office/drawing/2014/main" xmlns="" id="{231B97CF-FD24-4932-8459-893B1AC73D33}"/>
+                <a16:creationId xmlns="" xmlns:a16="http://schemas.microsoft.com/office/drawing/2014/main" id="{231B97CF-FD24-4932-8459-893B1AC73D33}"/>
               </a:ext>
             </a:extLst>
           </p:cNvPr>
@@ -12390,7 +13964,7 @@
           <p:cNvPr id="36" name="Text Placeholder 22">
             <a:extLst>
               <a:ext uri="{FF2B5EF4-FFF2-40B4-BE49-F238E27FC236}">
-                <a16:creationId xmlns:a16="http://schemas.microsoft.com/office/drawing/2014/main" xmlns="" id="{642D3CE0-C3B4-4F3F-A650-AB452B3AD4BA}"/>
+                <a16:creationId xmlns="" xmlns:a16="http://schemas.microsoft.com/office/drawing/2014/main" id="{642D3CE0-C3B4-4F3F-A650-AB452B3AD4BA}"/>
               </a:ext>
             </a:extLst>
           </p:cNvPr>
@@ -12500,7 +14074,7 @@
           <p:cNvPr id="37" name="Text Placeholder 22">
             <a:extLst>
               <a:ext uri="{FF2B5EF4-FFF2-40B4-BE49-F238E27FC236}">
-                <a16:creationId xmlns:a16="http://schemas.microsoft.com/office/drawing/2014/main" xmlns="" id="{DBED2BB0-CDAD-40EE-8B35-C66DF45EE29D}"/>
+                <a16:creationId xmlns="" xmlns:a16="http://schemas.microsoft.com/office/drawing/2014/main" id="{DBED2BB0-CDAD-40EE-8B35-C66DF45EE29D}"/>
               </a:ext>
             </a:extLst>
           </p:cNvPr>
@@ -12648,7 +14222,7 @@
           <p:cNvPr id="11" name="Rectangle 10">
             <a:extLst>
               <a:ext uri="{FF2B5EF4-FFF2-40B4-BE49-F238E27FC236}">
-                <a16:creationId xmlns:a16="http://schemas.microsoft.com/office/drawing/2014/main" xmlns="" id="{EB3E033F-4449-40FA-BC85-BD2712D313DD}"/>
+                <a16:creationId xmlns="" xmlns:a16="http://schemas.microsoft.com/office/drawing/2014/main" id="{EB3E033F-4449-40FA-BC85-BD2712D313DD}"/>
               </a:ext>
             </a:extLst>
           </p:cNvPr>
@@ -12702,7 +14276,7 @@
           <p:cNvPr id="10" name="Freeform: Shape 9">
             <a:extLst>
               <a:ext uri="{FF2B5EF4-FFF2-40B4-BE49-F238E27FC236}">
-                <a16:creationId xmlns:a16="http://schemas.microsoft.com/office/drawing/2014/main" xmlns="" id="{63D26743-0505-444C-80B3-E88EE87DF72B}"/>
+                <a16:creationId xmlns="" xmlns:a16="http://schemas.microsoft.com/office/drawing/2014/main" id="{63D26743-0505-444C-80B3-E88EE87DF72B}"/>
               </a:ext>
             </a:extLst>
           </p:cNvPr>
@@ -12825,7 +14399,7 @@
           <p:cNvPr id="18" name="Freeform: Shape 17">
             <a:extLst>
               <a:ext uri="{FF2B5EF4-FFF2-40B4-BE49-F238E27FC236}">
-                <a16:creationId xmlns:a16="http://schemas.microsoft.com/office/drawing/2014/main" xmlns="" id="{E37145E9-AC61-47D5-9288-8789940F81B6}"/>
+                <a16:creationId xmlns="" xmlns:a16="http://schemas.microsoft.com/office/drawing/2014/main" id="{E37145E9-AC61-47D5-9288-8789940F81B6}"/>
               </a:ext>
             </a:extLst>
           </p:cNvPr>
@@ -12977,7 +14551,7 @@
           <p:cNvPr id="12" name="Freeform: Shape 11">
             <a:extLst>
               <a:ext uri="{FF2B5EF4-FFF2-40B4-BE49-F238E27FC236}">
-                <a16:creationId xmlns:a16="http://schemas.microsoft.com/office/drawing/2014/main" xmlns="" id="{A5E2B3ED-9A49-40A7-B8A3-62595FE513F9}"/>
+                <a16:creationId xmlns="" xmlns:a16="http://schemas.microsoft.com/office/drawing/2014/main" id="{A5E2B3ED-9A49-40A7-B8A3-62595FE513F9}"/>
               </a:ext>
             </a:extLst>
           </p:cNvPr>
@@ -13127,7 +14701,7 @@
           <p:cNvPr id="8" name="Freeform: Shape 7">
             <a:extLst>
               <a:ext uri="{FF2B5EF4-FFF2-40B4-BE49-F238E27FC236}">
-                <a16:creationId xmlns:a16="http://schemas.microsoft.com/office/drawing/2014/main" xmlns="" id="{1599AF7E-3E34-4597-AA72-9373A7FDB020}"/>
+                <a16:creationId xmlns="" xmlns:a16="http://schemas.microsoft.com/office/drawing/2014/main" id="{1599AF7E-3E34-4597-AA72-9373A7FDB020}"/>
               </a:ext>
             </a:extLst>
           </p:cNvPr>
@@ -13273,7 +14847,7 @@
           <p:cNvPr id="2" name="Title 1">
             <a:extLst>
               <a:ext uri="{FF2B5EF4-FFF2-40B4-BE49-F238E27FC236}">
-                <a16:creationId xmlns:a16="http://schemas.microsoft.com/office/drawing/2014/main" xmlns="" id="{4A2DF563-7FAC-46B3-B24C-7E45CD89DA2B}"/>
+                <a16:creationId xmlns="" xmlns:a16="http://schemas.microsoft.com/office/drawing/2014/main" id="{4A2DF563-7FAC-46B3-B24C-7E45CD89DA2B}"/>
               </a:ext>
             </a:extLst>
           </p:cNvPr>
@@ -13319,7 +14893,7 @@
           <p:cNvPr id="15" name="Group 14">
             <a:extLst>
               <a:ext uri="{FF2B5EF4-FFF2-40B4-BE49-F238E27FC236}">
-                <a16:creationId xmlns:a16="http://schemas.microsoft.com/office/drawing/2014/main" xmlns="" id="{7732E1E7-45E3-4264-8F26-66758696DD1E}"/>
+                <a16:creationId xmlns="" xmlns:a16="http://schemas.microsoft.com/office/drawing/2014/main" id="{7732E1E7-45E3-4264-8F26-66758696DD1E}"/>
               </a:ext>
             </a:extLst>
           </p:cNvPr>
@@ -13339,7 +14913,7 @@
             <p:cNvPr id="16" name="Freeform: Shape 15">
               <a:extLst>
                 <a:ext uri="{FF2B5EF4-FFF2-40B4-BE49-F238E27FC236}">
-                  <a16:creationId xmlns:a16="http://schemas.microsoft.com/office/drawing/2014/main" xmlns="" id="{2E3DF883-8093-49FA-81E1-E5D77F086A25}"/>
+                  <a16:creationId xmlns="" xmlns:a16="http://schemas.microsoft.com/office/drawing/2014/main" id="{2E3DF883-8093-49FA-81E1-E5D77F086A25}"/>
                 </a:ext>
               </a:extLst>
             </p:cNvPr>
@@ -13429,7 +15003,7 @@
             <p:cNvPr id="17" name="Freeform: Shape 16">
               <a:extLst>
                 <a:ext uri="{FF2B5EF4-FFF2-40B4-BE49-F238E27FC236}">
-                  <a16:creationId xmlns:a16="http://schemas.microsoft.com/office/drawing/2014/main" xmlns="" id="{18944C90-37E5-4BBE-89FF-060627168050}"/>
+                  <a16:creationId xmlns="" xmlns:a16="http://schemas.microsoft.com/office/drawing/2014/main" id="{18944C90-37E5-4BBE-89FF-060627168050}"/>
                 </a:ext>
               </a:extLst>
             </p:cNvPr>
@@ -13528,7 +15102,7 @@
           <p:cNvPr id="6" name="Group 5">
             <a:extLst>
               <a:ext uri="{FF2B5EF4-FFF2-40B4-BE49-F238E27FC236}">
-                <a16:creationId xmlns:a16="http://schemas.microsoft.com/office/drawing/2014/main" xmlns="" id="{D9EBF8BB-A805-4DDB-B459-082F99815B95}"/>
+                <a16:creationId xmlns="" xmlns:a16="http://schemas.microsoft.com/office/drawing/2014/main" id="{D9EBF8BB-A805-4DDB-B459-082F99815B95}"/>
               </a:ext>
             </a:extLst>
           </p:cNvPr>
@@ -13548,7 +15122,7 @@
             <p:cNvPr id="19" name="Rectangle: Single Corner Snipped 18">
               <a:extLst>
                 <a:ext uri="{FF2B5EF4-FFF2-40B4-BE49-F238E27FC236}">
-                  <a16:creationId xmlns:a16="http://schemas.microsoft.com/office/drawing/2014/main" xmlns="" id="{5D638788-DD47-45E7-939A-FA108A818173}"/>
+                  <a16:creationId xmlns="" xmlns:a16="http://schemas.microsoft.com/office/drawing/2014/main" id="{5D638788-DD47-45E7-939A-FA108A818173}"/>
                 </a:ext>
               </a:extLst>
             </p:cNvPr>
@@ -13609,7 +15183,7 @@
             <p:cNvPr id="3" name="Rectangle: Single Corner Snipped 2">
               <a:extLst>
                 <a:ext uri="{FF2B5EF4-FFF2-40B4-BE49-F238E27FC236}">
-                  <a16:creationId xmlns:a16="http://schemas.microsoft.com/office/drawing/2014/main" xmlns="" id="{74BDECEF-EEFE-4332-B3B2-BDE4F82C10FC}"/>
+                  <a16:creationId xmlns="" xmlns:a16="http://schemas.microsoft.com/office/drawing/2014/main" id="{74BDECEF-EEFE-4332-B3B2-BDE4F82C10FC}"/>
                 </a:ext>
               </a:extLst>
             </p:cNvPr>
@@ -13666,7 +15240,7 @@
           <p:cNvPr id="26" name="Text Placeholder 22">
             <a:extLst>
               <a:ext uri="{FF2B5EF4-FFF2-40B4-BE49-F238E27FC236}">
-                <a16:creationId xmlns:a16="http://schemas.microsoft.com/office/drawing/2014/main" xmlns="" id="{2A19101D-7C37-42BF-8167-5391EA65EC3A}"/>
+                <a16:creationId xmlns="" xmlns:a16="http://schemas.microsoft.com/office/drawing/2014/main" id="{2A19101D-7C37-42BF-8167-5391EA65EC3A}"/>
               </a:ext>
             </a:extLst>
           </p:cNvPr>
@@ -13776,7 +15350,7 @@
           <p:cNvPr id="35" name="Freeform: Shape 34">
             <a:extLst>
               <a:ext uri="{FF2B5EF4-FFF2-40B4-BE49-F238E27FC236}">
-                <a16:creationId xmlns:a16="http://schemas.microsoft.com/office/drawing/2014/main" xmlns="" id="{62EEBF51-DCAD-4335-85E9-52801031A1BF}"/>
+                <a16:creationId xmlns="" xmlns:a16="http://schemas.microsoft.com/office/drawing/2014/main" id="{62EEBF51-DCAD-4335-85E9-52801031A1BF}"/>
               </a:ext>
             </a:extLst>
           </p:cNvPr>
@@ -13871,7 +15445,7 @@
           <p:cNvPr id="5" name="Slide Number Placeholder 4">
             <a:extLst>
               <a:ext uri="{FF2B5EF4-FFF2-40B4-BE49-F238E27FC236}">
-                <a16:creationId xmlns:a16="http://schemas.microsoft.com/office/drawing/2014/main" xmlns="" id="{87B51822-97FF-47A7-8E4E-A0F79B4EB237}"/>
+                <a16:creationId xmlns="" xmlns:a16="http://schemas.microsoft.com/office/drawing/2014/main" id="{87B51822-97FF-47A7-8E4E-A0F79B4EB237}"/>
               </a:ext>
             </a:extLst>
           </p:cNvPr>
@@ -13915,7 +15489,7 @@
           <p:cNvPr id="13" name="Picture Placeholder 12">
             <a:extLst>
               <a:ext uri="{FF2B5EF4-FFF2-40B4-BE49-F238E27FC236}">
-                <a16:creationId xmlns:a16="http://schemas.microsoft.com/office/drawing/2014/main" xmlns="" id="{231B97CF-FD24-4932-8459-893B1AC73D33}"/>
+                <a16:creationId xmlns="" xmlns:a16="http://schemas.microsoft.com/office/drawing/2014/main" id="{231B97CF-FD24-4932-8459-893B1AC73D33}"/>
               </a:ext>
             </a:extLst>
           </p:cNvPr>
@@ -13999,7 +15573,7 @@
           <p:cNvPr id="11" name="Rectangle 10">
             <a:extLst>
               <a:ext uri="{FF2B5EF4-FFF2-40B4-BE49-F238E27FC236}">
-                <a16:creationId xmlns:a16="http://schemas.microsoft.com/office/drawing/2014/main" xmlns="" id="{EB3E033F-4449-40FA-BC85-BD2712D313DD}"/>
+                <a16:creationId xmlns="" xmlns:a16="http://schemas.microsoft.com/office/drawing/2014/main" id="{EB3E033F-4449-40FA-BC85-BD2712D313DD}"/>
               </a:ext>
             </a:extLst>
           </p:cNvPr>
@@ -14053,7 +15627,7 @@
           <p:cNvPr id="10" name="Freeform: Shape 9">
             <a:extLst>
               <a:ext uri="{FF2B5EF4-FFF2-40B4-BE49-F238E27FC236}">
-                <a16:creationId xmlns:a16="http://schemas.microsoft.com/office/drawing/2014/main" xmlns="" id="{63D26743-0505-444C-80B3-E88EE87DF72B}"/>
+                <a16:creationId xmlns="" xmlns:a16="http://schemas.microsoft.com/office/drawing/2014/main" id="{63D26743-0505-444C-80B3-E88EE87DF72B}"/>
               </a:ext>
             </a:extLst>
           </p:cNvPr>
@@ -14176,7 +15750,7 @@
           <p:cNvPr id="18" name="Freeform: Shape 17">
             <a:extLst>
               <a:ext uri="{FF2B5EF4-FFF2-40B4-BE49-F238E27FC236}">
-                <a16:creationId xmlns:a16="http://schemas.microsoft.com/office/drawing/2014/main" xmlns="" id="{E37145E9-AC61-47D5-9288-8789940F81B6}"/>
+                <a16:creationId xmlns="" xmlns:a16="http://schemas.microsoft.com/office/drawing/2014/main" id="{E37145E9-AC61-47D5-9288-8789940F81B6}"/>
               </a:ext>
             </a:extLst>
           </p:cNvPr>
@@ -14328,7 +15902,7 @@
           <p:cNvPr id="12" name="Freeform: Shape 11">
             <a:extLst>
               <a:ext uri="{FF2B5EF4-FFF2-40B4-BE49-F238E27FC236}">
-                <a16:creationId xmlns:a16="http://schemas.microsoft.com/office/drawing/2014/main" xmlns="" id="{A5E2B3ED-9A49-40A7-B8A3-62595FE513F9}"/>
+                <a16:creationId xmlns="" xmlns:a16="http://schemas.microsoft.com/office/drawing/2014/main" id="{A5E2B3ED-9A49-40A7-B8A3-62595FE513F9}"/>
               </a:ext>
             </a:extLst>
           </p:cNvPr>
@@ -14478,7 +16052,7 @@
           <p:cNvPr id="8" name="Freeform: Shape 7">
             <a:extLst>
               <a:ext uri="{FF2B5EF4-FFF2-40B4-BE49-F238E27FC236}">
-                <a16:creationId xmlns:a16="http://schemas.microsoft.com/office/drawing/2014/main" xmlns="" id="{1599AF7E-3E34-4597-AA72-9373A7FDB020}"/>
+                <a16:creationId xmlns="" xmlns:a16="http://schemas.microsoft.com/office/drawing/2014/main" id="{1599AF7E-3E34-4597-AA72-9373A7FDB020}"/>
               </a:ext>
             </a:extLst>
           </p:cNvPr>
@@ -14624,7 +16198,7 @@
           <p:cNvPr id="2" name="Title 1">
             <a:extLst>
               <a:ext uri="{FF2B5EF4-FFF2-40B4-BE49-F238E27FC236}">
-                <a16:creationId xmlns:a16="http://schemas.microsoft.com/office/drawing/2014/main" xmlns="" id="{4A2DF563-7FAC-46B3-B24C-7E45CD89DA2B}"/>
+                <a16:creationId xmlns="" xmlns:a16="http://schemas.microsoft.com/office/drawing/2014/main" id="{4A2DF563-7FAC-46B3-B24C-7E45CD89DA2B}"/>
               </a:ext>
             </a:extLst>
           </p:cNvPr>
@@ -14670,7 +16244,7 @@
           <p:cNvPr id="15" name="Group 14">
             <a:extLst>
               <a:ext uri="{FF2B5EF4-FFF2-40B4-BE49-F238E27FC236}">
-                <a16:creationId xmlns:a16="http://schemas.microsoft.com/office/drawing/2014/main" xmlns="" id="{7732E1E7-45E3-4264-8F26-66758696DD1E}"/>
+                <a16:creationId xmlns="" xmlns:a16="http://schemas.microsoft.com/office/drawing/2014/main" id="{7732E1E7-45E3-4264-8F26-66758696DD1E}"/>
               </a:ext>
             </a:extLst>
           </p:cNvPr>
@@ -14690,7 +16264,7 @@
             <p:cNvPr id="16" name="Freeform: Shape 15">
               <a:extLst>
                 <a:ext uri="{FF2B5EF4-FFF2-40B4-BE49-F238E27FC236}">
-                  <a16:creationId xmlns:a16="http://schemas.microsoft.com/office/drawing/2014/main" xmlns="" id="{2E3DF883-8093-49FA-81E1-E5D77F086A25}"/>
+                  <a16:creationId xmlns="" xmlns:a16="http://schemas.microsoft.com/office/drawing/2014/main" id="{2E3DF883-8093-49FA-81E1-E5D77F086A25}"/>
                 </a:ext>
               </a:extLst>
             </p:cNvPr>
@@ -14780,7 +16354,7 @@
             <p:cNvPr id="17" name="Freeform: Shape 16">
               <a:extLst>
                 <a:ext uri="{FF2B5EF4-FFF2-40B4-BE49-F238E27FC236}">
-                  <a16:creationId xmlns:a16="http://schemas.microsoft.com/office/drawing/2014/main" xmlns="" id="{18944C90-37E5-4BBE-89FF-060627168050}"/>
+                  <a16:creationId xmlns="" xmlns:a16="http://schemas.microsoft.com/office/drawing/2014/main" id="{18944C90-37E5-4BBE-89FF-060627168050}"/>
                 </a:ext>
               </a:extLst>
             </p:cNvPr>
@@ -14879,7 +16453,7 @@
           <p:cNvPr id="6" name="Group 5">
             <a:extLst>
               <a:ext uri="{FF2B5EF4-FFF2-40B4-BE49-F238E27FC236}">
-                <a16:creationId xmlns:a16="http://schemas.microsoft.com/office/drawing/2014/main" xmlns="" id="{D9EBF8BB-A805-4DDB-B459-082F99815B95}"/>
+                <a16:creationId xmlns="" xmlns:a16="http://schemas.microsoft.com/office/drawing/2014/main" id="{D9EBF8BB-A805-4DDB-B459-082F99815B95}"/>
               </a:ext>
             </a:extLst>
           </p:cNvPr>
@@ -14899,7 +16473,7 @@
             <p:cNvPr id="19" name="Rectangle: Single Corner Snipped 18">
               <a:extLst>
                 <a:ext uri="{FF2B5EF4-FFF2-40B4-BE49-F238E27FC236}">
-                  <a16:creationId xmlns:a16="http://schemas.microsoft.com/office/drawing/2014/main" xmlns="" id="{5D638788-DD47-45E7-939A-FA108A818173}"/>
+                  <a16:creationId xmlns="" xmlns:a16="http://schemas.microsoft.com/office/drawing/2014/main" id="{5D638788-DD47-45E7-939A-FA108A818173}"/>
                 </a:ext>
               </a:extLst>
             </p:cNvPr>
@@ -14960,7 +16534,7 @@
             <p:cNvPr id="3" name="Rectangle: Single Corner Snipped 2">
               <a:extLst>
                 <a:ext uri="{FF2B5EF4-FFF2-40B4-BE49-F238E27FC236}">
-                  <a16:creationId xmlns:a16="http://schemas.microsoft.com/office/drawing/2014/main" xmlns="" id="{74BDECEF-EEFE-4332-B3B2-BDE4F82C10FC}"/>
+                  <a16:creationId xmlns="" xmlns:a16="http://schemas.microsoft.com/office/drawing/2014/main" id="{74BDECEF-EEFE-4332-B3B2-BDE4F82C10FC}"/>
                 </a:ext>
               </a:extLst>
             </p:cNvPr>
@@ -15017,7 +16591,7 @@
           <p:cNvPr id="35" name="Freeform: Shape 34">
             <a:extLst>
               <a:ext uri="{FF2B5EF4-FFF2-40B4-BE49-F238E27FC236}">
-                <a16:creationId xmlns:a16="http://schemas.microsoft.com/office/drawing/2014/main" xmlns="" id="{62EEBF51-DCAD-4335-85E9-52801031A1BF}"/>
+                <a16:creationId xmlns="" xmlns:a16="http://schemas.microsoft.com/office/drawing/2014/main" id="{62EEBF51-DCAD-4335-85E9-52801031A1BF}"/>
               </a:ext>
             </a:extLst>
           </p:cNvPr>
@@ -15112,7 +16686,7 @@
           <p:cNvPr id="5" name="Slide Number Placeholder 4">
             <a:extLst>
               <a:ext uri="{FF2B5EF4-FFF2-40B4-BE49-F238E27FC236}">
-                <a16:creationId xmlns:a16="http://schemas.microsoft.com/office/drawing/2014/main" xmlns="" id="{87B51822-97FF-47A7-8E4E-A0F79B4EB237}"/>
+                <a16:creationId xmlns="" xmlns:a16="http://schemas.microsoft.com/office/drawing/2014/main" id="{87B51822-97FF-47A7-8E4E-A0F79B4EB237}"/>
               </a:ext>
             </a:extLst>
           </p:cNvPr>
@@ -15156,7 +16730,7 @@
           <p:cNvPr id="20" name="Picture Placeholder 2">
             <a:extLst>
               <a:ext uri="{FF2B5EF4-FFF2-40B4-BE49-F238E27FC236}">
-                <a16:creationId xmlns:a16="http://schemas.microsoft.com/office/drawing/2014/main" xmlns="" id="{30B3A574-7940-4E35-857E-5CA35A5910E5}"/>
+                <a16:creationId xmlns="" xmlns:a16="http://schemas.microsoft.com/office/drawing/2014/main" id="{30B3A574-7940-4E35-857E-5CA35A5910E5}"/>
               </a:ext>
             </a:extLst>
           </p:cNvPr>
@@ -15233,7 +16807,7 @@
           <p:cNvPr id="21" name="Text Placeholder 3">
             <a:extLst>
               <a:ext uri="{FF2B5EF4-FFF2-40B4-BE49-F238E27FC236}">
-                <a16:creationId xmlns:a16="http://schemas.microsoft.com/office/drawing/2014/main" xmlns="" id="{912B51EA-3E6F-4BF6-BE48-62128AF32B85}"/>
+                <a16:creationId xmlns="" xmlns:a16="http://schemas.microsoft.com/office/drawing/2014/main" id="{912B51EA-3E6F-4BF6-BE48-62128AF32B85}"/>
               </a:ext>
             </a:extLst>
           </p:cNvPr>
@@ -15347,7 +16921,7 @@
           <p:cNvPr id="11" name="Rectangle 10">
             <a:extLst>
               <a:ext uri="{FF2B5EF4-FFF2-40B4-BE49-F238E27FC236}">
-                <a16:creationId xmlns:a16="http://schemas.microsoft.com/office/drawing/2014/main" xmlns="" id="{EB3E033F-4449-40FA-BC85-BD2712D313DD}"/>
+                <a16:creationId xmlns="" xmlns:a16="http://schemas.microsoft.com/office/drawing/2014/main" id="{EB3E033F-4449-40FA-BC85-BD2712D313DD}"/>
               </a:ext>
             </a:extLst>
           </p:cNvPr>
@@ -15401,7 +16975,7 @@
           <p:cNvPr id="10" name="Freeform: Shape 9">
             <a:extLst>
               <a:ext uri="{FF2B5EF4-FFF2-40B4-BE49-F238E27FC236}">
-                <a16:creationId xmlns:a16="http://schemas.microsoft.com/office/drawing/2014/main" xmlns="" id="{63D26743-0505-444C-80B3-E88EE87DF72B}"/>
+                <a16:creationId xmlns="" xmlns:a16="http://schemas.microsoft.com/office/drawing/2014/main" id="{63D26743-0505-444C-80B3-E88EE87DF72B}"/>
               </a:ext>
             </a:extLst>
           </p:cNvPr>
@@ -15524,7 +17098,7 @@
           <p:cNvPr id="18" name="Freeform: Shape 17">
             <a:extLst>
               <a:ext uri="{FF2B5EF4-FFF2-40B4-BE49-F238E27FC236}">
-                <a16:creationId xmlns:a16="http://schemas.microsoft.com/office/drawing/2014/main" xmlns="" id="{E37145E9-AC61-47D5-9288-8789940F81B6}"/>
+                <a16:creationId xmlns="" xmlns:a16="http://schemas.microsoft.com/office/drawing/2014/main" id="{E37145E9-AC61-47D5-9288-8789940F81B6}"/>
               </a:ext>
             </a:extLst>
           </p:cNvPr>
@@ -15676,7 +17250,7 @@
           <p:cNvPr id="12" name="Freeform: Shape 11">
             <a:extLst>
               <a:ext uri="{FF2B5EF4-FFF2-40B4-BE49-F238E27FC236}">
-                <a16:creationId xmlns:a16="http://schemas.microsoft.com/office/drawing/2014/main" xmlns="" id="{A5E2B3ED-9A49-40A7-B8A3-62595FE513F9}"/>
+                <a16:creationId xmlns="" xmlns:a16="http://schemas.microsoft.com/office/drawing/2014/main" id="{A5E2B3ED-9A49-40A7-B8A3-62595FE513F9}"/>
               </a:ext>
             </a:extLst>
           </p:cNvPr>
@@ -15826,7 +17400,7 @@
           <p:cNvPr id="8" name="Freeform: Shape 7">
             <a:extLst>
               <a:ext uri="{FF2B5EF4-FFF2-40B4-BE49-F238E27FC236}">
-                <a16:creationId xmlns:a16="http://schemas.microsoft.com/office/drawing/2014/main" xmlns="" id="{1599AF7E-3E34-4597-AA72-9373A7FDB020}"/>
+                <a16:creationId xmlns="" xmlns:a16="http://schemas.microsoft.com/office/drawing/2014/main" id="{1599AF7E-3E34-4597-AA72-9373A7FDB020}"/>
               </a:ext>
             </a:extLst>
           </p:cNvPr>
@@ -15972,7 +17546,7 @@
           <p:cNvPr id="2" name="Title 1">
             <a:extLst>
               <a:ext uri="{FF2B5EF4-FFF2-40B4-BE49-F238E27FC236}">
-                <a16:creationId xmlns:a16="http://schemas.microsoft.com/office/drawing/2014/main" xmlns="" id="{4A2DF563-7FAC-46B3-B24C-7E45CD89DA2B}"/>
+                <a16:creationId xmlns="" xmlns:a16="http://schemas.microsoft.com/office/drawing/2014/main" id="{4A2DF563-7FAC-46B3-B24C-7E45CD89DA2B}"/>
               </a:ext>
             </a:extLst>
           </p:cNvPr>
@@ -16018,7 +17592,7 @@
           <p:cNvPr id="15" name="Group 14">
             <a:extLst>
               <a:ext uri="{FF2B5EF4-FFF2-40B4-BE49-F238E27FC236}">
-                <a16:creationId xmlns:a16="http://schemas.microsoft.com/office/drawing/2014/main" xmlns="" id="{7732E1E7-45E3-4264-8F26-66758696DD1E}"/>
+                <a16:creationId xmlns="" xmlns:a16="http://schemas.microsoft.com/office/drawing/2014/main" id="{7732E1E7-45E3-4264-8F26-66758696DD1E}"/>
               </a:ext>
             </a:extLst>
           </p:cNvPr>
@@ -16038,7 +17612,7 @@
             <p:cNvPr id="16" name="Freeform: Shape 15">
               <a:extLst>
                 <a:ext uri="{FF2B5EF4-FFF2-40B4-BE49-F238E27FC236}">
-                  <a16:creationId xmlns:a16="http://schemas.microsoft.com/office/drawing/2014/main" xmlns="" id="{2E3DF883-8093-49FA-81E1-E5D77F086A25}"/>
+                  <a16:creationId xmlns="" xmlns:a16="http://schemas.microsoft.com/office/drawing/2014/main" id="{2E3DF883-8093-49FA-81E1-E5D77F086A25}"/>
                 </a:ext>
               </a:extLst>
             </p:cNvPr>
@@ -16128,7 +17702,7 @@
             <p:cNvPr id="17" name="Freeform: Shape 16">
               <a:extLst>
                 <a:ext uri="{FF2B5EF4-FFF2-40B4-BE49-F238E27FC236}">
-                  <a16:creationId xmlns:a16="http://schemas.microsoft.com/office/drawing/2014/main" xmlns="" id="{18944C90-37E5-4BBE-89FF-060627168050}"/>
+                  <a16:creationId xmlns="" xmlns:a16="http://schemas.microsoft.com/office/drawing/2014/main" id="{18944C90-37E5-4BBE-89FF-060627168050}"/>
                 </a:ext>
               </a:extLst>
             </p:cNvPr>
@@ -16227,7 +17801,7 @@
           <p:cNvPr id="6" name="Group 5">
             <a:extLst>
               <a:ext uri="{FF2B5EF4-FFF2-40B4-BE49-F238E27FC236}">
-                <a16:creationId xmlns:a16="http://schemas.microsoft.com/office/drawing/2014/main" xmlns="" id="{D9EBF8BB-A805-4DDB-B459-082F99815B95}"/>
+                <a16:creationId xmlns="" xmlns:a16="http://schemas.microsoft.com/office/drawing/2014/main" id="{D9EBF8BB-A805-4DDB-B459-082F99815B95}"/>
               </a:ext>
             </a:extLst>
           </p:cNvPr>
@@ -16247,7 +17821,7 @@
             <p:cNvPr id="19" name="Rectangle: Single Corner Snipped 18">
               <a:extLst>
                 <a:ext uri="{FF2B5EF4-FFF2-40B4-BE49-F238E27FC236}">
-                  <a16:creationId xmlns:a16="http://schemas.microsoft.com/office/drawing/2014/main" xmlns="" id="{5D638788-DD47-45E7-939A-FA108A818173}"/>
+                  <a16:creationId xmlns="" xmlns:a16="http://schemas.microsoft.com/office/drawing/2014/main" id="{5D638788-DD47-45E7-939A-FA108A818173}"/>
                 </a:ext>
               </a:extLst>
             </p:cNvPr>
@@ -16308,7 +17882,7 @@
             <p:cNvPr id="3" name="Rectangle: Single Corner Snipped 2">
               <a:extLst>
                 <a:ext uri="{FF2B5EF4-FFF2-40B4-BE49-F238E27FC236}">
-                  <a16:creationId xmlns:a16="http://schemas.microsoft.com/office/drawing/2014/main" xmlns="" id="{74BDECEF-EEFE-4332-B3B2-BDE4F82C10FC}"/>
+                  <a16:creationId xmlns="" xmlns:a16="http://schemas.microsoft.com/office/drawing/2014/main" id="{74BDECEF-EEFE-4332-B3B2-BDE4F82C10FC}"/>
                 </a:ext>
               </a:extLst>
             </p:cNvPr>
@@ -16365,7 +17939,7 @@
           <p:cNvPr id="35" name="Freeform: Shape 34">
             <a:extLst>
               <a:ext uri="{FF2B5EF4-FFF2-40B4-BE49-F238E27FC236}">
-                <a16:creationId xmlns:a16="http://schemas.microsoft.com/office/drawing/2014/main" xmlns="" id="{62EEBF51-DCAD-4335-85E9-52801031A1BF}"/>
+                <a16:creationId xmlns="" xmlns:a16="http://schemas.microsoft.com/office/drawing/2014/main" id="{62EEBF51-DCAD-4335-85E9-52801031A1BF}"/>
               </a:ext>
             </a:extLst>
           </p:cNvPr>
@@ -16460,7 +18034,7 @@
           <p:cNvPr id="5" name="Slide Number Placeholder 4">
             <a:extLst>
               <a:ext uri="{FF2B5EF4-FFF2-40B4-BE49-F238E27FC236}">
-                <a16:creationId xmlns:a16="http://schemas.microsoft.com/office/drawing/2014/main" xmlns="" id="{87B51822-97FF-47A7-8E4E-A0F79B4EB237}"/>
+                <a16:creationId xmlns="" xmlns:a16="http://schemas.microsoft.com/office/drawing/2014/main" id="{87B51822-97FF-47A7-8E4E-A0F79B4EB237}"/>
               </a:ext>
             </a:extLst>
           </p:cNvPr>
@@ -16504,7 +18078,7 @@
           <p:cNvPr id="21" name="Text Placeholder 3">
             <a:extLst>
               <a:ext uri="{FF2B5EF4-FFF2-40B4-BE49-F238E27FC236}">
-                <a16:creationId xmlns:a16="http://schemas.microsoft.com/office/drawing/2014/main" xmlns="" id="{912B51EA-3E6F-4BF6-BE48-62128AF32B85}"/>
+                <a16:creationId xmlns="" xmlns:a16="http://schemas.microsoft.com/office/drawing/2014/main" id="{912B51EA-3E6F-4BF6-BE48-62128AF32B85}"/>
               </a:ext>
             </a:extLst>
           </p:cNvPr>
@@ -16580,7 +18154,7 @@
           <p:cNvPr id="22" name="Content Placeholder 2">
             <a:extLst>
               <a:ext uri="{FF2B5EF4-FFF2-40B4-BE49-F238E27FC236}">
-                <a16:creationId xmlns:a16="http://schemas.microsoft.com/office/drawing/2014/main" xmlns="" id="{A015C605-1D30-48BC-A0D6-3B11AF56CC53}"/>
+                <a16:creationId xmlns="" xmlns:a16="http://schemas.microsoft.com/office/drawing/2014/main" id="{A015C605-1D30-48BC-A0D6-3B11AF56CC53}"/>
               </a:ext>
             </a:extLst>
           </p:cNvPr>
@@ -16723,7 +18297,7 @@
           <p:cNvPr id="18" name="Rectangle 17">
             <a:extLst>
               <a:ext uri="{FF2B5EF4-FFF2-40B4-BE49-F238E27FC236}">
-                <a16:creationId xmlns:a16="http://schemas.microsoft.com/office/drawing/2014/main" xmlns="" id="{D4494CD2-CCDD-0248-96F8-741002C44255}"/>
+                <a16:creationId xmlns="" xmlns:a16="http://schemas.microsoft.com/office/drawing/2014/main" id="{D4494CD2-CCDD-0248-96F8-741002C44255}"/>
               </a:ext>
             </a:extLst>
           </p:cNvPr>
@@ -16777,7 +18351,7 @@
           <p:cNvPr id="19" name="Freeform: Shape 9">
             <a:extLst>
               <a:ext uri="{FF2B5EF4-FFF2-40B4-BE49-F238E27FC236}">
-                <a16:creationId xmlns:a16="http://schemas.microsoft.com/office/drawing/2014/main" xmlns="" id="{07077B00-C1EE-7241-B441-7814F92A7EDF}"/>
+                <a16:creationId xmlns="" xmlns:a16="http://schemas.microsoft.com/office/drawing/2014/main" id="{07077B00-C1EE-7241-B441-7814F92A7EDF}"/>
               </a:ext>
             </a:extLst>
           </p:cNvPr>
@@ -16900,7 +18474,7 @@
           <p:cNvPr id="20" name="Freeform: Shape 17">
             <a:extLst>
               <a:ext uri="{FF2B5EF4-FFF2-40B4-BE49-F238E27FC236}">
-                <a16:creationId xmlns:a16="http://schemas.microsoft.com/office/drawing/2014/main" xmlns="" id="{3A1AEBC4-637E-F64C-9192-69AC4BB26D0C}"/>
+                <a16:creationId xmlns="" xmlns:a16="http://schemas.microsoft.com/office/drawing/2014/main" id="{3A1AEBC4-637E-F64C-9192-69AC4BB26D0C}"/>
               </a:ext>
             </a:extLst>
           </p:cNvPr>
@@ -17052,7 +18626,7 @@
           <p:cNvPr id="21" name="Freeform: Shape 11">
             <a:extLst>
               <a:ext uri="{FF2B5EF4-FFF2-40B4-BE49-F238E27FC236}">
-                <a16:creationId xmlns:a16="http://schemas.microsoft.com/office/drawing/2014/main" xmlns="" id="{669A7039-C54C-8E46-9A8B-DDB2547D989C}"/>
+                <a16:creationId xmlns="" xmlns:a16="http://schemas.microsoft.com/office/drawing/2014/main" id="{669A7039-C54C-8E46-9A8B-DDB2547D989C}"/>
               </a:ext>
             </a:extLst>
           </p:cNvPr>
@@ -17202,7 +18776,7 @@
           <p:cNvPr id="22" name="Freeform: Shape 7">
             <a:extLst>
               <a:ext uri="{FF2B5EF4-FFF2-40B4-BE49-F238E27FC236}">
-                <a16:creationId xmlns:a16="http://schemas.microsoft.com/office/drawing/2014/main" xmlns="" id="{4F173B32-87BB-9A40-8C91-4C1EED2B7ABF}"/>
+                <a16:creationId xmlns="" xmlns:a16="http://schemas.microsoft.com/office/drawing/2014/main" id="{4F173B32-87BB-9A40-8C91-4C1EED2B7ABF}"/>
               </a:ext>
             </a:extLst>
           </p:cNvPr>
@@ -17348,7 +18922,7 @@
           <p:cNvPr id="24" name="Group 23">
             <a:extLst>
               <a:ext uri="{FF2B5EF4-FFF2-40B4-BE49-F238E27FC236}">
-                <a16:creationId xmlns:a16="http://schemas.microsoft.com/office/drawing/2014/main" xmlns="" id="{4AC87F4E-12B5-1B42-AFD2-4DB39B7645C9}"/>
+                <a16:creationId xmlns="" xmlns:a16="http://schemas.microsoft.com/office/drawing/2014/main" id="{4AC87F4E-12B5-1B42-AFD2-4DB39B7645C9}"/>
               </a:ext>
             </a:extLst>
           </p:cNvPr>
@@ -17368,7 +18942,7 @@
             <p:cNvPr id="25" name="Freeform: Shape 15">
               <a:extLst>
                 <a:ext uri="{FF2B5EF4-FFF2-40B4-BE49-F238E27FC236}">
-                  <a16:creationId xmlns:a16="http://schemas.microsoft.com/office/drawing/2014/main" xmlns="" id="{03DD8765-59DF-A045-ADB5-E39FAEE153A0}"/>
+                  <a16:creationId xmlns="" xmlns:a16="http://schemas.microsoft.com/office/drawing/2014/main" id="{03DD8765-59DF-A045-ADB5-E39FAEE153A0}"/>
                 </a:ext>
               </a:extLst>
             </p:cNvPr>
@@ -17458,7 +19032,7 @@
             <p:cNvPr id="26" name="Freeform: Shape 16">
               <a:extLst>
                 <a:ext uri="{FF2B5EF4-FFF2-40B4-BE49-F238E27FC236}">
-                  <a16:creationId xmlns:a16="http://schemas.microsoft.com/office/drawing/2014/main" xmlns="" id="{B34B796C-A407-7B4D-B4F0-E58A44FE8DB4}"/>
+                  <a16:creationId xmlns="" xmlns:a16="http://schemas.microsoft.com/office/drawing/2014/main" id="{B34B796C-A407-7B4D-B4F0-E58A44FE8DB4}"/>
                 </a:ext>
               </a:extLst>
             </p:cNvPr>
@@ -17557,7 +19131,7 @@
           <p:cNvPr id="30" name="Freeform: Shape 23">
             <a:extLst>
               <a:ext uri="{FF2B5EF4-FFF2-40B4-BE49-F238E27FC236}">
-                <a16:creationId xmlns:a16="http://schemas.microsoft.com/office/drawing/2014/main" xmlns="" id="{CBE3FDC9-67CB-FA42-B127-A36BFF4678BB}"/>
+                <a16:creationId xmlns="" xmlns:a16="http://schemas.microsoft.com/office/drawing/2014/main" id="{CBE3FDC9-67CB-FA42-B127-A36BFF4678BB}"/>
               </a:ext>
             </a:extLst>
           </p:cNvPr>
@@ -17652,7 +19226,7 @@
           <p:cNvPr id="31" name="Slide Number Placeholder 4">
             <a:extLst>
               <a:ext uri="{FF2B5EF4-FFF2-40B4-BE49-F238E27FC236}">
-                <a16:creationId xmlns:a16="http://schemas.microsoft.com/office/drawing/2014/main" xmlns="" id="{1E902BFF-CA8F-D745-A819-A7BB38B30ED9}"/>
+                <a16:creationId xmlns="" xmlns:a16="http://schemas.microsoft.com/office/drawing/2014/main" id="{1E902BFF-CA8F-D745-A819-A7BB38B30ED9}"/>
               </a:ext>
             </a:extLst>
           </p:cNvPr>
@@ -17726,7 +19300,7 @@
           <p:cNvPr id="21" name="Rectangle 20">
             <a:extLst>
               <a:ext uri="{FF2B5EF4-FFF2-40B4-BE49-F238E27FC236}">
-                <a16:creationId xmlns:a16="http://schemas.microsoft.com/office/drawing/2014/main" xmlns="" id="{6E739168-A5E8-443A-B392-7AD4CF8977AD}"/>
+                <a16:creationId xmlns="" xmlns:a16="http://schemas.microsoft.com/office/drawing/2014/main" id="{6E739168-A5E8-443A-B392-7AD4CF8977AD}"/>
               </a:ext>
             </a:extLst>
           </p:cNvPr>
@@ -17778,7 +19352,7 @@
           <p:cNvPr id="15" name="Freeform: Shape 14">
             <a:extLst>
               <a:ext uri="{FF2B5EF4-FFF2-40B4-BE49-F238E27FC236}">
-                <a16:creationId xmlns:a16="http://schemas.microsoft.com/office/drawing/2014/main" xmlns="" id="{41E10E1E-5268-4F03-BA64-07E19DE26739}"/>
+                <a16:creationId xmlns="" xmlns:a16="http://schemas.microsoft.com/office/drawing/2014/main" id="{41E10E1E-5268-4F03-BA64-07E19DE26739}"/>
               </a:ext>
             </a:extLst>
           </p:cNvPr>
@@ -17915,7 +19489,7 @@
           <p:cNvPr id="16" name="Freeform: Shape 15">
             <a:extLst>
               <a:ext uri="{FF2B5EF4-FFF2-40B4-BE49-F238E27FC236}">
-                <a16:creationId xmlns:a16="http://schemas.microsoft.com/office/drawing/2014/main" xmlns="" id="{B989C45D-BDFF-418F-BE79-03FF70015770}"/>
+                <a16:creationId xmlns="" xmlns:a16="http://schemas.microsoft.com/office/drawing/2014/main" id="{B989C45D-BDFF-418F-BE79-03FF70015770}"/>
               </a:ext>
             </a:extLst>
           </p:cNvPr>
@@ -18079,7 +19653,7 @@
           <p:cNvPr id="20" name="Freeform: Shape 19">
             <a:extLst>
               <a:ext uri="{FF2B5EF4-FFF2-40B4-BE49-F238E27FC236}">
-                <a16:creationId xmlns:a16="http://schemas.microsoft.com/office/drawing/2014/main" xmlns="" id="{0027A677-9ACB-4264-B148-4806678FB83F}"/>
+                <a16:creationId xmlns="" xmlns:a16="http://schemas.microsoft.com/office/drawing/2014/main" id="{0027A677-9ACB-4264-B148-4806678FB83F}"/>
               </a:ext>
             </a:extLst>
           </p:cNvPr>
@@ -18241,7 +19815,7 @@
           <p:cNvPr id="6" name="Group 5">
             <a:extLst>
               <a:ext uri="{FF2B5EF4-FFF2-40B4-BE49-F238E27FC236}">
-                <a16:creationId xmlns:a16="http://schemas.microsoft.com/office/drawing/2014/main" xmlns="" id="{EA7FF9D7-8545-4547-AC77-A0421EEB9B99}"/>
+                <a16:creationId xmlns="" xmlns:a16="http://schemas.microsoft.com/office/drawing/2014/main" id="{EA7FF9D7-8545-4547-AC77-A0421EEB9B99}"/>
               </a:ext>
             </a:extLst>
           </p:cNvPr>
@@ -18261,7 +19835,7 @@
             <p:cNvPr id="17" name="Right Triangle 16">
               <a:extLst>
                 <a:ext uri="{FF2B5EF4-FFF2-40B4-BE49-F238E27FC236}">
-                  <a16:creationId xmlns:a16="http://schemas.microsoft.com/office/drawing/2014/main" xmlns="" id="{8DCD5806-2A2F-4ABF-8057-245681C498E6}"/>
+                  <a16:creationId xmlns="" xmlns:a16="http://schemas.microsoft.com/office/drawing/2014/main" id="{8DCD5806-2A2F-4ABF-8057-245681C498E6}"/>
                 </a:ext>
               </a:extLst>
             </p:cNvPr>
@@ -18315,7 +19889,7 @@
             <p:cNvPr id="18" name="Right Triangle 17">
               <a:extLst>
                 <a:ext uri="{FF2B5EF4-FFF2-40B4-BE49-F238E27FC236}">
-                  <a16:creationId xmlns:a16="http://schemas.microsoft.com/office/drawing/2014/main" xmlns="" id="{3A93038F-E9E4-4FFD-B3DF-28DB7C2C1490}"/>
+                  <a16:creationId xmlns="" xmlns:a16="http://schemas.microsoft.com/office/drawing/2014/main" id="{3A93038F-E9E4-4FFD-B3DF-28DB7C2C1490}"/>
                 </a:ext>
               </a:extLst>
             </p:cNvPr>
@@ -18372,7 +19946,7 @@
             <p:cNvPr id="19" name="Right Triangle 18">
               <a:extLst>
                 <a:ext uri="{FF2B5EF4-FFF2-40B4-BE49-F238E27FC236}">
-                  <a16:creationId xmlns:a16="http://schemas.microsoft.com/office/drawing/2014/main" xmlns="" id="{5DEA1E02-BBD0-4AE3-AF22-433B90272178}"/>
+                  <a16:creationId xmlns="" xmlns:a16="http://schemas.microsoft.com/office/drawing/2014/main" id="{5DEA1E02-BBD0-4AE3-AF22-433B90272178}"/>
                 </a:ext>
               </a:extLst>
             </p:cNvPr>
@@ -18427,7 +20001,7 @@
           <p:cNvPr id="2" name="Title 1">
             <a:extLst>
               <a:ext uri="{FF2B5EF4-FFF2-40B4-BE49-F238E27FC236}">
-                <a16:creationId xmlns:a16="http://schemas.microsoft.com/office/drawing/2014/main" xmlns="" id="{9E597736-C478-4C26-9BAF-205FE31E977C}"/>
+                <a16:creationId xmlns="" xmlns:a16="http://schemas.microsoft.com/office/drawing/2014/main" id="{9E597736-C478-4C26-9BAF-205FE31E977C}"/>
               </a:ext>
             </a:extLst>
           </p:cNvPr>
@@ -18505,7 +20079,7 @@
           <p:cNvPr id="21" name="Rectangle 20">
             <a:extLst>
               <a:ext uri="{FF2B5EF4-FFF2-40B4-BE49-F238E27FC236}">
-                <a16:creationId xmlns:a16="http://schemas.microsoft.com/office/drawing/2014/main" xmlns="" id="{6E739168-A5E8-443A-B392-7AD4CF8977AD}"/>
+                <a16:creationId xmlns="" xmlns:a16="http://schemas.microsoft.com/office/drawing/2014/main" id="{6E739168-A5E8-443A-B392-7AD4CF8977AD}"/>
               </a:ext>
             </a:extLst>
           </p:cNvPr>
@@ -18557,7 +20131,7 @@
           <p:cNvPr id="15" name="Freeform: Shape 14">
             <a:extLst>
               <a:ext uri="{FF2B5EF4-FFF2-40B4-BE49-F238E27FC236}">
-                <a16:creationId xmlns:a16="http://schemas.microsoft.com/office/drawing/2014/main" xmlns="" id="{41E10E1E-5268-4F03-BA64-07E19DE26739}"/>
+                <a16:creationId xmlns="" xmlns:a16="http://schemas.microsoft.com/office/drawing/2014/main" id="{41E10E1E-5268-4F03-BA64-07E19DE26739}"/>
               </a:ext>
             </a:extLst>
           </p:cNvPr>
@@ -18694,7 +20268,7 @@
           <p:cNvPr id="16" name="Freeform: Shape 15">
             <a:extLst>
               <a:ext uri="{FF2B5EF4-FFF2-40B4-BE49-F238E27FC236}">
-                <a16:creationId xmlns:a16="http://schemas.microsoft.com/office/drawing/2014/main" xmlns="" id="{B989C45D-BDFF-418F-BE79-03FF70015770}"/>
+                <a16:creationId xmlns="" xmlns:a16="http://schemas.microsoft.com/office/drawing/2014/main" id="{B989C45D-BDFF-418F-BE79-03FF70015770}"/>
               </a:ext>
             </a:extLst>
           </p:cNvPr>
@@ -18858,7 +20432,7 @@
           <p:cNvPr id="20" name="Freeform: Shape 19">
             <a:extLst>
               <a:ext uri="{FF2B5EF4-FFF2-40B4-BE49-F238E27FC236}">
-                <a16:creationId xmlns:a16="http://schemas.microsoft.com/office/drawing/2014/main" xmlns="" id="{0027A677-9ACB-4264-B148-4806678FB83F}"/>
+                <a16:creationId xmlns="" xmlns:a16="http://schemas.microsoft.com/office/drawing/2014/main" id="{0027A677-9ACB-4264-B148-4806678FB83F}"/>
               </a:ext>
             </a:extLst>
           </p:cNvPr>
@@ -19020,7 +20594,7 @@
           <p:cNvPr id="2" name="Title 1">
             <a:extLst>
               <a:ext uri="{FF2B5EF4-FFF2-40B4-BE49-F238E27FC236}">
-                <a16:creationId xmlns:a16="http://schemas.microsoft.com/office/drawing/2014/main" xmlns="" id="{9E597736-C478-4C26-9BAF-205FE31E977C}"/>
+                <a16:creationId xmlns="" xmlns:a16="http://schemas.microsoft.com/office/drawing/2014/main" id="{9E597736-C478-4C26-9BAF-205FE31E977C}"/>
               </a:ext>
             </a:extLst>
           </p:cNvPr>
@@ -19068,7 +20642,7 @@
           <p:cNvPr id="35" name="Freeform: Shape 34">
             <a:extLst>
               <a:ext uri="{FF2B5EF4-FFF2-40B4-BE49-F238E27FC236}">
-                <a16:creationId xmlns:a16="http://schemas.microsoft.com/office/drawing/2014/main" xmlns="" id="{C024DCDB-C6BF-455E-AAB8-EAF9DAB302A1}"/>
+                <a16:creationId xmlns="" xmlns:a16="http://schemas.microsoft.com/office/drawing/2014/main" id="{C024DCDB-C6BF-455E-AAB8-EAF9DAB302A1}"/>
               </a:ext>
             </a:extLst>
           </p:cNvPr>
@@ -19176,7 +20750,7 @@
           <p:cNvPr id="32" name="Freeform: Shape 31">
             <a:extLst>
               <a:ext uri="{FF2B5EF4-FFF2-40B4-BE49-F238E27FC236}">
-                <a16:creationId xmlns:a16="http://schemas.microsoft.com/office/drawing/2014/main" xmlns="" id="{26AFB47A-5D51-4F9C-B01B-977CE5E3C093}"/>
+                <a16:creationId xmlns="" xmlns:a16="http://schemas.microsoft.com/office/drawing/2014/main" id="{26AFB47A-5D51-4F9C-B01B-977CE5E3C093}"/>
               </a:ext>
             </a:extLst>
           </p:cNvPr>
@@ -19292,7 +20866,7 @@
           <p:cNvPr id="30" name="Freeform: Shape 29">
             <a:extLst>
               <a:ext uri="{FF2B5EF4-FFF2-40B4-BE49-F238E27FC236}">
-                <a16:creationId xmlns:a16="http://schemas.microsoft.com/office/drawing/2014/main" xmlns="" id="{6997A4FF-7390-4173-8ACD-6CF7145AACEC}"/>
+                <a16:creationId xmlns="" xmlns:a16="http://schemas.microsoft.com/office/drawing/2014/main" id="{6997A4FF-7390-4173-8ACD-6CF7145AACEC}"/>
               </a:ext>
             </a:extLst>
           </p:cNvPr>
@@ -19431,7 +21005,7 @@
           <p:cNvPr id="7" name="Rectangle 6">
             <a:extLst>
               <a:ext uri="{FF2B5EF4-FFF2-40B4-BE49-F238E27FC236}">
-                <a16:creationId xmlns:a16="http://schemas.microsoft.com/office/drawing/2014/main" xmlns="" id="{B2838D16-809E-4EB1-8C0C-0E63D8139112}"/>
+                <a16:creationId xmlns="" xmlns:a16="http://schemas.microsoft.com/office/drawing/2014/main" id="{B2838D16-809E-4EB1-8C0C-0E63D8139112}"/>
               </a:ext>
             </a:extLst>
           </p:cNvPr>
@@ -19483,7 +21057,7 @@
           <p:cNvPr id="8" name="Freeform: Shape 7">
             <a:extLst>
               <a:ext uri="{FF2B5EF4-FFF2-40B4-BE49-F238E27FC236}">
-                <a16:creationId xmlns:a16="http://schemas.microsoft.com/office/drawing/2014/main" xmlns="" id="{01FEB333-94B4-4E53-9019-D584810903BB}"/>
+                <a16:creationId xmlns="" xmlns:a16="http://schemas.microsoft.com/office/drawing/2014/main" id="{01FEB333-94B4-4E53-9019-D584810903BB}"/>
               </a:ext>
             </a:extLst>
           </p:cNvPr>
@@ -19604,7 +21178,7 @@
           <p:cNvPr id="9" name="Freeform: Shape 8">
             <a:extLst>
               <a:ext uri="{FF2B5EF4-FFF2-40B4-BE49-F238E27FC236}">
-                <a16:creationId xmlns:a16="http://schemas.microsoft.com/office/drawing/2014/main" xmlns="" id="{A59B9489-0CD9-4DB7-AC82-6E7867F91403}"/>
+                <a16:creationId xmlns="" xmlns:a16="http://schemas.microsoft.com/office/drawing/2014/main" id="{A59B9489-0CD9-4DB7-AC82-6E7867F91403}"/>
               </a:ext>
             </a:extLst>
           </p:cNvPr>
@@ -19744,7 +21318,7 @@
           <p:cNvPr id="10" name="Right Triangle 9">
             <a:extLst>
               <a:ext uri="{FF2B5EF4-FFF2-40B4-BE49-F238E27FC236}">
-                <a16:creationId xmlns:a16="http://schemas.microsoft.com/office/drawing/2014/main" xmlns="" id="{A55D1C76-C591-4FA5-9780-87AB6B37C0FA}"/>
+                <a16:creationId xmlns="" xmlns:a16="http://schemas.microsoft.com/office/drawing/2014/main" id="{A55D1C76-C591-4FA5-9780-87AB6B37C0FA}"/>
               </a:ext>
             </a:extLst>
           </p:cNvPr>
@@ -19798,7 +21372,7 @@
           <p:cNvPr id="11" name="Freeform: Shape 10">
             <a:extLst>
               <a:ext uri="{FF2B5EF4-FFF2-40B4-BE49-F238E27FC236}">
-                <a16:creationId xmlns:a16="http://schemas.microsoft.com/office/drawing/2014/main" xmlns="" id="{A7DC1D12-670F-4235-8791-FA8C2B330871}"/>
+                <a16:creationId xmlns="" xmlns:a16="http://schemas.microsoft.com/office/drawing/2014/main" id="{A7DC1D12-670F-4235-8791-FA8C2B330871}"/>
               </a:ext>
             </a:extLst>
           </p:cNvPr>
@@ -19944,7 +21518,7 @@
           <p:cNvPr id="12" name="Freeform: Shape 11">
             <a:extLst>
               <a:ext uri="{FF2B5EF4-FFF2-40B4-BE49-F238E27FC236}">
-                <a16:creationId xmlns:a16="http://schemas.microsoft.com/office/drawing/2014/main" xmlns="" id="{859569CF-FDAC-47C4-A0F5-296F7117C398}"/>
+                <a16:creationId xmlns="" xmlns:a16="http://schemas.microsoft.com/office/drawing/2014/main" id="{859569CF-FDAC-47C4-A0F5-296F7117C398}"/>
               </a:ext>
             </a:extLst>
           </p:cNvPr>
@@ -20044,7 +21618,7 @@
           <p:cNvPr id="13" name="Freeform: Shape 12">
             <a:extLst>
               <a:ext uri="{FF2B5EF4-FFF2-40B4-BE49-F238E27FC236}">
-                <a16:creationId xmlns:a16="http://schemas.microsoft.com/office/drawing/2014/main" xmlns="" id="{D68D0C72-2B2C-4C85-A091-157853C71784}"/>
+                <a16:creationId xmlns="" xmlns:a16="http://schemas.microsoft.com/office/drawing/2014/main" id="{D68D0C72-2B2C-4C85-A091-157853C71784}"/>
               </a:ext>
             </a:extLst>
           </p:cNvPr>
@@ -20152,7 +21726,7 @@
           <p:cNvPr id="14" name="Freeform: Shape 13">
             <a:extLst>
               <a:ext uri="{FF2B5EF4-FFF2-40B4-BE49-F238E27FC236}">
-                <a16:creationId xmlns:a16="http://schemas.microsoft.com/office/drawing/2014/main" xmlns="" id="{8E25334A-5FE3-4DDA-8D32-4796CCFCAA74}"/>
+                <a16:creationId xmlns="" xmlns:a16="http://schemas.microsoft.com/office/drawing/2014/main" id="{8E25334A-5FE3-4DDA-8D32-4796CCFCAA74}"/>
               </a:ext>
             </a:extLst>
           </p:cNvPr>
@@ -20244,7 +21818,7 @@
           <p:cNvPr id="15" name="Freeform: Shape 14">
             <a:extLst>
               <a:ext uri="{FF2B5EF4-FFF2-40B4-BE49-F238E27FC236}">
-                <a16:creationId xmlns:a16="http://schemas.microsoft.com/office/drawing/2014/main" xmlns="" id="{18818DF1-D7FD-4C0F-875D-7A07E8F75C06}"/>
+                <a16:creationId xmlns="" xmlns:a16="http://schemas.microsoft.com/office/drawing/2014/main" id="{18818DF1-D7FD-4C0F-875D-7A07E8F75C06}"/>
               </a:ext>
             </a:extLst>
           </p:cNvPr>
@@ -20344,7 +21918,7 @@
           <p:cNvPr id="16" name="Group 15">
             <a:extLst>
               <a:ext uri="{FF2B5EF4-FFF2-40B4-BE49-F238E27FC236}">
-                <a16:creationId xmlns:a16="http://schemas.microsoft.com/office/drawing/2014/main" xmlns="" id="{8F9BB384-9E14-4CEA-82C1-21837229D3EF}"/>
+                <a16:creationId xmlns="" xmlns:a16="http://schemas.microsoft.com/office/drawing/2014/main" id="{8F9BB384-9E14-4CEA-82C1-21837229D3EF}"/>
               </a:ext>
             </a:extLst>
           </p:cNvPr>
@@ -20364,7 +21938,7 @@
             <p:cNvPr id="17" name="Freeform: Shape 16">
               <a:extLst>
                 <a:ext uri="{FF2B5EF4-FFF2-40B4-BE49-F238E27FC236}">
-                  <a16:creationId xmlns:a16="http://schemas.microsoft.com/office/drawing/2014/main" xmlns="" id="{0862A81A-959D-4EAB-90ED-DB20759BB397}"/>
+                  <a16:creationId xmlns="" xmlns:a16="http://schemas.microsoft.com/office/drawing/2014/main" id="{0862A81A-959D-4EAB-90ED-DB20759BB397}"/>
                 </a:ext>
               </a:extLst>
             </p:cNvPr>
@@ -20454,7 +22028,7 @@
             <p:cNvPr id="18" name="Freeform: Shape 17">
               <a:extLst>
                 <a:ext uri="{FF2B5EF4-FFF2-40B4-BE49-F238E27FC236}">
-                  <a16:creationId xmlns:a16="http://schemas.microsoft.com/office/drawing/2014/main" xmlns="" id="{AAB9E28C-9422-42BD-AECE-29B44B5D63E2}"/>
+                  <a16:creationId xmlns="" xmlns:a16="http://schemas.microsoft.com/office/drawing/2014/main" id="{AAB9E28C-9422-42BD-AECE-29B44B5D63E2}"/>
                 </a:ext>
               </a:extLst>
             </p:cNvPr>
@@ -20553,7 +22127,7 @@
           <p:cNvPr id="19" name="Group 18">
             <a:extLst>
               <a:ext uri="{FF2B5EF4-FFF2-40B4-BE49-F238E27FC236}">
-                <a16:creationId xmlns:a16="http://schemas.microsoft.com/office/drawing/2014/main" xmlns="" id="{2772239B-C46D-4458-BB4B-DDB12FAB0172}"/>
+                <a16:creationId xmlns="" xmlns:a16="http://schemas.microsoft.com/office/drawing/2014/main" id="{2772239B-C46D-4458-BB4B-DDB12FAB0172}"/>
               </a:ext>
             </a:extLst>
           </p:cNvPr>
@@ -20573,7 +22147,7 @@
             <p:cNvPr id="20" name="Freeform: Shape 19">
               <a:extLst>
                 <a:ext uri="{FF2B5EF4-FFF2-40B4-BE49-F238E27FC236}">
-                  <a16:creationId xmlns:a16="http://schemas.microsoft.com/office/drawing/2014/main" xmlns="" id="{3C8A2A1A-1FB9-4CA1-B74E-B293187E51AA}"/>
+                  <a16:creationId xmlns="" xmlns:a16="http://schemas.microsoft.com/office/drawing/2014/main" id="{3C8A2A1A-1FB9-4CA1-B74E-B293187E51AA}"/>
                 </a:ext>
               </a:extLst>
             </p:cNvPr>
@@ -20663,7 +22237,7 @@
             <p:cNvPr id="21" name="Freeform: Shape 20">
               <a:extLst>
                 <a:ext uri="{FF2B5EF4-FFF2-40B4-BE49-F238E27FC236}">
-                  <a16:creationId xmlns:a16="http://schemas.microsoft.com/office/drawing/2014/main" xmlns="" id="{DF2B18BA-6B43-40FA-A23B-D894D6AB468B}"/>
+                  <a16:creationId xmlns="" xmlns:a16="http://schemas.microsoft.com/office/drawing/2014/main" id="{DF2B18BA-6B43-40FA-A23B-D894D6AB468B}"/>
                 </a:ext>
               </a:extLst>
             </p:cNvPr>
@@ -20762,7 +22336,7 @@
           <p:cNvPr id="3" name="Text Placeholder 2">
             <a:extLst>
               <a:ext uri="{FF2B5EF4-FFF2-40B4-BE49-F238E27FC236}">
-                <a16:creationId xmlns:a16="http://schemas.microsoft.com/office/drawing/2014/main" xmlns="" id="{5E194264-A3F5-42E2-9A63-DCCED0457E1B}"/>
+                <a16:creationId xmlns="" xmlns:a16="http://schemas.microsoft.com/office/drawing/2014/main" id="{5E194264-A3F5-42E2-9A63-DCCED0457E1B}"/>
               </a:ext>
             </a:extLst>
           </p:cNvPr>
@@ -20812,7 +22386,7 @@
           <p:cNvPr id="22" name="Slide Number Placeholder 4">
             <a:extLst>
               <a:ext uri="{FF2B5EF4-FFF2-40B4-BE49-F238E27FC236}">
-                <a16:creationId xmlns:a16="http://schemas.microsoft.com/office/drawing/2014/main" xmlns="" id="{0F332671-6296-47C8-BF26-B2D962F5D03D}"/>
+                <a16:creationId xmlns="" xmlns:a16="http://schemas.microsoft.com/office/drawing/2014/main" id="{0F332671-6296-47C8-BF26-B2D962F5D03D}"/>
               </a:ext>
             </a:extLst>
           </p:cNvPr>
@@ -20856,7 +22430,7 @@
           <p:cNvPr id="23" name="Title 1">
             <a:extLst>
               <a:ext uri="{FF2B5EF4-FFF2-40B4-BE49-F238E27FC236}">
-                <a16:creationId xmlns:a16="http://schemas.microsoft.com/office/drawing/2014/main" xmlns="" id="{7772A652-7229-2B42-B87B-298C31D6F0CB}"/>
+                <a16:creationId xmlns="" xmlns:a16="http://schemas.microsoft.com/office/drawing/2014/main" id="{7772A652-7229-2B42-B87B-298C31D6F0CB}"/>
               </a:ext>
             </a:extLst>
           </p:cNvPr>
@@ -20932,7 +22506,7 @@
           <p:cNvPr id="22" name="Rectangle 21">
             <a:extLst>
               <a:ext uri="{FF2B5EF4-FFF2-40B4-BE49-F238E27FC236}">
-                <a16:creationId xmlns:a16="http://schemas.microsoft.com/office/drawing/2014/main" xmlns="" id="{2CDBB6E5-B91E-4946-9390-E8693855103A}"/>
+                <a16:creationId xmlns="" xmlns:a16="http://schemas.microsoft.com/office/drawing/2014/main" id="{2CDBB6E5-B91E-4946-9390-E8693855103A}"/>
               </a:ext>
             </a:extLst>
           </p:cNvPr>
@@ -20986,7 +22560,7 @@
           <p:cNvPr id="34" name="Freeform: Shape 33">
             <a:extLst>
               <a:ext uri="{FF2B5EF4-FFF2-40B4-BE49-F238E27FC236}">
-                <a16:creationId xmlns:a16="http://schemas.microsoft.com/office/drawing/2014/main" xmlns="" id="{0C3CC1C9-1FA0-4FE4-8984-4A8B3728D674}"/>
+                <a16:creationId xmlns="" xmlns:a16="http://schemas.microsoft.com/office/drawing/2014/main" id="{0C3CC1C9-1FA0-4FE4-8984-4A8B3728D674}"/>
               </a:ext>
             </a:extLst>
           </p:cNvPr>
@@ -21131,7 +22705,7 @@
           <p:cNvPr id="24" name="Freeform: Shape 23">
             <a:extLst>
               <a:ext uri="{FF2B5EF4-FFF2-40B4-BE49-F238E27FC236}">
-                <a16:creationId xmlns:a16="http://schemas.microsoft.com/office/drawing/2014/main" xmlns="" id="{8E049265-431E-48DE-B7F7-4959930171DC}"/>
+                <a16:creationId xmlns="" xmlns:a16="http://schemas.microsoft.com/office/drawing/2014/main" id="{8E049265-431E-48DE-B7F7-4959930171DC}"/>
               </a:ext>
             </a:extLst>
           </p:cNvPr>
@@ -21271,7 +22845,7 @@
           <p:cNvPr id="25" name="Freeform: Shape 24">
             <a:extLst>
               <a:ext uri="{FF2B5EF4-FFF2-40B4-BE49-F238E27FC236}">
-                <a16:creationId xmlns:a16="http://schemas.microsoft.com/office/drawing/2014/main" xmlns="" id="{173E5F2D-1F8E-4DCC-857F-932C6C6539BB}"/>
+                <a16:creationId xmlns="" xmlns:a16="http://schemas.microsoft.com/office/drawing/2014/main" id="{173E5F2D-1F8E-4DCC-857F-932C6C6539BB}"/>
               </a:ext>
             </a:extLst>
           </p:cNvPr>
@@ -21417,7 +22991,7 @@
           <p:cNvPr id="26" name="Group 25">
             <a:extLst>
               <a:ext uri="{FF2B5EF4-FFF2-40B4-BE49-F238E27FC236}">
-                <a16:creationId xmlns:a16="http://schemas.microsoft.com/office/drawing/2014/main" xmlns="" id="{E9318B2B-E019-4078-9EF0-C9D6281AE31B}"/>
+                <a16:creationId xmlns="" xmlns:a16="http://schemas.microsoft.com/office/drawing/2014/main" id="{E9318B2B-E019-4078-9EF0-C9D6281AE31B}"/>
               </a:ext>
             </a:extLst>
           </p:cNvPr>
@@ -21437,7 +23011,7 @@
             <p:cNvPr id="27" name="Freeform: Shape 26">
               <a:extLst>
                 <a:ext uri="{FF2B5EF4-FFF2-40B4-BE49-F238E27FC236}">
-                  <a16:creationId xmlns:a16="http://schemas.microsoft.com/office/drawing/2014/main" xmlns="" id="{D3E625C0-9656-421F-861F-67C8F93362ED}"/>
+                  <a16:creationId xmlns="" xmlns:a16="http://schemas.microsoft.com/office/drawing/2014/main" id="{D3E625C0-9656-421F-861F-67C8F93362ED}"/>
                 </a:ext>
               </a:extLst>
             </p:cNvPr>
@@ -21537,7 +23111,7 @@
             <p:cNvPr id="28" name="Freeform: Shape 27">
               <a:extLst>
                 <a:ext uri="{FF2B5EF4-FFF2-40B4-BE49-F238E27FC236}">
-                  <a16:creationId xmlns:a16="http://schemas.microsoft.com/office/drawing/2014/main" xmlns="" id="{49F8E490-C6E3-4D00-866F-CD85DD88996E}"/>
+                  <a16:creationId xmlns="" xmlns:a16="http://schemas.microsoft.com/office/drawing/2014/main" id="{49F8E490-C6E3-4D00-866F-CD85DD88996E}"/>
                 </a:ext>
               </a:extLst>
             </p:cNvPr>
@@ -21646,7 +23220,7 @@
           <p:cNvPr id="29" name="Freeform: Shape 28">
             <a:extLst>
               <a:ext uri="{FF2B5EF4-FFF2-40B4-BE49-F238E27FC236}">
-                <a16:creationId xmlns:a16="http://schemas.microsoft.com/office/drawing/2014/main" xmlns="" id="{EE8F5B31-1523-46AE-9455-C33DFC1BDDE0}"/>
+                <a16:creationId xmlns="" xmlns:a16="http://schemas.microsoft.com/office/drawing/2014/main" id="{EE8F5B31-1523-46AE-9455-C33DFC1BDDE0}"/>
               </a:ext>
             </a:extLst>
           </p:cNvPr>
@@ -21738,7 +23312,7 @@
           <p:cNvPr id="30" name="Freeform: Shape 29">
             <a:extLst>
               <a:ext uri="{FF2B5EF4-FFF2-40B4-BE49-F238E27FC236}">
-                <a16:creationId xmlns:a16="http://schemas.microsoft.com/office/drawing/2014/main" xmlns="" id="{5D17048F-C2E1-4775-BC32-50BD6219F89D}"/>
+                <a16:creationId xmlns="" xmlns:a16="http://schemas.microsoft.com/office/drawing/2014/main" id="{5D17048F-C2E1-4775-BC32-50BD6219F89D}"/>
               </a:ext>
             </a:extLst>
           </p:cNvPr>
@@ -21838,7 +23412,7 @@
           <p:cNvPr id="31" name="Group 30">
             <a:extLst>
               <a:ext uri="{FF2B5EF4-FFF2-40B4-BE49-F238E27FC236}">
-                <a16:creationId xmlns:a16="http://schemas.microsoft.com/office/drawing/2014/main" xmlns="" id="{EAB002AA-4848-49C8-A834-036F860C79A3}"/>
+                <a16:creationId xmlns="" xmlns:a16="http://schemas.microsoft.com/office/drawing/2014/main" id="{EAB002AA-4848-49C8-A834-036F860C79A3}"/>
               </a:ext>
             </a:extLst>
           </p:cNvPr>
@@ -21858,7 +23432,7 @@
             <p:cNvPr id="32" name="Freeform: Shape 31">
               <a:extLst>
                 <a:ext uri="{FF2B5EF4-FFF2-40B4-BE49-F238E27FC236}">
-                  <a16:creationId xmlns:a16="http://schemas.microsoft.com/office/drawing/2014/main" xmlns="" id="{14B187A8-7F8D-469D-A03B-4F835A5746DE}"/>
+                  <a16:creationId xmlns="" xmlns:a16="http://schemas.microsoft.com/office/drawing/2014/main" id="{14B187A8-7F8D-469D-A03B-4F835A5746DE}"/>
                 </a:ext>
               </a:extLst>
             </p:cNvPr>
@@ -21948,7 +23522,7 @@
             <p:cNvPr id="33" name="Freeform: Shape 32">
               <a:extLst>
                 <a:ext uri="{FF2B5EF4-FFF2-40B4-BE49-F238E27FC236}">
-                  <a16:creationId xmlns:a16="http://schemas.microsoft.com/office/drawing/2014/main" xmlns="" id="{03D871D1-A11A-48FB-82A8-8D61AB5CB85C}"/>
+                  <a16:creationId xmlns="" xmlns:a16="http://schemas.microsoft.com/office/drawing/2014/main" id="{03D871D1-A11A-48FB-82A8-8D61AB5CB85C}"/>
                 </a:ext>
               </a:extLst>
             </p:cNvPr>
@@ -22047,7 +23621,7 @@
           <p:cNvPr id="2" name="Title 1">
             <a:extLst>
               <a:ext uri="{FF2B5EF4-FFF2-40B4-BE49-F238E27FC236}">
-                <a16:creationId xmlns:a16="http://schemas.microsoft.com/office/drawing/2014/main" xmlns="" id="{42374B20-3E42-44AF-BEF1-8AB33067395C}"/>
+                <a16:creationId xmlns="" xmlns:a16="http://schemas.microsoft.com/office/drawing/2014/main" id="{42374B20-3E42-44AF-BEF1-8AB33067395C}"/>
               </a:ext>
             </a:extLst>
           </p:cNvPr>
@@ -22093,7 +23667,7 @@
           <p:cNvPr id="3" name="Text Placeholder 2">
             <a:extLst>
               <a:ext uri="{FF2B5EF4-FFF2-40B4-BE49-F238E27FC236}">
-                <a16:creationId xmlns:a16="http://schemas.microsoft.com/office/drawing/2014/main" xmlns="" id="{5E194264-A3F5-42E2-9A63-DCCED0457E1B}"/>
+                <a16:creationId xmlns="" xmlns:a16="http://schemas.microsoft.com/office/drawing/2014/main" id="{5E194264-A3F5-42E2-9A63-DCCED0457E1B}"/>
               </a:ext>
             </a:extLst>
           </p:cNvPr>
@@ -22143,7 +23717,7 @@
           <p:cNvPr id="35" name="Slide Number Placeholder 4">
             <a:extLst>
               <a:ext uri="{FF2B5EF4-FFF2-40B4-BE49-F238E27FC236}">
-                <a16:creationId xmlns:a16="http://schemas.microsoft.com/office/drawing/2014/main" xmlns="" id="{6F73F836-940E-4B65-A29C-D0869263C935}"/>
+                <a16:creationId xmlns="" xmlns:a16="http://schemas.microsoft.com/office/drawing/2014/main" id="{6F73F836-940E-4B65-A29C-D0869263C935}"/>
               </a:ext>
             </a:extLst>
           </p:cNvPr>
@@ -22217,7 +23791,7 @@
           <p:cNvPr id="22" name="Rectangle 21">
             <a:extLst>
               <a:ext uri="{FF2B5EF4-FFF2-40B4-BE49-F238E27FC236}">
-                <a16:creationId xmlns:a16="http://schemas.microsoft.com/office/drawing/2014/main" xmlns="" id="{2CDBB6E5-B91E-4946-9390-E8693855103A}"/>
+                <a16:creationId xmlns="" xmlns:a16="http://schemas.microsoft.com/office/drawing/2014/main" id="{2CDBB6E5-B91E-4946-9390-E8693855103A}"/>
               </a:ext>
             </a:extLst>
           </p:cNvPr>
@@ -22271,7 +23845,7 @@
           <p:cNvPr id="34" name="Freeform: Shape 33">
             <a:extLst>
               <a:ext uri="{FF2B5EF4-FFF2-40B4-BE49-F238E27FC236}">
-                <a16:creationId xmlns:a16="http://schemas.microsoft.com/office/drawing/2014/main" xmlns="" id="{0C3CC1C9-1FA0-4FE4-8984-4A8B3728D674}"/>
+                <a16:creationId xmlns="" xmlns:a16="http://schemas.microsoft.com/office/drawing/2014/main" id="{0C3CC1C9-1FA0-4FE4-8984-4A8B3728D674}"/>
               </a:ext>
             </a:extLst>
           </p:cNvPr>
@@ -22416,7 +23990,7 @@
           <p:cNvPr id="24" name="Freeform: Shape 23">
             <a:extLst>
               <a:ext uri="{FF2B5EF4-FFF2-40B4-BE49-F238E27FC236}">
-                <a16:creationId xmlns:a16="http://schemas.microsoft.com/office/drawing/2014/main" xmlns="" id="{8E049265-431E-48DE-B7F7-4959930171DC}"/>
+                <a16:creationId xmlns="" xmlns:a16="http://schemas.microsoft.com/office/drawing/2014/main" id="{8E049265-431E-48DE-B7F7-4959930171DC}"/>
               </a:ext>
             </a:extLst>
           </p:cNvPr>
@@ -22556,7 +24130,7 @@
           <p:cNvPr id="25" name="Freeform: Shape 24">
             <a:extLst>
               <a:ext uri="{FF2B5EF4-FFF2-40B4-BE49-F238E27FC236}">
-                <a16:creationId xmlns:a16="http://schemas.microsoft.com/office/drawing/2014/main" xmlns="" id="{173E5F2D-1F8E-4DCC-857F-932C6C6539BB}"/>
+                <a16:creationId xmlns="" xmlns:a16="http://schemas.microsoft.com/office/drawing/2014/main" id="{173E5F2D-1F8E-4DCC-857F-932C6C6539BB}"/>
               </a:ext>
             </a:extLst>
           </p:cNvPr>
@@ -22702,7 +24276,7 @@
           <p:cNvPr id="4" name="Oval 3">
             <a:extLst>
               <a:ext uri="{FF2B5EF4-FFF2-40B4-BE49-F238E27FC236}">
-                <a16:creationId xmlns:a16="http://schemas.microsoft.com/office/drawing/2014/main" xmlns="" id="{ECB4C115-EFF9-405C-98BE-F4077B9730D0}"/>
+                <a16:creationId xmlns="" xmlns:a16="http://schemas.microsoft.com/office/drawing/2014/main" id="{ECB4C115-EFF9-405C-98BE-F4077B9730D0}"/>
               </a:ext>
             </a:extLst>
           </p:cNvPr>
@@ -22760,7 +24334,7 @@
           <p:cNvPr id="18" name="Title 1">
             <a:extLst>
               <a:ext uri="{FF2B5EF4-FFF2-40B4-BE49-F238E27FC236}">
-                <a16:creationId xmlns:a16="http://schemas.microsoft.com/office/drawing/2014/main" xmlns="" id="{C9A300DD-BB54-44ED-A7E4-01CD41EC930F}"/>
+                <a16:creationId xmlns="" xmlns:a16="http://schemas.microsoft.com/office/drawing/2014/main" id="{C9A300DD-BB54-44ED-A7E4-01CD41EC930F}"/>
               </a:ext>
             </a:extLst>
           </p:cNvPr>
@@ -22823,7 +24397,7 @@
           <p:cNvPr id="2" name="Title 1">
             <a:extLst>
               <a:ext uri="{FF2B5EF4-FFF2-40B4-BE49-F238E27FC236}">
-                <a16:creationId xmlns:a16="http://schemas.microsoft.com/office/drawing/2014/main" xmlns="" id="{42374B20-3E42-44AF-BEF1-8AB33067395C}"/>
+                <a16:creationId xmlns="" xmlns:a16="http://schemas.microsoft.com/office/drawing/2014/main" id="{42374B20-3E42-44AF-BEF1-8AB33067395C}"/>
               </a:ext>
             </a:extLst>
           </p:cNvPr>
@@ -22872,7 +24446,7 @@
           <p:cNvPr id="19" name="Slide Number Placeholder 4">
             <a:extLst>
               <a:ext uri="{FF2B5EF4-FFF2-40B4-BE49-F238E27FC236}">
-                <a16:creationId xmlns:a16="http://schemas.microsoft.com/office/drawing/2014/main" xmlns="" id="{A4E6C1FF-5925-42B3-B7F9-0A0031BDAD30}"/>
+                <a16:creationId xmlns="" xmlns:a16="http://schemas.microsoft.com/office/drawing/2014/main" id="{A4E6C1FF-5925-42B3-B7F9-0A0031BDAD30}"/>
               </a:ext>
             </a:extLst>
           </p:cNvPr>
@@ -22954,7 +24528,7 @@
           <p:cNvPr id="11" name="Rectangle 10">
             <a:extLst>
               <a:ext uri="{FF2B5EF4-FFF2-40B4-BE49-F238E27FC236}">
-                <a16:creationId xmlns:a16="http://schemas.microsoft.com/office/drawing/2014/main" xmlns="" id="{EB3E033F-4449-40FA-BC85-BD2712D313DD}"/>
+                <a16:creationId xmlns="" xmlns:a16="http://schemas.microsoft.com/office/drawing/2014/main" id="{EB3E033F-4449-40FA-BC85-BD2712D313DD}"/>
               </a:ext>
             </a:extLst>
           </p:cNvPr>
@@ -23008,7 +24582,7 @@
           <p:cNvPr id="10" name="Freeform: Shape 9">
             <a:extLst>
               <a:ext uri="{FF2B5EF4-FFF2-40B4-BE49-F238E27FC236}">
-                <a16:creationId xmlns:a16="http://schemas.microsoft.com/office/drawing/2014/main" xmlns="" id="{63D26743-0505-444C-80B3-E88EE87DF72B}"/>
+                <a16:creationId xmlns="" xmlns:a16="http://schemas.microsoft.com/office/drawing/2014/main" id="{63D26743-0505-444C-80B3-E88EE87DF72B}"/>
               </a:ext>
             </a:extLst>
           </p:cNvPr>
@@ -23131,7 +24705,7 @@
           <p:cNvPr id="8" name="Freeform: Shape 7">
             <a:extLst>
               <a:ext uri="{FF2B5EF4-FFF2-40B4-BE49-F238E27FC236}">
-                <a16:creationId xmlns:a16="http://schemas.microsoft.com/office/drawing/2014/main" xmlns="" id="{1599AF7E-3E34-4597-AA72-9373A7FDB020}"/>
+                <a16:creationId xmlns="" xmlns:a16="http://schemas.microsoft.com/office/drawing/2014/main" id="{1599AF7E-3E34-4597-AA72-9373A7FDB020}"/>
               </a:ext>
             </a:extLst>
           </p:cNvPr>
@@ -23277,7 +24851,7 @@
           <p:cNvPr id="2" name="Title 1">
             <a:extLst>
               <a:ext uri="{FF2B5EF4-FFF2-40B4-BE49-F238E27FC236}">
-                <a16:creationId xmlns:a16="http://schemas.microsoft.com/office/drawing/2014/main" xmlns="" id="{4A2DF563-7FAC-46B3-B24C-7E45CD89DA2B}"/>
+                <a16:creationId xmlns="" xmlns:a16="http://schemas.microsoft.com/office/drawing/2014/main" id="{4A2DF563-7FAC-46B3-B24C-7E45CD89DA2B}"/>
               </a:ext>
             </a:extLst>
           </p:cNvPr>
@@ -23323,7 +24897,7 @@
           <p:cNvPr id="5" name="Slide Number Placeholder 4">
             <a:extLst>
               <a:ext uri="{FF2B5EF4-FFF2-40B4-BE49-F238E27FC236}">
-                <a16:creationId xmlns:a16="http://schemas.microsoft.com/office/drawing/2014/main" xmlns="" id="{87B51822-97FF-47A7-8E4E-A0F79B4EB237}"/>
+                <a16:creationId xmlns="" xmlns:a16="http://schemas.microsoft.com/office/drawing/2014/main" id="{87B51822-97FF-47A7-8E4E-A0F79B4EB237}"/>
               </a:ext>
             </a:extLst>
           </p:cNvPr>
@@ -23367,7 +24941,7 @@
           <p:cNvPr id="15" name="Group 14">
             <a:extLst>
               <a:ext uri="{FF2B5EF4-FFF2-40B4-BE49-F238E27FC236}">
-                <a16:creationId xmlns:a16="http://schemas.microsoft.com/office/drawing/2014/main" xmlns="" id="{7732E1E7-45E3-4264-8F26-66758696DD1E}"/>
+                <a16:creationId xmlns="" xmlns:a16="http://schemas.microsoft.com/office/drawing/2014/main" id="{7732E1E7-45E3-4264-8F26-66758696DD1E}"/>
               </a:ext>
             </a:extLst>
           </p:cNvPr>
@@ -23387,7 +24961,7 @@
             <p:cNvPr id="16" name="Freeform: Shape 15">
               <a:extLst>
                 <a:ext uri="{FF2B5EF4-FFF2-40B4-BE49-F238E27FC236}">
-                  <a16:creationId xmlns:a16="http://schemas.microsoft.com/office/drawing/2014/main" xmlns="" id="{2E3DF883-8093-49FA-81E1-E5D77F086A25}"/>
+                  <a16:creationId xmlns="" xmlns:a16="http://schemas.microsoft.com/office/drawing/2014/main" id="{2E3DF883-8093-49FA-81E1-E5D77F086A25}"/>
                 </a:ext>
               </a:extLst>
             </p:cNvPr>
@@ -23477,7 +25051,7 @@
             <p:cNvPr id="17" name="Freeform: Shape 16">
               <a:extLst>
                 <a:ext uri="{FF2B5EF4-FFF2-40B4-BE49-F238E27FC236}">
-                  <a16:creationId xmlns:a16="http://schemas.microsoft.com/office/drawing/2014/main" xmlns="" id="{18944C90-37E5-4BBE-89FF-060627168050}"/>
+                  <a16:creationId xmlns="" xmlns:a16="http://schemas.microsoft.com/office/drawing/2014/main" id="{18944C90-37E5-4BBE-89FF-060627168050}"/>
                 </a:ext>
               </a:extLst>
             </p:cNvPr>
@@ -23576,7 +25150,7 @@
           <p:cNvPr id="23" name="Text Placeholder 22">
             <a:extLst>
               <a:ext uri="{FF2B5EF4-FFF2-40B4-BE49-F238E27FC236}">
-                <a16:creationId xmlns:a16="http://schemas.microsoft.com/office/drawing/2014/main" xmlns="" id="{03618670-D1E4-466C-BDB5-FC890AC31457}"/>
+                <a16:creationId xmlns="" xmlns:a16="http://schemas.microsoft.com/office/drawing/2014/main" id="{03618670-D1E4-466C-BDB5-FC890AC31457}"/>
               </a:ext>
             </a:extLst>
           </p:cNvPr>
@@ -23737,7 +25311,7 @@
           <p:cNvPr id="11" name="Rectangle 10">
             <a:extLst>
               <a:ext uri="{FF2B5EF4-FFF2-40B4-BE49-F238E27FC236}">
-                <a16:creationId xmlns:a16="http://schemas.microsoft.com/office/drawing/2014/main" xmlns="" id="{EB3E033F-4449-40FA-BC85-BD2712D313DD}"/>
+                <a16:creationId xmlns="" xmlns:a16="http://schemas.microsoft.com/office/drawing/2014/main" id="{EB3E033F-4449-40FA-BC85-BD2712D313DD}"/>
               </a:ext>
             </a:extLst>
           </p:cNvPr>
@@ -23791,7 +25365,7 @@
           <p:cNvPr id="10" name="Freeform: Shape 9">
             <a:extLst>
               <a:ext uri="{FF2B5EF4-FFF2-40B4-BE49-F238E27FC236}">
-                <a16:creationId xmlns:a16="http://schemas.microsoft.com/office/drawing/2014/main" xmlns="" id="{63D26743-0505-444C-80B3-E88EE87DF72B}"/>
+                <a16:creationId xmlns="" xmlns:a16="http://schemas.microsoft.com/office/drawing/2014/main" id="{63D26743-0505-444C-80B3-E88EE87DF72B}"/>
               </a:ext>
             </a:extLst>
           </p:cNvPr>
@@ -23914,7 +25488,7 @@
           <p:cNvPr id="18" name="Freeform: Shape 17">
             <a:extLst>
               <a:ext uri="{FF2B5EF4-FFF2-40B4-BE49-F238E27FC236}">
-                <a16:creationId xmlns:a16="http://schemas.microsoft.com/office/drawing/2014/main" xmlns="" id="{E37145E9-AC61-47D5-9288-8789940F81B6}"/>
+                <a16:creationId xmlns="" xmlns:a16="http://schemas.microsoft.com/office/drawing/2014/main" id="{E37145E9-AC61-47D5-9288-8789940F81B6}"/>
               </a:ext>
             </a:extLst>
           </p:cNvPr>
@@ -24066,7 +25640,7 @@
           <p:cNvPr id="12" name="Freeform: Shape 11">
             <a:extLst>
               <a:ext uri="{FF2B5EF4-FFF2-40B4-BE49-F238E27FC236}">
-                <a16:creationId xmlns:a16="http://schemas.microsoft.com/office/drawing/2014/main" xmlns="" id="{A5E2B3ED-9A49-40A7-B8A3-62595FE513F9}"/>
+                <a16:creationId xmlns="" xmlns:a16="http://schemas.microsoft.com/office/drawing/2014/main" id="{A5E2B3ED-9A49-40A7-B8A3-62595FE513F9}"/>
               </a:ext>
             </a:extLst>
           </p:cNvPr>
@@ -24216,7 +25790,7 @@
           <p:cNvPr id="8" name="Freeform: Shape 7">
             <a:extLst>
               <a:ext uri="{FF2B5EF4-FFF2-40B4-BE49-F238E27FC236}">
-                <a16:creationId xmlns:a16="http://schemas.microsoft.com/office/drawing/2014/main" xmlns="" id="{1599AF7E-3E34-4597-AA72-9373A7FDB020}"/>
+                <a16:creationId xmlns="" xmlns:a16="http://schemas.microsoft.com/office/drawing/2014/main" id="{1599AF7E-3E34-4597-AA72-9373A7FDB020}"/>
               </a:ext>
             </a:extLst>
           </p:cNvPr>
@@ -24362,7 +25936,7 @@
           <p:cNvPr id="2" name="Title 1">
             <a:extLst>
               <a:ext uri="{FF2B5EF4-FFF2-40B4-BE49-F238E27FC236}">
-                <a16:creationId xmlns:a16="http://schemas.microsoft.com/office/drawing/2014/main" xmlns="" id="{4A2DF563-7FAC-46B3-B24C-7E45CD89DA2B}"/>
+                <a16:creationId xmlns="" xmlns:a16="http://schemas.microsoft.com/office/drawing/2014/main" id="{4A2DF563-7FAC-46B3-B24C-7E45CD89DA2B}"/>
               </a:ext>
             </a:extLst>
           </p:cNvPr>
@@ -24408,7 +25982,7 @@
           <p:cNvPr id="15" name="Group 14">
             <a:extLst>
               <a:ext uri="{FF2B5EF4-FFF2-40B4-BE49-F238E27FC236}">
-                <a16:creationId xmlns:a16="http://schemas.microsoft.com/office/drawing/2014/main" xmlns="" id="{7732E1E7-45E3-4264-8F26-66758696DD1E}"/>
+                <a16:creationId xmlns="" xmlns:a16="http://schemas.microsoft.com/office/drawing/2014/main" id="{7732E1E7-45E3-4264-8F26-66758696DD1E}"/>
               </a:ext>
             </a:extLst>
           </p:cNvPr>
@@ -24428,7 +26002,7 @@
             <p:cNvPr id="16" name="Freeform: Shape 15">
               <a:extLst>
                 <a:ext uri="{FF2B5EF4-FFF2-40B4-BE49-F238E27FC236}">
-                  <a16:creationId xmlns:a16="http://schemas.microsoft.com/office/drawing/2014/main" xmlns="" id="{2E3DF883-8093-49FA-81E1-E5D77F086A25}"/>
+                  <a16:creationId xmlns="" xmlns:a16="http://schemas.microsoft.com/office/drawing/2014/main" id="{2E3DF883-8093-49FA-81E1-E5D77F086A25}"/>
                 </a:ext>
               </a:extLst>
             </p:cNvPr>
@@ -24518,7 +26092,7 @@
             <p:cNvPr id="17" name="Freeform: Shape 16">
               <a:extLst>
                 <a:ext uri="{FF2B5EF4-FFF2-40B4-BE49-F238E27FC236}">
-                  <a16:creationId xmlns:a16="http://schemas.microsoft.com/office/drawing/2014/main" xmlns="" id="{18944C90-37E5-4BBE-89FF-060627168050}"/>
+                  <a16:creationId xmlns="" xmlns:a16="http://schemas.microsoft.com/office/drawing/2014/main" id="{18944C90-37E5-4BBE-89FF-060627168050}"/>
                 </a:ext>
               </a:extLst>
             </p:cNvPr>
@@ -24617,7 +26191,7 @@
           <p:cNvPr id="6" name="Group 5">
             <a:extLst>
               <a:ext uri="{FF2B5EF4-FFF2-40B4-BE49-F238E27FC236}">
-                <a16:creationId xmlns:a16="http://schemas.microsoft.com/office/drawing/2014/main" xmlns="" id="{D9EBF8BB-A805-4DDB-B459-082F99815B95}"/>
+                <a16:creationId xmlns="" xmlns:a16="http://schemas.microsoft.com/office/drawing/2014/main" id="{D9EBF8BB-A805-4DDB-B459-082F99815B95}"/>
               </a:ext>
             </a:extLst>
           </p:cNvPr>
@@ -24637,7 +26211,7 @@
             <p:cNvPr id="19" name="Rectangle: Single Corner Snipped 18">
               <a:extLst>
                 <a:ext uri="{FF2B5EF4-FFF2-40B4-BE49-F238E27FC236}">
-                  <a16:creationId xmlns:a16="http://schemas.microsoft.com/office/drawing/2014/main" xmlns="" id="{5D638788-DD47-45E7-939A-FA108A818173}"/>
+                  <a16:creationId xmlns="" xmlns:a16="http://schemas.microsoft.com/office/drawing/2014/main" id="{5D638788-DD47-45E7-939A-FA108A818173}"/>
                 </a:ext>
               </a:extLst>
             </p:cNvPr>
@@ -24703,7 +26277,7 @@
             <p:cNvPr id="3" name="Rectangle: Single Corner Snipped 2">
               <a:extLst>
                 <a:ext uri="{FF2B5EF4-FFF2-40B4-BE49-F238E27FC236}">
-                  <a16:creationId xmlns:a16="http://schemas.microsoft.com/office/drawing/2014/main" xmlns="" id="{74BDECEF-EEFE-4332-B3B2-BDE4F82C10FC}"/>
+                  <a16:creationId xmlns="" xmlns:a16="http://schemas.microsoft.com/office/drawing/2014/main" id="{74BDECEF-EEFE-4332-B3B2-BDE4F82C10FC}"/>
                 </a:ext>
               </a:extLst>
             </p:cNvPr>
@@ -24760,7 +26334,7 @@
           <p:cNvPr id="24" name="Freeform: Shape 23">
             <a:extLst>
               <a:ext uri="{FF2B5EF4-FFF2-40B4-BE49-F238E27FC236}">
-                <a16:creationId xmlns:a16="http://schemas.microsoft.com/office/drawing/2014/main" xmlns="" id="{18103E00-7E4A-44CD-81AC-06433CAE1110}"/>
+                <a16:creationId xmlns="" xmlns:a16="http://schemas.microsoft.com/office/drawing/2014/main" id="{18103E00-7E4A-44CD-81AC-06433CAE1110}"/>
               </a:ext>
             </a:extLst>
           </p:cNvPr>
@@ -24855,7 +26429,7 @@
           <p:cNvPr id="5" name="Slide Number Placeholder 4">
             <a:extLst>
               <a:ext uri="{FF2B5EF4-FFF2-40B4-BE49-F238E27FC236}">
-                <a16:creationId xmlns:a16="http://schemas.microsoft.com/office/drawing/2014/main" xmlns="" id="{87B51822-97FF-47A7-8E4E-A0F79B4EB237}"/>
+                <a16:creationId xmlns="" xmlns:a16="http://schemas.microsoft.com/office/drawing/2014/main" id="{87B51822-97FF-47A7-8E4E-A0F79B4EB237}"/>
               </a:ext>
             </a:extLst>
           </p:cNvPr>
@@ -24937,7 +26511,7 @@
           <p:cNvPr id="11" name="Rectangle 10">
             <a:extLst>
               <a:ext uri="{FF2B5EF4-FFF2-40B4-BE49-F238E27FC236}">
-                <a16:creationId xmlns:a16="http://schemas.microsoft.com/office/drawing/2014/main" xmlns="" id="{EB3E033F-4449-40FA-BC85-BD2712D313DD}"/>
+                <a16:creationId xmlns="" xmlns:a16="http://schemas.microsoft.com/office/drawing/2014/main" id="{EB3E033F-4449-40FA-BC85-BD2712D313DD}"/>
               </a:ext>
             </a:extLst>
           </p:cNvPr>
@@ -24991,7 +26565,7 @@
           <p:cNvPr id="10" name="Freeform: Shape 9">
             <a:extLst>
               <a:ext uri="{FF2B5EF4-FFF2-40B4-BE49-F238E27FC236}">
-                <a16:creationId xmlns:a16="http://schemas.microsoft.com/office/drawing/2014/main" xmlns="" id="{63D26743-0505-444C-80B3-E88EE87DF72B}"/>
+                <a16:creationId xmlns="" xmlns:a16="http://schemas.microsoft.com/office/drawing/2014/main" id="{63D26743-0505-444C-80B3-E88EE87DF72B}"/>
               </a:ext>
             </a:extLst>
           </p:cNvPr>
@@ -25114,7 +26688,7 @@
           <p:cNvPr id="18" name="Freeform: Shape 17">
             <a:extLst>
               <a:ext uri="{FF2B5EF4-FFF2-40B4-BE49-F238E27FC236}">
-                <a16:creationId xmlns:a16="http://schemas.microsoft.com/office/drawing/2014/main" xmlns="" id="{E37145E9-AC61-47D5-9288-8789940F81B6}"/>
+                <a16:creationId xmlns="" xmlns:a16="http://schemas.microsoft.com/office/drawing/2014/main" id="{E37145E9-AC61-47D5-9288-8789940F81B6}"/>
               </a:ext>
             </a:extLst>
           </p:cNvPr>
@@ -25266,7 +26840,7 @@
           <p:cNvPr id="12" name="Freeform: Shape 11">
             <a:extLst>
               <a:ext uri="{FF2B5EF4-FFF2-40B4-BE49-F238E27FC236}">
-                <a16:creationId xmlns:a16="http://schemas.microsoft.com/office/drawing/2014/main" xmlns="" id="{A5E2B3ED-9A49-40A7-B8A3-62595FE513F9}"/>
+                <a16:creationId xmlns="" xmlns:a16="http://schemas.microsoft.com/office/drawing/2014/main" id="{A5E2B3ED-9A49-40A7-B8A3-62595FE513F9}"/>
               </a:ext>
             </a:extLst>
           </p:cNvPr>
@@ -25416,7 +26990,7 @@
           <p:cNvPr id="8" name="Freeform: Shape 7">
             <a:extLst>
               <a:ext uri="{FF2B5EF4-FFF2-40B4-BE49-F238E27FC236}">
-                <a16:creationId xmlns:a16="http://schemas.microsoft.com/office/drawing/2014/main" xmlns="" id="{1599AF7E-3E34-4597-AA72-9373A7FDB020}"/>
+                <a16:creationId xmlns="" xmlns:a16="http://schemas.microsoft.com/office/drawing/2014/main" id="{1599AF7E-3E34-4597-AA72-9373A7FDB020}"/>
               </a:ext>
             </a:extLst>
           </p:cNvPr>
@@ -25562,7 +27136,7 @@
           <p:cNvPr id="2" name="Title 1">
             <a:extLst>
               <a:ext uri="{FF2B5EF4-FFF2-40B4-BE49-F238E27FC236}">
-                <a16:creationId xmlns:a16="http://schemas.microsoft.com/office/drawing/2014/main" xmlns="" id="{4A2DF563-7FAC-46B3-B24C-7E45CD89DA2B}"/>
+                <a16:creationId xmlns="" xmlns:a16="http://schemas.microsoft.com/office/drawing/2014/main" id="{4A2DF563-7FAC-46B3-B24C-7E45CD89DA2B}"/>
               </a:ext>
             </a:extLst>
           </p:cNvPr>
@@ -25608,7 +27182,7 @@
           <p:cNvPr id="15" name="Group 14">
             <a:extLst>
               <a:ext uri="{FF2B5EF4-FFF2-40B4-BE49-F238E27FC236}">
-                <a16:creationId xmlns:a16="http://schemas.microsoft.com/office/drawing/2014/main" xmlns="" id="{7732E1E7-45E3-4264-8F26-66758696DD1E}"/>
+                <a16:creationId xmlns="" xmlns:a16="http://schemas.microsoft.com/office/drawing/2014/main" id="{7732E1E7-45E3-4264-8F26-66758696DD1E}"/>
               </a:ext>
             </a:extLst>
           </p:cNvPr>
@@ -25628,7 +27202,7 @@
             <p:cNvPr id="16" name="Freeform: Shape 15">
               <a:extLst>
                 <a:ext uri="{FF2B5EF4-FFF2-40B4-BE49-F238E27FC236}">
-                  <a16:creationId xmlns:a16="http://schemas.microsoft.com/office/drawing/2014/main" xmlns="" id="{2E3DF883-8093-49FA-81E1-E5D77F086A25}"/>
+                  <a16:creationId xmlns="" xmlns:a16="http://schemas.microsoft.com/office/drawing/2014/main" id="{2E3DF883-8093-49FA-81E1-E5D77F086A25}"/>
                 </a:ext>
               </a:extLst>
             </p:cNvPr>
@@ -25718,7 +27292,7 @@
             <p:cNvPr id="17" name="Freeform: Shape 16">
               <a:extLst>
                 <a:ext uri="{FF2B5EF4-FFF2-40B4-BE49-F238E27FC236}">
-                  <a16:creationId xmlns:a16="http://schemas.microsoft.com/office/drawing/2014/main" xmlns="" id="{18944C90-37E5-4BBE-89FF-060627168050}"/>
+                  <a16:creationId xmlns="" xmlns:a16="http://schemas.microsoft.com/office/drawing/2014/main" id="{18944C90-37E5-4BBE-89FF-060627168050}"/>
                 </a:ext>
               </a:extLst>
             </p:cNvPr>
@@ -25817,7 +27391,7 @@
           <p:cNvPr id="6" name="Group 5">
             <a:extLst>
               <a:ext uri="{FF2B5EF4-FFF2-40B4-BE49-F238E27FC236}">
-                <a16:creationId xmlns:a16="http://schemas.microsoft.com/office/drawing/2014/main" xmlns="" id="{D9EBF8BB-A805-4DDB-B459-082F99815B95}"/>
+                <a16:creationId xmlns="" xmlns:a16="http://schemas.microsoft.com/office/drawing/2014/main" id="{D9EBF8BB-A805-4DDB-B459-082F99815B95}"/>
               </a:ext>
             </a:extLst>
           </p:cNvPr>
@@ -25837,7 +27411,7 @@
             <p:cNvPr id="19" name="Rectangle: Single Corner Snipped 18">
               <a:extLst>
                 <a:ext uri="{FF2B5EF4-FFF2-40B4-BE49-F238E27FC236}">
-                  <a16:creationId xmlns:a16="http://schemas.microsoft.com/office/drawing/2014/main" xmlns="" id="{5D638788-DD47-45E7-939A-FA108A818173}"/>
+                  <a16:creationId xmlns="" xmlns:a16="http://schemas.microsoft.com/office/drawing/2014/main" id="{5D638788-DD47-45E7-939A-FA108A818173}"/>
                 </a:ext>
               </a:extLst>
             </p:cNvPr>
@@ -25903,7 +27477,7 @@
             <p:cNvPr id="3" name="Rectangle: Single Corner Snipped 2">
               <a:extLst>
                 <a:ext uri="{FF2B5EF4-FFF2-40B4-BE49-F238E27FC236}">
-                  <a16:creationId xmlns:a16="http://schemas.microsoft.com/office/drawing/2014/main" xmlns="" id="{74BDECEF-EEFE-4332-B3B2-BDE4F82C10FC}"/>
+                  <a16:creationId xmlns="" xmlns:a16="http://schemas.microsoft.com/office/drawing/2014/main" id="{74BDECEF-EEFE-4332-B3B2-BDE4F82C10FC}"/>
                 </a:ext>
               </a:extLst>
             </p:cNvPr>
@@ -25960,7 +27534,7 @@
           <p:cNvPr id="24" name="Freeform: Shape 23">
             <a:extLst>
               <a:ext uri="{FF2B5EF4-FFF2-40B4-BE49-F238E27FC236}">
-                <a16:creationId xmlns:a16="http://schemas.microsoft.com/office/drawing/2014/main" xmlns="" id="{18103E00-7E4A-44CD-81AC-06433CAE1110}"/>
+                <a16:creationId xmlns="" xmlns:a16="http://schemas.microsoft.com/office/drawing/2014/main" id="{18103E00-7E4A-44CD-81AC-06433CAE1110}"/>
               </a:ext>
             </a:extLst>
           </p:cNvPr>
@@ -26055,7 +27629,7 @@
           <p:cNvPr id="5" name="Slide Number Placeholder 4">
             <a:extLst>
               <a:ext uri="{FF2B5EF4-FFF2-40B4-BE49-F238E27FC236}">
-                <a16:creationId xmlns:a16="http://schemas.microsoft.com/office/drawing/2014/main" xmlns="" id="{87B51822-97FF-47A7-8E4E-A0F79B4EB237}"/>
+                <a16:creationId xmlns="" xmlns:a16="http://schemas.microsoft.com/office/drawing/2014/main" id="{87B51822-97FF-47A7-8E4E-A0F79B4EB237}"/>
               </a:ext>
             </a:extLst>
           </p:cNvPr>
@@ -26099,7 +27673,7 @@
           <p:cNvPr id="20" name="Content Placeholder 2">
             <a:extLst>
               <a:ext uri="{FF2B5EF4-FFF2-40B4-BE49-F238E27FC236}">
-                <a16:creationId xmlns:a16="http://schemas.microsoft.com/office/drawing/2014/main" xmlns="" id="{0103A49C-32FF-49E6-86F3-FC2E19517BD5}"/>
+                <a16:creationId xmlns="" xmlns:a16="http://schemas.microsoft.com/office/drawing/2014/main" id="{0103A49C-32FF-49E6-86F3-FC2E19517BD5}"/>
               </a:ext>
             </a:extLst>
           </p:cNvPr>
@@ -26236,7 +27810,7 @@
           <p:cNvPr id="11" name="Rectangle 10">
             <a:extLst>
               <a:ext uri="{FF2B5EF4-FFF2-40B4-BE49-F238E27FC236}">
-                <a16:creationId xmlns:a16="http://schemas.microsoft.com/office/drawing/2014/main" xmlns="" id="{EB3E033F-4449-40FA-BC85-BD2712D313DD}"/>
+                <a16:creationId xmlns="" xmlns:a16="http://schemas.microsoft.com/office/drawing/2014/main" id="{EB3E033F-4449-40FA-BC85-BD2712D313DD}"/>
               </a:ext>
             </a:extLst>
           </p:cNvPr>
@@ -26290,7 +27864,7 @@
           <p:cNvPr id="10" name="Freeform: Shape 9">
             <a:extLst>
               <a:ext uri="{FF2B5EF4-FFF2-40B4-BE49-F238E27FC236}">
-                <a16:creationId xmlns:a16="http://schemas.microsoft.com/office/drawing/2014/main" xmlns="" id="{63D26743-0505-444C-80B3-E88EE87DF72B}"/>
+                <a16:creationId xmlns="" xmlns:a16="http://schemas.microsoft.com/office/drawing/2014/main" id="{63D26743-0505-444C-80B3-E88EE87DF72B}"/>
               </a:ext>
             </a:extLst>
           </p:cNvPr>
@@ -26413,7 +27987,7 @@
           <p:cNvPr id="18" name="Freeform: Shape 17">
             <a:extLst>
               <a:ext uri="{FF2B5EF4-FFF2-40B4-BE49-F238E27FC236}">
-                <a16:creationId xmlns:a16="http://schemas.microsoft.com/office/drawing/2014/main" xmlns="" id="{E37145E9-AC61-47D5-9288-8789940F81B6}"/>
+                <a16:creationId xmlns="" xmlns:a16="http://schemas.microsoft.com/office/drawing/2014/main" id="{E37145E9-AC61-47D5-9288-8789940F81B6}"/>
               </a:ext>
             </a:extLst>
           </p:cNvPr>
@@ -26565,7 +28139,7 @@
           <p:cNvPr id="12" name="Freeform: Shape 11">
             <a:extLst>
               <a:ext uri="{FF2B5EF4-FFF2-40B4-BE49-F238E27FC236}">
-                <a16:creationId xmlns:a16="http://schemas.microsoft.com/office/drawing/2014/main" xmlns="" id="{A5E2B3ED-9A49-40A7-B8A3-62595FE513F9}"/>
+                <a16:creationId xmlns="" xmlns:a16="http://schemas.microsoft.com/office/drawing/2014/main" id="{A5E2B3ED-9A49-40A7-B8A3-62595FE513F9}"/>
               </a:ext>
             </a:extLst>
           </p:cNvPr>
@@ -26715,7 +28289,7 @@
           <p:cNvPr id="8" name="Freeform: Shape 7">
             <a:extLst>
               <a:ext uri="{FF2B5EF4-FFF2-40B4-BE49-F238E27FC236}">
-                <a16:creationId xmlns:a16="http://schemas.microsoft.com/office/drawing/2014/main" xmlns="" id="{1599AF7E-3E34-4597-AA72-9373A7FDB020}"/>
+                <a16:creationId xmlns="" xmlns:a16="http://schemas.microsoft.com/office/drawing/2014/main" id="{1599AF7E-3E34-4597-AA72-9373A7FDB020}"/>
               </a:ext>
             </a:extLst>
           </p:cNvPr>
@@ -26861,7 +28435,7 @@
           <p:cNvPr id="2" name="Title 1">
             <a:extLst>
               <a:ext uri="{FF2B5EF4-FFF2-40B4-BE49-F238E27FC236}">
-                <a16:creationId xmlns:a16="http://schemas.microsoft.com/office/drawing/2014/main" xmlns="" id="{4A2DF563-7FAC-46B3-B24C-7E45CD89DA2B}"/>
+                <a16:creationId xmlns="" xmlns:a16="http://schemas.microsoft.com/office/drawing/2014/main" id="{4A2DF563-7FAC-46B3-B24C-7E45CD89DA2B}"/>
               </a:ext>
             </a:extLst>
           </p:cNvPr>
@@ -26907,7 +28481,7 @@
           <p:cNvPr id="15" name="Group 14">
             <a:extLst>
               <a:ext uri="{FF2B5EF4-FFF2-40B4-BE49-F238E27FC236}">
-                <a16:creationId xmlns:a16="http://schemas.microsoft.com/office/drawing/2014/main" xmlns="" id="{7732E1E7-45E3-4264-8F26-66758696DD1E}"/>
+                <a16:creationId xmlns="" xmlns:a16="http://schemas.microsoft.com/office/drawing/2014/main" id="{7732E1E7-45E3-4264-8F26-66758696DD1E}"/>
               </a:ext>
             </a:extLst>
           </p:cNvPr>
@@ -26927,7 +28501,7 @@
             <p:cNvPr id="16" name="Freeform: Shape 15">
               <a:extLst>
                 <a:ext uri="{FF2B5EF4-FFF2-40B4-BE49-F238E27FC236}">
-                  <a16:creationId xmlns:a16="http://schemas.microsoft.com/office/drawing/2014/main" xmlns="" id="{2E3DF883-8093-49FA-81E1-E5D77F086A25}"/>
+                  <a16:creationId xmlns="" xmlns:a16="http://schemas.microsoft.com/office/drawing/2014/main" id="{2E3DF883-8093-49FA-81E1-E5D77F086A25}"/>
                 </a:ext>
               </a:extLst>
             </p:cNvPr>
@@ -27017,7 +28591,7 @@
             <p:cNvPr id="17" name="Freeform: Shape 16">
               <a:extLst>
                 <a:ext uri="{FF2B5EF4-FFF2-40B4-BE49-F238E27FC236}">
-                  <a16:creationId xmlns:a16="http://schemas.microsoft.com/office/drawing/2014/main" xmlns="" id="{18944C90-37E5-4BBE-89FF-060627168050}"/>
+                  <a16:creationId xmlns="" xmlns:a16="http://schemas.microsoft.com/office/drawing/2014/main" id="{18944C90-37E5-4BBE-89FF-060627168050}"/>
                 </a:ext>
               </a:extLst>
             </p:cNvPr>
@@ -27116,7 +28690,7 @@
           <p:cNvPr id="6" name="Group 5">
             <a:extLst>
               <a:ext uri="{FF2B5EF4-FFF2-40B4-BE49-F238E27FC236}">
-                <a16:creationId xmlns:a16="http://schemas.microsoft.com/office/drawing/2014/main" xmlns="" id="{D9EBF8BB-A805-4DDB-B459-082F99815B95}"/>
+                <a16:creationId xmlns="" xmlns:a16="http://schemas.microsoft.com/office/drawing/2014/main" id="{D9EBF8BB-A805-4DDB-B459-082F99815B95}"/>
               </a:ext>
             </a:extLst>
           </p:cNvPr>
@@ -27136,7 +28710,7 @@
             <p:cNvPr id="19" name="Rectangle: Single Corner Snipped 18">
               <a:extLst>
                 <a:ext uri="{FF2B5EF4-FFF2-40B4-BE49-F238E27FC236}">
-                  <a16:creationId xmlns:a16="http://schemas.microsoft.com/office/drawing/2014/main" xmlns="" id="{5D638788-DD47-45E7-939A-FA108A818173}"/>
+                  <a16:creationId xmlns="" xmlns:a16="http://schemas.microsoft.com/office/drawing/2014/main" id="{5D638788-DD47-45E7-939A-FA108A818173}"/>
                 </a:ext>
               </a:extLst>
             </p:cNvPr>
@@ -27202,7 +28776,7 @@
             <p:cNvPr id="3" name="Rectangle: Single Corner Snipped 2">
               <a:extLst>
                 <a:ext uri="{FF2B5EF4-FFF2-40B4-BE49-F238E27FC236}">
-                  <a16:creationId xmlns:a16="http://schemas.microsoft.com/office/drawing/2014/main" xmlns="" id="{74BDECEF-EEFE-4332-B3B2-BDE4F82C10FC}"/>
+                  <a16:creationId xmlns="" xmlns:a16="http://schemas.microsoft.com/office/drawing/2014/main" id="{74BDECEF-EEFE-4332-B3B2-BDE4F82C10FC}"/>
                 </a:ext>
               </a:extLst>
             </p:cNvPr>
@@ -27259,7 +28833,7 @@
           <p:cNvPr id="24" name="Freeform: Shape 23">
             <a:extLst>
               <a:ext uri="{FF2B5EF4-FFF2-40B4-BE49-F238E27FC236}">
-                <a16:creationId xmlns:a16="http://schemas.microsoft.com/office/drawing/2014/main" xmlns="" id="{18103E00-7E4A-44CD-81AC-06433CAE1110}"/>
+                <a16:creationId xmlns="" xmlns:a16="http://schemas.microsoft.com/office/drawing/2014/main" id="{18103E00-7E4A-44CD-81AC-06433CAE1110}"/>
               </a:ext>
             </a:extLst>
           </p:cNvPr>
@@ -27354,7 +28928,7 @@
           <p:cNvPr id="5" name="Slide Number Placeholder 4">
             <a:extLst>
               <a:ext uri="{FF2B5EF4-FFF2-40B4-BE49-F238E27FC236}">
-                <a16:creationId xmlns:a16="http://schemas.microsoft.com/office/drawing/2014/main" xmlns="" id="{87B51822-97FF-47A7-8E4E-A0F79B4EB237}"/>
+                <a16:creationId xmlns="" xmlns:a16="http://schemas.microsoft.com/office/drawing/2014/main" id="{87B51822-97FF-47A7-8E4E-A0F79B4EB237}"/>
               </a:ext>
             </a:extLst>
           </p:cNvPr>
@@ -27398,7 +28972,7 @@
           <p:cNvPr id="25" name="Text Placeholder 2">
             <a:extLst>
               <a:ext uri="{FF2B5EF4-FFF2-40B4-BE49-F238E27FC236}">
-                <a16:creationId xmlns:a16="http://schemas.microsoft.com/office/drawing/2014/main" xmlns="" id="{7FA80A70-18DE-4DB9-9982-BA75BE54CF93}"/>
+                <a16:creationId xmlns="" xmlns:a16="http://schemas.microsoft.com/office/drawing/2014/main" id="{7FA80A70-18DE-4DB9-9982-BA75BE54CF93}"/>
               </a:ext>
             </a:extLst>
           </p:cNvPr>
@@ -27476,7 +29050,7 @@
           <p:cNvPr id="26" name="Text Placeholder 4">
             <a:extLst>
               <a:ext uri="{FF2B5EF4-FFF2-40B4-BE49-F238E27FC236}">
-                <a16:creationId xmlns:a16="http://schemas.microsoft.com/office/drawing/2014/main" xmlns="" id="{2801C0EF-C078-44B0-AD01-4850E9A65EE0}"/>
+                <a16:creationId xmlns="" xmlns:a16="http://schemas.microsoft.com/office/drawing/2014/main" id="{2801C0EF-C078-44B0-AD01-4850E9A65EE0}"/>
               </a:ext>
             </a:extLst>
           </p:cNvPr>
@@ -27554,7 +29128,7 @@
           <p:cNvPr id="27" name="Content Placeholder 3">
             <a:extLst>
               <a:ext uri="{FF2B5EF4-FFF2-40B4-BE49-F238E27FC236}">
-                <a16:creationId xmlns:a16="http://schemas.microsoft.com/office/drawing/2014/main" xmlns="" id="{7C9DED91-45F6-4308-A085-1EFACA6468CF}"/>
+                <a16:creationId xmlns="" xmlns:a16="http://schemas.microsoft.com/office/drawing/2014/main" id="{7C9DED91-45F6-4308-A085-1EFACA6468CF}"/>
               </a:ext>
             </a:extLst>
           </p:cNvPr>
@@ -27655,7 +29229,7 @@
           <p:cNvPr id="28" name="Content Placeholder 5">
             <a:extLst>
               <a:ext uri="{FF2B5EF4-FFF2-40B4-BE49-F238E27FC236}">
-                <a16:creationId xmlns:a16="http://schemas.microsoft.com/office/drawing/2014/main" xmlns="" id="{0574B5E7-B666-439B-9278-67BE1EA6EBC5}"/>
+                <a16:creationId xmlns="" xmlns:a16="http://schemas.microsoft.com/office/drawing/2014/main" id="{0574B5E7-B666-439B-9278-67BE1EA6EBC5}"/>
               </a:ext>
             </a:extLst>
           </p:cNvPr>
@@ -27794,7 +29368,7 @@
           <p:cNvPr id="11" name="Rectangle 10">
             <a:extLst>
               <a:ext uri="{FF2B5EF4-FFF2-40B4-BE49-F238E27FC236}">
-                <a16:creationId xmlns:a16="http://schemas.microsoft.com/office/drawing/2014/main" xmlns="" id="{EB3E033F-4449-40FA-BC85-BD2712D313DD}"/>
+                <a16:creationId xmlns="" xmlns:a16="http://schemas.microsoft.com/office/drawing/2014/main" id="{EB3E033F-4449-40FA-BC85-BD2712D313DD}"/>
               </a:ext>
             </a:extLst>
           </p:cNvPr>
@@ -27848,7 +29422,7 @@
           <p:cNvPr id="10" name="Freeform: Shape 9">
             <a:extLst>
               <a:ext uri="{FF2B5EF4-FFF2-40B4-BE49-F238E27FC236}">
-                <a16:creationId xmlns:a16="http://schemas.microsoft.com/office/drawing/2014/main" xmlns="" id="{63D26743-0505-444C-80B3-E88EE87DF72B}"/>
+                <a16:creationId xmlns="" xmlns:a16="http://schemas.microsoft.com/office/drawing/2014/main" id="{63D26743-0505-444C-80B3-E88EE87DF72B}"/>
               </a:ext>
             </a:extLst>
           </p:cNvPr>
@@ -27971,7 +29545,7 @@
           <p:cNvPr id="18" name="Freeform: Shape 17">
             <a:extLst>
               <a:ext uri="{FF2B5EF4-FFF2-40B4-BE49-F238E27FC236}">
-                <a16:creationId xmlns:a16="http://schemas.microsoft.com/office/drawing/2014/main" xmlns="" id="{E37145E9-AC61-47D5-9288-8789940F81B6}"/>
+                <a16:creationId xmlns="" xmlns:a16="http://schemas.microsoft.com/office/drawing/2014/main" id="{E37145E9-AC61-47D5-9288-8789940F81B6}"/>
               </a:ext>
             </a:extLst>
           </p:cNvPr>
@@ -28123,7 +29697,7 @@
           <p:cNvPr id="12" name="Freeform: Shape 11">
             <a:extLst>
               <a:ext uri="{FF2B5EF4-FFF2-40B4-BE49-F238E27FC236}">
-                <a16:creationId xmlns:a16="http://schemas.microsoft.com/office/drawing/2014/main" xmlns="" id="{A5E2B3ED-9A49-40A7-B8A3-62595FE513F9}"/>
+                <a16:creationId xmlns="" xmlns:a16="http://schemas.microsoft.com/office/drawing/2014/main" id="{A5E2B3ED-9A49-40A7-B8A3-62595FE513F9}"/>
               </a:ext>
             </a:extLst>
           </p:cNvPr>
@@ -28273,7 +29847,7 @@
           <p:cNvPr id="8" name="Freeform: Shape 7">
             <a:extLst>
               <a:ext uri="{FF2B5EF4-FFF2-40B4-BE49-F238E27FC236}">
-                <a16:creationId xmlns:a16="http://schemas.microsoft.com/office/drawing/2014/main" xmlns="" id="{1599AF7E-3E34-4597-AA72-9373A7FDB020}"/>
+                <a16:creationId xmlns="" xmlns:a16="http://schemas.microsoft.com/office/drawing/2014/main" id="{1599AF7E-3E34-4597-AA72-9373A7FDB020}"/>
               </a:ext>
             </a:extLst>
           </p:cNvPr>
@@ -28419,7 +29993,7 @@
           <p:cNvPr id="2" name="Title 1">
             <a:extLst>
               <a:ext uri="{FF2B5EF4-FFF2-40B4-BE49-F238E27FC236}">
-                <a16:creationId xmlns:a16="http://schemas.microsoft.com/office/drawing/2014/main" xmlns="" id="{4A2DF563-7FAC-46B3-B24C-7E45CD89DA2B}"/>
+                <a16:creationId xmlns="" xmlns:a16="http://schemas.microsoft.com/office/drawing/2014/main" id="{4A2DF563-7FAC-46B3-B24C-7E45CD89DA2B}"/>
               </a:ext>
             </a:extLst>
           </p:cNvPr>
@@ -28465,7 +30039,7 @@
           <p:cNvPr id="15" name="Group 14">
             <a:extLst>
               <a:ext uri="{FF2B5EF4-FFF2-40B4-BE49-F238E27FC236}">
-                <a16:creationId xmlns:a16="http://schemas.microsoft.com/office/drawing/2014/main" xmlns="" id="{7732E1E7-45E3-4264-8F26-66758696DD1E}"/>
+                <a16:creationId xmlns="" xmlns:a16="http://schemas.microsoft.com/office/drawing/2014/main" id="{7732E1E7-45E3-4264-8F26-66758696DD1E}"/>
               </a:ext>
             </a:extLst>
           </p:cNvPr>
@@ -28485,7 +30059,7 @@
             <p:cNvPr id="16" name="Freeform: Shape 15">
               <a:extLst>
                 <a:ext uri="{FF2B5EF4-FFF2-40B4-BE49-F238E27FC236}">
-                  <a16:creationId xmlns:a16="http://schemas.microsoft.com/office/drawing/2014/main" xmlns="" id="{2E3DF883-8093-49FA-81E1-E5D77F086A25}"/>
+                  <a16:creationId xmlns="" xmlns:a16="http://schemas.microsoft.com/office/drawing/2014/main" id="{2E3DF883-8093-49FA-81E1-E5D77F086A25}"/>
                 </a:ext>
               </a:extLst>
             </p:cNvPr>
@@ -28575,7 +30149,7 @@
             <p:cNvPr id="17" name="Freeform: Shape 16">
               <a:extLst>
                 <a:ext uri="{FF2B5EF4-FFF2-40B4-BE49-F238E27FC236}">
-                  <a16:creationId xmlns:a16="http://schemas.microsoft.com/office/drawing/2014/main" xmlns="" id="{18944C90-37E5-4BBE-89FF-060627168050}"/>
+                  <a16:creationId xmlns="" xmlns:a16="http://schemas.microsoft.com/office/drawing/2014/main" id="{18944C90-37E5-4BBE-89FF-060627168050}"/>
                 </a:ext>
               </a:extLst>
             </p:cNvPr>
@@ -28674,7 +30248,7 @@
           <p:cNvPr id="6" name="Group 5">
             <a:extLst>
               <a:ext uri="{FF2B5EF4-FFF2-40B4-BE49-F238E27FC236}">
-                <a16:creationId xmlns:a16="http://schemas.microsoft.com/office/drawing/2014/main" xmlns="" id="{D9EBF8BB-A805-4DDB-B459-082F99815B95}"/>
+                <a16:creationId xmlns="" xmlns:a16="http://schemas.microsoft.com/office/drawing/2014/main" id="{D9EBF8BB-A805-4DDB-B459-082F99815B95}"/>
               </a:ext>
             </a:extLst>
           </p:cNvPr>
@@ -28694,7 +30268,7 @@
             <p:cNvPr id="19" name="Rectangle: Single Corner Snipped 18">
               <a:extLst>
                 <a:ext uri="{FF2B5EF4-FFF2-40B4-BE49-F238E27FC236}">
-                  <a16:creationId xmlns:a16="http://schemas.microsoft.com/office/drawing/2014/main" xmlns="" id="{5D638788-DD47-45E7-939A-FA108A818173}"/>
+                  <a16:creationId xmlns="" xmlns:a16="http://schemas.microsoft.com/office/drawing/2014/main" id="{5D638788-DD47-45E7-939A-FA108A818173}"/>
                 </a:ext>
               </a:extLst>
             </p:cNvPr>
@@ -28760,7 +30334,7 @@
             <p:cNvPr id="3" name="Rectangle: Single Corner Snipped 2">
               <a:extLst>
                 <a:ext uri="{FF2B5EF4-FFF2-40B4-BE49-F238E27FC236}">
-                  <a16:creationId xmlns:a16="http://schemas.microsoft.com/office/drawing/2014/main" xmlns="" id="{74BDECEF-EEFE-4332-B3B2-BDE4F82C10FC}"/>
+                  <a16:creationId xmlns="" xmlns:a16="http://schemas.microsoft.com/office/drawing/2014/main" id="{74BDECEF-EEFE-4332-B3B2-BDE4F82C10FC}"/>
                 </a:ext>
               </a:extLst>
             </p:cNvPr>
@@ -28817,7 +30391,7 @@
           <p:cNvPr id="24" name="Freeform: Shape 23">
             <a:extLst>
               <a:ext uri="{FF2B5EF4-FFF2-40B4-BE49-F238E27FC236}">
-                <a16:creationId xmlns:a16="http://schemas.microsoft.com/office/drawing/2014/main" xmlns="" id="{18103E00-7E4A-44CD-81AC-06433CAE1110}"/>
+                <a16:creationId xmlns="" xmlns:a16="http://schemas.microsoft.com/office/drawing/2014/main" id="{18103E00-7E4A-44CD-81AC-06433CAE1110}"/>
               </a:ext>
             </a:extLst>
           </p:cNvPr>
@@ -28912,7 +30486,7 @@
           <p:cNvPr id="5" name="Slide Number Placeholder 4">
             <a:extLst>
               <a:ext uri="{FF2B5EF4-FFF2-40B4-BE49-F238E27FC236}">
-                <a16:creationId xmlns:a16="http://schemas.microsoft.com/office/drawing/2014/main" xmlns="" id="{87B51822-97FF-47A7-8E4E-A0F79B4EB237}"/>
+                <a16:creationId xmlns="" xmlns:a16="http://schemas.microsoft.com/office/drawing/2014/main" id="{87B51822-97FF-47A7-8E4E-A0F79B4EB237}"/>
               </a:ext>
             </a:extLst>
           </p:cNvPr>
@@ -28956,7 +30530,7 @@
           <p:cNvPr id="20" name="Content Placeholder 2">
             <a:extLst>
               <a:ext uri="{FF2B5EF4-FFF2-40B4-BE49-F238E27FC236}">
-                <a16:creationId xmlns:a16="http://schemas.microsoft.com/office/drawing/2014/main" xmlns="" id="{FE796BFF-6E5F-4DE7-B193-F501FC094D63}"/>
+                <a16:creationId xmlns="" xmlns:a16="http://schemas.microsoft.com/office/drawing/2014/main" id="{FE796BFF-6E5F-4DE7-B193-F501FC094D63}"/>
               </a:ext>
             </a:extLst>
           </p:cNvPr>
@@ -29067,7 +30641,7 @@
           <p:cNvPr id="21" name="Content Placeholder 3">
             <a:extLst>
               <a:ext uri="{FF2B5EF4-FFF2-40B4-BE49-F238E27FC236}">
-                <a16:creationId xmlns:a16="http://schemas.microsoft.com/office/drawing/2014/main" xmlns="" id="{78622754-CA4D-4C27-A37F-B26E7B4C9CA2}"/>
+                <a16:creationId xmlns="" xmlns:a16="http://schemas.microsoft.com/office/drawing/2014/main" id="{78622754-CA4D-4C27-A37F-B26E7B4C9CA2}"/>
               </a:ext>
             </a:extLst>
           </p:cNvPr>
@@ -29203,7 +30777,7 @@
           <p:cNvPr id="2" name="Title Placeholder 1">
             <a:extLst>
               <a:ext uri="{FF2B5EF4-FFF2-40B4-BE49-F238E27FC236}">
-                <a16:creationId xmlns:a16="http://schemas.microsoft.com/office/drawing/2014/main" xmlns="" id="{761B0E15-6FC5-434E-8780-B186D9DB0CD0}"/>
+                <a16:creationId xmlns="" xmlns:a16="http://schemas.microsoft.com/office/drawing/2014/main" id="{761B0E15-6FC5-434E-8780-B186D9DB0CD0}"/>
               </a:ext>
             </a:extLst>
           </p:cNvPr>
@@ -29242,7 +30816,7 @@
           <p:cNvPr id="3" name="Text Placeholder 2">
             <a:extLst>
               <a:ext uri="{FF2B5EF4-FFF2-40B4-BE49-F238E27FC236}">
-                <a16:creationId xmlns:a16="http://schemas.microsoft.com/office/drawing/2014/main" xmlns="" id="{A9C7B128-34F3-405C-B601-8BAFDB43499C}"/>
+                <a16:creationId xmlns="" xmlns:a16="http://schemas.microsoft.com/office/drawing/2014/main" id="{A9C7B128-34F3-405C-B601-8BAFDB43499C}"/>
               </a:ext>
             </a:extLst>
           </p:cNvPr>
@@ -29310,7 +30884,7 @@
           <p:cNvPr id="6" name="Slide Number Placeholder 5">
             <a:extLst>
               <a:ext uri="{FF2B5EF4-FFF2-40B4-BE49-F238E27FC236}">
-                <a16:creationId xmlns:a16="http://schemas.microsoft.com/office/drawing/2014/main" xmlns="" id="{9F5A7754-E8C7-438B-922D-9027C6CF58E2}"/>
+                <a16:creationId xmlns="" xmlns:a16="http://schemas.microsoft.com/office/drawing/2014/main" id="{9F5A7754-E8C7-438B-922D-9027C6CF58E2}"/>
               </a:ext>
             </a:extLst>
           </p:cNvPr>
@@ -29357,7 +30931,7 @@
           <p:cNvPr id="5" name="Rectangle 4">
             <a:extLst>
               <a:ext uri="{FF2B5EF4-FFF2-40B4-BE49-F238E27FC236}">
-                <a16:creationId xmlns:a16="http://schemas.microsoft.com/office/drawing/2014/main" xmlns="" id="{7CDDDB7D-9189-9548-A2B9-81DC62C3C1A3}"/>
+                <a16:creationId xmlns="" xmlns:a16="http://schemas.microsoft.com/office/drawing/2014/main" id="{7CDDDB7D-9189-9548-A2B9-81DC62C3C1A3}"/>
               </a:ext>
             </a:extLst>
           </p:cNvPr>
@@ -29411,7 +30985,7 @@
           <p:cNvPr id="7" name="Freeform: Shape 9">
             <a:extLst>
               <a:ext uri="{FF2B5EF4-FFF2-40B4-BE49-F238E27FC236}">
-                <a16:creationId xmlns:a16="http://schemas.microsoft.com/office/drawing/2014/main" xmlns="" id="{096D8877-6B4A-4540-8927-767DD7401718}"/>
+                <a16:creationId xmlns="" xmlns:a16="http://schemas.microsoft.com/office/drawing/2014/main" id="{096D8877-6B4A-4540-8927-767DD7401718}"/>
               </a:ext>
             </a:extLst>
           </p:cNvPr>
@@ -29534,7 +31108,7 @@
           <p:cNvPr id="8" name="Freeform: Shape 17">
             <a:extLst>
               <a:ext uri="{FF2B5EF4-FFF2-40B4-BE49-F238E27FC236}">
-                <a16:creationId xmlns:a16="http://schemas.microsoft.com/office/drawing/2014/main" xmlns="" id="{5AF2E123-FE0F-8541-8E36-5030C450AA7E}"/>
+                <a16:creationId xmlns="" xmlns:a16="http://schemas.microsoft.com/office/drawing/2014/main" id="{5AF2E123-FE0F-8541-8E36-5030C450AA7E}"/>
               </a:ext>
             </a:extLst>
           </p:cNvPr>
@@ -29686,7 +31260,7 @@
           <p:cNvPr id="9" name="Freeform: Shape 11">
             <a:extLst>
               <a:ext uri="{FF2B5EF4-FFF2-40B4-BE49-F238E27FC236}">
-                <a16:creationId xmlns:a16="http://schemas.microsoft.com/office/drawing/2014/main" xmlns="" id="{E5519D99-3B68-924A-9CD0-14B911711CA8}"/>
+                <a16:creationId xmlns="" xmlns:a16="http://schemas.microsoft.com/office/drawing/2014/main" id="{E5519D99-3B68-924A-9CD0-14B911711CA8}"/>
               </a:ext>
             </a:extLst>
           </p:cNvPr>
@@ -29836,7 +31410,7 @@
           <p:cNvPr id="10" name="Freeform: Shape 7">
             <a:extLst>
               <a:ext uri="{FF2B5EF4-FFF2-40B4-BE49-F238E27FC236}">
-                <a16:creationId xmlns:a16="http://schemas.microsoft.com/office/drawing/2014/main" xmlns="" id="{A09E21A9-FBEF-144C-A152-FE484F3C55C1}"/>
+                <a16:creationId xmlns="" xmlns:a16="http://schemas.microsoft.com/office/drawing/2014/main" id="{A09E21A9-FBEF-144C-A152-FE484F3C55C1}"/>
               </a:ext>
             </a:extLst>
           </p:cNvPr>
@@ -29982,7 +31556,7 @@
           <p:cNvPr id="11" name="Title 1">
             <a:extLst>
               <a:ext uri="{FF2B5EF4-FFF2-40B4-BE49-F238E27FC236}">
-                <a16:creationId xmlns:a16="http://schemas.microsoft.com/office/drawing/2014/main" xmlns="" id="{70C7F2CB-A8CE-1545-A08D-93592C4BAEEA}"/>
+                <a16:creationId xmlns="" xmlns:a16="http://schemas.microsoft.com/office/drawing/2014/main" id="{70C7F2CB-A8CE-1545-A08D-93592C4BAEEA}"/>
               </a:ext>
             </a:extLst>
           </p:cNvPr>
@@ -30038,7 +31612,7 @@
           <p:cNvPr id="12" name="Group 11">
             <a:extLst>
               <a:ext uri="{FF2B5EF4-FFF2-40B4-BE49-F238E27FC236}">
-                <a16:creationId xmlns:a16="http://schemas.microsoft.com/office/drawing/2014/main" xmlns="" id="{7068FCE4-1B47-3C4B-B091-013120A97D09}"/>
+                <a16:creationId xmlns="" xmlns:a16="http://schemas.microsoft.com/office/drawing/2014/main" id="{7068FCE4-1B47-3C4B-B091-013120A97D09}"/>
               </a:ext>
             </a:extLst>
           </p:cNvPr>
@@ -30058,7 +31632,7 @@
             <p:cNvPr id="13" name="Freeform: Shape 15">
               <a:extLst>
                 <a:ext uri="{FF2B5EF4-FFF2-40B4-BE49-F238E27FC236}">
-                  <a16:creationId xmlns:a16="http://schemas.microsoft.com/office/drawing/2014/main" xmlns="" id="{FEC3FDE7-F27E-5E4E-8752-287CAB7792D4}"/>
+                  <a16:creationId xmlns="" xmlns:a16="http://schemas.microsoft.com/office/drawing/2014/main" id="{FEC3FDE7-F27E-5E4E-8752-287CAB7792D4}"/>
                 </a:ext>
               </a:extLst>
             </p:cNvPr>
@@ -30148,7 +31722,7 @@
             <p:cNvPr id="14" name="Freeform: Shape 16">
               <a:extLst>
                 <a:ext uri="{FF2B5EF4-FFF2-40B4-BE49-F238E27FC236}">
-                  <a16:creationId xmlns:a16="http://schemas.microsoft.com/office/drawing/2014/main" xmlns="" id="{81C902DB-0D21-5044-82B6-9E7A70A1BF62}"/>
+                  <a16:creationId xmlns="" xmlns:a16="http://schemas.microsoft.com/office/drawing/2014/main" id="{81C902DB-0D21-5044-82B6-9E7A70A1BF62}"/>
                 </a:ext>
               </a:extLst>
             </p:cNvPr>
@@ -30247,7 +31821,7 @@
           <p:cNvPr id="15" name="Group 14">
             <a:extLst>
               <a:ext uri="{FF2B5EF4-FFF2-40B4-BE49-F238E27FC236}">
-                <a16:creationId xmlns:a16="http://schemas.microsoft.com/office/drawing/2014/main" xmlns="" id="{BE1E08A0-195D-694F-947B-986A76FBB93E}"/>
+                <a16:creationId xmlns="" xmlns:a16="http://schemas.microsoft.com/office/drawing/2014/main" id="{BE1E08A0-195D-694F-947B-986A76FBB93E}"/>
               </a:ext>
             </a:extLst>
           </p:cNvPr>
@@ -30267,7 +31841,7 @@
             <p:cNvPr id="16" name="Rectangle: Single Corner Snipped 18">
               <a:extLst>
                 <a:ext uri="{FF2B5EF4-FFF2-40B4-BE49-F238E27FC236}">
-                  <a16:creationId xmlns:a16="http://schemas.microsoft.com/office/drawing/2014/main" xmlns="" id="{ED5DFFCD-1EE3-E64E-B51F-BD7D72413E0B}"/>
+                  <a16:creationId xmlns="" xmlns:a16="http://schemas.microsoft.com/office/drawing/2014/main" id="{ED5DFFCD-1EE3-E64E-B51F-BD7D72413E0B}"/>
                 </a:ext>
               </a:extLst>
             </p:cNvPr>
@@ -30333,7 +31907,7 @@
             <p:cNvPr id="17" name="Rectangle: Single Corner Snipped 2">
               <a:extLst>
                 <a:ext uri="{FF2B5EF4-FFF2-40B4-BE49-F238E27FC236}">
-                  <a16:creationId xmlns:a16="http://schemas.microsoft.com/office/drawing/2014/main" xmlns="" id="{C12DB3CA-8E64-AA43-BFBE-A2CA9A816DBE}"/>
+                  <a16:creationId xmlns="" xmlns:a16="http://schemas.microsoft.com/office/drawing/2014/main" id="{C12DB3CA-8E64-AA43-BFBE-A2CA9A816DBE}"/>
                 </a:ext>
               </a:extLst>
             </p:cNvPr>
@@ -30390,7 +31964,7 @@
           <p:cNvPr id="18" name="Freeform: Shape 23">
             <a:extLst>
               <a:ext uri="{FF2B5EF4-FFF2-40B4-BE49-F238E27FC236}">
-                <a16:creationId xmlns:a16="http://schemas.microsoft.com/office/drawing/2014/main" xmlns="" id="{A587DEFD-D470-4142-8E0D-A71DDB147C92}"/>
+                <a16:creationId xmlns="" xmlns:a16="http://schemas.microsoft.com/office/drawing/2014/main" id="{A587DEFD-D470-4142-8E0D-A71DDB147C92}"/>
               </a:ext>
             </a:extLst>
           </p:cNvPr>
@@ -30485,7 +32059,7 @@
           <p:cNvPr id="19" name="Slide Number Placeholder 4">
             <a:extLst>
               <a:ext uri="{FF2B5EF4-FFF2-40B4-BE49-F238E27FC236}">
-                <a16:creationId xmlns:a16="http://schemas.microsoft.com/office/drawing/2014/main" xmlns="" id="{7D9BF857-7910-734D-A217-5E3344220AA2}"/>
+                <a16:creationId xmlns="" xmlns:a16="http://schemas.microsoft.com/office/drawing/2014/main" id="{7D9BF857-7910-734D-A217-5E3344220AA2}"/>
               </a:ext>
             </a:extLst>
           </p:cNvPr>
@@ -31002,7 +32576,7 @@
           <p:cNvPr id="2" name="Title 1">
             <a:extLst>
               <a:ext uri="{FF2B5EF4-FFF2-40B4-BE49-F238E27FC236}">
-                <a16:creationId xmlns:a16="http://schemas.microsoft.com/office/drawing/2014/main" xmlns="" id="{632BE5BF-9922-45FB-8F3F-4446D40A051B}"/>
+                <a16:creationId xmlns="" xmlns:a16="http://schemas.microsoft.com/office/drawing/2014/main" id="{632BE5BF-9922-45FB-8F3F-4446D40A051B}"/>
               </a:ext>
             </a:extLst>
           </p:cNvPr>
@@ -31084,7 +32658,7 @@
           <p:cNvPr id="3" name="Subtitle 2">
             <a:extLst>
               <a:ext uri="{FF2B5EF4-FFF2-40B4-BE49-F238E27FC236}">
-                <a16:creationId xmlns:a16="http://schemas.microsoft.com/office/drawing/2014/main" xmlns="" id="{0D537F64-4C96-4AA8-BB21-E8053A3186DD}"/>
+                <a16:creationId xmlns="" xmlns:a16="http://schemas.microsoft.com/office/drawing/2014/main" id="{0D537F64-4C96-4AA8-BB21-E8053A3186DD}"/>
               </a:ext>
             </a:extLst>
           </p:cNvPr>
@@ -31304,7 +32878,7 @@
           <p:cNvPr id="4" name="Title 3">
             <a:extLst>
               <a:ext uri="{FF2B5EF4-FFF2-40B4-BE49-F238E27FC236}">
-                <a16:creationId xmlns:a16="http://schemas.microsoft.com/office/drawing/2014/main" xmlns="" id="{E3BD8413-C238-49D7-A4E1-E8FEF1811A0E}"/>
+                <a16:creationId xmlns="" xmlns:a16="http://schemas.microsoft.com/office/drawing/2014/main" id="{E3BD8413-C238-49D7-A4E1-E8FEF1811A0E}"/>
               </a:ext>
             </a:extLst>
           </p:cNvPr>
@@ -31356,7 +32930,7 @@
           <p:cNvPr id="5" name="Text Placeholder 4">
             <a:extLst>
               <a:ext uri="{FF2B5EF4-FFF2-40B4-BE49-F238E27FC236}">
-                <a16:creationId xmlns:a16="http://schemas.microsoft.com/office/drawing/2014/main" xmlns="" id="{0A95F4DE-39B7-4CE2-BC1E-8B8AE662A895}"/>
+                <a16:creationId xmlns="" xmlns:a16="http://schemas.microsoft.com/office/drawing/2014/main" id="{0A95F4DE-39B7-4CE2-BC1E-8B8AE662A895}"/>
               </a:ext>
             </a:extLst>
           </p:cNvPr>
@@ -31393,7 +32967,7 @@
           <p:cNvPr id="2" name="Slide Number Placeholder 1">
             <a:extLst>
               <a:ext uri="{FF2B5EF4-FFF2-40B4-BE49-F238E27FC236}">
-                <a16:creationId xmlns:a16="http://schemas.microsoft.com/office/drawing/2014/main" xmlns="" id="{0B24BF10-2B55-43AB-9F77-F1A1410384A9}"/>
+                <a16:creationId xmlns="" xmlns:a16="http://schemas.microsoft.com/office/drawing/2014/main" id="{0B24BF10-2B55-43AB-9F77-F1A1410384A9}"/>
               </a:ext>
             </a:extLst>
           </p:cNvPr>
@@ -31472,7 +33046,7 @@
           <p:cNvPr id="4" name="Title 3">
             <a:extLst>
               <a:ext uri="{FF2B5EF4-FFF2-40B4-BE49-F238E27FC236}">
-                <a16:creationId xmlns:a16="http://schemas.microsoft.com/office/drawing/2014/main" xmlns="" id="{E3BD8413-C238-49D7-A4E1-E8FEF1811A0E}"/>
+                <a16:creationId xmlns="" xmlns:a16="http://schemas.microsoft.com/office/drawing/2014/main" id="{E3BD8413-C238-49D7-A4E1-E8FEF1811A0E}"/>
               </a:ext>
             </a:extLst>
           </p:cNvPr>
@@ -31524,7 +33098,7 @@
           <p:cNvPr id="5" name="Text Placeholder 4">
             <a:extLst>
               <a:ext uri="{FF2B5EF4-FFF2-40B4-BE49-F238E27FC236}">
-                <a16:creationId xmlns:a16="http://schemas.microsoft.com/office/drawing/2014/main" xmlns="" id="{0A95F4DE-39B7-4CE2-BC1E-8B8AE662A895}"/>
+                <a16:creationId xmlns="" xmlns:a16="http://schemas.microsoft.com/office/drawing/2014/main" id="{0A95F4DE-39B7-4CE2-BC1E-8B8AE662A895}"/>
               </a:ext>
             </a:extLst>
           </p:cNvPr>
@@ -31561,7 +33135,7 @@
           <p:cNvPr id="2" name="Slide Number Placeholder 1">
             <a:extLst>
               <a:ext uri="{FF2B5EF4-FFF2-40B4-BE49-F238E27FC236}">
-                <a16:creationId xmlns:a16="http://schemas.microsoft.com/office/drawing/2014/main" xmlns="" id="{0B24BF10-2B55-43AB-9F77-F1A1410384A9}"/>
+                <a16:creationId xmlns="" xmlns:a16="http://schemas.microsoft.com/office/drawing/2014/main" id="{0B24BF10-2B55-43AB-9F77-F1A1410384A9}"/>
               </a:ext>
             </a:extLst>
           </p:cNvPr>
@@ -31638,8 +33212,8 @@
         </p:blipFill>
         <p:spPr>
           <a:xfrm>
-            <a:off x="7058584" y="900062"/>
-            <a:ext cx="2820521" cy="1881646"/>
+            <a:off x="6244322" y="900062"/>
+            <a:ext cx="3634783" cy="2424862"/>
           </a:xfrm>
           <a:prstGeom prst="rect">
             <a:avLst/>
@@ -31662,7 +33236,7 @@
         </p:blipFill>
         <p:spPr>
           <a:xfrm>
-            <a:off x="831850" y="4809257"/>
+            <a:off x="1298018" y="4809257"/>
             <a:ext cx="3552489" cy="847753"/>
           </a:xfrm>
           <a:prstGeom prst="rect">
@@ -31670,6 +33244,152 @@
           </a:prstGeom>
         </p:spPr>
       </p:pic>
+      <p:sp>
+        <p:nvSpPr>
+          <p:cNvPr id="3" name="TextBox 2"/>
+          <p:cNvSpPr txBox="1"/>
+          <p:nvPr/>
+        </p:nvSpPr>
+        <p:spPr>
+          <a:xfrm>
+            <a:off x="1362635" y="3324924"/>
+            <a:ext cx="1757083" cy="769441"/>
+          </a:xfrm>
+          <a:prstGeom prst="rect">
+            <a:avLst/>
+          </a:prstGeom>
+          <a:noFill/>
+        </p:spPr>
+        <p:txBody>
+          <a:bodyPr wrap="square" rtlCol="0">
+            <a:spAutoFit/>
+          </a:bodyPr>
+          <a:lstStyle/>
+          <a:p>
+            <a:r>
+              <a:rPr lang="en-US" sz="4400" dirty="0" err="1" smtClean="0">
+                <a:solidFill>
+                  <a:schemeClr val="bg1"/>
+                </a:solidFill>
+              </a:rPr>
+              <a:t>Maket</a:t>
+            </a:r>
+            <a:endParaRPr lang="en-US" sz="4400" dirty="0">
+              <a:solidFill>
+                <a:schemeClr val="bg1"/>
+              </a:solidFill>
+            </a:endParaRPr>
+          </a:p>
+        </p:txBody>
+      </p:sp>
+      <p:sp>
+        <p:nvSpPr>
+          <p:cNvPr id="10" name="TextBox 9"/>
+          <p:cNvSpPr txBox="1"/>
+          <p:nvPr/>
+        </p:nvSpPr>
+        <p:spPr>
+          <a:xfrm>
+            <a:off x="5638800" y="3422593"/>
+            <a:ext cx="5334000" cy="769441"/>
+          </a:xfrm>
+          <a:prstGeom prst="rect">
+            <a:avLst/>
+          </a:prstGeom>
+          <a:noFill/>
+        </p:spPr>
+        <p:txBody>
+          <a:bodyPr wrap="square" rtlCol="0">
+            <a:spAutoFit/>
+          </a:bodyPr>
+          <a:lstStyle/>
+          <a:p>
+            <a:r>
+              <a:rPr lang="en-US" sz="4400" dirty="0" err="1" smtClean="0">
+                <a:solidFill>
+                  <a:schemeClr val="bg1"/>
+                </a:solidFill>
+              </a:rPr>
+              <a:t>Gambar</a:t>
+            </a:r>
+            <a:r>
+              <a:rPr lang="en-US" sz="4400" dirty="0" smtClean="0">
+                <a:solidFill>
+                  <a:schemeClr val="bg1"/>
+                </a:solidFill>
+              </a:rPr>
+              <a:t> </a:t>
+            </a:r>
+            <a:r>
+              <a:rPr lang="en-US" sz="4400" dirty="0" err="1" smtClean="0">
+                <a:solidFill>
+                  <a:schemeClr val="bg1"/>
+                </a:solidFill>
+              </a:rPr>
+              <a:t>Rancangan</a:t>
+            </a:r>
+            <a:endParaRPr lang="en-US" sz="4400" dirty="0">
+              <a:solidFill>
+                <a:schemeClr val="bg1"/>
+              </a:solidFill>
+            </a:endParaRPr>
+          </a:p>
+        </p:txBody>
+      </p:sp>
+      <p:sp>
+        <p:nvSpPr>
+          <p:cNvPr id="12" name="TextBox 11"/>
+          <p:cNvSpPr txBox="1"/>
+          <p:nvPr/>
+        </p:nvSpPr>
+        <p:spPr>
+          <a:xfrm>
+            <a:off x="452718" y="5657010"/>
+            <a:ext cx="5334000" cy="769441"/>
+          </a:xfrm>
+          <a:prstGeom prst="rect">
+            <a:avLst/>
+          </a:prstGeom>
+          <a:noFill/>
+        </p:spPr>
+        <p:txBody>
+          <a:bodyPr wrap="square" rtlCol="0">
+            <a:spAutoFit/>
+          </a:bodyPr>
+          <a:lstStyle/>
+          <a:p>
+            <a:r>
+              <a:rPr lang="en-US" sz="4400" dirty="0" err="1" smtClean="0">
+                <a:solidFill>
+                  <a:schemeClr val="bg1"/>
+                </a:solidFill>
+              </a:rPr>
+              <a:t>Rumusan</a:t>
+            </a:r>
+            <a:r>
+              <a:rPr lang="en-US" sz="4400" dirty="0" smtClean="0">
+                <a:solidFill>
+                  <a:schemeClr val="bg1"/>
+                </a:solidFill>
+              </a:rPr>
+              <a:t> </a:t>
+            </a:r>
+            <a:r>
+              <a:rPr lang="en-US" sz="4400" dirty="0" err="1" smtClean="0">
+                <a:solidFill>
+                  <a:schemeClr val="bg1"/>
+                </a:solidFill>
+              </a:rPr>
+              <a:t>Matematis</a:t>
+            </a:r>
+            <a:endParaRPr lang="en-US" sz="4400" dirty="0">
+              <a:solidFill>
+                <a:schemeClr val="bg1"/>
+              </a:solidFill>
+            </a:endParaRPr>
+          </a:p>
+        </p:txBody>
+      </p:sp>
     </p:spTree>
     <p:extLst>
       <p:ext uri="{BB962C8B-B14F-4D97-AF65-F5344CB8AC3E}">
@@ -31695,9 +33415,577 @@
   <p:timing>
     <p:tnLst>
       <p:par>
-        <p:cTn id="1" dur="indefinite" restart="never" nodeType="tmRoot"/>
+        <p:cTn id="1" dur="indefinite" restart="never" nodeType="tmRoot">
+          <p:childTnLst>
+            <p:seq concurrent="1" nextAc="seek">
+              <p:cTn id="2" dur="indefinite" nodeType="mainSeq">
+                <p:childTnLst>
+                  <p:par>
+                    <p:cTn id="3" fill="hold">
+                      <p:stCondLst>
+                        <p:cond delay="indefinite"/>
+                      </p:stCondLst>
+                      <p:childTnLst>
+                        <p:par>
+                          <p:cTn id="4" fill="hold">
+                            <p:stCondLst>
+                              <p:cond delay="0"/>
+                            </p:stCondLst>
+                            <p:childTnLst>
+                              <p:par>
+                                <p:cTn id="5" presetID="42" presetClass="entr" presetSubtype="0" fill="hold" nodeType="clickEffect">
+                                  <p:stCondLst>
+                                    <p:cond delay="0"/>
+                                  </p:stCondLst>
+                                  <p:childTnLst>
+                                    <p:set>
+                                      <p:cBhvr>
+                                        <p:cTn id="6" dur="1" fill="hold">
+                                          <p:stCondLst>
+                                            <p:cond delay="0"/>
+                                          </p:stCondLst>
+                                        </p:cTn>
+                                        <p:tgtEl>
+                                          <p:spTgt spid="6"/>
+                                        </p:tgtEl>
+                                        <p:attrNameLst>
+                                          <p:attrName>style.visibility</p:attrName>
+                                        </p:attrNameLst>
+                                      </p:cBhvr>
+                                      <p:to>
+                                        <p:strVal val="visible"/>
+                                      </p:to>
+                                    </p:set>
+                                    <p:animEffect transition="in" filter="fade">
+                                      <p:cBhvr>
+                                        <p:cTn id="7" dur="1000"/>
+                                        <p:tgtEl>
+                                          <p:spTgt spid="6"/>
+                                        </p:tgtEl>
+                                      </p:cBhvr>
+                                    </p:animEffect>
+                                    <p:anim calcmode="lin" valueType="num">
+                                      <p:cBhvr>
+                                        <p:cTn id="8" dur="1000" fill="hold"/>
+                                        <p:tgtEl>
+                                          <p:spTgt spid="6"/>
+                                        </p:tgtEl>
+                                        <p:attrNameLst>
+                                          <p:attrName>ppt_x</p:attrName>
+                                        </p:attrNameLst>
+                                      </p:cBhvr>
+                                      <p:tavLst>
+                                        <p:tav tm="0">
+                                          <p:val>
+                                            <p:strVal val="#ppt_x"/>
+                                          </p:val>
+                                        </p:tav>
+                                        <p:tav tm="100000">
+                                          <p:val>
+                                            <p:strVal val="#ppt_x"/>
+                                          </p:val>
+                                        </p:tav>
+                                      </p:tavLst>
+                                    </p:anim>
+                                    <p:anim calcmode="lin" valueType="num">
+                                      <p:cBhvr>
+                                        <p:cTn id="9" dur="1000" fill="hold"/>
+                                        <p:tgtEl>
+                                          <p:spTgt spid="6"/>
+                                        </p:tgtEl>
+                                        <p:attrNameLst>
+                                          <p:attrName>ppt_y</p:attrName>
+                                        </p:attrNameLst>
+                                      </p:cBhvr>
+                                      <p:tavLst>
+                                        <p:tav tm="0">
+                                          <p:val>
+                                            <p:strVal val="#ppt_y+.1"/>
+                                          </p:val>
+                                        </p:tav>
+                                        <p:tav tm="100000">
+                                          <p:val>
+                                            <p:strVal val="#ppt_y"/>
+                                          </p:val>
+                                        </p:tav>
+                                      </p:tavLst>
+                                    </p:anim>
+                                  </p:childTnLst>
+                                </p:cTn>
+                              </p:par>
+                              <p:par>
+                                <p:cTn id="10" presetID="42" presetClass="entr" presetSubtype="0" fill="hold" grpId="0" nodeType="withEffect">
+                                  <p:stCondLst>
+                                    <p:cond delay="0"/>
+                                  </p:stCondLst>
+                                  <p:childTnLst>
+                                    <p:set>
+                                      <p:cBhvr>
+                                        <p:cTn id="11" dur="1" fill="hold">
+                                          <p:stCondLst>
+                                            <p:cond delay="0"/>
+                                          </p:stCondLst>
+                                        </p:cTn>
+                                        <p:tgtEl>
+                                          <p:spTgt spid="3"/>
+                                        </p:tgtEl>
+                                        <p:attrNameLst>
+                                          <p:attrName>style.visibility</p:attrName>
+                                        </p:attrNameLst>
+                                      </p:cBhvr>
+                                      <p:to>
+                                        <p:strVal val="visible"/>
+                                      </p:to>
+                                    </p:set>
+                                    <p:animEffect transition="in" filter="fade">
+                                      <p:cBhvr>
+                                        <p:cTn id="12" dur="1000"/>
+                                        <p:tgtEl>
+                                          <p:spTgt spid="3"/>
+                                        </p:tgtEl>
+                                      </p:cBhvr>
+                                    </p:animEffect>
+                                    <p:anim calcmode="lin" valueType="num">
+                                      <p:cBhvr>
+                                        <p:cTn id="13" dur="1000" fill="hold"/>
+                                        <p:tgtEl>
+                                          <p:spTgt spid="3"/>
+                                        </p:tgtEl>
+                                        <p:attrNameLst>
+                                          <p:attrName>ppt_x</p:attrName>
+                                        </p:attrNameLst>
+                                      </p:cBhvr>
+                                      <p:tavLst>
+                                        <p:tav tm="0">
+                                          <p:val>
+                                            <p:strVal val="#ppt_x"/>
+                                          </p:val>
+                                        </p:tav>
+                                        <p:tav tm="100000">
+                                          <p:val>
+                                            <p:strVal val="#ppt_x"/>
+                                          </p:val>
+                                        </p:tav>
+                                      </p:tavLst>
+                                    </p:anim>
+                                    <p:anim calcmode="lin" valueType="num">
+                                      <p:cBhvr>
+                                        <p:cTn id="14" dur="1000" fill="hold"/>
+                                        <p:tgtEl>
+                                          <p:spTgt spid="3"/>
+                                        </p:tgtEl>
+                                        <p:attrNameLst>
+                                          <p:attrName>ppt_y</p:attrName>
+                                        </p:attrNameLst>
+                                      </p:cBhvr>
+                                      <p:tavLst>
+                                        <p:tav tm="0">
+                                          <p:val>
+                                            <p:strVal val="#ppt_y+.1"/>
+                                          </p:val>
+                                        </p:tav>
+                                        <p:tav tm="100000">
+                                          <p:val>
+                                            <p:strVal val="#ppt_y"/>
+                                          </p:val>
+                                        </p:tav>
+                                      </p:tavLst>
+                                    </p:anim>
+                                  </p:childTnLst>
+                                </p:cTn>
+                              </p:par>
+                            </p:childTnLst>
+                          </p:cTn>
+                        </p:par>
+                      </p:childTnLst>
+                    </p:cTn>
+                  </p:par>
+                  <p:par>
+                    <p:cTn id="15" fill="hold">
+                      <p:stCondLst>
+                        <p:cond delay="indefinite"/>
+                      </p:stCondLst>
+                      <p:childTnLst>
+                        <p:par>
+                          <p:cTn id="16" fill="hold">
+                            <p:stCondLst>
+                              <p:cond delay="0"/>
+                            </p:stCondLst>
+                            <p:childTnLst>
+                              <p:par>
+                                <p:cTn id="17" presetID="42" presetClass="entr" presetSubtype="0" fill="hold" nodeType="clickEffect">
+                                  <p:stCondLst>
+                                    <p:cond delay="0"/>
+                                  </p:stCondLst>
+                                  <p:childTnLst>
+                                    <p:set>
+                                      <p:cBhvr>
+                                        <p:cTn id="18" dur="1" fill="hold">
+                                          <p:stCondLst>
+                                            <p:cond delay="0"/>
+                                          </p:stCondLst>
+                                        </p:cTn>
+                                        <p:tgtEl>
+                                          <p:spTgt spid="9"/>
+                                        </p:tgtEl>
+                                        <p:attrNameLst>
+                                          <p:attrName>style.visibility</p:attrName>
+                                        </p:attrNameLst>
+                                      </p:cBhvr>
+                                      <p:to>
+                                        <p:strVal val="visible"/>
+                                      </p:to>
+                                    </p:set>
+                                    <p:animEffect transition="in" filter="fade">
+                                      <p:cBhvr>
+                                        <p:cTn id="19" dur="1000"/>
+                                        <p:tgtEl>
+                                          <p:spTgt spid="9"/>
+                                        </p:tgtEl>
+                                      </p:cBhvr>
+                                    </p:animEffect>
+                                    <p:anim calcmode="lin" valueType="num">
+                                      <p:cBhvr>
+                                        <p:cTn id="20" dur="1000" fill="hold"/>
+                                        <p:tgtEl>
+                                          <p:spTgt spid="9"/>
+                                        </p:tgtEl>
+                                        <p:attrNameLst>
+                                          <p:attrName>ppt_x</p:attrName>
+                                        </p:attrNameLst>
+                                      </p:cBhvr>
+                                      <p:tavLst>
+                                        <p:tav tm="0">
+                                          <p:val>
+                                            <p:strVal val="#ppt_x"/>
+                                          </p:val>
+                                        </p:tav>
+                                        <p:tav tm="100000">
+                                          <p:val>
+                                            <p:strVal val="#ppt_x"/>
+                                          </p:val>
+                                        </p:tav>
+                                      </p:tavLst>
+                                    </p:anim>
+                                    <p:anim calcmode="lin" valueType="num">
+                                      <p:cBhvr>
+                                        <p:cTn id="21" dur="1000" fill="hold"/>
+                                        <p:tgtEl>
+                                          <p:spTgt spid="9"/>
+                                        </p:tgtEl>
+                                        <p:attrNameLst>
+                                          <p:attrName>ppt_y</p:attrName>
+                                        </p:attrNameLst>
+                                      </p:cBhvr>
+                                      <p:tavLst>
+                                        <p:tav tm="0">
+                                          <p:val>
+                                            <p:strVal val="#ppt_y+.1"/>
+                                          </p:val>
+                                        </p:tav>
+                                        <p:tav tm="100000">
+                                          <p:val>
+                                            <p:strVal val="#ppt_y"/>
+                                          </p:val>
+                                        </p:tav>
+                                      </p:tavLst>
+                                    </p:anim>
+                                  </p:childTnLst>
+                                </p:cTn>
+                              </p:par>
+                              <p:par>
+                                <p:cTn id="22" presetID="42" presetClass="entr" presetSubtype="0" fill="hold" grpId="0" nodeType="withEffect">
+                                  <p:stCondLst>
+                                    <p:cond delay="0"/>
+                                  </p:stCondLst>
+                                  <p:childTnLst>
+                                    <p:set>
+                                      <p:cBhvr>
+                                        <p:cTn id="23" dur="1" fill="hold">
+                                          <p:stCondLst>
+                                            <p:cond delay="0"/>
+                                          </p:stCondLst>
+                                        </p:cTn>
+                                        <p:tgtEl>
+                                          <p:spTgt spid="10"/>
+                                        </p:tgtEl>
+                                        <p:attrNameLst>
+                                          <p:attrName>style.visibility</p:attrName>
+                                        </p:attrNameLst>
+                                      </p:cBhvr>
+                                      <p:to>
+                                        <p:strVal val="visible"/>
+                                      </p:to>
+                                    </p:set>
+                                    <p:animEffect transition="in" filter="fade">
+                                      <p:cBhvr>
+                                        <p:cTn id="24" dur="1000"/>
+                                        <p:tgtEl>
+                                          <p:spTgt spid="10"/>
+                                        </p:tgtEl>
+                                      </p:cBhvr>
+                                    </p:animEffect>
+                                    <p:anim calcmode="lin" valueType="num">
+                                      <p:cBhvr>
+                                        <p:cTn id="25" dur="1000" fill="hold"/>
+                                        <p:tgtEl>
+                                          <p:spTgt spid="10"/>
+                                        </p:tgtEl>
+                                        <p:attrNameLst>
+                                          <p:attrName>ppt_x</p:attrName>
+                                        </p:attrNameLst>
+                                      </p:cBhvr>
+                                      <p:tavLst>
+                                        <p:tav tm="0">
+                                          <p:val>
+                                            <p:strVal val="#ppt_x"/>
+                                          </p:val>
+                                        </p:tav>
+                                        <p:tav tm="100000">
+                                          <p:val>
+                                            <p:strVal val="#ppt_x"/>
+                                          </p:val>
+                                        </p:tav>
+                                      </p:tavLst>
+                                    </p:anim>
+                                    <p:anim calcmode="lin" valueType="num">
+                                      <p:cBhvr>
+                                        <p:cTn id="26" dur="1000" fill="hold"/>
+                                        <p:tgtEl>
+                                          <p:spTgt spid="10"/>
+                                        </p:tgtEl>
+                                        <p:attrNameLst>
+                                          <p:attrName>ppt_y</p:attrName>
+                                        </p:attrNameLst>
+                                      </p:cBhvr>
+                                      <p:tavLst>
+                                        <p:tav tm="0">
+                                          <p:val>
+                                            <p:strVal val="#ppt_y+.1"/>
+                                          </p:val>
+                                        </p:tav>
+                                        <p:tav tm="100000">
+                                          <p:val>
+                                            <p:strVal val="#ppt_y"/>
+                                          </p:val>
+                                        </p:tav>
+                                      </p:tavLst>
+                                    </p:anim>
+                                  </p:childTnLst>
+                                </p:cTn>
+                              </p:par>
+                            </p:childTnLst>
+                          </p:cTn>
+                        </p:par>
+                      </p:childTnLst>
+                    </p:cTn>
+                  </p:par>
+                  <p:par>
+                    <p:cTn id="27" fill="hold">
+                      <p:stCondLst>
+                        <p:cond delay="indefinite"/>
+                      </p:stCondLst>
+                      <p:childTnLst>
+                        <p:par>
+                          <p:cTn id="28" fill="hold">
+                            <p:stCondLst>
+                              <p:cond delay="0"/>
+                            </p:stCondLst>
+                            <p:childTnLst>
+                              <p:par>
+                                <p:cTn id="29" presetID="42" presetClass="entr" presetSubtype="0" fill="hold" nodeType="clickEffect">
+                                  <p:stCondLst>
+                                    <p:cond delay="0"/>
+                                  </p:stCondLst>
+                                  <p:childTnLst>
+                                    <p:set>
+                                      <p:cBhvr>
+                                        <p:cTn id="30" dur="1" fill="hold">
+                                          <p:stCondLst>
+                                            <p:cond delay="0"/>
+                                          </p:stCondLst>
+                                        </p:cTn>
+                                        <p:tgtEl>
+                                          <p:spTgt spid="11"/>
+                                        </p:tgtEl>
+                                        <p:attrNameLst>
+                                          <p:attrName>style.visibility</p:attrName>
+                                        </p:attrNameLst>
+                                      </p:cBhvr>
+                                      <p:to>
+                                        <p:strVal val="visible"/>
+                                      </p:to>
+                                    </p:set>
+                                    <p:animEffect transition="in" filter="fade">
+                                      <p:cBhvr>
+                                        <p:cTn id="31" dur="1000"/>
+                                        <p:tgtEl>
+                                          <p:spTgt spid="11"/>
+                                        </p:tgtEl>
+                                      </p:cBhvr>
+                                    </p:animEffect>
+                                    <p:anim calcmode="lin" valueType="num">
+                                      <p:cBhvr>
+                                        <p:cTn id="32" dur="1000" fill="hold"/>
+                                        <p:tgtEl>
+                                          <p:spTgt spid="11"/>
+                                        </p:tgtEl>
+                                        <p:attrNameLst>
+                                          <p:attrName>ppt_x</p:attrName>
+                                        </p:attrNameLst>
+                                      </p:cBhvr>
+                                      <p:tavLst>
+                                        <p:tav tm="0">
+                                          <p:val>
+                                            <p:strVal val="#ppt_x"/>
+                                          </p:val>
+                                        </p:tav>
+                                        <p:tav tm="100000">
+                                          <p:val>
+                                            <p:strVal val="#ppt_x"/>
+                                          </p:val>
+                                        </p:tav>
+                                      </p:tavLst>
+                                    </p:anim>
+                                    <p:anim calcmode="lin" valueType="num">
+                                      <p:cBhvr>
+                                        <p:cTn id="33" dur="1000" fill="hold"/>
+                                        <p:tgtEl>
+                                          <p:spTgt spid="11"/>
+                                        </p:tgtEl>
+                                        <p:attrNameLst>
+                                          <p:attrName>ppt_y</p:attrName>
+                                        </p:attrNameLst>
+                                      </p:cBhvr>
+                                      <p:tavLst>
+                                        <p:tav tm="0">
+                                          <p:val>
+                                            <p:strVal val="#ppt_y+.1"/>
+                                          </p:val>
+                                        </p:tav>
+                                        <p:tav tm="100000">
+                                          <p:val>
+                                            <p:strVal val="#ppt_y"/>
+                                          </p:val>
+                                        </p:tav>
+                                      </p:tavLst>
+                                    </p:anim>
+                                  </p:childTnLst>
+                                </p:cTn>
+                              </p:par>
+                              <p:par>
+                                <p:cTn id="34" presetID="42" presetClass="entr" presetSubtype="0" fill="hold" grpId="0" nodeType="withEffect">
+                                  <p:stCondLst>
+                                    <p:cond delay="0"/>
+                                  </p:stCondLst>
+                                  <p:childTnLst>
+                                    <p:set>
+                                      <p:cBhvr>
+                                        <p:cTn id="35" dur="1" fill="hold">
+                                          <p:stCondLst>
+                                            <p:cond delay="0"/>
+                                          </p:stCondLst>
+                                        </p:cTn>
+                                        <p:tgtEl>
+                                          <p:spTgt spid="12"/>
+                                        </p:tgtEl>
+                                        <p:attrNameLst>
+                                          <p:attrName>style.visibility</p:attrName>
+                                        </p:attrNameLst>
+                                      </p:cBhvr>
+                                      <p:to>
+                                        <p:strVal val="visible"/>
+                                      </p:to>
+                                    </p:set>
+                                    <p:animEffect transition="in" filter="fade">
+                                      <p:cBhvr>
+                                        <p:cTn id="36" dur="1000"/>
+                                        <p:tgtEl>
+                                          <p:spTgt spid="12"/>
+                                        </p:tgtEl>
+                                      </p:cBhvr>
+                                    </p:animEffect>
+                                    <p:anim calcmode="lin" valueType="num">
+                                      <p:cBhvr>
+                                        <p:cTn id="37" dur="1000" fill="hold"/>
+                                        <p:tgtEl>
+                                          <p:spTgt spid="12"/>
+                                        </p:tgtEl>
+                                        <p:attrNameLst>
+                                          <p:attrName>ppt_x</p:attrName>
+                                        </p:attrNameLst>
+                                      </p:cBhvr>
+                                      <p:tavLst>
+                                        <p:tav tm="0">
+                                          <p:val>
+                                            <p:strVal val="#ppt_x"/>
+                                          </p:val>
+                                        </p:tav>
+                                        <p:tav tm="100000">
+                                          <p:val>
+                                            <p:strVal val="#ppt_x"/>
+                                          </p:val>
+                                        </p:tav>
+                                      </p:tavLst>
+                                    </p:anim>
+                                    <p:anim calcmode="lin" valueType="num">
+                                      <p:cBhvr>
+                                        <p:cTn id="38" dur="1000" fill="hold"/>
+                                        <p:tgtEl>
+                                          <p:spTgt spid="12"/>
+                                        </p:tgtEl>
+                                        <p:attrNameLst>
+                                          <p:attrName>ppt_y</p:attrName>
+                                        </p:attrNameLst>
+                                      </p:cBhvr>
+                                      <p:tavLst>
+                                        <p:tav tm="0">
+                                          <p:val>
+                                            <p:strVal val="#ppt_y+.1"/>
+                                          </p:val>
+                                        </p:tav>
+                                        <p:tav tm="100000">
+                                          <p:val>
+                                            <p:strVal val="#ppt_y"/>
+                                          </p:val>
+                                        </p:tav>
+                                      </p:tavLst>
+                                    </p:anim>
+                                  </p:childTnLst>
+                                </p:cTn>
+                              </p:par>
+                            </p:childTnLst>
+                          </p:cTn>
+                        </p:par>
+                      </p:childTnLst>
+                    </p:cTn>
+                  </p:par>
+                </p:childTnLst>
+              </p:cTn>
+              <p:prevCondLst>
+                <p:cond evt="onPrev" delay="0">
+                  <p:tgtEl>
+                    <p:sldTgt/>
+                  </p:tgtEl>
+                </p:cond>
+              </p:prevCondLst>
+              <p:nextCondLst>
+                <p:cond evt="onNext" delay="0">
+                  <p:tgtEl>
+                    <p:sldTgt/>
+                  </p:tgtEl>
+                </p:cond>
+              </p:nextCondLst>
+            </p:seq>
+          </p:childTnLst>
+        </p:cTn>
       </p:par>
     </p:tnLst>
+    <p:bldLst>
+      <p:bldP spid="3" grpId="0"/>
+      <p:bldP spid="10" grpId="0"/>
+      <p:bldP spid="12" grpId="0"/>
+    </p:bldLst>
   </p:timing>
 </p:sld>
 </file>
@@ -31724,7 +34012,7 @@
           <p:cNvPr id="4" name="Title 3">
             <a:extLst>
               <a:ext uri="{FF2B5EF4-FFF2-40B4-BE49-F238E27FC236}">
-                <a16:creationId xmlns:a16="http://schemas.microsoft.com/office/drawing/2014/main" xmlns="" id="{E3BD8413-C238-49D7-A4E1-E8FEF1811A0E}"/>
+                <a16:creationId xmlns="" xmlns:a16="http://schemas.microsoft.com/office/drawing/2014/main" id="{E3BD8413-C238-49D7-A4E1-E8FEF1811A0E}"/>
               </a:ext>
             </a:extLst>
           </p:cNvPr>
@@ -31776,7 +34064,7 @@
           <p:cNvPr id="5" name="Text Placeholder 4">
             <a:extLst>
               <a:ext uri="{FF2B5EF4-FFF2-40B4-BE49-F238E27FC236}">
-                <a16:creationId xmlns:a16="http://schemas.microsoft.com/office/drawing/2014/main" xmlns="" id="{0A95F4DE-39B7-4CE2-BC1E-8B8AE662A895}"/>
+                <a16:creationId xmlns="" xmlns:a16="http://schemas.microsoft.com/office/drawing/2014/main" id="{0A95F4DE-39B7-4CE2-BC1E-8B8AE662A895}"/>
               </a:ext>
             </a:extLst>
           </p:cNvPr>
@@ -31813,7 +34101,7 @@
           <p:cNvPr id="2" name="Slide Number Placeholder 1">
             <a:extLst>
               <a:ext uri="{FF2B5EF4-FFF2-40B4-BE49-F238E27FC236}">
-                <a16:creationId xmlns:a16="http://schemas.microsoft.com/office/drawing/2014/main" xmlns="" id="{0B24BF10-2B55-43AB-9F77-F1A1410384A9}"/>
+                <a16:creationId xmlns="" xmlns:a16="http://schemas.microsoft.com/office/drawing/2014/main" id="{0B24BF10-2B55-43AB-9F77-F1A1410384A9}"/>
               </a:ext>
             </a:extLst>
           </p:cNvPr>
@@ -31892,7 +34180,7 @@
           <p:cNvPr id="4" name="Title 3">
             <a:extLst>
               <a:ext uri="{FF2B5EF4-FFF2-40B4-BE49-F238E27FC236}">
-                <a16:creationId xmlns:a16="http://schemas.microsoft.com/office/drawing/2014/main" xmlns="" id="{E3BD8413-C238-49D7-A4E1-E8FEF1811A0E}"/>
+                <a16:creationId xmlns="" xmlns:a16="http://schemas.microsoft.com/office/drawing/2014/main" id="{E3BD8413-C238-49D7-A4E1-E8FEF1811A0E}"/>
               </a:ext>
             </a:extLst>
           </p:cNvPr>
@@ -31928,7 +34216,7 @@
           <p:cNvPr id="5" name="Text Placeholder 4">
             <a:extLst>
               <a:ext uri="{FF2B5EF4-FFF2-40B4-BE49-F238E27FC236}">
-                <a16:creationId xmlns:a16="http://schemas.microsoft.com/office/drawing/2014/main" xmlns="" id="{0A95F4DE-39B7-4CE2-BC1E-8B8AE662A895}"/>
+                <a16:creationId xmlns="" xmlns:a16="http://schemas.microsoft.com/office/drawing/2014/main" id="{0A95F4DE-39B7-4CE2-BC1E-8B8AE662A895}"/>
               </a:ext>
             </a:extLst>
           </p:cNvPr>
@@ -31981,7 +34269,7 @@
           <p:cNvPr id="2" name="Slide Number Placeholder 1">
             <a:extLst>
               <a:ext uri="{FF2B5EF4-FFF2-40B4-BE49-F238E27FC236}">
-                <a16:creationId xmlns:a16="http://schemas.microsoft.com/office/drawing/2014/main" xmlns="" id="{0B24BF10-2B55-43AB-9F77-F1A1410384A9}"/>
+                <a16:creationId xmlns="" xmlns:a16="http://schemas.microsoft.com/office/drawing/2014/main" id="{0B24BF10-2B55-43AB-9F77-F1A1410384A9}"/>
               </a:ext>
             </a:extLst>
           </p:cNvPr>
@@ -32060,7 +34348,7 @@
           <p:cNvPr id="4" name="Title 3">
             <a:extLst>
               <a:ext uri="{FF2B5EF4-FFF2-40B4-BE49-F238E27FC236}">
-                <a16:creationId xmlns:a16="http://schemas.microsoft.com/office/drawing/2014/main" xmlns="" id="{E3BD8413-C238-49D7-A4E1-E8FEF1811A0E}"/>
+                <a16:creationId xmlns="" xmlns:a16="http://schemas.microsoft.com/office/drawing/2014/main" id="{E3BD8413-C238-49D7-A4E1-E8FEF1811A0E}"/>
               </a:ext>
             </a:extLst>
           </p:cNvPr>
@@ -32096,7 +34384,7 @@
           <p:cNvPr id="5" name="Text Placeholder 4">
             <a:extLst>
               <a:ext uri="{FF2B5EF4-FFF2-40B4-BE49-F238E27FC236}">
-                <a16:creationId xmlns:a16="http://schemas.microsoft.com/office/drawing/2014/main" xmlns="" id="{0A95F4DE-39B7-4CE2-BC1E-8B8AE662A895}"/>
+                <a16:creationId xmlns="" xmlns:a16="http://schemas.microsoft.com/office/drawing/2014/main" id="{0A95F4DE-39B7-4CE2-BC1E-8B8AE662A895}"/>
               </a:ext>
             </a:extLst>
           </p:cNvPr>
@@ -32222,7 +34510,7 @@
           <p:cNvPr id="2" name="Slide Number Placeholder 1">
             <a:extLst>
               <a:ext uri="{FF2B5EF4-FFF2-40B4-BE49-F238E27FC236}">
-                <a16:creationId xmlns:a16="http://schemas.microsoft.com/office/drawing/2014/main" xmlns="" id="{0B24BF10-2B55-43AB-9F77-F1A1410384A9}"/>
+                <a16:creationId xmlns="" xmlns:a16="http://schemas.microsoft.com/office/drawing/2014/main" id="{0B24BF10-2B55-43AB-9F77-F1A1410384A9}"/>
               </a:ext>
             </a:extLst>
           </p:cNvPr>
@@ -32301,7 +34589,7 @@
           <p:cNvPr id="4" name="Title 3">
             <a:extLst>
               <a:ext uri="{FF2B5EF4-FFF2-40B4-BE49-F238E27FC236}">
-                <a16:creationId xmlns:a16="http://schemas.microsoft.com/office/drawing/2014/main" xmlns="" id="{E3BD8413-C238-49D7-A4E1-E8FEF1811A0E}"/>
+                <a16:creationId xmlns="" xmlns:a16="http://schemas.microsoft.com/office/drawing/2014/main" id="{E3BD8413-C238-49D7-A4E1-E8FEF1811A0E}"/>
               </a:ext>
             </a:extLst>
           </p:cNvPr>
@@ -32353,7 +34641,7 @@
           <p:cNvPr id="5" name="Text Placeholder 4">
             <a:extLst>
               <a:ext uri="{FF2B5EF4-FFF2-40B4-BE49-F238E27FC236}">
-                <a16:creationId xmlns:a16="http://schemas.microsoft.com/office/drawing/2014/main" xmlns="" id="{0A95F4DE-39B7-4CE2-BC1E-8B8AE662A895}"/>
+                <a16:creationId xmlns="" xmlns:a16="http://schemas.microsoft.com/office/drawing/2014/main" id="{0A95F4DE-39B7-4CE2-BC1E-8B8AE662A895}"/>
               </a:ext>
             </a:extLst>
           </p:cNvPr>
@@ -32513,7 +34801,7 @@
           <p:cNvPr id="2" name="Slide Number Placeholder 1">
             <a:extLst>
               <a:ext uri="{FF2B5EF4-FFF2-40B4-BE49-F238E27FC236}">
-                <a16:creationId xmlns:a16="http://schemas.microsoft.com/office/drawing/2014/main" xmlns="" id="{0B24BF10-2B55-43AB-9F77-F1A1410384A9}"/>
+                <a16:creationId xmlns="" xmlns:a16="http://schemas.microsoft.com/office/drawing/2014/main" id="{0B24BF10-2B55-43AB-9F77-F1A1410384A9}"/>
               </a:ext>
             </a:extLst>
           </p:cNvPr>
@@ -32592,7 +34880,7 @@
           <p:cNvPr id="5" name="Text Placeholder 4">
             <a:extLst>
               <a:ext uri="{FF2B5EF4-FFF2-40B4-BE49-F238E27FC236}">
-                <a16:creationId xmlns:a16="http://schemas.microsoft.com/office/drawing/2014/main" xmlns="" id="{DCDDBE65-9AB1-4989-AF86-726591A6A128}"/>
+                <a16:creationId xmlns="" xmlns:a16="http://schemas.microsoft.com/office/drawing/2014/main" id="{DCDDBE65-9AB1-4989-AF86-726591A6A128}"/>
               </a:ext>
             </a:extLst>
           </p:cNvPr>
@@ -32621,7 +34909,7 @@
           <p:cNvPr id="2" name="Slide Number Placeholder 1">
             <a:extLst>
               <a:ext uri="{FF2B5EF4-FFF2-40B4-BE49-F238E27FC236}">
-                <a16:creationId xmlns:a16="http://schemas.microsoft.com/office/drawing/2014/main" xmlns="" id="{8B065C75-272B-4BB5-BA23-D80E8654D621}"/>
+                <a16:creationId xmlns="" xmlns:a16="http://schemas.microsoft.com/office/drawing/2014/main" id="{8B065C75-272B-4BB5-BA23-D80E8654D621}"/>
               </a:ext>
             </a:extLst>
           </p:cNvPr>
@@ -32651,7 +34939,7 @@
           <p:cNvPr id="4" name="Title 3">
             <a:extLst>
               <a:ext uri="{FF2B5EF4-FFF2-40B4-BE49-F238E27FC236}">
-                <a16:creationId xmlns:a16="http://schemas.microsoft.com/office/drawing/2014/main" xmlns="" id="{BD179B88-D43C-4A31-9A52-3498E9430782}"/>
+                <a16:creationId xmlns="" xmlns:a16="http://schemas.microsoft.com/office/drawing/2014/main" id="{BD179B88-D43C-4A31-9A52-3498E9430782}"/>
               </a:ext>
             </a:extLst>
           </p:cNvPr>
@@ -32737,7 +35025,7 @@
           <p:cNvPr id="4" name="Title 3">
             <a:extLst>
               <a:ext uri="{FF2B5EF4-FFF2-40B4-BE49-F238E27FC236}">
-                <a16:creationId xmlns:a16="http://schemas.microsoft.com/office/drawing/2014/main" xmlns="" id="{E3BD8413-C238-49D7-A4E1-E8FEF1811A0E}"/>
+                <a16:creationId xmlns="" xmlns:a16="http://schemas.microsoft.com/office/drawing/2014/main" id="{E3BD8413-C238-49D7-A4E1-E8FEF1811A0E}"/>
               </a:ext>
             </a:extLst>
           </p:cNvPr>
@@ -32773,7 +35061,7 @@
           <p:cNvPr id="5" name="Text Placeholder 4">
             <a:extLst>
               <a:ext uri="{FF2B5EF4-FFF2-40B4-BE49-F238E27FC236}">
-                <a16:creationId xmlns:a16="http://schemas.microsoft.com/office/drawing/2014/main" xmlns="" id="{0A95F4DE-39B7-4CE2-BC1E-8B8AE662A895}"/>
+                <a16:creationId xmlns="" xmlns:a16="http://schemas.microsoft.com/office/drawing/2014/main" id="{0A95F4DE-39B7-4CE2-BC1E-8B8AE662A895}"/>
               </a:ext>
             </a:extLst>
           </p:cNvPr>
@@ -32814,7 +35102,7 @@
           <p:cNvPr id="2" name="Slide Number Placeholder 1">
             <a:extLst>
               <a:ext uri="{FF2B5EF4-FFF2-40B4-BE49-F238E27FC236}">
-                <a16:creationId xmlns:a16="http://schemas.microsoft.com/office/drawing/2014/main" xmlns="" id="{0B24BF10-2B55-43AB-9F77-F1A1410384A9}"/>
+                <a16:creationId xmlns="" xmlns:a16="http://schemas.microsoft.com/office/drawing/2014/main" id="{0B24BF10-2B55-43AB-9F77-F1A1410384A9}"/>
               </a:ext>
             </a:extLst>
           </p:cNvPr>
@@ -32893,7 +35181,7 @@
           <p:cNvPr id="4" name="Title 3">
             <a:extLst>
               <a:ext uri="{FF2B5EF4-FFF2-40B4-BE49-F238E27FC236}">
-                <a16:creationId xmlns:a16="http://schemas.microsoft.com/office/drawing/2014/main" xmlns="" id="{E3BD8413-C238-49D7-A4E1-E8FEF1811A0E}"/>
+                <a16:creationId xmlns="" xmlns:a16="http://schemas.microsoft.com/office/drawing/2014/main" id="{E3BD8413-C238-49D7-A4E1-E8FEF1811A0E}"/>
               </a:ext>
             </a:extLst>
           </p:cNvPr>
@@ -32929,7 +35217,7 @@
           <p:cNvPr id="5" name="Text Placeholder 4">
             <a:extLst>
               <a:ext uri="{FF2B5EF4-FFF2-40B4-BE49-F238E27FC236}">
-                <a16:creationId xmlns:a16="http://schemas.microsoft.com/office/drawing/2014/main" xmlns="" id="{0A95F4DE-39B7-4CE2-BC1E-8B8AE662A895}"/>
+                <a16:creationId xmlns="" xmlns:a16="http://schemas.microsoft.com/office/drawing/2014/main" id="{0A95F4DE-39B7-4CE2-BC1E-8B8AE662A895}"/>
               </a:ext>
             </a:extLst>
           </p:cNvPr>
@@ -33010,7 +35298,7 @@
           <p:cNvPr id="2" name="Slide Number Placeholder 1">
             <a:extLst>
               <a:ext uri="{FF2B5EF4-FFF2-40B4-BE49-F238E27FC236}">
-                <a16:creationId xmlns:a16="http://schemas.microsoft.com/office/drawing/2014/main" xmlns="" id="{0B24BF10-2B55-43AB-9F77-F1A1410384A9}"/>
+                <a16:creationId xmlns="" xmlns:a16="http://schemas.microsoft.com/office/drawing/2014/main" id="{0B24BF10-2B55-43AB-9F77-F1A1410384A9}"/>
               </a:ext>
             </a:extLst>
           </p:cNvPr>
@@ -33089,7 +35377,7 @@
           <p:cNvPr id="4" name="Title 3">
             <a:extLst>
               <a:ext uri="{FF2B5EF4-FFF2-40B4-BE49-F238E27FC236}">
-                <a16:creationId xmlns:a16="http://schemas.microsoft.com/office/drawing/2014/main" xmlns="" id="{E3BD8413-C238-49D7-A4E1-E8FEF1811A0E}"/>
+                <a16:creationId xmlns="" xmlns:a16="http://schemas.microsoft.com/office/drawing/2014/main" id="{E3BD8413-C238-49D7-A4E1-E8FEF1811A0E}"/>
               </a:ext>
             </a:extLst>
           </p:cNvPr>
@@ -33125,7 +35413,7 @@
           <p:cNvPr id="5" name="Text Placeholder 4">
             <a:extLst>
               <a:ext uri="{FF2B5EF4-FFF2-40B4-BE49-F238E27FC236}">
-                <a16:creationId xmlns:a16="http://schemas.microsoft.com/office/drawing/2014/main" xmlns="" id="{0A95F4DE-39B7-4CE2-BC1E-8B8AE662A895}"/>
+                <a16:creationId xmlns="" xmlns:a16="http://schemas.microsoft.com/office/drawing/2014/main" id="{0A95F4DE-39B7-4CE2-BC1E-8B8AE662A895}"/>
               </a:ext>
             </a:extLst>
           </p:cNvPr>
@@ -33217,7 +35505,7 @@
           <p:cNvPr id="2" name="Slide Number Placeholder 1">
             <a:extLst>
               <a:ext uri="{FF2B5EF4-FFF2-40B4-BE49-F238E27FC236}">
-                <a16:creationId xmlns:a16="http://schemas.microsoft.com/office/drawing/2014/main" xmlns="" id="{0B24BF10-2B55-43AB-9F77-F1A1410384A9}"/>
+                <a16:creationId xmlns="" xmlns:a16="http://schemas.microsoft.com/office/drawing/2014/main" id="{0B24BF10-2B55-43AB-9F77-F1A1410384A9}"/>
               </a:ext>
             </a:extLst>
           </p:cNvPr>
@@ -33399,7 +35687,7 @@
           <p:cNvPr id="4" name="Title 3">
             <a:extLst>
               <a:ext uri="{FF2B5EF4-FFF2-40B4-BE49-F238E27FC236}">
-                <a16:creationId xmlns:a16="http://schemas.microsoft.com/office/drawing/2014/main" xmlns="" id="{E3BD8413-C238-49D7-A4E1-E8FEF1811A0E}"/>
+                <a16:creationId xmlns="" xmlns:a16="http://schemas.microsoft.com/office/drawing/2014/main" id="{E3BD8413-C238-49D7-A4E1-E8FEF1811A0E}"/>
               </a:ext>
             </a:extLst>
           </p:cNvPr>
@@ -33435,7 +35723,7 @@
           <p:cNvPr id="5" name="Text Placeholder 4">
             <a:extLst>
               <a:ext uri="{FF2B5EF4-FFF2-40B4-BE49-F238E27FC236}">
-                <a16:creationId xmlns:a16="http://schemas.microsoft.com/office/drawing/2014/main" xmlns="" id="{0A95F4DE-39B7-4CE2-BC1E-8B8AE662A895}"/>
+                <a16:creationId xmlns="" xmlns:a16="http://schemas.microsoft.com/office/drawing/2014/main" id="{0A95F4DE-39B7-4CE2-BC1E-8B8AE662A895}"/>
               </a:ext>
             </a:extLst>
           </p:cNvPr>
@@ -33480,7 +35768,7 @@
           <p:cNvPr id="2" name="Slide Number Placeholder 1">
             <a:extLst>
               <a:ext uri="{FF2B5EF4-FFF2-40B4-BE49-F238E27FC236}">
-                <a16:creationId xmlns:a16="http://schemas.microsoft.com/office/drawing/2014/main" xmlns="" id="{0B24BF10-2B55-43AB-9F77-F1A1410384A9}"/>
+                <a16:creationId xmlns="" xmlns:a16="http://schemas.microsoft.com/office/drawing/2014/main" id="{0B24BF10-2B55-43AB-9F77-F1A1410384A9}"/>
               </a:ext>
             </a:extLst>
           </p:cNvPr>
@@ -33563,7 +35851,129 @@
   <p:timing>
     <p:tnLst>
       <p:par>
-        <p:cTn id="1" dur="indefinite" restart="never" nodeType="tmRoot"/>
+        <p:cTn id="1" dur="indefinite" restart="never" nodeType="tmRoot">
+          <p:childTnLst>
+            <p:seq concurrent="1" nextAc="seek">
+              <p:cTn id="2" dur="indefinite" nodeType="mainSeq">
+                <p:childTnLst>
+                  <p:par>
+                    <p:cTn id="3" fill="hold">
+                      <p:stCondLst>
+                        <p:cond delay="indefinite"/>
+                      </p:stCondLst>
+                      <p:childTnLst>
+                        <p:par>
+                          <p:cTn id="4" fill="hold">
+                            <p:stCondLst>
+                              <p:cond delay="0"/>
+                            </p:stCondLst>
+                            <p:childTnLst>
+                              <p:par>
+                                <p:cTn id="5" presetID="42" presetClass="entr" presetSubtype="0" fill="hold" nodeType="clickEffect">
+                                  <p:stCondLst>
+                                    <p:cond delay="0"/>
+                                  </p:stCondLst>
+                                  <p:childTnLst>
+                                    <p:set>
+                                      <p:cBhvr>
+                                        <p:cTn id="6" dur="1" fill="hold">
+                                          <p:stCondLst>
+                                            <p:cond delay="0"/>
+                                          </p:stCondLst>
+                                        </p:cTn>
+                                        <p:tgtEl>
+                                          <p:spTgt spid="6"/>
+                                        </p:tgtEl>
+                                        <p:attrNameLst>
+                                          <p:attrName>style.visibility</p:attrName>
+                                        </p:attrNameLst>
+                                      </p:cBhvr>
+                                      <p:to>
+                                        <p:strVal val="visible"/>
+                                      </p:to>
+                                    </p:set>
+                                    <p:animEffect transition="in" filter="fade">
+                                      <p:cBhvr>
+                                        <p:cTn id="7" dur="1000"/>
+                                        <p:tgtEl>
+                                          <p:spTgt spid="6"/>
+                                        </p:tgtEl>
+                                      </p:cBhvr>
+                                    </p:animEffect>
+                                    <p:anim calcmode="lin" valueType="num">
+                                      <p:cBhvr>
+                                        <p:cTn id="8" dur="1000" fill="hold"/>
+                                        <p:tgtEl>
+                                          <p:spTgt spid="6"/>
+                                        </p:tgtEl>
+                                        <p:attrNameLst>
+                                          <p:attrName>ppt_x</p:attrName>
+                                        </p:attrNameLst>
+                                      </p:cBhvr>
+                                      <p:tavLst>
+                                        <p:tav tm="0">
+                                          <p:val>
+                                            <p:strVal val="#ppt_x"/>
+                                          </p:val>
+                                        </p:tav>
+                                        <p:tav tm="100000">
+                                          <p:val>
+                                            <p:strVal val="#ppt_x"/>
+                                          </p:val>
+                                        </p:tav>
+                                      </p:tavLst>
+                                    </p:anim>
+                                    <p:anim calcmode="lin" valueType="num">
+                                      <p:cBhvr>
+                                        <p:cTn id="9" dur="1000" fill="hold"/>
+                                        <p:tgtEl>
+                                          <p:spTgt spid="6"/>
+                                        </p:tgtEl>
+                                        <p:attrNameLst>
+                                          <p:attrName>ppt_y</p:attrName>
+                                        </p:attrNameLst>
+                                      </p:cBhvr>
+                                      <p:tavLst>
+                                        <p:tav tm="0">
+                                          <p:val>
+                                            <p:strVal val="#ppt_y+.1"/>
+                                          </p:val>
+                                        </p:tav>
+                                        <p:tav tm="100000">
+                                          <p:val>
+                                            <p:strVal val="#ppt_y"/>
+                                          </p:val>
+                                        </p:tav>
+                                      </p:tavLst>
+                                    </p:anim>
+                                  </p:childTnLst>
+                                </p:cTn>
+                              </p:par>
+                            </p:childTnLst>
+                          </p:cTn>
+                        </p:par>
+                      </p:childTnLst>
+                    </p:cTn>
+                  </p:par>
+                </p:childTnLst>
+              </p:cTn>
+              <p:prevCondLst>
+                <p:cond evt="onPrev" delay="0">
+                  <p:tgtEl>
+                    <p:sldTgt/>
+                  </p:tgtEl>
+                </p:cond>
+              </p:prevCondLst>
+              <p:nextCondLst>
+                <p:cond evt="onNext" delay="0">
+                  <p:tgtEl>
+                    <p:sldTgt/>
+                  </p:tgtEl>
+                </p:cond>
+              </p:nextCondLst>
+            </p:seq>
+          </p:childTnLst>
+        </p:cTn>
       </p:par>
     </p:tnLst>
   </p:timing>
@@ -33592,7 +36002,7 @@
           <p:cNvPr id="4" name="Title 3">
             <a:extLst>
               <a:ext uri="{FF2B5EF4-FFF2-40B4-BE49-F238E27FC236}">
-                <a16:creationId xmlns:a16="http://schemas.microsoft.com/office/drawing/2014/main" xmlns="" id="{E3BD8413-C238-49D7-A4E1-E8FEF1811A0E}"/>
+                <a16:creationId xmlns="" xmlns:a16="http://schemas.microsoft.com/office/drawing/2014/main" id="{E3BD8413-C238-49D7-A4E1-E8FEF1811A0E}"/>
               </a:ext>
             </a:extLst>
           </p:cNvPr>
@@ -33628,7 +36038,7 @@
           <p:cNvPr id="5" name="Text Placeholder 4">
             <a:extLst>
               <a:ext uri="{FF2B5EF4-FFF2-40B4-BE49-F238E27FC236}">
-                <a16:creationId xmlns:a16="http://schemas.microsoft.com/office/drawing/2014/main" xmlns="" id="{0A95F4DE-39B7-4CE2-BC1E-8B8AE662A895}"/>
+                <a16:creationId xmlns="" xmlns:a16="http://schemas.microsoft.com/office/drawing/2014/main" id="{0A95F4DE-39B7-4CE2-BC1E-8B8AE662A895}"/>
               </a:ext>
             </a:extLst>
           </p:cNvPr>
@@ -33694,11 +36104,7 @@
             </a:r>
             <a:r>
               <a:rPr lang="en-US" sz="3600" b="1" dirty="0" smtClean="0"/>
-              <a:t> Epic </a:t>
-            </a:r>
-            <a:r>
-              <a:rPr lang="en-US" sz="3600" b="1" dirty="0" smtClean="0"/>
-              <a:t>Games.</a:t>
+              <a:t> Epic Games.</a:t>
             </a:r>
           </a:p>
           <a:p>
@@ -33760,7 +36166,7 @@
           <p:cNvPr id="2" name="Slide Number Placeholder 1">
             <a:extLst>
               <a:ext uri="{FF2B5EF4-FFF2-40B4-BE49-F238E27FC236}">
-                <a16:creationId xmlns:a16="http://schemas.microsoft.com/office/drawing/2014/main" xmlns="" id="{0B24BF10-2B55-43AB-9F77-F1A1410384A9}"/>
+                <a16:creationId xmlns="" xmlns:a16="http://schemas.microsoft.com/office/drawing/2014/main" id="{0B24BF10-2B55-43AB-9F77-F1A1410384A9}"/>
               </a:ext>
             </a:extLst>
           </p:cNvPr>
@@ -33839,7 +36245,7 @@
           <p:cNvPr id="4" name="Title 3">
             <a:extLst>
               <a:ext uri="{FF2B5EF4-FFF2-40B4-BE49-F238E27FC236}">
-                <a16:creationId xmlns:a16="http://schemas.microsoft.com/office/drawing/2014/main" xmlns="" id="{E3BD8413-C238-49D7-A4E1-E8FEF1811A0E}"/>
+                <a16:creationId xmlns="" xmlns:a16="http://schemas.microsoft.com/office/drawing/2014/main" id="{E3BD8413-C238-49D7-A4E1-E8FEF1811A0E}"/>
               </a:ext>
             </a:extLst>
           </p:cNvPr>
@@ -33852,37 +36258,23 @@
         </p:nvSpPr>
         <p:spPr>
           <a:xfrm>
-            <a:off x="832103" y="31383"/>
+            <a:off x="831850" y="41007"/>
             <a:ext cx="10420097" cy="859055"/>
           </a:xfrm>
         </p:spPr>
         <p:txBody>
           <a:bodyPr>
-            <a:normAutofit fontScale="90000"/>
+            <a:normAutofit/>
           </a:bodyPr>
           <a:lstStyle/>
           <a:p>
             <a:r>
-              <a:rPr lang="en-GB" dirty="0" err="1" smtClean="0"/>
-              <a:t>Unra</a:t>
-            </a:r>
-            <a:r>
               <a:rPr lang="en-GB" dirty="0" smtClean="0"/>
-              <a:t/>
-            </a:r>
-            <a:br>
+              <a:t>Unreal </a:t>
+            </a:r>
+            <a:r>
               <a:rPr lang="en-GB" dirty="0" smtClean="0"/>
-            </a:br>
-            <a:r>
-              <a:rPr lang="en-GB" dirty="0" smtClean="0"/>
-              <a:t>e</a:t>
-            </a:r>
-            <a:br>
-              <a:rPr lang="en-GB" dirty="0" smtClean="0"/>
-            </a:br>
-            <a:r>
-              <a:rPr lang="en-GB" dirty="0" smtClean="0"/>
-              <a:t>Unreal Editor</a:t>
+              <a:t>Editor</a:t>
             </a:r>
             <a:endParaRPr lang="en-GB" dirty="0"/>
           </a:p>
@@ -33893,7 +36285,7 @@
           <p:cNvPr id="5" name="Text Placeholder 4">
             <a:extLst>
               <a:ext uri="{FF2B5EF4-FFF2-40B4-BE49-F238E27FC236}">
-                <a16:creationId xmlns:a16="http://schemas.microsoft.com/office/drawing/2014/main" xmlns="" id="{0A95F4DE-39B7-4CE2-BC1E-8B8AE662A895}"/>
+                <a16:creationId xmlns="" xmlns:a16="http://schemas.microsoft.com/office/drawing/2014/main" id="{0A95F4DE-39B7-4CE2-BC1E-8B8AE662A895}"/>
               </a:ext>
             </a:extLst>
           </p:cNvPr>
@@ -33919,11 +36311,7 @@
             <a:pPr algn="just"/>
             <a:r>
               <a:rPr lang="en-US" sz="3600" b="1" dirty="0" smtClean="0"/>
-              <a:t>Unrea</a:t>
-            </a:r>
-            <a:r>
-              <a:rPr lang="en-US" sz="3600" b="1" dirty="0" smtClean="0"/>
-              <a:t>l Editor </a:t>
+              <a:t>Unreal Editor </a:t>
             </a:r>
             <a:r>
               <a:rPr lang="en-US" sz="3600" b="1" dirty="0" err="1" smtClean="0"/>
@@ -33973,7 +36361,6 @@
               <a:rPr lang="en-US" sz="3600" b="1" dirty="0" smtClean="0"/>
               <a:t> game di unreal engine 4.</a:t>
             </a:r>
-            <a:endParaRPr lang="en-US" sz="3600" b="1" dirty="0" smtClean="0"/>
           </a:p>
         </p:txBody>
       </p:sp>
@@ -33982,7 +36369,7 @@
           <p:cNvPr id="2" name="Slide Number Placeholder 1">
             <a:extLst>
               <a:ext uri="{FF2B5EF4-FFF2-40B4-BE49-F238E27FC236}">
-                <a16:creationId xmlns:a16="http://schemas.microsoft.com/office/drawing/2014/main" xmlns="" id="{0B24BF10-2B55-43AB-9F77-F1A1410384A9}"/>
+                <a16:creationId xmlns="" xmlns:a16="http://schemas.microsoft.com/office/drawing/2014/main" id="{0B24BF10-2B55-43AB-9F77-F1A1410384A9}"/>
               </a:ext>
             </a:extLst>
           </p:cNvPr>
@@ -34017,13 +36404,13 @@
   <p:clrMapOvr>
     <a:masterClrMapping/>
   </p:clrMapOvr>
-  <mc:AlternateContent xmlns:mc="http://schemas.openxmlformats.org/markup-compatibility/2006">
-    <mc:Choice xmlns:p14="http://schemas.microsoft.com/office/powerpoint/2010/main" Requires="p14">
+  <mc:AlternateContent xmlns:mc="http://schemas.openxmlformats.org/markup-compatibility/2006" xmlns:p14="http://schemas.microsoft.com/office/powerpoint/2010/main">
+    <mc:Choice Requires="p14">
       <p:transition spd="med" p14:dur="700">
         <p:fade/>
       </p:transition>
     </mc:Choice>
-    <mc:Fallback>
+    <mc:Fallback xmlns="">
       <p:transition spd="med">
         <p:fade/>
       </p:transition>
@@ -34061,7 +36448,7 @@
           <p:cNvPr id="4" name="Title 3">
             <a:extLst>
               <a:ext uri="{FF2B5EF4-FFF2-40B4-BE49-F238E27FC236}">
-                <a16:creationId xmlns:a16="http://schemas.microsoft.com/office/drawing/2014/main" xmlns="" id="{E3BD8413-C238-49D7-A4E1-E8FEF1811A0E}"/>
+                <a16:creationId xmlns="" xmlns:a16="http://schemas.microsoft.com/office/drawing/2014/main" id="{E3BD8413-C238-49D7-A4E1-E8FEF1811A0E}"/>
               </a:ext>
             </a:extLst>
           </p:cNvPr>
@@ -34097,7 +36484,7 @@
           <p:cNvPr id="5" name="Text Placeholder 4">
             <a:extLst>
               <a:ext uri="{FF2B5EF4-FFF2-40B4-BE49-F238E27FC236}">
-                <a16:creationId xmlns:a16="http://schemas.microsoft.com/office/drawing/2014/main" xmlns="" id="{0A95F4DE-39B7-4CE2-BC1E-8B8AE662A895}"/>
+                <a16:creationId xmlns="" xmlns:a16="http://schemas.microsoft.com/office/drawing/2014/main" id="{0A95F4DE-39B7-4CE2-BC1E-8B8AE662A895}"/>
               </a:ext>
             </a:extLst>
           </p:cNvPr>
@@ -34174,7 +36561,7 @@
           <p:cNvPr id="2" name="Slide Number Placeholder 1">
             <a:extLst>
               <a:ext uri="{FF2B5EF4-FFF2-40B4-BE49-F238E27FC236}">
-                <a16:creationId xmlns:a16="http://schemas.microsoft.com/office/drawing/2014/main" xmlns="" id="{0B24BF10-2B55-43AB-9F77-F1A1410384A9}"/>
+                <a16:creationId xmlns="" xmlns:a16="http://schemas.microsoft.com/office/drawing/2014/main" id="{0B24BF10-2B55-43AB-9F77-F1A1410384A9}"/>
               </a:ext>
             </a:extLst>
           </p:cNvPr>
@@ -34239,13 +36626,13 @@
   <p:clrMapOvr>
     <a:masterClrMapping/>
   </p:clrMapOvr>
-  <mc:AlternateContent xmlns:mc="http://schemas.openxmlformats.org/markup-compatibility/2006">
-    <mc:Choice xmlns:p14="http://schemas.microsoft.com/office/powerpoint/2010/main" Requires="p14">
+  <mc:AlternateContent xmlns:mc="http://schemas.openxmlformats.org/markup-compatibility/2006" xmlns:p14="http://schemas.microsoft.com/office/powerpoint/2010/main">
+    <mc:Choice Requires="p14">
       <p:transition spd="med" p14:dur="700">
         <p:fade/>
       </p:transition>
     </mc:Choice>
-    <mc:Fallback>
+    <mc:Fallback xmlns="">
       <p:transition spd="med">
         <p:fade/>
       </p:transition>
@@ -34254,7 +36641,129 @@
   <p:timing>
     <p:tnLst>
       <p:par>
-        <p:cTn id="1" dur="indefinite" restart="never" nodeType="tmRoot"/>
+        <p:cTn id="1" dur="indefinite" restart="never" nodeType="tmRoot">
+          <p:childTnLst>
+            <p:seq concurrent="1" nextAc="seek">
+              <p:cTn id="2" dur="indefinite" nodeType="mainSeq">
+                <p:childTnLst>
+                  <p:par>
+                    <p:cTn id="3" fill="hold">
+                      <p:stCondLst>
+                        <p:cond delay="indefinite"/>
+                      </p:stCondLst>
+                      <p:childTnLst>
+                        <p:par>
+                          <p:cTn id="4" fill="hold">
+                            <p:stCondLst>
+                              <p:cond delay="0"/>
+                            </p:stCondLst>
+                            <p:childTnLst>
+                              <p:par>
+                                <p:cTn id="5" presetID="42" presetClass="entr" presetSubtype="0" fill="hold" nodeType="clickEffect">
+                                  <p:stCondLst>
+                                    <p:cond delay="0"/>
+                                  </p:stCondLst>
+                                  <p:childTnLst>
+                                    <p:set>
+                                      <p:cBhvr>
+                                        <p:cTn id="6" dur="1" fill="hold">
+                                          <p:stCondLst>
+                                            <p:cond delay="0"/>
+                                          </p:stCondLst>
+                                        </p:cTn>
+                                        <p:tgtEl>
+                                          <p:spTgt spid="3"/>
+                                        </p:tgtEl>
+                                        <p:attrNameLst>
+                                          <p:attrName>style.visibility</p:attrName>
+                                        </p:attrNameLst>
+                                      </p:cBhvr>
+                                      <p:to>
+                                        <p:strVal val="visible"/>
+                                      </p:to>
+                                    </p:set>
+                                    <p:animEffect transition="in" filter="fade">
+                                      <p:cBhvr>
+                                        <p:cTn id="7" dur="1000"/>
+                                        <p:tgtEl>
+                                          <p:spTgt spid="3"/>
+                                        </p:tgtEl>
+                                      </p:cBhvr>
+                                    </p:animEffect>
+                                    <p:anim calcmode="lin" valueType="num">
+                                      <p:cBhvr>
+                                        <p:cTn id="8" dur="1000" fill="hold"/>
+                                        <p:tgtEl>
+                                          <p:spTgt spid="3"/>
+                                        </p:tgtEl>
+                                        <p:attrNameLst>
+                                          <p:attrName>ppt_x</p:attrName>
+                                        </p:attrNameLst>
+                                      </p:cBhvr>
+                                      <p:tavLst>
+                                        <p:tav tm="0">
+                                          <p:val>
+                                            <p:strVal val="#ppt_x"/>
+                                          </p:val>
+                                        </p:tav>
+                                        <p:tav tm="100000">
+                                          <p:val>
+                                            <p:strVal val="#ppt_x"/>
+                                          </p:val>
+                                        </p:tav>
+                                      </p:tavLst>
+                                    </p:anim>
+                                    <p:anim calcmode="lin" valueType="num">
+                                      <p:cBhvr>
+                                        <p:cTn id="9" dur="1000" fill="hold"/>
+                                        <p:tgtEl>
+                                          <p:spTgt spid="3"/>
+                                        </p:tgtEl>
+                                        <p:attrNameLst>
+                                          <p:attrName>ppt_y</p:attrName>
+                                        </p:attrNameLst>
+                                      </p:cBhvr>
+                                      <p:tavLst>
+                                        <p:tav tm="0">
+                                          <p:val>
+                                            <p:strVal val="#ppt_y+.1"/>
+                                          </p:val>
+                                        </p:tav>
+                                        <p:tav tm="100000">
+                                          <p:val>
+                                            <p:strVal val="#ppt_y"/>
+                                          </p:val>
+                                        </p:tav>
+                                      </p:tavLst>
+                                    </p:anim>
+                                  </p:childTnLst>
+                                </p:cTn>
+                              </p:par>
+                            </p:childTnLst>
+                          </p:cTn>
+                        </p:par>
+                      </p:childTnLst>
+                    </p:cTn>
+                  </p:par>
+                </p:childTnLst>
+              </p:cTn>
+              <p:prevCondLst>
+                <p:cond evt="onPrev" delay="0">
+                  <p:tgtEl>
+                    <p:sldTgt/>
+                  </p:tgtEl>
+                </p:cond>
+              </p:prevCondLst>
+              <p:nextCondLst>
+                <p:cond evt="onNext" delay="0">
+                  <p:tgtEl>
+                    <p:sldTgt/>
+                  </p:tgtEl>
+                </p:cond>
+              </p:nextCondLst>
+            </p:seq>
+          </p:childTnLst>
+        </p:cTn>
       </p:par>
     </p:tnLst>
   </p:timing>
@@ -34283,7 +36792,7 @@
           <p:cNvPr id="5" name="Text Placeholder 4">
             <a:extLst>
               <a:ext uri="{FF2B5EF4-FFF2-40B4-BE49-F238E27FC236}">
-                <a16:creationId xmlns:a16="http://schemas.microsoft.com/office/drawing/2014/main" xmlns="" id="{DCDDBE65-9AB1-4989-AF86-726591A6A128}"/>
+                <a16:creationId xmlns="" xmlns:a16="http://schemas.microsoft.com/office/drawing/2014/main" id="{DCDDBE65-9AB1-4989-AF86-726591A6A128}"/>
               </a:ext>
             </a:extLst>
           </p:cNvPr>
@@ -34312,7 +36821,7 @@
           <p:cNvPr id="2" name="Slide Number Placeholder 1">
             <a:extLst>
               <a:ext uri="{FF2B5EF4-FFF2-40B4-BE49-F238E27FC236}">
-                <a16:creationId xmlns:a16="http://schemas.microsoft.com/office/drawing/2014/main" xmlns="" id="{8B065C75-272B-4BB5-BA23-D80E8654D621}"/>
+                <a16:creationId xmlns="" xmlns:a16="http://schemas.microsoft.com/office/drawing/2014/main" id="{8B065C75-272B-4BB5-BA23-D80E8654D621}"/>
               </a:ext>
             </a:extLst>
           </p:cNvPr>
@@ -34342,7 +36851,7 @@
           <p:cNvPr id="4" name="Title 3">
             <a:extLst>
               <a:ext uri="{FF2B5EF4-FFF2-40B4-BE49-F238E27FC236}">
-                <a16:creationId xmlns:a16="http://schemas.microsoft.com/office/drawing/2014/main" xmlns="" id="{BD179B88-D43C-4A31-9A52-3498E9430782}"/>
+                <a16:creationId xmlns="" xmlns:a16="http://schemas.microsoft.com/office/drawing/2014/main" id="{BD179B88-D43C-4A31-9A52-3498E9430782}"/>
               </a:ext>
             </a:extLst>
           </p:cNvPr>
@@ -34384,13 +36893,13 @@
   <p:clrMapOvr>
     <a:masterClrMapping/>
   </p:clrMapOvr>
-  <mc:AlternateContent xmlns:mc="http://schemas.openxmlformats.org/markup-compatibility/2006">
-    <mc:Choice xmlns:p14="http://schemas.microsoft.com/office/powerpoint/2010/main" Requires="p14">
+  <mc:AlternateContent xmlns:mc="http://schemas.openxmlformats.org/markup-compatibility/2006" xmlns:p14="http://schemas.microsoft.com/office/powerpoint/2010/main">
+    <mc:Choice Requires="p14">
       <p:transition spd="med" p14:dur="700">
         <p:fade/>
       </p:transition>
     </mc:Choice>
-    <mc:Fallback>
+    <mc:Fallback xmlns="">
       <p:transition spd="med">
         <p:fade/>
       </p:transition>
@@ -34428,7 +36937,7 @@
           <p:cNvPr id="4" name="Title 3">
             <a:extLst>
               <a:ext uri="{FF2B5EF4-FFF2-40B4-BE49-F238E27FC236}">
-                <a16:creationId xmlns:a16="http://schemas.microsoft.com/office/drawing/2014/main" xmlns="" id="{E3BD8413-C238-49D7-A4E1-E8FEF1811A0E}"/>
+                <a16:creationId xmlns="" xmlns:a16="http://schemas.microsoft.com/office/drawing/2014/main" id="{E3BD8413-C238-49D7-A4E1-E8FEF1811A0E}"/>
               </a:ext>
             </a:extLst>
           </p:cNvPr>
@@ -34489,7 +36998,7 @@
           <p:cNvPr id="2" name="Slide Number Placeholder 1">
             <a:extLst>
               <a:ext uri="{FF2B5EF4-FFF2-40B4-BE49-F238E27FC236}">
-                <a16:creationId xmlns:a16="http://schemas.microsoft.com/office/drawing/2014/main" xmlns="" id="{0B24BF10-2B55-43AB-9F77-F1A1410384A9}"/>
+                <a16:creationId xmlns="" xmlns:a16="http://schemas.microsoft.com/office/drawing/2014/main" id="{0B24BF10-2B55-43AB-9F77-F1A1410384A9}"/>
               </a:ext>
             </a:extLst>
           </p:cNvPr>
@@ -34543,13 +37052,13 @@
   <p:clrMapOvr>
     <a:masterClrMapping/>
   </p:clrMapOvr>
-  <mc:AlternateContent xmlns:mc="http://schemas.openxmlformats.org/markup-compatibility/2006">
-    <mc:Choice xmlns:p14="http://schemas.microsoft.com/office/powerpoint/2010/main" Requires="p14">
+  <mc:AlternateContent xmlns:mc="http://schemas.openxmlformats.org/markup-compatibility/2006" xmlns:p14="http://schemas.microsoft.com/office/powerpoint/2010/main">
+    <mc:Choice Requires="p14">
       <p:transition spd="med" p14:dur="700">
         <p:fade/>
       </p:transition>
     </mc:Choice>
-    <mc:Fallback>
+    <mc:Fallback xmlns="">
       <p:transition spd="med">
         <p:fade/>
       </p:transition>
@@ -34587,7 +37096,7 @@
           <p:cNvPr id="4" name="Title 3">
             <a:extLst>
               <a:ext uri="{FF2B5EF4-FFF2-40B4-BE49-F238E27FC236}">
-                <a16:creationId xmlns:a16="http://schemas.microsoft.com/office/drawing/2014/main" xmlns="" id="{E3BD8413-C238-49D7-A4E1-E8FEF1811A0E}"/>
+                <a16:creationId xmlns="" xmlns:a16="http://schemas.microsoft.com/office/drawing/2014/main" id="{E3BD8413-C238-49D7-A4E1-E8FEF1811A0E}"/>
               </a:ext>
             </a:extLst>
           </p:cNvPr>
@@ -34639,7 +37148,7 @@
           <p:cNvPr id="5" name="Text Placeholder 4">
             <a:extLst>
               <a:ext uri="{FF2B5EF4-FFF2-40B4-BE49-F238E27FC236}">
-                <a16:creationId xmlns:a16="http://schemas.microsoft.com/office/drawing/2014/main" xmlns="" id="{0A95F4DE-39B7-4CE2-BC1E-8B8AE662A895}"/>
+                <a16:creationId xmlns="" xmlns:a16="http://schemas.microsoft.com/office/drawing/2014/main" id="{0A95F4DE-39B7-4CE2-BC1E-8B8AE662A895}"/>
               </a:ext>
             </a:extLst>
           </p:cNvPr>
@@ -34700,12 +37209,8 @@
           <a:p>
             <a:pPr lvl="0"/>
             <a:r>
-              <a:rPr lang="id-ID" sz="3600" dirty="0"/>
-              <a:t>Microsoft Excel 2013</a:t>
-            </a:r>
-            <a:r>
-              <a:rPr lang="id-ID" sz="3600" dirty="0" smtClean="0"/>
-              <a:t>.</a:t>
+              <a:rPr lang="en-US" sz="3600" dirty="0" smtClean="0"/>
+              <a:t>Adobe Fuse CC.</a:t>
             </a:r>
             <a:endParaRPr lang="en-US" sz="3600" dirty="0"/>
           </a:p>
@@ -34716,7 +37221,7 @@
           <p:cNvPr id="2" name="Slide Number Placeholder 1">
             <a:extLst>
               <a:ext uri="{FF2B5EF4-FFF2-40B4-BE49-F238E27FC236}">
-                <a16:creationId xmlns:a16="http://schemas.microsoft.com/office/drawing/2014/main" xmlns="" id="{0B24BF10-2B55-43AB-9F77-F1A1410384A9}"/>
+                <a16:creationId xmlns="" xmlns:a16="http://schemas.microsoft.com/office/drawing/2014/main" id="{0B24BF10-2B55-43AB-9F77-F1A1410384A9}"/>
               </a:ext>
             </a:extLst>
           </p:cNvPr>
@@ -34751,13 +37256,13 @@
   <p:clrMapOvr>
     <a:masterClrMapping/>
   </p:clrMapOvr>
-  <mc:AlternateContent xmlns:mc="http://schemas.openxmlformats.org/markup-compatibility/2006">
-    <mc:Choice xmlns:p14="http://schemas.microsoft.com/office/powerpoint/2010/main" Requires="p14">
+  <mc:AlternateContent xmlns:mc="http://schemas.openxmlformats.org/markup-compatibility/2006" xmlns:p14="http://schemas.microsoft.com/office/powerpoint/2010/main">
+    <mc:Choice Requires="p14">
       <p:transition spd="med" p14:dur="700">
         <p:fade/>
       </p:transition>
     </mc:Choice>
-    <mc:Fallback>
+    <mc:Fallback xmlns="">
       <p:transition spd="med">
         <p:fade/>
       </p:transition>
@@ -34795,7 +37300,7 @@
           <p:cNvPr id="4" name="Title 3">
             <a:extLst>
               <a:ext uri="{FF2B5EF4-FFF2-40B4-BE49-F238E27FC236}">
-                <a16:creationId xmlns:a16="http://schemas.microsoft.com/office/drawing/2014/main" xmlns="" id="{E3BD8413-C238-49D7-A4E1-E8FEF1811A0E}"/>
+                <a16:creationId xmlns="" xmlns:a16="http://schemas.microsoft.com/office/drawing/2014/main" id="{E3BD8413-C238-49D7-A4E1-E8FEF1811A0E}"/>
               </a:ext>
             </a:extLst>
           </p:cNvPr>
@@ -34839,7 +37344,7 @@
           <p:cNvPr id="5" name="Text Placeholder 4">
             <a:extLst>
               <a:ext uri="{FF2B5EF4-FFF2-40B4-BE49-F238E27FC236}">
-                <a16:creationId xmlns:a16="http://schemas.microsoft.com/office/drawing/2014/main" xmlns="" id="{0A95F4DE-39B7-4CE2-BC1E-8B8AE662A895}"/>
+                <a16:creationId xmlns="" xmlns:a16="http://schemas.microsoft.com/office/drawing/2014/main" id="{0A95F4DE-39B7-4CE2-BC1E-8B8AE662A895}"/>
               </a:ext>
             </a:extLst>
           </p:cNvPr>
@@ -35013,7 +37518,7 @@
           <p:cNvPr id="2" name="Slide Number Placeholder 1">
             <a:extLst>
               <a:ext uri="{FF2B5EF4-FFF2-40B4-BE49-F238E27FC236}">
-                <a16:creationId xmlns:a16="http://schemas.microsoft.com/office/drawing/2014/main" xmlns="" id="{0B24BF10-2B55-43AB-9F77-F1A1410384A9}"/>
+                <a16:creationId xmlns="" xmlns:a16="http://schemas.microsoft.com/office/drawing/2014/main" id="{0B24BF10-2B55-43AB-9F77-F1A1410384A9}"/>
               </a:ext>
             </a:extLst>
           </p:cNvPr>
@@ -35048,13 +37553,13 @@
   <p:clrMapOvr>
     <a:masterClrMapping/>
   </p:clrMapOvr>
-  <mc:AlternateContent xmlns:mc="http://schemas.openxmlformats.org/markup-compatibility/2006">
-    <mc:Choice xmlns:p14="http://schemas.microsoft.com/office/powerpoint/2010/main" Requires="p14">
+  <mc:AlternateContent xmlns:mc="http://schemas.openxmlformats.org/markup-compatibility/2006" xmlns:p14="http://schemas.microsoft.com/office/powerpoint/2010/main">
+    <mc:Choice Requires="p14">
       <p:transition spd="med" p14:dur="700">
         <p:fade/>
       </p:transition>
     </mc:Choice>
-    <mc:Fallback>
+    <mc:Fallback xmlns="">
       <p:transition spd="med">
         <p:fade/>
       </p:transition>
@@ -35092,7 +37597,7 @@
           <p:cNvPr id="4" name="Title 3">
             <a:extLst>
               <a:ext uri="{FF2B5EF4-FFF2-40B4-BE49-F238E27FC236}">
-                <a16:creationId xmlns:a16="http://schemas.microsoft.com/office/drawing/2014/main" xmlns="" id="{E3BD8413-C238-49D7-A4E1-E8FEF1811A0E}"/>
+                <a16:creationId xmlns="" xmlns:a16="http://schemas.microsoft.com/office/drawing/2014/main" id="{E3BD8413-C238-49D7-A4E1-E8FEF1811A0E}"/>
               </a:ext>
             </a:extLst>
           </p:cNvPr>
@@ -35125,11 +37630,7 @@
             </a:r>
             <a:r>
               <a:rPr lang="en-GB" dirty="0" err="1" smtClean="0"/>
-              <a:t>Pengumpulan</a:t>
-            </a:r>
-            <a:r>
-              <a:rPr lang="en-GB" dirty="0" smtClean="0"/>
-              <a:t> Data</a:t>
+              <a:t>Penelitian</a:t>
             </a:r>
             <a:endParaRPr lang="en-GB" dirty="0"/>
           </a:p>
@@ -35140,7 +37641,7 @@
           <p:cNvPr id="5" name="Text Placeholder 4">
             <a:extLst>
               <a:ext uri="{FF2B5EF4-FFF2-40B4-BE49-F238E27FC236}">
-                <a16:creationId xmlns:a16="http://schemas.microsoft.com/office/drawing/2014/main" xmlns="" id="{0A95F4DE-39B7-4CE2-BC1E-8B8AE662A895}"/>
+                <a16:creationId xmlns="" xmlns:a16="http://schemas.microsoft.com/office/drawing/2014/main" id="{0A95F4DE-39B7-4CE2-BC1E-8B8AE662A895}"/>
               </a:ext>
             </a:extLst>
           </p:cNvPr>
@@ -35153,8 +37654,8 @@
         </p:nvSpPr>
         <p:spPr>
           <a:xfrm>
-            <a:off x="831850" y="900062"/>
-            <a:ext cx="8545232" cy="5415013"/>
+            <a:off x="831850" y="1768741"/>
+            <a:ext cx="8545232" cy="4546334"/>
           </a:xfrm>
         </p:spPr>
         <p:txBody>
@@ -35163,51 +37664,36 @@
           </a:bodyPr>
           <a:lstStyle/>
           <a:p>
-            <a:pPr marL="742950" lvl="0" indent="-742950" algn="just">
-              <a:buFont typeface="+mj-lt"/>
-              <a:buAutoNum type="arabicPeriod"/>
-            </a:pPr>
-            <a:r>
-              <a:rPr lang="en-US" sz="3600" dirty="0" err="1"/>
-              <a:t>Studi</a:t>
-            </a:r>
-            <a:r>
-              <a:rPr lang="en-US" sz="3600" dirty="0"/>
+            <a:pPr lvl="0" algn="just"/>
+            <a:r>
+              <a:rPr lang="en-US" sz="4000" dirty="0" err="1" smtClean="0"/>
+              <a:t>Menentukan</a:t>
+            </a:r>
+            <a:r>
+              <a:rPr lang="en-US" sz="4000" dirty="0"/>
               <a:t> </a:t>
             </a:r>
             <a:r>
-              <a:rPr lang="en-US" sz="3600" dirty="0" smtClean="0"/>
-              <a:t>literature.</a:t>
-            </a:r>
-          </a:p>
-          <a:p>
-            <a:pPr marL="742950" lvl="0" indent="-742950" algn="just">
-              <a:buFont typeface="+mj-lt"/>
-              <a:buAutoNum type="arabicPeriod"/>
-            </a:pPr>
-            <a:r>
-              <a:rPr lang="en-US" sz="3600" dirty="0" err="1" smtClean="0"/>
-              <a:t>Observasi</a:t>
-            </a:r>
-            <a:r>
-              <a:rPr lang="en-US" sz="3600" dirty="0" smtClean="0"/>
-              <a:t>.</a:t>
-            </a:r>
-          </a:p>
-          <a:p>
-            <a:pPr marL="742950" lvl="0" indent="-742950" algn="just">
-              <a:buFont typeface="+mj-lt"/>
-              <a:buAutoNum type="arabicPeriod"/>
-            </a:pPr>
-            <a:r>
-              <a:rPr lang="en-US" sz="3600" dirty="0" err="1" smtClean="0"/>
-              <a:t>Wawancara</a:t>
-            </a:r>
-            <a:r>
-              <a:rPr lang="en-US" sz="3600" dirty="0" smtClean="0"/>
-              <a:t>.</a:t>
-            </a:r>
-            <a:endParaRPr lang="en-US" sz="3600" dirty="0"/>
+              <a:rPr lang="en-US" sz="4000" dirty="0" err="1" smtClean="0"/>
+              <a:t>Tujuan</a:t>
+            </a:r>
+            <a:r>
+              <a:rPr lang="en-US" sz="4000" dirty="0" smtClean="0"/>
+              <a:t> Dan </a:t>
+            </a:r>
+            <a:r>
+              <a:rPr lang="en-US" sz="4000" dirty="0" err="1" smtClean="0"/>
+              <a:t>Siapa</a:t>
+            </a:r>
+            <a:r>
+              <a:rPr lang="en-US" sz="4000" dirty="0" smtClean="0"/>
+              <a:t> </a:t>
+            </a:r>
+            <a:r>
+              <a:rPr lang="en-US" sz="4000" dirty="0" err="1" smtClean="0"/>
+              <a:t>Penggunanya</a:t>
+            </a:r>
+            <a:endParaRPr lang="en-US" sz="4000" dirty="0"/>
           </a:p>
         </p:txBody>
       </p:sp>
@@ -35216,7 +37702,7 @@
           <p:cNvPr id="2" name="Slide Number Placeholder 1">
             <a:extLst>
               <a:ext uri="{FF2B5EF4-FFF2-40B4-BE49-F238E27FC236}">
-                <a16:creationId xmlns:a16="http://schemas.microsoft.com/office/drawing/2014/main" xmlns="" id="{0B24BF10-2B55-43AB-9F77-F1A1410384A9}"/>
+                <a16:creationId xmlns="" xmlns:a16="http://schemas.microsoft.com/office/drawing/2014/main" id="{0B24BF10-2B55-43AB-9F77-F1A1410384A9}"/>
               </a:ext>
             </a:extLst>
           </p:cNvPr>
@@ -35241,10 +37727,65 @@
           </a:p>
         </p:txBody>
       </p:sp>
+      <p:sp>
+        <p:nvSpPr>
+          <p:cNvPr id="6" name="Title 3">
+            <a:extLst>
+              <a:ext uri="{FF2B5EF4-FFF2-40B4-BE49-F238E27FC236}">
+                <a16:creationId xmlns="" xmlns:a16="http://schemas.microsoft.com/office/drawing/2014/main" id="{E3BD8413-C238-49D7-A4E1-E8FEF1811A0E}"/>
+              </a:ext>
+            </a:extLst>
+          </p:cNvPr>
+          <p:cNvSpPr txBox="1">
+            <a:spLocks/>
+          </p:cNvSpPr>
+          <p:nvPr/>
+        </p:nvSpPr>
+        <p:spPr>
+          <a:xfrm>
+            <a:off x="832103" y="900062"/>
+            <a:ext cx="10420097" cy="859055"/>
+          </a:xfrm>
+          <a:prstGeom prst="rect">
+            <a:avLst/>
+          </a:prstGeom>
+        </p:spPr>
+        <p:txBody>
+          <a:bodyPr vert="horz" lIns="91440" tIns="45720" rIns="91440" bIns="45720" rtlCol="0" anchor="b">
+            <a:normAutofit/>
+          </a:bodyPr>
+          <a:lstStyle>
+            <a:lvl1pPr algn="l" defTabSz="914400" rtl="0" eaLnBrk="1" latinLnBrk="0" hangingPunct="1">
+              <a:lnSpc>
+                <a:spcPct val="90000"/>
+              </a:lnSpc>
+              <a:spcBef>
+                <a:spcPct val="0"/>
+              </a:spcBef>
+              <a:buNone/>
+              <a:defRPr lang="en-GB" sz="5400" b="1" kern="1200" dirty="0">
+                <a:solidFill>
+                  <a:schemeClr val="bg1"/>
+                </a:solidFill>
+                <a:latin typeface="+mj-lt"/>
+                <a:ea typeface="+mj-ea"/>
+                <a:cs typeface="+mj-cs"/>
+              </a:defRPr>
+            </a:lvl1pPr>
+          </a:lstStyle>
+          <a:p>
+            <a:r>
+              <a:rPr lang="en-US" dirty="0" err="1" smtClean="0"/>
+              <a:t>Konsep</a:t>
+            </a:r>
+            <a:endParaRPr lang="en-US" dirty="0"/>
+          </a:p>
+        </p:txBody>
+      </p:sp>
     </p:spTree>
     <p:extLst>
       <p:ext uri="{BB962C8B-B14F-4D97-AF65-F5344CB8AC3E}">
-        <p14:creationId xmlns:p14="http://schemas.microsoft.com/office/powerpoint/2010/main" val="1147757168"/>
+        <p14:creationId xmlns:p14="http://schemas.microsoft.com/office/powerpoint/2010/main" val="1423337581"/>
       </p:ext>
     </p:extLst>
   </p:cSld>
@@ -35295,7 +37836,7 @@
           <p:cNvPr id="4" name="Title 3">
             <a:extLst>
               <a:ext uri="{FF2B5EF4-FFF2-40B4-BE49-F238E27FC236}">
-                <a16:creationId xmlns:a16="http://schemas.microsoft.com/office/drawing/2014/main" xmlns="" id="{E3BD8413-C238-49D7-A4E1-E8FEF1811A0E}"/>
+                <a16:creationId xmlns="" xmlns:a16="http://schemas.microsoft.com/office/drawing/2014/main" id="{E3BD8413-C238-49D7-A4E1-E8FEF1811A0E}"/>
               </a:ext>
             </a:extLst>
           </p:cNvPr>
@@ -35328,7 +37869,7 @@
             </a:r>
             <a:r>
               <a:rPr lang="en-GB" dirty="0" err="1" smtClean="0"/>
-              <a:t>Perancangan</a:t>
+              <a:t>Penelitian</a:t>
             </a:r>
             <a:endParaRPr lang="en-GB" dirty="0"/>
           </a:p>
@@ -35339,7 +37880,7 @@
           <p:cNvPr id="5" name="Text Placeholder 4">
             <a:extLst>
               <a:ext uri="{FF2B5EF4-FFF2-40B4-BE49-F238E27FC236}">
-                <a16:creationId xmlns:a16="http://schemas.microsoft.com/office/drawing/2014/main" xmlns="" id="{0A95F4DE-39B7-4CE2-BC1E-8B8AE662A895}"/>
+                <a16:creationId xmlns="" xmlns:a16="http://schemas.microsoft.com/office/drawing/2014/main" id="{0A95F4DE-39B7-4CE2-BC1E-8B8AE662A895}"/>
               </a:ext>
             </a:extLst>
           </p:cNvPr>
@@ -35352,8 +37893,8 @@
         </p:nvSpPr>
         <p:spPr>
           <a:xfrm>
-            <a:off x="831850" y="900062"/>
-            <a:ext cx="8545232" cy="5415013"/>
+            <a:off x="831850" y="1768741"/>
+            <a:ext cx="8545232" cy="4546334"/>
           </a:xfrm>
         </p:spPr>
         <p:txBody>
@@ -35362,57 +37903,62 @@
           </a:bodyPr>
           <a:lstStyle/>
           <a:p>
-            <a:pPr marL="742950" lvl="0" indent="-742950">
-              <a:buFont typeface="+mj-lt"/>
-              <a:buAutoNum type="arabicPeriod"/>
-            </a:pPr>
-            <a:r>
-              <a:rPr lang="id-ID" sz="3600" dirty="0"/>
-              <a:t>Identifikasi Masalah.</a:t>
-            </a:r>
-            <a:endParaRPr lang="en-US" sz="3600" dirty="0"/>
-          </a:p>
-          <a:p>
-            <a:pPr marL="742950" lvl="0" indent="-742950">
-              <a:buFont typeface="+mj-lt"/>
-              <a:buAutoNum type="arabicPeriod"/>
-            </a:pPr>
-            <a:r>
-              <a:rPr lang="id-ID" sz="3600" dirty="0"/>
-              <a:t>Membuat Konsep.</a:t>
-            </a:r>
-            <a:endParaRPr lang="en-US" sz="3600" dirty="0"/>
-          </a:p>
-          <a:p>
-            <a:pPr marL="742950" lvl="0" indent="-742950">
-              <a:buFont typeface="+mj-lt"/>
-              <a:buAutoNum type="arabicPeriod"/>
-            </a:pPr>
-            <a:r>
-              <a:rPr lang="id-ID" sz="3600" dirty="0"/>
-              <a:t>Membuat Desain.</a:t>
-            </a:r>
-            <a:endParaRPr lang="en-US" sz="3600" dirty="0"/>
-          </a:p>
-          <a:p>
-            <a:pPr marL="742950" lvl="0" indent="-742950">
-              <a:buFont typeface="+mj-lt"/>
-              <a:buAutoNum type="arabicPeriod"/>
-            </a:pPr>
-            <a:r>
-              <a:rPr lang="id-ID" sz="3600" dirty="0"/>
-              <a:t>Pengumpulan Bahan.</a:t>
-            </a:r>
-            <a:endParaRPr lang="en-US" sz="3600" dirty="0"/>
-          </a:p>
-          <a:p>
-            <a:pPr marL="742950" lvl="0" indent="-742950">
-              <a:buFont typeface="+mj-lt"/>
-              <a:buAutoNum type="arabicPeriod"/>
-            </a:pPr>
-            <a:r>
-              <a:rPr lang="id-ID" sz="3600" dirty="0"/>
-              <a:t>Merancang Aplikasi.</a:t>
+            <a:pPr lvl="0" algn="just"/>
+            <a:r>
+              <a:rPr lang="en-US" sz="3600" dirty="0" err="1" smtClean="0"/>
+              <a:t>Mendesain</a:t>
+            </a:r>
+            <a:r>
+              <a:rPr lang="en-US" sz="3600" dirty="0" smtClean="0"/>
+              <a:t> </a:t>
+            </a:r>
+            <a:r>
+              <a:rPr lang="en-US" sz="3600" dirty="0" err="1" smtClean="0"/>
+              <a:t>Alur</a:t>
+            </a:r>
+            <a:r>
+              <a:rPr lang="en-US" sz="3600" dirty="0" smtClean="0"/>
+              <a:t> </a:t>
+            </a:r>
+            <a:r>
+              <a:rPr lang="en-US" sz="3600" dirty="0" err="1" smtClean="0"/>
+              <a:t>Cerita</a:t>
+            </a:r>
+            <a:r>
+              <a:rPr lang="en-US" sz="3600" dirty="0" smtClean="0"/>
+              <a:t>, </a:t>
+            </a:r>
+            <a:r>
+              <a:rPr lang="en-US" sz="3600" dirty="0" err="1" smtClean="0"/>
+              <a:t>Karakter</a:t>
+            </a:r>
+            <a:r>
+              <a:rPr lang="en-US" sz="3600" dirty="0" smtClean="0"/>
+              <a:t>, </a:t>
+            </a:r>
+            <a:r>
+              <a:rPr lang="en-US" sz="3600" dirty="0" err="1" smtClean="0"/>
+              <a:t>Tampilan</a:t>
+            </a:r>
+            <a:r>
+              <a:rPr lang="en-US" sz="3600" dirty="0" smtClean="0"/>
+              <a:t>, </a:t>
+            </a:r>
+            <a:r>
+              <a:rPr lang="en-US" sz="3600" dirty="0" err="1" smtClean="0"/>
+              <a:t>dan</a:t>
+            </a:r>
+            <a:r>
+              <a:rPr lang="en-US" sz="3600" dirty="0" smtClean="0"/>
+              <a:t> </a:t>
+            </a:r>
+            <a:r>
+              <a:rPr lang="en-US" sz="3600" dirty="0" err="1" smtClean="0"/>
+              <a:t>Objek</a:t>
+            </a:r>
+            <a:r>
+              <a:rPr lang="en-US" sz="3600" dirty="0" smtClean="0"/>
+              <a:t>.</a:t>
             </a:r>
             <a:endParaRPr lang="en-US" sz="3600" dirty="0"/>
           </a:p>
@@ -35423,7 +37969,7 @@
           <p:cNvPr id="2" name="Slide Number Placeholder 1">
             <a:extLst>
               <a:ext uri="{FF2B5EF4-FFF2-40B4-BE49-F238E27FC236}">
-                <a16:creationId xmlns:a16="http://schemas.microsoft.com/office/drawing/2014/main" xmlns="" id="{0B24BF10-2B55-43AB-9F77-F1A1410384A9}"/>
+                <a16:creationId xmlns="" xmlns:a16="http://schemas.microsoft.com/office/drawing/2014/main" id="{0B24BF10-2B55-43AB-9F77-F1A1410384A9}"/>
               </a:ext>
             </a:extLst>
           </p:cNvPr>
@@ -35448,10 +37994,65 @@
           </a:p>
         </p:txBody>
       </p:sp>
+      <p:sp>
+        <p:nvSpPr>
+          <p:cNvPr id="6" name="Title 3">
+            <a:extLst>
+              <a:ext uri="{FF2B5EF4-FFF2-40B4-BE49-F238E27FC236}">
+                <a16:creationId xmlns="" xmlns:a16="http://schemas.microsoft.com/office/drawing/2014/main" id="{E3BD8413-C238-49D7-A4E1-E8FEF1811A0E}"/>
+              </a:ext>
+            </a:extLst>
+          </p:cNvPr>
+          <p:cNvSpPr txBox="1">
+            <a:spLocks/>
+          </p:cNvSpPr>
+          <p:nvPr/>
+        </p:nvSpPr>
+        <p:spPr>
+          <a:xfrm>
+            <a:off x="832103" y="900062"/>
+            <a:ext cx="10420097" cy="859055"/>
+          </a:xfrm>
+          <a:prstGeom prst="rect">
+            <a:avLst/>
+          </a:prstGeom>
+        </p:spPr>
+        <p:txBody>
+          <a:bodyPr vert="horz" lIns="91440" tIns="45720" rIns="91440" bIns="45720" rtlCol="0" anchor="b">
+            <a:normAutofit/>
+          </a:bodyPr>
+          <a:lstStyle>
+            <a:lvl1pPr algn="l" defTabSz="914400" rtl="0" eaLnBrk="1" latinLnBrk="0" hangingPunct="1">
+              <a:lnSpc>
+                <a:spcPct val="90000"/>
+              </a:lnSpc>
+              <a:spcBef>
+                <a:spcPct val="0"/>
+              </a:spcBef>
+              <a:buNone/>
+              <a:defRPr lang="en-GB" sz="5400" b="1" kern="1200" dirty="0">
+                <a:solidFill>
+                  <a:schemeClr val="bg1"/>
+                </a:solidFill>
+                <a:latin typeface="+mj-lt"/>
+                <a:ea typeface="+mj-ea"/>
+                <a:cs typeface="+mj-cs"/>
+              </a:defRPr>
+            </a:lvl1pPr>
+          </a:lstStyle>
+          <a:p>
+            <a:r>
+              <a:rPr lang="en-US" dirty="0" err="1" smtClean="0"/>
+              <a:t>Desain</a:t>
+            </a:r>
+            <a:endParaRPr lang="en-US" dirty="0"/>
+          </a:p>
+        </p:txBody>
+      </p:sp>
     </p:spTree>
     <p:extLst>
       <p:ext uri="{BB962C8B-B14F-4D97-AF65-F5344CB8AC3E}">
-        <p14:creationId xmlns:p14="http://schemas.microsoft.com/office/powerpoint/2010/main" val="581728347"/>
+        <p14:creationId xmlns:p14="http://schemas.microsoft.com/office/powerpoint/2010/main" val="1573569586"/>
       </p:ext>
     </p:extLst>
   </p:cSld>
@@ -35502,7 +38103,7 @@
           <p:cNvPr id="4" name="Title 3">
             <a:extLst>
               <a:ext uri="{FF2B5EF4-FFF2-40B4-BE49-F238E27FC236}">
-                <a16:creationId xmlns:a16="http://schemas.microsoft.com/office/drawing/2014/main" xmlns="" id="{E3BD8413-C238-49D7-A4E1-E8FEF1811A0E}"/>
+                <a16:creationId xmlns="" xmlns:a16="http://schemas.microsoft.com/office/drawing/2014/main" id="{E3BD8413-C238-49D7-A4E1-E8FEF1811A0E}"/>
               </a:ext>
             </a:extLst>
           </p:cNvPr>
@@ -35544,7 +38145,7 @@
           <p:cNvPr id="5" name="Text Placeholder 4">
             <a:extLst>
               <a:ext uri="{FF2B5EF4-FFF2-40B4-BE49-F238E27FC236}">
-                <a16:creationId xmlns:a16="http://schemas.microsoft.com/office/drawing/2014/main" xmlns="" id="{0A95F4DE-39B7-4CE2-BC1E-8B8AE662A895}"/>
+                <a16:creationId xmlns="" xmlns:a16="http://schemas.microsoft.com/office/drawing/2014/main" id="{0A95F4DE-39B7-4CE2-BC1E-8B8AE662A895}"/>
               </a:ext>
             </a:extLst>
           </p:cNvPr>
@@ -35581,7 +38182,7 @@
           <p:cNvPr id="2" name="Slide Number Placeholder 1">
             <a:extLst>
               <a:ext uri="{FF2B5EF4-FFF2-40B4-BE49-F238E27FC236}">
-                <a16:creationId xmlns:a16="http://schemas.microsoft.com/office/drawing/2014/main" xmlns="" id="{0B24BF10-2B55-43AB-9F77-F1A1410384A9}"/>
+                <a16:creationId xmlns="" xmlns:a16="http://schemas.microsoft.com/office/drawing/2014/main" id="{0B24BF10-2B55-43AB-9F77-F1A1410384A9}"/>
               </a:ext>
             </a:extLst>
           </p:cNvPr>
@@ -35660,7 +38261,7 @@
           <p:cNvPr id="4" name="Title 3">
             <a:extLst>
               <a:ext uri="{FF2B5EF4-FFF2-40B4-BE49-F238E27FC236}">
-                <a16:creationId xmlns:a16="http://schemas.microsoft.com/office/drawing/2014/main" xmlns="" id="{E3BD8413-C238-49D7-A4E1-E8FEF1811A0E}"/>
+                <a16:creationId xmlns="" xmlns:a16="http://schemas.microsoft.com/office/drawing/2014/main" id="{E3BD8413-C238-49D7-A4E1-E8FEF1811A0E}"/>
               </a:ext>
             </a:extLst>
           </p:cNvPr>
@@ -35685,7 +38286,7 @@
           <a:p>
             <a:r>
               <a:rPr lang="en-GB" dirty="0" err="1" smtClean="0"/>
-              <a:t>Jadwal</a:t>
+              <a:t>Metode</a:t>
             </a:r>
             <a:r>
               <a:rPr lang="en-GB" dirty="0" smtClean="0"/>
@@ -35696,6 +38297,67 @@
               <a:t>Penelitian</a:t>
             </a:r>
             <a:endParaRPr lang="en-GB" dirty="0"/>
+          </a:p>
+        </p:txBody>
+      </p:sp>
+      <p:sp>
+        <p:nvSpPr>
+          <p:cNvPr id="5" name="Text Placeholder 4">
+            <a:extLst>
+              <a:ext uri="{FF2B5EF4-FFF2-40B4-BE49-F238E27FC236}">
+                <a16:creationId xmlns="" xmlns:a16="http://schemas.microsoft.com/office/drawing/2014/main" id="{0A95F4DE-39B7-4CE2-BC1E-8B8AE662A895}"/>
+              </a:ext>
+            </a:extLst>
+          </p:cNvPr>
+          <p:cNvSpPr>
+            <a:spLocks noGrp="1"/>
+          </p:cNvSpPr>
+          <p:nvPr>
+            <p:ph type="body" idx="1"/>
+          </p:nvPr>
+        </p:nvSpPr>
+        <p:spPr>
+          <a:xfrm>
+            <a:off x="831850" y="1768741"/>
+            <a:ext cx="8545232" cy="4546334"/>
+          </a:xfrm>
+        </p:spPr>
+        <p:txBody>
+          <a:bodyPr numCol="1">
+            <a:normAutofit/>
+          </a:bodyPr>
+          <a:lstStyle/>
+          <a:p>
+            <a:pPr lvl="0" algn="just"/>
+            <a:r>
+              <a:rPr lang="en-US" sz="3600" dirty="0" err="1" smtClean="0"/>
+              <a:t>Mengumpulkan</a:t>
+            </a:r>
+            <a:r>
+              <a:rPr lang="en-US" sz="3600" dirty="0" smtClean="0"/>
+              <a:t> </a:t>
+            </a:r>
+            <a:r>
+              <a:rPr lang="en-US" sz="3600" dirty="0" err="1" smtClean="0"/>
+              <a:t>Bahan</a:t>
+            </a:r>
+            <a:r>
+              <a:rPr lang="en-US" sz="3600" dirty="0" err="1" smtClean="0"/>
+              <a:t>-Bahan</a:t>
+            </a:r>
+            <a:r>
+              <a:rPr lang="en-US" sz="3600" dirty="0" smtClean="0"/>
+              <a:t> Yang </a:t>
+            </a:r>
+            <a:r>
+              <a:rPr lang="en-US" sz="3600" dirty="0" err="1" smtClean="0"/>
+              <a:t>Dibutuhkan</a:t>
+            </a:r>
+            <a:r>
+              <a:rPr lang="en-US" sz="3600" dirty="0" smtClean="0"/>
+              <a:t>.</a:t>
+            </a:r>
+            <a:endParaRPr lang="en-US" sz="3600" dirty="0"/>
           </a:p>
         </p:txBody>
       </p:sp>
@@ -35704,7 +38366,7 @@
           <p:cNvPr id="2" name="Slide Number Placeholder 1">
             <a:extLst>
               <a:ext uri="{FF2B5EF4-FFF2-40B4-BE49-F238E27FC236}">
-                <a16:creationId xmlns:a16="http://schemas.microsoft.com/office/drawing/2014/main" xmlns="" id="{0B24BF10-2B55-43AB-9F77-F1A1410384A9}"/>
+                <a16:creationId xmlns="" xmlns:a16="http://schemas.microsoft.com/office/drawing/2014/main" id="{0B24BF10-2B55-43AB-9F77-F1A1410384A9}"/>
               </a:ext>
             </a:extLst>
           </p:cNvPr>
@@ -35724,6 +38386,1311 @@
               <a:rPr lang="en-GB" smtClean="0"/>
               <a:pPr/>
               <a:t>30</a:t>
+            </a:fld>
+            <a:endParaRPr lang="en-GB" dirty="0"/>
+          </a:p>
+        </p:txBody>
+      </p:sp>
+      <p:sp>
+        <p:nvSpPr>
+          <p:cNvPr id="6" name="Title 3">
+            <a:extLst>
+              <a:ext uri="{FF2B5EF4-FFF2-40B4-BE49-F238E27FC236}">
+                <a16:creationId xmlns="" xmlns:a16="http://schemas.microsoft.com/office/drawing/2014/main" id="{E3BD8413-C238-49D7-A4E1-E8FEF1811A0E}"/>
+              </a:ext>
+            </a:extLst>
+          </p:cNvPr>
+          <p:cNvSpPr txBox="1">
+            <a:spLocks/>
+          </p:cNvSpPr>
+          <p:nvPr/>
+        </p:nvSpPr>
+        <p:spPr>
+          <a:xfrm>
+            <a:off x="832103" y="900062"/>
+            <a:ext cx="10420097" cy="859055"/>
+          </a:xfrm>
+          <a:prstGeom prst="rect">
+            <a:avLst/>
+          </a:prstGeom>
+        </p:spPr>
+        <p:txBody>
+          <a:bodyPr vert="horz" lIns="91440" tIns="45720" rIns="91440" bIns="45720" rtlCol="0" anchor="b">
+            <a:normAutofit/>
+          </a:bodyPr>
+          <a:lstStyle>
+            <a:lvl1pPr algn="l" defTabSz="914400" rtl="0" eaLnBrk="1" latinLnBrk="0" hangingPunct="1">
+              <a:lnSpc>
+                <a:spcPct val="90000"/>
+              </a:lnSpc>
+              <a:spcBef>
+                <a:spcPct val="0"/>
+              </a:spcBef>
+              <a:buNone/>
+              <a:defRPr lang="en-GB" sz="5400" b="1" kern="1200" dirty="0">
+                <a:solidFill>
+                  <a:schemeClr val="bg1"/>
+                </a:solidFill>
+                <a:latin typeface="+mj-lt"/>
+                <a:ea typeface="+mj-ea"/>
+                <a:cs typeface="+mj-cs"/>
+              </a:defRPr>
+            </a:lvl1pPr>
+          </a:lstStyle>
+          <a:p>
+            <a:r>
+              <a:rPr lang="en-US" dirty="0" err="1" smtClean="0"/>
+              <a:t>Pengumpulan</a:t>
+            </a:r>
+            <a:r>
+              <a:rPr lang="en-US" dirty="0" smtClean="0"/>
+              <a:t> </a:t>
+            </a:r>
+            <a:r>
+              <a:rPr lang="en-US" dirty="0" err="1" smtClean="0"/>
+              <a:t>Bahan</a:t>
+            </a:r>
+            <a:endParaRPr lang="en-US" dirty="0"/>
+          </a:p>
+        </p:txBody>
+      </p:sp>
+    </p:spTree>
+    <p:extLst>
+      <p:ext uri="{BB962C8B-B14F-4D97-AF65-F5344CB8AC3E}">
+        <p14:creationId xmlns:p14="http://schemas.microsoft.com/office/powerpoint/2010/main" val="2539334458"/>
+      </p:ext>
+    </p:extLst>
+  </p:cSld>
+  <p:clrMapOvr>
+    <a:masterClrMapping/>
+  </p:clrMapOvr>
+  <mc:AlternateContent xmlns:mc="http://schemas.openxmlformats.org/markup-compatibility/2006">
+    <mc:Choice xmlns:p14="http://schemas.microsoft.com/office/powerpoint/2010/main" Requires="p14">
+      <p:transition spd="med" p14:dur="700">
+        <p:fade/>
+      </p:transition>
+    </mc:Choice>
+    <mc:Fallback>
+      <p:transition spd="med">
+        <p:fade/>
+      </p:transition>
+    </mc:Fallback>
+  </mc:AlternateContent>
+  <p:timing>
+    <p:tnLst>
+      <p:par>
+        <p:cTn id="1" dur="indefinite" restart="never" nodeType="tmRoot"/>
+      </p:par>
+    </p:tnLst>
+  </p:timing>
+</p:sld>
+</file>
+
+<file path=ppt/slides/slide31.xml><?xml version="1.0" encoding="utf-8"?>
+<p:sld xmlns:a="http://schemas.openxmlformats.org/drawingml/2006/main" xmlns:r="http://schemas.openxmlformats.org/officeDocument/2006/relationships" xmlns:p="http://schemas.openxmlformats.org/presentationml/2006/main">
+  <p:cSld>
+    <p:spTree>
+      <p:nvGrpSpPr>
+        <p:cNvPr id="1" name=""/>
+        <p:cNvGrpSpPr/>
+        <p:nvPr/>
+      </p:nvGrpSpPr>
+      <p:grpSpPr>
+        <a:xfrm>
+          <a:off x="0" y="0"/>
+          <a:ext cx="0" cy="0"/>
+          <a:chOff x="0" y="0"/>
+          <a:chExt cx="0" cy="0"/>
+        </a:xfrm>
+      </p:grpSpPr>
+      <p:sp>
+        <p:nvSpPr>
+          <p:cNvPr id="4" name="Title 3">
+            <a:extLst>
+              <a:ext uri="{FF2B5EF4-FFF2-40B4-BE49-F238E27FC236}">
+                <a16:creationId xmlns="" xmlns:a16="http://schemas.microsoft.com/office/drawing/2014/main" id="{E3BD8413-C238-49D7-A4E1-E8FEF1811A0E}"/>
+              </a:ext>
+            </a:extLst>
+          </p:cNvPr>
+          <p:cNvSpPr>
+            <a:spLocks noGrp="1"/>
+          </p:cNvSpPr>
+          <p:nvPr>
+            <p:ph type="title"/>
+          </p:nvPr>
+        </p:nvSpPr>
+        <p:spPr>
+          <a:xfrm>
+            <a:off x="832103" y="31383"/>
+            <a:ext cx="10420097" cy="859055"/>
+          </a:xfrm>
+        </p:spPr>
+        <p:txBody>
+          <a:bodyPr>
+            <a:normAutofit/>
+          </a:bodyPr>
+          <a:lstStyle/>
+          <a:p>
+            <a:r>
+              <a:rPr lang="en-GB" dirty="0" err="1" smtClean="0"/>
+              <a:t>Metode</a:t>
+            </a:r>
+            <a:r>
+              <a:rPr lang="en-GB" dirty="0" smtClean="0"/>
+              <a:t> </a:t>
+            </a:r>
+            <a:r>
+              <a:rPr lang="en-GB" dirty="0" err="1" smtClean="0"/>
+              <a:t>Penelitian</a:t>
+            </a:r>
+            <a:endParaRPr lang="en-GB" dirty="0"/>
+          </a:p>
+        </p:txBody>
+      </p:sp>
+      <p:sp>
+        <p:nvSpPr>
+          <p:cNvPr id="5" name="Text Placeholder 4">
+            <a:extLst>
+              <a:ext uri="{FF2B5EF4-FFF2-40B4-BE49-F238E27FC236}">
+                <a16:creationId xmlns="" xmlns:a16="http://schemas.microsoft.com/office/drawing/2014/main" id="{0A95F4DE-39B7-4CE2-BC1E-8B8AE662A895}"/>
+              </a:ext>
+            </a:extLst>
+          </p:cNvPr>
+          <p:cNvSpPr>
+            <a:spLocks noGrp="1"/>
+          </p:cNvSpPr>
+          <p:nvPr>
+            <p:ph type="body" idx="1"/>
+          </p:nvPr>
+        </p:nvSpPr>
+        <p:spPr>
+          <a:xfrm>
+            <a:off x="831850" y="1768741"/>
+            <a:ext cx="8545232" cy="4546334"/>
+          </a:xfrm>
+        </p:spPr>
+        <p:txBody>
+          <a:bodyPr numCol="1">
+            <a:normAutofit/>
+          </a:bodyPr>
+          <a:lstStyle/>
+          <a:p>
+            <a:pPr lvl="0" algn="just"/>
+            <a:r>
+              <a:rPr lang="en-US" sz="3600" dirty="0" err="1" smtClean="0"/>
+              <a:t>Membuat</a:t>
+            </a:r>
+            <a:r>
+              <a:rPr lang="en-US" sz="3600" dirty="0" smtClean="0"/>
+              <a:t> </a:t>
+            </a:r>
+            <a:r>
+              <a:rPr lang="en-US" sz="3600" dirty="0" err="1" smtClean="0"/>
+              <a:t>Aplikasi</a:t>
+            </a:r>
+            <a:r>
+              <a:rPr lang="en-US" sz="3600" dirty="0"/>
+              <a:t> </a:t>
+            </a:r>
+            <a:r>
+              <a:rPr lang="en-US" sz="3600" dirty="0" smtClean="0"/>
+              <a:t>Game </a:t>
+            </a:r>
+            <a:r>
+              <a:rPr lang="en-US" sz="3600" dirty="0" err="1" smtClean="0"/>
+              <a:t>Simulasi</a:t>
+            </a:r>
+            <a:r>
+              <a:rPr lang="en-US" sz="3600" dirty="0" smtClean="0"/>
+              <a:t> </a:t>
+            </a:r>
+            <a:r>
+              <a:rPr lang="en-US" sz="3600" dirty="0" err="1" smtClean="0"/>
+              <a:t>Ini</a:t>
+            </a:r>
+            <a:r>
+              <a:rPr lang="en-US" sz="3600" dirty="0" smtClean="0"/>
+              <a:t>.</a:t>
+            </a:r>
+            <a:endParaRPr lang="en-US" sz="3600" dirty="0"/>
+          </a:p>
+        </p:txBody>
+      </p:sp>
+      <p:sp>
+        <p:nvSpPr>
+          <p:cNvPr id="2" name="Slide Number Placeholder 1">
+            <a:extLst>
+              <a:ext uri="{FF2B5EF4-FFF2-40B4-BE49-F238E27FC236}">
+                <a16:creationId xmlns="" xmlns:a16="http://schemas.microsoft.com/office/drawing/2014/main" id="{0B24BF10-2B55-43AB-9F77-F1A1410384A9}"/>
+              </a:ext>
+            </a:extLst>
+          </p:cNvPr>
+          <p:cNvSpPr>
+            <a:spLocks noGrp="1"/>
+          </p:cNvSpPr>
+          <p:nvPr>
+            <p:ph type="sldNum" sz="quarter" idx="12"/>
+          </p:nvPr>
+        </p:nvSpPr>
+        <p:spPr/>
+        <p:txBody>
+          <a:bodyPr/>
+          <a:lstStyle/>
+          <a:p>
+            <a:fld id="{C263D6C4-4840-40CC-AC84-17E24B3B7BDE}" type="slidenum">
+              <a:rPr lang="en-GB" smtClean="0"/>
+              <a:pPr/>
+              <a:t>31</a:t>
+            </a:fld>
+            <a:endParaRPr lang="en-GB" dirty="0"/>
+          </a:p>
+        </p:txBody>
+      </p:sp>
+      <p:sp>
+        <p:nvSpPr>
+          <p:cNvPr id="6" name="Title 3">
+            <a:extLst>
+              <a:ext uri="{FF2B5EF4-FFF2-40B4-BE49-F238E27FC236}">
+                <a16:creationId xmlns="" xmlns:a16="http://schemas.microsoft.com/office/drawing/2014/main" id="{E3BD8413-C238-49D7-A4E1-E8FEF1811A0E}"/>
+              </a:ext>
+            </a:extLst>
+          </p:cNvPr>
+          <p:cNvSpPr txBox="1">
+            <a:spLocks/>
+          </p:cNvSpPr>
+          <p:nvPr/>
+        </p:nvSpPr>
+        <p:spPr>
+          <a:xfrm>
+            <a:off x="832103" y="900062"/>
+            <a:ext cx="10420097" cy="859055"/>
+          </a:xfrm>
+          <a:prstGeom prst="rect">
+            <a:avLst/>
+          </a:prstGeom>
+        </p:spPr>
+        <p:txBody>
+          <a:bodyPr vert="horz" lIns="91440" tIns="45720" rIns="91440" bIns="45720" rtlCol="0" anchor="b">
+            <a:normAutofit/>
+          </a:bodyPr>
+          <a:lstStyle>
+            <a:lvl1pPr algn="l" defTabSz="914400" rtl="0" eaLnBrk="1" latinLnBrk="0" hangingPunct="1">
+              <a:lnSpc>
+                <a:spcPct val="90000"/>
+              </a:lnSpc>
+              <a:spcBef>
+                <a:spcPct val="0"/>
+              </a:spcBef>
+              <a:buNone/>
+              <a:defRPr lang="en-GB" sz="5400" b="1" kern="1200" dirty="0">
+                <a:solidFill>
+                  <a:schemeClr val="bg1"/>
+                </a:solidFill>
+                <a:latin typeface="+mj-lt"/>
+                <a:ea typeface="+mj-ea"/>
+                <a:cs typeface="+mj-cs"/>
+              </a:defRPr>
+            </a:lvl1pPr>
+          </a:lstStyle>
+          <a:p>
+            <a:r>
+              <a:rPr lang="en-US" dirty="0" err="1" smtClean="0"/>
+              <a:t>Pembuatan</a:t>
+            </a:r>
+            <a:endParaRPr lang="en-US" dirty="0"/>
+          </a:p>
+        </p:txBody>
+      </p:sp>
+    </p:spTree>
+    <p:extLst>
+      <p:ext uri="{BB962C8B-B14F-4D97-AF65-F5344CB8AC3E}">
+        <p14:creationId xmlns:p14="http://schemas.microsoft.com/office/powerpoint/2010/main" val="1772879161"/>
+      </p:ext>
+    </p:extLst>
+  </p:cSld>
+  <p:clrMapOvr>
+    <a:masterClrMapping/>
+  </p:clrMapOvr>
+  <mc:AlternateContent xmlns:mc="http://schemas.openxmlformats.org/markup-compatibility/2006">
+    <mc:Choice xmlns:p14="http://schemas.microsoft.com/office/powerpoint/2010/main" Requires="p14">
+      <p:transition spd="med" p14:dur="700">
+        <p:fade/>
+      </p:transition>
+    </mc:Choice>
+    <mc:Fallback>
+      <p:transition spd="med">
+        <p:fade/>
+      </p:transition>
+    </mc:Fallback>
+  </mc:AlternateContent>
+  <p:timing>
+    <p:tnLst>
+      <p:par>
+        <p:cTn id="1" dur="indefinite" restart="never" nodeType="tmRoot"/>
+      </p:par>
+    </p:tnLst>
+  </p:timing>
+</p:sld>
+</file>
+
+<file path=ppt/slides/slide32.xml><?xml version="1.0" encoding="utf-8"?>
+<p:sld xmlns:a="http://schemas.openxmlformats.org/drawingml/2006/main" xmlns:r="http://schemas.openxmlformats.org/officeDocument/2006/relationships" xmlns:p="http://schemas.openxmlformats.org/presentationml/2006/main">
+  <p:cSld>
+    <p:spTree>
+      <p:nvGrpSpPr>
+        <p:cNvPr id="1" name=""/>
+        <p:cNvGrpSpPr/>
+        <p:nvPr/>
+      </p:nvGrpSpPr>
+      <p:grpSpPr>
+        <a:xfrm>
+          <a:off x="0" y="0"/>
+          <a:ext cx="0" cy="0"/>
+          <a:chOff x="0" y="0"/>
+          <a:chExt cx="0" cy="0"/>
+        </a:xfrm>
+      </p:grpSpPr>
+      <p:sp>
+        <p:nvSpPr>
+          <p:cNvPr id="4" name="Title 3">
+            <a:extLst>
+              <a:ext uri="{FF2B5EF4-FFF2-40B4-BE49-F238E27FC236}">
+                <a16:creationId xmlns="" xmlns:a16="http://schemas.microsoft.com/office/drawing/2014/main" id="{E3BD8413-C238-49D7-A4E1-E8FEF1811A0E}"/>
+              </a:ext>
+            </a:extLst>
+          </p:cNvPr>
+          <p:cNvSpPr>
+            <a:spLocks noGrp="1"/>
+          </p:cNvSpPr>
+          <p:nvPr>
+            <p:ph type="title"/>
+          </p:nvPr>
+        </p:nvSpPr>
+        <p:spPr>
+          <a:xfrm>
+            <a:off x="832103" y="31383"/>
+            <a:ext cx="10420097" cy="859055"/>
+          </a:xfrm>
+        </p:spPr>
+        <p:txBody>
+          <a:bodyPr>
+            <a:normAutofit/>
+          </a:bodyPr>
+          <a:lstStyle/>
+          <a:p>
+            <a:r>
+              <a:rPr lang="en-GB" dirty="0" err="1" smtClean="0"/>
+              <a:t>Metode</a:t>
+            </a:r>
+            <a:r>
+              <a:rPr lang="en-GB" dirty="0" smtClean="0"/>
+              <a:t> </a:t>
+            </a:r>
+            <a:r>
+              <a:rPr lang="en-GB" dirty="0" err="1" smtClean="0"/>
+              <a:t>Penelitian</a:t>
+            </a:r>
+            <a:endParaRPr lang="en-GB" dirty="0"/>
+          </a:p>
+        </p:txBody>
+      </p:sp>
+      <p:sp>
+        <p:nvSpPr>
+          <p:cNvPr id="5" name="Text Placeholder 4">
+            <a:extLst>
+              <a:ext uri="{FF2B5EF4-FFF2-40B4-BE49-F238E27FC236}">
+                <a16:creationId xmlns="" xmlns:a16="http://schemas.microsoft.com/office/drawing/2014/main" id="{0A95F4DE-39B7-4CE2-BC1E-8B8AE662A895}"/>
+              </a:ext>
+            </a:extLst>
+          </p:cNvPr>
+          <p:cNvSpPr>
+            <a:spLocks noGrp="1"/>
+          </p:cNvSpPr>
+          <p:nvPr>
+            <p:ph type="body" idx="1"/>
+          </p:nvPr>
+        </p:nvSpPr>
+        <p:spPr>
+          <a:xfrm>
+            <a:off x="831850" y="1768741"/>
+            <a:ext cx="8545232" cy="4546334"/>
+          </a:xfrm>
+        </p:spPr>
+        <p:txBody>
+          <a:bodyPr numCol="1">
+            <a:normAutofit/>
+          </a:bodyPr>
+          <a:lstStyle/>
+          <a:p>
+            <a:pPr lvl="0" algn="just"/>
+            <a:r>
+              <a:rPr lang="en-US" sz="3600" dirty="0" err="1" smtClean="0"/>
+              <a:t>Menguji</a:t>
+            </a:r>
+            <a:r>
+              <a:rPr lang="en-US" sz="3600" dirty="0" smtClean="0"/>
+              <a:t> </a:t>
+            </a:r>
+            <a:r>
+              <a:rPr lang="en-US" sz="3600" dirty="0" err="1" smtClean="0"/>
+              <a:t>Aplikasi</a:t>
+            </a:r>
+            <a:r>
+              <a:rPr lang="en-US" sz="3600" dirty="0" smtClean="0"/>
+              <a:t> Game </a:t>
+            </a:r>
+            <a:r>
+              <a:rPr lang="en-US" sz="3600" dirty="0" err="1" smtClean="0"/>
+              <a:t>Simulasi</a:t>
+            </a:r>
+            <a:r>
+              <a:rPr lang="en-US" sz="3600" dirty="0" smtClean="0"/>
+              <a:t> </a:t>
+            </a:r>
+            <a:r>
+              <a:rPr lang="en-US" sz="3600" dirty="0" err="1" smtClean="0"/>
+              <a:t>Ini</a:t>
+            </a:r>
+            <a:r>
+              <a:rPr lang="en-US" sz="3600" dirty="0" smtClean="0"/>
+              <a:t>.</a:t>
+            </a:r>
+            <a:endParaRPr lang="en-US" sz="3600" dirty="0"/>
+          </a:p>
+        </p:txBody>
+      </p:sp>
+      <p:sp>
+        <p:nvSpPr>
+          <p:cNvPr id="2" name="Slide Number Placeholder 1">
+            <a:extLst>
+              <a:ext uri="{FF2B5EF4-FFF2-40B4-BE49-F238E27FC236}">
+                <a16:creationId xmlns="" xmlns:a16="http://schemas.microsoft.com/office/drawing/2014/main" id="{0B24BF10-2B55-43AB-9F77-F1A1410384A9}"/>
+              </a:ext>
+            </a:extLst>
+          </p:cNvPr>
+          <p:cNvSpPr>
+            <a:spLocks noGrp="1"/>
+          </p:cNvSpPr>
+          <p:nvPr>
+            <p:ph type="sldNum" sz="quarter" idx="12"/>
+          </p:nvPr>
+        </p:nvSpPr>
+        <p:spPr/>
+        <p:txBody>
+          <a:bodyPr/>
+          <a:lstStyle/>
+          <a:p>
+            <a:fld id="{C263D6C4-4840-40CC-AC84-17E24B3B7BDE}" type="slidenum">
+              <a:rPr lang="en-GB" smtClean="0"/>
+              <a:pPr/>
+              <a:t>32</a:t>
+            </a:fld>
+            <a:endParaRPr lang="en-GB" dirty="0"/>
+          </a:p>
+        </p:txBody>
+      </p:sp>
+      <p:sp>
+        <p:nvSpPr>
+          <p:cNvPr id="6" name="Title 3">
+            <a:extLst>
+              <a:ext uri="{FF2B5EF4-FFF2-40B4-BE49-F238E27FC236}">
+                <a16:creationId xmlns="" xmlns:a16="http://schemas.microsoft.com/office/drawing/2014/main" id="{E3BD8413-C238-49D7-A4E1-E8FEF1811A0E}"/>
+              </a:ext>
+            </a:extLst>
+          </p:cNvPr>
+          <p:cNvSpPr txBox="1">
+            <a:spLocks/>
+          </p:cNvSpPr>
+          <p:nvPr/>
+        </p:nvSpPr>
+        <p:spPr>
+          <a:xfrm>
+            <a:off x="832103" y="900062"/>
+            <a:ext cx="10420097" cy="859055"/>
+          </a:xfrm>
+          <a:prstGeom prst="rect">
+            <a:avLst/>
+          </a:prstGeom>
+        </p:spPr>
+        <p:txBody>
+          <a:bodyPr vert="horz" lIns="91440" tIns="45720" rIns="91440" bIns="45720" rtlCol="0" anchor="b">
+            <a:normAutofit/>
+          </a:bodyPr>
+          <a:lstStyle>
+            <a:lvl1pPr algn="l" defTabSz="914400" rtl="0" eaLnBrk="1" latinLnBrk="0" hangingPunct="1">
+              <a:lnSpc>
+                <a:spcPct val="90000"/>
+              </a:lnSpc>
+              <a:spcBef>
+                <a:spcPct val="0"/>
+              </a:spcBef>
+              <a:buNone/>
+              <a:defRPr lang="en-GB" sz="5400" b="1" kern="1200" dirty="0">
+                <a:solidFill>
+                  <a:schemeClr val="bg1"/>
+                </a:solidFill>
+                <a:latin typeface="+mj-lt"/>
+                <a:ea typeface="+mj-ea"/>
+                <a:cs typeface="+mj-cs"/>
+              </a:defRPr>
+            </a:lvl1pPr>
+          </a:lstStyle>
+          <a:p>
+            <a:r>
+              <a:rPr lang="en-US" dirty="0" err="1" smtClean="0"/>
+              <a:t>Pengujian</a:t>
+            </a:r>
+            <a:endParaRPr lang="en-US" dirty="0"/>
+          </a:p>
+        </p:txBody>
+      </p:sp>
+    </p:spTree>
+    <p:extLst>
+      <p:ext uri="{BB962C8B-B14F-4D97-AF65-F5344CB8AC3E}">
+        <p14:creationId xmlns:p14="http://schemas.microsoft.com/office/powerpoint/2010/main" val="654053808"/>
+      </p:ext>
+    </p:extLst>
+  </p:cSld>
+  <p:clrMapOvr>
+    <a:masterClrMapping/>
+  </p:clrMapOvr>
+  <mc:AlternateContent xmlns:mc="http://schemas.openxmlformats.org/markup-compatibility/2006">
+    <mc:Choice xmlns:p14="http://schemas.microsoft.com/office/powerpoint/2010/main" Requires="p14">
+      <p:transition spd="med" p14:dur="700">
+        <p:fade/>
+      </p:transition>
+    </mc:Choice>
+    <mc:Fallback>
+      <p:transition spd="med">
+        <p:fade/>
+      </p:transition>
+    </mc:Fallback>
+  </mc:AlternateContent>
+  <p:timing>
+    <p:tnLst>
+      <p:par>
+        <p:cTn id="1" dur="indefinite" restart="never" nodeType="tmRoot"/>
+      </p:par>
+    </p:tnLst>
+  </p:timing>
+</p:sld>
+</file>
+
+<file path=ppt/slides/slide33.xml><?xml version="1.0" encoding="utf-8"?>
+<p:sld xmlns:a="http://schemas.openxmlformats.org/drawingml/2006/main" xmlns:r="http://schemas.openxmlformats.org/officeDocument/2006/relationships" xmlns:p="http://schemas.openxmlformats.org/presentationml/2006/main">
+  <p:cSld>
+    <p:spTree>
+      <p:nvGrpSpPr>
+        <p:cNvPr id="1" name=""/>
+        <p:cNvGrpSpPr/>
+        <p:nvPr/>
+      </p:nvGrpSpPr>
+      <p:grpSpPr>
+        <a:xfrm>
+          <a:off x="0" y="0"/>
+          <a:ext cx="0" cy="0"/>
+          <a:chOff x="0" y="0"/>
+          <a:chExt cx="0" cy="0"/>
+        </a:xfrm>
+      </p:grpSpPr>
+      <p:sp>
+        <p:nvSpPr>
+          <p:cNvPr id="4" name="Title 3">
+            <a:extLst>
+              <a:ext uri="{FF2B5EF4-FFF2-40B4-BE49-F238E27FC236}">
+                <a16:creationId xmlns="" xmlns:a16="http://schemas.microsoft.com/office/drawing/2014/main" id="{E3BD8413-C238-49D7-A4E1-E8FEF1811A0E}"/>
+              </a:ext>
+            </a:extLst>
+          </p:cNvPr>
+          <p:cNvSpPr>
+            <a:spLocks noGrp="1"/>
+          </p:cNvSpPr>
+          <p:nvPr>
+            <p:ph type="title"/>
+          </p:nvPr>
+        </p:nvSpPr>
+        <p:spPr>
+          <a:xfrm>
+            <a:off x="832103" y="31383"/>
+            <a:ext cx="10420097" cy="859055"/>
+          </a:xfrm>
+        </p:spPr>
+        <p:txBody>
+          <a:bodyPr>
+            <a:normAutofit/>
+          </a:bodyPr>
+          <a:lstStyle/>
+          <a:p>
+            <a:r>
+              <a:rPr lang="en-GB" dirty="0" err="1" smtClean="0"/>
+              <a:t>Metode</a:t>
+            </a:r>
+            <a:r>
+              <a:rPr lang="en-GB" dirty="0" smtClean="0"/>
+              <a:t> </a:t>
+            </a:r>
+            <a:r>
+              <a:rPr lang="en-GB" dirty="0" err="1" smtClean="0"/>
+              <a:t>Penelitian</a:t>
+            </a:r>
+            <a:endParaRPr lang="en-GB" dirty="0"/>
+          </a:p>
+        </p:txBody>
+      </p:sp>
+      <p:sp>
+        <p:nvSpPr>
+          <p:cNvPr id="5" name="Text Placeholder 4">
+            <a:extLst>
+              <a:ext uri="{FF2B5EF4-FFF2-40B4-BE49-F238E27FC236}">
+                <a16:creationId xmlns="" xmlns:a16="http://schemas.microsoft.com/office/drawing/2014/main" id="{0A95F4DE-39B7-4CE2-BC1E-8B8AE662A895}"/>
+              </a:ext>
+            </a:extLst>
+          </p:cNvPr>
+          <p:cNvSpPr>
+            <a:spLocks noGrp="1"/>
+          </p:cNvSpPr>
+          <p:nvPr>
+            <p:ph type="body" idx="1"/>
+          </p:nvPr>
+        </p:nvSpPr>
+        <p:spPr>
+          <a:xfrm>
+            <a:off x="831850" y="1768741"/>
+            <a:ext cx="8545232" cy="4546334"/>
+          </a:xfrm>
+        </p:spPr>
+        <p:txBody>
+          <a:bodyPr numCol="1">
+            <a:normAutofit/>
+          </a:bodyPr>
+          <a:lstStyle/>
+          <a:p>
+            <a:pPr lvl="0" algn="just"/>
+            <a:r>
+              <a:rPr lang="en-US" sz="3600" dirty="0" err="1" smtClean="0"/>
+              <a:t>Pembuatan</a:t>
+            </a:r>
+            <a:r>
+              <a:rPr lang="en-US" sz="3600" dirty="0" smtClean="0"/>
+              <a:t> Master File.</a:t>
+            </a:r>
+            <a:endParaRPr lang="en-US" sz="3600" dirty="0"/>
+          </a:p>
+        </p:txBody>
+      </p:sp>
+      <p:sp>
+        <p:nvSpPr>
+          <p:cNvPr id="2" name="Slide Number Placeholder 1">
+            <a:extLst>
+              <a:ext uri="{FF2B5EF4-FFF2-40B4-BE49-F238E27FC236}">
+                <a16:creationId xmlns="" xmlns:a16="http://schemas.microsoft.com/office/drawing/2014/main" id="{0B24BF10-2B55-43AB-9F77-F1A1410384A9}"/>
+              </a:ext>
+            </a:extLst>
+          </p:cNvPr>
+          <p:cNvSpPr>
+            <a:spLocks noGrp="1"/>
+          </p:cNvSpPr>
+          <p:nvPr>
+            <p:ph type="sldNum" sz="quarter" idx="12"/>
+          </p:nvPr>
+        </p:nvSpPr>
+        <p:spPr/>
+        <p:txBody>
+          <a:bodyPr/>
+          <a:lstStyle/>
+          <a:p>
+            <a:fld id="{C263D6C4-4840-40CC-AC84-17E24B3B7BDE}" type="slidenum">
+              <a:rPr lang="en-GB" smtClean="0"/>
+              <a:pPr/>
+              <a:t>33</a:t>
+            </a:fld>
+            <a:endParaRPr lang="en-GB" dirty="0"/>
+          </a:p>
+        </p:txBody>
+      </p:sp>
+      <p:sp>
+        <p:nvSpPr>
+          <p:cNvPr id="6" name="Title 3">
+            <a:extLst>
+              <a:ext uri="{FF2B5EF4-FFF2-40B4-BE49-F238E27FC236}">
+                <a16:creationId xmlns="" xmlns:a16="http://schemas.microsoft.com/office/drawing/2014/main" id="{E3BD8413-C238-49D7-A4E1-E8FEF1811A0E}"/>
+              </a:ext>
+            </a:extLst>
+          </p:cNvPr>
+          <p:cNvSpPr txBox="1">
+            <a:spLocks/>
+          </p:cNvSpPr>
+          <p:nvPr/>
+        </p:nvSpPr>
+        <p:spPr>
+          <a:xfrm>
+            <a:off x="832103" y="900062"/>
+            <a:ext cx="10420097" cy="859055"/>
+          </a:xfrm>
+          <a:prstGeom prst="rect">
+            <a:avLst/>
+          </a:prstGeom>
+        </p:spPr>
+        <p:txBody>
+          <a:bodyPr vert="horz" lIns="91440" tIns="45720" rIns="91440" bIns="45720" rtlCol="0" anchor="b">
+            <a:normAutofit/>
+          </a:bodyPr>
+          <a:lstStyle>
+            <a:lvl1pPr algn="l" defTabSz="914400" rtl="0" eaLnBrk="1" latinLnBrk="0" hangingPunct="1">
+              <a:lnSpc>
+                <a:spcPct val="90000"/>
+              </a:lnSpc>
+              <a:spcBef>
+                <a:spcPct val="0"/>
+              </a:spcBef>
+              <a:buNone/>
+              <a:defRPr lang="en-GB" sz="5400" b="1" kern="1200" dirty="0">
+                <a:solidFill>
+                  <a:schemeClr val="bg1"/>
+                </a:solidFill>
+                <a:latin typeface="+mj-lt"/>
+                <a:ea typeface="+mj-ea"/>
+                <a:cs typeface="+mj-cs"/>
+              </a:defRPr>
+            </a:lvl1pPr>
+          </a:lstStyle>
+          <a:p>
+            <a:r>
+              <a:rPr lang="en-US" dirty="0" err="1" smtClean="0"/>
+              <a:t>Distribusi</a:t>
+            </a:r>
+            <a:endParaRPr lang="en-US" dirty="0"/>
+          </a:p>
+        </p:txBody>
+      </p:sp>
+    </p:spTree>
+    <p:extLst>
+      <p:ext uri="{BB962C8B-B14F-4D97-AF65-F5344CB8AC3E}">
+        <p14:creationId xmlns:p14="http://schemas.microsoft.com/office/powerpoint/2010/main" val="1722170602"/>
+      </p:ext>
+    </p:extLst>
+  </p:cSld>
+  <p:clrMapOvr>
+    <a:masterClrMapping/>
+  </p:clrMapOvr>
+  <mc:AlternateContent xmlns:mc="http://schemas.openxmlformats.org/markup-compatibility/2006">
+    <mc:Choice xmlns:p14="http://schemas.microsoft.com/office/powerpoint/2010/main" Requires="p14">
+      <p:transition spd="med" p14:dur="700">
+        <p:fade/>
+      </p:transition>
+    </mc:Choice>
+    <mc:Fallback>
+      <p:transition spd="med">
+        <p:fade/>
+      </p:transition>
+    </mc:Fallback>
+  </mc:AlternateContent>
+  <p:timing>
+    <p:tnLst>
+      <p:par>
+        <p:cTn id="1" dur="indefinite" restart="never" nodeType="tmRoot"/>
+      </p:par>
+    </p:tnLst>
+  </p:timing>
+</p:sld>
+</file>
+
+<file path=ppt/slides/slide34.xml><?xml version="1.0" encoding="utf-8"?>
+<p:sld xmlns:a="http://schemas.openxmlformats.org/drawingml/2006/main" xmlns:r="http://schemas.openxmlformats.org/officeDocument/2006/relationships" xmlns:p="http://schemas.openxmlformats.org/presentationml/2006/main">
+  <p:cSld>
+    <p:spTree>
+      <p:nvGrpSpPr>
+        <p:cNvPr id="1" name=""/>
+        <p:cNvGrpSpPr/>
+        <p:nvPr/>
+      </p:nvGrpSpPr>
+      <p:grpSpPr>
+        <a:xfrm>
+          <a:off x="0" y="0"/>
+          <a:ext cx="0" cy="0"/>
+          <a:chOff x="0" y="0"/>
+          <a:chExt cx="0" cy="0"/>
+        </a:xfrm>
+      </p:grpSpPr>
+      <p:sp>
+        <p:nvSpPr>
+          <p:cNvPr id="4" name="Title 3">
+            <a:extLst>
+              <a:ext uri="{FF2B5EF4-FFF2-40B4-BE49-F238E27FC236}">
+                <a16:creationId xmlns="" xmlns:a16="http://schemas.microsoft.com/office/drawing/2014/main" id="{E3BD8413-C238-49D7-A4E1-E8FEF1811A0E}"/>
+              </a:ext>
+            </a:extLst>
+          </p:cNvPr>
+          <p:cNvSpPr>
+            <a:spLocks noGrp="1"/>
+          </p:cNvSpPr>
+          <p:nvPr>
+            <p:ph type="title"/>
+          </p:nvPr>
+        </p:nvSpPr>
+        <p:spPr>
+          <a:xfrm>
+            <a:off x="832103" y="31383"/>
+            <a:ext cx="10420097" cy="859055"/>
+          </a:xfrm>
+        </p:spPr>
+        <p:txBody>
+          <a:bodyPr>
+            <a:normAutofit/>
+          </a:bodyPr>
+          <a:lstStyle/>
+          <a:p>
+            <a:r>
+              <a:rPr lang="en-GB" dirty="0" err="1" smtClean="0"/>
+              <a:t>Metode</a:t>
+            </a:r>
+            <a:r>
+              <a:rPr lang="en-GB" dirty="0" smtClean="0"/>
+              <a:t> </a:t>
+            </a:r>
+            <a:r>
+              <a:rPr lang="en-GB" dirty="0" err="1" smtClean="0"/>
+              <a:t>Pengumpulan</a:t>
+            </a:r>
+            <a:r>
+              <a:rPr lang="en-GB" dirty="0" smtClean="0"/>
+              <a:t> Data</a:t>
+            </a:r>
+            <a:endParaRPr lang="en-GB" dirty="0"/>
+          </a:p>
+        </p:txBody>
+      </p:sp>
+      <p:sp>
+        <p:nvSpPr>
+          <p:cNvPr id="5" name="Text Placeholder 4">
+            <a:extLst>
+              <a:ext uri="{FF2B5EF4-FFF2-40B4-BE49-F238E27FC236}">
+                <a16:creationId xmlns="" xmlns:a16="http://schemas.microsoft.com/office/drawing/2014/main" id="{0A95F4DE-39B7-4CE2-BC1E-8B8AE662A895}"/>
+              </a:ext>
+            </a:extLst>
+          </p:cNvPr>
+          <p:cNvSpPr>
+            <a:spLocks noGrp="1"/>
+          </p:cNvSpPr>
+          <p:nvPr>
+            <p:ph type="body" idx="1"/>
+          </p:nvPr>
+        </p:nvSpPr>
+        <p:spPr>
+          <a:xfrm>
+            <a:off x="831850" y="900062"/>
+            <a:ext cx="8545232" cy="5415013"/>
+          </a:xfrm>
+        </p:spPr>
+        <p:txBody>
+          <a:bodyPr numCol="1">
+            <a:normAutofit/>
+          </a:bodyPr>
+          <a:lstStyle/>
+          <a:p>
+            <a:pPr marL="742950" lvl="0" indent="-742950" algn="just">
+              <a:buFont typeface="+mj-lt"/>
+              <a:buAutoNum type="arabicPeriod"/>
+            </a:pPr>
+            <a:r>
+              <a:rPr lang="en-US" sz="3600" dirty="0" err="1"/>
+              <a:t>Studi</a:t>
+            </a:r>
+            <a:r>
+              <a:rPr lang="en-US" sz="3600" dirty="0"/>
+              <a:t> </a:t>
+            </a:r>
+            <a:r>
+              <a:rPr lang="en-US" sz="3600" dirty="0" smtClean="0"/>
+              <a:t>literature.</a:t>
+            </a:r>
+          </a:p>
+          <a:p>
+            <a:pPr marL="742950" lvl="0" indent="-742950" algn="just">
+              <a:buFont typeface="+mj-lt"/>
+              <a:buAutoNum type="arabicPeriod"/>
+            </a:pPr>
+            <a:r>
+              <a:rPr lang="en-US" sz="3600" dirty="0" err="1" smtClean="0"/>
+              <a:t>Observasi</a:t>
+            </a:r>
+            <a:r>
+              <a:rPr lang="en-US" sz="3600" dirty="0" smtClean="0"/>
+              <a:t>.</a:t>
+            </a:r>
+          </a:p>
+          <a:p>
+            <a:pPr marL="742950" lvl="0" indent="-742950" algn="just">
+              <a:buFont typeface="+mj-lt"/>
+              <a:buAutoNum type="arabicPeriod"/>
+            </a:pPr>
+            <a:r>
+              <a:rPr lang="en-US" sz="3600" dirty="0" err="1" smtClean="0"/>
+              <a:t>Wawancara</a:t>
+            </a:r>
+            <a:r>
+              <a:rPr lang="en-US" sz="3600" dirty="0" smtClean="0"/>
+              <a:t>.</a:t>
+            </a:r>
+            <a:endParaRPr lang="en-US" sz="3600" dirty="0"/>
+          </a:p>
+        </p:txBody>
+      </p:sp>
+      <p:sp>
+        <p:nvSpPr>
+          <p:cNvPr id="2" name="Slide Number Placeholder 1">
+            <a:extLst>
+              <a:ext uri="{FF2B5EF4-FFF2-40B4-BE49-F238E27FC236}">
+                <a16:creationId xmlns="" xmlns:a16="http://schemas.microsoft.com/office/drawing/2014/main" id="{0B24BF10-2B55-43AB-9F77-F1A1410384A9}"/>
+              </a:ext>
+            </a:extLst>
+          </p:cNvPr>
+          <p:cNvSpPr>
+            <a:spLocks noGrp="1"/>
+          </p:cNvSpPr>
+          <p:nvPr>
+            <p:ph type="sldNum" sz="quarter" idx="12"/>
+          </p:nvPr>
+        </p:nvSpPr>
+        <p:spPr/>
+        <p:txBody>
+          <a:bodyPr/>
+          <a:lstStyle/>
+          <a:p>
+            <a:fld id="{C263D6C4-4840-40CC-AC84-17E24B3B7BDE}" type="slidenum">
+              <a:rPr lang="en-GB" smtClean="0"/>
+              <a:pPr/>
+              <a:t>34</a:t>
+            </a:fld>
+            <a:endParaRPr lang="en-GB" dirty="0"/>
+          </a:p>
+        </p:txBody>
+      </p:sp>
+    </p:spTree>
+    <p:extLst>
+      <p:ext uri="{BB962C8B-B14F-4D97-AF65-F5344CB8AC3E}">
+        <p14:creationId xmlns:p14="http://schemas.microsoft.com/office/powerpoint/2010/main" val="1147757168"/>
+      </p:ext>
+    </p:extLst>
+  </p:cSld>
+  <p:clrMapOvr>
+    <a:masterClrMapping/>
+  </p:clrMapOvr>
+  <mc:AlternateContent xmlns:mc="http://schemas.openxmlformats.org/markup-compatibility/2006" xmlns:p14="http://schemas.microsoft.com/office/powerpoint/2010/main">
+    <mc:Choice Requires="p14">
+      <p:transition spd="med" p14:dur="700">
+        <p:fade/>
+      </p:transition>
+    </mc:Choice>
+    <mc:Fallback xmlns="">
+      <p:transition spd="med">
+        <p:fade/>
+      </p:transition>
+    </mc:Fallback>
+  </mc:AlternateContent>
+  <p:timing>
+    <p:tnLst>
+      <p:par>
+        <p:cTn id="1" dur="indefinite" restart="never" nodeType="tmRoot"/>
+      </p:par>
+    </p:tnLst>
+  </p:timing>
+</p:sld>
+</file>
+
+<file path=ppt/slides/slide35.xml><?xml version="1.0" encoding="utf-8"?>
+<p:sld xmlns:a="http://schemas.openxmlformats.org/drawingml/2006/main" xmlns:r="http://schemas.openxmlformats.org/officeDocument/2006/relationships" xmlns:p="http://schemas.openxmlformats.org/presentationml/2006/main">
+  <p:cSld>
+    <p:spTree>
+      <p:nvGrpSpPr>
+        <p:cNvPr id="1" name=""/>
+        <p:cNvGrpSpPr/>
+        <p:nvPr/>
+      </p:nvGrpSpPr>
+      <p:grpSpPr>
+        <a:xfrm>
+          <a:off x="0" y="0"/>
+          <a:ext cx="0" cy="0"/>
+          <a:chOff x="0" y="0"/>
+          <a:chExt cx="0" cy="0"/>
+        </a:xfrm>
+      </p:grpSpPr>
+      <p:sp>
+        <p:nvSpPr>
+          <p:cNvPr id="4" name="Title 3">
+            <a:extLst>
+              <a:ext uri="{FF2B5EF4-FFF2-40B4-BE49-F238E27FC236}">
+                <a16:creationId xmlns="" xmlns:a16="http://schemas.microsoft.com/office/drawing/2014/main" id="{E3BD8413-C238-49D7-A4E1-E8FEF1811A0E}"/>
+              </a:ext>
+            </a:extLst>
+          </p:cNvPr>
+          <p:cNvSpPr>
+            <a:spLocks noGrp="1"/>
+          </p:cNvSpPr>
+          <p:nvPr>
+            <p:ph type="title"/>
+          </p:nvPr>
+        </p:nvSpPr>
+        <p:spPr>
+          <a:xfrm>
+            <a:off x="832103" y="31383"/>
+            <a:ext cx="10420097" cy="859055"/>
+          </a:xfrm>
+        </p:spPr>
+        <p:txBody>
+          <a:bodyPr>
+            <a:normAutofit/>
+          </a:bodyPr>
+          <a:lstStyle/>
+          <a:p>
+            <a:r>
+              <a:rPr lang="en-GB" dirty="0" err="1" smtClean="0"/>
+              <a:t>Metode</a:t>
+            </a:r>
+            <a:r>
+              <a:rPr lang="en-GB" dirty="0" smtClean="0"/>
+              <a:t> </a:t>
+            </a:r>
+            <a:r>
+              <a:rPr lang="en-GB" dirty="0" err="1" smtClean="0"/>
+              <a:t>Perancangan</a:t>
+            </a:r>
+            <a:endParaRPr lang="en-GB" dirty="0"/>
+          </a:p>
+        </p:txBody>
+      </p:sp>
+      <p:sp>
+        <p:nvSpPr>
+          <p:cNvPr id="5" name="Text Placeholder 4">
+            <a:extLst>
+              <a:ext uri="{FF2B5EF4-FFF2-40B4-BE49-F238E27FC236}">
+                <a16:creationId xmlns="" xmlns:a16="http://schemas.microsoft.com/office/drawing/2014/main" id="{0A95F4DE-39B7-4CE2-BC1E-8B8AE662A895}"/>
+              </a:ext>
+            </a:extLst>
+          </p:cNvPr>
+          <p:cNvSpPr>
+            <a:spLocks noGrp="1"/>
+          </p:cNvSpPr>
+          <p:nvPr>
+            <p:ph type="body" idx="1"/>
+          </p:nvPr>
+        </p:nvSpPr>
+        <p:spPr>
+          <a:xfrm>
+            <a:off x="831850" y="900062"/>
+            <a:ext cx="8545232" cy="5415013"/>
+          </a:xfrm>
+        </p:spPr>
+        <p:txBody>
+          <a:bodyPr numCol="1">
+            <a:normAutofit/>
+          </a:bodyPr>
+          <a:lstStyle/>
+          <a:p>
+            <a:pPr marL="742950" lvl="0" indent="-742950">
+              <a:buFont typeface="+mj-lt"/>
+              <a:buAutoNum type="arabicPeriod"/>
+            </a:pPr>
+            <a:r>
+              <a:rPr lang="id-ID" sz="3600" dirty="0"/>
+              <a:t>Identifikasi Masalah.</a:t>
+            </a:r>
+            <a:endParaRPr lang="en-US" sz="3600" dirty="0"/>
+          </a:p>
+          <a:p>
+            <a:pPr marL="742950" lvl="0" indent="-742950">
+              <a:buFont typeface="+mj-lt"/>
+              <a:buAutoNum type="arabicPeriod"/>
+            </a:pPr>
+            <a:r>
+              <a:rPr lang="id-ID" sz="3600" dirty="0"/>
+              <a:t>Membuat Konsep.</a:t>
+            </a:r>
+            <a:endParaRPr lang="en-US" sz="3600" dirty="0"/>
+          </a:p>
+          <a:p>
+            <a:pPr marL="742950" lvl="0" indent="-742950">
+              <a:buFont typeface="+mj-lt"/>
+              <a:buAutoNum type="arabicPeriod"/>
+            </a:pPr>
+            <a:r>
+              <a:rPr lang="id-ID" sz="3600" dirty="0"/>
+              <a:t>Membuat Desain.</a:t>
+            </a:r>
+            <a:endParaRPr lang="en-US" sz="3600" dirty="0"/>
+          </a:p>
+          <a:p>
+            <a:pPr marL="742950" lvl="0" indent="-742950">
+              <a:buFont typeface="+mj-lt"/>
+              <a:buAutoNum type="arabicPeriod"/>
+            </a:pPr>
+            <a:r>
+              <a:rPr lang="id-ID" sz="3600" dirty="0"/>
+              <a:t>Pengumpulan Bahan.</a:t>
+            </a:r>
+            <a:endParaRPr lang="en-US" sz="3600" dirty="0"/>
+          </a:p>
+          <a:p>
+            <a:pPr marL="742950" lvl="0" indent="-742950">
+              <a:buFont typeface="+mj-lt"/>
+              <a:buAutoNum type="arabicPeriod"/>
+            </a:pPr>
+            <a:r>
+              <a:rPr lang="id-ID" sz="3600" dirty="0"/>
+              <a:t>Merancang Aplikasi.</a:t>
+            </a:r>
+            <a:endParaRPr lang="en-US" sz="3600" dirty="0"/>
+          </a:p>
+        </p:txBody>
+      </p:sp>
+      <p:sp>
+        <p:nvSpPr>
+          <p:cNvPr id="2" name="Slide Number Placeholder 1">
+            <a:extLst>
+              <a:ext uri="{FF2B5EF4-FFF2-40B4-BE49-F238E27FC236}">
+                <a16:creationId xmlns="" xmlns:a16="http://schemas.microsoft.com/office/drawing/2014/main" id="{0B24BF10-2B55-43AB-9F77-F1A1410384A9}"/>
+              </a:ext>
+            </a:extLst>
+          </p:cNvPr>
+          <p:cNvSpPr>
+            <a:spLocks noGrp="1"/>
+          </p:cNvSpPr>
+          <p:nvPr>
+            <p:ph type="sldNum" sz="quarter" idx="12"/>
+          </p:nvPr>
+        </p:nvSpPr>
+        <p:spPr/>
+        <p:txBody>
+          <a:bodyPr/>
+          <a:lstStyle/>
+          <a:p>
+            <a:fld id="{C263D6C4-4840-40CC-AC84-17E24B3B7BDE}" type="slidenum">
+              <a:rPr lang="en-GB" smtClean="0"/>
+              <a:pPr/>
+              <a:t>35</a:t>
+            </a:fld>
+            <a:endParaRPr lang="en-GB" dirty="0"/>
+          </a:p>
+        </p:txBody>
+      </p:sp>
+    </p:spTree>
+    <p:extLst>
+      <p:ext uri="{BB962C8B-B14F-4D97-AF65-F5344CB8AC3E}">
+        <p14:creationId xmlns:p14="http://schemas.microsoft.com/office/powerpoint/2010/main" val="581728347"/>
+      </p:ext>
+    </p:extLst>
+  </p:cSld>
+  <p:clrMapOvr>
+    <a:masterClrMapping/>
+  </p:clrMapOvr>
+  <mc:AlternateContent xmlns:mc="http://schemas.openxmlformats.org/markup-compatibility/2006" xmlns:p14="http://schemas.microsoft.com/office/powerpoint/2010/main">
+    <mc:Choice Requires="p14">
+      <p:transition spd="med" p14:dur="700">
+        <p:fade/>
+      </p:transition>
+    </mc:Choice>
+    <mc:Fallback xmlns="">
+      <p:transition spd="med">
+        <p:fade/>
+      </p:transition>
+    </mc:Fallback>
+  </mc:AlternateContent>
+  <p:timing>
+    <p:tnLst>
+      <p:par>
+        <p:cTn id="1" dur="indefinite" restart="never" nodeType="tmRoot"/>
+      </p:par>
+    </p:tnLst>
+  </p:timing>
+</p:sld>
+</file>
+
+<file path=ppt/slides/slide36.xml><?xml version="1.0" encoding="utf-8"?>
+<p:sld xmlns:a="http://schemas.openxmlformats.org/drawingml/2006/main" xmlns:r="http://schemas.openxmlformats.org/officeDocument/2006/relationships" xmlns:p="http://schemas.openxmlformats.org/presentationml/2006/main">
+  <p:cSld>
+    <p:spTree>
+      <p:nvGrpSpPr>
+        <p:cNvPr id="1" name=""/>
+        <p:cNvGrpSpPr/>
+        <p:nvPr/>
+      </p:nvGrpSpPr>
+      <p:grpSpPr>
+        <a:xfrm>
+          <a:off x="0" y="0"/>
+          <a:ext cx="0" cy="0"/>
+          <a:chOff x="0" y="0"/>
+          <a:chExt cx="0" cy="0"/>
+        </a:xfrm>
+      </p:grpSpPr>
+      <p:sp>
+        <p:nvSpPr>
+          <p:cNvPr id="4" name="Title 3">
+            <a:extLst>
+              <a:ext uri="{FF2B5EF4-FFF2-40B4-BE49-F238E27FC236}">
+                <a16:creationId xmlns="" xmlns:a16="http://schemas.microsoft.com/office/drawing/2014/main" id="{E3BD8413-C238-49D7-A4E1-E8FEF1811A0E}"/>
+              </a:ext>
+            </a:extLst>
+          </p:cNvPr>
+          <p:cNvSpPr>
+            <a:spLocks noGrp="1"/>
+          </p:cNvSpPr>
+          <p:nvPr>
+            <p:ph type="title"/>
+          </p:nvPr>
+        </p:nvSpPr>
+        <p:spPr>
+          <a:xfrm>
+            <a:off x="832103" y="31383"/>
+            <a:ext cx="10420097" cy="859055"/>
+          </a:xfrm>
+        </p:spPr>
+        <p:txBody>
+          <a:bodyPr>
+            <a:normAutofit/>
+          </a:bodyPr>
+          <a:lstStyle/>
+          <a:p>
+            <a:r>
+              <a:rPr lang="en-GB" dirty="0" err="1" smtClean="0"/>
+              <a:t>Jadwal</a:t>
+            </a:r>
+            <a:r>
+              <a:rPr lang="en-GB" dirty="0" smtClean="0"/>
+              <a:t> </a:t>
+            </a:r>
+            <a:r>
+              <a:rPr lang="en-GB" dirty="0" err="1" smtClean="0"/>
+              <a:t>Penelitian</a:t>
+            </a:r>
+            <a:endParaRPr lang="en-GB" dirty="0"/>
+          </a:p>
+        </p:txBody>
+      </p:sp>
+      <p:sp>
+        <p:nvSpPr>
+          <p:cNvPr id="2" name="Slide Number Placeholder 1">
+            <a:extLst>
+              <a:ext uri="{FF2B5EF4-FFF2-40B4-BE49-F238E27FC236}">
+                <a16:creationId xmlns="" xmlns:a16="http://schemas.microsoft.com/office/drawing/2014/main" id="{0B24BF10-2B55-43AB-9F77-F1A1410384A9}"/>
+              </a:ext>
+            </a:extLst>
+          </p:cNvPr>
+          <p:cNvSpPr>
+            <a:spLocks noGrp="1"/>
+          </p:cNvSpPr>
+          <p:nvPr>
+            <p:ph type="sldNum" sz="quarter" idx="12"/>
+          </p:nvPr>
+        </p:nvSpPr>
+        <p:spPr/>
+        <p:txBody>
+          <a:bodyPr/>
+          <a:lstStyle/>
+          <a:p>
+            <a:fld id="{C263D6C4-4840-40CC-AC84-17E24B3B7BDE}" type="slidenum">
+              <a:rPr lang="en-GB" smtClean="0"/>
+              <a:pPr/>
+              <a:t>36</a:t>
             </a:fld>
             <a:endParaRPr lang="en-GB" dirty="0"/>
           </a:p>
@@ -35792,13 +39759,13 @@
   <p:clrMapOvr>
     <a:masterClrMapping/>
   </p:clrMapOvr>
-  <mc:AlternateContent xmlns:mc="http://schemas.openxmlformats.org/markup-compatibility/2006">
-    <mc:Choice xmlns:p14="http://schemas.microsoft.com/office/powerpoint/2010/main" Requires="p14">
+  <mc:AlternateContent xmlns:mc="http://schemas.openxmlformats.org/markup-compatibility/2006" xmlns:p14="http://schemas.microsoft.com/office/powerpoint/2010/main">
+    <mc:Choice Requires="p14">
       <p:transition spd="med" p14:dur="700">
         <p:fade/>
       </p:transition>
     </mc:Choice>
-    <mc:Fallback>
+    <mc:Fallback xmlns="">
       <p:transition spd="med">
         <p:fade/>
       </p:transition>
@@ -35814,7 +39781,7 @@
 </p:sld>
 </file>
 
-<file path=ppt/slides/slide31.xml><?xml version="1.0" encoding="utf-8"?>
+<file path=ppt/slides/slide37.xml><?xml version="1.0" encoding="utf-8"?>
 <p:sld xmlns:a="http://schemas.openxmlformats.org/drawingml/2006/main" xmlns:r="http://schemas.openxmlformats.org/officeDocument/2006/relationships" xmlns:p="http://schemas.openxmlformats.org/presentationml/2006/main">
   <p:cSld>
     <p:spTree>
@@ -35836,7 +39803,7 @@
           <p:cNvPr id="2" name="Title 1">
             <a:extLst>
               <a:ext uri="{FF2B5EF4-FFF2-40B4-BE49-F238E27FC236}">
-                <a16:creationId xmlns:a16="http://schemas.microsoft.com/office/drawing/2014/main" xmlns="" id="{632BE5BF-9922-45FB-8F3F-4446D40A051B}"/>
+                <a16:creationId xmlns="" xmlns:a16="http://schemas.microsoft.com/office/drawing/2014/main" id="{632BE5BF-9922-45FB-8F3F-4446D40A051B}"/>
               </a:ext>
             </a:extLst>
           </p:cNvPr>
@@ -35873,6 +39840,13 @@
   <p:transition spd="slow">
     <p:wipe/>
   </p:transition>
+  <p:timing>
+    <p:tnLst>
+      <p:par>
+        <p:cTn id="1" dur="indefinite" restart="never" nodeType="tmRoot"/>
+      </p:par>
+    </p:tnLst>
+  </p:timing>
 </p:sld>
 </file>
 
@@ -35898,7 +39872,7 @@
           <p:cNvPr id="4" name="Title 3">
             <a:extLst>
               <a:ext uri="{FF2B5EF4-FFF2-40B4-BE49-F238E27FC236}">
-                <a16:creationId xmlns:a16="http://schemas.microsoft.com/office/drawing/2014/main" xmlns="" id="{E3BD8413-C238-49D7-A4E1-E8FEF1811A0E}"/>
+                <a16:creationId xmlns="" xmlns:a16="http://schemas.microsoft.com/office/drawing/2014/main" id="{E3BD8413-C238-49D7-A4E1-E8FEF1811A0E}"/>
               </a:ext>
             </a:extLst>
           </p:cNvPr>
@@ -35940,7 +39914,7 @@
           <p:cNvPr id="5" name="Text Placeholder 4">
             <a:extLst>
               <a:ext uri="{FF2B5EF4-FFF2-40B4-BE49-F238E27FC236}">
-                <a16:creationId xmlns:a16="http://schemas.microsoft.com/office/drawing/2014/main" xmlns="" id="{0A95F4DE-39B7-4CE2-BC1E-8B8AE662A895}"/>
+                <a16:creationId xmlns="" xmlns:a16="http://schemas.microsoft.com/office/drawing/2014/main" id="{0A95F4DE-39B7-4CE2-BC1E-8B8AE662A895}"/>
               </a:ext>
             </a:extLst>
           </p:cNvPr>
@@ -36005,7 +39979,7 @@
           <p:cNvPr id="2" name="Slide Number Placeholder 1">
             <a:extLst>
               <a:ext uri="{FF2B5EF4-FFF2-40B4-BE49-F238E27FC236}">
-                <a16:creationId xmlns:a16="http://schemas.microsoft.com/office/drawing/2014/main" xmlns="" id="{0B24BF10-2B55-43AB-9F77-F1A1410384A9}"/>
+                <a16:creationId xmlns="" xmlns:a16="http://schemas.microsoft.com/office/drawing/2014/main" id="{0B24BF10-2B55-43AB-9F77-F1A1410384A9}"/>
               </a:ext>
             </a:extLst>
           </p:cNvPr>
@@ -36316,7 +40290,7 @@
           <p:cNvPr id="4" name="Title 3">
             <a:extLst>
               <a:ext uri="{FF2B5EF4-FFF2-40B4-BE49-F238E27FC236}">
-                <a16:creationId xmlns:a16="http://schemas.microsoft.com/office/drawing/2014/main" xmlns="" id="{E3BD8413-C238-49D7-A4E1-E8FEF1811A0E}"/>
+                <a16:creationId xmlns="" xmlns:a16="http://schemas.microsoft.com/office/drawing/2014/main" id="{E3BD8413-C238-49D7-A4E1-E8FEF1811A0E}"/>
               </a:ext>
             </a:extLst>
           </p:cNvPr>
@@ -36358,7 +40332,7 @@
           <p:cNvPr id="5" name="Text Placeholder 4">
             <a:extLst>
               <a:ext uri="{FF2B5EF4-FFF2-40B4-BE49-F238E27FC236}">
-                <a16:creationId xmlns:a16="http://schemas.microsoft.com/office/drawing/2014/main" xmlns="" id="{0A95F4DE-39B7-4CE2-BC1E-8B8AE662A895}"/>
+                <a16:creationId xmlns="" xmlns:a16="http://schemas.microsoft.com/office/drawing/2014/main" id="{0A95F4DE-39B7-4CE2-BC1E-8B8AE662A895}"/>
               </a:ext>
             </a:extLst>
           </p:cNvPr>
@@ -36423,7 +40397,7 @@
           <p:cNvPr id="2" name="Slide Number Placeholder 1">
             <a:extLst>
               <a:ext uri="{FF2B5EF4-FFF2-40B4-BE49-F238E27FC236}">
-                <a16:creationId xmlns:a16="http://schemas.microsoft.com/office/drawing/2014/main" xmlns="" id="{0B24BF10-2B55-43AB-9F77-F1A1410384A9}"/>
+                <a16:creationId xmlns="" xmlns:a16="http://schemas.microsoft.com/office/drawing/2014/main" id="{0B24BF10-2B55-43AB-9F77-F1A1410384A9}"/>
               </a:ext>
             </a:extLst>
           </p:cNvPr>
@@ -36502,7 +40476,7 @@
           <p:cNvPr id="4" name="Title 3">
             <a:extLst>
               <a:ext uri="{FF2B5EF4-FFF2-40B4-BE49-F238E27FC236}">
-                <a16:creationId xmlns:a16="http://schemas.microsoft.com/office/drawing/2014/main" xmlns="" id="{E3BD8413-C238-49D7-A4E1-E8FEF1811A0E}"/>
+                <a16:creationId xmlns="" xmlns:a16="http://schemas.microsoft.com/office/drawing/2014/main" id="{E3BD8413-C238-49D7-A4E1-E8FEF1811A0E}"/>
               </a:ext>
             </a:extLst>
           </p:cNvPr>
@@ -36544,7 +40518,7 @@
           <p:cNvPr id="5" name="Text Placeholder 4">
             <a:extLst>
               <a:ext uri="{FF2B5EF4-FFF2-40B4-BE49-F238E27FC236}">
-                <a16:creationId xmlns:a16="http://schemas.microsoft.com/office/drawing/2014/main" xmlns="" id="{0A95F4DE-39B7-4CE2-BC1E-8B8AE662A895}"/>
+                <a16:creationId xmlns="" xmlns:a16="http://schemas.microsoft.com/office/drawing/2014/main" id="{0A95F4DE-39B7-4CE2-BC1E-8B8AE662A895}"/>
               </a:ext>
             </a:extLst>
           </p:cNvPr>
@@ -36654,7 +40628,7 @@
           <p:cNvPr id="2" name="Slide Number Placeholder 1">
             <a:extLst>
               <a:ext uri="{FF2B5EF4-FFF2-40B4-BE49-F238E27FC236}">
-                <a16:creationId xmlns:a16="http://schemas.microsoft.com/office/drawing/2014/main" xmlns="" id="{0B24BF10-2B55-43AB-9F77-F1A1410384A9}"/>
+                <a16:creationId xmlns="" xmlns:a16="http://schemas.microsoft.com/office/drawing/2014/main" id="{0B24BF10-2B55-43AB-9F77-F1A1410384A9}"/>
               </a:ext>
             </a:extLst>
           </p:cNvPr>
@@ -36733,7 +40707,7 @@
           <p:cNvPr id="4" name="Title 3">
             <a:extLst>
               <a:ext uri="{FF2B5EF4-FFF2-40B4-BE49-F238E27FC236}">
-                <a16:creationId xmlns:a16="http://schemas.microsoft.com/office/drawing/2014/main" xmlns="" id="{E3BD8413-C238-49D7-A4E1-E8FEF1811A0E}"/>
+                <a16:creationId xmlns="" xmlns:a16="http://schemas.microsoft.com/office/drawing/2014/main" id="{E3BD8413-C238-49D7-A4E1-E8FEF1811A0E}"/>
               </a:ext>
             </a:extLst>
           </p:cNvPr>
@@ -36775,7 +40749,7 @@
           <p:cNvPr id="5" name="Text Placeholder 4">
             <a:extLst>
               <a:ext uri="{FF2B5EF4-FFF2-40B4-BE49-F238E27FC236}">
-                <a16:creationId xmlns:a16="http://schemas.microsoft.com/office/drawing/2014/main" xmlns="" id="{0A95F4DE-39B7-4CE2-BC1E-8B8AE662A895}"/>
+                <a16:creationId xmlns="" xmlns:a16="http://schemas.microsoft.com/office/drawing/2014/main" id="{0A95F4DE-39B7-4CE2-BC1E-8B8AE662A895}"/>
               </a:ext>
             </a:extLst>
           </p:cNvPr>
@@ -36933,7 +40907,7 @@
           <p:cNvPr id="2" name="Slide Number Placeholder 1">
             <a:extLst>
               <a:ext uri="{FF2B5EF4-FFF2-40B4-BE49-F238E27FC236}">
-                <a16:creationId xmlns:a16="http://schemas.microsoft.com/office/drawing/2014/main" xmlns="" id="{0B24BF10-2B55-43AB-9F77-F1A1410384A9}"/>
+                <a16:creationId xmlns="" xmlns:a16="http://schemas.microsoft.com/office/drawing/2014/main" id="{0B24BF10-2B55-43AB-9F77-F1A1410384A9}"/>
               </a:ext>
             </a:extLst>
           </p:cNvPr>
@@ -37012,7 +40986,7 @@
           <p:cNvPr id="4" name="Title 3">
             <a:extLst>
               <a:ext uri="{FF2B5EF4-FFF2-40B4-BE49-F238E27FC236}">
-                <a16:creationId xmlns:a16="http://schemas.microsoft.com/office/drawing/2014/main" xmlns="" id="{E3BD8413-C238-49D7-A4E1-E8FEF1811A0E}"/>
+                <a16:creationId xmlns="" xmlns:a16="http://schemas.microsoft.com/office/drawing/2014/main" id="{E3BD8413-C238-49D7-A4E1-E8FEF1811A0E}"/>
               </a:ext>
             </a:extLst>
           </p:cNvPr>
@@ -37046,7 +41020,7 @@
           <p:cNvPr id="5" name="Text Placeholder 4">
             <a:extLst>
               <a:ext uri="{FF2B5EF4-FFF2-40B4-BE49-F238E27FC236}">
-                <a16:creationId xmlns:a16="http://schemas.microsoft.com/office/drawing/2014/main" xmlns="" id="{0A95F4DE-39B7-4CE2-BC1E-8B8AE662A895}"/>
+                <a16:creationId xmlns="" xmlns:a16="http://schemas.microsoft.com/office/drawing/2014/main" id="{0A95F4DE-39B7-4CE2-BC1E-8B8AE662A895}"/>
               </a:ext>
             </a:extLst>
           </p:cNvPr>
@@ -37087,7 +41061,7 @@
           <p:cNvPr id="2" name="Slide Number Placeholder 1">
             <a:extLst>
               <a:ext uri="{FF2B5EF4-FFF2-40B4-BE49-F238E27FC236}">
-                <a16:creationId xmlns:a16="http://schemas.microsoft.com/office/drawing/2014/main" xmlns="" id="{0B24BF10-2B55-43AB-9F77-F1A1410384A9}"/>
+                <a16:creationId xmlns="" xmlns:a16="http://schemas.microsoft.com/office/drawing/2014/main" id="{0B24BF10-2B55-43AB-9F77-F1A1410384A9}"/>
               </a:ext>
             </a:extLst>
           </p:cNvPr>
@@ -37166,7 +41140,7 @@
           <p:cNvPr id="5" name="Text Placeholder 4">
             <a:extLst>
               <a:ext uri="{FF2B5EF4-FFF2-40B4-BE49-F238E27FC236}">
-                <a16:creationId xmlns:a16="http://schemas.microsoft.com/office/drawing/2014/main" xmlns="" id="{DCDDBE65-9AB1-4989-AF86-726591A6A128}"/>
+                <a16:creationId xmlns="" xmlns:a16="http://schemas.microsoft.com/office/drawing/2014/main" id="{DCDDBE65-9AB1-4989-AF86-726591A6A128}"/>
               </a:ext>
             </a:extLst>
           </p:cNvPr>
@@ -37195,7 +41169,7 @@
           <p:cNvPr id="2" name="Slide Number Placeholder 1">
             <a:extLst>
               <a:ext uri="{FF2B5EF4-FFF2-40B4-BE49-F238E27FC236}">
-                <a16:creationId xmlns:a16="http://schemas.microsoft.com/office/drawing/2014/main" xmlns="" id="{8B065C75-272B-4BB5-BA23-D80E8654D621}"/>
+                <a16:creationId xmlns="" xmlns:a16="http://schemas.microsoft.com/office/drawing/2014/main" id="{8B065C75-272B-4BB5-BA23-D80E8654D621}"/>
               </a:ext>
             </a:extLst>
           </p:cNvPr>
@@ -37225,7 +41199,7 @@
           <p:cNvPr id="4" name="Title 3">
             <a:extLst>
               <a:ext uri="{FF2B5EF4-FFF2-40B4-BE49-F238E27FC236}">
-                <a16:creationId xmlns:a16="http://schemas.microsoft.com/office/drawing/2014/main" xmlns="" id="{BD179B88-D43C-4A31-9A52-3498E9430782}"/>
+                <a16:creationId xmlns="" xmlns:a16="http://schemas.microsoft.com/office/drawing/2014/main" id="{BD179B88-D43C-4A31-9A52-3498E9430782}"/>
               </a:ext>
             </a:extLst>
           </p:cNvPr>
@@ -38090,6 +42064,15 @@
 </file>
 
 <file path=customXml/item2.xml><?xml version="1.0" encoding="utf-8"?>
+<p:properties xmlns:p="http://schemas.microsoft.com/office/2006/metadata/properties" xmlns:xsi="http://www.w3.org/2001/XMLSchema-instance" xmlns:pc="http://schemas.microsoft.com/office/infopath/2007/PartnerControls">
+  <documentManagement>
+    <_ip_UnifiedCompliancePolicyUIAction xmlns="http://schemas.microsoft.com/sharepoint/v3" xsi:nil="true"/>
+    <_ip_UnifiedCompliancePolicyProperties xmlns="http://schemas.microsoft.com/sharepoint/v3" xsi:nil="true"/>
+  </documentManagement>
+</p:properties>
+</file>
+
+<file path=customXml/item3.xml><?xml version="1.0" encoding="utf-8"?>
 <ct:contentTypeSchema xmlns:ct="http://schemas.microsoft.com/office/2006/metadata/contentType" xmlns:ma="http://schemas.microsoft.com/office/2006/metadata/properties/metaAttributes" ct:_="" ma:_="" ma:contentTypeName="Document" ma:contentTypeID="0x010100DEEA25CC0A0AC24199CDC46C25B8B0BC" ma:contentTypeVersion="10" ma:contentTypeDescription="Create a new document." ma:contentTypeScope="" ma:versionID="e3b47856d4cf355c0dacb39e1084d14f">
   <xsd:schema xmlns:xsd="http://www.w3.org/2001/XMLSchema" xmlns:xs="http://www.w3.org/2001/XMLSchema" xmlns:p="http://schemas.microsoft.com/office/2006/metadata/properties" xmlns:ns1="http://schemas.microsoft.com/sharepoint/v3" xmlns:ns2="6dc4bcd6-49db-4c07-9060-8acfc67cef9f" xmlns:ns3="fb0879af-3eba-417a-a55a-ffe6dcd6ca77" targetNamespace="http://schemas.microsoft.com/office/2006/metadata/properties" ma:root="true" ma:fieldsID="a845a615265fdb1f7b12cc65ac20ecbd" ns1:_="" ns2:_="" ns3:_="">
     <xsd:import namespace="http://schemas.microsoft.com/sharepoint/v3"/>
@@ -38297,15 +42280,6 @@
 </ct:contentTypeSchema>
 </file>
 
-<file path=customXml/item3.xml><?xml version="1.0" encoding="utf-8"?>
-<p:properties xmlns:p="http://schemas.microsoft.com/office/2006/metadata/properties" xmlns:xsi="http://www.w3.org/2001/XMLSchema-instance" xmlns:pc="http://schemas.microsoft.com/office/infopath/2007/PartnerControls">
-  <documentManagement>
-    <_ip_UnifiedCompliancePolicyUIAction xmlns="http://schemas.microsoft.com/sharepoint/v3" xsi:nil="true"/>
-    <_ip_UnifiedCompliancePolicyProperties xmlns="http://schemas.microsoft.com/sharepoint/v3" xsi:nil="true"/>
-  </documentManagement>
-</p:properties>
-</file>
-
 <file path=customXml/itemProps1.xml><?xml version="1.0" encoding="utf-8"?>
 <ds:datastoreItem xmlns:ds="http://schemas.openxmlformats.org/officeDocument/2006/customXml" ds:itemID="{8A95DE24-D6C3-4A00-9085-D9594C193AE1}">
   <ds:schemaRefs>
@@ -38315,6 +42289,16 @@
 </file>
 
 <file path=customXml/itemProps2.xml><?xml version="1.0" encoding="utf-8"?>
+<ds:datastoreItem xmlns:ds="http://schemas.openxmlformats.org/officeDocument/2006/customXml" ds:itemID="{F8992231-163D-4428-A2B8-DA1FE0274129}">
+  <ds:schemaRefs>
+    <ds:schemaRef ds:uri="http://schemas.microsoft.com/office/2006/metadata/properties"/>
+    <ds:schemaRef ds:uri="http://schemas.microsoft.com/office/infopath/2007/PartnerControls"/>
+    <ds:schemaRef ds:uri="http://schemas.microsoft.com/sharepoint/v3"/>
+  </ds:schemaRefs>
+</ds:datastoreItem>
+</file>
+
+<file path=customXml/itemProps3.xml><?xml version="1.0" encoding="utf-8"?>
 <ds:datastoreItem xmlns:ds="http://schemas.openxmlformats.org/officeDocument/2006/customXml" ds:itemID="{6B67ACAB-C3DC-429D-A23C-0723C084FEE5}">
   <ds:schemaRefs>
     <ds:schemaRef ds:uri="http://schemas.microsoft.com/office/2006/metadata/contentType"/>
@@ -38332,14 +42316,4 @@
     <ds:schemaRef ds:uri="http://schemas.microsoft.com/internal/obd"/>
   </ds:schemaRefs>
 </ds:datastoreItem>
-</file>
-
-<file path=customXml/itemProps3.xml><?xml version="1.0" encoding="utf-8"?>
-<ds:datastoreItem xmlns:ds="http://schemas.openxmlformats.org/officeDocument/2006/customXml" ds:itemID="{F8992231-163D-4428-A2B8-DA1FE0274129}">
-  <ds:schemaRefs>
-    <ds:schemaRef ds:uri="http://schemas.microsoft.com/office/2006/metadata/properties"/>
-    <ds:schemaRef ds:uri="http://schemas.microsoft.com/office/infopath/2007/PartnerControls"/>
-    <ds:schemaRef ds:uri="http://schemas.microsoft.com/sharepoint/v3"/>
-  </ds:schemaRefs>
-</ds:datastoreItem>
 </file>